--- a/LTM_heritability/figure and table/figure and table.pptx
+++ b/LTM_heritability/figure and table/figure and table.pptx
@@ -8,6 +8,11 @@
     <p:sldId id="256" r:id="rId2"/>
     <p:sldId id="257" r:id="rId3"/>
     <p:sldId id="258" r:id="rId4"/>
+    <p:sldId id="259" r:id="rId5"/>
+    <p:sldId id="260" r:id="rId6"/>
+    <p:sldId id="261" r:id="rId7"/>
+    <p:sldId id="262" r:id="rId8"/>
+    <p:sldId id="263" r:id="rId9"/>
   </p:sldIdLst>
   <p:sldSz cx="9144000" cy="6858000" type="screen4x3"/>
   <p:notesSz cx="6858000" cy="9144000"/>
@@ -290,7 +295,7 @@
           <a:p>
             <a:fld id="{30EB425C-D22F-41CB-B2D3-779BC67161A1}" type="datetimeFigureOut">
               <a:rPr lang="ko-KR" altLang="en-US" smtClean="0"/>
-              <a:t>2018-11-11</a:t>
+              <a:t>2018-11-12</a:t>
             </a:fld>
             <a:endParaRPr lang="ko-KR" altLang="en-US"/>
           </a:p>
@@ -460,7 +465,7 @@
           <a:p>
             <a:fld id="{30EB425C-D22F-41CB-B2D3-779BC67161A1}" type="datetimeFigureOut">
               <a:rPr lang="ko-KR" altLang="en-US" smtClean="0"/>
-              <a:t>2018-11-11</a:t>
+              <a:t>2018-11-12</a:t>
             </a:fld>
             <a:endParaRPr lang="ko-KR" altLang="en-US"/>
           </a:p>
@@ -640,7 +645,7 @@
           <a:p>
             <a:fld id="{30EB425C-D22F-41CB-B2D3-779BC67161A1}" type="datetimeFigureOut">
               <a:rPr lang="ko-KR" altLang="en-US" smtClean="0"/>
-              <a:t>2018-11-11</a:t>
+              <a:t>2018-11-12</a:t>
             </a:fld>
             <a:endParaRPr lang="ko-KR" altLang="en-US"/>
           </a:p>
@@ -810,7 +815,7 @@
           <a:p>
             <a:fld id="{30EB425C-D22F-41CB-B2D3-779BC67161A1}" type="datetimeFigureOut">
               <a:rPr lang="ko-KR" altLang="en-US" smtClean="0"/>
-              <a:t>2018-11-11</a:t>
+              <a:t>2018-11-12</a:t>
             </a:fld>
             <a:endParaRPr lang="ko-KR" altLang="en-US"/>
           </a:p>
@@ -1056,7 +1061,7 @@
           <a:p>
             <a:fld id="{30EB425C-D22F-41CB-B2D3-779BC67161A1}" type="datetimeFigureOut">
               <a:rPr lang="ko-KR" altLang="en-US" smtClean="0"/>
-              <a:t>2018-11-11</a:t>
+              <a:t>2018-11-12</a:t>
             </a:fld>
             <a:endParaRPr lang="ko-KR" altLang="en-US"/>
           </a:p>
@@ -1344,7 +1349,7 @@
           <a:p>
             <a:fld id="{30EB425C-D22F-41CB-B2D3-779BC67161A1}" type="datetimeFigureOut">
               <a:rPr lang="ko-KR" altLang="en-US" smtClean="0"/>
-              <a:t>2018-11-11</a:t>
+              <a:t>2018-11-12</a:t>
             </a:fld>
             <a:endParaRPr lang="ko-KR" altLang="en-US"/>
           </a:p>
@@ -1766,7 +1771,7 @@
           <a:p>
             <a:fld id="{30EB425C-D22F-41CB-B2D3-779BC67161A1}" type="datetimeFigureOut">
               <a:rPr lang="ko-KR" altLang="en-US" smtClean="0"/>
-              <a:t>2018-11-11</a:t>
+              <a:t>2018-11-12</a:t>
             </a:fld>
             <a:endParaRPr lang="ko-KR" altLang="en-US"/>
           </a:p>
@@ -1884,7 +1889,7 @@
           <a:p>
             <a:fld id="{30EB425C-D22F-41CB-B2D3-779BC67161A1}" type="datetimeFigureOut">
               <a:rPr lang="ko-KR" altLang="en-US" smtClean="0"/>
-              <a:t>2018-11-11</a:t>
+              <a:t>2018-11-12</a:t>
             </a:fld>
             <a:endParaRPr lang="ko-KR" altLang="en-US"/>
           </a:p>
@@ -1979,7 +1984,7 @@
           <a:p>
             <a:fld id="{30EB425C-D22F-41CB-B2D3-779BC67161A1}" type="datetimeFigureOut">
               <a:rPr lang="ko-KR" altLang="en-US" smtClean="0"/>
-              <a:t>2018-11-11</a:t>
+              <a:t>2018-11-12</a:t>
             </a:fld>
             <a:endParaRPr lang="ko-KR" altLang="en-US"/>
           </a:p>
@@ -2256,7 +2261,7 @@
           <a:p>
             <a:fld id="{30EB425C-D22F-41CB-B2D3-779BC67161A1}" type="datetimeFigureOut">
               <a:rPr lang="ko-KR" altLang="en-US" smtClean="0"/>
-              <a:t>2018-11-11</a:t>
+              <a:t>2018-11-12</a:t>
             </a:fld>
             <a:endParaRPr lang="ko-KR" altLang="en-US"/>
           </a:p>
@@ -2509,7 +2514,7 @@
           <a:p>
             <a:fld id="{30EB425C-D22F-41CB-B2D3-779BC67161A1}" type="datetimeFigureOut">
               <a:rPr lang="ko-KR" altLang="en-US" smtClean="0"/>
-              <a:t>2018-11-11</a:t>
+              <a:t>2018-11-12</a:t>
             </a:fld>
             <a:endParaRPr lang="ko-KR" altLang="en-US"/>
           </a:p>
@@ -2722,7 +2727,7 @@
           <a:p>
             <a:fld id="{30EB425C-D22F-41CB-B2D3-779BC67161A1}" type="datetimeFigureOut">
               <a:rPr lang="ko-KR" altLang="en-US" smtClean="0"/>
-              <a:t>2018-11-11</a:t>
+              <a:t>2018-11-12</a:t>
             </a:fld>
             <a:endParaRPr lang="ko-KR" altLang="en-US"/>
           </a:p>
@@ -3165,8 +3170,8 @@
           <a:chExt cx="0" cy="0"/>
         </a:xfrm>
       </p:grpSpPr>
-      <mc:AlternateContent xmlns:mc="http://schemas.openxmlformats.org/markup-compatibility/2006">
-        <mc:Choice xmlns:a14="http://schemas.microsoft.com/office/drawing/2010/main" Requires="a14">
+      <mc:AlternateContent xmlns:mc="http://schemas.openxmlformats.org/markup-compatibility/2006" xmlns:a14="http://schemas.microsoft.com/office/drawing/2010/main">
+        <mc:Choice Requires="a14">
           <p:graphicFrame>
             <p:nvGraphicFramePr>
               <p:cNvPr id="4" name="표 3"/>
@@ -3905,29 +3910,7 @@
                               <a:latin typeface="Times New Roman" panose="02020603050405020304" pitchFamily="18" charset="0"/>
                               <a:cs typeface="Times New Roman" panose="02020603050405020304" pitchFamily="18" charset="0"/>
                             </a:rPr>
-                            <a:t>(</a:t>
-                          </a:r>
-                          <a:r>
-                            <a:rPr lang="en-US" altLang="ko-KR" sz="1200" b="0" i="0" u="none" strike="noStrike" dirty="0" smtClean="0">
-                              <a:solidFill>
-                                <a:srgbClr val="000000"/>
-                              </a:solidFill>
-                              <a:effectLst/>
-                              <a:latin typeface="Times New Roman" panose="02020603050405020304" pitchFamily="18" charset="0"/>
-                              <a:cs typeface="Times New Roman" panose="02020603050405020304" pitchFamily="18" charset="0"/>
-                            </a:rPr>
-                            <a:t>0.0218</a:t>
-                          </a:r>
-                          <a:r>
-                            <a:rPr lang="en-US" altLang="ko-KR" sz="1200" b="0" i="0" u="none" strike="noStrike" dirty="0" smtClean="0">
-                              <a:solidFill>
-                                <a:srgbClr val="000000"/>
-                              </a:solidFill>
-                              <a:effectLst/>
-                              <a:latin typeface="Times New Roman" panose="02020603050405020304" pitchFamily="18" charset="0"/>
-                              <a:cs typeface="Times New Roman" panose="02020603050405020304" pitchFamily="18" charset="0"/>
-                            </a:rPr>
-                            <a:t>)</a:t>
+                            <a:t>(0.0218)</a:t>
                           </a:r>
                           <a:endParaRPr lang="en-US" altLang="ko-KR" sz="1200" b="0" i="0" u="none" strike="noStrike" dirty="0">
                             <a:solidFill>
@@ -3993,18 +3976,7 @@
                               <a:latin typeface="Times New Roman" panose="02020603050405020304" pitchFamily="18" charset="0"/>
                               <a:cs typeface="Times New Roman" panose="02020603050405020304" pitchFamily="18" charset="0"/>
                             </a:rPr>
-                            <a:t>(</a:t>
-                          </a:r>
-                          <a:r>
-                            <a:rPr lang="en-US" altLang="ko-KR" sz="1200" b="0" i="0" u="none" strike="noStrike" dirty="0" smtClean="0">
-                              <a:solidFill>
-                                <a:srgbClr val="000000"/>
-                              </a:solidFill>
-                              <a:effectLst/>
-                              <a:latin typeface="Times New Roman" panose="02020603050405020304" pitchFamily="18" charset="0"/>
-                              <a:cs typeface="Times New Roman" panose="02020603050405020304" pitchFamily="18" charset="0"/>
-                            </a:rPr>
-                            <a:t>0.0974)</a:t>
+                            <a:t>(0.0974)</a:t>
                           </a:r>
                           <a:endParaRPr lang="en-US" altLang="ko-KR" sz="1200" b="0" i="0" u="none" strike="noStrike" dirty="0">
                             <a:solidFill>
@@ -4070,18 +4042,7 @@
                               <a:latin typeface="Times New Roman" panose="02020603050405020304" pitchFamily="18" charset="0"/>
                               <a:cs typeface="Times New Roman" panose="02020603050405020304" pitchFamily="18" charset="0"/>
                             </a:rPr>
-                            <a:t>(</a:t>
-                          </a:r>
-                          <a:r>
-                            <a:rPr lang="en-US" altLang="ko-KR" sz="1200" b="0" i="0" u="none" strike="noStrike" dirty="0" smtClean="0">
-                              <a:solidFill>
-                                <a:srgbClr val="000000"/>
-                              </a:solidFill>
-                              <a:effectLst/>
-                              <a:latin typeface="Times New Roman" panose="02020603050405020304" pitchFamily="18" charset="0"/>
-                              <a:cs typeface="Times New Roman" panose="02020603050405020304" pitchFamily="18" charset="0"/>
-                            </a:rPr>
-                            <a:t>0.1315)</a:t>
+                            <a:t>(0.1315)</a:t>
                           </a:r>
                           <a:endParaRPr lang="en-US" altLang="ko-KR" sz="1200" b="0" i="0" u="none" strike="noStrike" dirty="0">
                             <a:solidFill>
@@ -4229,18 +4190,7 @@
                               <a:latin typeface="Times New Roman" panose="02020603050405020304" pitchFamily="18" charset="0"/>
                               <a:cs typeface="Times New Roman" panose="02020603050405020304" pitchFamily="18" charset="0"/>
                             </a:rPr>
-                            <a:t>(</a:t>
-                          </a:r>
-                          <a:r>
-                            <a:rPr lang="en-US" altLang="ko-KR" sz="1200" b="0" i="0" u="none" strike="noStrike" dirty="0" smtClean="0">
-                              <a:solidFill>
-                                <a:srgbClr val="000000"/>
-                              </a:solidFill>
-                              <a:effectLst/>
-                              <a:latin typeface="Times New Roman" panose="02020603050405020304" pitchFamily="18" charset="0"/>
-                              <a:cs typeface="Times New Roman" panose="02020603050405020304" pitchFamily="18" charset="0"/>
-                            </a:rPr>
-                            <a:t>0.0219)</a:t>
+                            <a:t>(0.0219)</a:t>
                           </a:r>
                           <a:endParaRPr lang="en-US" altLang="ko-KR" sz="1200" b="0" i="0" u="none" strike="noStrike" dirty="0">
                             <a:solidFill>
@@ -4304,18 +4254,7 @@
                               <a:latin typeface="Times New Roman" panose="02020603050405020304" pitchFamily="18" charset="0"/>
                               <a:cs typeface="Times New Roman" panose="02020603050405020304" pitchFamily="18" charset="0"/>
                             </a:rPr>
-                            <a:t>(</a:t>
-                          </a:r>
-                          <a:r>
-                            <a:rPr lang="en-US" altLang="ko-KR" sz="1200" b="0" i="0" u="none" strike="noStrike" dirty="0" smtClean="0">
-                              <a:solidFill>
-                                <a:srgbClr val="000000"/>
-                              </a:solidFill>
-                              <a:effectLst/>
-                              <a:latin typeface="Times New Roman" panose="02020603050405020304" pitchFamily="18" charset="0"/>
-                              <a:cs typeface="Times New Roman" panose="02020603050405020304" pitchFamily="18" charset="0"/>
-                            </a:rPr>
-                            <a:t>0.1218)</a:t>
+                            <a:t>(0.1218)</a:t>
                           </a:r>
                           <a:endParaRPr lang="en-US" altLang="ko-KR" sz="1200" b="0" i="0" u="none" strike="noStrike" dirty="0">
                             <a:solidFill>
@@ -4379,18 +4318,7 @@
                               <a:latin typeface="Times New Roman" panose="02020603050405020304" pitchFamily="18" charset="0"/>
                               <a:cs typeface="Times New Roman" panose="02020603050405020304" pitchFamily="18" charset="0"/>
                             </a:rPr>
-                            <a:t>(</a:t>
-                          </a:r>
-                          <a:r>
-                            <a:rPr lang="en-US" altLang="ko-KR" sz="1200" b="0" i="0" u="none" strike="noStrike" dirty="0" smtClean="0">
-                              <a:solidFill>
-                                <a:srgbClr val="000000"/>
-                              </a:solidFill>
-                              <a:effectLst/>
-                              <a:latin typeface="Times New Roman" panose="02020603050405020304" pitchFamily="18" charset="0"/>
-                              <a:cs typeface="Times New Roman" panose="02020603050405020304" pitchFamily="18" charset="0"/>
-                            </a:rPr>
-                            <a:t>0.1655)</a:t>
+                            <a:t>(0.1655)</a:t>
                           </a:r>
                           <a:endParaRPr lang="en-US" altLang="ko-KR" sz="1200" b="0" i="0" u="none" strike="noStrike" dirty="0">
                             <a:solidFill>
@@ -4554,18 +4482,7 @@
                               <a:latin typeface="Times New Roman" panose="02020603050405020304" pitchFamily="18" charset="0"/>
                               <a:cs typeface="Times New Roman" panose="02020603050405020304" pitchFamily="18" charset="0"/>
                             </a:rPr>
-                            <a:t>(</a:t>
-                          </a:r>
-                          <a:r>
-                            <a:rPr lang="en-US" altLang="ko-KR" sz="1200" b="0" i="0" u="none" strike="noStrike" dirty="0" smtClean="0">
-                              <a:solidFill>
-                                <a:srgbClr val="000000"/>
-                              </a:solidFill>
-                              <a:effectLst/>
-                              <a:latin typeface="Times New Roman" panose="02020603050405020304" pitchFamily="18" charset="0"/>
-                              <a:cs typeface="Times New Roman" panose="02020603050405020304" pitchFamily="18" charset="0"/>
-                            </a:rPr>
-                            <a:t>0.0223)</a:t>
+                            <a:t>(0.0223)</a:t>
                           </a:r>
                         </a:p>
                       </a:txBody>
@@ -4623,27 +4540,8 @@
                               <a:latin typeface="Times New Roman" panose="02020603050405020304" pitchFamily="18" charset="0"/>
                               <a:cs typeface="Times New Roman" panose="02020603050405020304" pitchFamily="18" charset="0"/>
                             </a:rPr>
-                            <a:t>(</a:t>
-                          </a:r>
-                          <a:r>
-                            <a:rPr lang="en-US" altLang="ko-KR" sz="1200" b="0" i="0" u="none" strike="noStrike" dirty="0" smtClean="0">
-                              <a:solidFill>
-                                <a:srgbClr val="000000"/>
-                              </a:solidFill>
-                              <a:effectLst/>
-                              <a:latin typeface="Times New Roman" panose="02020603050405020304" pitchFamily="18" charset="0"/>
-                              <a:cs typeface="Times New Roman" panose="02020603050405020304" pitchFamily="18" charset="0"/>
-                            </a:rPr>
-                            <a:t>0.1326)</a:t>
-                          </a:r>
-                          <a:endParaRPr lang="en-US" altLang="ko-KR" sz="1200" b="0" i="0" u="none" strike="noStrike" dirty="0" smtClean="0">
-                            <a:solidFill>
-                              <a:srgbClr val="000000"/>
-                            </a:solidFill>
-                            <a:effectLst/>
-                            <a:latin typeface="Times New Roman" panose="02020603050405020304" pitchFamily="18" charset="0"/>
-                            <a:cs typeface="Times New Roman" panose="02020603050405020304" pitchFamily="18" charset="0"/>
-                          </a:endParaRPr>
+                            <a:t>(0.1326)</a:t>
+                          </a:r>
                         </a:p>
                       </a:txBody>
                       <a:tcPr marL="9525" marR="9525" marT="9525" marB="0" anchor="ctr">
@@ -4700,18 +4598,7 @@
                               <a:latin typeface="Times New Roman" panose="02020603050405020304" pitchFamily="18" charset="0"/>
                               <a:cs typeface="Times New Roman" panose="02020603050405020304" pitchFamily="18" charset="0"/>
                             </a:rPr>
-                            <a:t>(</a:t>
-                          </a:r>
-                          <a:r>
-                            <a:rPr lang="en-US" altLang="ko-KR" sz="1200" b="0" i="0" u="none" strike="noStrike" dirty="0" smtClean="0">
-                              <a:solidFill>
-                                <a:srgbClr val="000000"/>
-                              </a:solidFill>
-                              <a:effectLst/>
-                              <a:latin typeface="Times New Roman" panose="02020603050405020304" pitchFamily="18" charset="0"/>
-                              <a:cs typeface="Times New Roman" panose="02020603050405020304" pitchFamily="18" charset="0"/>
-                            </a:rPr>
-                            <a:t>0.2494)</a:t>
+                            <a:t>(0.2494)</a:t>
                           </a:r>
                           <a:endParaRPr lang="en-US" altLang="ko-KR" sz="1200" b="0" i="0" u="none" strike="noStrike" dirty="0">
                             <a:solidFill>
@@ -4885,18 +4772,7 @@
                               <a:latin typeface="Times New Roman" panose="02020603050405020304" pitchFamily="18" charset="0"/>
                               <a:cs typeface="Times New Roman" panose="02020603050405020304" pitchFamily="18" charset="0"/>
                             </a:rPr>
-                            <a:t>(</a:t>
-                          </a:r>
-                          <a:r>
-                            <a:rPr lang="en-US" altLang="ko-KR" sz="1200" b="0" i="0" u="none" strike="noStrike" dirty="0" smtClean="0">
-                              <a:solidFill>
-                                <a:srgbClr val="000000"/>
-                              </a:solidFill>
-                              <a:effectLst/>
-                              <a:latin typeface="Times New Roman" panose="02020603050405020304" pitchFamily="18" charset="0"/>
-                              <a:cs typeface="Times New Roman" panose="02020603050405020304" pitchFamily="18" charset="0"/>
-                            </a:rPr>
-                            <a:t>0.0181)</a:t>
+                            <a:t>(0.0181)</a:t>
                           </a:r>
                           <a:endParaRPr lang="en-US" altLang="ko-KR" sz="1200" b="0" i="0" u="none" strike="noStrike" dirty="0">
                             <a:solidFill>
@@ -4962,18 +4838,7 @@
                               <a:latin typeface="Times New Roman" panose="02020603050405020304" pitchFamily="18" charset="0"/>
                               <a:cs typeface="Times New Roman" panose="02020603050405020304" pitchFamily="18" charset="0"/>
                             </a:rPr>
-                            <a:t>(</a:t>
-                          </a:r>
-                          <a:r>
-                            <a:rPr lang="en-US" altLang="ko-KR" sz="1200" b="0" i="0" u="none" strike="noStrike" dirty="0" smtClean="0">
-                              <a:solidFill>
-                                <a:srgbClr val="000000"/>
-                              </a:solidFill>
-                              <a:effectLst/>
-                              <a:latin typeface="Times New Roman" panose="02020603050405020304" pitchFamily="18" charset="0"/>
-                              <a:cs typeface="Times New Roman" panose="02020603050405020304" pitchFamily="18" charset="0"/>
-                            </a:rPr>
-                            <a:t>0.0694)</a:t>
+                            <a:t>(0.0694)</a:t>
                           </a:r>
                           <a:endParaRPr lang="en-US" altLang="ko-KR" sz="1200" b="0" i="0" u="none" strike="noStrike" dirty="0">
                             <a:solidFill>
@@ -5039,18 +4904,7 @@
                               <a:latin typeface="Times New Roman" panose="02020603050405020304" pitchFamily="18" charset="0"/>
                               <a:cs typeface="Times New Roman" panose="02020603050405020304" pitchFamily="18" charset="0"/>
                             </a:rPr>
-                            <a:t>(</a:t>
-                          </a:r>
-                          <a:r>
-                            <a:rPr lang="en-US" altLang="ko-KR" sz="1200" b="0" i="0" u="none" strike="noStrike" dirty="0" smtClean="0">
-                              <a:solidFill>
-                                <a:srgbClr val="000000"/>
-                              </a:solidFill>
-                              <a:effectLst/>
-                              <a:latin typeface="Times New Roman" panose="02020603050405020304" pitchFamily="18" charset="0"/>
-                              <a:cs typeface="Times New Roman" panose="02020603050405020304" pitchFamily="18" charset="0"/>
-                            </a:rPr>
-                            <a:t>0.0811)</a:t>
+                            <a:t>(0.0811)</a:t>
                           </a:r>
                           <a:endParaRPr lang="en-US" altLang="ko-KR" sz="1200" b="0" i="0" u="none" strike="noStrike" dirty="0">
                             <a:solidFill>
@@ -5198,18 +5052,7 @@
                               <a:latin typeface="Times New Roman" panose="02020603050405020304" pitchFamily="18" charset="0"/>
                               <a:cs typeface="Times New Roman" panose="02020603050405020304" pitchFamily="18" charset="0"/>
                             </a:rPr>
-                            <a:t>(</a:t>
-                          </a:r>
-                          <a:r>
-                            <a:rPr lang="en-US" altLang="ko-KR" sz="1200" b="0" i="0" u="none" strike="noStrike" dirty="0" smtClean="0">
-                              <a:solidFill>
-                                <a:srgbClr val="000000"/>
-                              </a:solidFill>
-                              <a:effectLst/>
-                              <a:latin typeface="Times New Roman" panose="02020603050405020304" pitchFamily="18" charset="0"/>
-                              <a:cs typeface="Times New Roman" panose="02020603050405020304" pitchFamily="18" charset="0"/>
-                            </a:rPr>
-                            <a:t>0.0186)</a:t>
+                            <a:t>(0.0186)</a:t>
                           </a:r>
                           <a:endParaRPr lang="en-US" altLang="ko-KR" sz="1200" b="0" i="0" u="none" strike="noStrike" dirty="0">
                             <a:solidFill>
@@ -5273,18 +5116,7 @@
                               <a:latin typeface="Times New Roman" panose="02020603050405020304" pitchFamily="18" charset="0"/>
                               <a:cs typeface="Times New Roman" panose="02020603050405020304" pitchFamily="18" charset="0"/>
                             </a:rPr>
-                            <a:t>(</a:t>
-                          </a:r>
-                          <a:r>
-                            <a:rPr lang="en-US" altLang="ko-KR" sz="1200" b="0" i="0" u="none" strike="noStrike" dirty="0" smtClean="0">
-                              <a:solidFill>
-                                <a:srgbClr val="000000"/>
-                              </a:solidFill>
-                              <a:effectLst/>
-                              <a:latin typeface="Times New Roman" panose="02020603050405020304" pitchFamily="18" charset="0"/>
-                              <a:cs typeface="Times New Roman" panose="02020603050405020304" pitchFamily="18" charset="0"/>
-                            </a:rPr>
-                            <a:t>0.0990)</a:t>
+                            <a:t>(0.0990)</a:t>
                           </a:r>
                           <a:endParaRPr lang="en-US" altLang="ko-KR" sz="1200" b="0" i="0" u="none" strike="noStrike" dirty="0">
                             <a:solidFill>
@@ -5348,18 +5180,7 @@
                               <a:latin typeface="Times New Roman" panose="02020603050405020304" pitchFamily="18" charset="0"/>
                               <a:cs typeface="Times New Roman" panose="02020603050405020304" pitchFamily="18" charset="0"/>
                             </a:rPr>
-                            <a:t>(</a:t>
-                          </a:r>
-                          <a:r>
-                            <a:rPr lang="en-US" altLang="ko-KR" sz="1200" b="0" i="0" u="none" strike="noStrike" dirty="0" smtClean="0">
-                              <a:solidFill>
-                                <a:srgbClr val="000000"/>
-                              </a:solidFill>
-                              <a:effectLst/>
-                              <a:latin typeface="Times New Roman" panose="02020603050405020304" pitchFamily="18" charset="0"/>
-                              <a:cs typeface="Times New Roman" panose="02020603050405020304" pitchFamily="18" charset="0"/>
-                            </a:rPr>
-                            <a:t>0.1258)</a:t>
+                            <a:t>(0.1258)</a:t>
                           </a:r>
                           <a:endParaRPr lang="en-US" altLang="ko-KR" sz="1200" b="0" i="0" u="none" strike="noStrike" dirty="0">
                             <a:solidFill>
@@ -5507,18 +5328,7 @@
                               <a:latin typeface="Times New Roman" panose="02020603050405020304" pitchFamily="18" charset="0"/>
                               <a:cs typeface="Times New Roman" panose="02020603050405020304" pitchFamily="18" charset="0"/>
                             </a:rPr>
-                            <a:t>(</a:t>
-                          </a:r>
-                          <a:r>
-                            <a:rPr lang="en-US" altLang="ko-KR" sz="1200" b="0" i="0" u="none" strike="noStrike" dirty="0" smtClean="0">
-                              <a:solidFill>
-                                <a:srgbClr val="000000"/>
-                              </a:solidFill>
-                              <a:effectLst/>
-                              <a:latin typeface="Times New Roman" panose="02020603050405020304" pitchFamily="18" charset="0"/>
-                              <a:cs typeface="Times New Roman" panose="02020603050405020304" pitchFamily="18" charset="0"/>
-                            </a:rPr>
-                            <a:t>0.0174)</a:t>
+                            <a:t>(0.0174)</a:t>
                           </a:r>
                           <a:endParaRPr lang="en-US" altLang="ko-KR" sz="1200" b="0" i="0" u="none" strike="noStrike" dirty="0">
                             <a:solidFill>
@@ -5584,18 +5394,7 @@
                               <a:latin typeface="Times New Roman" panose="02020603050405020304" pitchFamily="18" charset="0"/>
                               <a:cs typeface="Times New Roman" panose="02020603050405020304" pitchFamily="18" charset="0"/>
                             </a:rPr>
-                            <a:t>(</a:t>
-                          </a:r>
-                          <a:r>
-                            <a:rPr lang="en-US" altLang="ko-KR" sz="1200" b="0" i="0" u="none" strike="noStrike" dirty="0" smtClean="0">
-                              <a:solidFill>
-                                <a:srgbClr val="000000"/>
-                              </a:solidFill>
-                              <a:effectLst/>
-                              <a:latin typeface="Times New Roman" panose="02020603050405020304" pitchFamily="18" charset="0"/>
-                              <a:cs typeface="Times New Roman" panose="02020603050405020304" pitchFamily="18" charset="0"/>
-                            </a:rPr>
-                            <a:t>0.1016)</a:t>
+                            <a:t>(0.1016)</a:t>
                           </a:r>
                           <a:endParaRPr lang="en-US" altLang="ko-KR" sz="1200" b="0" i="0" u="none" strike="noStrike" dirty="0">
                             <a:solidFill>
@@ -5661,18 +5460,7 @@
                               <a:latin typeface="Times New Roman" panose="02020603050405020304" pitchFamily="18" charset="0"/>
                               <a:cs typeface="Times New Roman" panose="02020603050405020304" pitchFamily="18" charset="0"/>
                             </a:rPr>
-                            <a:t>(</a:t>
-                          </a:r>
-                          <a:r>
-                            <a:rPr lang="en-US" altLang="ko-KR" sz="1200" b="0" i="0" u="none" strike="noStrike" dirty="0" smtClean="0">
-                              <a:solidFill>
-                                <a:srgbClr val="000000"/>
-                              </a:solidFill>
-                              <a:effectLst/>
-                              <a:latin typeface="Times New Roman" panose="02020603050405020304" pitchFamily="18" charset="0"/>
-                              <a:cs typeface="Times New Roman" panose="02020603050405020304" pitchFamily="18" charset="0"/>
-                            </a:rPr>
-                            <a:t>0.1459)</a:t>
+                            <a:t>(0.1459)</a:t>
                           </a:r>
                           <a:endParaRPr lang="en-US" altLang="ko-KR" sz="1200" b="0" i="0" u="none" strike="noStrike" dirty="0">
                             <a:solidFill>
@@ -5846,18 +5634,7 @@
                               <a:latin typeface="Times New Roman" panose="02020603050405020304" pitchFamily="18" charset="0"/>
                               <a:cs typeface="Times New Roman" panose="02020603050405020304" pitchFamily="18" charset="0"/>
                             </a:rPr>
-                            <a:t>(</a:t>
-                          </a:r>
-                          <a:r>
-                            <a:rPr lang="en-US" altLang="ko-KR" sz="1200" b="0" i="0" u="none" strike="noStrike" dirty="0" smtClean="0">
-                              <a:solidFill>
-                                <a:srgbClr val="000000"/>
-                              </a:solidFill>
-                              <a:effectLst/>
-                              <a:latin typeface="Times New Roman" panose="02020603050405020304" pitchFamily="18" charset="0"/>
-                              <a:cs typeface="Times New Roman" panose="02020603050405020304" pitchFamily="18" charset="0"/>
-                            </a:rPr>
-                            <a:t>0.0163)</a:t>
+                            <a:t>(0.0163)</a:t>
                           </a:r>
                           <a:endParaRPr lang="en-US" altLang="ko-KR" sz="1200" b="0" i="0" u="none" strike="noStrike" dirty="0">
                             <a:solidFill>
@@ -5923,18 +5700,7 @@
                               <a:latin typeface="Times New Roman" panose="02020603050405020304" pitchFamily="18" charset="0"/>
                               <a:cs typeface="Times New Roman" panose="02020603050405020304" pitchFamily="18" charset="0"/>
                             </a:rPr>
-                            <a:t>(</a:t>
-                          </a:r>
-                          <a:r>
-                            <a:rPr lang="en-US" altLang="ko-KR" sz="1200" b="0" i="0" u="none" strike="noStrike" dirty="0" smtClean="0">
-                              <a:solidFill>
-                                <a:srgbClr val="000000"/>
-                              </a:solidFill>
-                              <a:effectLst/>
-                              <a:latin typeface="Times New Roman" panose="02020603050405020304" pitchFamily="18" charset="0"/>
-                              <a:cs typeface="Times New Roman" panose="02020603050405020304" pitchFamily="18" charset="0"/>
-                            </a:rPr>
-                            <a:t>0.0527)</a:t>
+                            <a:t>(0.0527)</a:t>
                           </a:r>
                           <a:endParaRPr lang="en-US" altLang="ko-KR" sz="1200" b="0" i="0" u="none" strike="noStrike" dirty="0">
                             <a:solidFill>
@@ -6000,18 +5766,7 @@
                               <a:latin typeface="Times New Roman" panose="02020603050405020304" pitchFamily="18" charset="0"/>
                               <a:cs typeface="Times New Roman" panose="02020603050405020304" pitchFamily="18" charset="0"/>
                             </a:rPr>
-                            <a:t>(</a:t>
-                          </a:r>
-                          <a:r>
-                            <a:rPr lang="en-US" altLang="ko-KR" sz="1200" b="0" i="0" u="none" strike="noStrike" dirty="0" smtClean="0">
-                              <a:solidFill>
-                                <a:srgbClr val="000000"/>
-                              </a:solidFill>
-                              <a:effectLst/>
-                              <a:latin typeface="Times New Roman" panose="02020603050405020304" pitchFamily="18" charset="0"/>
-                              <a:cs typeface="Times New Roman" panose="02020603050405020304" pitchFamily="18" charset="0"/>
-                            </a:rPr>
-                            <a:t>0.0531)</a:t>
+                            <a:t>(0.0531)</a:t>
                           </a:r>
                           <a:endParaRPr lang="en-US" altLang="ko-KR" sz="1200" b="0" i="0" u="none" strike="noStrike" dirty="0">
                             <a:solidFill>
@@ -6159,18 +5914,7 @@
                               <a:latin typeface="Times New Roman" panose="02020603050405020304" pitchFamily="18" charset="0"/>
                               <a:cs typeface="Times New Roman" panose="02020603050405020304" pitchFamily="18" charset="0"/>
                             </a:rPr>
-                            <a:t>(</a:t>
-                          </a:r>
-                          <a:r>
-                            <a:rPr lang="en-US" altLang="ko-KR" sz="1200" b="0" i="0" u="none" strike="noStrike" dirty="0" smtClean="0">
-                              <a:solidFill>
-                                <a:srgbClr val="000000"/>
-                              </a:solidFill>
-                              <a:effectLst/>
-                              <a:latin typeface="Times New Roman" panose="02020603050405020304" pitchFamily="18" charset="0"/>
-                              <a:cs typeface="Times New Roman" panose="02020603050405020304" pitchFamily="18" charset="0"/>
-                            </a:rPr>
-                            <a:t>0.0158)</a:t>
+                            <a:t>(0.0158)</a:t>
                           </a:r>
                           <a:endParaRPr lang="en-US" altLang="ko-KR" sz="1200" b="0" i="0" u="none" strike="noStrike" dirty="0">
                             <a:solidFill>
@@ -6234,18 +5978,7 @@
                               <a:latin typeface="Times New Roman" panose="02020603050405020304" pitchFamily="18" charset="0"/>
                               <a:cs typeface="Times New Roman" panose="02020603050405020304" pitchFamily="18" charset="0"/>
                             </a:rPr>
-                            <a:t>(</a:t>
-                          </a:r>
-                          <a:r>
-                            <a:rPr lang="en-US" altLang="ko-KR" sz="1200" b="0" i="0" u="none" strike="noStrike" dirty="0" smtClean="0">
-                              <a:solidFill>
-                                <a:srgbClr val="000000"/>
-                              </a:solidFill>
-                              <a:effectLst/>
-                              <a:latin typeface="Times New Roman" panose="02020603050405020304" pitchFamily="18" charset="0"/>
-                              <a:cs typeface="Times New Roman" panose="02020603050405020304" pitchFamily="18" charset="0"/>
-                            </a:rPr>
-                            <a:t>0.0757)</a:t>
+                            <a:t>(0.0757)</a:t>
                           </a:r>
                           <a:endParaRPr lang="en-US" altLang="ko-KR" sz="1200" b="0" i="0" u="none" strike="noStrike" dirty="0">
                             <a:solidFill>
@@ -6309,18 +6042,7 @@
                               <a:latin typeface="Times New Roman" panose="02020603050405020304" pitchFamily="18" charset="0"/>
                               <a:cs typeface="Times New Roman" panose="02020603050405020304" pitchFamily="18" charset="0"/>
                             </a:rPr>
-                            <a:t>(</a:t>
-                          </a:r>
-                          <a:r>
-                            <a:rPr lang="en-US" altLang="ko-KR" sz="1200" b="0" i="0" u="none" strike="noStrike" dirty="0" smtClean="0">
-                              <a:solidFill>
-                                <a:srgbClr val="000000"/>
-                              </a:solidFill>
-                              <a:effectLst/>
-                              <a:latin typeface="Times New Roman" panose="02020603050405020304" pitchFamily="18" charset="0"/>
-                              <a:cs typeface="Times New Roman" panose="02020603050405020304" pitchFamily="18" charset="0"/>
-                            </a:rPr>
-                            <a:t>0.0809)</a:t>
+                            <a:t>(0.0809)</a:t>
                           </a:r>
                           <a:endParaRPr lang="en-US" altLang="ko-KR" sz="1200" b="0" i="0" u="none" strike="noStrike" dirty="0">
                             <a:solidFill>
@@ -6468,18 +6190,7 @@
                               <a:latin typeface="Times New Roman" panose="02020603050405020304" pitchFamily="18" charset="0"/>
                               <a:cs typeface="Times New Roman" panose="02020603050405020304" pitchFamily="18" charset="0"/>
                             </a:rPr>
-                            <a:t>(</a:t>
-                          </a:r>
-                          <a:r>
-                            <a:rPr lang="en-US" altLang="ko-KR" sz="1200" b="0" i="0" u="none" strike="noStrike" dirty="0" smtClean="0">
-                              <a:solidFill>
-                                <a:srgbClr val="000000"/>
-                              </a:solidFill>
-                              <a:effectLst/>
-                              <a:latin typeface="Times New Roman" panose="02020603050405020304" pitchFamily="18" charset="0"/>
-                              <a:cs typeface="Times New Roman" panose="02020603050405020304" pitchFamily="18" charset="0"/>
-                            </a:rPr>
-                            <a:t>0.0165)</a:t>
+                            <a:t>(0.0165)</a:t>
                           </a:r>
                           <a:endParaRPr lang="en-US" altLang="ko-KR" sz="1200" b="0" i="0" u="none" strike="noStrike" dirty="0">
                             <a:solidFill>
@@ -6545,18 +6256,7 @@
                               <a:latin typeface="Times New Roman" panose="02020603050405020304" pitchFamily="18" charset="0"/>
                               <a:cs typeface="Times New Roman" panose="02020603050405020304" pitchFamily="18" charset="0"/>
                             </a:rPr>
-                            <a:t>(</a:t>
-                          </a:r>
-                          <a:r>
-                            <a:rPr lang="en-US" altLang="ko-KR" sz="1200" b="0" i="0" u="none" strike="noStrike" dirty="0" smtClean="0">
-                              <a:solidFill>
-                                <a:srgbClr val="000000"/>
-                              </a:solidFill>
-                              <a:effectLst/>
-                              <a:latin typeface="Times New Roman" panose="02020603050405020304" pitchFamily="18" charset="0"/>
-                              <a:cs typeface="Times New Roman" panose="02020603050405020304" pitchFamily="18" charset="0"/>
-                            </a:rPr>
-                            <a:t>0.0694)</a:t>
+                            <a:t>(0.0694)</a:t>
                           </a:r>
                           <a:endParaRPr lang="en-US" altLang="ko-KR" sz="1200" b="0" i="0" u="none" strike="noStrike" dirty="0">
                             <a:solidFill>
@@ -6622,18 +6322,7 @@
                               <a:latin typeface="Times New Roman" panose="02020603050405020304" pitchFamily="18" charset="0"/>
                               <a:cs typeface="Times New Roman" panose="02020603050405020304" pitchFamily="18" charset="0"/>
                             </a:rPr>
-                            <a:t>(</a:t>
-                          </a:r>
-                          <a:r>
-                            <a:rPr lang="en-US" altLang="ko-KR" sz="1200" b="0" i="0" u="none" strike="noStrike" dirty="0" smtClean="0">
-                              <a:solidFill>
-                                <a:srgbClr val="000000"/>
-                              </a:solidFill>
-                              <a:effectLst/>
-                              <a:latin typeface="Times New Roman" panose="02020603050405020304" pitchFamily="18" charset="0"/>
-                              <a:cs typeface="Times New Roman" panose="02020603050405020304" pitchFamily="18" charset="0"/>
-                            </a:rPr>
-                            <a:t>0.0810)</a:t>
+                            <a:t>(0.0810)</a:t>
                           </a:r>
                           <a:endParaRPr lang="en-US" altLang="ko-KR" sz="1200" b="0" i="0" u="none" strike="noStrike" dirty="0">
                             <a:solidFill>
@@ -6676,7 +6365,7 @@
             </a:graphic>
           </p:graphicFrame>
         </mc:Choice>
-        <mc:Fallback>
+        <mc:Fallback xmlns="">
           <p:graphicFrame>
             <p:nvGraphicFramePr>
               <p:cNvPr id="4" name="표 3"/>
@@ -10123,8 +9812,8 @@
           <a:chExt cx="0" cy="0"/>
         </a:xfrm>
       </p:grpSpPr>
-      <mc:AlternateContent xmlns:mc="http://schemas.openxmlformats.org/markup-compatibility/2006">
-        <mc:Choice xmlns:a14="http://schemas.microsoft.com/office/drawing/2010/main" Requires="a14">
+      <mc:AlternateContent xmlns:mc="http://schemas.openxmlformats.org/markup-compatibility/2006" xmlns:a14="http://schemas.microsoft.com/office/drawing/2010/main">
+        <mc:Choice Requires="a14">
           <p:graphicFrame>
             <p:nvGraphicFramePr>
               <p:cNvPr id="4" name="표 3"/>
@@ -10835,14 +10524,6 @@
                             </a:rPr>
                             <a:t>0.1349</a:t>
                           </a:r>
-                          <a:endParaRPr lang="en-US" altLang="ko-KR" sz="1200" b="0" i="0" u="none" strike="noStrike" dirty="0" smtClean="0">
-                            <a:solidFill>
-                              <a:srgbClr val="000000"/>
-                            </a:solidFill>
-                            <a:effectLst/>
-                            <a:latin typeface="Times New Roman" panose="02020603050405020304" pitchFamily="18" charset="0"/>
-                            <a:cs typeface="Times New Roman" panose="02020603050405020304" pitchFamily="18" charset="0"/>
-                          </a:endParaRPr>
                         </a:p>
                         <a:p>
                           <a:pPr marL="0" marR="0" indent="0" algn="ctr" defTabSz="914400" rtl="0" eaLnBrk="1" fontAlgn="ctr" latinLnBrk="1" hangingPunct="1">
@@ -10871,29 +10552,7 @@
                               <a:latin typeface="Times New Roman" panose="02020603050405020304" pitchFamily="18" charset="0"/>
                               <a:cs typeface="Times New Roman" panose="02020603050405020304" pitchFamily="18" charset="0"/>
                             </a:rPr>
-                            <a:t>(</a:t>
-                          </a:r>
-                          <a:r>
-                            <a:rPr lang="en-US" altLang="ko-KR" sz="1200" b="0" i="0" u="none" strike="noStrike" dirty="0" smtClean="0">
-                              <a:solidFill>
-                                <a:srgbClr val="000000"/>
-                              </a:solidFill>
-                              <a:effectLst/>
-                              <a:latin typeface="Times New Roman" panose="02020603050405020304" pitchFamily="18" charset="0"/>
-                              <a:cs typeface="Times New Roman" panose="02020603050405020304" pitchFamily="18" charset="0"/>
-                            </a:rPr>
-                            <a:t>0.0188</a:t>
-                          </a:r>
-                          <a:r>
-                            <a:rPr lang="en-US" altLang="ko-KR" sz="1200" b="0" i="0" u="none" strike="noStrike" dirty="0" smtClean="0">
-                              <a:solidFill>
-                                <a:srgbClr val="000000"/>
-                              </a:solidFill>
-                              <a:effectLst/>
-                              <a:latin typeface="Times New Roman" panose="02020603050405020304" pitchFamily="18" charset="0"/>
-                              <a:cs typeface="Times New Roman" panose="02020603050405020304" pitchFamily="18" charset="0"/>
-                            </a:rPr>
-                            <a:t>)</a:t>
+                            <a:t>(0.0188)</a:t>
                           </a:r>
                           <a:endParaRPr lang="en-US" altLang="ko-KR" sz="1200" b="0" i="0" u="none" strike="noStrike" dirty="0">
                             <a:solidFill>
@@ -10947,38 +10606,19 @@
                             </a:rPr>
                             <a:t>0.0481</a:t>
                           </a:r>
-                          <a:endParaRPr lang="en-US" altLang="ko-KR" sz="1200" b="0" i="0" u="none" strike="noStrike" dirty="0" smtClean="0">
-                            <a:solidFill>
-                              <a:srgbClr val="000000"/>
-                            </a:solidFill>
-                            <a:effectLst/>
-                            <a:latin typeface="Times New Roman" panose="02020603050405020304" pitchFamily="18" charset="0"/>
-                            <a:cs typeface="Times New Roman" panose="02020603050405020304" pitchFamily="18" charset="0"/>
-                          </a:endParaRPr>
-                        </a:p>
-                        <a:p>
-                          <a:pPr algn="ctr" fontAlgn="ctr"/>
-                          <a:r>
-                            <a:rPr lang="en-US" altLang="ko-KR" sz="1200" b="0" i="0" u="none" strike="noStrike" dirty="0" smtClean="0">
-                              <a:solidFill>
-                                <a:srgbClr val="000000"/>
-                              </a:solidFill>
-                              <a:effectLst/>
-                              <a:latin typeface="Times New Roman" panose="02020603050405020304" pitchFamily="18" charset="0"/>
-                              <a:cs typeface="Times New Roman" panose="02020603050405020304" pitchFamily="18" charset="0"/>
-                            </a:rPr>
-                            <a:t>(</a:t>
-                          </a:r>
-                          <a:r>
-                            <a:rPr lang="en-US" altLang="ko-KR" sz="1200" b="0" i="0" u="none" strike="noStrike" dirty="0" smtClean="0">
-                              <a:solidFill>
-                                <a:srgbClr val="000000"/>
-                              </a:solidFill>
-                              <a:effectLst/>
-                              <a:latin typeface="Times New Roman" panose="02020603050405020304" pitchFamily="18" charset="0"/>
-                              <a:cs typeface="Times New Roman" panose="02020603050405020304" pitchFamily="18" charset="0"/>
-                            </a:rPr>
-                            <a:t>0.0381)</a:t>
+                        </a:p>
+                        <a:p>
+                          <a:pPr algn="ctr" fontAlgn="ctr"/>
+                          <a:r>
+                            <a:rPr lang="en-US" altLang="ko-KR" sz="1200" b="0" i="0" u="none" strike="noStrike" dirty="0" smtClean="0">
+                              <a:solidFill>
+                                <a:srgbClr val="000000"/>
+                              </a:solidFill>
+                              <a:effectLst/>
+                              <a:latin typeface="Times New Roman" panose="02020603050405020304" pitchFamily="18" charset="0"/>
+                              <a:cs typeface="Times New Roman" panose="02020603050405020304" pitchFamily="18" charset="0"/>
+                            </a:rPr>
+                            <a:t>(0.0381)</a:t>
                           </a:r>
                           <a:endParaRPr lang="en-US" altLang="ko-KR" sz="1200" b="0" i="0" u="none" strike="noStrike" dirty="0">
                             <a:solidFill>
@@ -11044,18 +10684,7 @@
                               <a:latin typeface="Times New Roman" panose="02020603050405020304" pitchFamily="18" charset="0"/>
                               <a:cs typeface="Times New Roman" panose="02020603050405020304" pitchFamily="18" charset="0"/>
                             </a:rPr>
-                            <a:t>(</a:t>
-                          </a:r>
-                          <a:r>
-                            <a:rPr lang="en-US" altLang="ko-KR" sz="1200" b="0" i="0" u="none" strike="noStrike" dirty="0" smtClean="0">
-                              <a:solidFill>
-                                <a:srgbClr val="000000"/>
-                              </a:solidFill>
-                              <a:effectLst/>
-                              <a:latin typeface="Times New Roman" panose="02020603050405020304" pitchFamily="18" charset="0"/>
-                              <a:cs typeface="Times New Roman" panose="02020603050405020304" pitchFamily="18" charset="0"/>
-                            </a:rPr>
-                            <a:t>0)</a:t>
+                            <a:t>(0)</a:t>
                           </a:r>
                           <a:endParaRPr lang="en-US" altLang="ko-KR" sz="1200" b="0" i="0" u="none" strike="noStrike" dirty="0">
                             <a:solidFill>
@@ -11191,38 +10820,19 @@
                             </a:rPr>
                             <a:t>0.1227</a:t>
                           </a:r>
-                          <a:endParaRPr lang="en-US" altLang="ko-KR" sz="1200" b="0" i="0" u="none" strike="noStrike" dirty="0" smtClean="0">
-                            <a:solidFill>
-                              <a:srgbClr val="000000"/>
-                            </a:solidFill>
-                            <a:effectLst/>
-                            <a:latin typeface="Times New Roman" panose="02020603050405020304" pitchFamily="18" charset="0"/>
-                            <a:cs typeface="Times New Roman" panose="02020603050405020304" pitchFamily="18" charset="0"/>
-                          </a:endParaRPr>
-                        </a:p>
-                        <a:p>
-                          <a:pPr algn="ctr" fontAlgn="ctr"/>
-                          <a:r>
-                            <a:rPr lang="en-US" altLang="ko-KR" sz="1200" b="0" i="0" u="none" strike="noStrike" dirty="0" smtClean="0">
-                              <a:solidFill>
-                                <a:srgbClr val="000000"/>
-                              </a:solidFill>
-                              <a:effectLst/>
-                              <a:latin typeface="Times New Roman" panose="02020603050405020304" pitchFamily="18" charset="0"/>
-                              <a:cs typeface="Times New Roman" panose="02020603050405020304" pitchFamily="18" charset="0"/>
-                            </a:rPr>
-                            <a:t>(</a:t>
-                          </a:r>
-                          <a:r>
-                            <a:rPr lang="en-US" altLang="ko-KR" sz="1200" b="0" i="0" u="none" strike="noStrike" dirty="0" smtClean="0">
-                              <a:solidFill>
-                                <a:srgbClr val="000000"/>
-                              </a:solidFill>
-                              <a:effectLst/>
-                              <a:latin typeface="Times New Roman" panose="02020603050405020304" pitchFamily="18" charset="0"/>
-                              <a:cs typeface="Times New Roman" panose="02020603050405020304" pitchFamily="18" charset="0"/>
-                            </a:rPr>
-                            <a:t>0.0197)</a:t>
+                        </a:p>
+                        <a:p>
+                          <a:pPr algn="ctr" fontAlgn="ctr"/>
+                          <a:r>
+                            <a:rPr lang="en-US" altLang="ko-KR" sz="1200" b="0" i="0" u="none" strike="noStrike" dirty="0" smtClean="0">
+                              <a:solidFill>
+                                <a:srgbClr val="000000"/>
+                              </a:solidFill>
+                              <a:effectLst/>
+                              <a:latin typeface="Times New Roman" panose="02020603050405020304" pitchFamily="18" charset="0"/>
+                              <a:cs typeface="Times New Roman" panose="02020603050405020304" pitchFamily="18" charset="0"/>
+                            </a:rPr>
+                            <a:t>(0.0197)</a:t>
                           </a:r>
                           <a:endParaRPr lang="en-US" altLang="ko-KR" sz="1200" b="0" i="0" u="none" strike="noStrike" dirty="0">
                             <a:solidFill>
@@ -11274,38 +10884,19 @@
                             </a:rPr>
                             <a:t>0.2007</a:t>
                           </a:r>
-                          <a:endParaRPr lang="en-US" altLang="ko-KR" sz="1200" b="0" i="0" u="none" strike="noStrike" dirty="0" smtClean="0">
-                            <a:solidFill>
-                              <a:srgbClr val="000000"/>
-                            </a:solidFill>
-                            <a:effectLst/>
-                            <a:latin typeface="Times New Roman" panose="02020603050405020304" pitchFamily="18" charset="0"/>
-                            <a:cs typeface="Times New Roman" panose="02020603050405020304" pitchFamily="18" charset="0"/>
-                          </a:endParaRPr>
-                        </a:p>
-                        <a:p>
-                          <a:pPr algn="ctr" fontAlgn="ctr"/>
-                          <a:r>
-                            <a:rPr lang="en-US" altLang="ko-KR" sz="1200" b="0" i="0" u="none" strike="noStrike" dirty="0" smtClean="0">
-                              <a:solidFill>
-                                <a:srgbClr val="000000"/>
-                              </a:solidFill>
-                              <a:effectLst/>
-                              <a:latin typeface="Times New Roman" panose="02020603050405020304" pitchFamily="18" charset="0"/>
-                              <a:cs typeface="Times New Roman" panose="02020603050405020304" pitchFamily="18" charset="0"/>
-                            </a:rPr>
-                            <a:t>(</a:t>
-                          </a:r>
-                          <a:r>
-                            <a:rPr lang="en-US" altLang="ko-KR" sz="1200" b="0" i="0" u="none" strike="noStrike" dirty="0" smtClean="0">
-                              <a:solidFill>
-                                <a:srgbClr val="000000"/>
-                              </a:solidFill>
-                              <a:effectLst/>
-                              <a:latin typeface="Times New Roman" panose="02020603050405020304" pitchFamily="18" charset="0"/>
-                              <a:cs typeface="Times New Roman" panose="02020603050405020304" pitchFamily="18" charset="0"/>
-                            </a:rPr>
-                            <a:t>0.0408)</a:t>
+                        </a:p>
+                        <a:p>
+                          <a:pPr algn="ctr" fontAlgn="ctr"/>
+                          <a:r>
+                            <a:rPr lang="en-US" altLang="ko-KR" sz="1200" b="0" i="0" u="none" strike="noStrike" dirty="0" smtClean="0">
+                              <a:solidFill>
+                                <a:srgbClr val="000000"/>
+                              </a:solidFill>
+                              <a:effectLst/>
+                              <a:latin typeface="Times New Roman" panose="02020603050405020304" pitchFamily="18" charset="0"/>
+                              <a:cs typeface="Times New Roman" panose="02020603050405020304" pitchFamily="18" charset="0"/>
+                            </a:rPr>
+                            <a:t>(0.0408)</a:t>
                           </a:r>
                           <a:endParaRPr lang="en-US" altLang="ko-KR" sz="1200" b="0" i="0" u="none" strike="noStrike" dirty="0">
                             <a:solidFill>
@@ -11369,18 +10960,7 @@
                               <a:latin typeface="Times New Roman" panose="02020603050405020304" pitchFamily="18" charset="0"/>
                               <a:cs typeface="Times New Roman" panose="02020603050405020304" pitchFamily="18" charset="0"/>
                             </a:rPr>
-                            <a:t>(</a:t>
-                          </a:r>
-                          <a:r>
-                            <a:rPr lang="en-US" altLang="ko-KR" sz="1200" b="0" i="0" u="none" strike="noStrike" dirty="0" smtClean="0">
-                              <a:solidFill>
-                                <a:srgbClr val="000000"/>
-                              </a:solidFill>
-                              <a:effectLst/>
-                              <a:latin typeface="Times New Roman" panose="02020603050405020304" pitchFamily="18" charset="0"/>
-                              <a:cs typeface="Times New Roman" panose="02020603050405020304" pitchFamily="18" charset="0"/>
-                            </a:rPr>
-                            <a:t>0)</a:t>
+                            <a:t>(0)</a:t>
                           </a:r>
                           <a:endParaRPr lang="en-US" altLang="ko-KR" sz="1200" b="0" i="0" u="none" strike="noStrike" dirty="0">
                             <a:solidFill>
@@ -11516,14 +11096,6 @@
                             </a:rPr>
                             <a:t>0.1361</a:t>
                           </a:r>
-                          <a:endParaRPr lang="en-US" altLang="ko-KR" sz="1200" b="0" i="0" u="none" strike="noStrike" dirty="0" smtClean="0">
-                            <a:solidFill>
-                              <a:srgbClr val="000000"/>
-                            </a:solidFill>
-                            <a:effectLst/>
-                            <a:latin typeface="Times New Roman" panose="02020603050405020304" pitchFamily="18" charset="0"/>
-                            <a:cs typeface="Times New Roman" panose="02020603050405020304" pitchFamily="18" charset="0"/>
-                          </a:endParaRPr>
                         </a:p>
                         <a:p>
                           <a:pPr marL="0" marR="0" indent="0" algn="ctr" defTabSz="914400" rtl="0" eaLnBrk="1" fontAlgn="ctr" latinLnBrk="1" hangingPunct="1">
@@ -11552,18 +11124,7 @@
                               <a:latin typeface="Times New Roman" panose="02020603050405020304" pitchFamily="18" charset="0"/>
                               <a:cs typeface="Times New Roman" panose="02020603050405020304" pitchFamily="18" charset="0"/>
                             </a:rPr>
-                            <a:t>(</a:t>
-                          </a:r>
-                          <a:r>
-                            <a:rPr lang="en-US" altLang="ko-KR" sz="1200" b="0" i="0" u="none" strike="noStrike" dirty="0" smtClean="0">
-                              <a:solidFill>
-                                <a:srgbClr val="000000"/>
-                              </a:solidFill>
-                              <a:effectLst/>
-                              <a:latin typeface="Times New Roman" panose="02020603050405020304" pitchFamily="18" charset="0"/>
-                              <a:cs typeface="Times New Roman" panose="02020603050405020304" pitchFamily="18" charset="0"/>
-                            </a:rPr>
-                            <a:t>0.0188)</a:t>
+                            <a:t>(0.0188)</a:t>
                           </a:r>
                         </a:p>
                       </a:txBody>
@@ -11609,47 +11170,20 @@
                             </a:rPr>
                             <a:t>0.4026</a:t>
                           </a:r>
-                          <a:endParaRPr lang="en-US" altLang="ko-KR" sz="1200" b="0" i="0" u="none" strike="noStrike" dirty="0" smtClean="0">
-                            <a:solidFill>
-                              <a:srgbClr val="000000"/>
-                            </a:solidFill>
-                            <a:effectLst/>
-                            <a:latin typeface="Times New Roman" panose="02020603050405020304" pitchFamily="18" charset="0"/>
-                            <a:cs typeface="Times New Roman" panose="02020603050405020304" pitchFamily="18" charset="0"/>
-                          </a:endParaRPr>
-                        </a:p>
-                        <a:p>
-                          <a:pPr algn="ctr" fontAlgn="ctr"/>
-                          <a:r>
-                            <a:rPr lang="en-US" altLang="ko-KR" sz="1200" b="0" i="0" u="none" strike="noStrike" dirty="0" smtClean="0">
-                              <a:solidFill>
-                                <a:srgbClr val="000000"/>
-                              </a:solidFill>
-                              <a:effectLst/>
-                              <a:latin typeface="Times New Roman" panose="02020603050405020304" pitchFamily="18" charset="0"/>
-                              <a:cs typeface="Times New Roman" panose="02020603050405020304" pitchFamily="18" charset="0"/>
-                            </a:rPr>
-                            <a:t>(</a:t>
-                          </a:r>
-                          <a:r>
-                            <a:rPr lang="en-US" altLang="ko-KR" sz="1200" b="0" i="0" u="none" strike="noStrike" dirty="0" smtClean="0">
-                              <a:solidFill>
-                                <a:srgbClr val="000000"/>
-                              </a:solidFill>
-                              <a:effectLst/>
-                              <a:latin typeface="Times New Roman" panose="02020603050405020304" pitchFamily="18" charset="0"/>
-                              <a:cs typeface="Times New Roman" panose="02020603050405020304" pitchFamily="18" charset="0"/>
-                            </a:rPr>
-                            <a:t>0.0450)</a:t>
-                          </a:r>
-                          <a:endParaRPr lang="en-US" altLang="ko-KR" sz="1200" b="0" i="0" u="none" strike="noStrike" dirty="0" smtClean="0">
-                            <a:solidFill>
-                              <a:srgbClr val="000000"/>
-                            </a:solidFill>
-                            <a:effectLst/>
-                            <a:latin typeface="Times New Roman" panose="02020603050405020304" pitchFamily="18" charset="0"/>
-                            <a:cs typeface="Times New Roman" panose="02020603050405020304" pitchFamily="18" charset="0"/>
-                          </a:endParaRPr>
+                        </a:p>
+                        <a:p>
+                          <a:pPr algn="ctr" fontAlgn="ctr"/>
+                          <a:r>
+                            <a:rPr lang="en-US" altLang="ko-KR" sz="1200" b="0" i="0" u="none" strike="noStrike" dirty="0" smtClean="0">
+                              <a:solidFill>
+                                <a:srgbClr val="000000"/>
+                              </a:solidFill>
+                              <a:effectLst/>
+                              <a:latin typeface="Times New Roman" panose="02020603050405020304" pitchFamily="18" charset="0"/>
+                              <a:cs typeface="Times New Roman" panose="02020603050405020304" pitchFamily="18" charset="0"/>
+                            </a:rPr>
+                            <a:t>(0.0450)</a:t>
+                          </a:r>
                         </a:p>
                       </a:txBody>
                       <a:tcPr marL="9525" marR="9525" marT="9525" marB="0" anchor="ctr">
@@ -11706,18 +11240,7 @@
                               <a:latin typeface="Times New Roman" panose="02020603050405020304" pitchFamily="18" charset="0"/>
                               <a:cs typeface="Times New Roman" panose="02020603050405020304" pitchFamily="18" charset="0"/>
                             </a:rPr>
-                            <a:t>(</a:t>
-                          </a:r>
-                          <a:r>
-                            <a:rPr lang="en-US" altLang="ko-KR" sz="1200" b="0" i="0" u="none" strike="noStrike" dirty="0" smtClean="0">
-                              <a:solidFill>
-                                <a:srgbClr val="000000"/>
-                              </a:solidFill>
-                              <a:effectLst/>
-                              <a:latin typeface="Times New Roman" panose="02020603050405020304" pitchFamily="18" charset="0"/>
-                              <a:cs typeface="Times New Roman" panose="02020603050405020304" pitchFamily="18" charset="0"/>
-                            </a:rPr>
-                            <a:t>0)</a:t>
+                            <a:t>(0)</a:t>
                           </a:r>
                           <a:endParaRPr lang="en-US" altLang="ko-KR" sz="1200" b="0" i="0" u="none" strike="noStrike" dirty="0">
                             <a:solidFill>
@@ -11879,38 +11402,19 @@
                             </a:rPr>
                             <a:t>0.1290</a:t>
                           </a:r>
-                          <a:endParaRPr lang="en-US" altLang="ko-KR" sz="1200" b="0" i="0" u="none" strike="noStrike" dirty="0" smtClean="0">
-                            <a:solidFill>
-                              <a:srgbClr val="000000"/>
-                            </a:solidFill>
-                            <a:effectLst/>
-                            <a:latin typeface="Times New Roman" panose="02020603050405020304" pitchFamily="18" charset="0"/>
-                            <a:cs typeface="Times New Roman" panose="02020603050405020304" pitchFamily="18" charset="0"/>
-                          </a:endParaRPr>
-                        </a:p>
-                        <a:p>
-                          <a:pPr algn="ctr" fontAlgn="ctr"/>
-                          <a:r>
-                            <a:rPr lang="en-US" altLang="ko-KR" sz="1200" b="0" i="0" u="none" strike="noStrike" dirty="0" smtClean="0">
-                              <a:solidFill>
-                                <a:srgbClr val="000000"/>
-                              </a:solidFill>
-                              <a:effectLst/>
-                              <a:latin typeface="Times New Roman" panose="02020603050405020304" pitchFamily="18" charset="0"/>
-                              <a:cs typeface="Times New Roman" panose="02020603050405020304" pitchFamily="18" charset="0"/>
-                            </a:rPr>
-                            <a:t>(</a:t>
-                          </a:r>
-                          <a:r>
-                            <a:rPr lang="en-US" altLang="ko-KR" sz="1200" b="0" i="0" u="none" strike="noStrike" dirty="0" smtClean="0">
-                              <a:solidFill>
-                                <a:srgbClr val="000000"/>
-                              </a:solidFill>
-                              <a:effectLst/>
-                              <a:latin typeface="Times New Roman" panose="02020603050405020304" pitchFamily="18" charset="0"/>
-                              <a:cs typeface="Times New Roman" panose="02020603050405020304" pitchFamily="18" charset="0"/>
-                            </a:rPr>
-                            <a:t>0.0130)</a:t>
+                        </a:p>
+                        <a:p>
+                          <a:pPr algn="ctr" fontAlgn="ctr"/>
+                          <a:r>
+                            <a:rPr lang="en-US" altLang="ko-KR" sz="1200" b="0" i="0" u="none" strike="noStrike" dirty="0" smtClean="0">
+                              <a:solidFill>
+                                <a:srgbClr val="000000"/>
+                              </a:solidFill>
+                              <a:effectLst/>
+                              <a:latin typeface="Times New Roman" panose="02020603050405020304" pitchFamily="18" charset="0"/>
+                              <a:cs typeface="Times New Roman" panose="02020603050405020304" pitchFamily="18" charset="0"/>
+                            </a:rPr>
+                            <a:t>(0.0130)</a:t>
                           </a:r>
                           <a:endParaRPr lang="en-US" altLang="ko-KR" sz="1200" b="0" i="0" u="none" strike="noStrike" dirty="0">
                             <a:solidFill>
@@ -11964,38 +11468,19 @@
                             </a:rPr>
                             <a:t>0.0017</a:t>
                           </a:r>
-                          <a:endParaRPr lang="en-US" altLang="ko-KR" sz="1200" b="0" i="0" u="none" strike="noStrike" dirty="0" smtClean="0">
-                            <a:solidFill>
-                              <a:srgbClr val="000000"/>
-                            </a:solidFill>
-                            <a:effectLst/>
-                            <a:latin typeface="Times New Roman" panose="02020603050405020304" pitchFamily="18" charset="0"/>
-                            <a:cs typeface="Times New Roman" panose="02020603050405020304" pitchFamily="18" charset="0"/>
-                          </a:endParaRPr>
-                        </a:p>
-                        <a:p>
-                          <a:pPr algn="ctr" fontAlgn="ctr"/>
-                          <a:r>
-                            <a:rPr lang="en-US" altLang="ko-KR" sz="1200" b="0" i="0" u="none" strike="noStrike" dirty="0" smtClean="0">
-                              <a:solidFill>
-                                <a:srgbClr val="000000"/>
-                              </a:solidFill>
-                              <a:effectLst/>
-                              <a:latin typeface="Times New Roman" panose="02020603050405020304" pitchFamily="18" charset="0"/>
-                              <a:cs typeface="Times New Roman" panose="02020603050405020304" pitchFamily="18" charset="0"/>
-                            </a:rPr>
-                            <a:t>(</a:t>
-                          </a:r>
-                          <a:r>
-                            <a:rPr lang="en-US" altLang="ko-KR" sz="1200" b="0" i="0" u="none" strike="noStrike" dirty="0" smtClean="0">
-                              <a:solidFill>
-                                <a:srgbClr val="000000"/>
-                              </a:solidFill>
-                              <a:effectLst/>
-                              <a:latin typeface="Times New Roman" panose="02020603050405020304" pitchFamily="18" charset="0"/>
-                              <a:cs typeface="Times New Roman" panose="02020603050405020304" pitchFamily="18" charset="0"/>
-                            </a:rPr>
-                            <a:t>0.0065)</a:t>
+                        </a:p>
+                        <a:p>
+                          <a:pPr algn="ctr" fontAlgn="ctr"/>
+                          <a:r>
+                            <a:rPr lang="en-US" altLang="ko-KR" sz="1200" b="0" i="0" u="none" strike="noStrike" dirty="0" smtClean="0">
+                              <a:solidFill>
+                                <a:srgbClr val="000000"/>
+                              </a:solidFill>
+                              <a:effectLst/>
+                              <a:latin typeface="Times New Roman" panose="02020603050405020304" pitchFamily="18" charset="0"/>
+                              <a:cs typeface="Times New Roman" panose="02020603050405020304" pitchFamily="18" charset="0"/>
+                            </a:rPr>
+                            <a:t>(0.0065)</a:t>
                           </a:r>
                           <a:endParaRPr lang="en-US" altLang="ko-KR" sz="1200" b="0" i="0" u="none" strike="noStrike" dirty="0">
                             <a:solidFill>
@@ -12106,18 +11591,7 @@
                               <a:latin typeface="Times New Roman" panose="02020603050405020304" pitchFamily="18" charset="0"/>
                               <a:cs typeface="Times New Roman" panose="02020603050405020304" pitchFamily="18" charset="0"/>
                             </a:rPr>
-                            <a:t>(</a:t>
-                          </a:r>
-                          <a:r>
-                            <a:rPr lang="en-US" altLang="ko-KR" sz="1200" b="0" i="0" u="none" strike="noStrike" dirty="0" smtClean="0">
-                              <a:solidFill>
-                                <a:srgbClr val="000000"/>
-                              </a:solidFill>
-                              <a:effectLst/>
-                              <a:latin typeface="Times New Roman" panose="02020603050405020304" pitchFamily="18" charset="0"/>
-                              <a:cs typeface="Times New Roman" panose="02020603050405020304" pitchFamily="18" charset="0"/>
-                            </a:rPr>
-                            <a:t>1.96</a:t>
+                            <a:t>(1.96</a:t>
                           </a:r>
                           <a14:m>
                             <m:oMath xmlns:m="http://schemas.openxmlformats.org/officeDocument/2006/math">
@@ -12154,18 +11628,7 @@
                               <a:latin typeface="Times New Roman" panose="02020603050405020304" pitchFamily="18" charset="0"/>
                               <a:cs typeface="Times New Roman" panose="02020603050405020304" pitchFamily="18" charset="0"/>
                             </a:rPr>
-                            <a:t>-</a:t>
-                          </a:r>
-                          <a:r>
-                            <a:rPr lang="en-US" altLang="ko-KR" sz="1200" b="0" i="0" u="none" strike="noStrike" baseline="30000" dirty="0" smtClean="0">
-                              <a:solidFill>
-                                <a:srgbClr val="000000"/>
-                              </a:solidFill>
-                              <a:effectLst/>
-                              <a:latin typeface="Times New Roman" panose="02020603050405020304" pitchFamily="18" charset="0"/>
-                              <a:cs typeface="Times New Roman" panose="02020603050405020304" pitchFamily="18" charset="0"/>
-                            </a:rPr>
-                            <a:t>7</a:t>
+                            <a:t>-7</a:t>
                           </a:r>
                           <a:r>
                             <a:rPr lang="en-US" altLang="ko-KR" sz="1200" b="0" i="0" u="none" strike="noStrike" dirty="0" smtClean="0">
@@ -12312,38 +11775,19 @@
                             </a:rPr>
                             <a:t>0.1263</a:t>
                           </a:r>
-                          <a:endParaRPr lang="en-US" altLang="ko-KR" sz="1200" b="0" i="0" u="none" strike="noStrike" dirty="0" smtClean="0">
-                            <a:solidFill>
-                              <a:srgbClr val="000000"/>
-                            </a:solidFill>
-                            <a:effectLst/>
-                            <a:latin typeface="Times New Roman" panose="02020603050405020304" pitchFamily="18" charset="0"/>
-                            <a:cs typeface="Times New Roman" panose="02020603050405020304" pitchFamily="18" charset="0"/>
-                          </a:endParaRPr>
-                        </a:p>
-                        <a:p>
-                          <a:pPr algn="ctr" fontAlgn="ctr"/>
-                          <a:r>
-                            <a:rPr lang="en-US" altLang="ko-KR" sz="1200" b="0" i="0" u="none" strike="noStrike" dirty="0" smtClean="0">
-                              <a:solidFill>
-                                <a:srgbClr val="000000"/>
-                              </a:solidFill>
-                              <a:effectLst/>
-                              <a:latin typeface="Times New Roman" panose="02020603050405020304" pitchFamily="18" charset="0"/>
-                              <a:cs typeface="Times New Roman" panose="02020603050405020304" pitchFamily="18" charset="0"/>
-                            </a:rPr>
-                            <a:t>(</a:t>
-                          </a:r>
-                          <a:r>
-                            <a:rPr lang="en-US" altLang="ko-KR" sz="1200" b="0" i="0" u="none" strike="noStrike" dirty="0" smtClean="0">
-                              <a:solidFill>
-                                <a:srgbClr val="000000"/>
-                              </a:solidFill>
-                              <a:effectLst/>
-                              <a:latin typeface="Times New Roman" panose="02020603050405020304" pitchFamily="18" charset="0"/>
-                              <a:cs typeface="Times New Roman" panose="02020603050405020304" pitchFamily="18" charset="0"/>
-                            </a:rPr>
-                            <a:t>0.0134)</a:t>
+                        </a:p>
+                        <a:p>
+                          <a:pPr algn="ctr" fontAlgn="ctr"/>
+                          <a:r>
+                            <a:rPr lang="en-US" altLang="ko-KR" sz="1200" b="0" i="0" u="none" strike="noStrike" dirty="0" smtClean="0">
+                              <a:solidFill>
+                                <a:srgbClr val="000000"/>
+                              </a:solidFill>
+                              <a:effectLst/>
+                              <a:latin typeface="Times New Roman" panose="02020603050405020304" pitchFamily="18" charset="0"/>
+                              <a:cs typeface="Times New Roman" panose="02020603050405020304" pitchFamily="18" charset="0"/>
+                            </a:rPr>
+                            <a:t>(0.0134)</a:t>
                           </a:r>
                           <a:endParaRPr lang="en-US" altLang="ko-KR" sz="1200" b="0" i="0" u="none" strike="noStrike" dirty="0">
                             <a:solidFill>
@@ -12395,38 +11839,19 @@
                             </a:rPr>
                             <a:t>0.2083</a:t>
                           </a:r>
-                          <a:endParaRPr lang="en-US" altLang="ko-KR" sz="1200" b="0" i="0" u="none" strike="noStrike" dirty="0" smtClean="0">
-                            <a:solidFill>
-                              <a:srgbClr val="000000"/>
-                            </a:solidFill>
-                            <a:effectLst/>
-                            <a:latin typeface="Times New Roman" panose="02020603050405020304" pitchFamily="18" charset="0"/>
-                            <a:cs typeface="Times New Roman" panose="02020603050405020304" pitchFamily="18" charset="0"/>
-                          </a:endParaRPr>
-                        </a:p>
-                        <a:p>
-                          <a:pPr algn="ctr" fontAlgn="ctr"/>
-                          <a:r>
-                            <a:rPr lang="en-US" altLang="ko-KR" sz="1200" b="0" i="0" u="none" strike="noStrike" dirty="0" smtClean="0">
-                              <a:solidFill>
-                                <a:srgbClr val="000000"/>
-                              </a:solidFill>
-                              <a:effectLst/>
-                              <a:latin typeface="Times New Roman" panose="02020603050405020304" pitchFamily="18" charset="0"/>
-                              <a:cs typeface="Times New Roman" panose="02020603050405020304" pitchFamily="18" charset="0"/>
-                            </a:rPr>
-                            <a:t>(</a:t>
-                          </a:r>
-                          <a:r>
-                            <a:rPr lang="en-US" altLang="ko-KR" sz="1200" b="0" i="0" u="none" strike="noStrike" dirty="0" smtClean="0">
-                              <a:solidFill>
-                                <a:srgbClr val="000000"/>
-                              </a:solidFill>
-                              <a:effectLst/>
-                              <a:latin typeface="Times New Roman" panose="02020603050405020304" pitchFamily="18" charset="0"/>
-                              <a:cs typeface="Times New Roman" panose="02020603050405020304" pitchFamily="18" charset="0"/>
-                            </a:rPr>
-                            <a:t>0.0365)</a:t>
+                        </a:p>
+                        <a:p>
+                          <a:pPr algn="ctr" fontAlgn="ctr"/>
+                          <a:r>
+                            <a:rPr lang="en-US" altLang="ko-KR" sz="1200" b="0" i="0" u="none" strike="noStrike" dirty="0" smtClean="0">
+                              <a:solidFill>
+                                <a:srgbClr val="000000"/>
+                              </a:solidFill>
+                              <a:effectLst/>
+                              <a:latin typeface="Times New Roman" panose="02020603050405020304" pitchFamily="18" charset="0"/>
+                              <a:cs typeface="Times New Roman" panose="02020603050405020304" pitchFamily="18" charset="0"/>
+                            </a:rPr>
+                            <a:t>(0.0365)</a:t>
                           </a:r>
                           <a:endParaRPr lang="en-US" altLang="ko-KR" sz="1200" b="0" i="0" u="none" strike="noStrike" dirty="0">
                             <a:solidFill>
@@ -12490,18 +11915,7 @@
                               <a:latin typeface="Times New Roman" panose="02020603050405020304" pitchFamily="18" charset="0"/>
                               <a:cs typeface="Times New Roman" panose="02020603050405020304" pitchFamily="18" charset="0"/>
                             </a:rPr>
-                            <a:t>(</a:t>
-                          </a:r>
-                          <a:r>
-                            <a:rPr lang="en-US" altLang="ko-KR" sz="1200" b="0" i="0" u="none" strike="noStrike" dirty="0" smtClean="0">
-                              <a:solidFill>
-                                <a:srgbClr val="000000"/>
-                              </a:solidFill>
-                              <a:effectLst/>
-                              <a:latin typeface="Times New Roman" panose="02020603050405020304" pitchFamily="18" charset="0"/>
-                              <a:cs typeface="Times New Roman" panose="02020603050405020304" pitchFamily="18" charset="0"/>
-                            </a:rPr>
-                            <a:t>0)</a:t>
+                            <a:t>(0)</a:t>
                           </a:r>
                           <a:endParaRPr lang="en-US" altLang="ko-KR" sz="1200" b="0" i="0" u="none" strike="noStrike" dirty="0">
                             <a:solidFill>
@@ -12637,38 +12051,19 @@
                             </a:rPr>
                             <a:t>0.1167</a:t>
                           </a:r>
-                          <a:endParaRPr lang="en-US" altLang="ko-KR" sz="1200" b="0" i="0" u="none" strike="noStrike" dirty="0" smtClean="0">
-                            <a:solidFill>
-                              <a:srgbClr val="000000"/>
-                            </a:solidFill>
-                            <a:effectLst/>
-                            <a:latin typeface="Times New Roman" panose="02020603050405020304" pitchFamily="18" charset="0"/>
-                            <a:cs typeface="Times New Roman" panose="02020603050405020304" pitchFamily="18" charset="0"/>
-                          </a:endParaRPr>
-                        </a:p>
-                        <a:p>
-                          <a:pPr algn="ctr" fontAlgn="ctr"/>
-                          <a:r>
-                            <a:rPr lang="en-US" altLang="ko-KR" sz="1200" b="0" i="0" u="none" strike="noStrike" dirty="0" smtClean="0">
-                              <a:solidFill>
-                                <a:srgbClr val="000000"/>
-                              </a:solidFill>
-                              <a:effectLst/>
-                              <a:latin typeface="Times New Roman" panose="02020603050405020304" pitchFamily="18" charset="0"/>
-                              <a:cs typeface="Times New Roman" panose="02020603050405020304" pitchFamily="18" charset="0"/>
-                            </a:rPr>
-                            <a:t>(</a:t>
-                          </a:r>
-                          <a:r>
-                            <a:rPr lang="en-US" altLang="ko-KR" sz="1200" b="0" i="0" u="none" strike="noStrike" dirty="0" smtClean="0">
-                              <a:solidFill>
-                                <a:srgbClr val="000000"/>
-                              </a:solidFill>
-                              <a:effectLst/>
-                              <a:latin typeface="Times New Roman" panose="02020603050405020304" pitchFamily="18" charset="0"/>
-                              <a:cs typeface="Times New Roman" panose="02020603050405020304" pitchFamily="18" charset="0"/>
-                            </a:rPr>
-                            <a:t>0.0132)</a:t>
+                        </a:p>
+                        <a:p>
+                          <a:pPr algn="ctr" fontAlgn="ctr"/>
+                          <a:r>
+                            <a:rPr lang="en-US" altLang="ko-KR" sz="1200" b="0" i="0" u="none" strike="noStrike" dirty="0" smtClean="0">
+                              <a:solidFill>
+                                <a:srgbClr val="000000"/>
+                              </a:solidFill>
+                              <a:effectLst/>
+                              <a:latin typeface="Times New Roman" panose="02020603050405020304" pitchFamily="18" charset="0"/>
+                              <a:cs typeface="Times New Roman" panose="02020603050405020304" pitchFamily="18" charset="0"/>
+                            </a:rPr>
+                            <a:t>(0.0132)</a:t>
                           </a:r>
                           <a:endParaRPr lang="en-US" altLang="ko-KR" sz="1200" b="0" i="0" u="none" strike="noStrike" dirty="0">
                             <a:solidFill>
@@ -12722,38 +12117,19 @@
                             </a:rPr>
                             <a:t>0.3814</a:t>
                           </a:r>
-                          <a:endParaRPr lang="en-US" altLang="ko-KR" sz="1200" b="0" i="0" u="none" strike="noStrike" dirty="0" smtClean="0">
-                            <a:solidFill>
-                              <a:srgbClr val="000000"/>
-                            </a:solidFill>
-                            <a:effectLst/>
-                            <a:latin typeface="Times New Roman" panose="02020603050405020304" pitchFamily="18" charset="0"/>
-                            <a:cs typeface="Times New Roman" panose="02020603050405020304" pitchFamily="18" charset="0"/>
-                          </a:endParaRPr>
-                        </a:p>
-                        <a:p>
-                          <a:pPr algn="ctr" fontAlgn="ctr"/>
-                          <a:r>
-                            <a:rPr lang="en-US" altLang="ko-KR" sz="1200" b="0" i="0" u="none" strike="noStrike" dirty="0" smtClean="0">
-                              <a:solidFill>
-                                <a:srgbClr val="000000"/>
-                              </a:solidFill>
-                              <a:effectLst/>
-                              <a:latin typeface="Times New Roman" panose="02020603050405020304" pitchFamily="18" charset="0"/>
-                              <a:cs typeface="Times New Roman" panose="02020603050405020304" pitchFamily="18" charset="0"/>
-                            </a:rPr>
-                            <a:t>(</a:t>
-                          </a:r>
-                          <a:r>
-                            <a:rPr lang="en-US" altLang="ko-KR" sz="1200" b="0" i="0" u="none" strike="noStrike" dirty="0" smtClean="0">
-                              <a:solidFill>
-                                <a:srgbClr val="000000"/>
-                              </a:solidFill>
-                              <a:effectLst/>
-                              <a:latin typeface="Times New Roman" panose="02020603050405020304" pitchFamily="18" charset="0"/>
-                              <a:cs typeface="Times New Roman" panose="02020603050405020304" pitchFamily="18" charset="0"/>
-                            </a:rPr>
-                            <a:t>0.0352)</a:t>
+                        </a:p>
+                        <a:p>
+                          <a:pPr algn="ctr" fontAlgn="ctr"/>
+                          <a:r>
+                            <a:rPr lang="en-US" altLang="ko-KR" sz="1200" b="0" i="0" u="none" strike="noStrike" dirty="0" smtClean="0">
+                              <a:solidFill>
+                                <a:srgbClr val="000000"/>
+                              </a:solidFill>
+                              <a:effectLst/>
+                              <a:latin typeface="Times New Roman" panose="02020603050405020304" pitchFamily="18" charset="0"/>
+                              <a:cs typeface="Times New Roman" panose="02020603050405020304" pitchFamily="18" charset="0"/>
+                            </a:rPr>
+                            <a:t>(0.0352)</a:t>
                           </a:r>
                           <a:endParaRPr lang="en-US" altLang="ko-KR" sz="1200" b="0" i="0" u="none" strike="noStrike" dirty="0">
                             <a:solidFill>
@@ -12819,18 +12195,7 @@
                               <a:latin typeface="Times New Roman" panose="02020603050405020304" pitchFamily="18" charset="0"/>
                               <a:cs typeface="Times New Roman" panose="02020603050405020304" pitchFamily="18" charset="0"/>
                             </a:rPr>
-                            <a:t>(</a:t>
-                          </a:r>
-                          <a:r>
-                            <a:rPr lang="en-US" altLang="ko-KR" sz="1200" b="0" i="0" u="none" strike="noStrike" dirty="0" smtClean="0">
-                              <a:solidFill>
-                                <a:srgbClr val="000000"/>
-                              </a:solidFill>
-                              <a:effectLst/>
-                              <a:latin typeface="Times New Roman" panose="02020603050405020304" pitchFamily="18" charset="0"/>
-                              <a:cs typeface="Times New Roman" panose="02020603050405020304" pitchFamily="18" charset="0"/>
-                            </a:rPr>
-                            <a:t>0)</a:t>
+                            <a:t>(0)</a:t>
                           </a:r>
                           <a:endParaRPr lang="en-US" altLang="ko-KR" sz="1200" b="0" i="0" u="none" strike="noStrike" dirty="0">
                             <a:solidFill>
@@ -12992,38 +12357,19 @@
                             </a:rPr>
                             <a:t>0.1182</a:t>
                           </a:r>
-                          <a:endParaRPr lang="en-US" altLang="ko-KR" sz="1200" b="0" i="0" u="none" strike="noStrike" dirty="0" smtClean="0">
-                            <a:solidFill>
-                              <a:srgbClr val="000000"/>
-                            </a:solidFill>
-                            <a:effectLst/>
-                            <a:latin typeface="Times New Roman" panose="02020603050405020304" pitchFamily="18" charset="0"/>
-                            <a:cs typeface="Times New Roman" panose="02020603050405020304" pitchFamily="18" charset="0"/>
-                          </a:endParaRPr>
-                        </a:p>
-                        <a:p>
-                          <a:pPr algn="ctr" fontAlgn="ctr"/>
-                          <a:r>
-                            <a:rPr lang="en-US" altLang="ko-KR" sz="1200" b="0" i="0" u="none" strike="noStrike" dirty="0" smtClean="0">
-                              <a:solidFill>
-                                <a:srgbClr val="000000"/>
-                              </a:solidFill>
-                              <a:effectLst/>
-                              <a:latin typeface="Times New Roman" panose="02020603050405020304" pitchFamily="18" charset="0"/>
-                              <a:cs typeface="Times New Roman" panose="02020603050405020304" pitchFamily="18" charset="0"/>
-                            </a:rPr>
-                            <a:t>(</a:t>
-                          </a:r>
-                          <a:r>
-                            <a:rPr lang="en-US" altLang="ko-KR" sz="1200" b="0" i="0" u="none" strike="noStrike" dirty="0" smtClean="0">
-                              <a:solidFill>
-                                <a:srgbClr val="000000"/>
-                              </a:solidFill>
-                              <a:effectLst/>
-                              <a:latin typeface="Times New Roman" panose="02020603050405020304" pitchFamily="18" charset="0"/>
-                              <a:cs typeface="Times New Roman" panose="02020603050405020304" pitchFamily="18" charset="0"/>
-                            </a:rPr>
-                            <a:t>0.0142)</a:t>
+                        </a:p>
+                        <a:p>
+                          <a:pPr algn="ctr" fontAlgn="ctr"/>
+                          <a:r>
+                            <a:rPr lang="en-US" altLang="ko-KR" sz="1200" b="0" i="0" u="none" strike="noStrike" dirty="0" smtClean="0">
+                              <a:solidFill>
+                                <a:srgbClr val="000000"/>
+                              </a:solidFill>
+                              <a:effectLst/>
+                              <a:latin typeface="Times New Roman" panose="02020603050405020304" pitchFamily="18" charset="0"/>
+                              <a:cs typeface="Times New Roman" panose="02020603050405020304" pitchFamily="18" charset="0"/>
+                            </a:rPr>
+                            <a:t>(0.0142)</a:t>
                           </a:r>
                           <a:endParaRPr lang="en-US" altLang="ko-KR" sz="1200" b="0" i="0" u="none" strike="noStrike" dirty="0">
                             <a:solidFill>
@@ -13077,38 +12423,19 @@
                             </a:rPr>
                             <a:t>0.0286</a:t>
                           </a:r>
-                          <a:endParaRPr lang="en-US" altLang="ko-KR" sz="1200" b="0" i="0" u="none" strike="noStrike" dirty="0" smtClean="0">
-                            <a:solidFill>
-                              <a:srgbClr val="000000"/>
-                            </a:solidFill>
-                            <a:effectLst/>
-                            <a:latin typeface="Times New Roman" panose="02020603050405020304" pitchFamily="18" charset="0"/>
-                            <a:cs typeface="Times New Roman" panose="02020603050405020304" pitchFamily="18" charset="0"/>
-                          </a:endParaRPr>
-                        </a:p>
-                        <a:p>
-                          <a:pPr algn="ctr" fontAlgn="ctr"/>
-                          <a:r>
-                            <a:rPr lang="en-US" altLang="ko-KR" sz="1200" b="0" i="0" u="none" strike="noStrike" dirty="0" smtClean="0">
-                              <a:solidFill>
-                                <a:srgbClr val="000000"/>
-                              </a:solidFill>
-                              <a:effectLst/>
-                              <a:latin typeface="Times New Roman" panose="02020603050405020304" pitchFamily="18" charset="0"/>
-                              <a:cs typeface="Times New Roman" panose="02020603050405020304" pitchFamily="18" charset="0"/>
-                            </a:rPr>
-                            <a:t>(</a:t>
-                          </a:r>
-                          <a:r>
-                            <a:rPr lang="en-US" altLang="ko-KR" sz="1200" b="0" i="0" u="none" strike="noStrike" dirty="0" smtClean="0">
-                              <a:solidFill>
-                                <a:srgbClr val="000000"/>
-                              </a:solidFill>
-                              <a:effectLst/>
-                              <a:latin typeface="Times New Roman" panose="02020603050405020304" pitchFamily="18" charset="0"/>
-                              <a:cs typeface="Times New Roman" panose="02020603050405020304" pitchFamily="18" charset="0"/>
-                            </a:rPr>
-                            <a:t>0.0276)</a:t>
+                        </a:p>
+                        <a:p>
+                          <a:pPr algn="ctr" fontAlgn="ctr"/>
+                          <a:r>
+                            <a:rPr lang="en-US" altLang="ko-KR" sz="1200" b="0" i="0" u="none" strike="noStrike" dirty="0" smtClean="0">
+                              <a:solidFill>
+                                <a:srgbClr val="000000"/>
+                              </a:solidFill>
+                              <a:effectLst/>
+                              <a:latin typeface="Times New Roman" panose="02020603050405020304" pitchFamily="18" charset="0"/>
+                              <a:cs typeface="Times New Roman" panose="02020603050405020304" pitchFamily="18" charset="0"/>
+                            </a:rPr>
+                            <a:t>(0.0276)</a:t>
                           </a:r>
                           <a:endParaRPr lang="en-US" altLang="ko-KR" sz="1200" b="0" i="0" u="none" strike="noStrike" dirty="0">
                             <a:solidFill>
@@ -13219,18 +12546,7 @@
                               <a:latin typeface="Times New Roman" panose="02020603050405020304" pitchFamily="18" charset="0"/>
                               <a:cs typeface="Times New Roman" panose="02020603050405020304" pitchFamily="18" charset="0"/>
                             </a:rPr>
-                            <a:t>(</a:t>
-                          </a:r>
-                          <a:r>
-                            <a:rPr lang="en-US" altLang="ko-KR" sz="1200" b="0" i="0" u="none" strike="noStrike" dirty="0" smtClean="0">
-                              <a:solidFill>
-                                <a:srgbClr val="000000"/>
-                              </a:solidFill>
-                              <a:effectLst/>
-                              <a:latin typeface="Times New Roman" panose="02020603050405020304" pitchFamily="18" charset="0"/>
-                              <a:cs typeface="Times New Roman" panose="02020603050405020304" pitchFamily="18" charset="0"/>
-                            </a:rPr>
-                            <a:t>3.76</a:t>
+                            <a:t>(3.76</a:t>
                           </a:r>
                           <a14:m>
                             <m:oMath xmlns:m="http://schemas.openxmlformats.org/officeDocument/2006/math">
@@ -13267,18 +12583,7 @@
                               <a:latin typeface="Times New Roman" panose="02020603050405020304" pitchFamily="18" charset="0"/>
                               <a:cs typeface="Times New Roman" panose="02020603050405020304" pitchFamily="18" charset="0"/>
                             </a:rPr>
-                            <a:t>-</a:t>
-                          </a:r>
-                          <a:r>
-                            <a:rPr lang="en-US" altLang="ko-KR" sz="1200" b="0" i="0" u="none" strike="noStrike" baseline="30000" dirty="0" smtClean="0">
-                              <a:solidFill>
-                                <a:srgbClr val="000000"/>
-                              </a:solidFill>
-                              <a:effectLst/>
-                              <a:latin typeface="Times New Roman" panose="02020603050405020304" pitchFamily="18" charset="0"/>
-                              <a:cs typeface="Times New Roman" panose="02020603050405020304" pitchFamily="18" charset="0"/>
-                            </a:rPr>
-                            <a:t>7</a:t>
+                            <a:t>-7</a:t>
                           </a:r>
                           <a:r>
                             <a:rPr lang="en-US" altLang="ko-KR" sz="1200" b="0" i="0" u="none" strike="noStrike" dirty="0" smtClean="0">
@@ -13425,38 +12730,19 @@
                             </a:rPr>
                             <a:t>0.1251</a:t>
                           </a:r>
-                          <a:endParaRPr lang="en-US" altLang="ko-KR" sz="1200" b="0" i="0" u="none" strike="noStrike" dirty="0" smtClean="0">
-                            <a:solidFill>
-                              <a:srgbClr val="000000"/>
-                            </a:solidFill>
-                            <a:effectLst/>
-                            <a:latin typeface="Times New Roman" panose="02020603050405020304" pitchFamily="18" charset="0"/>
-                            <a:cs typeface="Times New Roman" panose="02020603050405020304" pitchFamily="18" charset="0"/>
-                          </a:endParaRPr>
-                        </a:p>
-                        <a:p>
-                          <a:pPr algn="ctr" fontAlgn="ctr"/>
-                          <a:r>
-                            <a:rPr lang="en-US" altLang="ko-KR" sz="1200" b="0" i="0" u="none" strike="noStrike" dirty="0" smtClean="0">
-                              <a:solidFill>
-                                <a:srgbClr val="000000"/>
-                              </a:solidFill>
-                              <a:effectLst/>
-                              <a:latin typeface="Times New Roman" panose="02020603050405020304" pitchFamily="18" charset="0"/>
-                              <a:cs typeface="Times New Roman" panose="02020603050405020304" pitchFamily="18" charset="0"/>
-                            </a:rPr>
-                            <a:t>(</a:t>
-                          </a:r>
-                          <a:r>
-                            <a:rPr lang="en-US" altLang="ko-KR" sz="1200" b="0" i="0" u="none" strike="noStrike" dirty="0" smtClean="0">
-                              <a:solidFill>
-                                <a:srgbClr val="000000"/>
-                              </a:solidFill>
-                              <a:effectLst/>
-                              <a:latin typeface="Times New Roman" panose="02020603050405020304" pitchFamily="18" charset="0"/>
-                              <a:cs typeface="Times New Roman" panose="02020603050405020304" pitchFamily="18" charset="0"/>
-                            </a:rPr>
-                            <a:t>0.0152)</a:t>
+                        </a:p>
+                        <a:p>
+                          <a:pPr algn="ctr" fontAlgn="ctr"/>
+                          <a:r>
+                            <a:rPr lang="en-US" altLang="ko-KR" sz="1200" b="0" i="0" u="none" strike="noStrike" dirty="0" smtClean="0">
+                              <a:solidFill>
+                                <a:srgbClr val="000000"/>
+                              </a:solidFill>
+                              <a:effectLst/>
+                              <a:latin typeface="Times New Roman" panose="02020603050405020304" pitchFamily="18" charset="0"/>
+                              <a:cs typeface="Times New Roman" panose="02020603050405020304" pitchFamily="18" charset="0"/>
+                            </a:rPr>
+                            <a:t>(0.0152)</a:t>
                           </a:r>
                           <a:endParaRPr lang="en-US" altLang="ko-KR" sz="1200" b="0" i="0" u="none" strike="noStrike" dirty="0">
                             <a:solidFill>
@@ -13508,38 +12794,19 @@
                             </a:rPr>
                             <a:t>0.1697</a:t>
                           </a:r>
-                          <a:endParaRPr lang="en-US" altLang="ko-KR" sz="1200" b="0" i="0" u="none" strike="noStrike" dirty="0" smtClean="0">
-                            <a:solidFill>
-                              <a:srgbClr val="000000"/>
-                            </a:solidFill>
-                            <a:effectLst/>
-                            <a:latin typeface="Times New Roman" panose="02020603050405020304" pitchFamily="18" charset="0"/>
-                            <a:cs typeface="Times New Roman" panose="02020603050405020304" pitchFamily="18" charset="0"/>
-                          </a:endParaRPr>
-                        </a:p>
-                        <a:p>
-                          <a:pPr algn="ctr" fontAlgn="ctr"/>
-                          <a:r>
-                            <a:rPr lang="en-US" altLang="ko-KR" sz="1200" b="0" i="0" u="none" strike="noStrike" dirty="0" smtClean="0">
-                              <a:solidFill>
-                                <a:srgbClr val="000000"/>
-                              </a:solidFill>
-                              <a:effectLst/>
-                              <a:latin typeface="Times New Roman" panose="02020603050405020304" pitchFamily="18" charset="0"/>
-                              <a:cs typeface="Times New Roman" panose="02020603050405020304" pitchFamily="18" charset="0"/>
-                            </a:rPr>
-                            <a:t>(</a:t>
-                          </a:r>
-                          <a:r>
-                            <a:rPr lang="en-US" altLang="ko-KR" sz="1200" b="0" i="0" u="none" strike="noStrike" dirty="0" smtClean="0">
-                              <a:solidFill>
-                                <a:srgbClr val="000000"/>
-                              </a:solidFill>
-                              <a:effectLst/>
-                              <a:latin typeface="Times New Roman" panose="02020603050405020304" pitchFamily="18" charset="0"/>
-                              <a:cs typeface="Times New Roman" panose="02020603050405020304" pitchFamily="18" charset="0"/>
-                            </a:rPr>
-                            <a:t>0.0399)</a:t>
+                        </a:p>
+                        <a:p>
+                          <a:pPr algn="ctr" fontAlgn="ctr"/>
+                          <a:r>
+                            <a:rPr lang="en-US" altLang="ko-KR" sz="1200" b="0" i="0" u="none" strike="noStrike" dirty="0" smtClean="0">
+                              <a:solidFill>
+                                <a:srgbClr val="000000"/>
+                              </a:solidFill>
+                              <a:effectLst/>
+                              <a:latin typeface="Times New Roman" panose="02020603050405020304" pitchFamily="18" charset="0"/>
+                              <a:cs typeface="Times New Roman" panose="02020603050405020304" pitchFamily="18" charset="0"/>
+                            </a:rPr>
+                            <a:t>(0.0399)</a:t>
                           </a:r>
                           <a:endParaRPr lang="en-US" altLang="ko-KR" sz="1200" b="0" i="0" u="none" strike="noStrike" dirty="0">
                             <a:solidFill>
@@ -13648,18 +12915,7 @@
                               <a:latin typeface="Times New Roman" panose="02020603050405020304" pitchFamily="18" charset="0"/>
                               <a:cs typeface="Times New Roman" panose="02020603050405020304" pitchFamily="18" charset="0"/>
                             </a:rPr>
-                            <a:t>(</a:t>
-                          </a:r>
-                          <a:r>
-                            <a:rPr lang="en-US" altLang="ko-KR" sz="1200" b="0" i="0" u="none" strike="noStrike" dirty="0" smtClean="0">
-                              <a:solidFill>
-                                <a:srgbClr val="000000"/>
-                              </a:solidFill>
-                              <a:effectLst/>
-                              <a:latin typeface="Times New Roman" panose="02020603050405020304" pitchFamily="18" charset="0"/>
-                              <a:cs typeface="Times New Roman" panose="02020603050405020304" pitchFamily="18" charset="0"/>
-                            </a:rPr>
-                            <a:t>5.77</a:t>
+                            <a:t>(5.77</a:t>
                           </a:r>
                           <a14:m>
                             <m:oMath xmlns:m="http://schemas.openxmlformats.org/officeDocument/2006/math">
@@ -13696,18 +12952,7 @@
                               <a:latin typeface="Times New Roman" panose="02020603050405020304" pitchFamily="18" charset="0"/>
                               <a:cs typeface="Times New Roman" panose="02020603050405020304" pitchFamily="18" charset="0"/>
                             </a:rPr>
-                            <a:t>-</a:t>
-                          </a:r>
-                          <a:r>
-                            <a:rPr lang="en-US" altLang="ko-KR" sz="1200" b="0" i="0" u="none" strike="noStrike" baseline="30000" dirty="0" smtClean="0">
-                              <a:solidFill>
-                                <a:srgbClr val="000000"/>
-                              </a:solidFill>
-                              <a:effectLst/>
-                              <a:latin typeface="Times New Roman" panose="02020603050405020304" pitchFamily="18" charset="0"/>
-                              <a:cs typeface="Times New Roman" panose="02020603050405020304" pitchFamily="18" charset="0"/>
-                            </a:rPr>
-                            <a:t>8</a:t>
+                            <a:t>-8</a:t>
                           </a:r>
                           <a:r>
                             <a:rPr lang="en-US" altLang="ko-KR" sz="1200" b="0" i="0" u="none" strike="noStrike" dirty="0" smtClean="0">
@@ -13854,38 +13099,19 @@
                             </a:rPr>
                             <a:t>0.1180</a:t>
                           </a:r>
-                          <a:endParaRPr lang="en-US" altLang="ko-KR" sz="1200" b="0" i="0" u="none" strike="noStrike" dirty="0" smtClean="0">
-                            <a:solidFill>
-                              <a:srgbClr val="000000"/>
-                            </a:solidFill>
-                            <a:effectLst/>
-                            <a:latin typeface="Times New Roman" panose="02020603050405020304" pitchFamily="18" charset="0"/>
-                            <a:cs typeface="Times New Roman" panose="02020603050405020304" pitchFamily="18" charset="0"/>
-                          </a:endParaRPr>
-                        </a:p>
-                        <a:p>
-                          <a:pPr algn="ctr" fontAlgn="ctr"/>
-                          <a:r>
-                            <a:rPr lang="en-US" altLang="ko-KR" sz="1200" b="0" i="0" u="none" strike="noStrike" dirty="0" smtClean="0">
-                              <a:solidFill>
-                                <a:srgbClr val="000000"/>
-                              </a:solidFill>
-                              <a:effectLst/>
-                              <a:latin typeface="Times New Roman" panose="02020603050405020304" pitchFamily="18" charset="0"/>
-                              <a:cs typeface="Times New Roman" panose="02020603050405020304" pitchFamily="18" charset="0"/>
-                            </a:rPr>
-                            <a:t>(</a:t>
-                          </a:r>
-                          <a:r>
-                            <a:rPr lang="en-US" altLang="ko-KR" sz="1200" b="0" i="0" u="none" strike="noStrike" dirty="0" smtClean="0">
-                              <a:solidFill>
-                                <a:srgbClr val="000000"/>
-                              </a:solidFill>
-                              <a:effectLst/>
-                              <a:latin typeface="Times New Roman" panose="02020603050405020304" pitchFamily="18" charset="0"/>
-                              <a:cs typeface="Times New Roman" panose="02020603050405020304" pitchFamily="18" charset="0"/>
-                            </a:rPr>
-                            <a:t>0.0141)</a:t>
+                        </a:p>
+                        <a:p>
+                          <a:pPr algn="ctr" fontAlgn="ctr"/>
+                          <a:r>
+                            <a:rPr lang="en-US" altLang="ko-KR" sz="1200" b="0" i="0" u="none" strike="noStrike" dirty="0" smtClean="0">
+                              <a:solidFill>
+                                <a:srgbClr val="000000"/>
+                              </a:solidFill>
+                              <a:effectLst/>
+                              <a:latin typeface="Times New Roman" panose="02020603050405020304" pitchFamily="18" charset="0"/>
+                              <a:cs typeface="Times New Roman" panose="02020603050405020304" pitchFamily="18" charset="0"/>
+                            </a:rPr>
+                            <a:t>(0.0141)</a:t>
                           </a:r>
                           <a:endParaRPr lang="en-US" altLang="ko-KR" sz="1200" b="0" i="0" u="none" strike="noStrike" dirty="0">
                             <a:solidFill>
@@ -13939,38 +13165,19 @@
                             </a:rPr>
                             <a:t>0.4054</a:t>
                           </a:r>
-                          <a:endParaRPr lang="en-US" altLang="ko-KR" sz="1200" b="0" i="0" u="none" strike="noStrike" dirty="0" smtClean="0">
-                            <a:solidFill>
-                              <a:srgbClr val="000000"/>
-                            </a:solidFill>
-                            <a:effectLst/>
-                            <a:latin typeface="Times New Roman" panose="02020603050405020304" pitchFamily="18" charset="0"/>
-                            <a:cs typeface="Times New Roman" panose="02020603050405020304" pitchFamily="18" charset="0"/>
-                          </a:endParaRPr>
-                        </a:p>
-                        <a:p>
-                          <a:pPr algn="ctr" fontAlgn="ctr"/>
-                          <a:r>
-                            <a:rPr lang="en-US" altLang="ko-KR" sz="1200" b="0" i="0" u="none" strike="noStrike" dirty="0" smtClean="0">
-                              <a:solidFill>
-                                <a:srgbClr val="000000"/>
-                              </a:solidFill>
-                              <a:effectLst/>
-                              <a:latin typeface="Times New Roman" panose="02020603050405020304" pitchFamily="18" charset="0"/>
-                              <a:cs typeface="Times New Roman" panose="02020603050405020304" pitchFamily="18" charset="0"/>
-                            </a:rPr>
-                            <a:t>(</a:t>
-                          </a:r>
-                          <a:r>
-                            <a:rPr lang="en-US" altLang="ko-KR" sz="1200" b="0" i="0" u="none" strike="noStrike" dirty="0" smtClean="0">
-                              <a:solidFill>
-                                <a:srgbClr val="000000"/>
-                              </a:solidFill>
-                              <a:effectLst/>
-                              <a:latin typeface="Times New Roman" panose="02020603050405020304" pitchFamily="18" charset="0"/>
-                              <a:cs typeface="Times New Roman" panose="02020603050405020304" pitchFamily="18" charset="0"/>
-                            </a:rPr>
-                            <a:t>0.0411)</a:t>
+                        </a:p>
+                        <a:p>
+                          <a:pPr algn="ctr" fontAlgn="ctr"/>
+                          <a:r>
+                            <a:rPr lang="en-US" altLang="ko-KR" sz="1200" b="0" i="0" u="none" strike="noStrike" dirty="0" smtClean="0">
+                              <a:solidFill>
+                                <a:srgbClr val="000000"/>
+                              </a:solidFill>
+                              <a:effectLst/>
+                              <a:latin typeface="Times New Roman" panose="02020603050405020304" pitchFamily="18" charset="0"/>
+                              <a:cs typeface="Times New Roman" panose="02020603050405020304" pitchFamily="18" charset="0"/>
+                            </a:rPr>
+                            <a:t>(0.0411)</a:t>
                           </a:r>
                           <a:endParaRPr lang="en-US" altLang="ko-KR" sz="1200" b="0" i="0" u="none" strike="noStrike" dirty="0">
                             <a:solidFill>
@@ -14036,18 +13243,7 @@
                               <a:latin typeface="Times New Roman" panose="02020603050405020304" pitchFamily="18" charset="0"/>
                               <a:cs typeface="Times New Roman" panose="02020603050405020304" pitchFamily="18" charset="0"/>
                             </a:rPr>
-                            <a:t>(</a:t>
-                          </a:r>
-                          <a:r>
-                            <a:rPr lang="en-US" altLang="ko-KR" sz="1200" b="0" i="0" u="none" strike="noStrike" dirty="0" smtClean="0">
-                              <a:solidFill>
-                                <a:srgbClr val="000000"/>
-                              </a:solidFill>
-                              <a:effectLst/>
-                              <a:latin typeface="Times New Roman" panose="02020603050405020304" pitchFamily="18" charset="0"/>
-                              <a:cs typeface="Times New Roman" panose="02020603050405020304" pitchFamily="18" charset="0"/>
-                            </a:rPr>
-                            <a:t>0)</a:t>
+                            <a:t>(0)</a:t>
                           </a:r>
                           <a:endParaRPr lang="en-US" altLang="ko-KR" sz="1200" b="0" i="0" u="none" strike="noStrike" dirty="0">
                             <a:solidFill>
@@ -14090,7 +13286,7 @@
             </a:graphic>
           </p:graphicFrame>
         </mc:Choice>
-        <mc:Fallback>
+        <mc:Fallback xmlns="">
           <p:graphicFrame>
             <p:nvGraphicFramePr>
               <p:cNvPr id="4" name="표 3"/>
@@ -17541,6 +16737,6940 @@
     <p:extLst>
       <p:ext uri="{BB962C8B-B14F-4D97-AF65-F5344CB8AC3E}">
         <p14:creationId xmlns:p14="http://schemas.microsoft.com/office/powerpoint/2010/main" val="2202701514"/>
+      </p:ext>
+    </p:extLst>
+  </p:cSld>
+  <p:clrMapOvr>
+    <a:masterClrMapping/>
+  </p:clrMapOvr>
+</p:sld>
+</file>
+
+<file path=ppt/slides/slide4.xml><?xml version="1.0" encoding="utf-8"?>
+<p:sld xmlns:a="http://schemas.openxmlformats.org/drawingml/2006/main" xmlns:r="http://schemas.openxmlformats.org/officeDocument/2006/relationships" xmlns:p="http://schemas.openxmlformats.org/presentationml/2006/main">
+  <p:cSld>
+    <p:spTree>
+      <p:nvGrpSpPr>
+        <p:cNvPr id="1" name=""/>
+        <p:cNvGrpSpPr/>
+        <p:nvPr/>
+      </p:nvGrpSpPr>
+      <p:grpSpPr>
+        <a:xfrm>
+          <a:off x="0" y="0"/>
+          <a:ext cx="0" cy="0"/>
+          <a:chOff x="0" y="0"/>
+          <a:chExt cx="0" cy="0"/>
+        </a:xfrm>
+      </p:grpSpPr>
+      <p:graphicFrame>
+        <p:nvGraphicFramePr>
+          <p:cNvPr id="4" name="표 3"/>
+          <p:cNvGraphicFramePr>
+            <a:graphicFrameLocks noGrp="1"/>
+          </p:cNvGraphicFramePr>
+          <p:nvPr>
+            <p:extLst>
+              <p:ext uri="{D42A27DB-BD31-4B8C-83A1-F6EECF244321}">
+                <p14:modId xmlns:p14="http://schemas.microsoft.com/office/powerpoint/2010/main" val="4262870806"/>
+              </p:ext>
+            </p:extLst>
+          </p:nvPr>
+        </p:nvGraphicFramePr>
+        <p:xfrm>
+          <a:off x="3200400" y="3429000"/>
+          <a:ext cx="2921400" cy="1047750"/>
+        </p:xfrm>
+        <a:graphic>
+          <a:graphicData uri="http://schemas.openxmlformats.org/drawingml/2006/table">
+            <a:tbl>
+              <a:tblPr/>
+              <a:tblGrid>
+                <a:gridCol w="864000"/>
+                <a:gridCol w="685800"/>
+                <a:gridCol w="685800"/>
+                <a:gridCol w="685800"/>
+              </a:tblGrid>
+              <a:tr h="209550">
+                <a:tc rowSpan="2">
+                  <a:txBody>
+                    <a:bodyPr/>
+                    <a:lstStyle/>
+                    <a:p>
+                      <a:pPr algn="ctr" fontAlgn="ctr"/>
+                      <a:r>
+                        <a:rPr lang="en-US" sz="1200" b="0" i="0" u="none" strike="noStrike" dirty="0" smtClean="0">
+                          <a:solidFill>
+                            <a:srgbClr val="000000"/>
+                          </a:solidFill>
+                          <a:effectLst/>
+                          <a:latin typeface="Times New Roman" panose="02020603050405020304" pitchFamily="18" charset="0"/>
+                          <a:cs typeface="Times New Roman" panose="02020603050405020304" pitchFamily="18" charset="0"/>
+                        </a:rPr>
+                        <a:t>Significance</a:t>
+                      </a:r>
+                      <a:br>
+                        <a:rPr lang="en-US" sz="1200" b="0" i="0" u="none" strike="noStrike" dirty="0" smtClean="0">
+                          <a:solidFill>
+                            <a:srgbClr val="000000"/>
+                          </a:solidFill>
+                          <a:effectLst/>
+                          <a:latin typeface="Times New Roman" panose="02020603050405020304" pitchFamily="18" charset="0"/>
+                          <a:cs typeface="Times New Roman" panose="02020603050405020304" pitchFamily="18" charset="0"/>
+                        </a:rPr>
+                      </a:br>
+                      <a:r>
+                        <a:rPr lang="en-US" sz="1200" b="0" i="0" u="none" strike="noStrike" dirty="0" smtClean="0">
+                          <a:solidFill>
+                            <a:srgbClr val="000000"/>
+                          </a:solidFill>
+                          <a:effectLst/>
+                          <a:latin typeface="Times New Roman" panose="02020603050405020304" pitchFamily="18" charset="0"/>
+                          <a:cs typeface="Times New Roman" panose="02020603050405020304" pitchFamily="18" charset="0"/>
+                        </a:rPr>
+                        <a:t>level</a:t>
+                      </a:r>
+                      <a:endParaRPr lang="en-US" sz="1200" b="0" i="0" u="none" strike="noStrike" dirty="0">
+                        <a:solidFill>
+                          <a:srgbClr val="000000"/>
+                        </a:solidFill>
+                        <a:effectLst/>
+                        <a:latin typeface="Times New Roman" panose="02020603050405020304" pitchFamily="18" charset="0"/>
+                        <a:cs typeface="Times New Roman" panose="02020603050405020304" pitchFamily="18" charset="0"/>
+                      </a:endParaRPr>
+                    </a:p>
+                  </a:txBody>
+                  <a:tcPr marL="9525" marR="9525" marT="9525" marB="0" anchor="ctr">
+                    <a:lnL>
+                      <a:noFill/>
+                    </a:lnL>
+                    <a:lnR>
+                      <a:noFill/>
+                    </a:lnR>
+                    <a:lnT w="28575" cap="flat" cmpd="sng" algn="ctr">
+                      <a:solidFill>
+                        <a:schemeClr val="tx1"/>
+                      </a:solidFill>
+                      <a:prstDash val="solid"/>
+                      <a:round/>
+                      <a:headEnd type="none" w="med" len="med"/>
+                      <a:tailEnd type="none" w="med" len="med"/>
+                    </a:lnT>
+                    <a:lnB w="12700" cap="flat" cmpd="sng" algn="ctr">
+                      <a:solidFill>
+                        <a:schemeClr val="tx1"/>
+                      </a:solidFill>
+                      <a:prstDash val="solid"/>
+                      <a:round/>
+                      <a:headEnd type="none" w="med" len="med"/>
+                      <a:tailEnd type="none" w="med" len="med"/>
+                    </a:lnB>
+                  </a:tcPr>
+                </a:tc>
+                <a:tc gridSpan="3">
+                  <a:txBody>
+                    <a:bodyPr/>
+                    <a:lstStyle/>
+                    <a:p>
+                      <a:pPr algn="ctr" fontAlgn="ctr"/>
+                      <a:r>
+                        <a:rPr lang="en-US" sz="1200" b="0" i="0" u="none" strike="noStrike" dirty="0" smtClean="0">
+                          <a:solidFill>
+                            <a:srgbClr val="000000"/>
+                          </a:solidFill>
+                          <a:effectLst/>
+                          <a:latin typeface="Times New Roman" panose="02020603050405020304" pitchFamily="18" charset="0"/>
+                          <a:cs typeface="Times New Roman" panose="02020603050405020304" pitchFamily="18" charset="0"/>
+                        </a:rPr>
+                        <a:t>Prevalence</a:t>
+                      </a:r>
+                      <a:endParaRPr lang="en-US" sz="1200" b="0" i="0" u="none" strike="noStrike" dirty="0">
+                        <a:solidFill>
+                          <a:srgbClr val="000000"/>
+                        </a:solidFill>
+                        <a:effectLst/>
+                        <a:latin typeface="Times New Roman" panose="02020603050405020304" pitchFamily="18" charset="0"/>
+                        <a:cs typeface="Times New Roman" panose="02020603050405020304" pitchFamily="18" charset="0"/>
+                      </a:endParaRPr>
+                    </a:p>
+                  </a:txBody>
+                  <a:tcPr marL="9525" marR="9525" marT="9525" marB="0" anchor="ctr">
+                    <a:lnL>
+                      <a:noFill/>
+                    </a:lnL>
+                    <a:lnR>
+                      <a:noFill/>
+                    </a:lnR>
+                    <a:lnT w="28575" cap="flat" cmpd="sng" algn="ctr">
+                      <a:solidFill>
+                        <a:schemeClr val="tx1"/>
+                      </a:solidFill>
+                      <a:prstDash val="solid"/>
+                      <a:round/>
+                      <a:headEnd type="none" w="med" len="med"/>
+                      <a:tailEnd type="none" w="med" len="med"/>
+                    </a:lnT>
+                    <a:lnB w="12700" cap="flat" cmpd="sng" algn="ctr">
+                      <a:solidFill>
+                        <a:schemeClr val="tx1"/>
+                      </a:solidFill>
+                      <a:prstDash val="solid"/>
+                      <a:round/>
+                      <a:headEnd type="none" w="med" len="med"/>
+                      <a:tailEnd type="none" w="med" len="med"/>
+                    </a:lnB>
+                  </a:tcPr>
+                </a:tc>
+                <a:tc hMerge="1">
+                  <a:txBody>
+                    <a:bodyPr/>
+                    <a:lstStyle/>
+                    <a:p>
+                      <a:pPr algn="l" fontAlgn="ctr"/>
+                      <a:endParaRPr lang="en-US" sz="1100" b="0" i="0" u="none" strike="noStrike" dirty="0">
+                        <a:solidFill>
+                          <a:srgbClr val="000000"/>
+                        </a:solidFill>
+                        <a:effectLst/>
+                        <a:latin typeface="맑은 고딕"/>
+                      </a:endParaRPr>
+                    </a:p>
+                  </a:txBody>
+                  <a:tcPr marL="9525" marR="9525" marT="9525" marB="0" anchor="ctr">
+                    <a:lnL>
+                      <a:noFill/>
+                    </a:lnL>
+                    <a:lnR>
+                      <a:noFill/>
+                    </a:lnR>
+                    <a:lnT>
+                      <a:noFill/>
+                    </a:lnT>
+                    <a:lnB>
+                      <a:noFill/>
+                    </a:lnB>
+                  </a:tcPr>
+                </a:tc>
+                <a:tc hMerge="1">
+                  <a:txBody>
+                    <a:bodyPr/>
+                    <a:lstStyle/>
+                    <a:p>
+                      <a:pPr algn="l" fontAlgn="ctr"/>
+                      <a:endParaRPr lang="en-US" sz="1100" b="0" i="0" u="none" strike="noStrike" dirty="0">
+                        <a:solidFill>
+                          <a:srgbClr val="000000"/>
+                        </a:solidFill>
+                        <a:effectLst/>
+                        <a:latin typeface="맑은 고딕"/>
+                      </a:endParaRPr>
+                    </a:p>
+                  </a:txBody>
+                  <a:tcPr marL="9525" marR="9525" marT="9525" marB="0" anchor="ctr">
+                    <a:lnL>
+                      <a:noFill/>
+                    </a:lnL>
+                    <a:lnR>
+                      <a:noFill/>
+                    </a:lnR>
+                    <a:lnT>
+                      <a:noFill/>
+                    </a:lnT>
+                    <a:lnB>
+                      <a:noFill/>
+                    </a:lnB>
+                  </a:tcPr>
+                </a:tc>
+              </a:tr>
+              <a:tr h="209550">
+                <a:tc vMerge="1">
+                  <a:txBody>
+                    <a:bodyPr/>
+                    <a:lstStyle/>
+                    <a:p>
+                      <a:pPr algn="l" fontAlgn="ctr"/>
+                      <a:endParaRPr lang="en-US" sz="1100" b="0" i="0" u="none" strike="noStrike" dirty="0">
+                        <a:solidFill>
+                          <a:srgbClr val="000000"/>
+                        </a:solidFill>
+                        <a:effectLst/>
+                        <a:latin typeface="맑은 고딕"/>
+                      </a:endParaRPr>
+                    </a:p>
+                  </a:txBody>
+                  <a:tcPr marL="9525" marR="9525" marT="9525" marB="0" anchor="ctr">
+                    <a:lnL>
+                      <a:noFill/>
+                    </a:lnL>
+                    <a:lnR>
+                      <a:noFill/>
+                    </a:lnR>
+                    <a:lnT>
+                      <a:noFill/>
+                    </a:lnT>
+                    <a:lnB>
+                      <a:noFill/>
+                    </a:lnB>
+                  </a:tcPr>
+                </a:tc>
+                <a:tc>
+                  <a:txBody>
+                    <a:bodyPr/>
+                    <a:lstStyle/>
+                    <a:p>
+                      <a:pPr algn="ctr" fontAlgn="ctr"/>
+                      <a:r>
+                        <a:rPr lang="en-US" sz="1200" b="0" i="0" u="none" strike="noStrike" dirty="0" smtClean="0">
+                          <a:solidFill>
+                            <a:srgbClr val="000000"/>
+                          </a:solidFill>
+                          <a:effectLst/>
+                          <a:latin typeface="Times New Roman" panose="02020603050405020304" pitchFamily="18" charset="0"/>
+                          <a:cs typeface="Times New Roman" panose="02020603050405020304" pitchFamily="18" charset="0"/>
+                        </a:rPr>
+                        <a:t>0.05</a:t>
+                      </a:r>
+                      <a:endParaRPr lang="en-US" sz="1200" b="0" i="0" u="none" strike="noStrike" dirty="0">
+                        <a:solidFill>
+                          <a:srgbClr val="000000"/>
+                        </a:solidFill>
+                        <a:effectLst/>
+                        <a:latin typeface="Times New Roman" panose="02020603050405020304" pitchFamily="18" charset="0"/>
+                        <a:cs typeface="Times New Roman" panose="02020603050405020304" pitchFamily="18" charset="0"/>
+                      </a:endParaRPr>
+                    </a:p>
+                  </a:txBody>
+                  <a:tcPr marL="9525" marR="9525" marT="9525" marB="0" anchor="ctr">
+                    <a:lnL>
+                      <a:noFill/>
+                    </a:lnL>
+                    <a:lnR>
+                      <a:noFill/>
+                    </a:lnR>
+                    <a:lnT w="12700" cap="flat" cmpd="sng" algn="ctr">
+                      <a:solidFill>
+                        <a:schemeClr val="tx1"/>
+                      </a:solidFill>
+                      <a:prstDash val="solid"/>
+                      <a:round/>
+                      <a:headEnd type="none" w="med" len="med"/>
+                      <a:tailEnd type="none" w="med" len="med"/>
+                    </a:lnT>
+                    <a:lnB w="12700" cap="flat" cmpd="sng" algn="ctr">
+                      <a:solidFill>
+                        <a:schemeClr val="tx1"/>
+                      </a:solidFill>
+                      <a:prstDash val="solid"/>
+                      <a:round/>
+                      <a:headEnd type="none" w="med" len="med"/>
+                      <a:tailEnd type="none" w="med" len="med"/>
+                    </a:lnB>
+                  </a:tcPr>
+                </a:tc>
+                <a:tc>
+                  <a:txBody>
+                    <a:bodyPr/>
+                    <a:lstStyle/>
+                    <a:p>
+                      <a:pPr algn="ctr" fontAlgn="ctr"/>
+                      <a:r>
+                        <a:rPr lang="en-US" sz="1200" b="0" i="0" u="none" strike="noStrike" dirty="0" smtClean="0">
+                          <a:solidFill>
+                            <a:srgbClr val="000000"/>
+                          </a:solidFill>
+                          <a:effectLst/>
+                          <a:latin typeface="Times New Roman" panose="02020603050405020304" pitchFamily="18" charset="0"/>
+                          <a:cs typeface="Times New Roman" panose="02020603050405020304" pitchFamily="18" charset="0"/>
+                        </a:rPr>
+                        <a:t>0.1</a:t>
+                      </a:r>
+                      <a:endParaRPr lang="en-US" sz="1200" b="0" i="0" u="none" strike="noStrike" dirty="0">
+                        <a:solidFill>
+                          <a:srgbClr val="000000"/>
+                        </a:solidFill>
+                        <a:effectLst/>
+                        <a:latin typeface="Times New Roman" panose="02020603050405020304" pitchFamily="18" charset="0"/>
+                        <a:cs typeface="Times New Roman" panose="02020603050405020304" pitchFamily="18" charset="0"/>
+                      </a:endParaRPr>
+                    </a:p>
+                  </a:txBody>
+                  <a:tcPr marL="9525" marR="9525" marT="9525" marB="0" anchor="ctr">
+                    <a:lnL>
+                      <a:noFill/>
+                    </a:lnL>
+                    <a:lnR>
+                      <a:noFill/>
+                    </a:lnR>
+                    <a:lnT w="12700" cap="flat" cmpd="sng" algn="ctr">
+                      <a:solidFill>
+                        <a:schemeClr val="tx1"/>
+                      </a:solidFill>
+                      <a:prstDash val="solid"/>
+                      <a:round/>
+                      <a:headEnd type="none" w="med" len="med"/>
+                      <a:tailEnd type="none" w="med" len="med"/>
+                    </a:lnT>
+                    <a:lnB w="12700" cap="flat" cmpd="sng" algn="ctr">
+                      <a:solidFill>
+                        <a:schemeClr val="tx1"/>
+                      </a:solidFill>
+                      <a:prstDash val="solid"/>
+                      <a:round/>
+                      <a:headEnd type="none" w="med" len="med"/>
+                      <a:tailEnd type="none" w="med" len="med"/>
+                    </a:lnB>
+                  </a:tcPr>
+                </a:tc>
+                <a:tc>
+                  <a:txBody>
+                    <a:bodyPr/>
+                    <a:lstStyle/>
+                    <a:p>
+                      <a:pPr algn="ctr" fontAlgn="ctr"/>
+                      <a:r>
+                        <a:rPr lang="en-US" sz="1200" b="0" i="0" u="none" strike="noStrike" dirty="0" smtClean="0">
+                          <a:solidFill>
+                            <a:srgbClr val="000000"/>
+                          </a:solidFill>
+                          <a:effectLst/>
+                          <a:latin typeface="Times New Roman" panose="02020603050405020304" pitchFamily="18" charset="0"/>
+                          <a:cs typeface="Times New Roman" panose="02020603050405020304" pitchFamily="18" charset="0"/>
+                        </a:rPr>
+                        <a:t>0.2</a:t>
+                      </a:r>
+                      <a:endParaRPr lang="en-US" sz="1200" b="0" i="0" u="none" strike="noStrike" dirty="0">
+                        <a:solidFill>
+                          <a:srgbClr val="000000"/>
+                        </a:solidFill>
+                        <a:effectLst/>
+                        <a:latin typeface="Times New Roman" panose="02020603050405020304" pitchFamily="18" charset="0"/>
+                        <a:cs typeface="Times New Roman" panose="02020603050405020304" pitchFamily="18" charset="0"/>
+                      </a:endParaRPr>
+                    </a:p>
+                  </a:txBody>
+                  <a:tcPr marL="9525" marR="9525" marT="9525" marB="0" anchor="ctr">
+                    <a:lnL>
+                      <a:noFill/>
+                    </a:lnL>
+                    <a:lnR>
+                      <a:noFill/>
+                    </a:lnR>
+                    <a:lnT w="12700" cap="flat" cmpd="sng" algn="ctr">
+                      <a:solidFill>
+                        <a:schemeClr val="tx1"/>
+                      </a:solidFill>
+                      <a:prstDash val="solid"/>
+                      <a:round/>
+                      <a:headEnd type="none" w="med" len="med"/>
+                      <a:tailEnd type="none" w="med" len="med"/>
+                    </a:lnT>
+                    <a:lnB w="12700" cap="flat" cmpd="sng" algn="ctr">
+                      <a:solidFill>
+                        <a:schemeClr val="tx1"/>
+                      </a:solidFill>
+                      <a:prstDash val="solid"/>
+                      <a:round/>
+                      <a:headEnd type="none" w="med" len="med"/>
+                      <a:tailEnd type="none" w="med" len="med"/>
+                    </a:lnB>
+                  </a:tcPr>
+                </a:tc>
+              </a:tr>
+              <a:tr h="209550">
+                <a:tc>
+                  <a:txBody>
+                    <a:bodyPr/>
+                    <a:lstStyle/>
+                    <a:p>
+                      <a:pPr algn="ctr" fontAlgn="ctr"/>
+                      <a:r>
+                        <a:rPr lang="en-US" altLang="ko-KR" sz="1200" b="0" i="0" u="none" strike="noStrike">
+                          <a:solidFill>
+                            <a:srgbClr val="000000"/>
+                          </a:solidFill>
+                          <a:effectLst/>
+                          <a:latin typeface="Times New Roman" panose="02020603050405020304" pitchFamily="18" charset="0"/>
+                          <a:cs typeface="Times New Roman" panose="02020603050405020304" pitchFamily="18" charset="0"/>
+                        </a:rPr>
+                        <a:t>0.01</a:t>
+                      </a:r>
+                    </a:p>
+                  </a:txBody>
+                  <a:tcPr marL="9525" marR="9525" marT="9525" marB="0" anchor="ctr">
+                    <a:lnL>
+                      <a:noFill/>
+                    </a:lnL>
+                    <a:lnR>
+                      <a:noFill/>
+                    </a:lnR>
+                    <a:lnT w="12700" cap="flat" cmpd="sng" algn="ctr">
+                      <a:solidFill>
+                        <a:schemeClr val="tx1"/>
+                      </a:solidFill>
+                      <a:prstDash val="solid"/>
+                      <a:round/>
+                      <a:headEnd type="none" w="med" len="med"/>
+                      <a:tailEnd type="none" w="med" len="med"/>
+                    </a:lnT>
+                    <a:lnB>
+                      <a:noFill/>
+                    </a:lnB>
+                  </a:tcPr>
+                </a:tc>
+                <a:tc>
+                  <a:txBody>
+                    <a:bodyPr/>
+                    <a:lstStyle/>
+                    <a:p>
+                      <a:pPr algn="ctr" fontAlgn="ctr"/>
+                      <a:r>
+                        <a:rPr lang="en-US" altLang="ko-KR" sz="1200" b="0" i="0" u="none" strike="noStrike" dirty="0">
+                          <a:solidFill>
+                            <a:srgbClr val="000000"/>
+                          </a:solidFill>
+                          <a:effectLst/>
+                          <a:latin typeface="Times New Roman" panose="02020603050405020304" pitchFamily="18" charset="0"/>
+                          <a:cs typeface="Times New Roman" panose="02020603050405020304" pitchFamily="18" charset="0"/>
+                        </a:rPr>
+                        <a:t>0.0015</a:t>
+                      </a:r>
+                    </a:p>
+                  </a:txBody>
+                  <a:tcPr marL="9525" marR="9525" marT="9525" marB="0" anchor="ctr">
+                    <a:lnL>
+                      <a:noFill/>
+                    </a:lnL>
+                    <a:lnR>
+                      <a:noFill/>
+                    </a:lnR>
+                    <a:lnT w="12700" cap="flat" cmpd="sng" algn="ctr">
+                      <a:solidFill>
+                        <a:schemeClr val="tx1"/>
+                      </a:solidFill>
+                      <a:prstDash val="solid"/>
+                      <a:round/>
+                      <a:headEnd type="none" w="med" len="med"/>
+                      <a:tailEnd type="none" w="med" len="med"/>
+                    </a:lnT>
+                    <a:lnB>
+                      <a:noFill/>
+                    </a:lnB>
+                  </a:tcPr>
+                </a:tc>
+                <a:tc>
+                  <a:txBody>
+                    <a:bodyPr/>
+                    <a:lstStyle/>
+                    <a:p>
+                      <a:pPr algn="ctr" fontAlgn="ctr"/>
+                      <a:r>
+                        <a:rPr lang="en-US" altLang="ko-KR" sz="1200" b="0" i="0" u="none" strike="noStrike" dirty="0" smtClean="0">
+                          <a:solidFill>
+                            <a:srgbClr val="000000"/>
+                          </a:solidFill>
+                          <a:effectLst/>
+                          <a:latin typeface="Times New Roman" panose="02020603050405020304" pitchFamily="18" charset="0"/>
+                          <a:cs typeface="Times New Roman" panose="02020603050405020304" pitchFamily="18" charset="0"/>
+                        </a:rPr>
+                        <a:t>0.0050</a:t>
+                      </a:r>
+                      <a:endParaRPr lang="en-US" altLang="ko-KR" sz="1200" b="0" i="0" u="none" strike="noStrike" dirty="0">
+                        <a:solidFill>
+                          <a:srgbClr val="000000"/>
+                        </a:solidFill>
+                        <a:effectLst/>
+                        <a:latin typeface="Times New Roman" panose="02020603050405020304" pitchFamily="18" charset="0"/>
+                        <a:cs typeface="Times New Roman" panose="02020603050405020304" pitchFamily="18" charset="0"/>
+                      </a:endParaRPr>
+                    </a:p>
+                  </a:txBody>
+                  <a:tcPr marL="9525" marR="9525" marT="9525" marB="0" anchor="ctr">
+                    <a:lnL>
+                      <a:noFill/>
+                    </a:lnL>
+                    <a:lnR>
+                      <a:noFill/>
+                    </a:lnR>
+                    <a:lnT w="12700" cap="flat" cmpd="sng" algn="ctr">
+                      <a:solidFill>
+                        <a:schemeClr val="tx1"/>
+                      </a:solidFill>
+                      <a:prstDash val="solid"/>
+                      <a:round/>
+                      <a:headEnd type="none" w="med" len="med"/>
+                      <a:tailEnd type="none" w="med" len="med"/>
+                    </a:lnT>
+                    <a:lnB>
+                      <a:noFill/>
+                    </a:lnB>
+                  </a:tcPr>
+                </a:tc>
+                <a:tc>
+                  <a:txBody>
+                    <a:bodyPr/>
+                    <a:lstStyle/>
+                    <a:p>
+                      <a:pPr algn="ctr" fontAlgn="ctr"/>
+                      <a:r>
+                        <a:rPr lang="en-US" altLang="ko-KR" sz="1200" b="0" i="0" u="none" strike="noStrike" dirty="0">
+                          <a:solidFill>
+                            <a:srgbClr val="000000"/>
+                          </a:solidFill>
+                          <a:effectLst/>
+                          <a:latin typeface="Times New Roman" panose="02020603050405020304" pitchFamily="18" charset="0"/>
+                          <a:cs typeface="Times New Roman" panose="02020603050405020304" pitchFamily="18" charset="0"/>
+                        </a:rPr>
+                        <a:t>0.0015</a:t>
+                      </a:r>
+                    </a:p>
+                  </a:txBody>
+                  <a:tcPr marL="9525" marR="9525" marT="9525" marB="0" anchor="ctr">
+                    <a:lnL>
+                      <a:noFill/>
+                    </a:lnL>
+                    <a:lnR>
+                      <a:noFill/>
+                    </a:lnR>
+                    <a:lnT w="12700" cap="flat" cmpd="sng" algn="ctr">
+                      <a:solidFill>
+                        <a:schemeClr val="tx1"/>
+                      </a:solidFill>
+                      <a:prstDash val="solid"/>
+                      <a:round/>
+                      <a:headEnd type="none" w="med" len="med"/>
+                      <a:tailEnd type="none" w="med" len="med"/>
+                    </a:lnT>
+                    <a:lnB>
+                      <a:noFill/>
+                    </a:lnB>
+                  </a:tcPr>
+                </a:tc>
+              </a:tr>
+              <a:tr h="209550">
+                <a:tc>
+                  <a:txBody>
+                    <a:bodyPr/>
+                    <a:lstStyle/>
+                    <a:p>
+                      <a:pPr algn="ctr" fontAlgn="ctr"/>
+                      <a:r>
+                        <a:rPr lang="en-US" altLang="ko-KR" sz="1200" b="0" i="0" u="none" strike="noStrike">
+                          <a:solidFill>
+                            <a:srgbClr val="000000"/>
+                          </a:solidFill>
+                          <a:effectLst/>
+                          <a:latin typeface="Times New Roman" panose="02020603050405020304" pitchFamily="18" charset="0"/>
+                          <a:cs typeface="Times New Roman" panose="02020603050405020304" pitchFamily="18" charset="0"/>
+                        </a:rPr>
+                        <a:t>0.05</a:t>
+                      </a:r>
+                    </a:p>
+                  </a:txBody>
+                  <a:tcPr marL="9525" marR="9525" marT="9525" marB="0" anchor="ctr">
+                    <a:lnL>
+                      <a:noFill/>
+                    </a:lnL>
+                    <a:lnR>
+                      <a:noFill/>
+                    </a:lnR>
+                    <a:lnT>
+                      <a:noFill/>
+                    </a:lnT>
+                    <a:lnB>
+                      <a:noFill/>
+                    </a:lnB>
+                  </a:tcPr>
+                </a:tc>
+                <a:tc>
+                  <a:txBody>
+                    <a:bodyPr/>
+                    <a:lstStyle/>
+                    <a:p>
+                      <a:pPr algn="ctr" fontAlgn="ctr"/>
+                      <a:r>
+                        <a:rPr lang="en-US" altLang="ko-KR" sz="1200" b="0" i="0" u="none" strike="noStrike" dirty="0">
+                          <a:solidFill>
+                            <a:srgbClr val="000000"/>
+                          </a:solidFill>
+                          <a:effectLst/>
+                          <a:latin typeface="Times New Roman" panose="02020603050405020304" pitchFamily="18" charset="0"/>
+                          <a:cs typeface="Times New Roman" panose="02020603050405020304" pitchFamily="18" charset="0"/>
+                        </a:rPr>
+                        <a:t>0.0115</a:t>
+                      </a:r>
+                    </a:p>
+                  </a:txBody>
+                  <a:tcPr marL="9525" marR="9525" marT="9525" marB="0" anchor="ctr">
+                    <a:lnL>
+                      <a:noFill/>
+                    </a:lnL>
+                    <a:lnR>
+                      <a:noFill/>
+                    </a:lnR>
+                    <a:lnT>
+                      <a:noFill/>
+                    </a:lnT>
+                    <a:lnB>
+                      <a:noFill/>
+                    </a:lnB>
+                  </a:tcPr>
+                </a:tc>
+                <a:tc>
+                  <a:txBody>
+                    <a:bodyPr/>
+                    <a:lstStyle/>
+                    <a:p>
+                      <a:pPr algn="ctr" fontAlgn="ctr"/>
+                      <a:r>
+                        <a:rPr lang="en-US" altLang="ko-KR" sz="1200" b="0" i="0" u="none" strike="noStrike" dirty="0" smtClean="0">
+                          <a:solidFill>
+                            <a:srgbClr val="000000"/>
+                          </a:solidFill>
+                          <a:effectLst/>
+                          <a:latin typeface="Times New Roman" panose="02020603050405020304" pitchFamily="18" charset="0"/>
+                          <a:cs typeface="Times New Roman" panose="02020603050405020304" pitchFamily="18" charset="0"/>
+                        </a:rPr>
+                        <a:t>0.0480</a:t>
+                      </a:r>
+                      <a:endParaRPr lang="en-US" altLang="ko-KR" sz="1200" b="0" i="0" u="none" strike="noStrike" dirty="0">
+                        <a:solidFill>
+                          <a:srgbClr val="000000"/>
+                        </a:solidFill>
+                        <a:effectLst/>
+                        <a:latin typeface="Times New Roman" panose="02020603050405020304" pitchFamily="18" charset="0"/>
+                        <a:cs typeface="Times New Roman" panose="02020603050405020304" pitchFamily="18" charset="0"/>
+                      </a:endParaRPr>
+                    </a:p>
+                  </a:txBody>
+                  <a:tcPr marL="9525" marR="9525" marT="9525" marB="0" anchor="ctr">
+                    <a:lnL>
+                      <a:noFill/>
+                    </a:lnL>
+                    <a:lnR>
+                      <a:noFill/>
+                    </a:lnR>
+                    <a:lnT>
+                      <a:noFill/>
+                    </a:lnT>
+                    <a:lnB>
+                      <a:noFill/>
+                    </a:lnB>
+                  </a:tcPr>
+                </a:tc>
+                <a:tc>
+                  <a:txBody>
+                    <a:bodyPr/>
+                    <a:lstStyle/>
+                    <a:p>
+                      <a:pPr algn="ctr" fontAlgn="ctr"/>
+                      <a:r>
+                        <a:rPr lang="en-US" altLang="ko-KR" sz="1200" b="0" i="0" u="none" strike="noStrike" dirty="0" smtClean="0">
+                          <a:solidFill>
+                            <a:srgbClr val="000000"/>
+                          </a:solidFill>
+                          <a:effectLst/>
+                          <a:latin typeface="Times New Roman" panose="02020603050405020304" pitchFamily="18" charset="0"/>
+                          <a:cs typeface="Times New Roman" panose="02020603050405020304" pitchFamily="18" charset="0"/>
+                        </a:rPr>
+                        <a:t>0.0200</a:t>
+                      </a:r>
+                      <a:endParaRPr lang="en-US" altLang="ko-KR" sz="1200" b="0" i="0" u="none" strike="noStrike" dirty="0">
+                        <a:solidFill>
+                          <a:srgbClr val="000000"/>
+                        </a:solidFill>
+                        <a:effectLst/>
+                        <a:latin typeface="Times New Roman" panose="02020603050405020304" pitchFamily="18" charset="0"/>
+                        <a:cs typeface="Times New Roman" panose="02020603050405020304" pitchFamily="18" charset="0"/>
+                      </a:endParaRPr>
+                    </a:p>
+                  </a:txBody>
+                  <a:tcPr marL="9525" marR="9525" marT="9525" marB="0" anchor="ctr">
+                    <a:lnL>
+                      <a:noFill/>
+                    </a:lnL>
+                    <a:lnR>
+                      <a:noFill/>
+                    </a:lnR>
+                    <a:lnT>
+                      <a:noFill/>
+                    </a:lnT>
+                    <a:lnB>
+                      <a:noFill/>
+                    </a:lnB>
+                  </a:tcPr>
+                </a:tc>
+              </a:tr>
+              <a:tr h="209550">
+                <a:tc>
+                  <a:txBody>
+                    <a:bodyPr/>
+                    <a:lstStyle/>
+                    <a:p>
+                      <a:pPr algn="ctr" fontAlgn="ctr"/>
+                      <a:r>
+                        <a:rPr lang="en-US" altLang="ko-KR" sz="1200" b="0" i="0" u="none" strike="noStrike">
+                          <a:solidFill>
+                            <a:srgbClr val="000000"/>
+                          </a:solidFill>
+                          <a:effectLst/>
+                          <a:latin typeface="Times New Roman" panose="02020603050405020304" pitchFamily="18" charset="0"/>
+                          <a:cs typeface="Times New Roman" panose="02020603050405020304" pitchFamily="18" charset="0"/>
+                        </a:rPr>
+                        <a:t>0.1</a:t>
+                      </a:r>
+                    </a:p>
+                  </a:txBody>
+                  <a:tcPr marL="9525" marR="9525" marT="9525" marB="0" anchor="ctr">
+                    <a:lnL>
+                      <a:noFill/>
+                    </a:lnL>
+                    <a:lnR>
+                      <a:noFill/>
+                    </a:lnR>
+                    <a:lnT>
+                      <a:noFill/>
+                    </a:lnT>
+                    <a:lnB w="28575" cap="flat" cmpd="sng" algn="ctr">
+                      <a:solidFill>
+                        <a:schemeClr val="tx1"/>
+                      </a:solidFill>
+                      <a:prstDash val="solid"/>
+                      <a:round/>
+                      <a:headEnd type="none" w="med" len="med"/>
+                      <a:tailEnd type="none" w="med" len="med"/>
+                    </a:lnB>
+                  </a:tcPr>
+                </a:tc>
+                <a:tc>
+                  <a:txBody>
+                    <a:bodyPr/>
+                    <a:lstStyle/>
+                    <a:p>
+                      <a:pPr algn="ctr" fontAlgn="ctr"/>
+                      <a:r>
+                        <a:rPr lang="en-US" altLang="ko-KR" sz="1200" b="0" i="0" u="none" strike="noStrike">
+                          <a:solidFill>
+                            <a:srgbClr val="000000"/>
+                          </a:solidFill>
+                          <a:effectLst/>
+                          <a:latin typeface="Times New Roman" panose="02020603050405020304" pitchFamily="18" charset="0"/>
+                          <a:cs typeface="Times New Roman" panose="02020603050405020304" pitchFamily="18" charset="0"/>
+                        </a:rPr>
+                        <a:t>0.0285</a:t>
+                      </a:r>
+                    </a:p>
+                  </a:txBody>
+                  <a:tcPr marL="9525" marR="9525" marT="9525" marB="0" anchor="ctr">
+                    <a:lnL>
+                      <a:noFill/>
+                    </a:lnL>
+                    <a:lnR>
+                      <a:noFill/>
+                    </a:lnR>
+                    <a:lnT>
+                      <a:noFill/>
+                    </a:lnT>
+                    <a:lnB w="28575" cap="flat" cmpd="sng" algn="ctr">
+                      <a:solidFill>
+                        <a:schemeClr val="tx1"/>
+                      </a:solidFill>
+                      <a:prstDash val="solid"/>
+                      <a:round/>
+                      <a:headEnd type="none" w="med" len="med"/>
+                      <a:tailEnd type="none" w="med" len="med"/>
+                    </a:lnB>
+                  </a:tcPr>
+                </a:tc>
+                <a:tc>
+                  <a:txBody>
+                    <a:bodyPr/>
+                    <a:lstStyle/>
+                    <a:p>
+                      <a:pPr algn="ctr" fontAlgn="ctr"/>
+                      <a:r>
+                        <a:rPr lang="en-US" altLang="ko-KR" sz="1200" b="0" i="0" u="none" strike="noStrike" dirty="0" smtClean="0">
+                          <a:solidFill>
+                            <a:srgbClr val="000000"/>
+                          </a:solidFill>
+                          <a:effectLst/>
+                          <a:latin typeface="Times New Roman" panose="02020603050405020304" pitchFamily="18" charset="0"/>
+                          <a:cs typeface="Times New Roman" panose="02020603050405020304" pitchFamily="18" charset="0"/>
+                        </a:rPr>
+                        <a:t>0.1020</a:t>
+                      </a:r>
+                      <a:endParaRPr lang="en-US" altLang="ko-KR" sz="1200" b="0" i="0" u="none" strike="noStrike" dirty="0">
+                        <a:solidFill>
+                          <a:srgbClr val="000000"/>
+                        </a:solidFill>
+                        <a:effectLst/>
+                        <a:latin typeface="Times New Roman" panose="02020603050405020304" pitchFamily="18" charset="0"/>
+                        <a:cs typeface="Times New Roman" panose="02020603050405020304" pitchFamily="18" charset="0"/>
+                      </a:endParaRPr>
+                    </a:p>
+                  </a:txBody>
+                  <a:tcPr marL="9525" marR="9525" marT="9525" marB="0" anchor="ctr">
+                    <a:lnL>
+                      <a:noFill/>
+                    </a:lnL>
+                    <a:lnR>
+                      <a:noFill/>
+                    </a:lnR>
+                    <a:lnT>
+                      <a:noFill/>
+                    </a:lnT>
+                    <a:lnB w="28575" cap="flat" cmpd="sng" algn="ctr">
+                      <a:solidFill>
+                        <a:schemeClr val="tx1"/>
+                      </a:solidFill>
+                      <a:prstDash val="solid"/>
+                      <a:round/>
+                      <a:headEnd type="none" w="med" len="med"/>
+                      <a:tailEnd type="none" w="med" len="med"/>
+                    </a:lnB>
+                  </a:tcPr>
+                </a:tc>
+                <a:tc>
+                  <a:txBody>
+                    <a:bodyPr/>
+                    <a:lstStyle/>
+                    <a:p>
+                      <a:pPr algn="ctr" fontAlgn="ctr"/>
+                      <a:r>
+                        <a:rPr lang="en-US" altLang="ko-KR" sz="1200" b="0" i="0" u="none" strike="noStrike" dirty="0">
+                          <a:solidFill>
+                            <a:srgbClr val="000000"/>
+                          </a:solidFill>
+                          <a:effectLst/>
+                          <a:latin typeface="Times New Roman" panose="02020603050405020304" pitchFamily="18" charset="0"/>
+                          <a:cs typeface="Times New Roman" panose="02020603050405020304" pitchFamily="18" charset="0"/>
+                        </a:rPr>
+                        <a:t>0.0505</a:t>
+                      </a:r>
+                    </a:p>
+                  </a:txBody>
+                  <a:tcPr marL="9525" marR="9525" marT="9525" marB="0" anchor="ctr">
+                    <a:lnL>
+                      <a:noFill/>
+                    </a:lnL>
+                    <a:lnR>
+                      <a:noFill/>
+                    </a:lnR>
+                    <a:lnT>
+                      <a:noFill/>
+                    </a:lnT>
+                    <a:lnB w="28575" cap="flat" cmpd="sng" algn="ctr">
+                      <a:solidFill>
+                        <a:schemeClr val="tx1"/>
+                      </a:solidFill>
+                      <a:prstDash val="solid"/>
+                      <a:round/>
+                      <a:headEnd type="none" w="med" len="med"/>
+                      <a:tailEnd type="none" w="med" len="med"/>
+                    </a:lnB>
+                  </a:tcPr>
+                </a:tc>
+              </a:tr>
+            </a:tbl>
+          </a:graphicData>
+        </a:graphic>
+      </p:graphicFrame>
+      <p:sp>
+        <p:nvSpPr>
+          <p:cNvPr id="9" name="TextBox 8"/>
+          <p:cNvSpPr txBox="1"/>
+          <p:nvPr/>
+        </p:nvSpPr>
+        <p:spPr>
+          <a:xfrm>
+            <a:off x="899592" y="836712"/>
+            <a:ext cx="910827" cy="369332"/>
+          </a:xfrm>
+          <a:prstGeom prst="rect">
+            <a:avLst/>
+          </a:prstGeom>
+          <a:noFill/>
+        </p:spPr>
+        <p:txBody>
+          <a:bodyPr wrap="none" rtlCol="0">
+            <a:spAutoFit/>
+          </a:bodyPr>
+          <a:lstStyle/>
+          <a:p>
+            <a:r>
+              <a:rPr lang="en-US" altLang="ko-KR" dirty="0" smtClean="0"/>
+              <a:t>table </a:t>
+            </a:r>
+            <a:r>
+              <a:rPr lang="en-US" altLang="ko-KR" dirty="0"/>
+              <a:t>3</a:t>
+            </a:r>
+            <a:endParaRPr lang="ko-KR" altLang="en-US" dirty="0"/>
+          </a:p>
+        </p:txBody>
+      </p:sp>
+    </p:spTree>
+    <p:extLst>
+      <p:ext uri="{BB962C8B-B14F-4D97-AF65-F5344CB8AC3E}">
+        <p14:creationId xmlns:p14="http://schemas.microsoft.com/office/powerpoint/2010/main" val="1095037356"/>
+      </p:ext>
+    </p:extLst>
+  </p:cSld>
+  <p:clrMapOvr>
+    <a:masterClrMapping/>
+  </p:clrMapOvr>
+</p:sld>
+</file>
+
+<file path=ppt/slides/slide5.xml><?xml version="1.0" encoding="utf-8"?>
+<p:sld xmlns:a="http://schemas.openxmlformats.org/drawingml/2006/main" xmlns:r="http://schemas.openxmlformats.org/officeDocument/2006/relationships" xmlns:p="http://schemas.openxmlformats.org/presentationml/2006/main">
+  <p:cSld>
+    <p:spTree>
+      <p:nvGrpSpPr>
+        <p:cNvPr id="1" name=""/>
+        <p:cNvGrpSpPr/>
+        <p:nvPr/>
+      </p:nvGrpSpPr>
+      <p:grpSpPr>
+        <a:xfrm>
+          <a:off x="0" y="0"/>
+          <a:ext cx="0" cy="0"/>
+          <a:chOff x="0" y="0"/>
+          <a:chExt cx="0" cy="0"/>
+        </a:xfrm>
+      </p:grpSpPr>
+      <p:graphicFrame>
+        <p:nvGraphicFramePr>
+          <p:cNvPr id="4" name="표 3"/>
+          <p:cNvGraphicFramePr>
+            <a:graphicFrameLocks noGrp="1"/>
+          </p:cNvGraphicFramePr>
+          <p:nvPr>
+            <p:extLst>
+              <p:ext uri="{D42A27DB-BD31-4B8C-83A1-F6EECF244321}">
+                <p14:modId xmlns:p14="http://schemas.microsoft.com/office/powerpoint/2010/main" val="3420741646"/>
+              </p:ext>
+            </p:extLst>
+          </p:nvPr>
+        </p:nvGraphicFramePr>
+        <p:xfrm>
+          <a:off x="1979712" y="1412776"/>
+          <a:ext cx="3790800" cy="1676400"/>
+        </p:xfrm>
+        <a:graphic>
+          <a:graphicData uri="http://schemas.openxmlformats.org/drawingml/2006/table">
+            <a:tbl>
+              <a:tblPr/>
+              <a:tblGrid>
+                <a:gridCol w="864000"/>
+                <a:gridCol w="864000"/>
+                <a:gridCol w="687600"/>
+                <a:gridCol w="687600"/>
+                <a:gridCol w="687600"/>
+              </a:tblGrid>
+              <a:tr h="209550">
+                <a:tc rowSpan="2">
+                  <a:txBody>
+                    <a:bodyPr/>
+                    <a:lstStyle/>
+                    <a:p>
+                      <a:pPr algn="ctr" fontAlgn="ctr"/>
+                      <a:r>
+                        <a:rPr lang="en-US" sz="1200" b="0" i="0" u="none" strike="noStrike" dirty="0" smtClean="0">
+                          <a:solidFill>
+                            <a:srgbClr val="000000"/>
+                          </a:solidFill>
+                          <a:effectLst/>
+                          <a:latin typeface="Times New Roman" panose="02020603050405020304" pitchFamily="18" charset="0"/>
+                          <a:cs typeface="Times New Roman" panose="02020603050405020304" pitchFamily="18" charset="0"/>
+                        </a:rPr>
+                        <a:t>Heritability</a:t>
+                      </a:r>
+                      <a:endParaRPr lang="en-US" sz="1200" b="0" i="0" u="none" strike="noStrike" dirty="0">
+                        <a:solidFill>
+                          <a:srgbClr val="000000"/>
+                        </a:solidFill>
+                        <a:effectLst/>
+                        <a:latin typeface="Times New Roman" panose="02020603050405020304" pitchFamily="18" charset="0"/>
+                        <a:cs typeface="Times New Roman" panose="02020603050405020304" pitchFamily="18" charset="0"/>
+                      </a:endParaRPr>
+                    </a:p>
+                  </a:txBody>
+                  <a:tcPr marL="9525" marR="9525" marT="9525" marB="0" anchor="ctr">
+                    <a:lnL>
+                      <a:noFill/>
+                    </a:lnL>
+                    <a:lnR>
+                      <a:noFill/>
+                    </a:lnR>
+                    <a:lnT w="28575" cap="flat" cmpd="sng" algn="ctr">
+                      <a:solidFill>
+                        <a:schemeClr val="tx1"/>
+                      </a:solidFill>
+                      <a:prstDash val="solid"/>
+                      <a:round/>
+                      <a:headEnd type="none" w="med" len="med"/>
+                      <a:tailEnd type="none" w="med" len="med"/>
+                    </a:lnT>
+                    <a:lnB w="12700" cap="flat" cmpd="sng" algn="ctr">
+                      <a:solidFill>
+                        <a:schemeClr val="tx1"/>
+                      </a:solidFill>
+                      <a:prstDash val="solid"/>
+                      <a:round/>
+                      <a:headEnd type="none" w="med" len="med"/>
+                      <a:tailEnd type="none" w="med" len="med"/>
+                    </a:lnB>
+                  </a:tcPr>
+                </a:tc>
+                <a:tc rowSpan="2">
+                  <a:txBody>
+                    <a:bodyPr/>
+                    <a:lstStyle/>
+                    <a:p>
+                      <a:pPr algn="ctr" fontAlgn="ctr"/>
+                      <a:r>
+                        <a:rPr lang="en-US" sz="1200" b="0" i="0" u="none" strike="noStrike" dirty="0" smtClean="0">
+                          <a:solidFill>
+                            <a:srgbClr val="000000"/>
+                          </a:solidFill>
+                          <a:effectLst/>
+                          <a:latin typeface="Times New Roman" panose="02020603050405020304" pitchFamily="18" charset="0"/>
+                          <a:cs typeface="Times New Roman" panose="02020603050405020304" pitchFamily="18" charset="0"/>
+                        </a:rPr>
+                        <a:t>Significance</a:t>
+                      </a:r>
+                      <a:br>
+                        <a:rPr lang="en-US" sz="1200" b="0" i="0" u="none" strike="noStrike" dirty="0" smtClean="0">
+                          <a:solidFill>
+                            <a:srgbClr val="000000"/>
+                          </a:solidFill>
+                          <a:effectLst/>
+                          <a:latin typeface="Times New Roman" panose="02020603050405020304" pitchFamily="18" charset="0"/>
+                          <a:cs typeface="Times New Roman" panose="02020603050405020304" pitchFamily="18" charset="0"/>
+                        </a:rPr>
+                      </a:br>
+                      <a:r>
+                        <a:rPr lang="en-US" sz="1200" b="0" i="0" u="none" strike="noStrike" dirty="0" smtClean="0">
+                          <a:solidFill>
+                            <a:srgbClr val="000000"/>
+                          </a:solidFill>
+                          <a:effectLst/>
+                          <a:latin typeface="Times New Roman" panose="02020603050405020304" pitchFamily="18" charset="0"/>
+                          <a:cs typeface="Times New Roman" panose="02020603050405020304" pitchFamily="18" charset="0"/>
+                        </a:rPr>
+                        <a:t>level</a:t>
+                      </a:r>
+                      <a:endParaRPr lang="en-US" sz="1200" b="0" i="0" u="none" strike="noStrike" dirty="0">
+                        <a:solidFill>
+                          <a:srgbClr val="000000"/>
+                        </a:solidFill>
+                        <a:effectLst/>
+                        <a:latin typeface="Times New Roman" panose="02020603050405020304" pitchFamily="18" charset="0"/>
+                        <a:cs typeface="Times New Roman" panose="02020603050405020304" pitchFamily="18" charset="0"/>
+                      </a:endParaRPr>
+                    </a:p>
+                  </a:txBody>
+                  <a:tcPr marL="9525" marR="9525" marT="9525" marB="0" anchor="ctr">
+                    <a:lnL>
+                      <a:noFill/>
+                    </a:lnL>
+                    <a:lnR>
+                      <a:noFill/>
+                    </a:lnR>
+                    <a:lnT w="28575" cap="flat" cmpd="sng" algn="ctr">
+                      <a:solidFill>
+                        <a:schemeClr val="tx1"/>
+                      </a:solidFill>
+                      <a:prstDash val="solid"/>
+                      <a:round/>
+                      <a:headEnd type="none" w="med" len="med"/>
+                      <a:tailEnd type="none" w="med" len="med"/>
+                    </a:lnT>
+                    <a:lnB w="12700" cap="flat" cmpd="sng" algn="ctr">
+                      <a:solidFill>
+                        <a:schemeClr val="tx1"/>
+                      </a:solidFill>
+                      <a:prstDash val="solid"/>
+                      <a:round/>
+                      <a:headEnd type="none" w="med" len="med"/>
+                      <a:tailEnd type="none" w="med" len="med"/>
+                    </a:lnB>
+                  </a:tcPr>
+                </a:tc>
+                <a:tc gridSpan="3">
+                  <a:txBody>
+                    <a:bodyPr/>
+                    <a:lstStyle/>
+                    <a:p>
+                      <a:pPr algn="ctr" fontAlgn="ctr"/>
+                      <a:r>
+                        <a:rPr lang="en-US" sz="1200" b="0" i="0" u="none" strike="noStrike" dirty="0" smtClean="0">
+                          <a:solidFill>
+                            <a:srgbClr val="000000"/>
+                          </a:solidFill>
+                          <a:effectLst/>
+                          <a:latin typeface="Times New Roman" panose="02020603050405020304" pitchFamily="18" charset="0"/>
+                          <a:cs typeface="Times New Roman" panose="02020603050405020304" pitchFamily="18" charset="0"/>
+                        </a:rPr>
+                        <a:t>Prevalence</a:t>
+                      </a:r>
+                      <a:endParaRPr lang="en-US" sz="1200" b="0" i="0" u="none" strike="noStrike" dirty="0">
+                        <a:solidFill>
+                          <a:srgbClr val="000000"/>
+                        </a:solidFill>
+                        <a:effectLst/>
+                        <a:latin typeface="Times New Roman" panose="02020603050405020304" pitchFamily="18" charset="0"/>
+                        <a:cs typeface="Times New Roman" panose="02020603050405020304" pitchFamily="18" charset="0"/>
+                      </a:endParaRPr>
+                    </a:p>
+                  </a:txBody>
+                  <a:tcPr marL="9525" marR="9525" marT="9525" marB="0" anchor="ctr">
+                    <a:lnL>
+                      <a:noFill/>
+                    </a:lnL>
+                    <a:lnR>
+                      <a:noFill/>
+                    </a:lnR>
+                    <a:lnT w="28575" cap="flat" cmpd="sng" algn="ctr">
+                      <a:solidFill>
+                        <a:schemeClr val="tx1"/>
+                      </a:solidFill>
+                      <a:prstDash val="solid"/>
+                      <a:round/>
+                      <a:headEnd type="none" w="med" len="med"/>
+                      <a:tailEnd type="none" w="med" len="med"/>
+                    </a:lnT>
+                    <a:lnB w="12700" cap="flat" cmpd="sng" algn="ctr">
+                      <a:solidFill>
+                        <a:schemeClr val="tx1"/>
+                      </a:solidFill>
+                      <a:prstDash val="solid"/>
+                      <a:round/>
+                      <a:headEnd type="none" w="med" len="med"/>
+                      <a:tailEnd type="none" w="med" len="med"/>
+                    </a:lnB>
+                  </a:tcPr>
+                </a:tc>
+                <a:tc hMerge="1">
+                  <a:txBody>
+                    <a:bodyPr/>
+                    <a:lstStyle/>
+                    <a:p>
+                      <a:pPr algn="l" fontAlgn="ctr"/>
+                      <a:endParaRPr lang="en-US" sz="1100" b="0" i="0" u="none" strike="noStrike" dirty="0">
+                        <a:solidFill>
+                          <a:srgbClr val="000000"/>
+                        </a:solidFill>
+                        <a:effectLst/>
+                        <a:latin typeface="맑은 고딕"/>
+                      </a:endParaRPr>
+                    </a:p>
+                  </a:txBody>
+                  <a:tcPr marL="9525" marR="9525" marT="9525" marB="0" anchor="ctr">
+                    <a:lnL>
+                      <a:noFill/>
+                    </a:lnL>
+                    <a:lnR>
+                      <a:noFill/>
+                    </a:lnR>
+                    <a:lnT>
+                      <a:noFill/>
+                    </a:lnT>
+                    <a:lnB>
+                      <a:noFill/>
+                    </a:lnB>
+                  </a:tcPr>
+                </a:tc>
+                <a:tc hMerge="1">
+                  <a:txBody>
+                    <a:bodyPr/>
+                    <a:lstStyle/>
+                    <a:p>
+                      <a:pPr algn="l" fontAlgn="ctr"/>
+                      <a:endParaRPr lang="en-US" sz="1100" b="0" i="0" u="none" strike="noStrike" dirty="0">
+                        <a:solidFill>
+                          <a:srgbClr val="000000"/>
+                        </a:solidFill>
+                        <a:effectLst/>
+                        <a:latin typeface="맑은 고딕"/>
+                      </a:endParaRPr>
+                    </a:p>
+                  </a:txBody>
+                  <a:tcPr marL="9525" marR="9525" marT="9525" marB="0" anchor="ctr">
+                    <a:lnL>
+                      <a:noFill/>
+                    </a:lnL>
+                    <a:lnR>
+                      <a:noFill/>
+                    </a:lnR>
+                    <a:lnT>
+                      <a:noFill/>
+                    </a:lnT>
+                    <a:lnB>
+                      <a:noFill/>
+                    </a:lnB>
+                  </a:tcPr>
+                </a:tc>
+              </a:tr>
+              <a:tr h="209550">
+                <a:tc vMerge="1">
+                  <a:txBody>
+                    <a:bodyPr/>
+                    <a:lstStyle/>
+                    <a:p>
+                      <a:pPr latinLnBrk="1"/>
+                      <a:endParaRPr lang="ko-KR" altLang="en-US"/>
+                    </a:p>
+                  </a:txBody>
+                  <a:tcPr/>
+                </a:tc>
+                <a:tc vMerge="1">
+                  <a:txBody>
+                    <a:bodyPr/>
+                    <a:lstStyle/>
+                    <a:p>
+                      <a:pPr algn="l" fontAlgn="ctr"/>
+                      <a:endParaRPr lang="en-US" sz="1100" b="0" i="0" u="none" strike="noStrike" dirty="0">
+                        <a:solidFill>
+                          <a:srgbClr val="000000"/>
+                        </a:solidFill>
+                        <a:effectLst/>
+                        <a:latin typeface="맑은 고딕"/>
+                      </a:endParaRPr>
+                    </a:p>
+                  </a:txBody>
+                  <a:tcPr marL="9525" marR="9525" marT="9525" marB="0" anchor="ctr">
+                    <a:lnL>
+                      <a:noFill/>
+                    </a:lnL>
+                    <a:lnR>
+                      <a:noFill/>
+                    </a:lnR>
+                    <a:lnT>
+                      <a:noFill/>
+                    </a:lnT>
+                    <a:lnB>
+                      <a:noFill/>
+                    </a:lnB>
+                  </a:tcPr>
+                </a:tc>
+                <a:tc>
+                  <a:txBody>
+                    <a:bodyPr/>
+                    <a:lstStyle/>
+                    <a:p>
+                      <a:pPr algn="ctr" fontAlgn="ctr"/>
+                      <a:r>
+                        <a:rPr lang="en-US" sz="1200" b="0" i="0" u="none" strike="noStrike" dirty="0" smtClean="0">
+                          <a:solidFill>
+                            <a:srgbClr val="000000"/>
+                          </a:solidFill>
+                          <a:effectLst/>
+                          <a:latin typeface="Times New Roman" panose="02020603050405020304" pitchFamily="18" charset="0"/>
+                          <a:cs typeface="Times New Roman" panose="02020603050405020304" pitchFamily="18" charset="0"/>
+                        </a:rPr>
+                        <a:t>0.05</a:t>
+                      </a:r>
+                      <a:endParaRPr lang="en-US" sz="1200" b="0" i="0" u="none" strike="noStrike" dirty="0">
+                        <a:solidFill>
+                          <a:srgbClr val="000000"/>
+                        </a:solidFill>
+                        <a:effectLst/>
+                        <a:latin typeface="Times New Roman" panose="02020603050405020304" pitchFamily="18" charset="0"/>
+                        <a:cs typeface="Times New Roman" panose="02020603050405020304" pitchFamily="18" charset="0"/>
+                      </a:endParaRPr>
+                    </a:p>
+                  </a:txBody>
+                  <a:tcPr marL="9525" marR="9525" marT="9525" marB="0" anchor="ctr">
+                    <a:lnL>
+                      <a:noFill/>
+                    </a:lnL>
+                    <a:lnR>
+                      <a:noFill/>
+                    </a:lnR>
+                    <a:lnT w="12700" cap="flat" cmpd="sng" algn="ctr">
+                      <a:solidFill>
+                        <a:schemeClr val="tx1"/>
+                      </a:solidFill>
+                      <a:prstDash val="solid"/>
+                      <a:round/>
+                      <a:headEnd type="none" w="med" len="med"/>
+                      <a:tailEnd type="none" w="med" len="med"/>
+                    </a:lnT>
+                    <a:lnB w="12700" cap="flat" cmpd="sng" algn="ctr">
+                      <a:solidFill>
+                        <a:schemeClr val="tx1"/>
+                      </a:solidFill>
+                      <a:prstDash val="solid"/>
+                      <a:round/>
+                      <a:headEnd type="none" w="med" len="med"/>
+                      <a:tailEnd type="none" w="med" len="med"/>
+                    </a:lnB>
+                  </a:tcPr>
+                </a:tc>
+                <a:tc>
+                  <a:txBody>
+                    <a:bodyPr/>
+                    <a:lstStyle/>
+                    <a:p>
+                      <a:pPr algn="ctr" fontAlgn="ctr"/>
+                      <a:r>
+                        <a:rPr lang="en-US" sz="1200" b="0" i="0" u="none" strike="noStrike" dirty="0" smtClean="0">
+                          <a:solidFill>
+                            <a:srgbClr val="000000"/>
+                          </a:solidFill>
+                          <a:effectLst/>
+                          <a:latin typeface="Times New Roman" panose="02020603050405020304" pitchFamily="18" charset="0"/>
+                          <a:cs typeface="Times New Roman" panose="02020603050405020304" pitchFamily="18" charset="0"/>
+                        </a:rPr>
+                        <a:t>0.1</a:t>
+                      </a:r>
+                      <a:endParaRPr lang="en-US" sz="1200" b="0" i="0" u="none" strike="noStrike" dirty="0">
+                        <a:solidFill>
+                          <a:srgbClr val="000000"/>
+                        </a:solidFill>
+                        <a:effectLst/>
+                        <a:latin typeface="Times New Roman" panose="02020603050405020304" pitchFamily="18" charset="0"/>
+                        <a:cs typeface="Times New Roman" panose="02020603050405020304" pitchFamily="18" charset="0"/>
+                      </a:endParaRPr>
+                    </a:p>
+                  </a:txBody>
+                  <a:tcPr marL="9525" marR="9525" marT="9525" marB="0" anchor="ctr">
+                    <a:lnL>
+                      <a:noFill/>
+                    </a:lnL>
+                    <a:lnR>
+                      <a:noFill/>
+                    </a:lnR>
+                    <a:lnT w="12700" cap="flat" cmpd="sng" algn="ctr">
+                      <a:solidFill>
+                        <a:schemeClr val="tx1"/>
+                      </a:solidFill>
+                      <a:prstDash val="solid"/>
+                      <a:round/>
+                      <a:headEnd type="none" w="med" len="med"/>
+                      <a:tailEnd type="none" w="med" len="med"/>
+                    </a:lnT>
+                    <a:lnB w="12700" cap="flat" cmpd="sng" algn="ctr">
+                      <a:solidFill>
+                        <a:schemeClr val="tx1"/>
+                      </a:solidFill>
+                      <a:prstDash val="solid"/>
+                      <a:round/>
+                      <a:headEnd type="none" w="med" len="med"/>
+                      <a:tailEnd type="none" w="med" len="med"/>
+                    </a:lnB>
+                  </a:tcPr>
+                </a:tc>
+                <a:tc>
+                  <a:txBody>
+                    <a:bodyPr/>
+                    <a:lstStyle/>
+                    <a:p>
+                      <a:pPr algn="ctr" fontAlgn="ctr"/>
+                      <a:r>
+                        <a:rPr lang="en-US" sz="1200" b="0" i="0" u="none" strike="noStrike" dirty="0" smtClean="0">
+                          <a:solidFill>
+                            <a:srgbClr val="000000"/>
+                          </a:solidFill>
+                          <a:effectLst/>
+                          <a:latin typeface="Times New Roman" panose="02020603050405020304" pitchFamily="18" charset="0"/>
+                          <a:cs typeface="Times New Roman" panose="02020603050405020304" pitchFamily="18" charset="0"/>
+                        </a:rPr>
+                        <a:t>0.2</a:t>
+                      </a:r>
+                      <a:endParaRPr lang="en-US" sz="1200" b="0" i="0" u="none" strike="noStrike" dirty="0">
+                        <a:solidFill>
+                          <a:srgbClr val="000000"/>
+                        </a:solidFill>
+                        <a:effectLst/>
+                        <a:latin typeface="Times New Roman" panose="02020603050405020304" pitchFamily="18" charset="0"/>
+                        <a:cs typeface="Times New Roman" panose="02020603050405020304" pitchFamily="18" charset="0"/>
+                      </a:endParaRPr>
+                    </a:p>
+                  </a:txBody>
+                  <a:tcPr marL="9525" marR="9525" marT="9525" marB="0" anchor="ctr">
+                    <a:lnL>
+                      <a:noFill/>
+                    </a:lnL>
+                    <a:lnR>
+                      <a:noFill/>
+                    </a:lnR>
+                    <a:lnT w="12700" cap="flat" cmpd="sng" algn="ctr">
+                      <a:solidFill>
+                        <a:schemeClr val="tx1"/>
+                      </a:solidFill>
+                      <a:prstDash val="solid"/>
+                      <a:round/>
+                      <a:headEnd type="none" w="med" len="med"/>
+                      <a:tailEnd type="none" w="med" len="med"/>
+                    </a:lnT>
+                    <a:lnB w="12700" cap="flat" cmpd="sng" algn="ctr">
+                      <a:solidFill>
+                        <a:schemeClr val="tx1"/>
+                      </a:solidFill>
+                      <a:prstDash val="solid"/>
+                      <a:round/>
+                      <a:headEnd type="none" w="med" len="med"/>
+                      <a:tailEnd type="none" w="med" len="med"/>
+                    </a:lnB>
+                  </a:tcPr>
+                </a:tc>
+              </a:tr>
+              <a:tr h="209550">
+                <a:tc rowSpan="3">
+                  <a:txBody>
+                    <a:bodyPr/>
+                    <a:lstStyle/>
+                    <a:p>
+                      <a:pPr algn="ctr" fontAlgn="ctr"/>
+                      <a:r>
+                        <a:rPr lang="en-US" altLang="ko-KR" sz="1200" b="0" i="0" u="none" strike="noStrike" dirty="0" smtClean="0">
+                          <a:solidFill>
+                            <a:srgbClr val="000000"/>
+                          </a:solidFill>
+                          <a:effectLst/>
+                          <a:latin typeface="Times New Roman" panose="02020603050405020304" pitchFamily="18" charset="0"/>
+                          <a:cs typeface="Times New Roman" panose="02020603050405020304" pitchFamily="18" charset="0"/>
+                        </a:rPr>
+                        <a:t>0.2</a:t>
+                      </a:r>
+                      <a:endParaRPr lang="en-US" altLang="ko-KR" sz="1200" b="0" i="0" u="none" strike="noStrike" dirty="0">
+                        <a:solidFill>
+                          <a:srgbClr val="000000"/>
+                        </a:solidFill>
+                        <a:effectLst/>
+                        <a:latin typeface="Times New Roman" panose="02020603050405020304" pitchFamily="18" charset="0"/>
+                        <a:cs typeface="Times New Roman" panose="02020603050405020304" pitchFamily="18" charset="0"/>
+                      </a:endParaRPr>
+                    </a:p>
+                  </a:txBody>
+                  <a:tcPr marL="9525" marR="9525" marT="9525" marB="0" anchor="ctr">
+                    <a:lnL>
+                      <a:noFill/>
+                    </a:lnL>
+                    <a:lnR>
+                      <a:noFill/>
+                    </a:lnR>
+                    <a:lnT w="12700" cap="flat" cmpd="sng" algn="ctr">
+                      <a:solidFill>
+                        <a:schemeClr val="tx1"/>
+                      </a:solidFill>
+                      <a:prstDash val="solid"/>
+                      <a:round/>
+                      <a:headEnd type="none" w="med" len="med"/>
+                      <a:tailEnd type="none" w="med" len="med"/>
+                    </a:lnT>
+                    <a:lnB w="12700" cap="flat" cmpd="sng" algn="ctr">
+                      <a:solidFill>
+                        <a:schemeClr val="tx1"/>
+                      </a:solidFill>
+                      <a:prstDash val="solid"/>
+                      <a:round/>
+                      <a:headEnd type="none" w="med" len="med"/>
+                      <a:tailEnd type="none" w="med" len="med"/>
+                    </a:lnB>
+                  </a:tcPr>
+                </a:tc>
+                <a:tc>
+                  <a:txBody>
+                    <a:bodyPr/>
+                    <a:lstStyle/>
+                    <a:p>
+                      <a:pPr algn="ctr" fontAlgn="ctr"/>
+                      <a:r>
+                        <a:rPr lang="en-US" altLang="ko-KR" sz="1200" b="0" i="0" u="none" strike="noStrike" dirty="0">
+                          <a:solidFill>
+                            <a:srgbClr val="000000"/>
+                          </a:solidFill>
+                          <a:effectLst/>
+                          <a:latin typeface="Times New Roman" panose="02020603050405020304" pitchFamily="18" charset="0"/>
+                          <a:cs typeface="Times New Roman" panose="02020603050405020304" pitchFamily="18" charset="0"/>
+                        </a:rPr>
+                        <a:t>0.01</a:t>
+                      </a:r>
+                    </a:p>
+                  </a:txBody>
+                  <a:tcPr marL="9525" marR="9525" marT="9525" marB="0" anchor="ctr">
+                    <a:lnL>
+                      <a:noFill/>
+                    </a:lnL>
+                    <a:lnR>
+                      <a:noFill/>
+                    </a:lnR>
+                    <a:lnT w="12700" cap="flat" cmpd="sng" algn="ctr">
+                      <a:solidFill>
+                        <a:schemeClr val="tx1"/>
+                      </a:solidFill>
+                      <a:prstDash val="solid"/>
+                      <a:round/>
+                      <a:headEnd type="none" w="med" len="med"/>
+                      <a:tailEnd type="none" w="med" len="med"/>
+                    </a:lnT>
+                    <a:lnB>
+                      <a:noFill/>
+                    </a:lnB>
+                  </a:tcPr>
+                </a:tc>
+                <a:tc>
+                  <a:txBody>
+                    <a:bodyPr/>
+                    <a:lstStyle/>
+                    <a:p>
+                      <a:pPr algn="ctr" fontAlgn="ctr"/>
+                      <a:r>
+                        <a:rPr lang="en-US" altLang="ko-KR" sz="1100" b="0" i="0" u="none" strike="noStrike" dirty="0">
+                          <a:solidFill>
+                            <a:srgbClr val="000000"/>
+                          </a:solidFill>
+                          <a:effectLst/>
+                          <a:latin typeface="Times New Roman" panose="02020603050405020304" pitchFamily="18" charset="0"/>
+                          <a:cs typeface="Times New Roman" panose="02020603050405020304" pitchFamily="18" charset="0"/>
+                        </a:rPr>
+                        <a:t>0.0485</a:t>
+                      </a:r>
+                    </a:p>
+                  </a:txBody>
+                  <a:tcPr marL="9525" marR="9525" marT="9525" marB="0" anchor="ctr">
+                    <a:lnL>
+                      <a:noFill/>
+                    </a:lnL>
+                    <a:lnR>
+                      <a:noFill/>
+                    </a:lnR>
+                    <a:lnT w="12700" cap="flat" cmpd="sng" algn="ctr">
+                      <a:solidFill>
+                        <a:schemeClr val="tx1"/>
+                      </a:solidFill>
+                      <a:prstDash val="solid"/>
+                      <a:round/>
+                      <a:headEnd type="none" w="med" len="med"/>
+                      <a:tailEnd type="none" w="med" len="med"/>
+                    </a:lnT>
+                    <a:lnB>
+                      <a:noFill/>
+                    </a:lnB>
+                  </a:tcPr>
+                </a:tc>
+                <a:tc>
+                  <a:txBody>
+                    <a:bodyPr/>
+                    <a:lstStyle/>
+                    <a:p>
+                      <a:pPr algn="ctr" fontAlgn="ctr"/>
+                      <a:r>
+                        <a:rPr lang="en-US" altLang="ko-KR" sz="1100" b="0" i="0" u="none" strike="noStrike">
+                          <a:solidFill>
+                            <a:srgbClr val="000000"/>
+                          </a:solidFill>
+                          <a:effectLst/>
+                          <a:latin typeface="Times New Roman" panose="02020603050405020304" pitchFamily="18" charset="0"/>
+                          <a:cs typeface="Times New Roman" panose="02020603050405020304" pitchFamily="18" charset="0"/>
+                        </a:rPr>
+                        <a:t>0.3420</a:t>
+                      </a:r>
+                    </a:p>
+                  </a:txBody>
+                  <a:tcPr marL="9525" marR="9525" marT="9525" marB="0" anchor="ctr">
+                    <a:lnL>
+                      <a:noFill/>
+                    </a:lnL>
+                    <a:lnR>
+                      <a:noFill/>
+                    </a:lnR>
+                    <a:lnT w="12700" cap="flat" cmpd="sng" algn="ctr">
+                      <a:solidFill>
+                        <a:schemeClr val="tx1"/>
+                      </a:solidFill>
+                      <a:prstDash val="solid"/>
+                      <a:round/>
+                      <a:headEnd type="none" w="med" len="med"/>
+                      <a:tailEnd type="none" w="med" len="med"/>
+                    </a:lnT>
+                    <a:lnB>
+                      <a:noFill/>
+                    </a:lnB>
+                  </a:tcPr>
+                </a:tc>
+                <a:tc>
+                  <a:txBody>
+                    <a:bodyPr/>
+                    <a:lstStyle/>
+                    <a:p>
+                      <a:pPr algn="ctr" fontAlgn="ctr"/>
+                      <a:r>
+                        <a:rPr lang="en-US" altLang="ko-KR" sz="1100" b="0" i="0" u="none" strike="noStrike">
+                          <a:solidFill>
+                            <a:srgbClr val="000000"/>
+                          </a:solidFill>
+                          <a:effectLst/>
+                          <a:latin typeface="Times New Roman" panose="02020603050405020304" pitchFamily="18" charset="0"/>
+                          <a:cs typeface="Times New Roman" panose="02020603050405020304" pitchFamily="18" charset="0"/>
+                        </a:rPr>
+                        <a:t>0.6210</a:t>
+                      </a:r>
+                    </a:p>
+                  </a:txBody>
+                  <a:tcPr marL="9525" marR="9525" marT="9525" marB="0" anchor="ctr">
+                    <a:lnL>
+                      <a:noFill/>
+                    </a:lnL>
+                    <a:lnR>
+                      <a:noFill/>
+                    </a:lnR>
+                    <a:lnT w="12700" cap="flat" cmpd="sng" algn="ctr">
+                      <a:solidFill>
+                        <a:schemeClr val="tx1"/>
+                      </a:solidFill>
+                      <a:prstDash val="solid"/>
+                      <a:round/>
+                      <a:headEnd type="none" w="med" len="med"/>
+                      <a:tailEnd type="none" w="med" len="med"/>
+                    </a:lnT>
+                    <a:lnB>
+                      <a:noFill/>
+                    </a:lnB>
+                  </a:tcPr>
+                </a:tc>
+              </a:tr>
+              <a:tr h="209550">
+                <a:tc vMerge="1">
+                  <a:txBody>
+                    <a:bodyPr/>
+                    <a:lstStyle/>
+                    <a:p>
+                      <a:pPr algn="ctr" fontAlgn="ctr"/>
+                      <a:endParaRPr lang="en-US" altLang="ko-KR" sz="1200" b="0" i="0" u="none" strike="noStrike" dirty="0">
+                        <a:solidFill>
+                          <a:srgbClr val="000000"/>
+                        </a:solidFill>
+                        <a:effectLst/>
+                        <a:latin typeface="Times New Roman" panose="02020603050405020304" pitchFamily="18" charset="0"/>
+                        <a:cs typeface="Times New Roman" panose="02020603050405020304" pitchFamily="18" charset="0"/>
+                      </a:endParaRPr>
+                    </a:p>
+                  </a:txBody>
+                  <a:tcPr marL="9525" marR="9525" marT="9525" marB="0" anchor="ctr">
+                    <a:lnL>
+                      <a:noFill/>
+                    </a:lnL>
+                    <a:lnR>
+                      <a:noFill/>
+                    </a:lnR>
+                    <a:lnT>
+                      <a:noFill/>
+                    </a:lnT>
+                    <a:lnB>
+                      <a:noFill/>
+                    </a:lnB>
+                  </a:tcPr>
+                </a:tc>
+                <a:tc>
+                  <a:txBody>
+                    <a:bodyPr/>
+                    <a:lstStyle/>
+                    <a:p>
+                      <a:pPr algn="ctr" fontAlgn="ctr"/>
+                      <a:r>
+                        <a:rPr lang="en-US" altLang="ko-KR" sz="1200" b="0" i="0" u="none" strike="noStrike" dirty="0">
+                          <a:solidFill>
+                            <a:srgbClr val="000000"/>
+                          </a:solidFill>
+                          <a:effectLst/>
+                          <a:latin typeface="Times New Roman" panose="02020603050405020304" pitchFamily="18" charset="0"/>
+                          <a:cs typeface="Times New Roman" panose="02020603050405020304" pitchFamily="18" charset="0"/>
+                        </a:rPr>
+                        <a:t>0.05</a:t>
+                      </a:r>
+                    </a:p>
+                  </a:txBody>
+                  <a:tcPr marL="9525" marR="9525" marT="9525" marB="0" anchor="ctr">
+                    <a:lnL>
+                      <a:noFill/>
+                    </a:lnL>
+                    <a:lnR>
+                      <a:noFill/>
+                    </a:lnR>
+                    <a:lnT>
+                      <a:noFill/>
+                    </a:lnT>
+                    <a:lnB>
+                      <a:noFill/>
+                    </a:lnB>
+                  </a:tcPr>
+                </a:tc>
+                <a:tc>
+                  <a:txBody>
+                    <a:bodyPr/>
+                    <a:lstStyle/>
+                    <a:p>
+                      <a:pPr algn="ctr" fontAlgn="ctr"/>
+                      <a:r>
+                        <a:rPr lang="en-US" altLang="ko-KR" sz="1100" b="0" i="0" u="none" strike="noStrike" dirty="0">
+                          <a:solidFill>
+                            <a:srgbClr val="000000"/>
+                          </a:solidFill>
+                          <a:effectLst/>
+                          <a:latin typeface="Times New Roman" panose="02020603050405020304" pitchFamily="18" charset="0"/>
+                          <a:cs typeface="Times New Roman" panose="02020603050405020304" pitchFamily="18" charset="0"/>
+                        </a:rPr>
+                        <a:t>0.2260</a:t>
+                      </a:r>
+                    </a:p>
+                  </a:txBody>
+                  <a:tcPr marL="9525" marR="9525" marT="9525" marB="0" anchor="ctr">
+                    <a:lnL>
+                      <a:noFill/>
+                    </a:lnL>
+                    <a:lnR>
+                      <a:noFill/>
+                    </a:lnR>
+                    <a:lnT>
+                      <a:noFill/>
+                    </a:lnT>
+                    <a:lnB>
+                      <a:noFill/>
+                    </a:lnB>
+                  </a:tcPr>
+                </a:tc>
+                <a:tc>
+                  <a:txBody>
+                    <a:bodyPr/>
+                    <a:lstStyle/>
+                    <a:p>
+                      <a:pPr algn="ctr" fontAlgn="ctr"/>
+                      <a:r>
+                        <a:rPr lang="en-US" altLang="ko-KR" sz="1100" b="0" i="0" u="none" strike="noStrike" dirty="0">
+                          <a:solidFill>
+                            <a:srgbClr val="000000"/>
+                          </a:solidFill>
+                          <a:effectLst/>
+                          <a:latin typeface="Times New Roman" panose="02020603050405020304" pitchFamily="18" charset="0"/>
+                          <a:cs typeface="Times New Roman" panose="02020603050405020304" pitchFamily="18" charset="0"/>
+                        </a:rPr>
+                        <a:t>0.6730</a:t>
+                      </a:r>
+                    </a:p>
+                  </a:txBody>
+                  <a:tcPr marL="9525" marR="9525" marT="9525" marB="0" anchor="ctr">
+                    <a:lnL>
+                      <a:noFill/>
+                    </a:lnL>
+                    <a:lnR>
+                      <a:noFill/>
+                    </a:lnR>
+                    <a:lnT>
+                      <a:noFill/>
+                    </a:lnT>
+                    <a:lnB>
+                      <a:noFill/>
+                    </a:lnB>
+                  </a:tcPr>
+                </a:tc>
+                <a:tc>
+                  <a:txBody>
+                    <a:bodyPr/>
+                    <a:lstStyle/>
+                    <a:p>
+                      <a:pPr algn="ctr" fontAlgn="ctr"/>
+                      <a:r>
+                        <a:rPr lang="en-US" altLang="ko-KR" sz="1100" b="0" i="0" u="none" strike="noStrike" dirty="0">
+                          <a:solidFill>
+                            <a:srgbClr val="000000"/>
+                          </a:solidFill>
+                          <a:effectLst/>
+                          <a:latin typeface="Times New Roman" panose="02020603050405020304" pitchFamily="18" charset="0"/>
+                          <a:cs typeface="Times New Roman" panose="02020603050405020304" pitchFamily="18" charset="0"/>
+                        </a:rPr>
+                        <a:t>0.8675</a:t>
+                      </a:r>
+                    </a:p>
+                  </a:txBody>
+                  <a:tcPr marL="9525" marR="9525" marT="9525" marB="0" anchor="ctr">
+                    <a:lnL>
+                      <a:noFill/>
+                    </a:lnL>
+                    <a:lnR>
+                      <a:noFill/>
+                    </a:lnR>
+                    <a:lnT>
+                      <a:noFill/>
+                    </a:lnT>
+                    <a:lnB>
+                      <a:noFill/>
+                    </a:lnB>
+                  </a:tcPr>
+                </a:tc>
+              </a:tr>
+              <a:tr h="209550">
+                <a:tc vMerge="1">
+                  <a:txBody>
+                    <a:bodyPr/>
+                    <a:lstStyle/>
+                    <a:p>
+                      <a:pPr algn="ctr" fontAlgn="ctr"/>
+                      <a:endParaRPr lang="en-US" altLang="ko-KR" sz="1200" b="0" i="0" u="none" strike="noStrike" dirty="0">
+                        <a:solidFill>
+                          <a:srgbClr val="000000"/>
+                        </a:solidFill>
+                        <a:effectLst/>
+                        <a:latin typeface="Times New Roman" panose="02020603050405020304" pitchFamily="18" charset="0"/>
+                        <a:cs typeface="Times New Roman" panose="02020603050405020304" pitchFamily="18" charset="0"/>
+                      </a:endParaRPr>
+                    </a:p>
+                  </a:txBody>
+                  <a:tcPr marL="9525" marR="9525" marT="9525" marB="0" anchor="ctr">
+                    <a:lnL>
+                      <a:noFill/>
+                    </a:lnL>
+                    <a:lnR>
+                      <a:noFill/>
+                    </a:lnR>
+                    <a:lnT>
+                      <a:noFill/>
+                    </a:lnT>
+                    <a:lnB w="28575" cap="flat" cmpd="sng" algn="ctr">
+                      <a:noFill/>
+                      <a:prstDash val="solid"/>
+                      <a:round/>
+                      <a:headEnd type="none" w="med" len="med"/>
+                      <a:tailEnd type="none" w="med" len="med"/>
+                    </a:lnB>
+                  </a:tcPr>
+                </a:tc>
+                <a:tc>
+                  <a:txBody>
+                    <a:bodyPr/>
+                    <a:lstStyle/>
+                    <a:p>
+                      <a:pPr algn="ctr" fontAlgn="ctr"/>
+                      <a:r>
+                        <a:rPr lang="en-US" altLang="ko-KR" sz="1200" b="0" i="0" u="none" strike="noStrike" dirty="0">
+                          <a:solidFill>
+                            <a:srgbClr val="000000"/>
+                          </a:solidFill>
+                          <a:effectLst/>
+                          <a:latin typeface="Times New Roman" panose="02020603050405020304" pitchFamily="18" charset="0"/>
+                          <a:cs typeface="Times New Roman" panose="02020603050405020304" pitchFamily="18" charset="0"/>
+                        </a:rPr>
+                        <a:t>0.1</a:t>
+                      </a:r>
+                    </a:p>
+                  </a:txBody>
+                  <a:tcPr marL="9525" marR="9525" marT="9525" marB="0" anchor="ctr">
+                    <a:lnL>
+                      <a:noFill/>
+                    </a:lnL>
+                    <a:lnR>
+                      <a:noFill/>
+                    </a:lnR>
+                    <a:lnT>
+                      <a:noFill/>
+                    </a:lnT>
+                    <a:lnB w="12700" cap="flat" cmpd="sng" algn="ctr">
+                      <a:solidFill>
+                        <a:schemeClr val="tx1"/>
+                      </a:solidFill>
+                      <a:prstDash val="solid"/>
+                      <a:round/>
+                      <a:headEnd type="none" w="med" len="med"/>
+                      <a:tailEnd type="none" w="med" len="med"/>
+                    </a:lnB>
+                  </a:tcPr>
+                </a:tc>
+                <a:tc>
+                  <a:txBody>
+                    <a:bodyPr/>
+                    <a:lstStyle/>
+                    <a:p>
+                      <a:pPr algn="ctr" fontAlgn="ctr"/>
+                      <a:r>
+                        <a:rPr lang="en-US" altLang="ko-KR" sz="1100" b="0" i="0" u="none" strike="noStrike" dirty="0">
+                          <a:solidFill>
+                            <a:srgbClr val="000000"/>
+                          </a:solidFill>
+                          <a:effectLst/>
+                          <a:latin typeface="Times New Roman" panose="02020603050405020304" pitchFamily="18" charset="0"/>
+                          <a:cs typeface="Times New Roman" panose="02020603050405020304" pitchFamily="18" charset="0"/>
+                        </a:rPr>
+                        <a:t>0.3990</a:t>
+                      </a:r>
+                    </a:p>
+                  </a:txBody>
+                  <a:tcPr marL="9525" marR="9525" marT="9525" marB="0" anchor="ctr">
+                    <a:lnL>
+                      <a:noFill/>
+                    </a:lnL>
+                    <a:lnR>
+                      <a:noFill/>
+                    </a:lnR>
+                    <a:lnT>
+                      <a:noFill/>
+                    </a:lnT>
+                    <a:lnB w="12700" cap="flat" cmpd="sng" algn="ctr">
+                      <a:solidFill>
+                        <a:schemeClr val="tx1"/>
+                      </a:solidFill>
+                      <a:prstDash val="solid"/>
+                      <a:round/>
+                      <a:headEnd type="none" w="med" len="med"/>
+                      <a:tailEnd type="none" w="med" len="med"/>
+                    </a:lnB>
+                  </a:tcPr>
+                </a:tc>
+                <a:tc>
+                  <a:txBody>
+                    <a:bodyPr/>
+                    <a:lstStyle/>
+                    <a:p>
+                      <a:pPr algn="ctr" fontAlgn="ctr"/>
+                      <a:r>
+                        <a:rPr lang="en-US" altLang="ko-KR" sz="1100" b="0" i="0" u="none" strike="noStrike" dirty="0">
+                          <a:solidFill>
+                            <a:srgbClr val="000000"/>
+                          </a:solidFill>
+                          <a:effectLst/>
+                          <a:latin typeface="Times New Roman" panose="02020603050405020304" pitchFamily="18" charset="0"/>
+                          <a:cs typeface="Times New Roman" panose="02020603050405020304" pitchFamily="18" charset="0"/>
+                        </a:rPr>
+                        <a:t>0.8055</a:t>
+                      </a:r>
+                    </a:p>
+                  </a:txBody>
+                  <a:tcPr marL="9525" marR="9525" marT="9525" marB="0" anchor="ctr">
+                    <a:lnL>
+                      <a:noFill/>
+                    </a:lnL>
+                    <a:lnR>
+                      <a:noFill/>
+                    </a:lnR>
+                    <a:lnT>
+                      <a:noFill/>
+                    </a:lnT>
+                    <a:lnB w="12700" cap="flat" cmpd="sng" algn="ctr">
+                      <a:solidFill>
+                        <a:schemeClr val="tx1"/>
+                      </a:solidFill>
+                      <a:prstDash val="solid"/>
+                      <a:round/>
+                      <a:headEnd type="none" w="med" len="med"/>
+                      <a:tailEnd type="none" w="med" len="med"/>
+                    </a:lnB>
+                  </a:tcPr>
+                </a:tc>
+                <a:tc>
+                  <a:txBody>
+                    <a:bodyPr/>
+                    <a:lstStyle/>
+                    <a:p>
+                      <a:pPr algn="ctr" fontAlgn="ctr"/>
+                      <a:r>
+                        <a:rPr lang="en-US" altLang="ko-KR" sz="1100" b="0" i="0" u="none" strike="noStrike" dirty="0">
+                          <a:solidFill>
+                            <a:srgbClr val="000000"/>
+                          </a:solidFill>
+                          <a:effectLst/>
+                          <a:latin typeface="Times New Roman" panose="02020603050405020304" pitchFamily="18" charset="0"/>
+                          <a:cs typeface="Times New Roman" panose="02020603050405020304" pitchFamily="18" charset="0"/>
+                        </a:rPr>
+                        <a:t>0.9405</a:t>
+                      </a:r>
+                    </a:p>
+                  </a:txBody>
+                  <a:tcPr marL="9525" marR="9525" marT="9525" marB="0" anchor="ctr">
+                    <a:lnL>
+                      <a:noFill/>
+                    </a:lnL>
+                    <a:lnR>
+                      <a:noFill/>
+                    </a:lnR>
+                    <a:lnT>
+                      <a:noFill/>
+                    </a:lnT>
+                    <a:lnB w="12700" cap="flat" cmpd="sng" algn="ctr">
+                      <a:solidFill>
+                        <a:schemeClr val="tx1"/>
+                      </a:solidFill>
+                      <a:prstDash val="solid"/>
+                      <a:round/>
+                      <a:headEnd type="none" w="med" len="med"/>
+                      <a:tailEnd type="none" w="med" len="med"/>
+                    </a:lnB>
+                  </a:tcPr>
+                </a:tc>
+              </a:tr>
+              <a:tr h="209550">
+                <a:tc rowSpan="3">
+                  <a:txBody>
+                    <a:bodyPr/>
+                    <a:lstStyle/>
+                    <a:p>
+                      <a:pPr algn="ctr" fontAlgn="ctr"/>
+                      <a:r>
+                        <a:rPr lang="en-US" altLang="ko-KR" sz="1200" b="0" i="0" u="none" strike="noStrike" dirty="0" smtClean="0">
+                          <a:solidFill>
+                            <a:srgbClr val="000000"/>
+                          </a:solidFill>
+                          <a:effectLst/>
+                          <a:latin typeface="Times New Roman" panose="02020603050405020304" pitchFamily="18" charset="0"/>
+                          <a:cs typeface="Times New Roman" panose="02020603050405020304" pitchFamily="18" charset="0"/>
+                        </a:rPr>
+                        <a:t>0.4</a:t>
+                      </a:r>
+                      <a:endParaRPr lang="en-US" altLang="ko-KR" sz="1200" b="0" i="0" u="none" strike="noStrike" dirty="0">
+                        <a:solidFill>
+                          <a:srgbClr val="000000"/>
+                        </a:solidFill>
+                        <a:effectLst/>
+                        <a:latin typeface="Times New Roman" panose="02020603050405020304" pitchFamily="18" charset="0"/>
+                        <a:cs typeface="Times New Roman" panose="02020603050405020304" pitchFamily="18" charset="0"/>
+                      </a:endParaRPr>
+                    </a:p>
+                  </a:txBody>
+                  <a:tcPr marL="9525" marR="9525" marT="9525" marB="0" anchor="ctr">
+                    <a:lnL>
+                      <a:noFill/>
+                    </a:lnL>
+                    <a:lnR>
+                      <a:noFill/>
+                    </a:lnR>
+                    <a:lnT w="12700" cap="flat" cmpd="sng" algn="ctr">
+                      <a:solidFill>
+                        <a:schemeClr val="tx1"/>
+                      </a:solidFill>
+                      <a:prstDash val="solid"/>
+                      <a:round/>
+                      <a:headEnd type="none" w="med" len="med"/>
+                      <a:tailEnd type="none" w="med" len="med"/>
+                    </a:lnT>
+                    <a:lnB w="28575" cap="flat" cmpd="sng" algn="ctr">
+                      <a:solidFill>
+                        <a:schemeClr val="tx1"/>
+                      </a:solidFill>
+                      <a:prstDash val="solid"/>
+                      <a:round/>
+                      <a:headEnd type="none" w="med" len="med"/>
+                      <a:tailEnd type="none" w="med" len="med"/>
+                    </a:lnB>
+                  </a:tcPr>
+                </a:tc>
+                <a:tc>
+                  <a:txBody>
+                    <a:bodyPr/>
+                    <a:lstStyle/>
+                    <a:p>
+                      <a:pPr algn="ctr" fontAlgn="ctr"/>
+                      <a:r>
+                        <a:rPr lang="en-US" altLang="ko-KR" sz="1200" b="0" i="0" u="none" strike="noStrike" dirty="0">
+                          <a:solidFill>
+                            <a:srgbClr val="000000"/>
+                          </a:solidFill>
+                          <a:effectLst/>
+                          <a:latin typeface="Times New Roman" panose="02020603050405020304" pitchFamily="18" charset="0"/>
+                          <a:cs typeface="Times New Roman" panose="02020603050405020304" pitchFamily="18" charset="0"/>
+                        </a:rPr>
+                        <a:t>0.01</a:t>
+                      </a:r>
+                    </a:p>
+                  </a:txBody>
+                  <a:tcPr marL="9525" marR="9525" marT="9525" marB="0" anchor="ctr">
+                    <a:lnL>
+                      <a:noFill/>
+                    </a:lnL>
+                    <a:lnR>
+                      <a:noFill/>
+                    </a:lnR>
+                    <a:lnT w="12700" cap="flat" cmpd="sng" algn="ctr">
+                      <a:solidFill>
+                        <a:schemeClr val="tx1"/>
+                      </a:solidFill>
+                      <a:prstDash val="solid"/>
+                      <a:round/>
+                      <a:headEnd type="none" w="med" len="med"/>
+                      <a:tailEnd type="none" w="med" len="med"/>
+                    </a:lnT>
+                    <a:lnB w="28575" cap="flat" cmpd="sng" algn="ctr">
+                      <a:noFill/>
+                      <a:prstDash val="solid"/>
+                      <a:round/>
+                      <a:headEnd type="none" w="med" len="med"/>
+                      <a:tailEnd type="none" w="med" len="med"/>
+                    </a:lnB>
+                  </a:tcPr>
+                </a:tc>
+                <a:tc>
+                  <a:txBody>
+                    <a:bodyPr/>
+                    <a:lstStyle/>
+                    <a:p>
+                      <a:pPr algn="ctr" fontAlgn="ctr"/>
+                      <a:r>
+                        <a:rPr lang="en-US" altLang="ko-KR" sz="1100" b="0" i="0" u="none" strike="noStrike">
+                          <a:solidFill>
+                            <a:srgbClr val="000000"/>
+                          </a:solidFill>
+                          <a:effectLst/>
+                          <a:latin typeface="Times New Roman" panose="02020603050405020304" pitchFamily="18" charset="0"/>
+                          <a:cs typeface="Times New Roman" panose="02020603050405020304" pitchFamily="18" charset="0"/>
+                        </a:rPr>
+                        <a:t>0.4575</a:t>
+                      </a:r>
+                    </a:p>
+                  </a:txBody>
+                  <a:tcPr marL="9525" marR="9525" marT="9525" marB="0" anchor="ctr">
+                    <a:lnL>
+                      <a:noFill/>
+                    </a:lnL>
+                    <a:lnR>
+                      <a:noFill/>
+                    </a:lnR>
+                    <a:lnT w="12700" cap="flat" cmpd="sng" algn="ctr">
+                      <a:solidFill>
+                        <a:schemeClr val="tx1"/>
+                      </a:solidFill>
+                      <a:prstDash val="solid"/>
+                      <a:round/>
+                      <a:headEnd type="none" w="med" len="med"/>
+                      <a:tailEnd type="none" w="med" len="med"/>
+                    </a:lnT>
+                    <a:lnB w="28575" cap="flat" cmpd="sng" algn="ctr">
+                      <a:noFill/>
+                      <a:prstDash val="solid"/>
+                      <a:round/>
+                      <a:headEnd type="none" w="med" len="med"/>
+                      <a:tailEnd type="none" w="med" len="med"/>
+                    </a:lnB>
+                  </a:tcPr>
+                </a:tc>
+                <a:tc>
+                  <a:txBody>
+                    <a:bodyPr/>
+                    <a:lstStyle/>
+                    <a:p>
+                      <a:pPr algn="ctr" fontAlgn="ctr"/>
+                      <a:r>
+                        <a:rPr lang="en-US" altLang="ko-KR" sz="1100" b="0" i="0" u="none" strike="noStrike">
+                          <a:solidFill>
+                            <a:srgbClr val="000000"/>
+                          </a:solidFill>
+                          <a:effectLst/>
+                          <a:latin typeface="Times New Roman" panose="02020603050405020304" pitchFamily="18" charset="0"/>
+                          <a:cs typeface="Times New Roman" panose="02020603050405020304" pitchFamily="18" charset="0"/>
+                        </a:rPr>
+                        <a:t>0.9395</a:t>
+                      </a:r>
+                    </a:p>
+                  </a:txBody>
+                  <a:tcPr marL="9525" marR="9525" marT="9525" marB="0" anchor="ctr">
+                    <a:lnL>
+                      <a:noFill/>
+                    </a:lnL>
+                    <a:lnR>
+                      <a:noFill/>
+                    </a:lnR>
+                    <a:lnT w="12700" cap="flat" cmpd="sng" algn="ctr">
+                      <a:solidFill>
+                        <a:schemeClr val="tx1"/>
+                      </a:solidFill>
+                      <a:prstDash val="solid"/>
+                      <a:round/>
+                      <a:headEnd type="none" w="med" len="med"/>
+                      <a:tailEnd type="none" w="med" len="med"/>
+                    </a:lnT>
+                    <a:lnB w="28575" cap="flat" cmpd="sng" algn="ctr">
+                      <a:noFill/>
+                      <a:prstDash val="solid"/>
+                      <a:round/>
+                      <a:headEnd type="none" w="med" len="med"/>
+                      <a:tailEnd type="none" w="med" len="med"/>
+                    </a:lnB>
+                  </a:tcPr>
+                </a:tc>
+                <a:tc>
+                  <a:txBody>
+                    <a:bodyPr/>
+                    <a:lstStyle/>
+                    <a:p>
+                      <a:pPr algn="ctr" fontAlgn="ctr"/>
+                      <a:r>
+                        <a:rPr lang="en-US" altLang="ko-KR" sz="1100" b="0" i="0" u="none" strike="noStrike" dirty="0">
+                          <a:solidFill>
+                            <a:srgbClr val="000000"/>
+                          </a:solidFill>
+                          <a:effectLst/>
+                          <a:latin typeface="Times New Roman" panose="02020603050405020304" pitchFamily="18" charset="0"/>
+                          <a:cs typeface="Times New Roman" panose="02020603050405020304" pitchFamily="18" charset="0"/>
+                        </a:rPr>
+                        <a:t>1.0000</a:t>
+                      </a:r>
+                    </a:p>
+                  </a:txBody>
+                  <a:tcPr marL="9525" marR="9525" marT="9525" marB="0" anchor="ctr">
+                    <a:lnL>
+                      <a:noFill/>
+                    </a:lnL>
+                    <a:lnR>
+                      <a:noFill/>
+                    </a:lnR>
+                    <a:lnT w="12700" cap="flat" cmpd="sng" algn="ctr">
+                      <a:solidFill>
+                        <a:schemeClr val="tx1"/>
+                      </a:solidFill>
+                      <a:prstDash val="solid"/>
+                      <a:round/>
+                      <a:headEnd type="none" w="med" len="med"/>
+                      <a:tailEnd type="none" w="med" len="med"/>
+                    </a:lnT>
+                    <a:lnB w="28575" cap="flat" cmpd="sng" algn="ctr">
+                      <a:noFill/>
+                      <a:prstDash val="solid"/>
+                      <a:round/>
+                      <a:headEnd type="none" w="med" len="med"/>
+                      <a:tailEnd type="none" w="med" len="med"/>
+                    </a:lnB>
+                  </a:tcPr>
+                </a:tc>
+              </a:tr>
+              <a:tr h="209550">
+                <a:tc vMerge="1">
+                  <a:txBody>
+                    <a:bodyPr/>
+                    <a:lstStyle/>
+                    <a:p>
+                      <a:pPr algn="ctr" fontAlgn="ctr"/>
+                      <a:endParaRPr lang="en-US" altLang="ko-KR" sz="1200" b="0" i="0" u="none" strike="noStrike" dirty="0">
+                        <a:solidFill>
+                          <a:srgbClr val="000000"/>
+                        </a:solidFill>
+                        <a:effectLst/>
+                        <a:latin typeface="Times New Roman" panose="02020603050405020304" pitchFamily="18" charset="0"/>
+                        <a:cs typeface="Times New Roman" panose="02020603050405020304" pitchFamily="18" charset="0"/>
+                      </a:endParaRPr>
+                    </a:p>
+                  </a:txBody>
+                  <a:tcPr marL="9525" marR="9525" marT="9525" marB="0" anchor="ctr">
+                    <a:lnL>
+                      <a:noFill/>
+                    </a:lnL>
+                    <a:lnR>
+                      <a:noFill/>
+                    </a:lnR>
+                    <a:lnT>
+                      <a:noFill/>
+                    </a:lnT>
+                    <a:lnB w="28575" cap="flat" cmpd="sng" algn="ctr">
+                      <a:noFill/>
+                      <a:prstDash val="solid"/>
+                      <a:round/>
+                      <a:headEnd type="none" w="med" len="med"/>
+                      <a:tailEnd type="none" w="med" len="med"/>
+                    </a:lnB>
+                  </a:tcPr>
+                </a:tc>
+                <a:tc>
+                  <a:txBody>
+                    <a:bodyPr/>
+                    <a:lstStyle/>
+                    <a:p>
+                      <a:pPr algn="ctr" fontAlgn="ctr"/>
+                      <a:r>
+                        <a:rPr lang="en-US" altLang="ko-KR" sz="1200" b="0" i="0" u="none" strike="noStrike" dirty="0">
+                          <a:solidFill>
+                            <a:srgbClr val="000000"/>
+                          </a:solidFill>
+                          <a:effectLst/>
+                          <a:latin typeface="Times New Roman" panose="02020603050405020304" pitchFamily="18" charset="0"/>
+                          <a:cs typeface="Times New Roman" panose="02020603050405020304" pitchFamily="18" charset="0"/>
+                        </a:rPr>
+                        <a:t>0.05</a:t>
+                      </a:r>
+                    </a:p>
+                  </a:txBody>
+                  <a:tcPr marL="9525" marR="9525" marT="9525" marB="0" anchor="ctr">
+                    <a:lnL>
+                      <a:noFill/>
+                    </a:lnL>
+                    <a:lnR>
+                      <a:noFill/>
+                    </a:lnR>
+                    <a:lnT>
+                      <a:noFill/>
+                    </a:lnT>
+                    <a:lnB w="28575" cap="flat" cmpd="sng" algn="ctr">
+                      <a:noFill/>
+                      <a:prstDash val="solid"/>
+                      <a:round/>
+                      <a:headEnd type="none" w="med" len="med"/>
+                      <a:tailEnd type="none" w="med" len="med"/>
+                    </a:lnB>
+                  </a:tcPr>
+                </a:tc>
+                <a:tc>
+                  <a:txBody>
+                    <a:bodyPr/>
+                    <a:lstStyle/>
+                    <a:p>
+                      <a:pPr algn="ctr" fontAlgn="ctr"/>
+                      <a:r>
+                        <a:rPr lang="en-US" altLang="ko-KR" sz="1100" b="0" i="0" u="none" strike="noStrike">
+                          <a:solidFill>
+                            <a:srgbClr val="000000"/>
+                          </a:solidFill>
+                          <a:effectLst/>
+                          <a:latin typeface="Times New Roman" panose="02020603050405020304" pitchFamily="18" charset="0"/>
+                          <a:cs typeface="Times New Roman" panose="02020603050405020304" pitchFamily="18" charset="0"/>
+                        </a:rPr>
+                        <a:t>0.8190</a:t>
+                      </a:r>
+                    </a:p>
+                  </a:txBody>
+                  <a:tcPr marL="9525" marR="9525" marT="9525" marB="0" anchor="ctr">
+                    <a:lnL>
+                      <a:noFill/>
+                    </a:lnL>
+                    <a:lnR>
+                      <a:noFill/>
+                    </a:lnR>
+                    <a:lnT>
+                      <a:noFill/>
+                    </a:lnT>
+                    <a:lnB w="28575" cap="flat" cmpd="sng" algn="ctr">
+                      <a:noFill/>
+                      <a:prstDash val="solid"/>
+                      <a:round/>
+                      <a:headEnd type="none" w="med" len="med"/>
+                      <a:tailEnd type="none" w="med" len="med"/>
+                    </a:lnB>
+                  </a:tcPr>
+                </a:tc>
+                <a:tc>
+                  <a:txBody>
+                    <a:bodyPr/>
+                    <a:lstStyle/>
+                    <a:p>
+                      <a:pPr algn="ctr" fontAlgn="ctr"/>
+                      <a:r>
+                        <a:rPr lang="en-US" altLang="ko-KR" sz="1100" b="0" i="0" u="none" strike="noStrike">
+                          <a:solidFill>
+                            <a:srgbClr val="000000"/>
+                          </a:solidFill>
+                          <a:effectLst/>
+                          <a:latin typeface="Times New Roman" panose="02020603050405020304" pitchFamily="18" charset="0"/>
+                          <a:cs typeface="Times New Roman" panose="02020603050405020304" pitchFamily="18" charset="0"/>
+                        </a:rPr>
+                        <a:t>0.9930</a:t>
+                      </a:r>
+                    </a:p>
+                  </a:txBody>
+                  <a:tcPr marL="9525" marR="9525" marT="9525" marB="0" anchor="ctr">
+                    <a:lnL>
+                      <a:noFill/>
+                    </a:lnL>
+                    <a:lnR>
+                      <a:noFill/>
+                    </a:lnR>
+                    <a:lnT>
+                      <a:noFill/>
+                    </a:lnT>
+                    <a:lnB w="28575" cap="flat" cmpd="sng" algn="ctr">
+                      <a:noFill/>
+                      <a:prstDash val="solid"/>
+                      <a:round/>
+                      <a:headEnd type="none" w="med" len="med"/>
+                      <a:tailEnd type="none" w="med" len="med"/>
+                    </a:lnB>
+                  </a:tcPr>
+                </a:tc>
+                <a:tc>
+                  <a:txBody>
+                    <a:bodyPr/>
+                    <a:lstStyle/>
+                    <a:p>
+                      <a:pPr algn="ctr" fontAlgn="ctr"/>
+                      <a:r>
+                        <a:rPr lang="en-US" altLang="ko-KR" sz="1100" b="0" i="0" u="none" strike="noStrike" dirty="0">
+                          <a:solidFill>
+                            <a:srgbClr val="000000"/>
+                          </a:solidFill>
+                          <a:effectLst/>
+                          <a:latin typeface="Times New Roman" panose="02020603050405020304" pitchFamily="18" charset="0"/>
+                          <a:cs typeface="Times New Roman" panose="02020603050405020304" pitchFamily="18" charset="0"/>
+                        </a:rPr>
+                        <a:t>1.0000</a:t>
+                      </a:r>
+                    </a:p>
+                  </a:txBody>
+                  <a:tcPr marL="9525" marR="9525" marT="9525" marB="0" anchor="ctr">
+                    <a:lnL>
+                      <a:noFill/>
+                    </a:lnL>
+                    <a:lnR>
+                      <a:noFill/>
+                    </a:lnR>
+                    <a:lnT>
+                      <a:noFill/>
+                    </a:lnT>
+                    <a:lnB w="28575" cap="flat" cmpd="sng" algn="ctr">
+                      <a:noFill/>
+                      <a:prstDash val="solid"/>
+                      <a:round/>
+                      <a:headEnd type="none" w="med" len="med"/>
+                      <a:tailEnd type="none" w="med" len="med"/>
+                    </a:lnB>
+                  </a:tcPr>
+                </a:tc>
+              </a:tr>
+              <a:tr h="209550">
+                <a:tc vMerge="1">
+                  <a:txBody>
+                    <a:bodyPr/>
+                    <a:lstStyle/>
+                    <a:p>
+                      <a:pPr algn="ctr" fontAlgn="ctr"/>
+                      <a:endParaRPr lang="en-US" altLang="ko-KR" sz="1200" b="0" i="0" u="none" strike="noStrike" dirty="0">
+                        <a:solidFill>
+                          <a:srgbClr val="000000"/>
+                        </a:solidFill>
+                        <a:effectLst/>
+                        <a:latin typeface="Times New Roman" panose="02020603050405020304" pitchFamily="18" charset="0"/>
+                        <a:cs typeface="Times New Roman" panose="02020603050405020304" pitchFamily="18" charset="0"/>
+                      </a:endParaRPr>
+                    </a:p>
+                  </a:txBody>
+                  <a:tcPr marL="9525" marR="9525" marT="9525" marB="0" anchor="ctr">
+                    <a:lnL>
+                      <a:noFill/>
+                    </a:lnL>
+                    <a:lnR>
+                      <a:noFill/>
+                    </a:lnR>
+                    <a:lnT>
+                      <a:noFill/>
+                    </a:lnT>
+                    <a:lnB w="28575" cap="flat" cmpd="sng" algn="ctr">
+                      <a:solidFill>
+                        <a:schemeClr val="tx1"/>
+                      </a:solidFill>
+                      <a:prstDash val="solid"/>
+                      <a:round/>
+                      <a:headEnd type="none" w="med" len="med"/>
+                      <a:tailEnd type="none" w="med" len="med"/>
+                    </a:lnB>
+                  </a:tcPr>
+                </a:tc>
+                <a:tc>
+                  <a:txBody>
+                    <a:bodyPr/>
+                    <a:lstStyle/>
+                    <a:p>
+                      <a:pPr algn="ctr" fontAlgn="ctr"/>
+                      <a:r>
+                        <a:rPr lang="en-US" altLang="ko-KR" sz="1200" b="0" i="0" u="none" strike="noStrike" dirty="0">
+                          <a:solidFill>
+                            <a:srgbClr val="000000"/>
+                          </a:solidFill>
+                          <a:effectLst/>
+                          <a:latin typeface="Times New Roman" panose="02020603050405020304" pitchFamily="18" charset="0"/>
+                          <a:cs typeface="Times New Roman" panose="02020603050405020304" pitchFamily="18" charset="0"/>
+                        </a:rPr>
+                        <a:t>0.1</a:t>
+                      </a:r>
+                    </a:p>
+                  </a:txBody>
+                  <a:tcPr marL="9525" marR="9525" marT="9525" marB="0" anchor="ctr">
+                    <a:lnL>
+                      <a:noFill/>
+                    </a:lnL>
+                    <a:lnR>
+                      <a:noFill/>
+                    </a:lnR>
+                    <a:lnT>
+                      <a:noFill/>
+                    </a:lnT>
+                    <a:lnB w="28575" cap="flat" cmpd="sng" algn="ctr">
+                      <a:solidFill>
+                        <a:schemeClr val="tx1"/>
+                      </a:solidFill>
+                      <a:prstDash val="solid"/>
+                      <a:round/>
+                      <a:headEnd type="none" w="med" len="med"/>
+                      <a:tailEnd type="none" w="med" len="med"/>
+                    </a:lnB>
+                  </a:tcPr>
+                </a:tc>
+                <a:tc>
+                  <a:txBody>
+                    <a:bodyPr/>
+                    <a:lstStyle/>
+                    <a:p>
+                      <a:pPr algn="ctr" fontAlgn="ctr"/>
+                      <a:r>
+                        <a:rPr lang="en-US" altLang="ko-KR" sz="1100" b="0" i="0" u="none" strike="noStrike">
+                          <a:solidFill>
+                            <a:srgbClr val="000000"/>
+                          </a:solidFill>
+                          <a:effectLst/>
+                          <a:latin typeface="Times New Roman" panose="02020603050405020304" pitchFamily="18" charset="0"/>
+                          <a:cs typeface="Times New Roman" panose="02020603050405020304" pitchFamily="18" charset="0"/>
+                        </a:rPr>
+                        <a:t>0.9050</a:t>
+                      </a:r>
+                    </a:p>
+                  </a:txBody>
+                  <a:tcPr marL="9525" marR="9525" marT="9525" marB="0" anchor="ctr">
+                    <a:lnL>
+                      <a:noFill/>
+                    </a:lnL>
+                    <a:lnR>
+                      <a:noFill/>
+                    </a:lnR>
+                    <a:lnT>
+                      <a:noFill/>
+                    </a:lnT>
+                    <a:lnB w="28575" cap="flat" cmpd="sng" algn="ctr">
+                      <a:solidFill>
+                        <a:schemeClr val="tx1"/>
+                      </a:solidFill>
+                      <a:prstDash val="solid"/>
+                      <a:round/>
+                      <a:headEnd type="none" w="med" len="med"/>
+                      <a:tailEnd type="none" w="med" len="med"/>
+                    </a:lnB>
+                  </a:tcPr>
+                </a:tc>
+                <a:tc>
+                  <a:txBody>
+                    <a:bodyPr/>
+                    <a:lstStyle/>
+                    <a:p>
+                      <a:pPr algn="ctr" fontAlgn="ctr"/>
+                      <a:r>
+                        <a:rPr lang="en-US" altLang="ko-KR" sz="1100" b="0" i="0" u="none" strike="noStrike">
+                          <a:solidFill>
+                            <a:srgbClr val="000000"/>
+                          </a:solidFill>
+                          <a:effectLst/>
+                          <a:latin typeface="Times New Roman" panose="02020603050405020304" pitchFamily="18" charset="0"/>
+                          <a:cs typeface="Times New Roman" panose="02020603050405020304" pitchFamily="18" charset="0"/>
+                        </a:rPr>
+                        <a:t>0.9960</a:t>
+                      </a:r>
+                    </a:p>
+                  </a:txBody>
+                  <a:tcPr marL="9525" marR="9525" marT="9525" marB="0" anchor="ctr">
+                    <a:lnL>
+                      <a:noFill/>
+                    </a:lnL>
+                    <a:lnR>
+                      <a:noFill/>
+                    </a:lnR>
+                    <a:lnT>
+                      <a:noFill/>
+                    </a:lnT>
+                    <a:lnB w="28575" cap="flat" cmpd="sng" algn="ctr">
+                      <a:solidFill>
+                        <a:schemeClr val="tx1"/>
+                      </a:solidFill>
+                      <a:prstDash val="solid"/>
+                      <a:round/>
+                      <a:headEnd type="none" w="med" len="med"/>
+                      <a:tailEnd type="none" w="med" len="med"/>
+                    </a:lnB>
+                  </a:tcPr>
+                </a:tc>
+                <a:tc>
+                  <a:txBody>
+                    <a:bodyPr/>
+                    <a:lstStyle/>
+                    <a:p>
+                      <a:pPr algn="ctr" fontAlgn="ctr"/>
+                      <a:r>
+                        <a:rPr lang="en-US" altLang="ko-KR" sz="1100" b="0" i="0" u="none" strike="noStrike" dirty="0">
+                          <a:solidFill>
+                            <a:srgbClr val="000000"/>
+                          </a:solidFill>
+                          <a:effectLst/>
+                          <a:latin typeface="Times New Roman" panose="02020603050405020304" pitchFamily="18" charset="0"/>
+                          <a:cs typeface="Times New Roman" panose="02020603050405020304" pitchFamily="18" charset="0"/>
+                        </a:rPr>
+                        <a:t>1.0000</a:t>
+                      </a:r>
+                    </a:p>
+                  </a:txBody>
+                  <a:tcPr marL="9525" marR="9525" marT="9525" marB="0" anchor="ctr">
+                    <a:lnL>
+                      <a:noFill/>
+                    </a:lnL>
+                    <a:lnR>
+                      <a:noFill/>
+                    </a:lnR>
+                    <a:lnT>
+                      <a:noFill/>
+                    </a:lnT>
+                    <a:lnB w="28575" cap="flat" cmpd="sng" algn="ctr">
+                      <a:solidFill>
+                        <a:schemeClr val="tx1"/>
+                      </a:solidFill>
+                      <a:prstDash val="solid"/>
+                      <a:round/>
+                      <a:headEnd type="none" w="med" len="med"/>
+                      <a:tailEnd type="none" w="med" len="med"/>
+                    </a:lnB>
+                  </a:tcPr>
+                </a:tc>
+              </a:tr>
+            </a:tbl>
+          </a:graphicData>
+        </a:graphic>
+      </p:graphicFrame>
+      <p:sp>
+        <p:nvSpPr>
+          <p:cNvPr id="3" name="TextBox 2"/>
+          <p:cNvSpPr txBox="1"/>
+          <p:nvPr/>
+        </p:nvSpPr>
+        <p:spPr>
+          <a:xfrm>
+            <a:off x="899592" y="836712"/>
+            <a:ext cx="910827" cy="369332"/>
+          </a:xfrm>
+          <a:prstGeom prst="rect">
+            <a:avLst/>
+          </a:prstGeom>
+          <a:noFill/>
+        </p:spPr>
+        <p:txBody>
+          <a:bodyPr wrap="none" rtlCol="0">
+            <a:spAutoFit/>
+          </a:bodyPr>
+          <a:lstStyle/>
+          <a:p>
+            <a:r>
+              <a:rPr lang="en-US" altLang="ko-KR" dirty="0" smtClean="0"/>
+              <a:t>table </a:t>
+            </a:r>
+            <a:r>
+              <a:rPr lang="en-US" altLang="ko-KR" dirty="0" smtClean="0"/>
+              <a:t>4</a:t>
+            </a:r>
+            <a:endParaRPr lang="ko-KR" altLang="en-US" dirty="0"/>
+          </a:p>
+        </p:txBody>
+      </p:sp>
+    </p:spTree>
+    <p:extLst>
+      <p:ext uri="{BB962C8B-B14F-4D97-AF65-F5344CB8AC3E}">
+        <p14:creationId xmlns:p14="http://schemas.microsoft.com/office/powerpoint/2010/main" val="3071425377"/>
+      </p:ext>
+    </p:extLst>
+  </p:cSld>
+  <p:clrMapOvr>
+    <a:masterClrMapping/>
+  </p:clrMapOvr>
+</p:sld>
+</file>
+
+<file path=ppt/slides/slide6.xml><?xml version="1.0" encoding="utf-8"?>
+<p:sld xmlns:a="http://schemas.openxmlformats.org/drawingml/2006/main" xmlns:r="http://schemas.openxmlformats.org/officeDocument/2006/relationships" xmlns:p="http://schemas.openxmlformats.org/presentationml/2006/main">
+  <p:cSld>
+    <p:spTree>
+      <p:nvGrpSpPr>
+        <p:cNvPr id="1" name=""/>
+        <p:cNvGrpSpPr/>
+        <p:nvPr/>
+      </p:nvGrpSpPr>
+      <p:grpSpPr>
+        <a:xfrm>
+          <a:off x="0" y="0"/>
+          <a:ext cx="0" cy="0"/>
+          <a:chOff x="0" y="0"/>
+          <a:chExt cx="0" cy="0"/>
+        </a:xfrm>
+      </p:grpSpPr>
+      <p:graphicFrame>
+        <p:nvGraphicFramePr>
+          <p:cNvPr id="4" name="표 3"/>
+          <p:cNvGraphicFramePr>
+            <a:graphicFrameLocks noGrp="1"/>
+          </p:cNvGraphicFramePr>
+          <p:nvPr>
+            <p:extLst>
+              <p:ext uri="{D42A27DB-BD31-4B8C-83A1-F6EECF244321}">
+                <p14:modId xmlns:p14="http://schemas.microsoft.com/office/powerpoint/2010/main" val="2368220200"/>
+              </p:ext>
+            </p:extLst>
+          </p:nvPr>
+        </p:nvGraphicFramePr>
+        <p:xfrm>
+          <a:off x="1979712" y="1412776"/>
+          <a:ext cx="3103200" cy="1676400"/>
+        </p:xfrm>
+        <a:graphic>
+          <a:graphicData uri="http://schemas.openxmlformats.org/drawingml/2006/table">
+            <a:tbl>
+              <a:tblPr/>
+              <a:tblGrid>
+                <a:gridCol w="864000"/>
+                <a:gridCol w="864000"/>
+                <a:gridCol w="687600"/>
+                <a:gridCol w="687600"/>
+              </a:tblGrid>
+              <a:tr h="209550">
+                <a:tc rowSpan="2">
+                  <a:txBody>
+                    <a:bodyPr/>
+                    <a:lstStyle/>
+                    <a:p>
+                      <a:pPr algn="ctr" fontAlgn="ctr"/>
+                      <a:r>
+                        <a:rPr lang="en-US" sz="1200" b="0" i="0" u="none" strike="noStrike" dirty="0" smtClean="0">
+                          <a:solidFill>
+                            <a:srgbClr val="000000"/>
+                          </a:solidFill>
+                          <a:effectLst/>
+                          <a:latin typeface="Times New Roman" panose="02020603050405020304" pitchFamily="18" charset="0"/>
+                          <a:cs typeface="Times New Roman" panose="02020603050405020304" pitchFamily="18" charset="0"/>
+                        </a:rPr>
+                        <a:t>Heritability</a:t>
+                      </a:r>
+                      <a:endParaRPr lang="en-US" sz="1200" b="0" i="0" u="none" strike="noStrike" dirty="0">
+                        <a:solidFill>
+                          <a:srgbClr val="000000"/>
+                        </a:solidFill>
+                        <a:effectLst/>
+                        <a:latin typeface="Times New Roman" panose="02020603050405020304" pitchFamily="18" charset="0"/>
+                        <a:cs typeface="Times New Roman" panose="02020603050405020304" pitchFamily="18" charset="0"/>
+                      </a:endParaRPr>
+                    </a:p>
+                  </a:txBody>
+                  <a:tcPr marL="9525" marR="9525" marT="9525" marB="0" anchor="ctr">
+                    <a:lnL>
+                      <a:noFill/>
+                    </a:lnL>
+                    <a:lnR>
+                      <a:noFill/>
+                    </a:lnR>
+                    <a:lnT w="28575" cap="flat" cmpd="sng" algn="ctr">
+                      <a:solidFill>
+                        <a:schemeClr val="tx1"/>
+                      </a:solidFill>
+                      <a:prstDash val="solid"/>
+                      <a:round/>
+                      <a:headEnd type="none" w="med" len="med"/>
+                      <a:tailEnd type="none" w="med" len="med"/>
+                    </a:lnT>
+                    <a:lnB w="12700" cap="flat" cmpd="sng" algn="ctr">
+                      <a:solidFill>
+                        <a:schemeClr val="tx1"/>
+                      </a:solidFill>
+                      <a:prstDash val="solid"/>
+                      <a:round/>
+                      <a:headEnd type="none" w="med" len="med"/>
+                      <a:tailEnd type="none" w="med" len="med"/>
+                    </a:lnB>
+                  </a:tcPr>
+                </a:tc>
+                <a:tc rowSpan="2">
+                  <a:txBody>
+                    <a:bodyPr/>
+                    <a:lstStyle/>
+                    <a:p>
+                      <a:pPr algn="ctr" fontAlgn="ctr"/>
+                      <a:r>
+                        <a:rPr lang="en-US" sz="1200" b="0" i="0" u="none" strike="noStrike" dirty="0" smtClean="0">
+                          <a:solidFill>
+                            <a:srgbClr val="000000"/>
+                          </a:solidFill>
+                          <a:effectLst/>
+                          <a:latin typeface="Times New Roman" panose="02020603050405020304" pitchFamily="18" charset="0"/>
+                          <a:cs typeface="Times New Roman" panose="02020603050405020304" pitchFamily="18" charset="0"/>
+                        </a:rPr>
+                        <a:t>Significance</a:t>
+                      </a:r>
+                      <a:br>
+                        <a:rPr lang="en-US" sz="1200" b="0" i="0" u="none" strike="noStrike" dirty="0" smtClean="0">
+                          <a:solidFill>
+                            <a:srgbClr val="000000"/>
+                          </a:solidFill>
+                          <a:effectLst/>
+                          <a:latin typeface="Times New Roman" panose="02020603050405020304" pitchFamily="18" charset="0"/>
+                          <a:cs typeface="Times New Roman" panose="02020603050405020304" pitchFamily="18" charset="0"/>
+                        </a:rPr>
+                      </a:br>
+                      <a:r>
+                        <a:rPr lang="en-US" sz="1200" b="0" i="0" u="none" strike="noStrike" dirty="0" smtClean="0">
+                          <a:solidFill>
+                            <a:srgbClr val="000000"/>
+                          </a:solidFill>
+                          <a:effectLst/>
+                          <a:latin typeface="Times New Roman" panose="02020603050405020304" pitchFamily="18" charset="0"/>
+                          <a:cs typeface="Times New Roman" panose="02020603050405020304" pitchFamily="18" charset="0"/>
+                        </a:rPr>
+                        <a:t>level</a:t>
+                      </a:r>
+                      <a:endParaRPr lang="en-US" sz="1200" b="0" i="0" u="none" strike="noStrike" dirty="0">
+                        <a:solidFill>
+                          <a:srgbClr val="000000"/>
+                        </a:solidFill>
+                        <a:effectLst/>
+                        <a:latin typeface="Times New Roman" panose="02020603050405020304" pitchFamily="18" charset="0"/>
+                        <a:cs typeface="Times New Roman" panose="02020603050405020304" pitchFamily="18" charset="0"/>
+                      </a:endParaRPr>
+                    </a:p>
+                  </a:txBody>
+                  <a:tcPr marL="9525" marR="9525" marT="9525" marB="0" anchor="ctr">
+                    <a:lnL>
+                      <a:noFill/>
+                    </a:lnL>
+                    <a:lnR>
+                      <a:noFill/>
+                    </a:lnR>
+                    <a:lnT w="28575" cap="flat" cmpd="sng" algn="ctr">
+                      <a:solidFill>
+                        <a:schemeClr val="tx1"/>
+                      </a:solidFill>
+                      <a:prstDash val="solid"/>
+                      <a:round/>
+                      <a:headEnd type="none" w="med" len="med"/>
+                      <a:tailEnd type="none" w="med" len="med"/>
+                    </a:lnT>
+                    <a:lnB w="12700" cap="flat" cmpd="sng" algn="ctr">
+                      <a:solidFill>
+                        <a:schemeClr val="tx1"/>
+                      </a:solidFill>
+                      <a:prstDash val="solid"/>
+                      <a:round/>
+                      <a:headEnd type="none" w="med" len="med"/>
+                      <a:tailEnd type="none" w="med" len="med"/>
+                    </a:lnB>
+                  </a:tcPr>
+                </a:tc>
+                <a:tc gridSpan="2">
+                  <a:txBody>
+                    <a:bodyPr/>
+                    <a:lstStyle/>
+                    <a:p>
+                      <a:pPr algn="ctr" fontAlgn="ctr"/>
+                      <a:r>
+                        <a:rPr lang="en-US" sz="1200" b="0" i="0" u="none" strike="noStrike" dirty="0" smtClean="0">
+                          <a:solidFill>
+                            <a:srgbClr val="000000"/>
+                          </a:solidFill>
+                          <a:effectLst/>
+                          <a:latin typeface="Times New Roman" panose="02020603050405020304" pitchFamily="18" charset="0"/>
+                          <a:cs typeface="Times New Roman" panose="02020603050405020304" pitchFamily="18" charset="0"/>
+                        </a:rPr>
+                        <a:t>Prevalence</a:t>
+                      </a:r>
+                      <a:endParaRPr lang="en-US" sz="1200" b="0" i="0" u="none" strike="noStrike" dirty="0">
+                        <a:solidFill>
+                          <a:srgbClr val="000000"/>
+                        </a:solidFill>
+                        <a:effectLst/>
+                        <a:latin typeface="Times New Roman" panose="02020603050405020304" pitchFamily="18" charset="0"/>
+                        <a:cs typeface="Times New Roman" panose="02020603050405020304" pitchFamily="18" charset="0"/>
+                      </a:endParaRPr>
+                    </a:p>
+                  </a:txBody>
+                  <a:tcPr marL="9525" marR="9525" marT="9525" marB="0" anchor="ctr">
+                    <a:lnL>
+                      <a:noFill/>
+                    </a:lnL>
+                    <a:lnR>
+                      <a:noFill/>
+                    </a:lnR>
+                    <a:lnT w="28575" cap="flat" cmpd="sng" algn="ctr">
+                      <a:solidFill>
+                        <a:schemeClr val="tx1"/>
+                      </a:solidFill>
+                      <a:prstDash val="solid"/>
+                      <a:round/>
+                      <a:headEnd type="none" w="med" len="med"/>
+                      <a:tailEnd type="none" w="med" len="med"/>
+                    </a:lnT>
+                    <a:lnB w="12700" cap="flat" cmpd="sng" algn="ctr">
+                      <a:solidFill>
+                        <a:schemeClr val="tx1"/>
+                      </a:solidFill>
+                      <a:prstDash val="solid"/>
+                      <a:round/>
+                      <a:headEnd type="none" w="med" len="med"/>
+                      <a:tailEnd type="none" w="med" len="med"/>
+                    </a:lnB>
+                  </a:tcPr>
+                </a:tc>
+                <a:tc hMerge="1">
+                  <a:txBody>
+                    <a:bodyPr/>
+                    <a:lstStyle/>
+                    <a:p>
+                      <a:pPr algn="l" fontAlgn="ctr"/>
+                      <a:endParaRPr lang="en-US" sz="1100" b="0" i="0" u="none" strike="noStrike" dirty="0">
+                        <a:solidFill>
+                          <a:srgbClr val="000000"/>
+                        </a:solidFill>
+                        <a:effectLst/>
+                        <a:latin typeface="맑은 고딕"/>
+                      </a:endParaRPr>
+                    </a:p>
+                  </a:txBody>
+                  <a:tcPr marL="9525" marR="9525" marT="9525" marB="0" anchor="ctr">
+                    <a:lnL>
+                      <a:noFill/>
+                    </a:lnL>
+                    <a:lnR>
+                      <a:noFill/>
+                    </a:lnR>
+                    <a:lnT>
+                      <a:noFill/>
+                    </a:lnT>
+                    <a:lnB>
+                      <a:noFill/>
+                    </a:lnB>
+                  </a:tcPr>
+                </a:tc>
+              </a:tr>
+              <a:tr h="209550">
+                <a:tc vMerge="1">
+                  <a:txBody>
+                    <a:bodyPr/>
+                    <a:lstStyle/>
+                    <a:p>
+                      <a:pPr latinLnBrk="1"/>
+                      <a:endParaRPr lang="ko-KR" altLang="en-US"/>
+                    </a:p>
+                  </a:txBody>
+                  <a:tcPr/>
+                </a:tc>
+                <a:tc vMerge="1">
+                  <a:txBody>
+                    <a:bodyPr/>
+                    <a:lstStyle/>
+                    <a:p>
+                      <a:pPr algn="l" fontAlgn="ctr"/>
+                      <a:endParaRPr lang="en-US" sz="1100" b="0" i="0" u="none" strike="noStrike" dirty="0">
+                        <a:solidFill>
+                          <a:srgbClr val="000000"/>
+                        </a:solidFill>
+                        <a:effectLst/>
+                        <a:latin typeface="맑은 고딕"/>
+                      </a:endParaRPr>
+                    </a:p>
+                  </a:txBody>
+                  <a:tcPr marL="9525" marR="9525" marT="9525" marB="0" anchor="ctr">
+                    <a:lnL>
+                      <a:noFill/>
+                    </a:lnL>
+                    <a:lnR>
+                      <a:noFill/>
+                    </a:lnR>
+                    <a:lnT>
+                      <a:noFill/>
+                    </a:lnT>
+                    <a:lnB>
+                      <a:noFill/>
+                    </a:lnB>
+                  </a:tcPr>
+                </a:tc>
+                <a:tc>
+                  <a:txBody>
+                    <a:bodyPr/>
+                    <a:lstStyle/>
+                    <a:p>
+                      <a:pPr algn="ctr" fontAlgn="ctr"/>
+                      <a:r>
+                        <a:rPr lang="en-US" sz="1200" b="0" i="0" u="none" strike="noStrike" dirty="0" smtClean="0">
+                          <a:solidFill>
+                            <a:srgbClr val="000000"/>
+                          </a:solidFill>
+                          <a:effectLst/>
+                          <a:latin typeface="Times New Roman" panose="02020603050405020304" pitchFamily="18" charset="0"/>
+                          <a:cs typeface="Times New Roman" panose="02020603050405020304" pitchFamily="18" charset="0"/>
+                        </a:rPr>
+                        <a:t>0.1</a:t>
+                      </a:r>
+                      <a:endParaRPr lang="en-US" sz="1200" b="0" i="0" u="none" strike="noStrike" dirty="0">
+                        <a:solidFill>
+                          <a:srgbClr val="000000"/>
+                        </a:solidFill>
+                        <a:effectLst/>
+                        <a:latin typeface="Times New Roman" panose="02020603050405020304" pitchFamily="18" charset="0"/>
+                        <a:cs typeface="Times New Roman" panose="02020603050405020304" pitchFamily="18" charset="0"/>
+                      </a:endParaRPr>
+                    </a:p>
+                  </a:txBody>
+                  <a:tcPr marL="9525" marR="9525" marT="9525" marB="0" anchor="ctr">
+                    <a:lnL>
+                      <a:noFill/>
+                    </a:lnL>
+                    <a:lnR>
+                      <a:noFill/>
+                    </a:lnR>
+                    <a:lnT w="12700" cap="flat" cmpd="sng" algn="ctr">
+                      <a:solidFill>
+                        <a:schemeClr val="tx1"/>
+                      </a:solidFill>
+                      <a:prstDash val="solid"/>
+                      <a:round/>
+                      <a:headEnd type="none" w="med" len="med"/>
+                      <a:tailEnd type="none" w="med" len="med"/>
+                    </a:lnT>
+                    <a:lnB w="12700" cap="flat" cmpd="sng" algn="ctr">
+                      <a:solidFill>
+                        <a:schemeClr val="tx1"/>
+                      </a:solidFill>
+                      <a:prstDash val="solid"/>
+                      <a:round/>
+                      <a:headEnd type="none" w="med" len="med"/>
+                      <a:tailEnd type="none" w="med" len="med"/>
+                    </a:lnB>
+                  </a:tcPr>
+                </a:tc>
+                <a:tc>
+                  <a:txBody>
+                    <a:bodyPr/>
+                    <a:lstStyle/>
+                    <a:p>
+                      <a:pPr algn="ctr" fontAlgn="ctr"/>
+                      <a:r>
+                        <a:rPr lang="en-US" sz="1200" b="0" i="0" u="none" strike="noStrike" dirty="0" smtClean="0">
+                          <a:solidFill>
+                            <a:srgbClr val="000000"/>
+                          </a:solidFill>
+                          <a:effectLst/>
+                          <a:latin typeface="Times New Roman" panose="02020603050405020304" pitchFamily="18" charset="0"/>
+                          <a:cs typeface="Times New Roman" panose="02020603050405020304" pitchFamily="18" charset="0"/>
+                        </a:rPr>
+                        <a:t>0.2</a:t>
+                      </a:r>
+                      <a:endParaRPr lang="en-US" sz="1200" b="0" i="0" u="none" strike="noStrike" dirty="0">
+                        <a:solidFill>
+                          <a:srgbClr val="000000"/>
+                        </a:solidFill>
+                        <a:effectLst/>
+                        <a:latin typeface="Times New Roman" panose="02020603050405020304" pitchFamily="18" charset="0"/>
+                        <a:cs typeface="Times New Roman" panose="02020603050405020304" pitchFamily="18" charset="0"/>
+                      </a:endParaRPr>
+                    </a:p>
+                  </a:txBody>
+                  <a:tcPr marL="9525" marR="9525" marT="9525" marB="0" anchor="ctr">
+                    <a:lnL>
+                      <a:noFill/>
+                    </a:lnL>
+                    <a:lnR>
+                      <a:noFill/>
+                    </a:lnR>
+                    <a:lnT w="12700" cap="flat" cmpd="sng" algn="ctr">
+                      <a:solidFill>
+                        <a:schemeClr val="tx1"/>
+                      </a:solidFill>
+                      <a:prstDash val="solid"/>
+                      <a:round/>
+                      <a:headEnd type="none" w="med" len="med"/>
+                      <a:tailEnd type="none" w="med" len="med"/>
+                    </a:lnT>
+                    <a:lnB w="12700" cap="flat" cmpd="sng" algn="ctr">
+                      <a:solidFill>
+                        <a:schemeClr val="tx1"/>
+                      </a:solidFill>
+                      <a:prstDash val="solid"/>
+                      <a:round/>
+                      <a:headEnd type="none" w="med" len="med"/>
+                      <a:tailEnd type="none" w="med" len="med"/>
+                    </a:lnB>
+                  </a:tcPr>
+                </a:tc>
+              </a:tr>
+              <a:tr h="209550">
+                <a:tc rowSpan="3">
+                  <a:txBody>
+                    <a:bodyPr/>
+                    <a:lstStyle/>
+                    <a:p>
+                      <a:pPr algn="ctr" fontAlgn="ctr"/>
+                      <a:r>
+                        <a:rPr lang="en-US" altLang="ko-KR" sz="1200" b="0" i="0" u="none" strike="noStrike" dirty="0" smtClean="0">
+                          <a:solidFill>
+                            <a:srgbClr val="000000"/>
+                          </a:solidFill>
+                          <a:effectLst/>
+                          <a:latin typeface="Times New Roman" panose="02020603050405020304" pitchFamily="18" charset="0"/>
+                          <a:cs typeface="Times New Roman" panose="02020603050405020304" pitchFamily="18" charset="0"/>
+                        </a:rPr>
+                        <a:t>0.2</a:t>
+                      </a:r>
+                      <a:endParaRPr lang="en-US" altLang="ko-KR" sz="1200" b="0" i="0" u="none" strike="noStrike" dirty="0">
+                        <a:solidFill>
+                          <a:srgbClr val="000000"/>
+                        </a:solidFill>
+                        <a:effectLst/>
+                        <a:latin typeface="Times New Roman" panose="02020603050405020304" pitchFamily="18" charset="0"/>
+                        <a:cs typeface="Times New Roman" panose="02020603050405020304" pitchFamily="18" charset="0"/>
+                      </a:endParaRPr>
+                    </a:p>
+                  </a:txBody>
+                  <a:tcPr marL="9525" marR="9525" marT="9525" marB="0" anchor="ctr">
+                    <a:lnL>
+                      <a:noFill/>
+                    </a:lnL>
+                    <a:lnR>
+                      <a:noFill/>
+                    </a:lnR>
+                    <a:lnT w="12700" cap="flat" cmpd="sng" algn="ctr">
+                      <a:solidFill>
+                        <a:schemeClr val="tx1"/>
+                      </a:solidFill>
+                      <a:prstDash val="solid"/>
+                      <a:round/>
+                      <a:headEnd type="none" w="med" len="med"/>
+                      <a:tailEnd type="none" w="med" len="med"/>
+                    </a:lnT>
+                    <a:lnB w="12700" cap="flat" cmpd="sng" algn="ctr">
+                      <a:solidFill>
+                        <a:schemeClr val="tx1"/>
+                      </a:solidFill>
+                      <a:prstDash val="solid"/>
+                      <a:round/>
+                      <a:headEnd type="none" w="med" len="med"/>
+                      <a:tailEnd type="none" w="med" len="med"/>
+                    </a:lnB>
+                  </a:tcPr>
+                </a:tc>
+                <a:tc>
+                  <a:txBody>
+                    <a:bodyPr/>
+                    <a:lstStyle/>
+                    <a:p>
+                      <a:pPr algn="ctr" fontAlgn="ctr"/>
+                      <a:r>
+                        <a:rPr lang="en-US" altLang="ko-KR" sz="1200" b="0" i="0" u="none" strike="noStrike" dirty="0">
+                          <a:solidFill>
+                            <a:srgbClr val="000000"/>
+                          </a:solidFill>
+                          <a:effectLst/>
+                          <a:latin typeface="Times New Roman" panose="02020603050405020304" pitchFamily="18" charset="0"/>
+                          <a:cs typeface="Times New Roman" panose="02020603050405020304" pitchFamily="18" charset="0"/>
+                        </a:rPr>
+                        <a:t>0.01</a:t>
+                      </a:r>
+                    </a:p>
+                  </a:txBody>
+                  <a:tcPr marL="9525" marR="9525" marT="9525" marB="0" anchor="ctr">
+                    <a:lnL>
+                      <a:noFill/>
+                    </a:lnL>
+                    <a:lnR>
+                      <a:noFill/>
+                    </a:lnR>
+                    <a:lnT w="12700" cap="flat" cmpd="sng" algn="ctr">
+                      <a:solidFill>
+                        <a:schemeClr val="tx1"/>
+                      </a:solidFill>
+                      <a:prstDash val="solid"/>
+                      <a:round/>
+                      <a:headEnd type="none" w="med" len="med"/>
+                      <a:tailEnd type="none" w="med" len="med"/>
+                    </a:lnT>
+                    <a:lnB>
+                      <a:noFill/>
+                    </a:lnB>
+                  </a:tcPr>
+                </a:tc>
+                <a:tc>
+                  <a:txBody>
+                    <a:bodyPr/>
+                    <a:lstStyle/>
+                    <a:p>
+                      <a:pPr algn="l" fontAlgn="ctr"/>
+                      <a:r>
+                        <a:rPr lang="en-US" altLang="ko-KR" sz="1100" b="0" i="0" u="none" strike="noStrike" dirty="0">
+                          <a:solidFill>
+                            <a:srgbClr val="000000"/>
+                          </a:solidFill>
+                          <a:effectLst/>
+                          <a:latin typeface="Times New Roman" panose="02020603050405020304" pitchFamily="18" charset="0"/>
+                          <a:cs typeface="Times New Roman" panose="02020603050405020304" pitchFamily="18" charset="0"/>
+                        </a:rPr>
+                        <a:t>0.0155</a:t>
+                      </a:r>
+                    </a:p>
+                  </a:txBody>
+                  <a:tcPr marL="142875" marR="9525" marT="9525" marB="0" anchor="ctr">
+                    <a:lnL>
+                      <a:noFill/>
+                    </a:lnL>
+                    <a:lnR>
+                      <a:noFill/>
+                    </a:lnR>
+                    <a:lnT w="12700" cap="flat" cmpd="sng" algn="ctr">
+                      <a:solidFill>
+                        <a:schemeClr val="tx1"/>
+                      </a:solidFill>
+                      <a:prstDash val="solid"/>
+                      <a:round/>
+                      <a:headEnd type="none" w="med" len="med"/>
+                      <a:tailEnd type="none" w="med" len="med"/>
+                    </a:lnT>
+                    <a:lnB>
+                      <a:noFill/>
+                    </a:lnB>
+                  </a:tcPr>
+                </a:tc>
+                <a:tc>
+                  <a:txBody>
+                    <a:bodyPr/>
+                    <a:lstStyle/>
+                    <a:p>
+                      <a:pPr algn="l" fontAlgn="ctr"/>
+                      <a:r>
+                        <a:rPr lang="en-US" altLang="ko-KR" sz="1100" b="0" i="0" u="none" strike="noStrike">
+                          <a:solidFill>
+                            <a:srgbClr val="000000"/>
+                          </a:solidFill>
+                          <a:effectLst/>
+                          <a:latin typeface="Times New Roman" panose="02020603050405020304" pitchFamily="18" charset="0"/>
+                          <a:cs typeface="Times New Roman" panose="02020603050405020304" pitchFamily="18" charset="0"/>
+                        </a:rPr>
+                        <a:t>0.0120</a:t>
+                      </a:r>
+                    </a:p>
+                  </a:txBody>
+                  <a:tcPr marL="142875" marR="9525" marT="9525" marB="0" anchor="ctr">
+                    <a:lnL>
+                      <a:noFill/>
+                    </a:lnL>
+                    <a:lnR>
+                      <a:noFill/>
+                    </a:lnR>
+                    <a:lnT w="12700" cap="flat" cmpd="sng" algn="ctr">
+                      <a:solidFill>
+                        <a:schemeClr val="tx1"/>
+                      </a:solidFill>
+                      <a:prstDash val="solid"/>
+                      <a:round/>
+                      <a:headEnd type="none" w="med" len="med"/>
+                      <a:tailEnd type="none" w="med" len="med"/>
+                    </a:lnT>
+                    <a:lnB>
+                      <a:noFill/>
+                    </a:lnB>
+                  </a:tcPr>
+                </a:tc>
+              </a:tr>
+              <a:tr h="209550">
+                <a:tc vMerge="1">
+                  <a:txBody>
+                    <a:bodyPr/>
+                    <a:lstStyle/>
+                    <a:p>
+                      <a:pPr algn="ctr" fontAlgn="ctr"/>
+                      <a:endParaRPr lang="en-US" altLang="ko-KR" sz="1200" b="0" i="0" u="none" strike="noStrike" dirty="0">
+                        <a:solidFill>
+                          <a:srgbClr val="000000"/>
+                        </a:solidFill>
+                        <a:effectLst/>
+                        <a:latin typeface="Times New Roman" panose="02020603050405020304" pitchFamily="18" charset="0"/>
+                        <a:cs typeface="Times New Roman" panose="02020603050405020304" pitchFamily="18" charset="0"/>
+                      </a:endParaRPr>
+                    </a:p>
+                  </a:txBody>
+                  <a:tcPr marL="9525" marR="9525" marT="9525" marB="0" anchor="ctr">
+                    <a:lnL>
+                      <a:noFill/>
+                    </a:lnL>
+                    <a:lnR>
+                      <a:noFill/>
+                    </a:lnR>
+                    <a:lnT>
+                      <a:noFill/>
+                    </a:lnT>
+                    <a:lnB>
+                      <a:noFill/>
+                    </a:lnB>
+                  </a:tcPr>
+                </a:tc>
+                <a:tc>
+                  <a:txBody>
+                    <a:bodyPr/>
+                    <a:lstStyle/>
+                    <a:p>
+                      <a:pPr algn="ctr" fontAlgn="ctr"/>
+                      <a:r>
+                        <a:rPr lang="en-US" altLang="ko-KR" sz="1200" b="0" i="0" u="none" strike="noStrike" dirty="0">
+                          <a:solidFill>
+                            <a:srgbClr val="000000"/>
+                          </a:solidFill>
+                          <a:effectLst/>
+                          <a:latin typeface="Times New Roman" panose="02020603050405020304" pitchFamily="18" charset="0"/>
+                          <a:cs typeface="Times New Roman" panose="02020603050405020304" pitchFamily="18" charset="0"/>
+                        </a:rPr>
+                        <a:t>0.05</a:t>
+                      </a:r>
+                    </a:p>
+                  </a:txBody>
+                  <a:tcPr marL="9525" marR="9525" marT="9525" marB="0" anchor="ctr">
+                    <a:lnL>
+                      <a:noFill/>
+                    </a:lnL>
+                    <a:lnR>
+                      <a:noFill/>
+                    </a:lnR>
+                    <a:lnT>
+                      <a:noFill/>
+                    </a:lnT>
+                    <a:lnB>
+                      <a:noFill/>
+                    </a:lnB>
+                  </a:tcPr>
+                </a:tc>
+                <a:tc>
+                  <a:txBody>
+                    <a:bodyPr/>
+                    <a:lstStyle/>
+                    <a:p>
+                      <a:pPr algn="l" fontAlgn="ctr"/>
+                      <a:r>
+                        <a:rPr lang="en-US" altLang="ko-KR" sz="1100" b="0" i="0" u="none" strike="noStrike">
+                          <a:solidFill>
+                            <a:srgbClr val="000000"/>
+                          </a:solidFill>
+                          <a:effectLst/>
+                          <a:latin typeface="Times New Roman" panose="02020603050405020304" pitchFamily="18" charset="0"/>
+                          <a:cs typeface="Times New Roman" panose="02020603050405020304" pitchFamily="18" charset="0"/>
+                        </a:rPr>
+                        <a:t>0.0661</a:t>
+                      </a:r>
+                    </a:p>
+                  </a:txBody>
+                  <a:tcPr marL="142875" marR="9525" marT="9525" marB="0" anchor="ctr">
+                    <a:lnL>
+                      <a:noFill/>
+                    </a:lnL>
+                    <a:lnR>
+                      <a:noFill/>
+                    </a:lnR>
+                    <a:lnT>
+                      <a:noFill/>
+                    </a:lnT>
+                    <a:lnB>
+                      <a:noFill/>
+                    </a:lnB>
+                  </a:tcPr>
+                </a:tc>
+                <a:tc>
+                  <a:txBody>
+                    <a:bodyPr/>
+                    <a:lstStyle/>
+                    <a:p>
+                      <a:pPr algn="l" fontAlgn="ctr"/>
+                      <a:r>
+                        <a:rPr lang="en-US" altLang="ko-KR" sz="1100" b="0" i="0" u="none" strike="noStrike" dirty="0">
+                          <a:solidFill>
+                            <a:srgbClr val="000000"/>
+                          </a:solidFill>
+                          <a:effectLst/>
+                          <a:latin typeface="Times New Roman" panose="02020603050405020304" pitchFamily="18" charset="0"/>
+                          <a:cs typeface="Times New Roman" panose="02020603050405020304" pitchFamily="18" charset="0"/>
+                        </a:rPr>
+                        <a:t>0.0560</a:t>
+                      </a:r>
+                    </a:p>
+                  </a:txBody>
+                  <a:tcPr marL="142875" marR="9525" marT="9525" marB="0" anchor="ctr">
+                    <a:lnL>
+                      <a:noFill/>
+                    </a:lnL>
+                    <a:lnR>
+                      <a:noFill/>
+                    </a:lnR>
+                    <a:lnT>
+                      <a:noFill/>
+                    </a:lnT>
+                    <a:lnB>
+                      <a:noFill/>
+                    </a:lnB>
+                  </a:tcPr>
+                </a:tc>
+              </a:tr>
+              <a:tr h="209550">
+                <a:tc vMerge="1">
+                  <a:txBody>
+                    <a:bodyPr/>
+                    <a:lstStyle/>
+                    <a:p>
+                      <a:pPr algn="ctr" fontAlgn="ctr"/>
+                      <a:endParaRPr lang="en-US" altLang="ko-KR" sz="1200" b="0" i="0" u="none" strike="noStrike" dirty="0">
+                        <a:solidFill>
+                          <a:srgbClr val="000000"/>
+                        </a:solidFill>
+                        <a:effectLst/>
+                        <a:latin typeface="Times New Roman" panose="02020603050405020304" pitchFamily="18" charset="0"/>
+                        <a:cs typeface="Times New Roman" panose="02020603050405020304" pitchFamily="18" charset="0"/>
+                      </a:endParaRPr>
+                    </a:p>
+                  </a:txBody>
+                  <a:tcPr marL="9525" marR="9525" marT="9525" marB="0" anchor="ctr">
+                    <a:lnL>
+                      <a:noFill/>
+                    </a:lnL>
+                    <a:lnR>
+                      <a:noFill/>
+                    </a:lnR>
+                    <a:lnT>
+                      <a:noFill/>
+                    </a:lnT>
+                    <a:lnB w="28575" cap="flat" cmpd="sng" algn="ctr">
+                      <a:noFill/>
+                      <a:prstDash val="solid"/>
+                      <a:round/>
+                      <a:headEnd type="none" w="med" len="med"/>
+                      <a:tailEnd type="none" w="med" len="med"/>
+                    </a:lnB>
+                  </a:tcPr>
+                </a:tc>
+                <a:tc>
+                  <a:txBody>
+                    <a:bodyPr/>
+                    <a:lstStyle/>
+                    <a:p>
+                      <a:pPr algn="ctr" fontAlgn="ctr"/>
+                      <a:r>
+                        <a:rPr lang="en-US" altLang="ko-KR" sz="1200" b="0" i="0" u="none" strike="noStrike" dirty="0">
+                          <a:solidFill>
+                            <a:srgbClr val="000000"/>
+                          </a:solidFill>
+                          <a:effectLst/>
+                          <a:latin typeface="Times New Roman" panose="02020603050405020304" pitchFamily="18" charset="0"/>
+                          <a:cs typeface="Times New Roman" panose="02020603050405020304" pitchFamily="18" charset="0"/>
+                        </a:rPr>
+                        <a:t>0.1</a:t>
+                      </a:r>
+                    </a:p>
+                  </a:txBody>
+                  <a:tcPr marL="9525" marR="9525" marT="9525" marB="0" anchor="ctr">
+                    <a:lnL>
+                      <a:noFill/>
+                    </a:lnL>
+                    <a:lnR>
+                      <a:noFill/>
+                    </a:lnR>
+                    <a:lnT>
+                      <a:noFill/>
+                    </a:lnT>
+                    <a:lnB w="12700" cap="flat" cmpd="sng" algn="ctr">
+                      <a:solidFill>
+                        <a:schemeClr val="tx1"/>
+                      </a:solidFill>
+                      <a:prstDash val="solid"/>
+                      <a:round/>
+                      <a:headEnd type="none" w="med" len="med"/>
+                      <a:tailEnd type="none" w="med" len="med"/>
+                    </a:lnB>
+                  </a:tcPr>
+                </a:tc>
+                <a:tc>
+                  <a:txBody>
+                    <a:bodyPr/>
+                    <a:lstStyle/>
+                    <a:p>
+                      <a:pPr algn="l" fontAlgn="ctr"/>
+                      <a:r>
+                        <a:rPr lang="en-US" altLang="ko-KR" sz="1100" b="0" i="0" u="none" strike="noStrike">
+                          <a:solidFill>
+                            <a:srgbClr val="000000"/>
+                          </a:solidFill>
+                          <a:effectLst/>
+                          <a:latin typeface="Times New Roman" panose="02020603050405020304" pitchFamily="18" charset="0"/>
+                          <a:cs typeface="Times New Roman" panose="02020603050405020304" pitchFamily="18" charset="0"/>
+                        </a:rPr>
+                        <a:t>0.1023</a:t>
+                      </a:r>
+                    </a:p>
+                  </a:txBody>
+                  <a:tcPr marL="142875" marR="9525" marT="9525" marB="0" anchor="ctr">
+                    <a:lnL>
+                      <a:noFill/>
+                    </a:lnL>
+                    <a:lnR>
+                      <a:noFill/>
+                    </a:lnR>
+                    <a:lnT>
+                      <a:noFill/>
+                    </a:lnT>
+                    <a:lnB w="12700" cap="flat" cmpd="sng" algn="ctr">
+                      <a:solidFill>
+                        <a:schemeClr val="tx1"/>
+                      </a:solidFill>
+                      <a:prstDash val="solid"/>
+                      <a:round/>
+                      <a:headEnd type="none" w="med" len="med"/>
+                      <a:tailEnd type="none" w="med" len="med"/>
+                    </a:lnB>
+                  </a:tcPr>
+                </a:tc>
+                <a:tc>
+                  <a:txBody>
+                    <a:bodyPr/>
+                    <a:lstStyle/>
+                    <a:p>
+                      <a:pPr algn="l" fontAlgn="ctr"/>
+                      <a:r>
+                        <a:rPr lang="en-US" altLang="ko-KR" sz="1100" b="0" i="0" u="none" strike="noStrike">
+                          <a:solidFill>
+                            <a:srgbClr val="000000"/>
+                          </a:solidFill>
+                          <a:effectLst/>
+                          <a:latin typeface="Times New Roman" panose="02020603050405020304" pitchFamily="18" charset="0"/>
+                          <a:cs typeface="Times New Roman" panose="02020603050405020304" pitchFamily="18" charset="0"/>
+                        </a:rPr>
+                        <a:t>0.0900</a:t>
+                      </a:r>
+                    </a:p>
+                  </a:txBody>
+                  <a:tcPr marL="142875" marR="9525" marT="9525" marB="0" anchor="ctr">
+                    <a:lnL>
+                      <a:noFill/>
+                    </a:lnL>
+                    <a:lnR>
+                      <a:noFill/>
+                    </a:lnR>
+                    <a:lnT>
+                      <a:noFill/>
+                    </a:lnT>
+                    <a:lnB w="12700" cap="flat" cmpd="sng" algn="ctr">
+                      <a:solidFill>
+                        <a:schemeClr val="tx1"/>
+                      </a:solidFill>
+                      <a:prstDash val="solid"/>
+                      <a:round/>
+                      <a:headEnd type="none" w="med" len="med"/>
+                      <a:tailEnd type="none" w="med" len="med"/>
+                    </a:lnB>
+                  </a:tcPr>
+                </a:tc>
+              </a:tr>
+              <a:tr h="209550">
+                <a:tc rowSpan="3">
+                  <a:txBody>
+                    <a:bodyPr/>
+                    <a:lstStyle/>
+                    <a:p>
+                      <a:pPr algn="ctr" fontAlgn="ctr"/>
+                      <a:r>
+                        <a:rPr lang="en-US" altLang="ko-KR" sz="1200" b="0" i="0" u="none" strike="noStrike" dirty="0" smtClean="0">
+                          <a:solidFill>
+                            <a:srgbClr val="000000"/>
+                          </a:solidFill>
+                          <a:effectLst/>
+                          <a:latin typeface="Times New Roman" panose="02020603050405020304" pitchFamily="18" charset="0"/>
+                          <a:cs typeface="Times New Roman" panose="02020603050405020304" pitchFamily="18" charset="0"/>
+                        </a:rPr>
+                        <a:t>0.4</a:t>
+                      </a:r>
+                      <a:endParaRPr lang="en-US" altLang="ko-KR" sz="1200" b="0" i="0" u="none" strike="noStrike" dirty="0">
+                        <a:solidFill>
+                          <a:srgbClr val="000000"/>
+                        </a:solidFill>
+                        <a:effectLst/>
+                        <a:latin typeface="Times New Roman" panose="02020603050405020304" pitchFamily="18" charset="0"/>
+                        <a:cs typeface="Times New Roman" panose="02020603050405020304" pitchFamily="18" charset="0"/>
+                      </a:endParaRPr>
+                    </a:p>
+                  </a:txBody>
+                  <a:tcPr marL="9525" marR="9525" marT="9525" marB="0" anchor="ctr">
+                    <a:lnL>
+                      <a:noFill/>
+                    </a:lnL>
+                    <a:lnR>
+                      <a:noFill/>
+                    </a:lnR>
+                    <a:lnT w="12700" cap="flat" cmpd="sng" algn="ctr">
+                      <a:solidFill>
+                        <a:schemeClr val="tx1"/>
+                      </a:solidFill>
+                      <a:prstDash val="solid"/>
+                      <a:round/>
+                      <a:headEnd type="none" w="med" len="med"/>
+                      <a:tailEnd type="none" w="med" len="med"/>
+                    </a:lnT>
+                    <a:lnB w="28575" cap="flat" cmpd="sng" algn="ctr">
+                      <a:solidFill>
+                        <a:schemeClr val="tx1"/>
+                      </a:solidFill>
+                      <a:prstDash val="solid"/>
+                      <a:round/>
+                      <a:headEnd type="none" w="med" len="med"/>
+                      <a:tailEnd type="none" w="med" len="med"/>
+                    </a:lnB>
+                  </a:tcPr>
+                </a:tc>
+                <a:tc>
+                  <a:txBody>
+                    <a:bodyPr/>
+                    <a:lstStyle/>
+                    <a:p>
+                      <a:pPr algn="ctr" fontAlgn="ctr"/>
+                      <a:r>
+                        <a:rPr lang="en-US" altLang="ko-KR" sz="1200" b="0" i="0" u="none" strike="noStrike" dirty="0">
+                          <a:solidFill>
+                            <a:srgbClr val="000000"/>
+                          </a:solidFill>
+                          <a:effectLst/>
+                          <a:latin typeface="Times New Roman" panose="02020603050405020304" pitchFamily="18" charset="0"/>
+                          <a:cs typeface="Times New Roman" panose="02020603050405020304" pitchFamily="18" charset="0"/>
+                        </a:rPr>
+                        <a:t>0.01</a:t>
+                      </a:r>
+                    </a:p>
+                  </a:txBody>
+                  <a:tcPr marL="9525" marR="9525" marT="9525" marB="0" anchor="ctr">
+                    <a:lnL>
+                      <a:noFill/>
+                    </a:lnL>
+                    <a:lnR>
+                      <a:noFill/>
+                    </a:lnR>
+                    <a:lnT w="12700" cap="flat" cmpd="sng" algn="ctr">
+                      <a:solidFill>
+                        <a:schemeClr val="tx1"/>
+                      </a:solidFill>
+                      <a:prstDash val="solid"/>
+                      <a:round/>
+                      <a:headEnd type="none" w="med" len="med"/>
+                      <a:tailEnd type="none" w="med" len="med"/>
+                    </a:lnT>
+                    <a:lnB w="28575" cap="flat" cmpd="sng" algn="ctr">
+                      <a:noFill/>
+                      <a:prstDash val="solid"/>
+                      <a:round/>
+                      <a:headEnd type="none" w="med" len="med"/>
+                      <a:tailEnd type="none" w="med" len="med"/>
+                    </a:lnB>
+                  </a:tcPr>
+                </a:tc>
+                <a:tc>
+                  <a:txBody>
+                    <a:bodyPr/>
+                    <a:lstStyle/>
+                    <a:p>
+                      <a:pPr algn="l" fontAlgn="ctr"/>
+                      <a:r>
+                        <a:rPr lang="en-US" altLang="ko-KR" sz="1100" b="0" i="0" u="none" strike="noStrike">
+                          <a:solidFill>
+                            <a:srgbClr val="000000"/>
+                          </a:solidFill>
+                          <a:effectLst/>
+                          <a:latin typeface="Times New Roman" panose="02020603050405020304" pitchFamily="18" charset="0"/>
+                          <a:cs typeface="Times New Roman" panose="02020603050405020304" pitchFamily="18" charset="0"/>
+                        </a:rPr>
+                        <a:t>0.0060</a:t>
+                      </a:r>
+                    </a:p>
+                  </a:txBody>
+                  <a:tcPr marL="142875" marR="9525" marT="9525" marB="0" anchor="ctr">
+                    <a:lnL>
+                      <a:noFill/>
+                    </a:lnL>
+                    <a:lnR>
+                      <a:noFill/>
+                    </a:lnR>
+                    <a:lnT w="12700" cap="flat" cmpd="sng" algn="ctr">
+                      <a:solidFill>
+                        <a:schemeClr val="tx1"/>
+                      </a:solidFill>
+                      <a:prstDash val="solid"/>
+                      <a:round/>
+                      <a:headEnd type="none" w="med" len="med"/>
+                      <a:tailEnd type="none" w="med" len="med"/>
+                    </a:lnT>
+                    <a:lnB w="28575" cap="flat" cmpd="sng" algn="ctr">
+                      <a:noFill/>
+                      <a:prstDash val="solid"/>
+                      <a:round/>
+                      <a:headEnd type="none" w="med" len="med"/>
+                      <a:tailEnd type="none" w="med" len="med"/>
+                    </a:lnB>
+                  </a:tcPr>
+                </a:tc>
+                <a:tc>
+                  <a:txBody>
+                    <a:bodyPr/>
+                    <a:lstStyle/>
+                    <a:p>
+                      <a:pPr algn="l" fontAlgn="ctr"/>
+                      <a:r>
+                        <a:rPr lang="en-US" altLang="ko-KR" sz="1100" b="0" i="0" u="none" strike="noStrike" dirty="0" smtClean="0">
+                          <a:solidFill>
+                            <a:srgbClr val="000000"/>
+                          </a:solidFill>
+                          <a:effectLst/>
+                          <a:latin typeface="Times New Roman" panose="02020603050405020304" pitchFamily="18" charset="0"/>
+                          <a:cs typeface="Times New Roman" panose="02020603050405020304" pitchFamily="18" charset="0"/>
+                        </a:rPr>
+                        <a:t>0.0130</a:t>
+                      </a:r>
+                      <a:endParaRPr lang="en-US" altLang="ko-KR" sz="1100" b="0" i="0" u="none" strike="noStrike" dirty="0">
+                        <a:solidFill>
+                          <a:srgbClr val="000000"/>
+                        </a:solidFill>
+                        <a:effectLst/>
+                        <a:latin typeface="Times New Roman" panose="02020603050405020304" pitchFamily="18" charset="0"/>
+                        <a:cs typeface="Times New Roman" panose="02020603050405020304" pitchFamily="18" charset="0"/>
+                      </a:endParaRPr>
+                    </a:p>
+                  </a:txBody>
+                  <a:tcPr marL="142875" marR="9525" marT="9525" marB="0" anchor="ctr">
+                    <a:lnL>
+                      <a:noFill/>
+                    </a:lnL>
+                    <a:lnR>
+                      <a:noFill/>
+                    </a:lnR>
+                    <a:lnT w="12700" cap="flat" cmpd="sng" algn="ctr">
+                      <a:solidFill>
+                        <a:schemeClr val="tx1"/>
+                      </a:solidFill>
+                      <a:prstDash val="solid"/>
+                      <a:round/>
+                      <a:headEnd type="none" w="med" len="med"/>
+                      <a:tailEnd type="none" w="med" len="med"/>
+                    </a:lnT>
+                    <a:lnB w="28575" cap="flat" cmpd="sng" algn="ctr">
+                      <a:noFill/>
+                      <a:prstDash val="solid"/>
+                      <a:round/>
+                      <a:headEnd type="none" w="med" len="med"/>
+                      <a:tailEnd type="none" w="med" len="med"/>
+                    </a:lnB>
+                  </a:tcPr>
+                </a:tc>
+              </a:tr>
+              <a:tr h="209550">
+                <a:tc vMerge="1">
+                  <a:txBody>
+                    <a:bodyPr/>
+                    <a:lstStyle/>
+                    <a:p>
+                      <a:pPr algn="ctr" fontAlgn="ctr"/>
+                      <a:endParaRPr lang="en-US" altLang="ko-KR" sz="1200" b="0" i="0" u="none" strike="noStrike" dirty="0">
+                        <a:solidFill>
+                          <a:srgbClr val="000000"/>
+                        </a:solidFill>
+                        <a:effectLst/>
+                        <a:latin typeface="Times New Roman" panose="02020603050405020304" pitchFamily="18" charset="0"/>
+                        <a:cs typeface="Times New Roman" panose="02020603050405020304" pitchFamily="18" charset="0"/>
+                      </a:endParaRPr>
+                    </a:p>
+                  </a:txBody>
+                  <a:tcPr marL="9525" marR="9525" marT="9525" marB="0" anchor="ctr">
+                    <a:lnL>
+                      <a:noFill/>
+                    </a:lnL>
+                    <a:lnR>
+                      <a:noFill/>
+                    </a:lnR>
+                    <a:lnT>
+                      <a:noFill/>
+                    </a:lnT>
+                    <a:lnB w="28575" cap="flat" cmpd="sng" algn="ctr">
+                      <a:noFill/>
+                      <a:prstDash val="solid"/>
+                      <a:round/>
+                      <a:headEnd type="none" w="med" len="med"/>
+                      <a:tailEnd type="none" w="med" len="med"/>
+                    </a:lnB>
+                  </a:tcPr>
+                </a:tc>
+                <a:tc>
+                  <a:txBody>
+                    <a:bodyPr/>
+                    <a:lstStyle/>
+                    <a:p>
+                      <a:pPr algn="ctr" fontAlgn="ctr"/>
+                      <a:r>
+                        <a:rPr lang="en-US" altLang="ko-KR" sz="1200" b="0" i="0" u="none" strike="noStrike" dirty="0">
+                          <a:solidFill>
+                            <a:srgbClr val="000000"/>
+                          </a:solidFill>
+                          <a:effectLst/>
+                          <a:latin typeface="Times New Roman" panose="02020603050405020304" pitchFamily="18" charset="0"/>
+                          <a:cs typeface="Times New Roman" panose="02020603050405020304" pitchFamily="18" charset="0"/>
+                        </a:rPr>
+                        <a:t>0.05</a:t>
+                      </a:r>
+                    </a:p>
+                  </a:txBody>
+                  <a:tcPr marL="9525" marR="9525" marT="9525" marB="0" anchor="ctr">
+                    <a:lnL>
+                      <a:noFill/>
+                    </a:lnL>
+                    <a:lnR>
+                      <a:noFill/>
+                    </a:lnR>
+                    <a:lnT>
+                      <a:noFill/>
+                    </a:lnT>
+                    <a:lnB w="28575" cap="flat" cmpd="sng" algn="ctr">
+                      <a:noFill/>
+                      <a:prstDash val="solid"/>
+                      <a:round/>
+                      <a:headEnd type="none" w="med" len="med"/>
+                      <a:tailEnd type="none" w="med" len="med"/>
+                    </a:lnB>
+                  </a:tcPr>
+                </a:tc>
+                <a:tc>
+                  <a:txBody>
+                    <a:bodyPr/>
+                    <a:lstStyle/>
+                    <a:p>
+                      <a:pPr algn="l" fontAlgn="ctr"/>
+                      <a:r>
+                        <a:rPr lang="en-US" altLang="ko-KR" sz="1100" b="0" i="0" u="none" strike="noStrike">
+                          <a:solidFill>
+                            <a:srgbClr val="000000"/>
+                          </a:solidFill>
+                          <a:effectLst/>
+                          <a:latin typeface="Times New Roman" panose="02020603050405020304" pitchFamily="18" charset="0"/>
+                          <a:cs typeface="Times New Roman" panose="02020603050405020304" pitchFamily="18" charset="0"/>
+                        </a:rPr>
+                        <a:t>0.0480</a:t>
+                      </a:r>
+                    </a:p>
+                  </a:txBody>
+                  <a:tcPr marL="142875" marR="9525" marT="9525" marB="0" anchor="ctr">
+                    <a:lnL>
+                      <a:noFill/>
+                    </a:lnL>
+                    <a:lnR>
+                      <a:noFill/>
+                    </a:lnR>
+                    <a:lnT>
+                      <a:noFill/>
+                    </a:lnT>
+                    <a:lnB w="28575" cap="flat" cmpd="sng" algn="ctr">
+                      <a:noFill/>
+                      <a:prstDash val="solid"/>
+                      <a:round/>
+                      <a:headEnd type="none" w="med" len="med"/>
+                      <a:tailEnd type="none" w="med" len="med"/>
+                    </a:lnB>
+                  </a:tcPr>
+                </a:tc>
+                <a:tc>
+                  <a:txBody>
+                    <a:bodyPr/>
+                    <a:lstStyle/>
+                    <a:p>
+                      <a:pPr algn="l" fontAlgn="ctr"/>
+                      <a:r>
+                        <a:rPr lang="en-US" altLang="ko-KR" sz="1100" b="0" i="0" u="none" strike="noStrike" dirty="0" smtClean="0">
+                          <a:solidFill>
+                            <a:srgbClr val="000000"/>
+                          </a:solidFill>
+                          <a:effectLst/>
+                          <a:latin typeface="Times New Roman" panose="02020603050405020304" pitchFamily="18" charset="0"/>
+                          <a:cs typeface="Times New Roman" panose="02020603050405020304" pitchFamily="18" charset="0"/>
+                        </a:rPr>
+                        <a:t>0.0580</a:t>
+                      </a:r>
+                      <a:endParaRPr lang="en-US" altLang="ko-KR" sz="1100" b="0" i="0" u="none" strike="noStrike" dirty="0">
+                        <a:solidFill>
+                          <a:srgbClr val="000000"/>
+                        </a:solidFill>
+                        <a:effectLst/>
+                        <a:latin typeface="Times New Roman" panose="02020603050405020304" pitchFamily="18" charset="0"/>
+                        <a:cs typeface="Times New Roman" panose="02020603050405020304" pitchFamily="18" charset="0"/>
+                      </a:endParaRPr>
+                    </a:p>
+                  </a:txBody>
+                  <a:tcPr marL="142875" marR="9525" marT="9525" marB="0" anchor="ctr">
+                    <a:lnL>
+                      <a:noFill/>
+                    </a:lnL>
+                    <a:lnR>
+                      <a:noFill/>
+                    </a:lnR>
+                    <a:lnT>
+                      <a:noFill/>
+                    </a:lnT>
+                    <a:lnB w="28575" cap="flat" cmpd="sng" algn="ctr">
+                      <a:noFill/>
+                      <a:prstDash val="solid"/>
+                      <a:round/>
+                      <a:headEnd type="none" w="med" len="med"/>
+                      <a:tailEnd type="none" w="med" len="med"/>
+                    </a:lnB>
+                  </a:tcPr>
+                </a:tc>
+              </a:tr>
+              <a:tr h="209550">
+                <a:tc vMerge="1">
+                  <a:txBody>
+                    <a:bodyPr/>
+                    <a:lstStyle/>
+                    <a:p>
+                      <a:pPr algn="ctr" fontAlgn="ctr"/>
+                      <a:endParaRPr lang="en-US" altLang="ko-KR" sz="1200" b="0" i="0" u="none" strike="noStrike" dirty="0">
+                        <a:solidFill>
+                          <a:srgbClr val="000000"/>
+                        </a:solidFill>
+                        <a:effectLst/>
+                        <a:latin typeface="Times New Roman" panose="02020603050405020304" pitchFamily="18" charset="0"/>
+                        <a:cs typeface="Times New Roman" panose="02020603050405020304" pitchFamily="18" charset="0"/>
+                      </a:endParaRPr>
+                    </a:p>
+                  </a:txBody>
+                  <a:tcPr marL="9525" marR="9525" marT="9525" marB="0" anchor="ctr">
+                    <a:lnL>
+                      <a:noFill/>
+                    </a:lnL>
+                    <a:lnR>
+                      <a:noFill/>
+                    </a:lnR>
+                    <a:lnT>
+                      <a:noFill/>
+                    </a:lnT>
+                    <a:lnB w="28575" cap="flat" cmpd="sng" algn="ctr">
+                      <a:solidFill>
+                        <a:schemeClr val="tx1"/>
+                      </a:solidFill>
+                      <a:prstDash val="solid"/>
+                      <a:round/>
+                      <a:headEnd type="none" w="med" len="med"/>
+                      <a:tailEnd type="none" w="med" len="med"/>
+                    </a:lnB>
+                  </a:tcPr>
+                </a:tc>
+                <a:tc>
+                  <a:txBody>
+                    <a:bodyPr/>
+                    <a:lstStyle/>
+                    <a:p>
+                      <a:pPr algn="ctr" fontAlgn="ctr"/>
+                      <a:r>
+                        <a:rPr lang="en-US" altLang="ko-KR" sz="1200" b="0" i="0" u="none" strike="noStrike" dirty="0">
+                          <a:solidFill>
+                            <a:srgbClr val="000000"/>
+                          </a:solidFill>
+                          <a:effectLst/>
+                          <a:latin typeface="Times New Roman" panose="02020603050405020304" pitchFamily="18" charset="0"/>
+                          <a:cs typeface="Times New Roman" panose="02020603050405020304" pitchFamily="18" charset="0"/>
+                        </a:rPr>
+                        <a:t>0.1</a:t>
+                      </a:r>
+                    </a:p>
+                  </a:txBody>
+                  <a:tcPr marL="9525" marR="9525" marT="9525" marB="0" anchor="ctr">
+                    <a:lnL>
+                      <a:noFill/>
+                    </a:lnL>
+                    <a:lnR>
+                      <a:noFill/>
+                    </a:lnR>
+                    <a:lnT>
+                      <a:noFill/>
+                    </a:lnT>
+                    <a:lnB w="28575" cap="flat" cmpd="sng" algn="ctr">
+                      <a:solidFill>
+                        <a:schemeClr val="tx1"/>
+                      </a:solidFill>
+                      <a:prstDash val="solid"/>
+                      <a:round/>
+                      <a:headEnd type="none" w="med" len="med"/>
+                      <a:tailEnd type="none" w="med" len="med"/>
+                    </a:lnB>
+                  </a:tcPr>
+                </a:tc>
+                <a:tc>
+                  <a:txBody>
+                    <a:bodyPr/>
+                    <a:lstStyle/>
+                    <a:p>
+                      <a:pPr algn="l" fontAlgn="ctr"/>
+                      <a:r>
+                        <a:rPr lang="en-US" altLang="ko-KR" sz="1100" b="0" i="0" u="none" strike="noStrike">
+                          <a:solidFill>
+                            <a:srgbClr val="000000"/>
+                          </a:solidFill>
+                          <a:effectLst/>
+                          <a:latin typeface="Times New Roman" panose="02020603050405020304" pitchFamily="18" charset="0"/>
+                          <a:cs typeface="Times New Roman" panose="02020603050405020304" pitchFamily="18" charset="0"/>
+                        </a:rPr>
+                        <a:t>0.0940</a:t>
+                      </a:r>
+                    </a:p>
+                  </a:txBody>
+                  <a:tcPr marL="142875" marR="9525" marT="9525" marB="0" anchor="ctr">
+                    <a:lnL>
+                      <a:noFill/>
+                    </a:lnL>
+                    <a:lnR>
+                      <a:noFill/>
+                    </a:lnR>
+                    <a:lnT>
+                      <a:noFill/>
+                    </a:lnT>
+                    <a:lnB w="28575" cap="flat" cmpd="sng" algn="ctr">
+                      <a:solidFill>
+                        <a:schemeClr val="tx1"/>
+                      </a:solidFill>
+                      <a:prstDash val="solid"/>
+                      <a:round/>
+                      <a:headEnd type="none" w="med" len="med"/>
+                      <a:tailEnd type="none" w="med" len="med"/>
+                    </a:lnB>
+                  </a:tcPr>
+                </a:tc>
+                <a:tc>
+                  <a:txBody>
+                    <a:bodyPr/>
+                    <a:lstStyle/>
+                    <a:p>
+                      <a:pPr algn="l" fontAlgn="ctr"/>
+                      <a:r>
+                        <a:rPr lang="en-US" altLang="ko-KR" sz="1100" b="0" i="0" u="none" strike="noStrike" dirty="0" smtClean="0">
+                          <a:solidFill>
+                            <a:srgbClr val="000000"/>
+                          </a:solidFill>
+                          <a:effectLst/>
+                          <a:latin typeface="Times New Roman" panose="02020603050405020304" pitchFamily="18" charset="0"/>
+                          <a:cs typeface="Times New Roman" panose="02020603050405020304" pitchFamily="18" charset="0"/>
+                        </a:rPr>
+                        <a:t>0.1020</a:t>
+                      </a:r>
+                      <a:endParaRPr lang="en-US" altLang="ko-KR" sz="1100" b="0" i="0" u="none" strike="noStrike" dirty="0">
+                        <a:solidFill>
+                          <a:srgbClr val="000000"/>
+                        </a:solidFill>
+                        <a:effectLst/>
+                        <a:latin typeface="Times New Roman" panose="02020603050405020304" pitchFamily="18" charset="0"/>
+                        <a:cs typeface="Times New Roman" panose="02020603050405020304" pitchFamily="18" charset="0"/>
+                      </a:endParaRPr>
+                    </a:p>
+                  </a:txBody>
+                  <a:tcPr marL="142875" marR="9525" marT="9525" marB="0" anchor="ctr">
+                    <a:lnL>
+                      <a:noFill/>
+                    </a:lnL>
+                    <a:lnR>
+                      <a:noFill/>
+                    </a:lnR>
+                    <a:lnT>
+                      <a:noFill/>
+                    </a:lnT>
+                    <a:lnB w="28575" cap="flat" cmpd="sng" algn="ctr">
+                      <a:solidFill>
+                        <a:schemeClr val="tx1"/>
+                      </a:solidFill>
+                      <a:prstDash val="solid"/>
+                      <a:round/>
+                      <a:headEnd type="none" w="med" len="med"/>
+                      <a:tailEnd type="none" w="med" len="med"/>
+                    </a:lnB>
+                  </a:tcPr>
+                </a:tc>
+              </a:tr>
+            </a:tbl>
+          </a:graphicData>
+        </a:graphic>
+      </p:graphicFrame>
+      <p:sp>
+        <p:nvSpPr>
+          <p:cNvPr id="3" name="TextBox 2"/>
+          <p:cNvSpPr txBox="1"/>
+          <p:nvPr/>
+        </p:nvSpPr>
+        <p:spPr>
+          <a:xfrm>
+            <a:off x="899592" y="836712"/>
+            <a:ext cx="910827" cy="369332"/>
+          </a:xfrm>
+          <a:prstGeom prst="rect">
+            <a:avLst/>
+          </a:prstGeom>
+          <a:noFill/>
+        </p:spPr>
+        <p:txBody>
+          <a:bodyPr wrap="none" rtlCol="0">
+            <a:spAutoFit/>
+          </a:bodyPr>
+          <a:lstStyle/>
+          <a:p>
+            <a:r>
+              <a:rPr lang="en-US" altLang="ko-KR" dirty="0" smtClean="0"/>
+              <a:t>table </a:t>
+            </a:r>
+            <a:r>
+              <a:rPr lang="en-US" altLang="ko-KR" dirty="0"/>
+              <a:t>5</a:t>
+            </a:r>
+            <a:endParaRPr lang="ko-KR" altLang="en-US" dirty="0"/>
+          </a:p>
+        </p:txBody>
+      </p:sp>
+    </p:spTree>
+    <p:extLst>
+      <p:ext uri="{BB962C8B-B14F-4D97-AF65-F5344CB8AC3E}">
+        <p14:creationId xmlns:p14="http://schemas.microsoft.com/office/powerpoint/2010/main" val="3014506833"/>
+      </p:ext>
+    </p:extLst>
+  </p:cSld>
+  <p:clrMapOvr>
+    <a:masterClrMapping/>
+  </p:clrMapOvr>
+</p:sld>
+</file>
+
+<file path=ppt/slides/slide7.xml><?xml version="1.0" encoding="utf-8"?>
+<p:sld xmlns:a="http://schemas.openxmlformats.org/drawingml/2006/main" xmlns:r="http://schemas.openxmlformats.org/officeDocument/2006/relationships" xmlns:p="http://schemas.openxmlformats.org/presentationml/2006/main">
+  <p:cSld>
+    <p:spTree>
+      <p:nvGrpSpPr>
+        <p:cNvPr id="1" name=""/>
+        <p:cNvGrpSpPr/>
+        <p:nvPr/>
+      </p:nvGrpSpPr>
+      <p:grpSpPr>
+        <a:xfrm>
+          <a:off x="0" y="0"/>
+          <a:ext cx="0" cy="0"/>
+          <a:chOff x="0" y="0"/>
+          <a:chExt cx="0" cy="0"/>
+        </a:xfrm>
+      </p:grpSpPr>
+      <p:graphicFrame>
+        <p:nvGraphicFramePr>
+          <p:cNvPr id="4" name="표 3"/>
+          <p:cNvGraphicFramePr>
+            <a:graphicFrameLocks noGrp="1"/>
+          </p:cNvGraphicFramePr>
+          <p:nvPr>
+            <p:extLst>
+              <p:ext uri="{D42A27DB-BD31-4B8C-83A1-F6EECF244321}">
+                <p14:modId xmlns:p14="http://schemas.microsoft.com/office/powerpoint/2010/main" val="1187446156"/>
+              </p:ext>
+            </p:extLst>
+          </p:nvPr>
+        </p:nvGraphicFramePr>
+        <p:xfrm>
+          <a:off x="1979712" y="1412776"/>
+          <a:ext cx="3103200" cy="1676400"/>
+        </p:xfrm>
+        <a:graphic>
+          <a:graphicData uri="http://schemas.openxmlformats.org/drawingml/2006/table">
+            <a:tbl>
+              <a:tblPr/>
+              <a:tblGrid>
+                <a:gridCol w="864000"/>
+                <a:gridCol w="864000"/>
+                <a:gridCol w="687600"/>
+                <a:gridCol w="687600"/>
+              </a:tblGrid>
+              <a:tr h="209550">
+                <a:tc rowSpan="2">
+                  <a:txBody>
+                    <a:bodyPr/>
+                    <a:lstStyle/>
+                    <a:p>
+                      <a:pPr algn="ctr" fontAlgn="ctr"/>
+                      <a:r>
+                        <a:rPr lang="en-US" sz="1200" b="0" i="0" u="none" strike="noStrike" dirty="0" smtClean="0">
+                          <a:solidFill>
+                            <a:srgbClr val="000000"/>
+                          </a:solidFill>
+                          <a:effectLst/>
+                          <a:latin typeface="Times New Roman" panose="02020603050405020304" pitchFamily="18" charset="0"/>
+                          <a:cs typeface="Times New Roman" panose="02020603050405020304" pitchFamily="18" charset="0"/>
+                        </a:rPr>
+                        <a:t>Heritability</a:t>
+                      </a:r>
+                      <a:endParaRPr lang="en-US" sz="1200" b="0" i="0" u="none" strike="noStrike" dirty="0">
+                        <a:solidFill>
+                          <a:srgbClr val="000000"/>
+                        </a:solidFill>
+                        <a:effectLst/>
+                        <a:latin typeface="Times New Roman" panose="02020603050405020304" pitchFamily="18" charset="0"/>
+                        <a:cs typeface="Times New Roman" panose="02020603050405020304" pitchFamily="18" charset="0"/>
+                      </a:endParaRPr>
+                    </a:p>
+                  </a:txBody>
+                  <a:tcPr marL="9525" marR="9525" marT="9525" marB="0" anchor="ctr">
+                    <a:lnL>
+                      <a:noFill/>
+                    </a:lnL>
+                    <a:lnR>
+                      <a:noFill/>
+                    </a:lnR>
+                    <a:lnT w="28575" cap="flat" cmpd="sng" algn="ctr">
+                      <a:solidFill>
+                        <a:schemeClr val="tx1"/>
+                      </a:solidFill>
+                      <a:prstDash val="solid"/>
+                      <a:round/>
+                      <a:headEnd type="none" w="med" len="med"/>
+                      <a:tailEnd type="none" w="med" len="med"/>
+                    </a:lnT>
+                    <a:lnB w="12700" cap="flat" cmpd="sng" algn="ctr">
+                      <a:solidFill>
+                        <a:schemeClr val="tx1"/>
+                      </a:solidFill>
+                      <a:prstDash val="solid"/>
+                      <a:round/>
+                      <a:headEnd type="none" w="med" len="med"/>
+                      <a:tailEnd type="none" w="med" len="med"/>
+                    </a:lnB>
+                  </a:tcPr>
+                </a:tc>
+                <a:tc rowSpan="2">
+                  <a:txBody>
+                    <a:bodyPr/>
+                    <a:lstStyle/>
+                    <a:p>
+                      <a:pPr algn="ctr" fontAlgn="ctr"/>
+                      <a:r>
+                        <a:rPr lang="en-US" sz="1200" b="0" i="0" u="none" strike="noStrike" dirty="0" smtClean="0">
+                          <a:solidFill>
+                            <a:srgbClr val="000000"/>
+                          </a:solidFill>
+                          <a:effectLst/>
+                          <a:latin typeface="Times New Roman" panose="02020603050405020304" pitchFamily="18" charset="0"/>
+                          <a:cs typeface="Times New Roman" panose="02020603050405020304" pitchFamily="18" charset="0"/>
+                        </a:rPr>
+                        <a:t>Significance</a:t>
+                      </a:r>
+                      <a:br>
+                        <a:rPr lang="en-US" sz="1200" b="0" i="0" u="none" strike="noStrike" dirty="0" smtClean="0">
+                          <a:solidFill>
+                            <a:srgbClr val="000000"/>
+                          </a:solidFill>
+                          <a:effectLst/>
+                          <a:latin typeface="Times New Roman" panose="02020603050405020304" pitchFamily="18" charset="0"/>
+                          <a:cs typeface="Times New Roman" panose="02020603050405020304" pitchFamily="18" charset="0"/>
+                        </a:rPr>
+                      </a:br>
+                      <a:r>
+                        <a:rPr lang="en-US" sz="1200" b="0" i="0" u="none" strike="noStrike" dirty="0" smtClean="0">
+                          <a:solidFill>
+                            <a:srgbClr val="000000"/>
+                          </a:solidFill>
+                          <a:effectLst/>
+                          <a:latin typeface="Times New Roman" panose="02020603050405020304" pitchFamily="18" charset="0"/>
+                          <a:cs typeface="Times New Roman" panose="02020603050405020304" pitchFamily="18" charset="0"/>
+                        </a:rPr>
+                        <a:t>level</a:t>
+                      </a:r>
+                      <a:endParaRPr lang="en-US" sz="1200" b="0" i="0" u="none" strike="noStrike" dirty="0">
+                        <a:solidFill>
+                          <a:srgbClr val="000000"/>
+                        </a:solidFill>
+                        <a:effectLst/>
+                        <a:latin typeface="Times New Roman" panose="02020603050405020304" pitchFamily="18" charset="0"/>
+                        <a:cs typeface="Times New Roman" panose="02020603050405020304" pitchFamily="18" charset="0"/>
+                      </a:endParaRPr>
+                    </a:p>
+                  </a:txBody>
+                  <a:tcPr marL="9525" marR="9525" marT="9525" marB="0" anchor="ctr">
+                    <a:lnL>
+                      <a:noFill/>
+                    </a:lnL>
+                    <a:lnR>
+                      <a:noFill/>
+                    </a:lnR>
+                    <a:lnT w="28575" cap="flat" cmpd="sng" algn="ctr">
+                      <a:solidFill>
+                        <a:schemeClr val="tx1"/>
+                      </a:solidFill>
+                      <a:prstDash val="solid"/>
+                      <a:round/>
+                      <a:headEnd type="none" w="med" len="med"/>
+                      <a:tailEnd type="none" w="med" len="med"/>
+                    </a:lnT>
+                    <a:lnB w="12700" cap="flat" cmpd="sng" algn="ctr">
+                      <a:solidFill>
+                        <a:schemeClr val="tx1"/>
+                      </a:solidFill>
+                      <a:prstDash val="solid"/>
+                      <a:round/>
+                      <a:headEnd type="none" w="med" len="med"/>
+                      <a:tailEnd type="none" w="med" len="med"/>
+                    </a:lnB>
+                  </a:tcPr>
+                </a:tc>
+                <a:tc gridSpan="2">
+                  <a:txBody>
+                    <a:bodyPr/>
+                    <a:lstStyle/>
+                    <a:p>
+                      <a:pPr algn="ctr" fontAlgn="ctr"/>
+                      <a:r>
+                        <a:rPr lang="en-US" sz="1200" b="0" i="0" u="none" strike="noStrike" dirty="0" smtClean="0">
+                          <a:solidFill>
+                            <a:srgbClr val="000000"/>
+                          </a:solidFill>
+                          <a:effectLst/>
+                          <a:latin typeface="Times New Roman" panose="02020603050405020304" pitchFamily="18" charset="0"/>
+                          <a:cs typeface="Times New Roman" panose="02020603050405020304" pitchFamily="18" charset="0"/>
+                        </a:rPr>
+                        <a:t>Prevalence</a:t>
+                      </a:r>
+                      <a:endParaRPr lang="en-US" sz="1200" b="0" i="0" u="none" strike="noStrike" dirty="0">
+                        <a:solidFill>
+                          <a:srgbClr val="000000"/>
+                        </a:solidFill>
+                        <a:effectLst/>
+                        <a:latin typeface="Times New Roman" panose="02020603050405020304" pitchFamily="18" charset="0"/>
+                        <a:cs typeface="Times New Roman" panose="02020603050405020304" pitchFamily="18" charset="0"/>
+                      </a:endParaRPr>
+                    </a:p>
+                  </a:txBody>
+                  <a:tcPr marL="9525" marR="9525" marT="9525" marB="0" anchor="ctr">
+                    <a:lnL>
+                      <a:noFill/>
+                    </a:lnL>
+                    <a:lnR>
+                      <a:noFill/>
+                    </a:lnR>
+                    <a:lnT w="28575" cap="flat" cmpd="sng" algn="ctr">
+                      <a:solidFill>
+                        <a:schemeClr val="tx1"/>
+                      </a:solidFill>
+                      <a:prstDash val="solid"/>
+                      <a:round/>
+                      <a:headEnd type="none" w="med" len="med"/>
+                      <a:tailEnd type="none" w="med" len="med"/>
+                    </a:lnT>
+                    <a:lnB w="12700" cap="flat" cmpd="sng" algn="ctr">
+                      <a:solidFill>
+                        <a:schemeClr val="tx1"/>
+                      </a:solidFill>
+                      <a:prstDash val="solid"/>
+                      <a:round/>
+                      <a:headEnd type="none" w="med" len="med"/>
+                      <a:tailEnd type="none" w="med" len="med"/>
+                    </a:lnB>
+                  </a:tcPr>
+                </a:tc>
+                <a:tc hMerge="1">
+                  <a:txBody>
+                    <a:bodyPr/>
+                    <a:lstStyle/>
+                    <a:p>
+                      <a:pPr algn="l" fontAlgn="ctr"/>
+                      <a:endParaRPr lang="en-US" sz="1100" b="0" i="0" u="none" strike="noStrike" dirty="0">
+                        <a:solidFill>
+                          <a:srgbClr val="000000"/>
+                        </a:solidFill>
+                        <a:effectLst/>
+                        <a:latin typeface="맑은 고딕"/>
+                      </a:endParaRPr>
+                    </a:p>
+                  </a:txBody>
+                  <a:tcPr marL="9525" marR="9525" marT="9525" marB="0" anchor="ctr">
+                    <a:lnL>
+                      <a:noFill/>
+                    </a:lnL>
+                    <a:lnR>
+                      <a:noFill/>
+                    </a:lnR>
+                    <a:lnT>
+                      <a:noFill/>
+                    </a:lnT>
+                    <a:lnB>
+                      <a:noFill/>
+                    </a:lnB>
+                  </a:tcPr>
+                </a:tc>
+              </a:tr>
+              <a:tr h="209550">
+                <a:tc vMerge="1">
+                  <a:txBody>
+                    <a:bodyPr/>
+                    <a:lstStyle/>
+                    <a:p>
+                      <a:pPr latinLnBrk="1"/>
+                      <a:endParaRPr lang="ko-KR" altLang="en-US"/>
+                    </a:p>
+                  </a:txBody>
+                  <a:tcPr/>
+                </a:tc>
+                <a:tc vMerge="1">
+                  <a:txBody>
+                    <a:bodyPr/>
+                    <a:lstStyle/>
+                    <a:p>
+                      <a:pPr algn="l" fontAlgn="ctr"/>
+                      <a:endParaRPr lang="en-US" sz="1100" b="0" i="0" u="none" strike="noStrike" dirty="0">
+                        <a:solidFill>
+                          <a:srgbClr val="000000"/>
+                        </a:solidFill>
+                        <a:effectLst/>
+                        <a:latin typeface="맑은 고딕"/>
+                      </a:endParaRPr>
+                    </a:p>
+                  </a:txBody>
+                  <a:tcPr marL="9525" marR="9525" marT="9525" marB="0" anchor="ctr">
+                    <a:lnL>
+                      <a:noFill/>
+                    </a:lnL>
+                    <a:lnR>
+                      <a:noFill/>
+                    </a:lnR>
+                    <a:lnT>
+                      <a:noFill/>
+                    </a:lnT>
+                    <a:lnB>
+                      <a:noFill/>
+                    </a:lnB>
+                  </a:tcPr>
+                </a:tc>
+                <a:tc>
+                  <a:txBody>
+                    <a:bodyPr/>
+                    <a:lstStyle/>
+                    <a:p>
+                      <a:pPr algn="ctr" fontAlgn="ctr"/>
+                      <a:r>
+                        <a:rPr lang="en-US" sz="1200" b="0" i="0" u="none" strike="noStrike" dirty="0" smtClean="0">
+                          <a:solidFill>
+                            <a:srgbClr val="000000"/>
+                          </a:solidFill>
+                          <a:effectLst/>
+                          <a:latin typeface="Times New Roman" panose="02020603050405020304" pitchFamily="18" charset="0"/>
+                          <a:cs typeface="Times New Roman" panose="02020603050405020304" pitchFamily="18" charset="0"/>
+                        </a:rPr>
+                        <a:t>0.1</a:t>
+                      </a:r>
+                      <a:endParaRPr lang="en-US" sz="1200" b="0" i="0" u="none" strike="noStrike" dirty="0">
+                        <a:solidFill>
+                          <a:srgbClr val="000000"/>
+                        </a:solidFill>
+                        <a:effectLst/>
+                        <a:latin typeface="Times New Roman" panose="02020603050405020304" pitchFamily="18" charset="0"/>
+                        <a:cs typeface="Times New Roman" panose="02020603050405020304" pitchFamily="18" charset="0"/>
+                      </a:endParaRPr>
+                    </a:p>
+                  </a:txBody>
+                  <a:tcPr marL="9525" marR="9525" marT="9525" marB="0" anchor="ctr">
+                    <a:lnL>
+                      <a:noFill/>
+                    </a:lnL>
+                    <a:lnR>
+                      <a:noFill/>
+                    </a:lnR>
+                    <a:lnT w="12700" cap="flat" cmpd="sng" algn="ctr">
+                      <a:solidFill>
+                        <a:schemeClr val="tx1"/>
+                      </a:solidFill>
+                      <a:prstDash val="solid"/>
+                      <a:round/>
+                      <a:headEnd type="none" w="med" len="med"/>
+                      <a:tailEnd type="none" w="med" len="med"/>
+                    </a:lnT>
+                    <a:lnB w="12700" cap="flat" cmpd="sng" algn="ctr">
+                      <a:solidFill>
+                        <a:schemeClr val="tx1"/>
+                      </a:solidFill>
+                      <a:prstDash val="solid"/>
+                      <a:round/>
+                      <a:headEnd type="none" w="med" len="med"/>
+                      <a:tailEnd type="none" w="med" len="med"/>
+                    </a:lnB>
+                  </a:tcPr>
+                </a:tc>
+                <a:tc>
+                  <a:txBody>
+                    <a:bodyPr/>
+                    <a:lstStyle/>
+                    <a:p>
+                      <a:pPr algn="ctr" fontAlgn="ctr"/>
+                      <a:r>
+                        <a:rPr lang="en-US" sz="1200" b="0" i="0" u="none" strike="noStrike" dirty="0" smtClean="0">
+                          <a:solidFill>
+                            <a:srgbClr val="000000"/>
+                          </a:solidFill>
+                          <a:effectLst/>
+                          <a:latin typeface="Times New Roman" panose="02020603050405020304" pitchFamily="18" charset="0"/>
+                          <a:cs typeface="Times New Roman" panose="02020603050405020304" pitchFamily="18" charset="0"/>
+                        </a:rPr>
+                        <a:t>0.2</a:t>
+                      </a:r>
+                      <a:endParaRPr lang="en-US" sz="1200" b="0" i="0" u="none" strike="noStrike" dirty="0">
+                        <a:solidFill>
+                          <a:srgbClr val="000000"/>
+                        </a:solidFill>
+                        <a:effectLst/>
+                        <a:latin typeface="Times New Roman" panose="02020603050405020304" pitchFamily="18" charset="0"/>
+                        <a:cs typeface="Times New Roman" panose="02020603050405020304" pitchFamily="18" charset="0"/>
+                      </a:endParaRPr>
+                    </a:p>
+                  </a:txBody>
+                  <a:tcPr marL="9525" marR="9525" marT="9525" marB="0" anchor="ctr">
+                    <a:lnL>
+                      <a:noFill/>
+                    </a:lnL>
+                    <a:lnR>
+                      <a:noFill/>
+                    </a:lnR>
+                    <a:lnT w="12700" cap="flat" cmpd="sng" algn="ctr">
+                      <a:solidFill>
+                        <a:schemeClr val="tx1"/>
+                      </a:solidFill>
+                      <a:prstDash val="solid"/>
+                      <a:round/>
+                      <a:headEnd type="none" w="med" len="med"/>
+                      <a:tailEnd type="none" w="med" len="med"/>
+                    </a:lnT>
+                    <a:lnB w="12700" cap="flat" cmpd="sng" algn="ctr">
+                      <a:solidFill>
+                        <a:schemeClr val="tx1"/>
+                      </a:solidFill>
+                      <a:prstDash val="solid"/>
+                      <a:round/>
+                      <a:headEnd type="none" w="med" len="med"/>
+                      <a:tailEnd type="none" w="med" len="med"/>
+                    </a:lnB>
+                  </a:tcPr>
+                </a:tc>
+              </a:tr>
+              <a:tr h="209550">
+                <a:tc rowSpan="3">
+                  <a:txBody>
+                    <a:bodyPr/>
+                    <a:lstStyle/>
+                    <a:p>
+                      <a:pPr algn="ctr" fontAlgn="ctr"/>
+                      <a:r>
+                        <a:rPr lang="en-US" altLang="ko-KR" sz="1200" b="0" i="0" u="none" strike="noStrike" dirty="0" smtClean="0">
+                          <a:solidFill>
+                            <a:srgbClr val="000000"/>
+                          </a:solidFill>
+                          <a:effectLst/>
+                          <a:latin typeface="Times New Roman" panose="02020603050405020304" pitchFamily="18" charset="0"/>
+                          <a:cs typeface="Times New Roman" panose="02020603050405020304" pitchFamily="18" charset="0"/>
+                        </a:rPr>
+                        <a:t>0.2</a:t>
+                      </a:r>
+                      <a:endParaRPr lang="en-US" altLang="ko-KR" sz="1200" b="0" i="0" u="none" strike="noStrike" dirty="0">
+                        <a:solidFill>
+                          <a:srgbClr val="000000"/>
+                        </a:solidFill>
+                        <a:effectLst/>
+                        <a:latin typeface="Times New Roman" panose="02020603050405020304" pitchFamily="18" charset="0"/>
+                        <a:cs typeface="Times New Roman" panose="02020603050405020304" pitchFamily="18" charset="0"/>
+                      </a:endParaRPr>
+                    </a:p>
+                  </a:txBody>
+                  <a:tcPr marL="9525" marR="9525" marT="9525" marB="0" anchor="ctr">
+                    <a:lnL>
+                      <a:noFill/>
+                    </a:lnL>
+                    <a:lnR>
+                      <a:noFill/>
+                    </a:lnR>
+                    <a:lnT w="12700" cap="flat" cmpd="sng" algn="ctr">
+                      <a:solidFill>
+                        <a:schemeClr val="tx1"/>
+                      </a:solidFill>
+                      <a:prstDash val="solid"/>
+                      <a:round/>
+                      <a:headEnd type="none" w="med" len="med"/>
+                      <a:tailEnd type="none" w="med" len="med"/>
+                    </a:lnT>
+                    <a:lnB w="12700" cap="flat" cmpd="sng" algn="ctr">
+                      <a:solidFill>
+                        <a:schemeClr val="tx1"/>
+                      </a:solidFill>
+                      <a:prstDash val="solid"/>
+                      <a:round/>
+                      <a:headEnd type="none" w="med" len="med"/>
+                      <a:tailEnd type="none" w="med" len="med"/>
+                    </a:lnB>
+                  </a:tcPr>
+                </a:tc>
+                <a:tc>
+                  <a:txBody>
+                    <a:bodyPr/>
+                    <a:lstStyle/>
+                    <a:p>
+                      <a:pPr algn="ctr" fontAlgn="ctr"/>
+                      <a:r>
+                        <a:rPr lang="en-US" altLang="ko-KR" sz="1200" b="0" i="0" u="none" strike="noStrike" dirty="0">
+                          <a:solidFill>
+                            <a:srgbClr val="000000"/>
+                          </a:solidFill>
+                          <a:effectLst/>
+                          <a:latin typeface="Times New Roman" panose="02020603050405020304" pitchFamily="18" charset="0"/>
+                          <a:cs typeface="Times New Roman" panose="02020603050405020304" pitchFamily="18" charset="0"/>
+                        </a:rPr>
+                        <a:t>0.01</a:t>
+                      </a:r>
+                    </a:p>
+                  </a:txBody>
+                  <a:tcPr marL="9525" marR="9525" marT="9525" marB="0" anchor="ctr">
+                    <a:lnL>
+                      <a:noFill/>
+                    </a:lnL>
+                    <a:lnR>
+                      <a:noFill/>
+                    </a:lnR>
+                    <a:lnT w="12700" cap="flat" cmpd="sng" algn="ctr">
+                      <a:solidFill>
+                        <a:schemeClr val="tx1"/>
+                      </a:solidFill>
+                      <a:prstDash val="solid"/>
+                      <a:round/>
+                      <a:headEnd type="none" w="med" len="med"/>
+                      <a:tailEnd type="none" w="med" len="med"/>
+                    </a:lnT>
+                    <a:lnB>
+                      <a:noFill/>
+                    </a:lnB>
+                  </a:tcPr>
+                </a:tc>
+                <a:tc>
+                  <a:txBody>
+                    <a:bodyPr/>
+                    <a:lstStyle/>
+                    <a:p>
+                      <a:pPr algn="ctr" fontAlgn="ctr"/>
+                      <a:r>
+                        <a:rPr lang="en-US" altLang="ko-KR" sz="1200" b="0" i="0" u="none" strike="noStrike">
+                          <a:solidFill>
+                            <a:srgbClr val="000000"/>
+                          </a:solidFill>
+                          <a:effectLst/>
+                          <a:latin typeface="Times New Roman" panose="02020603050405020304" pitchFamily="18" charset="0"/>
+                          <a:cs typeface="Times New Roman" panose="02020603050405020304" pitchFamily="18" charset="0"/>
+                        </a:rPr>
+                        <a:t>0.1303</a:t>
+                      </a:r>
+                    </a:p>
+                  </a:txBody>
+                  <a:tcPr marL="9525" marR="9525" marT="9525" marB="0" anchor="ctr">
+                    <a:lnL>
+                      <a:noFill/>
+                    </a:lnL>
+                    <a:lnR>
+                      <a:noFill/>
+                    </a:lnR>
+                    <a:lnT w="12700" cap="flat" cmpd="sng" algn="ctr">
+                      <a:solidFill>
+                        <a:schemeClr val="tx1"/>
+                      </a:solidFill>
+                      <a:prstDash val="solid"/>
+                      <a:round/>
+                      <a:headEnd type="none" w="med" len="med"/>
+                      <a:tailEnd type="none" w="med" len="med"/>
+                    </a:lnT>
+                    <a:lnB>
+                      <a:noFill/>
+                    </a:lnB>
+                  </a:tcPr>
+                </a:tc>
+                <a:tc>
+                  <a:txBody>
+                    <a:bodyPr/>
+                    <a:lstStyle/>
+                    <a:p>
+                      <a:pPr algn="ctr" fontAlgn="ctr"/>
+                      <a:r>
+                        <a:rPr lang="en-US" altLang="ko-KR" sz="1200" b="0" i="0" u="none" strike="noStrike">
+                          <a:solidFill>
+                            <a:srgbClr val="000000"/>
+                          </a:solidFill>
+                          <a:effectLst/>
+                          <a:latin typeface="Times New Roman" panose="02020603050405020304" pitchFamily="18" charset="0"/>
+                          <a:cs typeface="Times New Roman" panose="02020603050405020304" pitchFamily="18" charset="0"/>
+                        </a:rPr>
+                        <a:t>0.4460</a:t>
+                      </a:r>
+                    </a:p>
+                  </a:txBody>
+                  <a:tcPr marL="9525" marR="9525" marT="9525" marB="0" anchor="ctr">
+                    <a:lnL>
+                      <a:noFill/>
+                    </a:lnL>
+                    <a:lnR>
+                      <a:noFill/>
+                    </a:lnR>
+                    <a:lnT w="12700" cap="flat" cmpd="sng" algn="ctr">
+                      <a:solidFill>
+                        <a:schemeClr val="tx1"/>
+                      </a:solidFill>
+                      <a:prstDash val="solid"/>
+                      <a:round/>
+                      <a:headEnd type="none" w="med" len="med"/>
+                      <a:tailEnd type="none" w="med" len="med"/>
+                    </a:lnT>
+                    <a:lnB>
+                      <a:noFill/>
+                    </a:lnB>
+                  </a:tcPr>
+                </a:tc>
+              </a:tr>
+              <a:tr h="209550">
+                <a:tc vMerge="1">
+                  <a:txBody>
+                    <a:bodyPr/>
+                    <a:lstStyle/>
+                    <a:p>
+                      <a:pPr algn="ctr" fontAlgn="ctr"/>
+                      <a:endParaRPr lang="en-US" altLang="ko-KR" sz="1200" b="0" i="0" u="none" strike="noStrike" dirty="0">
+                        <a:solidFill>
+                          <a:srgbClr val="000000"/>
+                        </a:solidFill>
+                        <a:effectLst/>
+                        <a:latin typeface="Times New Roman" panose="02020603050405020304" pitchFamily="18" charset="0"/>
+                        <a:cs typeface="Times New Roman" panose="02020603050405020304" pitchFamily="18" charset="0"/>
+                      </a:endParaRPr>
+                    </a:p>
+                  </a:txBody>
+                  <a:tcPr marL="9525" marR="9525" marT="9525" marB="0" anchor="ctr">
+                    <a:lnL>
+                      <a:noFill/>
+                    </a:lnL>
+                    <a:lnR>
+                      <a:noFill/>
+                    </a:lnR>
+                    <a:lnT>
+                      <a:noFill/>
+                    </a:lnT>
+                    <a:lnB>
+                      <a:noFill/>
+                    </a:lnB>
+                  </a:tcPr>
+                </a:tc>
+                <a:tc>
+                  <a:txBody>
+                    <a:bodyPr/>
+                    <a:lstStyle/>
+                    <a:p>
+                      <a:pPr algn="ctr" fontAlgn="ctr"/>
+                      <a:r>
+                        <a:rPr lang="en-US" altLang="ko-KR" sz="1200" b="0" i="0" u="none" strike="noStrike" dirty="0">
+                          <a:solidFill>
+                            <a:srgbClr val="000000"/>
+                          </a:solidFill>
+                          <a:effectLst/>
+                          <a:latin typeface="Times New Roman" panose="02020603050405020304" pitchFamily="18" charset="0"/>
+                          <a:cs typeface="Times New Roman" panose="02020603050405020304" pitchFamily="18" charset="0"/>
+                        </a:rPr>
+                        <a:t>0.05</a:t>
+                      </a:r>
+                    </a:p>
+                  </a:txBody>
+                  <a:tcPr marL="9525" marR="9525" marT="9525" marB="0" anchor="ctr">
+                    <a:lnL>
+                      <a:noFill/>
+                    </a:lnL>
+                    <a:lnR>
+                      <a:noFill/>
+                    </a:lnR>
+                    <a:lnT>
+                      <a:noFill/>
+                    </a:lnT>
+                    <a:lnB>
+                      <a:noFill/>
+                    </a:lnB>
+                  </a:tcPr>
+                </a:tc>
+                <a:tc>
+                  <a:txBody>
+                    <a:bodyPr/>
+                    <a:lstStyle/>
+                    <a:p>
+                      <a:pPr algn="ctr" fontAlgn="ctr"/>
+                      <a:r>
+                        <a:rPr lang="en-US" altLang="ko-KR" sz="1200" b="0" i="0" u="none" strike="noStrike">
+                          <a:solidFill>
+                            <a:srgbClr val="000000"/>
+                          </a:solidFill>
+                          <a:effectLst/>
+                          <a:latin typeface="Times New Roman" panose="02020603050405020304" pitchFamily="18" charset="0"/>
+                          <a:cs typeface="Times New Roman" panose="02020603050405020304" pitchFamily="18" charset="0"/>
+                        </a:rPr>
+                        <a:t>0.3372</a:t>
+                      </a:r>
+                    </a:p>
+                  </a:txBody>
+                  <a:tcPr marL="9525" marR="9525" marT="9525" marB="0" anchor="ctr">
+                    <a:lnL>
+                      <a:noFill/>
+                    </a:lnL>
+                    <a:lnR>
+                      <a:noFill/>
+                    </a:lnR>
+                    <a:lnT>
+                      <a:noFill/>
+                    </a:lnT>
+                    <a:lnB>
+                      <a:noFill/>
+                    </a:lnB>
+                  </a:tcPr>
+                </a:tc>
+                <a:tc>
+                  <a:txBody>
+                    <a:bodyPr/>
+                    <a:lstStyle/>
+                    <a:p>
+                      <a:pPr algn="ctr" fontAlgn="ctr"/>
+                      <a:r>
+                        <a:rPr lang="en-US" altLang="ko-KR" sz="1200" b="0" i="0" u="none" strike="noStrike">
+                          <a:solidFill>
+                            <a:srgbClr val="000000"/>
+                          </a:solidFill>
+                          <a:effectLst/>
+                          <a:latin typeface="Times New Roman" panose="02020603050405020304" pitchFamily="18" charset="0"/>
+                          <a:cs typeface="Times New Roman" panose="02020603050405020304" pitchFamily="18" charset="0"/>
+                        </a:rPr>
+                        <a:t>0.6800</a:t>
+                      </a:r>
+                    </a:p>
+                  </a:txBody>
+                  <a:tcPr marL="9525" marR="9525" marT="9525" marB="0" anchor="ctr">
+                    <a:lnL>
+                      <a:noFill/>
+                    </a:lnL>
+                    <a:lnR>
+                      <a:noFill/>
+                    </a:lnR>
+                    <a:lnT>
+                      <a:noFill/>
+                    </a:lnT>
+                    <a:lnB>
+                      <a:noFill/>
+                    </a:lnB>
+                  </a:tcPr>
+                </a:tc>
+              </a:tr>
+              <a:tr h="209550">
+                <a:tc vMerge="1">
+                  <a:txBody>
+                    <a:bodyPr/>
+                    <a:lstStyle/>
+                    <a:p>
+                      <a:pPr algn="ctr" fontAlgn="ctr"/>
+                      <a:endParaRPr lang="en-US" altLang="ko-KR" sz="1200" b="0" i="0" u="none" strike="noStrike" dirty="0">
+                        <a:solidFill>
+                          <a:srgbClr val="000000"/>
+                        </a:solidFill>
+                        <a:effectLst/>
+                        <a:latin typeface="Times New Roman" panose="02020603050405020304" pitchFamily="18" charset="0"/>
+                        <a:cs typeface="Times New Roman" panose="02020603050405020304" pitchFamily="18" charset="0"/>
+                      </a:endParaRPr>
+                    </a:p>
+                  </a:txBody>
+                  <a:tcPr marL="9525" marR="9525" marT="9525" marB="0" anchor="ctr">
+                    <a:lnL>
+                      <a:noFill/>
+                    </a:lnL>
+                    <a:lnR>
+                      <a:noFill/>
+                    </a:lnR>
+                    <a:lnT>
+                      <a:noFill/>
+                    </a:lnT>
+                    <a:lnB w="28575" cap="flat" cmpd="sng" algn="ctr">
+                      <a:noFill/>
+                      <a:prstDash val="solid"/>
+                      <a:round/>
+                      <a:headEnd type="none" w="med" len="med"/>
+                      <a:tailEnd type="none" w="med" len="med"/>
+                    </a:lnB>
+                  </a:tcPr>
+                </a:tc>
+                <a:tc>
+                  <a:txBody>
+                    <a:bodyPr/>
+                    <a:lstStyle/>
+                    <a:p>
+                      <a:pPr algn="ctr" fontAlgn="ctr"/>
+                      <a:r>
+                        <a:rPr lang="en-US" altLang="ko-KR" sz="1200" b="0" i="0" u="none" strike="noStrike" dirty="0">
+                          <a:solidFill>
+                            <a:srgbClr val="000000"/>
+                          </a:solidFill>
+                          <a:effectLst/>
+                          <a:latin typeface="Times New Roman" panose="02020603050405020304" pitchFamily="18" charset="0"/>
+                          <a:cs typeface="Times New Roman" panose="02020603050405020304" pitchFamily="18" charset="0"/>
+                        </a:rPr>
+                        <a:t>0.1</a:t>
+                      </a:r>
+                    </a:p>
+                  </a:txBody>
+                  <a:tcPr marL="9525" marR="9525" marT="9525" marB="0" anchor="ctr">
+                    <a:lnL>
+                      <a:noFill/>
+                    </a:lnL>
+                    <a:lnR>
+                      <a:noFill/>
+                    </a:lnR>
+                    <a:lnT>
+                      <a:noFill/>
+                    </a:lnT>
+                    <a:lnB w="12700" cap="flat" cmpd="sng" algn="ctr">
+                      <a:solidFill>
+                        <a:schemeClr val="tx1"/>
+                      </a:solidFill>
+                      <a:prstDash val="solid"/>
+                      <a:round/>
+                      <a:headEnd type="none" w="med" len="med"/>
+                      <a:tailEnd type="none" w="med" len="med"/>
+                    </a:lnB>
+                  </a:tcPr>
+                </a:tc>
+                <a:tc>
+                  <a:txBody>
+                    <a:bodyPr/>
+                    <a:lstStyle/>
+                    <a:p>
+                      <a:pPr algn="ctr" fontAlgn="ctr"/>
+                      <a:r>
+                        <a:rPr lang="en-US" altLang="ko-KR" sz="1200" b="0" i="0" u="none" strike="noStrike">
+                          <a:solidFill>
+                            <a:srgbClr val="000000"/>
+                          </a:solidFill>
+                          <a:effectLst/>
+                          <a:latin typeface="Times New Roman" panose="02020603050405020304" pitchFamily="18" charset="0"/>
+                          <a:cs typeface="Times New Roman" panose="02020603050405020304" pitchFamily="18" charset="0"/>
+                        </a:rPr>
+                        <a:t>0.4713</a:t>
+                      </a:r>
+                    </a:p>
+                  </a:txBody>
+                  <a:tcPr marL="9525" marR="9525" marT="9525" marB="0" anchor="ctr">
+                    <a:lnL>
+                      <a:noFill/>
+                    </a:lnL>
+                    <a:lnR>
+                      <a:noFill/>
+                    </a:lnR>
+                    <a:lnT>
+                      <a:noFill/>
+                    </a:lnT>
+                    <a:lnB w="12700" cap="flat" cmpd="sng" algn="ctr">
+                      <a:solidFill>
+                        <a:schemeClr val="tx1"/>
+                      </a:solidFill>
+                      <a:prstDash val="solid"/>
+                      <a:round/>
+                      <a:headEnd type="none" w="med" len="med"/>
+                      <a:tailEnd type="none" w="med" len="med"/>
+                    </a:lnB>
+                  </a:tcPr>
+                </a:tc>
+                <a:tc>
+                  <a:txBody>
+                    <a:bodyPr/>
+                    <a:lstStyle/>
+                    <a:p>
+                      <a:pPr algn="ctr" fontAlgn="ctr"/>
+                      <a:r>
+                        <a:rPr lang="en-US" altLang="ko-KR" sz="1200" b="0" i="0" u="none" strike="noStrike">
+                          <a:solidFill>
+                            <a:srgbClr val="000000"/>
+                          </a:solidFill>
+                          <a:effectLst/>
+                          <a:latin typeface="Times New Roman" panose="02020603050405020304" pitchFamily="18" charset="0"/>
+                          <a:cs typeface="Times New Roman" panose="02020603050405020304" pitchFamily="18" charset="0"/>
+                        </a:rPr>
+                        <a:t>0.7980</a:t>
+                      </a:r>
+                    </a:p>
+                  </a:txBody>
+                  <a:tcPr marL="9525" marR="9525" marT="9525" marB="0" anchor="ctr">
+                    <a:lnL>
+                      <a:noFill/>
+                    </a:lnL>
+                    <a:lnR>
+                      <a:noFill/>
+                    </a:lnR>
+                    <a:lnT>
+                      <a:noFill/>
+                    </a:lnT>
+                    <a:lnB w="12700" cap="flat" cmpd="sng" algn="ctr">
+                      <a:solidFill>
+                        <a:schemeClr val="tx1"/>
+                      </a:solidFill>
+                      <a:prstDash val="solid"/>
+                      <a:round/>
+                      <a:headEnd type="none" w="med" len="med"/>
+                      <a:tailEnd type="none" w="med" len="med"/>
+                    </a:lnB>
+                  </a:tcPr>
+                </a:tc>
+              </a:tr>
+              <a:tr h="209550">
+                <a:tc rowSpan="3">
+                  <a:txBody>
+                    <a:bodyPr/>
+                    <a:lstStyle/>
+                    <a:p>
+                      <a:pPr algn="ctr" fontAlgn="ctr"/>
+                      <a:r>
+                        <a:rPr lang="en-US" altLang="ko-KR" sz="1200" b="0" i="0" u="none" strike="noStrike" dirty="0" smtClean="0">
+                          <a:solidFill>
+                            <a:srgbClr val="000000"/>
+                          </a:solidFill>
+                          <a:effectLst/>
+                          <a:latin typeface="Times New Roman" panose="02020603050405020304" pitchFamily="18" charset="0"/>
+                          <a:cs typeface="Times New Roman" panose="02020603050405020304" pitchFamily="18" charset="0"/>
+                        </a:rPr>
+                        <a:t>0.4</a:t>
+                      </a:r>
+                      <a:endParaRPr lang="en-US" altLang="ko-KR" sz="1200" b="0" i="0" u="none" strike="noStrike" dirty="0">
+                        <a:solidFill>
+                          <a:srgbClr val="000000"/>
+                        </a:solidFill>
+                        <a:effectLst/>
+                        <a:latin typeface="Times New Roman" panose="02020603050405020304" pitchFamily="18" charset="0"/>
+                        <a:cs typeface="Times New Roman" panose="02020603050405020304" pitchFamily="18" charset="0"/>
+                      </a:endParaRPr>
+                    </a:p>
+                  </a:txBody>
+                  <a:tcPr marL="9525" marR="9525" marT="9525" marB="0" anchor="ctr">
+                    <a:lnL>
+                      <a:noFill/>
+                    </a:lnL>
+                    <a:lnR>
+                      <a:noFill/>
+                    </a:lnR>
+                    <a:lnT w="12700" cap="flat" cmpd="sng" algn="ctr">
+                      <a:solidFill>
+                        <a:schemeClr val="tx1"/>
+                      </a:solidFill>
+                      <a:prstDash val="solid"/>
+                      <a:round/>
+                      <a:headEnd type="none" w="med" len="med"/>
+                      <a:tailEnd type="none" w="med" len="med"/>
+                    </a:lnT>
+                    <a:lnB w="28575" cap="flat" cmpd="sng" algn="ctr">
+                      <a:solidFill>
+                        <a:schemeClr val="tx1"/>
+                      </a:solidFill>
+                      <a:prstDash val="solid"/>
+                      <a:round/>
+                      <a:headEnd type="none" w="med" len="med"/>
+                      <a:tailEnd type="none" w="med" len="med"/>
+                    </a:lnB>
+                  </a:tcPr>
+                </a:tc>
+                <a:tc>
+                  <a:txBody>
+                    <a:bodyPr/>
+                    <a:lstStyle/>
+                    <a:p>
+                      <a:pPr algn="ctr" fontAlgn="ctr"/>
+                      <a:r>
+                        <a:rPr lang="en-US" altLang="ko-KR" sz="1200" b="0" i="0" u="none" strike="noStrike" dirty="0">
+                          <a:solidFill>
+                            <a:srgbClr val="000000"/>
+                          </a:solidFill>
+                          <a:effectLst/>
+                          <a:latin typeface="Times New Roman" panose="02020603050405020304" pitchFamily="18" charset="0"/>
+                          <a:cs typeface="Times New Roman" panose="02020603050405020304" pitchFamily="18" charset="0"/>
+                        </a:rPr>
+                        <a:t>0.01</a:t>
+                      </a:r>
+                    </a:p>
+                  </a:txBody>
+                  <a:tcPr marL="9525" marR="9525" marT="9525" marB="0" anchor="ctr">
+                    <a:lnL>
+                      <a:noFill/>
+                    </a:lnL>
+                    <a:lnR>
+                      <a:noFill/>
+                    </a:lnR>
+                    <a:lnT w="12700" cap="flat" cmpd="sng" algn="ctr">
+                      <a:solidFill>
+                        <a:schemeClr val="tx1"/>
+                      </a:solidFill>
+                      <a:prstDash val="solid"/>
+                      <a:round/>
+                      <a:headEnd type="none" w="med" len="med"/>
+                      <a:tailEnd type="none" w="med" len="med"/>
+                    </a:lnT>
+                    <a:lnB w="28575" cap="flat" cmpd="sng" algn="ctr">
+                      <a:noFill/>
+                      <a:prstDash val="solid"/>
+                      <a:round/>
+                      <a:headEnd type="none" w="med" len="med"/>
+                      <a:tailEnd type="none" w="med" len="med"/>
+                    </a:lnB>
+                  </a:tcPr>
+                </a:tc>
+                <a:tc>
+                  <a:txBody>
+                    <a:bodyPr/>
+                    <a:lstStyle/>
+                    <a:p>
+                      <a:pPr algn="ctr" fontAlgn="ctr"/>
+                      <a:r>
+                        <a:rPr lang="en-US" altLang="ko-KR" sz="1200" b="0" i="0" u="none" strike="noStrike">
+                          <a:solidFill>
+                            <a:srgbClr val="000000"/>
+                          </a:solidFill>
+                          <a:effectLst/>
+                          <a:latin typeface="Times New Roman" panose="02020603050405020304" pitchFamily="18" charset="0"/>
+                          <a:cs typeface="Times New Roman" panose="02020603050405020304" pitchFamily="18" charset="0"/>
+                        </a:rPr>
+                        <a:t>0.2740</a:t>
+                      </a:r>
+                    </a:p>
+                  </a:txBody>
+                  <a:tcPr marL="9525" marR="9525" marT="9525" marB="0" anchor="ctr">
+                    <a:lnL>
+                      <a:noFill/>
+                    </a:lnL>
+                    <a:lnR>
+                      <a:noFill/>
+                    </a:lnR>
+                    <a:lnT w="12700" cap="flat" cmpd="sng" algn="ctr">
+                      <a:solidFill>
+                        <a:schemeClr val="tx1"/>
+                      </a:solidFill>
+                      <a:prstDash val="solid"/>
+                      <a:round/>
+                      <a:headEnd type="none" w="med" len="med"/>
+                      <a:tailEnd type="none" w="med" len="med"/>
+                    </a:lnT>
+                    <a:lnB w="28575" cap="flat" cmpd="sng" algn="ctr">
+                      <a:noFill/>
+                      <a:prstDash val="solid"/>
+                      <a:round/>
+                      <a:headEnd type="none" w="med" len="med"/>
+                      <a:tailEnd type="none" w="med" len="med"/>
+                    </a:lnB>
+                  </a:tcPr>
+                </a:tc>
+                <a:tc>
+                  <a:txBody>
+                    <a:bodyPr/>
+                    <a:lstStyle/>
+                    <a:p>
+                      <a:pPr algn="ctr" fontAlgn="ctr"/>
+                      <a:r>
+                        <a:rPr lang="en-US" altLang="ko-KR" sz="1200" b="0" i="0" u="none" strike="noStrike">
+                          <a:solidFill>
+                            <a:srgbClr val="000000"/>
+                          </a:solidFill>
+                          <a:effectLst/>
+                          <a:latin typeface="Times New Roman" panose="02020603050405020304" pitchFamily="18" charset="0"/>
+                          <a:cs typeface="Times New Roman" panose="02020603050405020304" pitchFamily="18" charset="0"/>
+                        </a:rPr>
+                        <a:t>0.3540</a:t>
+                      </a:r>
+                    </a:p>
+                  </a:txBody>
+                  <a:tcPr marL="9525" marR="9525" marT="9525" marB="0" anchor="ctr">
+                    <a:lnL>
+                      <a:noFill/>
+                    </a:lnL>
+                    <a:lnR>
+                      <a:noFill/>
+                    </a:lnR>
+                    <a:lnT w="12700" cap="flat" cmpd="sng" algn="ctr">
+                      <a:solidFill>
+                        <a:schemeClr val="tx1"/>
+                      </a:solidFill>
+                      <a:prstDash val="solid"/>
+                      <a:round/>
+                      <a:headEnd type="none" w="med" len="med"/>
+                      <a:tailEnd type="none" w="med" len="med"/>
+                    </a:lnT>
+                    <a:lnB w="28575" cap="flat" cmpd="sng" algn="ctr">
+                      <a:noFill/>
+                      <a:prstDash val="solid"/>
+                      <a:round/>
+                      <a:headEnd type="none" w="med" len="med"/>
+                      <a:tailEnd type="none" w="med" len="med"/>
+                    </a:lnB>
+                  </a:tcPr>
+                </a:tc>
+              </a:tr>
+              <a:tr h="209550">
+                <a:tc vMerge="1">
+                  <a:txBody>
+                    <a:bodyPr/>
+                    <a:lstStyle/>
+                    <a:p>
+                      <a:pPr algn="ctr" fontAlgn="ctr"/>
+                      <a:endParaRPr lang="en-US" altLang="ko-KR" sz="1200" b="0" i="0" u="none" strike="noStrike" dirty="0">
+                        <a:solidFill>
+                          <a:srgbClr val="000000"/>
+                        </a:solidFill>
+                        <a:effectLst/>
+                        <a:latin typeface="Times New Roman" panose="02020603050405020304" pitchFamily="18" charset="0"/>
+                        <a:cs typeface="Times New Roman" panose="02020603050405020304" pitchFamily="18" charset="0"/>
+                      </a:endParaRPr>
+                    </a:p>
+                  </a:txBody>
+                  <a:tcPr marL="9525" marR="9525" marT="9525" marB="0" anchor="ctr">
+                    <a:lnL>
+                      <a:noFill/>
+                    </a:lnL>
+                    <a:lnR>
+                      <a:noFill/>
+                    </a:lnR>
+                    <a:lnT>
+                      <a:noFill/>
+                    </a:lnT>
+                    <a:lnB w="28575" cap="flat" cmpd="sng" algn="ctr">
+                      <a:noFill/>
+                      <a:prstDash val="solid"/>
+                      <a:round/>
+                      <a:headEnd type="none" w="med" len="med"/>
+                      <a:tailEnd type="none" w="med" len="med"/>
+                    </a:lnB>
+                  </a:tcPr>
+                </a:tc>
+                <a:tc>
+                  <a:txBody>
+                    <a:bodyPr/>
+                    <a:lstStyle/>
+                    <a:p>
+                      <a:pPr algn="ctr" fontAlgn="ctr"/>
+                      <a:r>
+                        <a:rPr lang="en-US" altLang="ko-KR" sz="1200" b="0" i="0" u="none" strike="noStrike" dirty="0">
+                          <a:solidFill>
+                            <a:srgbClr val="000000"/>
+                          </a:solidFill>
+                          <a:effectLst/>
+                          <a:latin typeface="Times New Roman" panose="02020603050405020304" pitchFamily="18" charset="0"/>
+                          <a:cs typeface="Times New Roman" panose="02020603050405020304" pitchFamily="18" charset="0"/>
+                        </a:rPr>
+                        <a:t>0.05</a:t>
+                      </a:r>
+                    </a:p>
+                  </a:txBody>
+                  <a:tcPr marL="9525" marR="9525" marT="9525" marB="0" anchor="ctr">
+                    <a:lnL>
+                      <a:noFill/>
+                    </a:lnL>
+                    <a:lnR>
+                      <a:noFill/>
+                    </a:lnR>
+                    <a:lnT>
+                      <a:noFill/>
+                    </a:lnT>
+                    <a:lnB w="28575" cap="flat" cmpd="sng" algn="ctr">
+                      <a:noFill/>
+                      <a:prstDash val="solid"/>
+                      <a:round/>
+                      <a:headEnd type="none" w="med" len="med"/>
+                      <a:tailEnd type="none" w="med" len="med"/>
+                    </a:lnB>
+                  </a:tcPr>
+                </a:tc>
+                <a:tc>
+                  <a:txBody>
+                    <a:bodyPr/>
+                    <a:lstStyle/>
+                    <a:p>
+                      <a:pPr algn="ctr" fontAlgn="ctr"/>
+                      <a:r>
+                        <a:rPr lang="en-US" altLang="ko-KR" sz="1200" b="0" i="0" u="none" strike="noStrike">
+                          <a:solidFill>
+                            <a:srgbClr val="000000"/>
+                          </a:solidFill>
+                          <a:effectLst/>
+                          <a:latin typeface="Times New Roman" panose="02020603050405020304" pitchFamily="18" charset="0"/>
+                          <a:cs typeface="Times New Roman" panose="02020603050405020304" pitchFamily="18" charset="0"/>
+                        </a:rPr>
+                        <a:t>0.5340</a:t>
+                      </a:r>
+                    </a:p>
+                  </a:txBody>
+                  <a:tcPr marL="9525" marR="9525" marT="9525" marB="0" anchor="ctr">
+                    <a:lnL>
+                      <a:noFill/>
+                    </a:lnL>
+                    <a:lnR>
+                      <a:noFill/>
+                    </a:lnR>
+                    <a:lnT>
+                      <a:noFill/>
+                    </a:lnT>
+                    <a:lnB w="28575" cap="flat" cmpd="sng" algn="ctr">
+                      <a:noFill/>
+                      <a:prstDash val="solid"/>
+                      <a:round/>
+                      <a:headEnd type="none" w="med" len="med"/>
+                      <a:tailEnd type="none" w="med" len="med"/>
+                    </a:lnB>
+                  </a:tcPr>
+                </a:tc>
+                <a:tc>
+                  <a:txBody>
+                    <a:bodyPr/>
+                    <a:lstStyle/>
+                    <a:p>
+                      <a:pPr algn="ctr" fontAlgn="ctr"/>
+                      <a:r>
+                        <a:rPr lang="en-US" altLang="ko-KR" sz="1200" b="0" i="0" u="none" strike="noStrike">
+                          <a:solidFill>
+                            <a:srgbClr val="000000"/>
+                          </a:solidFill>
+                          <a:effectLst/>
+                          <a:latin typeface="Times New Roman" panose="02020603050405020304" pitchFamily="18" charset="0"/>
+                          <a:cs typeface="Times New Roman" panose="02020603050405020304" pitchFamily="18" charset="0"/>
+                        </a:rPr>
+                        <a:t>0.6000</a:t>
+                      </a:r>
+                    </a:p>
+                  </a:txBody>
+                  <a:tcPr marL="9525" marR="9525" marT="9525" marB="0" anchor="ctr">
+                    <a:lnL>
+                      <a:noFill/>
+                    </a:lnL>
+                    <a:lnR>
+                      <a:noFill/>
+                    </a:lnR>
+                    <a:lnT>
+                      <a:noFill/>
+                    </a:lnT>
+                    <a:lnB w="28575" cap="flat" cmpd="sng" algn="ctr">
+                      <a:noFill/>
+                      <a:prstDash val="solid"/>
+                      <a:round/>
+                      <a:headEnd type="none" w="med" len="med"/>
+                      <a:tailEnd type="none" w="med" len="med"/>
+                    </a:lnB>
+                  </a:tcPr>
+                </a:tc>
+              </a:tr>
+              <a:tr h="209550">
+                <a:tc vMerge="1">
+                  <a:txBody>
+                    <a:bodyPr/>
+                    <a:lstStyle/>
+                    <a:p>
+                      <a:pPr algn="ctr" fontAlgn="ctr"/>
+                      <a:endParaRPr lang="en-US" altLang="ko-KR" sz="1200" b="0" i="0" u="none" strike="noStrike" dirty="0">
+                        <a:solidFill>
+                          <a:srgbClr val="000000"/>
+                        </a:solidFill>
+                        <a:effectLst/>
+                        <a:latin typeface="Times New Roman" panose="02020603050405020304" pitchFamily="18" charset="0"/>
+                        <a:cs typeface="Times New Roman" panose="02020603050405020304" pitchFamily="18" charset="0"/>
+                      </a:endParaRPr>
+                    </a:p>
+                  </a:txBody>
+                  <a:tcPr marL="9525" marR="9525" marT="9525" marB="0" anchor="ctr">
+                    <a:lnL>
+                      <a:noFill/>
+                    </a:lnL>
+                    <a:lnR>
+                      <a:noFill/>
+                    </a:lnR>
+                    <a:lnT>
+                      <a:noFill/>
+                    </a:lnT>
+                    <a:lnB w="28575" cap="flat" cmpd="sng" algn="ctr">
+                      <a:solidFill>
+                        <a:schemeClr val="tx1"/>
+                      </a:solidFill>
+                      <a:prstDash val="solid"/>
+                      <a:round/>
+                      <a:headEnd type="none" w="med" len="med"/>
+                      <a:tailEnd type="none" w="med" len="med"/>
+                    </a:lnB>
+                  </a:tcPr>
+                </a:tc>
+                <a:tc>
+                  <a:txBody>
+                    <a:bodyPr/>
+                    <a:lstStyle/>
+                    <a:p>
+                      <a:pPr algn="ctr" fontAlgn="ctr"/>
+                      <a:r>
+                        <a:rPr lang="en-US" altLang="ko-KR" sz="1200" b="0" i="0" u="none" strike="noStrike" dirty="0">
+                          <a:solidFill>
+                            <a:srgbClr val="000000"/>
+                          </a:solidFill>
+                          <a:effectLst/>
+                          <a:latin typeface="Times New Roman" panose="02020603050405020304" pitchFamily="18" charset="0"/>
+                          <a:cs typeface="Times New Roman" panose="02020603050405020304" pitchFamily="18" charset="0"/>
+                        </a:rPr>
+                        <a:t>0.1</a:t>
+                      </a:r>
+                    </a:p>
+                  </a:txBody>
+                  <a:tcPr marL="9525" marR="9525" marT="9525" marB="0" anchor="ctr">
+                    <a:lnL>
+                      <a:noFill/>
+                    </a:lnL>
+                    <a:lnR>
+                      <a:noFill/>
+                    </a:lnR>
+                    <a:lnT>
+                      <a:noFill/>
+                    </a:lnT>
+                    <a:lnB w="28575" cap="flat" cmpd="sng" algn="ctr">
+                      <a:solidFill>
+                        <a:schemeClr val="tx1"/>
+                      </a:solidFill>
+                      <a:prstDash val="solid"/>
+                      <a:round/>
+                      <a:headEnd type="none" w="med" len="med"/>
+                      <a:tailEnd type="none" w="med" len="med"/>
+                    </a:lnB>
+                  </a:tcPr>
+                </a:tc>
+                <a:tc>
+                  <a:txBody>
+                    <a:bodyPr/>
+                    <a:lstStyle/>
+                    <a:p>
+                      <a:pPr algn="ctr" fontAlgn="ctr"/>
+                      <a:r>
+                        <a:rPr lang="en-US" altLang="ko-KR" sz="1200" b="0" i="0" u="none" strike="noStrike">
+                          <a:solidFill>
+                            <a:srgbClr val="000000"/>
+                          </a:solidFill>
+                          <a:effectLst/>
+                          <a:latin typeface="Times New Roman" panose="02020603050405020304" pitchFamily="18" charset="0"/>
+                          <a:cs typeface="Times New Roman" panose="02020603050405020304" pitchFamily="18" charset="0"/>
+                        </a:rPr>
+                        <a:t>0.6640</a:t>
+                      </a:r>
+                    </a:p>
+                  </a:txBody>
+                  <a:tcPr marL="9525" marR="9525" marT="9525" marB="0" anchor="ctr">
+                    <a:lnL>
+                      <a:noFill/>
+                    </a:lnL>
+                    <a:lnR>
+                      <a:noFill/>
+                    </a:lnR>
+                    <a:lnT>
+                      <a:noFill/>
+                    </a:lnT>
+                    <a:lnB w="28575" cap="flat" cmpd="sng" algn="ctr">
+                      <a:solidFill>
+                        <a:schemeClr val="tx1"/>
+                      </a:solidFill>
+                      <a:prstDash val="solid"/>
+                      <a:round/>
+                      <a:headEnd type="none" w="med" len="med"/>
+                      <a:tailEnd type="none" w="med" len="med"/>
+                    </a:lnB>
+                  </a:tcPr>
+                </a:tc>
+                <a:tc>
+                  <a:txBody>
+                    <a:bodyPr/>
+                    <a:lstStyle/>
+                    <a:p>
+                      <a:pPr algn="ctr" fontAlgn="ctr"/>
+                      <a:r>
+                        <a:rPr lang="en-US" altLang="ko-KR" sz="1200" b="0" i="0" u="none" strike="noStrike" dirty="0">
+                          <a:solidFill>
+                            <a:srgbClr val="000000"/>
+                          </a:solidFill>
+                          <a:effectLst/>
+                          <a:latin typeface="Times New Roman" panose="02020603050405020304" pitchFamily="18" charset="0"/>
+                          <a:cs typeface="Times New Roman" panose="02020603050405020304" pitchFamily="18" charset="0"/>
+                        </a:rPr>
+                        <a:t>0.7180</a:t>
+                      </a:r>
+                    </a:p>
+                  </a:txBody>
+                  <a:tcPr marL="9525" marR="9525" marT="9525" marB="0" anchor="ctr">
+                    <a:lnL>
+                      <a:noFill/>
+                    </a:lnL>
+                    <a:lnR>
+                      <a:noFill/>
+                    </a:lnR>
+                    <a:lnT>
+                      <a:noFill/>
+                    </a:lnT>
+                    <a:lnB w="28575" cap="flat" cmpd="sng" algn="ctr">
+                      <a:solidFill>
+                        <a:schemeClr val="tx1"/>
+                      </a:solidFill>
+                      <a:prstDash val="solid"/>
+                      <a:round/>
+                      <a:headEnd type="none" w="med" len="med"/>
+                      <a:tailEnd type="none" w="med" len="med"/>
+                    </a:lnB>
+                  </a:tcPr>
+                </a:tc>
+              </a:tr>
+            </a:tbl>
+          </a:graphicData>
+        </a:graphic>
+      </p:graphicFrame>
+      <p:sp>
+        <p:nvSpPr>
+          <p:cNvPr id="3" name="TextBox 2"/>
+          <p:cNvSpPr txBox="1"/>
+          <p:nvPr/>
+        </p:nvSpPr>
+        <p:spPr>
+          <a:xfrm>
+            <a:off x="899592" y="836712"/>
+            <a:ext cx="910827" cy="369332"/>
+          </a:xfrm>
+          <a:prstGeom prst="rect">
+            <a:avLst/>
+          </a:prstGeom>
+          <a:noFill/>
+        </p:spPr>
+        <p:txBody>
+          <a:bodyPr wrap="none" rtlCol="0">
+            <a:spAutoFit/>
+          </a:bodyPr>
+          <a:lstStyle/>
+          <a:p>
+            <a:r>
+              <a:rPr lang="en-US" altLang="ko-KR" dirty="0" smtClean="0"/>
+              <a:t>table </a:t>
+            </a:r>
+            <a:r>
+              <a:rPr lang="en-US" altLang="ko-KR" dirty="0" smtClean="0"/>
+              <a:t>6</a:t>
+            </a:r>
+            <a:endParaRPr lang="ko-KR" altLang="en-US" dirty="0"/>
+          </a:p>
+        </p:txBody>
+      </p:sp>
+    </p:spTree>
+    <p:extLst>
+      <p:ext uri="{BB962C8B-B14F-4D97-AF65-F5344CB8AC3E}">
+        <p14:creationId xmlns:p14="http://schemas.microsoft.com/office/powerpoint/2010/main" val="526708983"/>
+      </p:ext>
+    </p:extLst>
+  </p:cSld>
+  <p:clrMapOvr>
+    <a:masterClrMapping/>
+  </p:clrMapOvr>
+</p:sld>
+</file>
+
+<file path=ppt/slides/slide8.xml><?xml version="1.0" encoding="utf-8"?>
+<p:sld xmlns:a="http://schemas.openxmlformats.org/drawingml/2006/main" xmlns:r="http://schemas.openxmlformats.org/officeDocument/2006/relationships" xmlns:p="http://schemas.openxmlformats.org/presentationml/2006/main">
+  <p:cSld>
+    <p:spTree>
+      <p:nvGrpSpPr>
+        <p:cNvPr id="1" name=""/>
+        <p:cNvGrpSpPr/>
+        <p:nvPr/>
+      </p:nvGrpSpPr>
+      <p:grpSpPr>
+        <a:xfrm>
+          <a:off x="0" y="0"/>
+          <a:ext cx="0" cy="0"/>
+          <a:chOff x="0" y="0"/>
+          <a:chExt cx="0" cy="0"/>
+        </a:xfrm>
+      </p:grpSpPr>
+      <p:sp>
+        <p:nvSpPr>
+          <p:cNvPr id="3" name="TextBox 2"/>
+          <p:cNvSpPr txBox="1"/>
+          <p:nvPr/>
+        </p:nvSpPr>
+        <p:spPr>
+          <a:xfrm>
+            <a:off x="899592" y="836712"/>
+            <a:ext cx="910827" cy="369332"/>
+          </a:xfrm>
+          <a:prstGeom prst="rect">
+            <a:avLst/>
+          </a:prstGeom>
+          <a:noFill/>
+        </p:spPr>
+        <p:txBody>
+          <a:bodyPr wrap="none" rtlCol="0">
+            <a:spAutoFit/>
+          </a:bodyPr>
+          <a:lstStyle/>
+          <a:p>
+            <a:r>
+              <a:rPr lang="en-US" altLang="ko-KR" dirty="0" smtClean="0"/>
+              <a:t>table </a:t>
+            </a:r>
+            <a:r>
+              <a:rPr lang="en-US" altLang="ko-KR" dirty="0" smtClean="0"/>
+              <a:t>7</a:t>
+            </a:r>
+            <a:endParaRPr lang="ko-KR" altLang="en-US" dirty="0"/>
+          </a:p>
+        </p:txBody>
+      </p:sp>
+      <p:graphicFrame>
+        <p:nvGraphicFramePr>
+          <p:cNvPr id="5" name="표 4"/>
+          <p:cNvGraphicFramePr>
+            <a:graphicFrameLocks noGrp="1"/>
+          </p:cNvGraphicFramePr>
+          <p:nvPr>
+            <p:extLst>
+              <p:ext uri="{D42A27DB-BD31-4B8C-83A1-F6EECF244321}">
+                <p14:modId xmlns:p14="http://schemas.microsoft.com/office/powerpoint/2010/main" val="3245683059"/>
+              </p:ext>
+            </p:extLst>
+          </p:nvPr>
+        </p:nvGraphicFramePr>
+        <p:xfrm>
+          <a:off x="2267744" y="836712"/>
+          <a:ext cx="3252000" cy="3566160"/>
+        </p:xfrm>
+        <a:graphic>
+          <a:graphicData uri="http://schemas.openxmlformats.org/drawingml/2006/table">
+            <a:tbl>
+              <a:tblPr firstRow="1" bandRow="1">
+                <a:tableStyleId>{5940675A-B579-460E-94D1-54222C63F5DA}</a:tableStyleId>
+              </a:tblPr>
+              <a:tblGrid>
+                <a:gridCol w="1728000"/>
+                <a:gridCol w="1524000"/>
+              </a:tblGrid>
+              <a:tr h="0">
+                <a:tc>
+                  <a:txBody>
+                    <a:bodyPr/>
+                    <a:lstStyle/>
+                    <a:p>
+                      <a:pPr latinLnBrk="1"/>
+                      <a:endParaRPr lang="ko-KR" altLang="en-US" sz="1200" dirty="0">
+                        <a:latin typeface="Times New Roman" panose="02020603050405020304" pitchFamily="18" charset="0"/>
+                        <a:cs typeface="Times New Roman" panose="02020603050405020304" pitchFamily="18" charset="0"/>
+                      </a:endParaRPr>
+                    </a:p>
+                  </a:txBody>
+                  <a:tcPr anchor="ctr">
+                    <a:lnL w="12700" cmpd="sng">
+                      <a:noFill/>
+                    </a:lnL>
+                    <a:lnR w="12700" cmpd="sng">
+                      <a:noFill/>
+                    </a:lnR>
+                    <a:lnT w="28575" cap="flat" cmpd="sng" algn="ctr">
+                      <a:solidFill>
+                        <a:schemeClr val="tx1"/>
+                      </a:solidFill>
+                      <a:prstDash val="solid"/>
+                      <a:round/>
+                      <a:headEnd type="none" w="med" len="med"/>
+                      <a:tailEnd type="none" w="med" len="med"/>
+                    </a:lnT>
+                    <a:lnB w="12700" cap="flat" cmpd="sng" algn="ctr">
+                      <a:solidFill>
+                        <a:schemeClr val="tx1"/>
+                      </a:solidFill>
+                      <a:prstDash val="solid"/>
+                      <a:round/>
+                      <a:headEnd type="none" w="med" len="med"/>
+                      <a:tailEnd type="none" w="med" len="med"/>
+                    </a:lnB>
+                    <a:lnTlToBr w="12700" cmpd="sng">
+                      <a:noFill/>
+                      <a:prstDash val="solid"/>
+                    </a:lnTlToBr>
+                    <a:lnBlToTr w="12700" cmpd="sng">
+                      <a:noFill/>
+                      <a:prstDash val="solid"/>
+                    </a:lnBlToTr>
+                  </a:tcPr>
+                </a:tc>
+                <a:tc>
+                  <a:txBody>
+                    <a:bodyPr/>
+                    <a:lstStyle/>
+                    <a:p>
+                      <a:pPr algn="r" latinLnBrk="1"/>
+                      <a:r>
+                        <a:rPr lang="en-US" altLang="ko-KR" sz="1200" dirty="0" smtClean="0">
+                          <a:latin typeface="Times New Roman" panose="02020603050405020304" pitchFamily="18" charset="0"/>
+                          <a:cs typeface="Times New Roman" panose="02020603050405020304" pitchFamily="18" charset="0"/>
+                        </a:rPr>
+                        <a:t>N (%) or</a:t>
+                      </a:r>
+                      <a:r>
+                        <a:rPr lang="en-US" altLang="ko-KR" sz="1200" baseline="0" dirty="0" smtClean="0">
+                          <a:latin typeface="Times New Roman" panose="02020603050405020304" pitchFamily="18" charset="0"/>
+                          <a:cs typeface="Times New Roman" panose="02020603050405020304" pitchFamily="18" charset="0"/>
+                        </a:rPr>
+                        <a:t> Mean (SD)</a:t>
+                      </a:r>
+                      <a:endParaRPr lang="ko-KR" altLang="en-US" sz="1200" dirty="0">
+                        <a:latin typeface="Times New Roman" panose="02020603050405020304" pitchFamily="18" charset="0"/>
+                        <a:cs typeface="Times New Roman" panose="02020603050405020304" pitchFamily="18" charset="0"/>
+                      </a:endParaRPr>
+                    </a:p>
+                  </a:txBody>
+                  <a:tcPr anchor="ctr">
+                    <a:lnL w="12700" cmpd="sng">
+                      <a:noFill/>
+                    </a:lnL>
+                    <a:lnR w="12700" cmpd="sng">
+                      <a:noFill/>
+                    </a:lnR>
+                    <a:lnT w="28575" cap="flat" cmpd="sng" algn="ctr">
+                      <a:solidFill>
+                        <a:schemeClr val="tx1"/>
+                      </a:solidFill>
+                      <a:prstDash val="solid"/>
+                      <a:round/>
+                      <a:headEnd type="none" w="med" len="med"/>
+                      <a:tailEnd type="none" w="med" len="med"/>
+                    </a:lnT>
+                    <a:lnB w="12700" cap="flat" cmpd="sng" algn="ctr">
+                      <a:solidFill>
+                        <a:schemeClr val="tx1"/>
+                      </a:solidFill>
+                      <a:prstDash val="solid"/>
+                      <a:round/>
+                      <a:headEnd type="none" w="med" len="med"/>
+                      <a:tailEnd type="none" w="med" len="med"/>
+                    </a:lnB>
+                    <a:lnTlToBr w="12700" cmpd="sng">
+                      <a:noFill/>
+                      <a:prstDash val="solid"/>
+                    </a:lnTlToBr>
+                    <a:lnBlToTr w="12700" cmpd="sng">
+                      <a:noFill/>
+                      <a:prstDash val="solid"/>
+                    </a:lnBlToTr>
+                  </a:tcPr>
+                </a:tc>
+              </a:tr>
+              <a:tr h="0">
+                <a:tc>
+                  <a:txBody>
+                    <a:bodyPr/>
+                    <a:lstStyle/>
+                    <a:p>
+                      <a:pPr latinLnBrk="1"/>
+                      <a:r>
+                        <a:rPr lang="en-US" altLang="ko-KR" sz="1200" b="1" i="1" dirty="0" smtClean="0">
+                          <a:latin typeface="Times New Roman" panose="02020603050405020304" pitchFamily="18" charset="0"/>
+                          <a:cs typeface="Times New Roman" panose="02020603050405020304" pitchFamily="18" charset="0"/>
+                        </a:rPr>
+                        <a:t>Disease status</a:t>
+                      </a:r>
+                      <a:endParaRPr lang="ko-KR" altLang="en-US" sz="1200" b="1" i="1" dirty="0">
+                        <a:latin typeface="Times New Roman" panose="02020603050405020304" pitchFamily="18" charset="0"/>
+                        <a:cs typeface="Times New Roman" panose="02020603050405020304" pitchFamily="18" charset="0"/>
+                      </a:endParaRPr>
+                    </a:p>
+                  </a:txBody>
+                  <a:tcPr anchor="ctr">
+                    <a:lnL w="12700" cmpd="sng">
+                      <a:noFill/>
+                    </a:lnL>
+                    <a:lnR w="12700" cmpd="sng">
+                      <a:noFill/>
+                    </a:lnR>
+                    <a:lnT w="12700" cap="flat" cmpd="sng" algn="ctr">
+                      <a:solidFill>
+                        <a:schemeClr val="tx1"/>
+                      </a:solidFill>
+                      <a:prstDash val="solid"/>
+                      <a:round/>
+                      <a:headEnd type="none" w="med" len="med"/>
+                      <a:tailEnd type="none" w="med" len="med"/>
+                    </a:lnT>
+                    <a:lnB w="12700" cmpd="sng">
+                      <a:noFill/>
+                    </a:lnB>
+                    <a:lnTlToBr w="12700" cmpd="sng">
+                      <a:noFill/>
+                      <a:prstDash val="solid"/>
+                    </a:lnTlToBr>
+                    <a:lnBlToTr w="12700" cmpd="sng">
+                      <a:noFill/>
+                      <a:prstDash val="solid"/>
+                    </a:lnBlToTr>
+                  </a:tcPr>
+                </a:tc>
+                <a:tc>
+                  <a:txBody>
+                    <a:bodyPr/>
+                    <a:lstStyle/>
+                    <a:p>
+                      <a:pPr algn="r" latinLnBrk="1"/>
+                      <a:endParaRPr lang="ko-KR" altLang="en-US" sz="1200" dirty="0">
+                        <a:latin typeface="Times New Roman" panose="02020603050405020304" pitchFamily="18" charset="0"/>
+                        <a:cs typeface="Times New Roman" panose="02020603050405020304" pitchFamily="18" charset="0"/>
+                      </a:endParaRPr>
+                    </a:p>
+                  </a:txBody>
+                  <a:tcPr anchor="ctr">
+                    <a:lnL w="12700" cmpd="sng">
+                      <a:noFill/>
+                    </a:lnL>
+                    <a:lnR w="12700" cmpd="sng">
+                      <a:noFill/>
+                    </a:lnR>
+                    <a:lnT w="12700" cap="flat" cmpd="sng" algn="ctr">
+                      <a:solidFill>
+                        <a:schemeClr val="tx1"/>
+                      </a:solidFill>
+                      <a:prstDash val="solid"/>
+                      <a:round/>
+                      <a:headEnd type="none" w="med" len="med"/>
+                      <a:tailEnd type="none" w="med" len="med"/>
+                    </a:lnT>
+                    <a:lnB w="12700" cmpd="sng">
+                      <a:noFill/>
+                    </a:lnB>
+                    <a:lnTlToBr w="12700" cmpd="sng">
+                      <a:noFill/>
+                      <a:prstDash val="solid"/>
+                    </a:lnTlToBr>
+                    <a:lnBlToTr w="12700" cmpd="sng">
+                      <a:noFill/>
+                      <a:prstDash val="solid"/>
+                    </a:lnBlToTr>
+                  </a:tcPr>
+                </a:tc>
+              </a:tr>
+              <a:tr h="0">
+                <a:tc>
+                  <a:txBody>
+                    <a:bodyPr/>
+                    <a:lstStyle/>
+                    <a:p>
+                      <a:pPr latinLnBrk="1"/>
+                      <a:r>
+                        <a:rPr lang="en-US" altLang="ko-KR" sz="1200" dirty="0" smtClean="0">
+                          <a:latin typeface="Times New Roman" panose="02020603050405020304" pitchFamily="18" charset="0"/>
+                          <a:cs typeface="Times New Roman" panose="02020603050405020304" pitchFamily="18" charset="0"/>
+                        </a:rPr>
+                        <a:t>      T2D</a:t>
+                      </a:r>
+                      <a:endParaRPr lang="ko-KR" altLang="en-US" sz="1200" dirty="0">
+                        <a:latin typeface="Times New Roman" panose="02020603050405020304" pitchFamily="18" charset="0"/>
+                        <a:cs typeface="Times New Roman" panose="02020603050405020304" pitchFamily="18" charset="0"/>
+                      </a:endParaRPr>
+                    </a:p>
+                  </a:txBody>
+                  <a:tcPr anchor="ctr">
+                    <a:lnL w="12700" cmpd="sng">
+                      <a:noFill/>
+                    </a:lnL>
+                    <a:lnR w="12700" cmpd="sng">
+                      <a:noFill/>
+                    </a:lnR>
+                    <a:lnT w="12700" cmpd="sng">
+                      <a:noFill/>
+                    </a:lnT>
+                    <a:lnB w="12700" cmpd="sng">
+                      <a:noFill/>
+                    </a:lnB>
+                    <a:lnTlToBr w="12700" cmpd="sng">
+                      <a:noFill/>
+                      <a:prstDash val="solid"/>
+                    </a:lnTlToBr>
+                    <a:lnBlToTr w="12700" cmpd="sng">
+                      <a:noFill/>
+                      <a:prstDash val="solid"/>
+                    </a:lnBlToTr>
+                  </a:tcPr>
+                </a:tc>
+                <a:tc>
+                  <a:txBody>
+                    <a:bodyPr/>
+                    <a:lstStyle/>
+                    <a:p>
+                      <a:pPr marL="0" marR="0" indent="0" algn="r" defTabSz="914400" rtl="0" eaLnBrk="1" fontAlgn="auto" latinLnBrk="1" hangingPunct="1">
+                        <a:lnSpc>
+                          <a:spcPct val="100000"/>
+                        </a:lnSpc>
+                        <a:spcBef>
+                          <a:spcPts val="0"/>
+                        </a:spcBef>
+                        <a:spcAft>
+                          <a:spcPts val="0"/>
+                        </a:spcAft>
+                        <a:buClrTx/>
+                        <a:buSzTx/>
+                        <a:buFontTx/>
+                        <a:buNone/>
+                        <a:tabLst/>
+                        <a:defRPr/>
+                      </a:pPr>
+                      <a:r>
+                        <a:rPr lang="en-US" altLang="ko-KR" sz="1200" dirty="0" smtClean="0">
+                          <a:latin typeface="Times New Roman" panose="02020603050405020304" pitchFamily="18" charset="0"/>
+                          <a:cs typeface="Times New Roman" panose="02020603050405020304" pitchFamily="18" charset="0"/>
+                        </a:rPr>
+                        <a:t>1,763 (36.75%)</a:t>
+                      </a:r>
+                      <a:endParaRPr lang="ko-KR" altLang="en-US" sz="1200" dirty="0" smtClean="0">
+                        <a:latin typeface="Times New Roman" panose="02020603050405020304" pitchFamily="18" charset="0"/>
+                        <a:cs typeface="Times New Roman" panose="02020603050405020304" pitchFamily="18" charset="0"/>
+                      </a:endParaRPr>
+                    </a:p>
+                  </a:txBody>
+                  <a:tcPr anchor="ctr">
+                    <a:lnL w="12700" cmpd="sng">
+                      <a:noFill/>
+                    </a:lnL>
+                    <a:lnR w="12700" cmpd="sng">
+                      <a:noFill/>
+                    </a:lnR>
+                    <a:lnT w="12700" cmpd="sng">
+                      <a:noFill/>
+                    </a:lnT>
+                    <a:lnB w="12700" cmpd="sng">
+                      <a:noFill/>
+                    </a:lnB>
+                    <a:lnTlToBr w="12700" cmpd="sng">
+                      <a:noFill/>
+                      <a:prstDash val="solid"/>
+                    </a:lnTlToBr>
+                    <a:lnBlToTr w="12700" cmpd="sng">
+                      <a:noFill/>
+                      <a:prstDash val="solid"/>
+                    </a:lnBlToTr>
+                  </a:tcPr>
+                </a:tc>
+              </a:tr>
+              <a:tr h="0">
+                <a:tc>
+                  <a:txBody>
+                    <a:bodyPr/>
+                    <a:lstStyle/>
+                    <a:p>
+                      <a:pPr latinLnBrk="1"/>
+                      <a:r>
+                        <a:rPr lang="en-US" altLang="ko-KR" sz="1200" dirty="0" smtClean="0">
+                          <a:latin typeface="Times New Roman" panose="02020603050405020304" pitchFamily="18" charset="0"/>
+                          <a:cs typeface="Times New Roman" panose="02020603050405020304" pitchFamily="18" charset="0"/>
+                        </a:rPr>
+                        <a:t>      Normal</a:t>
+                      </a:r>
+                      <a:endParaRPr lang="ko-KR" altLang="en-US" sz="1200" dirty="0">
+                        <a:latin typeface="Times New Roman" panose="02020603050405020304" pitchFamily="18" charset="0"/>
+                        <a:cs typeface="Times New Roman" panose="02020603050405020304" pitchFamily="18" charset="0"/>
+                      </a:endParaRPr>
+                    </a:p>
+                  </a:txBody>
+                  <a:tcPr anchor="ctr">
+                    <a:lnL w="12700" cmpd="sng">
+                      <a:noFill/>
+                    </a:lnL>
+                    <a:lnR w="12700" cmpd="sng">
+                      <a:noFill/>
+                    </a:lnR>
+                    <a:lnT w="12700" cmpd="sng">
+                      <a:noFill/>
+                    </a:lnT>
+                    <a:lnB w="12700" cmpd="sng">
+                      <a:noFill/>
+                    </a:lnB>
+                    <a:lnTlToBr w="12700" cmpd="sng">
+                      <a:noFill/>
+                      <a:prstDash val="solid"/>
+                    </a:lnTlToBr>
+                    <a:lnBlToTr w="12700" cmpd="sng">
+                      <a:noFill/>
+                      <a:prstDash val="solid"/>
+                    </a:lnBlToTr>
+                  </a:tcPr>
+                </a:tc>
+                <a:tc>
+                  <a:txBody>
+                    <a:bodyPr/>
+                    <a:lstStyle/>
+                    <a:p>
+                      <a:pPr marL="0" marR="0" indent="0" algn="r" defTabSz="914400" rtl="0" eaLnBrk="1" fontAlgn="auto" latinLnBrk="1" hangingPunct="1">
+                        <a:lnSpc>
+                          <a:spcPct val="100000"/>
+                        </a:lnSpc>
+                        <a:spcBef>
+                          <a:spcPts val="0"/>
+                        </a:spcBef>
+                        <a:spcAft>
+                          <a:spcPts val="0"/>
+                        </a:spcAft>
+                        <a:buClrTx/>
+                        <a:buSzTx/>
+                        <a:buFontTx/>
+                        <a:buNone/>
+                        <a:tabLst/>
+                        <a:defRPr/>
+                      </a:pPr>
+                      <a:r>
+                        <a:rPr lang="en-US" altLang="ko-KR" sz="1200" dirty="0" smtClean="0">
+                          <a:latin typeface="Times New Roman" panose="02020603050405020304" pitchFamily="18" charset="0"/>
+                          <a:cs typeface="Times New Roman" panose="02020603050405020304" pitchFamily="18" charset="0"/>
+                        </a:rPr>
+                        <a:t>3,034 (</a:t>
+                      </a:r>
+                      <a:r>
+                        <a:rPr lang="en-US" altLang="ko-KR" sz="1200" smtClean="0">
+                          <a:latin typeface="Times New Roman" panose="02020603050405020304" pitchFamily="18" charset="0"/>
+                          <a:cs typeface="Times New Roman" panose="02020603050405020304" pitchFamily="18" charset="0"/>
+                        </a:rPr>
+                        <a:t>63.25%)</a:t>
+                      </a:r>
+                      <a:endParaRPr lang="ko-KR" altLang="en-US" sz="1200" smtClean="0">
+                        <a:latin typeface="Times New Roman" panose="02020603050405020304" pitchFamily="18" charset="0"/>
+                        <a:cs typeface="Times New Roman" panose="02020603050405020304" pitchFamily="18" charset="0"/>
+                      </a:endParaRPr>
+                    </a:p>
+                  </a:txBody>
+                  <a:tcPr anchor="ctr">
+                    <a:lnL w="12700" cmpd="sng">
+                      <a:noFill/>
+                    </a:lnL>
+                    <a:lnR w="12700" cmpd="sng">
+                      <a:noFill/>
+                    </a:lnR>
+                    <a:lnT w="12700" cmpd="sng">
+                      <a:noFill/>
+                    </a:lnT>
+                    <a:lnB w="12700" cmpd="sng">
+                      <a:noFill/>
+                    </a:lnB>
+                    <a:lnTlToBr w="12700" cmpd="sng">
+                      <a:noFill/>
+                      <a:prstDash val="solid"/>
+                    </a:lnTlToBr>
+                    <a:lnBlToTr w="12700" cmpd="sng">
+                      <a:noFill/>
+                      <a:prstDash val="solid"/>
+                    </a:lnBlToTr>
+                  </a:tcPr>
+                </a:tc>
+              </a:tr>
+              <a:tr h="0">
+                <a:tc>
+                  <a:txBody>
+                    <a:bodyPr/>
+                    <a:lstStyle/>
+                    <a:p>
+                      <a:pPr latinLnBrk="1"/>
+                      <a:r>
+                        <a:rPr lang="en-US" altLang="ko-KR" sz="1200" b="1" i="1" dirty="0" smtClean="0">
+                          <a:latin typeface="Times New Roman" panose="02020603050405020304" pitchFamily="18" charset="0"/>
+                          <a:cs typeface="Times New Roman" panose="02020603050405020304" pitchFamily="18" charset="0"/>
+                        </a:rPr>
+                        <a:t>Sex</a:t>
+                      </a:r>
+                      <a:endParaRPr lang="ko-KR" altLang="en-US" sz="1200" b="1" i="1" dirty="0">
+                        <a:latin typeface="Times New Roman" panose="02020603050405020304" pitchFamily="18" charset="0"/>
+                        <a:cs typeface="Times New Roman" panose="02020603050405020304" pitchFamily="18" charset="0"/>
+                      </a:endParaRPr>
+                    </a:p>
+                  </a:txBody>
+                  <a:tcPr anchor="ctr">
+                    <a:lnL w="12700" cmpd="sng">
+                      <a:noFill/>
+                    </a:lnL>
+                    <a:lnR w="12700" cmpd="sng">
+                      <a:noFill/>
+                    </a:lnR>
+                    <a:lnT w="12700" cmpd="sng">
+                      <a:noFill/>
+                    </a:lnT>
+                    <a:lnB w="12700" cmpd="sng">
+                      <a:noFill/>
+                    </a:lnB>
+                    <a:lnTlToBr w="12700" cmpd="sng">
+                      <a:noFill/>
+                      <a:prstDash val="solid"/>
+                    </a:lnTlToBr>
+                    <a:lnBlToTr w="12700" cmpd="sng">
+                      <a:noFill/>
+                      <a:prstDash val="solid"/>
+                    </a:lnBlToTr>
+                  </a:tcPr>
+                </a:tc>
+                <a:tc>
+                  <a:txBody>
+                    <a:bodyPr/>
+                    <a:lstStyle/>
+                    <a:p>
+                      <a:pPr algn="r"/>
+                      <a:endParaRPr lang="ko-KR" altLang="en-US" dirty="0"/>
+                    </a:p>
+                  </a:txBody>
+                  <a:tcPr anchor="ctr">
+                    <a:lnL w="12700" cmpd="sng">
+                      <a:noFill/>
+                    </a:lnL>
+                    <a:lnR w="12700" cmpd="sng">
+                      <a:noFill/>
+                    </a:lnR>
+                    <a:lnT w="12700" cmpd="sng">
+                      <a:noFill/>
+                    </a:lnT>
+                    <a:lnB w="12700" cmpd="sng">
+                      <a:noFill/>
+                    </a:lnB>
+                    <a:lnTlToBr w="12700" cmpd="sng">
+                      <a:noFill/>
+                      <a:prstDash val="solid"/>
+                    </a:lnTlToBr>
+                    <a:lnBlToTr w="12700" cmpd="sng">
+                      <a:noFill/>
+                      <a:prstDash val="solid"/>
+                    </a:lnBlToTr>
+                  </a:tcPr>
+                </a:tc>
+              </a:tr>
+              <a:tr h="0">
+                <a:tc>
+                  <a:txBody>
+                    <a:bodyPr/>
+                    <a:lstStyle/>
+                    <a:p>
+                      <a:pPr latinLnBrk="1"/>
+                      <a:r>
+                        <a:rPr lang="en-US" altLang="ko-KR" sz="1200" dirty="0" smtClean="0">
+                          <a:latin typeface="Times New Roman" panose="02020603050405020304" pitchFamily="18" charset="0"/>
+                          <a:cs typeface="Times New Roman" panose="02020603050405020304" pitchFamily="18" charset="0"/>
+                        </a:rPr>
+                        <a:t>      Male</a:t>
+                      </a:r>
+                      <a:endParaRPr lang="ko-KR" altLang="en-US" sz="1200" dirty="0">
+                        <a:latin typeface="Times New Roman" panose="02020603050405020304" pitchFamily="18" charset="0"/>
+                        <a:cs typeface="Times New Roman" panose="02020603050405020304" pitchFamily="18" charset="0"/>
+                      </a:endParaRPr>
+                    </a:p>
+                  </a:txBody>
+                  <a:tcPr anchor="ctr">
+                    <a:lnL w="12700" cmpd="sng">
+                      <a:noFill/>
+                    </a:lnL>
+                    <a:lnR w="12700" cmpd="sng">
+                      <a:noFill/>
+                    </a:lnR>
+                    <a:lnT w="12700" cmpd="sng">
+                      <a:noFill/>
+                    </a:lnT>
+                    <a:lnB w="12700" cmpd="sng">
+                      <a:noFill/>
+                    </a:lnB>
+                    <a:lnTlToBr w="12700" cmpd="sng">
+                      <a:noFill/>
+                      <a:prstDash val="solid"/>
+                    </a:lnTlToBr>
+                    <a:lnBlToTr w="12700" cmpd="sng">
+                      <a:noFill/>
+                      <a:prstDash val="solid"/>
+                    </a:lnBlToTr>
+                  </a:tcPr>
+                </a:tc>
+                <a:tc>
+                  <a:txBody>
+                    <a:bodyPr/>
+                    <a:lstStyle/>
+                    <a:p>
+                      <a:pPr marL="0" marR="0" indent="0" algn="r" defTabSz="914400" rtl="0" eaLnBrk="1" fontAlgn="auto" latinLnBrk="1" hangingPunct="1">
+                        <a:lnSpc>
+                          <a:spcPct val="100000"/>
+                        </a:lnSpc>
+                        <a:spcBef>
+                          <a:spcPts val="0"/>
+                        </a:spcBef>
+                        <a:spcAft>
+                          <a:spcPts val="0"/>
+                        </a:spcAft>
+                        <a:buClrTx/>
+                        <a:buSzTx/>
+                        <a:buFontTx/>
+                        <a:buNone/>
+                        <a:tabLst/>
+                        <a:defRPr/>
+                      </a:pPr>
+                      <a:r>
+                        <a:rPr lang="en-US" altLang="ko-KR" sz="1200" dirty="0" smtClean="0">
+                          <a:latin typeface="Times New Roman" panose="02020603050405020304" pitchFamily="18" charset="0"/>
+                          <a:cs typeface="Times New Roman" panose="02020603050405020304" pitchFamily="18" charset="0"/>
+                        </a:rPr>
+                        <a:t>2,366 (49.32%)</a:t>
+                      </a:r>
+                      <a:endParaRPr lang="ko-KR" altLang="en-US" sz="1200" dirty="0" smtClean="0">
+                        <a:latin typeface="Times New Roman" panose="02020603050405020304" pitchFamily="18" charset="0"/>
+                        <a:cs typeface="Times New Roman" panose="02020603050405020304" pitchFamily="18" charset="0"/>
+                      </a:endParaRPr>
+                    </a:p>
+                  </a:txBody>
+                  <a:tcPr anchor="ctr">
+                    <a:lnL w="12700" cmpd="sng">
+                      <a:noFill/>
+                    </a:lnL>
+                    <a:lnR w="12700" cmpd="sng">
+                      <a:noFill/>
+                    </a:lnR>
+                    <a:lnT w="12700" cmpd="sng">
+                      <a:noFill/>
+                    </a:lnT>
+                    <a:lnB w="12700" cmpd="sng">
+                      <a:noFill/>
+                    </a:lnB>
+                    <a:lnTlToBr w="12700" cmpd="sng">
+                      <a:noFill/>
+                      <a:prstDash val="solid"/>
+                    </a:lnTlToBr>
+                    <a:lnBlToTr w="12700" cmpd="sng">
+                      <a:noFill/>
+                      <a:prstDash val="solid"/>
+                    </a:lnBlToTr>
+                  </a:tcPr>
+                </a:tc>
+              </a:tr>
+              <a:tr h="0">
+                <a:tc>
+                  <a:txBody>
+                    <a:bodyPr/>
+                    <a:lstStyle/>
+                    <a:p>
+                      <a:pPr latinLnBrk="1"/>
+                      <a:r>
+                        <a:rPr lang="en-US" altLang="ko-KR" sz="1200" dirty="0" smtClean="0">
+                          <a:latin typeface="Times New Roman" panose="02020603050405020304" pitchFamily="18" charset="0"/>
+                          <a:cs typeface="Times New Roman" panose="02020603050405020304" pitchFamily="18" charset="0"/>
+                        </a:rPr>
+                        <a:t>      Female</a:t>
+                      </a:r>
+                      <a:endParaRPr lang="ko-KR" altLang="en-US" sz="1200" dirty="0">
+                        <a:latin typeface="Times New Roman" panose="02020603050405020304" pitchFamily="18" charset="0"/>
+                        <a:cs typeface="Times New Roman" panose="02020603050405020304" pitchFamily="18" charset="0"/>
+                      </a:endParaRPr>
+                    </a:p>
+                  </a:txBody>
+                  <a:tcPr anchor="ctr">
+                    <a:lnL w="12700" cmpd="sng">
+                      <a:noFill/>
+                    </a:lnL>
+                    <a:lnR w="12700" cmpd="sng">
+                      <a:noFill/>
+                    </a:lnR>
+                    <a:lnT w="12700" cmpd="sng">
+                      <a:noFill/>
+                    </a:lnT>
+                    <a:lnB w="12700" cmpd="sng">
+                      <a:noFill/>
+                    </a:lnB>
+                    <a:lnTlToBr w="12700" cmpd="sng">
+                      <a:noFill/>
+                      <a:prstDash val="solid"/>
+                    </a:lnTlToBr>
+                    <a:lnBlToTr w="12700" cmpd="sng">
+                      <a:noFill/>
+                      <a:prstDash val="solid"/>
+                    </a:lnBlToTr>
+                  </a:tcPr>
+                </a:tc>
+                <a:tc>
+                  <a:txBody>
+                    <a:bodyPr/>
+                    <a:lstStyle/>
+                    <a:p>
+                      <a:pPr marL="0" marR="0" indent="0" algn="r" defTabSz="914400" rtl="0" eaLnBrk="1" fontAlgn="auto" latinLnBrk="1" hangingPunct="1">
+                        <a:lnSpc>
+                          <a:spcPct val="100000"/>
+                        </a:lnSpc>
+                        <a:spcBef>
+                          <a:spcPts val="0"/>
+                        </a:spcBef>
+                        <a:spcAft>
+                          <a:spcPts val="0"/>
+                        </a:spcAft>
+                        <a:buClrTx/>
+                        <a:buSzTx/>
+                        <a:buFontTx/>
+                        <a:buNone/>
+                        <a:tabLst/>
+                        <a:defRPr/>
+                      </a:pPr>
+                      <a:r>
+                        <a:rPr lang="en-US" altLang="ko-KR" sz="1200" dirty="0" smtClean="0">
+                          <a:latin typeface="Times New Roman" panose="02020603050405020304" pitchFamily="18" charset="0"/>
+                          <a:cs typeface="Times New Roman" panose="02020603050405020304" pitchFamily="18" charset="0"/>
+                        </a:rPr>
+                        <a:t>2,431 (50.68%)</a:t>
+                      </a:r>
+                      <a:endParaRPr lang="ko-KR" altLang="en-US" sz="1200" dirty="0" smtClean="0">
+                        <a:latin typeface="Times New Roman" panose="02020603050405020304" pitchFamily="18" charset="0"/>
+                        <a:cs typeface="Times New Roman" panose="02020603050405020304" pitchFamily="18" charset="0"/>
+                      </a:endParaRPr>
+                    </a:p>
+                  </a:txBody>
+                  <a:tcPr anchor="ctr">
+                    <a:lnL w="12700" cmpd="sng">
+                      <a:noFill/>
+                    </a:lnL>
+                    <a:lnR w="12700" cmpd="sng">
+                      <a:noFill/>
+                    </a:lnR>
+                    <a:lnT w="12700" cmpd="sng">
+                      <a:noFill/>
+                    </a:lnT>
+                    <a:lnB w="12700" cmpd="sng">
+                      <a:noFill/>
+                    </a:lnB>
+                    <a:lnTlToBr w="12700" cmpd="sng">
+                      <a:noFill/>
+                      <a:prstDash val="solid"/>
+                    </a:lnTlToBr>
+                    <a:lnBlToTr w="12700" cmpd="sng">
+                      <a:noFill/>
+                      <a:prstDash val="solid"/>
+                    </a:lnBlToTr>
+                  </a:tcPr>
+                </a:tc>
+              </a:tr>
+              <a:tr h="0">
+                <a:tc>
+                  <a:txBody>
+                    <a:bodyPr/>
+                    <a:lstStyle/>
+                    <a:p>
+                      <a:pPr latinLnBrk="1"/>
+                      <a:r>
+                        <a:rPr lang="en-US" altLang="ko-KR" sz="1200" b="1" i="1" dirty="0" smtClean="0">
+                          <a:latin typeface="Times New Roman" panose="02020603050405020304" pitchFamily="18" charset="0"/>
+                          <a:cs typeface="Times New Roman" panose="02020603050405020304" pitchFamily="18" charset="0"/>
+                        </a:rPr>
+                        <a:t>Age</a:t>
+                      </a:r>
+                      <a:endParaRPr lang="ko-KR" altLang="en-US" sz="1200" b="1" i="1" dirty="0">
+                        <a:latin typeface="Times New Roman" panose="02020603050405020304" pitchFamily="18" charset="0"/>
+                        <a:cs typeface="Times New Roman" panose="02020603050405020304" pitchFamily="18" charset="0"/>
+                      </a:endParaRPr>
+                    </a:p>
+                  </a:txBody>
+                  <a:tcPr anchor="ctr">
+                    <a:lnL w="12700" cmpd="sng">
+                      <a:noFill/>
+                    </a:lnL>
+                    <a:lnR w="12700" cmpd="sng">
+                      <a:noFill/>
+                    </a:lnR>
+                    <a:lnT w="12700" cmpd="sng">
+                      <a:noFill/>
+                    </a:lnT>
+                    <a:lnB w="12700" cmpd="sng">
+                      <a:noFill/>
+                    </a:lnB>
+                    <a:lnTlToBr w="12700" cmpd="sng">
+                      <a:noFill/>
+                      <a:prstDash val="solid"/>
+                    </a:lnTlToBr>
+                    <a:lnBlToTr w="12700" cmpd="sng">
+                      <a:noFill/>
+                      <a:prstDash val="solid"/>
+                    </a:lnBlToTr>
+                  </a:tcPr>
+                </a:tc>
+                <a:tc>
+                  <a:txBody>
+                    <a:bodyPr/>
+                    <a:lstStyle/>
+                    <a:p>
+                      <a:pPr marL="0" marR="0" indent="0" algn="r" defTabSz="914400" rtl="0" eaLnBrk="1" fontAlgn="auto" latinLnBrk="1" hangingPunct="1">
+                        <a:lnSpc>
+                          <a:spcPct val="100000"/>
+                        </a:lnSpc>
+                        <a:spcBef>
+                          <a:spcPts val="0"/>
+                        </a:spcBef>
+                        <a:spcAft>
+                          <a:spcPts val="0"/>
+                        </a:spcAft>
+                        <a:buClrTx/>
+                        <a:buSzTx/>
+                        <a:buFontTx/>
+                        <a:buNone/>
+                        <a:tabLst/>
+                        <a:defRPr/>
+                      </a:pPr>
+                      <a:r>
+                        <a:rPr lang="en-US" altLang="ko-KR" sz="1200" dirty="0" smtClean="0">
+                          <a:latin typeface="Times New Roman" panose="02020603050405020304" pitchFamily="18" charset="0"/>
+                          <a:cs typeface="Times New Roman" panose="02020603050405020304" pitchFamily="18" charset="0"/>
+                        </a:rPr>
+                        <a:t>48.63 (15.7)</a:t>
+                      </a:r>
+                      <a:endParaRPr lang="ko-KR" altLang="en-US" sz="1200" dirty="0" smtClean="0">
+                        <a:latin typeface="Times New Roman" panose="02020603050405020304" pitchFamily="18" charset="0"/>
+                        <a:cs typeface="Times New Roman" panose="02020603050405020304" pitchFamily="18" charset="0"/>
+                      </a:endParaRPr>
+                    </a:p>
+                  </a:txBody>
+                  <a:tcPr anchor="ctr">
+                    <a:lnL w="12700" cmpd="sng">
+                      <a:noFill/>
+                    </a:lnL>
+                    <a:lnR w="12700" cmpd="sng">
+                      <a:noFill/>
+                    </a:lnR>
+                    <a:lnT w="12700" cmpd="sng">
+                      <a:noFill/>
+                    </a:lnT>
+                    <a:lnB w="12700" cmpd="sng">
+                      <a:noFill/>
+                    </a:lnB>
+                    <a:lnTlToBr w="12700" cmpd="sng">
+                      <a:noFill/>
+                      <a:prstDash val="solid"/>
+                    </a:lnTlToBr>
+                    <a:lnBlToTr w="12700" cmpd="sng">
+                      <a:noFill/>
+                      <a:prstDash val="solid"/>
+                    </a:lnBlToTr>
+                  </a:tcPr>
+                </a:tc>
+              </a:tr>
+              <a:tr h="0">
+                <a:tc>
+                  <a:txBody>
+                    <a:bodyPr/>
+                    <a:lstStyle/>
+                    <a:p>
+                      <a:pPr latinLnBrk="1"/>
+                      <a:r>
+                        <a:rPr lang="en-US" altLang="ko-KR" sz="1200" b="1" i="1" dirty="0" smtClean="0">
+                          <a:latin typeface="Times New Roman" panose="02020603050405020304" pitchFamily="18" charset="0"/>
+                          <a:cs typeface="Times New Roman" panose="02020603050405020304" pitchFamily="18" charset="0"/>
+                        </a:rPr>
+                        <a:t>Relationship</a:t>
+                      </a:r>
+                      <a:r>
+                        <a:rPr lang="en-US" altLang="ko-KR" sz="1200" b="1" i="1" baseline="0" dirty="0" smtClean="0">
+                          <a:latin typeface="Times New Roman" panose="02020603050405020304" pitchFamily="18" charset="0"/>
+                          <a:cs typeface="Times New Roman" panose="02020603050405020304" pitchFamily="18" charset="0"/>
+                        </a:rPr>
+                        <a:t> of </a:t>
+                      </a:r>
+                      <a:br>
+                        <a:rPr lang="en-US" altLang="ko-KR" sz="1200" b="1" i="1" baseline="0" dirty="0" smtClean="0">
+                          <a:latin typeface="Times New Roman" panose="02020603050405020304" pitchFamily="18" charset="0"/>
+                          <a:cs typeface="Times New Roman" panose="02020603050405020304" pitchFamily="18" charset="0"/>
+                        </a:rPr>
+                      </a:br>
+                      <a:r>
+                        <a:rPr lang="en-US" altLang="ko-KR" sz="1200" b="1" i="1" baseline="0" dirty="0" smtClean="0">
+                          <a:latin typeface="Times New Roman" panose="02020603050405020304" pitchFamily="18" charset="0"/>
+                          <a:cs typeface="Times New Roman" panose="02020603050405020304" pitchFamily="18" charset="0"/>
+                        </a:rPr>
+                        <a:t>relatives with </a:t>
+                      </a:r>
+                      <a:r>
+                        <a:rPr lang="en-US" altLang="ko-KR" sz="1200" b="1" i="1" baseline="0" dirty="0" err="1" smtClean="0">
+                          <a:latin typeface="Times New Roman" panose="02020603050405020304" pitchFamily="18" charset="0"/>
+                          <a:cs typeface="Times New Roman" panose="02020603050405020304" pitchFamily="18" charset="0"/>
+                        </a:rPr>
+                        <a:t>proband</a:t>
+                      </a:r>
+                      <a:endParaRPr lang="ko-KR" altLang="en-US" sz="1200" b="1" i="1" dirty="0">
+                        <a:latin typeface="Times New Roman" panose="02020603050405020304" pitchFamily="18" charset="0"/>
+                        <a:cs typeface="Times New Roman" panose="02020603050405020304" pitchFamily="18" charset="0"/>
+                      </a:endParaRPr>
+                    </a:p>
+                  </a:txBody>
+                  <a:tcPr anchor="ctr">
+                    <a:lnL w="12700" cmpd="sng">
+                      <a:noFill/>
+                    </a:lnL>
+                    <a:lnR w="12700" cmpd="sng">
+                      <a:noFill/>
+                    </a:lnR>
+                    <a:lnT w="12700" cmpd="sng">
+                      <a:noFill/>
+                    </a:lnT>
+                    <a:lnB w="12700" cmpd="sng">
+                      <a:noFill/>
+                    </a:lnB>
+                    <a:lnTlToBr w="12700" cmpd="sng">
+                      <a:noFill/>
+                      <a:prstDash val="solid"/>
+                    </a:lnTlToBr>
+                    <a:lnBlToTr w="12700" cmpd="sng">
+                      <a:noFill/>
+                      <a:prstDash val="solid"/>
+                    </a:lnBlToTr>
+                  </a:tcPr>
+                </a:tc>
+                <a:tc>
+                  <a:txBody>
+                    <a:bodyPr/>
+                    <a:lstStyle/>
+                    <a:p>
+                      <a:pPr marL="0" marR="0" indent="0" algn="r" defTabSz="914400" rtl="0" eaLnBrk="1" fontAlgn="auto" latinLnBrk="1" hangingPunct="1">
+                        <a:lnSpc>
+                          <a:spcPct val="100000"/>
+                        </a:lnSpc>
+                        <a:spcBef>
+                          <a:spcPts val="0"/>
+                        </a:spcBef>
+                        <a:spcAft>
+                          <a:spcPts val="0"/>
+                        </a:spcAft>
+                        <a:buClrTx/>
+                        <a:buSzTx/>
+                        <a:buFontTx/>
+                        <a:buNone/>
+                        <a:tabLst/>
+                        <a:defRPr/>
+                      </a:pPr>
+                      <a:endParaRPr lang="ko-KR" altLang="en-US" sz="1200" dirty="0" smtClean="0">
+                        <a:latin typeface="Times New Roman" panose="02020603050405020304" pitchFamily="18" charset="0"/>
+                        <a:cs typeface="Times New Roman" panose="02020603050405020304" pitchFamily="18" charset="0"/>
+                      </a:endParaRPr>
+                    </a:p>
+                  </a:txBody>
+                  <a:tcPr anchor="ctr">
+                    <a:lnL w="12700" cmpd="sng">
+                      <a:noFill/>
+                    </a:lnL>
+                    <a:lnR w="12700" cmpd="sng">
+                      <a:noFill/>
+                    </a:lnR>
+                    <a:lnT w="12700" cmpd="sng">
+                      <a:noFill/>
+                    </a:lnT>
+                    <a:lnB w="12700" cmpd="sng">
+                      <a:noFill/>
+                    </a:lnB>
+                    <a:lnTlToBr w="12700" cmpd="sng">
+                      <a:noFill/>
+                      <a:prstDash val="solid"/>
+                    </a:lnTlToBr>
+                    <a:lnBlToTr w="12700" cmpd="sng">
+                      <a:noFill/>
+                      <a:prstDash val="solid"/>
+                    </a:lnBlToTr>
+                  </a:tcPr>
+                </a:tc>
+              </a:tr>
+              <a:tr h="0">
+                <a:tc>
+                  <a:txBody>
+                    <a:bodyPr/>
+                    <a:lstStyle/>
+                    <a:p>
+                      <a:pPr latinLnBrk="1"/>
+                      <a:r>
+                        <a:rPr lang="en-US" altLang="ko-KR" sz="1200" dirty="0" smtClean="0">
+                          <a:latin typeface="Times New Roman" panose="02020603050405020304" pitchFamily="18" charset="0"/>
+                          <a:cs typeface="Times New Roman" panose="02020603050405020304" pitchFamily="18" charset="0"/>
+                        </a:rPr>
+                        <a:t>      Parents</a:t>
+                      </a:r>
+                      <a:endParaRPr lang="ko-KR" altLang="en-US" sz="1200" dirty="0">
+                        <a:latin typeface="Times New Roman" panose="02020603050405020304" pitchFamily="18" charset="0"/>
+                        <a:cs typeface="Times New Roman" panose="02020603050405020304" pitchFamily="18" charset="0"/>
+                      </a:endParaRPr>
+                    </a:p>
+                  </a:txBody>
+                  <a:tcPr anchor="ctr">
+                    <a:lnL w="12700" cmpd="sng">
+                      <a:noFill/>
+                    </a:lnL>
+                    <a:lnR w="12700" cmpd="sng">
+                      <a:noFill/>
+                    </a:lnR>
+                    <a:lnT w="12700" cmpd="sng">
+                      <a:noFill/>
+                    </a:lnT>
+                    <a:lnB w="12700" cmpd="sng">
+                      <a:noFill/>
+                    </a:lnB>
+                    <a:lnTlToBr w="12700" cmpd="sng">
+                      <a:noFill/>
+                      <a:prstDash val="solid"/>
+                    </a:lnTlToBr>
+                    <a:lnBlToTr w="12700" cmpd="sng">
+                      <a:noFill/>
+                      <a:prstDash val="solid"/>
+                    </a:lnBlToTr>
+                  </a:tcPr>
+                </a:tc>
+                <a:tc>
+                  <a:txBody>
+                    <a:bodyPr/>
+                    <a:lstStyle/>
+                    <a:p>
+                      <a:pPr marL="0" marR="0" indent="0" algn="r" defTabSz="914400" rtl="0" eaLnBrk="1" fontAlgn="auto" latinLnBrk="1" hangingPunct="1">
+                        <a:lnSpc>
+                          <a:spcPct val="100000"/>
+                        </a:lnSpc>
+                        <a:spcBef>
+                          <a:spcPts val="0"/>
+                        </a:spcBef>
+                        <a:spcAft>
+                          <a:spcPts val="0"/>
+                        </a:spcAft>
+                        <a:buClrTx/>
+                        <a:buSzTx/>
+                        <a:buFontTx/>
+                        <a:buNone/>
+                        <a:tabLst/>
+                        <a:defRPr/>
+                      </a:pPr>
+                      <a:r>
+                        <a:rPr lang="en-US" altLang="ko-KR" sz="1200" dirty="0" smtClean="0">
+                          <a:latin typeface="Times New Roman" panose="02020603050405020304" pitchFamily="18" charset="0"/>
+                          <a:cs typeface="Times New Roman" panose="02020603050405020304" pitchFamily="18" charset="0"/>
+                        </a:rPr>
+                        <a:t>329 (7.93%)</a:t>
+                      </a:r>
+                      <a:endParaRPr lang="ko-KR" altLang="en-US" sz="1200" dirty="0" smtClean="0">
+                        <a:latin typeface="Times New Roman" panose="02020603050405020304" pitchFamily="18" charset="0"/>
+                        <a:cs typeface="Times New Roman" panose="02020603050405020304" pitchFamily="18" charset="0"/>
+                      </a:endParaRPr>
+                    </a:p>
+                  </a:txBody>
+                  <a:tcPr anchor="ctr">
+                    <a:lnL w="12700" cmpd="sng">
+                      <a:noFill/>
+                    </a:lnL>
+                    <a:lnR w="12700" cmpd="sng">
+                      <a:noFill/>
+                    </a:lnR>
+                    <a:lnT w="12700" cmpd="sng">
+                      <a:noFill/>
+                    </a:lnT>
+                    <a:lnB w="12700" cmpd="sng">
+                      <a:noFill/>
+                    </a:lnB>
+                    <a:lnTlToBr w="12700" cmpd="sng">
+                      <a:noFill/>
+                      <a:prstDash val="solid"/>
+                    </a:lnTlToBr>
+                    <a:lnBlToTr w="12700" cmpd="sng">
+                      <a:noFill/>
+                      <a:prstDash val="solid"/>
+                    </a:lnBlToTr>
+                  </a:tcPr>
+                </a:tc>
+              </a:tr>
+              <a:tr h="0">
+                <a:tc>
+                  <a:txBody>
+                    <a:bodyPr/>
+                    <a:lstStyle/>
+                    <a:p>
+                      <a:pPr latinLnBrk="1"/>
+                      <a:r>
+                        <a:rPr lang="en-US" altLang="ko-KR" sz="1200" dirty="0" smtClean="0">
+                          <a:latin typeface="Times New Roman" panose="02020603050405020304" pitchFamily="18" charset="0"/>
+                          <a:cs typeface="Times New Roman" panose="02020603050405020304" pitchFamily="18" charset="0"/>
+                        </a:rPr>
+                        <a:t>      Sibling</a:t>
+                      </a:r>
+                      <a:endParaRPr lang="ko-KR" altLang="en-US" sz="1200" dirty="0">
+                        <a:latin typeface="Times New Roman" panose="02020603050405020304" pitchFamily="18" charset="0"/>
+                        <a:cs typeface="Times New Roman" panose="02020603050405020304" pitchFamily="18" charset="0"/>
+                      </a:endParaRPr>
+                    </a:p>
+                  </a:txBody>
+                  <a:tcPr anchor="ctr">
+                    <a:lnL w="12700" cmpd="sng">
+                      <a:noFill/>
+                    </a:lnL>
+                    <a:lnR w="12700" cmpd="sng">
+                      <a:noFill/>
+                    </a:lnR>
+                    <a:lnT w="12700" cmpd="sng">
+                      <a:noFill/>
+                    </a:lnT>
+                    <a:lnB w="12700" cmpd="sng">
+                      <a:noFill/>
+                    </a:lnB>
+                    <a:lnTlToBr w="12700" cmpd="sng">
+                      <a:noFill/>
+                      <a:prstDash val="solid"/>
+                    </a:lnTlToBr>
+                    <a:lnBlToTr w="12700" cmpd="sng">
+                      <a:noFill/>
+                      <a:prstDash val="solid"/>
+                    </a:lnBlToTr>
+                  </a:tcPr>
+                </a:tc>
+                <a:tc>
+                  <a:txBody>
+                    <a:bodyPr/>
+                    <a:lstStyle/>
+                    <a:p>
+                      <a:pPr marL="0" marR="0" indent="0" algn="r" defTabSz="914400" rtl="0" eaLnBrk="1" fontAlgn="auto" latinLnBrk="1" hangingPunct="1">
+                        <a:lnSpc>
+                          <a:spcPct val="100000"/>
+                        </a:lnSpc>
+                        <a:spcBef>
+                          <a:spcPts val="0"/>
+                        </a:spcBef>
+                        <a:spcAft>
+                          <a:spcPts val="0"/>
+                        </a:spcAft>
+                        <a:buClrTx/>
+                        <a:buSzTx/>
+                        <a:buFontTx/>
+                        <a:buNone/>
+                        <a:tabLst/>
+                        <a:defRPr/>
+                      </a:pPr>
+                      <a:r>
+                        <a:rPr lang="en-US" altLang="ko-KR" sz="1200" dirty="0" smtClean="0">
+                          <a:latin typeface="Times New Roman" panose="02020603050405020304" pitchFamily="18" charset="0"/>
+                          <a:cs typeface="Times New Roman" panose="02020603050405020304" pitchFamily="18" charset="0"/>
+                        </a:rPr>
+                        <a:t>2,457 (59.22%)</a:t>
+                      </a:r>
+                      <a:endParaRPr lang="ko-KR" altLang="en-US" sz="1200" dirty="0" smtClean="0">
+                        <a:latin typeface="Times New Roman" panose="02020603050405020304" pitchFamily="18" charset="0"/>
+                        <a:cs typeface="Times New Roman" panose="02020603050405020304" pitchFamily="18" charset="0"/>
+                      </a:endParaRPr>
+                    </a:p>
+                  </a:txBody>
+                  <a:tcPr anchor="ctr">
+                    <a:lnL w="12700" cmpd="sng">
+                      <a:noFill/>
+                    </a:lnL>
+                    <a:lnR w="12700" cmpd="sng">
+                      <a:noFill/>
+                    </a:lnR>
+                    <a:lnT w="12700" cmpd="sng">
+                      <a:noFill/>
+                    </a:lnT>
+                    <a:lnB w="12700" cmpd="sng">
+                      <a:noFill/>
+                    </a:lnB>
+                    <a:lnTlToBr w="12700" cmpd="sng">
+                      <a:noFill/>
+                      <a:prstDash val="solid"/>
+                    </a:lnTlToBr>
+                    <a:lnBlToTr w="12700" cmpd="sng">
+                      <a:noFill/>
+                      <a:prstDash val="solid"/>
+                    </a:lnBlToTr>
+                  </a:tcPr>
+                </a:tc>
+              </a:tr>
+              <a:tr h="0">
+                <a:tc>
+                  <a:txBody>
+                    <a:bodyPr/>
+                    <a:lstStyle/>
+                    <a:p>
+                      <a:pPr latinLnBrk="1"/>
+                      <a:r>
+                        <a:rPr lang="en-US" altLang="ko-KR" sz="1200" dirty="0" smtClean="0">
+                          <a:latin typeface="Times New Roman" panose="02020603050405020304" pitchFamily="18" charset="0"/>
+                          <a:cs typeface="Times New Roman" panose="02020603050405020304" pitchFamily="18" charset="0"/>
+                        </a:rPr>
+                        <a:t>      Offspring</a:t>
+                      </a:r>
+                      <a:endParaRPr lang="ko-KR" altLang="en-US" sz="1200" dirty="0">
+                        <a:latin typeface="Times New Roman" panose="02020603050405020304" pitchFamily="18" charset="0"/>
+                        <a:cs typeface="Times New Roman" panose="02020603050405020304" pitchFamily="18" charset="0"/>
+                      </a:endParaRPr>
+                    </a:p>
+                  </a:txBody>
+                  <a:tcPr anchor="ctr">
+                    <a:lnL w="12700" cmpd="sng">
+                      <a:noFill/>
+                    </a:lnL>
+                    <a:lnR w="12700" cmpd="sng">
+                      <a:noFill/>
+                    </a:lnR>
+                    <a:lnT w="12700" cmpd="sng">
+                      <a:noFill/>
+                    </a:lnT>
+                    <a:lnB w="28575" cap="flat" cmpd="sng" algn="ctr">
+                      <a:solidFill>
+                        <a:schemeClr val="tx1"/>
+                      </a:solidFill>
+                      <a:prstDash val="solid"/>
+                      <a:round/>
+                      <a:headEnd type="none" w="med" len="med"/>
+                      <a:tailEnd type="none" w="med" len="med"/>
+                    </a:lnB>
+                    <a:lnTlToBr w="12700" cmpd="sng">
+                      <a:noFill/>
+                      <a:prstDash val="solid"/>
+                    </a:lnTlToBr>
+                    <a:lnBlToTr w="12700" cmpd="sng">
+                      <a:noFill/>
+                      <a:prstDash val="solid"/>
+                    </a:lnBlToTr>
+                  </a:tcPr>
+                </a:tc>
+                <a:tc>
+                  <a:txBody>
+                    <a:bodyPr/>
+                    <a:lstStyle/>
+                    <a:p>
+                      <a:pPr marL="0" marR="0" indent="0" algn="r" defTabSz="914400" rtl="0" eaLnBrk="1" fontAlgn="auto" latinLnBrk="1" hangingPunct="1">
+                        <a:lnSpc>
+                          <a:spcPct val="100000"/>
+                        </a:lnSpc>
+                        <a:spcBef>
+                          <a:spcPts val="0"/>
+                        </a:spcBef>
+                        <a:spcAft>
+                          <a:spcPts val="0"/>
+                        </a:spcAft>
+                        <a:buClrTx/>
+                        <a:buSzTx/>
+                        <a:buFontTx/>
+                        <a:buNone/>
+                        <a:tabLst/>
+                        <a:defRPr/>
+                      </a:pPr>
+                      <a:r>
+                        <a:rPr lang="en-US" altLang="ko-KR" sz="1200" dirty="0" smtClean="0">
+                          <a:latin typeface="Times New Roman" panose="02020603050405020304" pitchFamily="18" charset="0"/>
+                          <a:cs typeface="Times New Roman" panose="02020603050405020304" pitchFamily="18" charset="0"/>
+                        </a:rPr>
+                        <a:t>1,363 (32.85%)</a:t>
+                      </a:r>
+                      <a:endParaRPr lang="ko-KR" altLang="en-US" sz="1200" dirty="0" smtClean="0">
+                        <a:latin typeface="Times New Roman" panose="02020603050405020304" pitchFamily="18" charset="0"/>
+                        <a:cs typeface="Times New Roman" panose="02020603050405020304" pitchFamily="18" charset="0"/>
+                      </a:endParaRPr>
+                    </a:p>
+                  </a:txBody>
+                  <a:tcPr anchor="ctr">
+                    <a:lnL w="12700" cmpd="sng">
+                      <a:noFill/>
+                    </a:lnL>
+                    <a:lnR w="12700" cmpd="sng">
+                      <a:noFill/>
+                    </a:lnR>
+                    <a:lnT w="12700" cmpd="sng">
+                      <a:noFill/>
+                    </a:lnT>
+                    <a:lnB w="28575" cap="flat" cmpd="sng" algn="ctr">
+                      <a:solidFill>
+                        <a:schemeClr val="tx1"/>
+                      </a:solidFill>
+                      <a:prstDash val="solid"/>
+                      <a:round/>
+                      <a:headEnd type="none" w="med" len="med"/>
+                      <a:tailEnd type="none" w="med" len="med"/>
+                    </a:lnB>
+                    <a:lnTlToBr w="12700" cmpd="sng">
+                      <a:noFill/>
+                      <a:prstDash val="solid"/>
+                    </a:lnTlToBr>
+                    <a:lnBlToTr w="12700" cmpd="sng">
+                      <a:noFill/>
+                      <a:prstDash val="solid"/>
+                    </a:lnBlToTr>
+                  </a:tcPr>
+                </a:tc>
+              </a:tr>
+            </a:tbl>
+          </a:graphicData>
+        </a:graphic>
+      </p:graphicFrame>
+    </p:spTree>
+    <p:extLst>
+      <p:ext uri="{BB962C8B-B14F-4D97-AF65-F5344CB8AC3E}">
+        <p14:creationId xmlns:p14="http://schemas.microsoft.com/office/powerpoint/2010/main" val="2942404099"/>
       </p:ext>
     </p:extLst>
   </p:cSld>

--- a/LTM_heritability/figure and table/figure and table.pptx
+++ b/LTM_heritability/figure and table/figure and table.pptx
@@ -12,7 +12,7 @@
     <p:sldId id="260" r:id="rId6"/>
     <p:sldId id="261" r:id="rId7"/>
     <p:sldId id="262" r:id="rId8"/>
-    <p:sldId id="263" r:id="rId9"/>
+    <p:sldId id="264" r:id="rId9"/>
   </p:sldIdLst>
   <p:sldSz cx="9144000" cy="6858000" type="screen4x3"/>
   <p:notesSz cx="6858000" cy="9144000"/>
@@ -295,7 +295,7 @@
           <a:p>
             <a:fld id="{30EB425C-D22F-41CB-B2D3-779BC67161A1}" type="datetimeFigureOut">
               <a:rPr lang="ko-KR" altLang="en-US" smtClean="0"/>
-              <a:t>2018-11-12</a:t>
+              <a:t>2018-11-15</a:t>
             </a:fld>
             <a:endParaRPr lang="ko-KR" altLang="en-US"/>
           </a:p>
@@ -465,7 +465,7 @@
           <a:p>
             <a:fld id="{30EB425C-D22F-41CB-B2D3-779BC67161A1}" type="datetimeFigureOut">
               <a:rPr lang="ko-KR" altLang="en-US" smtClean="0"/>
-              <a:t>2018-11-12</a:t>
+              <a:t>2018-11-15</a:t>
             </a:fld>
             <a:endParaRPr lang="ko-KR" altLang="en-US"/>
           </a:p>
@@ -645,7 +645,7 @@
           <a:p>
             <a:fld id="{30EB425C-D22F-41CB-B2D3-779BC67161A1}" type="datetimeFigureOut">
               <a:rPr lang="ko-KR" altLang="en-US" smtClean="0"/>
-              <a:t>2018-11-12</a:t>
+              <a:t>2018-11-15</a:t>
             </a:fld>
             <a:endParaRPr lang="ko-KR" altLang="en-US"/>
           </a:p>
@@ -815,7 +815,7 @@
           <a:p>
             <a:fld id="{30EB425C-D22F-41CB-B2D3-779BC67161A1}" type="datetimeFigureOut">
               <a:rPr lang="ko-KR" altLang="en-US" smtClean="0"/>
-              <a:t>2018-11-12</a:t>
+              <a:t>2018-11-15</a:t>
             </a:fld>
             <a:endParaRPr lang="ko-KR" altLang="en-US"/>
           </a:p>
@@ -1061,7 +1061,7 @@
           <a:p>
             <a:fld id="{30EB425C-D22F-41CB-B2D3-779BC67161A1}" type="datetimeFigureOut">
               <a:rPr lang="ko-KR" altLang="en-US" smtClean="0"/>
-              <a:t>2018-11-12</a:t>
+              <a:t>2018-11-15</a:t>
             </a:fld>
             <a:endParaRPr lang="ko-KR" altLang="en-US"/>
           </a:p>
@@ -1349,7 +1349,7 @@
           <a:p>
             <a:fld id="{30EB425C-D22F-41CB-B2D3-779BC67161A1}" type="datetimeFigureOut">
               <a:rPr lang="ko-KR" altLang="en-US" smtClean="0"/>
-              <a:t>2018-11-12</a:t>
+              <a:t>2018-11-15</a:t>
             </a:fld>
             <a:endParaRPr lang="ko-KR" altLang="en-US"/>
           </a:p>
@@ -1771,7 +1771,7 @@
           <a:p>
             <a:fld id="{30EB425C-D22F-41CB-B2D3-779BC67161A1}" type="datetimeFigureOut">
               <a:rPr lang="ko-KR" altLang="en-US" smtClean="0"/>
-              <a:t>2018-11-12</a:t>
+              <a:t>2018-11-15</a:t>
             </a:fld>
             <a:endParaRPr lang="ko-KR" altLang="en-US"/>
           </a:p>
@@ -1889,7 +1889,7 @@
           <a:p>
             <a:fld id="{30EB425C-D22F-41CB-B2D3-779BC67161A1}" type="datetimeFigureOut">
               <a:rPr lang="ko-KR" altLang="en-US" smtClean="0"/>
-              <a:t>2018-11-12</a:t>
+              <a:t>2018-11-15</a:t>
             </a:fld>
             <a:endParaRPr lang="ko-KR" altLang="en-US"/>
           </a:p>
@@ -1984,7 +1984,7 @@
           <a:p>
             <a:fld id="{30EB425C-D22F-41CB-B2D3-779BC67161A1}" type="datetimeFigureOut">
               <a:rPr lang="ko-KR" altLang="en-US" smtClean="0"/>
-              <a:t>2018-11-12</a:t>
+              <a:t>2018-11-15</a:t>
             </a:fld>
             <a:endParaRPr lang="ko-KR" altLang="en-US"/>
           </a:p>
@@ -2261,7 +2261,7 @@
           <a:p>
             <a:fld id="{30EB425C-D22F-41CB-B2D3-779BC67161A1}" type="datetimeFigureOut">
               <a:rPr lang="ko-KR" altLang="en-US" smtClean="0"/>
-              <a:t>2018-11-12</a:t>
+              <a:t>2018-11-15</a:t>
             </a:fld>
             <a:endParaRPr lang="ko-KR" altLang="en-US"/>
           </a:p>
@@ -2514,7 +2514,7 @@
           <a:p>
             <a:fld id="{30EB425C-D22F-41CB-B2D3-779BC67161A1}" type="datetimeFigureOut">
               <a:rPr lang="ko-KR" altLang="en-US" smtClean="0"/>
-              <a:t>2018-11-12</a:t>
+              <a:t>2018-11-15</a:t>
             </a:fld>
             <a:endParaRPr lang="ko-KR" altLang="en-US"/>
           </a:p>
@@ -2727,7 +2727,7 @@
           <a:p>
             <a:fld id="{30EB425C-D22F-41CB-B2D3-779BC67161A1}" type="datetimeFigureOut">
               <a:rPr lang="ko-KR" altLang="en-US" smtClean="0"/>
-              <a:t>2018-11-12</a:t>
+              <a:t>2018-11-15</a:t>
             </a:fld>
             <a:endParaRPr lang="ko-KR" altLang="en-US"/>
           </a:p>
@@ -3117,7 +3117,7 @@
           <a:bodyPr/>
           <a:lstStyle/>
           <a:p>
-            <a:endParaRPr lang="ko-KR" altLang="en-US"/>
+            <a:endParaRPr lang="ko-KR" altLang="en-US" dirty="0"/>
           </a:p>
         </p:txBody>
       </p:sp>
@@ -19447,11 +19447,7 @@
           <a:p>
             <a:r>
               <a:rPr lang="en-US" altLang="ko-KR" dirty="0" smtClean="0"/>
-              <a:t>table </a:t>
-            </a:r>
-            <a:r>
-              <a:rPr lang="en-US" altLang="ko-KR" dirty="0" smtClean="0"/>
-              <a:t>4</a:t>
+              <a:t>table 4</a:t>
             </a:r>
             <a:endParaRPr lang="ko-KR" altLang="en-US" dirty="0"/>
           </a:p>
@@ -22327,11 +22323,7 @@
           <a:p>
             <a:r>
               <a:rPr lang="en-US" altLang="ko-KR" dirty="0" smtClean="0"/>
-              <a:t>table </a:t>
-            </a:r>
-            <a:r>
-              <a:rPr lang="en-US" altLang="ko-KR" dirty="0" smtClean="0"/>
-              <a:t>6</a:t>
+              <a:t>table 6</a:t>
             </a:r>
             <a:endParaRPr lang="ko-KR" altLang="en-US" dirty="0"/>
           </a:p>
@@ -22391,11 +22383,7 @@
           <a:p>
             <a:r>
               <a:rPr lang="en-US" altLang="ko-KR" dirty="0" smtClean="0"/>
-              <a:t>table </a:t>
-            </a:r>
-            <a:r>
-              <a:rPr lang="en-US" altLang="ko-KR" dirty="0" smtClean="0"/>
-              <a:t>7</a:t>
+              <a:t>table 7</a:t>
             </a:r>
             <a:endParaRPr lang="ko-KR" altLang="en-US" dirty="0"/>
           </a:p>
@@ -22410,14 +22398,14 @@
           <p:nvPr>
             <p:extLst>
               <p:ext uri="{D42A27DB-BD31-4B8C-83A1-F6EECF244321}">
-                <p14:modId xmlns:p14="http://schemas.microsoft.com/office/powerpoint/2010/main" val="3245683059"/>
+                <p14:modId xmlns:p14="http://schemas.microsoft.com/office/powerpoint/2010/main" val="3467190958"/>
               </p:ext>
             </p:extLst>
           </p:nvPr>
         </p:nvGraphicFramePr>
         <p:xfrm>
           <a:off x="2267744" y="836712"/>
-          <a:ext cx="3252000" cy="3566160"/>
+          <a:ext cx="3480603" cy="3566160"/>
         </p:xfrm>
         <a:graphic>
           <a:graphicData uri="http://schemas.openxmlformats.org/drawingml/2006/table">
@@ -22426,8 +22414,9 @@
                 <a:tableStyleId>{5940675A-B579-460E-94D1-54222C63F5DA}</a:tableStyleId>
               </a:tblPr>
               <a:tblGrid>
-                <a:gridCol w="1728000"/>
-                <a:gridCol w="1524000"/>
+                <a:gridCol w="1176603"/>
+                <a:gridCol w="1080000"/>
+                <a:gridCol w="1224000"/>
               </a:tblGrid>
               <a:tr h="0">
                 <a:tc>
@@ -22484,18 +22473,79 @@
                     <a:p>
                       <a:pPr algn="r" latinLnBrk="1"/>
                       <a:r>
+                        <a:rPr lang="en-US" altLang="ko-KR" sz="1200" dirty="0" err="1" smtClean="0">
+                          <a:latin typeface="Times New Roman" panose="02020603050405020304" pitchFamily="18" charset="0"/>
+                          <a:cs typeface="Times New Roman" panose="02020603050405020304" pitchFamily="18" charset="0"/>
+                        </a:rPr>
+                        <a:t>Proban</a:t>
+                      </a:r>
+                      <a:r>
+                        <a:rPr lang="en-US" altLang="ko-KR" sz="1200" baseline="0" dirty="0" err="1" smtClean="0">
+                          <a:latin typeface="Times New Roman" panose="02020603050405020304" pitchFamily="18" charset="0"/>
+                          <a:cs typeface="Times New Roman" panose="02020603050405020304" pitchFamily="18" charset="0"/>
+                        </a:rPr>
+                        <a:t>d</a:t>
+                      </a:r>
+                      <a:endParaRPr lang="ko-KR" altLang="en-US" sz="1200" dirty="0">
+                        <a:latin typeface="Times New Roman" panose="02020603050405020304" pitchFamily="18" charset="0"/>
+                        <a:cs typeface="Times New Roman" panose="02020603050405020304" pitchFamily="18" charset="0"/>
+                      </a:endParaRPr>
+                    </a:p>
+                  </a:txBody>
+                  <a:tcPr anchor="ctr">
+                    <a:lnL w="12700" cmpd="sng">
+                      <a:noFill/>
+                    </a:lnL>
+                    <a:lnR w="12700" cmpd="sng">
+                      <a:noFill/>
+                    </a:lnR>
+                    <a:lnT w="28575" cap="flat" cmpd="sng" algn="ctr">
+                      <a:solidFill>
+                        <a:schemeClr val="tx1"/>
+                      </a:solidFill>
+                      <a:prstDash val="solid"/>
+                      <a:round/>
+                      <a:headEnd type="none" w="med" len="med"/>
+                      <a:tailEnd type="none" w="med" len="med"/>
+                    </a:lnT>
+                    <a:lnB w="12700" cap="flat" cmpd="sng" algn="ctr">
+                      <a:solidFill>
+                        <a:schemeClr val="tx1"/>
+                      </a:solidFill>
+                      <a:prstDash val="solid"/>
+                      <a:round/>
+                      <a:headEnd type="none" w="med" len="med"/>
+                      <a:tailEnd type="none" w="med" len="med"/>
+                    </a:lnB>
+                    <a:lnTlToBr w="12700" cmpd="sng">
+                      <a:noFill/>
+                      <a:prstDash val="solid"/>
+                    </a:lnTlToBr>
+                    <a:lnBlToTr w="12700" cmpd="sng">
+                      <a:noFill/>
+                      <a:prstDash val="solid"/>
+                    </a:lnBlToTr>
+                  </a:tcPr>
+                </a:tc>
+                <a:tc>
+                  <a:txBody>
+                    <a:bodyPr/>
+                    <a:lstStyle/>
+                    <a:p>
+                      <a:pPr algn="r" latinLnBrk="1"/>
+                      <a:r>
                         <a:rPr lang="en-US" altLang="ko-KR" sz="1200" dirty="0" smtClean="0">
                           <a:latin typeface="Times New Roman" panose="02020603050405020304" pitchFamily="18" charset="0"/>
                           <a:cs typeface="Times New Roman" panose="02020603050405020304" pitchFamily="18" charset="0"/>
                         </a:rPr>
-                        <a:t>N (%) or</a:t>
+                        <a:t>Non-</a:t>
                       </a:r>
                       <a:r>
-                        <a:rPr lang="en-US" altLang="ko-KR" sz="1200" baseline="0" dirty="0" smtClean="0">
+                        <a:rPr lang="en-US" altLang="ko-KR" sz="1200" dirty="0" err="1" smtClean="0">
                           <a:latin typeface="Times New Roman" panose="02020603050405020304" pitchFamily="18" charset="0"/>
                           <a:cs typeface="Times New Roman" panose="02020603050405020304" pitchFamily="18" charset="0"/>
                         </a:rPr>
-                        <a:t> Mean (SD)</a:t>
+                        <a:t>proband</a:t>
                       </a:r>
                       <a:endParaRPr lang="ko-KR" altLang="en-US" sz="1200" dirty="0">
                         <a:latin typeface="Times New Roman" panose="02020603050405020304" pitchFamily="18" charset="0"/>
@@ -22629,6 +22679,47 @@
                     </a:lnBlToTr>
                   </a:tcPr>
                 </a:tc>
+                <a:tc>
+                  <a:txBody>
+                    <a:bodyPr/>
+                    <a:lstStyle/>
+                    <a:p>
+                      <a:pPr algn="r" latinLnBrk="1"/>
+                      <a:endParaRPr lang="ko-KR" altLang="en-US" sz="1200" dirty="0">
+                        <a:latin typeface="Times New Roman" panose="02020603050405020304" pitchFamily="18" charset="0"/>
+                        <a:cs typeface="Times New Roman" panose="02020603050405020304" pitchFamily="18" charset="0"/>
+                      </a:endParaRPr>
+                    </a:p>
+                  </a:txBody>
+                  <a:tcPr anchor="ctr">
+                    <a:lnL w="12700" cmpd="sng">
+                      <a:noFill/>
+                    </a:lnL>
+                    <a:lnR w="12700" cmpd="sng">
+                      <a:noFill/>
+                    </a:lnR>
+                    <a:lnT w="12700" cap="flat" cmpd="sng" algn="ctr">
+                      <a:solidFill>
+                        <a:schemeClr val="tx1"/>
+                      </a:solidFill>
+                      <a:prstDash val="solid"/>
+                      <a:round/>
+                      <a:headEnd type="none" w="med" len="med"/>
+                      <a:tailEnd type="none" w="med" len="med"/>
+                    </a:lnT>
+                    <a:lnB w="12700" cmpd="sng">
+                      <a:noFill/>
+                    </a:lnB>
+                    <a:lnTlToBr w="12700" cmpd="sng">
+                      <a:noFill/>
+                      <a:prstDash val="solid"/>
+                    </a:lnTlToBr>
+                    <a:lnBlToTr w="12700" cmpd="sng">
+                      <a:noFill/>
+                      <a:prstDash val="solid"/>
+                    </a:lnBlToTr>
+                  </a:tcPr>
+                </a:tc>
               </a:tr>
               <a:tr h="0">
                 <a:tc>
@@ -22642,7 +22733,21 @@
                           <a:latin typeface="Times New Roman" panose="02020603050405020304" pitchFamily="18" charset="0"/>
                           <a:cs typeface="Times New Roman" panose="02020603050405020304" pitchFamily="18" charset="0"/>
                         </a:rPr>
-                        <a:t>      T2D</a:t>
+                        <a:t>   </a:t>
+                      </a:r>
+                      <a:r>
+                        <a:rPr lang="en-US" altLang="ko-KR" sz="1200" dirty="0" smtClean="0">
+                          <a:latin typeface="Times New Roman" panose="02020603050405020304" pitchFamily="18" charset="0"/>
+                          <a:cs typeface="Times New Roman" panose="02020603050405020304" pitchFamily="18" charset="0"/>
+                        </a:rPr>
+                        <a:t>  </a:t>
+                      </a:r>
+                      <a:r>
+                        <a:rPr lang="en-US" altLang="ko-KR" sz="1200" dirty="0" smtClean="0">
+                          <a:latin typeface="Times New Roman" panose="02020603050405020304" pitchFamily="18" charset="0"/>
+                          <a:cs typeface="Times New Roman" panose="02020603050405020304" pitchFamily="18" charset="0"/>
+                        </a:rPr>
+                        <a:t>T2D</a:t>
                       </a:r>
                       <a:endParaRPr lang="ko-KR" altLang="en-US" sz="1200" dirty="0">
                         <a:latin typeface="Times New Roman" panose="02020603050405020304" pitchFamily="18" charset="0"/>
@@ -22700,56 +22805,8 @@
                           <a:latin typeface="Times New Roman" panose="02020603050405020304" pitchFamily="18" charset="0"/>
                           <a:cs typeface="Times New Roman" panose="02020603050405020304" pitchFamily="18" charset="0"/>
                         </a:rPr>
-                        <a:t>1,763 (36.75%)</a:t>
+                        <a:t>648 (100%)</a:t>
                       </a:r>
-                      <a:endParaRPr lang="ko-KR" altLang="en-US" sz="1200" dirty="0" smtClean="0">
-                        <a:latin typeface="Times New Roman" panose="02020603050405020304" pitchFamily="18" charset="0"/>
-                        <a:cs typeface="Times New Roman" panose="02020603050405020304" pitchFamily="18" charset="0"/>
-                      </a:endParaRPr>
-                    </a:p>
-                  </a:txBody>
-                  <a:tcPr anchor="ctr">
-                    <a:lnL w="12700" cmpd="sng">
-                      <a:noFill/>
-                    </a:lnL>
-                    <a:lnR w="12700" cmpd="sng">
-                      <a:noFill/>
-                    </a:lnR>
-                    <a:lnT w="12700" cmpd="sng">
-                      <a:noFill/>
-                    </a:lnT>
-                    <a:lnB w="12700" cmpd="sng">
-                      <a:noFill/>
-                    </a:lnB>
-                    <a:lnTlToBr w="12700" cmpd="sng">
-                      <a:noFill/>
-                      <a:prstDash val="solid"/>
-                    </a:lnTlToBr>
-                    <a:lnBlToTr w="12700" cmpd="sng">
-                      <a:noFill/>
-                      <a:prstDash val="solid"/>
-                    </a:lnBlToTr>
-                  </a:tcPr>
-                </a:tc>
-              </a:tr>
-              <a:tr h="0">
-                <a:tc>
-                  <a:txBody>
-                    <a:bodyPr/>
-                    <a:lstStyle/>
-                    <a:p>
-                      <a:pPr latinLnBrk="1"/>
-                      <a:r>
-                        <a:rPr lang="en-US" altLang="ko-KR" sz="1200" dirty="0" smtClean="0">
-                          <a:latin typeface="Times New Roman" panose="02020603050405020304" pitchFamily="18" charset="0"/>
-                          <a:cs typeface="Times New Roman" panose="02020603050405020304" pitchFamily="18" charset="0"/>
-                        </a:rPr>
-                        <a:t>      Normal</a:t>
-                      </a:r>
-                      <a:endParaRPr lang="ko-KR" altLang="en-US" sz="1200" dirty="0">
-                        <a:latin typeface="Times New Roman" panose="02020603050405020304" pitchFamily="18" charset="0"/>
-                        <a:cs typeface="Times New Roman" panose="02020603050405020304" pitchFamily="18" charset="0"/>
-                      </a:endParaRPr>
                     </a:p>
                   </a:txBody>
                   <a:tcPr anchor="ctr">
@@ -22802,95 +22859,12 @@
                           <a:latin typeface="Times New Roman" panose="02020603050405020304" pitchFamily="18" charset="0"/>
                           <a:cs typeface="Times New Roman" panose="02020603050405020304" pitchFamily="18" charset="0"/>
                         </a:rPr>
-                        <a:t>3,034 (</a:t>
+                        <a:t>1,115 (26.87%)</a:t>
                       </a:r>
-                      <a:r>
-                        <a:rPr lang="en-US" altLang="ko-KR" sz="1200" smtClean="0">
-                          <a:latin typeface="Times New Roman" panose="02020603050405020304" pitchFamily="18" charset="0"/>
-                          <a:cs typeface="Times New Roman" panose="02020603050405020304" pitchFamily="18" charset="0"/>
-                        </a:rPr>
-                        <a:t>63.25%)</a:t>
-                      </a:r>
-                      <a:endParaRPr lang="ko-KR" altLang="en-US" sz="1200" smtClean="0">
+                      <a:endParaRPr lang="ko-KR" altLang="en-US" sz="1200" dirty="0" smtClean="0">
                         <a:latin typeface="Times New Roman" panose="02020603050405020304" pitchFamily="18" charset="0"/>
                         <a:cs typeface="Times New Roman" panose="02020603050405020304" pitchFamily="18" charset="0"/>
                       </a:endParaRPr>
-                    </a:p>
-                  </a:txBody>
-                  <a:tcPr anchor="ctr">
-                    <a:lnL w="12700" cmpd="sng">
-                      <a:noFill/>
-                    </a:lnL>
-                    <a:lnR w="12700" cmpd="sng">
-                      <a:noFill/>
-                    </a:lnR>
-                    <a:lnT w="12700" cmpd="sng">
-                      <a:noFill/>
-                    </a:lnT>
-                    <a:lnB w="12700" cmpd="sng">
-                      <a:noFill/>
-                    </a:lnB>
-                    <a:lnTlToBr w="12700" cmpd="sng">
-                      <a:noFill/>
-                      <a:prstDash val="solid"/>
-                    </a:lnTlToBr>
-                    <a:lnBlToTr w="12700" cmpd="sng">
-                      <a:noFill/>
-                      <a:prstDash val="solid"/>
-                    </a:lnBlToTr>
-                  </a:tcPr>
-                </a:tc>
-              </a:tr>
-              <a:tr h="0">
-                <a:tc>
-                  <a:txBody>
-                    <a:bodyPr/>
-                    <a:lstStyle/>
-                    <a:p>
-                      <a:pPr latinLnBrk="1"/>
-                      <a:r>
-                        <a:rPr lang="en-US" altLang="ko-KR" sz="1200" b="1" i="1" dirty="0" smtClean="0">
-                          <a:latin typeface="Times New Roman" panose="02020603050405020304" pitchFamily="18" charset="0"/>
-                          <a:cs typeface="Times New Roman" panose="02020603050405020304" pitchFamily="18" charset="0"/>
-                        </a:rPr>
-                        <a:t>Sex</a:t>
-                      </a:r>
-                      <a:endParaRPr lang="ko-KR" altLang="en-US" sz="1200" b="1" i="1" dirty="0">
-                        <a:latin typeface="Times New Roman" panose="02020603050405020304" pitchFamily="18" charset="0"/>
-                        <a:cs typeface="Times New Roman" panose="02020603050405020304" pitchFamily="18" charset="0"/>
-                      </a:endParaRPr>
-                    </a:p>
-                  </a:txBody>
-                  <a:tcPr anchor="ctr">
-                    <a:lnL w="12700" cmpd="sng">
-                      <a:noFill/>
-                    </a:lnL>
-                    <a:lnR w="12700" cmpd="sng">
-                      <a:noFill/>
-                    </a:lnR>
-                    <a:lnT w="12700" cmpd="sng">
-                      <a:noFill/>
-                    </a:lnT>
-                    <a:lnB w="12700" cmpd="sng">
-                      <a:noFill/>
-                    </a:lnB>
-                    <a:lnTlToBr w="12700" cmpd="sng">
-                      <a:noFill/>
-                      <a:prstDash val="solid"/>
-                    </a:lnTlToBr>
-                    <a:lnBlToTr w="12700" cmpd="sng">
-                      <a:noFill/>
-                      <a:prstDash val="solid"/>
-                    </a:lnBlToTr>
-                  </a:tcPr>
-                </a:tc>
-                <a:tc>
-                  <a:txBody>
-                    <a:bodyPr/>
-                    <a:lstStyle/>
-                    <a:p>
-                      <a:pPr algn="r"/>
-                      <a:endParaRPr lang="ko-KR" altLang="en-US" dirty="0"/>
                     </a:p>
                   </a:txBody>
                   <a:tcPr anchor="ctr">
@@ -22929,7 +22903,21 @@
                           <a:latin typeface="Times New Roman" panose="02020603050405020304" pitchFamily="18" charset="0"/>
                           <a:cs typeface="Times New Roman" panose="02020603050405020304" pitchFamily="18" charset="0"/>
                         </a:rPr>
-                        <a:t>      Male</a:t>
+                        <a:t>   </a:t>
+                      </a:r>
+                      <a:r>
+                        <a:rPr lang="en-US" altLang="ko-KR" sz="1200" dirty="0" smtClean="0">
+                          <a:latin typeface="Times New Roman" panose="02020603050405020304" pitchFamily="18" charset="0"/>
+                          <a:cs typeface="Times New Roman" panose="02020603050405020304" pitchFamily="18" charset="0"/>
+                        </a:rPr>
+                        <a:t>  </a:t>
+                      </a:r>
+                      <a:r>
+                        <a:rPr lang="en-US" altLang="ko-KR" sz="1200" dirty="0" smtClean="0">
+                          <a:latin typeface="Times New Roman" panose="02020603050405020304" pitchFamily="18" charset="0"/>
+                          <a:cs typeface="Times New Roman" panose="02020603050405020304" pitchFamily="18" charset="0"/>
+                        </a:rPr>
+                        <a:t>Normal</a:t>
                       </a:r>
                       <a:endParaRPr lang="ko-KR" altLang="en-US" sz="1200" dirty="0">
                         <a:latin typeface="Times New Roman" panose="02020603050405020304" pitchFamily="18" charset="0"/>
@@ -22987,53 +22975,9 @@
                           <a:latin typeface="Times New Roman" panose="02020603050405020304" pitchFamily="18" charset="0"/>
                           <a:cs typeface="Times New Roman" panose="02020603050405020304" pitchFamily="18" charset="0"/>
                         </a:rPr>
-                        <a:t>2,366 (49.32%)</a:t>
+                        <a:t>0 (0%)</a:t>
                       </a:r>
                       <a:endParaRPr lang="ko-KR" altLang="en-US" sz="1200" dirty="0" smtClean="0">
-                        <a:latin typeface="Times New Roman" panose="02020603050405020304" pitchFamily="18" charset="0"/>
-                        <a:cs typeface="Times New Roman" panose="02020603050405020304" pitchFamily="18" charset="0"/>
-                      </a:endParaRPr>
-                    </a:p>
-                  </a:txBody>
-                  <a:tcPr anchor="ctr">
-                    <a:lnL w="12700" cmpd="sng">
-                      <a:noFill/>
-                    </a:lnL>
-                    <a:lnR w="12700" cmpd="sng">
-                      <a:noFill/>
-                    </a:lnR>
-                    <a:lnT w="12700" cmpd="sng">
-                      <a:noFill/>
-                    </a:lnT>
-                    <a:lnB w="12700" cmpd="sng">
-                      <a:noFill/>
-                    </a:lnB>
-                    <a:lnTlToBr w="12700" cmpd="sng">
-                      <a:noFill/>
-                      <a:prstDash val="solid"/>
-                    </a:lnTlToBr>
-                    <a:lnBlToTr w="12700" cmpd="sng">
-                      <a:noFill/>
-                      <a:prstDash val="solid"/>
-                    </a:lnBlToTr>
-                  </a:tcPr>
-                </a:tc>
-              </a:tr>
-              <a:tr h="0">
-                <a:tc>
-                  <a:txBody>
-                    <a:bodyPr/>
-                    <a:lstStyle/>
-                    <a:p>
-                      <a:pPr latinLnBrk="1"/>
-                      <a:r>
-                        <a:rPr lang="en-US" altLang="ko-KR" sz="1200" dirty="0" smtClean="0">
-                          <a:latin typeface="Times New Roman" panose="02020603050405020304" pitchFamily="18" charset="0"/>
-                          <a:cs typeface="Times New Roman" panose="02020603050405020304" pitchFamily="18" charset="0"/>
-                        </a:rPr>
-                        <a:t>      Female</a:t>
-                      </a:r>
-                      <a:endParaRPr lang="ko-KR" altLang="en-US" sz="1200" dirty="0">
                         <a:latin typeface="Times New Roman" panose="02020603050405020304" pitchFamily="18" charset="0"/>
                         <a:cs typeface="Times New Roman" panose="02020603050405020304" pitchFamily="18" charset="0"/>
                       </a:endParaRPr>
@@ -23089,7 +23033,7 @@
                           <a:latin typeface="Times New Roman" panose="02020603050405020304" pitchFamily="18" charset="0"/>
                           <a:cs typeface="Times New Roman" panose="02020603050405020304" pitchFamily="18" charset="0"/>
                         </a:rPr>
-                        <a:t>2,431 (50.68%)</a:t>
+                        <a:t>3,034 (73.13%)</a:t>
                       </a:r>
                       <a:endParaRPr lang="ko-KR" altLang="en-US" sz="1200" dirty="0" smtClean="0">
                         <a:latin typeface="Times New Roman" panose="02020603050405020304" pitchFamily="18" charset="0"/>
@@ -23133,9 +23077,131 @@
                           <a:latin typeface="Times New Roman" panose="02020603050405020304" pitchFamily="18" charset="0"/>
                           <a:cs typeface="Times New Roman" panose="02020603050405020304" pitchFamily="18" charset="0"/>
                         </a:rPr>
-                        <a:t>Age</a:t>
+                        <a:t>Sex</a:t>
                       </a:r>
                       <a:endParaRPr lang="ko-KR" altLang="en-US" sz="1200" b="1" i="1" dirty="0">
+                        <a:latin typeface="Times New Roman" panose="02020603050405020304" pitchFamily="18" charset="0"/>
+                        <a:cs typeface="Times New Roman" panose="02020603050405020304" pitchFamily="18" charset="0"/>
+                      </a:endParaRPr>
+                    </a:p>
+                  </a:txBody>
+                  <a:tcPr anchor="ctr">
+                    <a:lnL w="12700" cmpd="sng">
+                      <a:noFill/>
+                    </a:lnL>
+                    <a:lnR w="12700" cmpd="sng">
+                      <a:noFill/>
+                    </a:lnR>
+                    <a:lnT w="12700" cmpd="sng">
+                      <a:noFill/>
+                    </a:lnT>
+                    <a:lnB w="12700" cmpd="sng">
+                      <a:noFill/>
+                    </a:lnB>
+                    <a:lnTlToBr w="12700" cmpd="sng">
+                      <a:noFill/>
+                      <a:prstDash val="solid"/>
+                    </a:lnTlToBr>
+                    <a:lnBlToTr w="12700" cmpd="sng">
+                      <a:noFill/>
+                      <a:prstDash val="solid"/>
+                    </a:lnBlToTr>
+                  </a:tcPr>
+                </a:tc>
+                <a:tc>
+                  <a:txBody>
+                    <a:bodyPr/>
+                    <a:lstStyle/>
+                    <a:p>
+                      <a:pPr algn="r"/>
+                      <a:endParaRPr lang="ko-KR" altLang="en-US" dirty="0"/>
+                    </a:p>
+                  </a:txBody>
+                  <a:tcPr anchor="ctr">
+                    <a:lnL w="12700" cmpd="sng">
+                      <a:noFill/>
+                    </a:lnL>
+                    <a:lnR w="12700" cmpd="sng">
+                      <a:noFill/>
+                    </a:lnR>
+                    <a:lnT w="12700" cmpd="sng">
+                      <a:noFill/>
+                    </a:lnT>
+                    <a:lnB w="12700" cmpd="sng">
+                      <a:noFill/>
+                    </a:lnB>
+                    <a:lnTlToBr w="12700" cmpd="sng">
+                      <a:noFill/>
+                      <a:prstDash val="solid"/>
+                    </a:lnTlToBr>
+                    <a:lnBlToTr w="12700" cmpd="sng">
+                      <a:noFill/>
+                      <a:prstDash val="solid"/>
+                    </a:lnBlToTr>
+                  </a:tcPr>
+                </a:tc>
+                <a:tc>
+                  <a:txBody>
+                    <a:bodyPr/>
+                    <a:lstStyle/>
+                    <a:p>
+                      <a:pPr algn="r"/>
+                      <a:endParaRPr lang="ko-KR" altLang="en-US" dirty="0"/>
+                    </a:p>
+                  </a:txBody>
+                  <a:tcPr anchor="ctr">
+                    <a:lnL w="12700" cmpd="sng">
+                      <a:noFill/>
+                    </a:lnL>
+                    <a:lnR w="12700" cmpd="sng">
+                      <a:noFill/>
+                    </a:lnR>
+                    <a:lnT w="12700" cmpd="sng">
+                      <a:noFill/>
+                    </a:lnT>
+                    <a:lnB w="12700" cmpd="sng">
+                      <a:noFill/>
+                    </a:lnB>
+                    <a:lnTlToBr w="12700" cmpd="sng">
+                      <a:noFill/>
+                      <a:prstDash val="solid"/>
+                    </a:lnTlToBr>
+                    <a:lnBlToTr w="12700" cmpd="sng">
+                      <a:noFill/>
+                      <a:prstDash val="solid"/>
+                    </a:lnBlToTr>
+                  </a:tcPr>
+                </a:tc>
+              </a:tr>
+              <a:tr h="0">
+                <a:tc>
+                  <a:txBody>
+                    <a:bodyPr/>
+                    <a:lstStyle/>
+                    <a:p>
+                      <a:pPr latinLnBrk="1"/>
+                      <a:r>
+                        <a:rPr lang="en-US" altLang="ko-KR" sz="1200" dirty="0" smtClean="0">
+                          <a:latin typeface="Times New Roman" panose="02020603050405020304" pitchFamily="18" charset="0"/>
+                          <a:cs typeface="Times New Roman" panose="02020603050405020304" pitchFamily="18" charset="0"/>
+                        </a:rPr>
+                        <a:t>  </a:t>
+                      </a:r>
+                      <a:r>
+                        <a:rPr lang="en-US" altLang="ko-KR" sz="1200" dirty="0" smtClean="0">
+                          <a:latin typeface="Times New Roman" panose="02020603050405020304" pitchFamily="18" charset="0"/>
+                          <a:cs typeface="Times New Roman" panose="02020603050405020304" pitchFamily="18" charset="0"/>
+                        </a:rPr>
+                        <a:t>   </a:t>
+                      </a:r>
+                      <a:r>
+                        <a:rPr lang="en-US" altLang="ko-KR" sz="1200" dirty="0" smtClean="0">
+                          <a:latin typeface="Times New Roman" panose="02020603050405020304" pitchFamily="18" charset="0"/>
+                          <a:cs typeface="Times New Roman" panose="02020603050405020304" pitchFamily="18" charset="0"/>
+                        </a:rPr>
+                        <a:t>Male</a:t>
+                      </a:r>
+                      <a:endParaRPr lang="ko-KR" altLang="en-US" sz="1200" dirty="0">
                         <a:latin typeface="Times New Roman" panose="02020603050405020304" pitchFamily="18" charset="0"/>
                         <a:cs typeface="Times New Roman" panose="02020603050405020304" pitchFamily="18" charset="0"/>
                       </a:endParaRPr>
@@ -23191,7 +23257,7 @@
                           <a:latin typeface="Times New Roman" panose="02020603050405020304" pitchFamily="18" charset="0"/>
                           <a:cs typeface="Times New Roman" panose="02020603050405020304" pitchFamily="18" charset="0"/>
                         </a:rPr>
-                        <a:t>48.63 (15.7)</a:t>
+                        <a:t>308 (47.53%)</a:t>
                       </a:r>
                       <a:endParaRPr lang="ko-KR" altLang="en-US" sz="1200" dirty="0" smtClean="0">
                         <a:latin typeface="Times New Roman" panose="02020603050405020304" pitchFamily="18" charset="0"/>
@@ -23222,9 +23288,401 @@
                     </a:lnBlToTr>
                   </a:tcPr>
                 </a:tc>
+                <a:tc>
+                  <a:txBody>
+                    <a:bodyPr/>
+                    <a:lstStyle/>
+                    <a:p>
+                      <a:pPr marL="0" marR="0" indent="0" algn="r" defTabSz="914400" rtl="0" eaLnBrk="1" fontAlgn="auto" latinLnBrk="1" hangingPunct="1">
+                        <a:lnSpc>
+                          <a:spcPct val="100000"/>
+                        </a:lnSpc>
+                        <a:spcBef>
+                          <a:spcPts val="0"/>
+                        </a:spcBef>
+                        <a:spcAft>
+                          <a:spcPts val="0"/>
+                        </a:spcAft>
+                        <a:buClrTx/>
+                        <a:buSzTx/>
+                        <a:buFontTx/>
+                        <a:buNone/>
+                        <a:tabLst/>
+                        <a:defRPr/>
+                      </a:pPr>
+                      <a:r>
+                        <a:rPr lang="en-US" altLang="ko-KR" sz="1200" dirty="0" smtClean="0">
+                          <a:latin typeface="Times New Roman" panose="02020603050405020304" pitchFamily="18" charset="0"/>
+                          <a:cs typeface="Times New Roman" panose="02020603050405020304" pitchFamily="18" charset="0"/>
+                        </a:rPr>
+                        <a:t>2,058 (49.6%)</a:t>
+                      </a:r>
+                      <a:endParaRPr lang="ko-KR" altLang="en-US" sz="1200" dirty="0" smtClean="0">
+                        <a:latin typeface="Times New Roman" panose="02020603050405020304" pitchFamily="18" charset="0"/>
+                        <a:cs typeface="Times New Roman" panose="02020603050405020304" pitchFamily="18" charset="0"/>
+                      </a:endParaRPr>
+                    </a:p>
+                  </a:txBody>
+                  <a:tcPr anchor="ctr">
+                    <a:lnL w="12700" cmpd="sng">
+                      <a:noFill/>
+                    </a:lnL>
+                    <a:lnR w="12700" cmpd="sng">
+                      <a:noFill/>
+                    </a:lnR>
+                    <a:lnT w="12700" cmpd="sng">
+                      <a:noFill/>
+                    </a:lnT>
+                    <a:lnB w="12700" cmpd="sng">
+                      <a:noFill/>
+                    </a:lnB>
+                    <a:lnTlToBr w="12700" cmpd="sng">
+                      <a:noFill/>
+                      <a:prstDash val="solid"/>
+                    </a:lnTlToBr>
+                    <a:lnBlToTr w="12700" cmpd="sng">
+                      <a:noFill/>
+                      <a:prstDash val="solid"/>
+                    </a:lnBlToTr>
+                  </a:tcPr>
+                </a:tc>
               </a:tr>
               <a:tr h="0">
                 <a:tc>
+                  <a:txBody>
+                    <a:bodyPr/>
+                    <a:lstStyle/>
+                    <a:p>
+                      <a:pPr latinLnBrk="1"/>
+                      <a:r>
+                        <a:rPr lang="en-US" altLang="ko-KR" sz="1200" dirty="0" smtClean="0">
+                          <a:latin typeface="Times New Roman" panose="02020603050405020304" pitchFamily="18" charset="0"/>
+                          <a:cs typeface="Times New Roman" panose="02020603050405020304" pitchFamily="18" charset="0"/>
+                        </a:rPr>
+                        <a:t>  </a:t>
+                      </a:r>
+                      <a:r>
+                        <a:rPr lang="en-US" altLang="ko-KR" sz="1200" dirty="0" smtClean="0">
+                          <a:latin typeface="Times New Roman" panose="02020603050405020304" pitchFamily="18" charset="0"/>
+                          <a:cs typeface="Times New Roman" panose="02020603050405020304" pitchFamily="18" charset="0"/>
+                        </a:rPr>
+                        <a:t>   </a:t>
+                      </a:r>
+                      <a:r>
+                        <a:rPr lang="en-US" altLang="ko-KR" sz="1200" dirty="0" smtClean="0">
+                          <a:latin typeface="Times New Roman" panose="02020603050405020304" pitchFamily="18" charset="0"/>
+                          <a:cs typeface="Times New Roman" panose="02020603050405020304" pitchFamily="18" charset="0"/>
+                        </a:rPr>
+                        <a:t>Female</a:t>
+                      </a:r>
+                      <a:endParaRPr lang="ko-KR" altLang="en-US" sz="1200" dirty="0">
+                        <a:latin typeface="Times New Roman" panose="02020603050405020304" pitchFamily="18" charset="0"/>
+                        <a:cs typeface="Times New Roman" panose="02020603050405020304" pitchFamily="18" charset="0"/>
+                      </a:endParaRPr>
+                    </a:p>
+                  </a:txBody>
+                  <a:tcPr anchor="ctr">
+                    <a:lnL w="12700" cmpd="sng">
+                      <a:noFill/>
+                    </a:lnL>
+                    <a:lnR w="12700" cmpd="sng">
+                      <a:noFill/>
+                    </a:lnR>
+                    <a:lnT w="12700" cmpd="sng">
+                      <a:noFill/>
+                    </a:lnT>
+                    <a:lnB w="12700" cmpd="sng">
+                      <a:noFill/>
+                    </a:lnB>
+                    <a:lnTlToBr w="12700" cmpd="sng">
+                      <a:noFill/>
+                      <a:prstDash val="solid"/>
+                    </a:lnTlToBr>
+                    <a:lnBlToTr w="12700" cmpd="sng">
+                      <a:noFill/>
+                      <a:prstDash val="solid"/>
+                    </a:lnBlToTr>
+                  </a:tcPr>
+                </a:tc>
+                <a:tc>
+                  <a:txBody>
+                    <a:bodyPr/>
+                    <a:lstStyle/>
+                    <a:p>
+                      <a:pPr marL="0" marR="0" indent="0" algn="r" defTabSz="914400" rtl="0" eaLnBrk="1" fontAlgn="auto" latinLnBrk="1" hangingPunct="1">
+                        <a:lnSpc>
+                          <a:spcPct val="100000"/>
+                        </a:lnSpc>
+                        <a:spcBef>
+                          <a:spcPts val="0"/>
+                        </a:spcBef>
+                        <a:spcAft>
+                          <a:spcPts val="0"/>
+                        </a:spcAft>
+                        <a:buClrTx/>
+                        <a:buSzTx/>
+                        <a:buFontTx/>
+                        <a:buNone/>
+                        <a:tabLst/>
+                        <a:defRPr/>
+                      </a:pPr>
+                      <a:r>
+                        <a:rPr lang="en-US" altLang="ko-KR" sz="1200" dirty="0" smtClean="0">
+                          <a:latin typeface="Times New Roman" panose="02020603050405020304" pitchFamily="18" charset="0"/>
+                          <a:cs typeface="Times New Roman" panose="02020603050405020304" pitchFamily="18" charset="0"/>
+                        </a:rPr>
+                        <a:t>340 (52.47%)</a:t>
+                      </a:r>
+                      <a:endParaRPr lang="ko-KR" altLang="en-US" sz="1200" dirty="0" smtClean="0">
+                        <a:latin typeface="Times New Roman" panose="02020603050405020304" pitchFamily="18" charset="0"/>
+                        <a:cs typeface="Times New Roman" panose="02020603050405020304" pitchFamily="18" charset="0"/>
+                      </a:endParaRPr>
+                    </a:p>
+                  </a:txBody>
+                  <a:tcPr anchor="ctr">
+                    <a:lnL w="12700" cmpd="sng">
+                      <a:noFill/>
+                    </a:lnL>
+                    <a:lnR w="12700" cmpd="sng">
+                      <a:noFill/>
+                    </a:lnR>
+                    <a:lnT w="12700" cmpd="sng">
+                      <a:noFill/>
+                    </a:lnT>
+                    <a:lnB w="12700" cmpd="sng">
+                      <a:noFill/>
+                    </a:lnB>
+                    <a:lnTlToBr w="12700" cmpd="sng">
+                      <a:noFill/>
+                      <a:prstDash val="solid"/>
+                    </a:lnTlToBr>
+                    <a:lnBlToTr w="12700" cmpd="sng">
+                      <a:noFill/>
+                      <a:prstDash val="solid"/>
+                    </a:lnBlToTr>
+                  </a:tcPr>
+                </a:tc>
+                <a:tc>
+                  <a:txBody>
+                    <a:bodyPr/>
+                    <a:lstStyle/>
+                    <a:p>
+                      <a:pPr marL="0" marR="0" indent="0" algn="r" defTabSz="914400" rtl="0" eaLnBrk="1" fontAlgn="auto" latinLnBrk="1" hangingPunct="1">
+                        <a:lnSpc>
+                          <a:spcPct val="100000"/>
+                        </a:lnSpc>
+                        <a:spcBef>
+                          <a:spcPts val="0"/>
+                        </a:spcBef>
+                        <a:spcAft>
+                          <a:spcPts val="0"/>
+                        </a:spcAft>
+                        <a:buClrTx/>
+                        <a:buSzTx/>
+                        <a:buFontTx/>
+                        <a:buNone/>
+                        <a:tabLst/>
+                        <a:defRPr/>
+                      </a:pPr>
+                      <a:r>
+                        <a:rPr lang="en-US" altLang="ko-KR" sz="1200" dirty="0" smtClean="0">
+                          <a:latin typeface="Times New Roman" panose="02020603050405020304" pitchFamily="18" charset="0"/>
+                          <a:cs typeface="Times New Roman" panose="02020603050405020304" pitchFamily="18" charset="0"/>
+                        </a:rPr>
+                        <a:t> 2,091 (50.4%)</a:t>
+                      </a:r>
+                      <a:endParaRPr lang="ko-KR" altLang="en-US" sz="1200" dirty="0" smtClean="0">
+                        <a:latin typeface="Times New Roman" panose="02020603050405020304" pitchFamily="18" charset="0"/>
+                        <a:cs typeface="Times New Roman" panose="02020603050405020304" pitchFamily="18" charset="0"/>
+                      </a:endParaRPr>
+                    </a:p>
+                  </a:txBody>
+                  <a:tcPr anchor="ctr">
+                    <a:lnL w="12700" cmpd="sng">
+                      <a:noFill/>
+                    </a:lnL>
+                    <a:lnR w="12700" cmpd="sng">
+                      <a:noFill/>
+                    </a:lnR>
+                    <a:lnT w="12700" cmpd="sng">
+                      <a:noFill/>
+                    </a:lnT>
+                    <a:lnB w="12700" cmpd="sng">
+                      <a:noFill/>
+                    </a:lnB>
+                    <a:lnTlToBr w="12700" cmpd="sng">
+                      <a:noFill/>
+                      <a:prstDash val="solid"/>
+                    </a:lnTlToBr>
+                    <a:lnBlToTr w="12700" cmpd="sng">
+                      <a:noFill/>
+                      <a:prstDash val="solid"/>
+                    </a:lnBlToTr>
+                  </a:tcPr>
+                </a:tc>
+              </a:tr>
+              <a:tr h="0">
+                <a:tc>
+                  <a:txBody>
+                    <a:bodyPr/>
+                    <a:lstStyle/>
+                    <a:p>
+                      <a:pPr latinLnBrk="1"/>
+                      <a:r>
+                        <a:rPr lang="en-US" altLang="ko-KR" sz="1200" b="1" i="1" dirty="0" smtClean="0">
+                          <a:latin typeface="Times New Roman" panose="02020603050405020304" pitchFamily="18" charset="0"/>
+                          <a:cs typeface="Times New Roman" panose="02020603050405020304" pitchFamily="18" charset="0"/>
+                        </a:rPr>
+                        <a:t>Age</a:t>
+                      </a:r>
+                      <a:endParaRPr lang="ko-KR" altLang="en-US" sz="1200" b="1" i="1" dirty="0">
+                        <a:latin typeface="Times New Roman" panose="02020603050405020304" pitchFamily="18" charset="0"/>
+                        <a:cs typeface="Times New Roman" panose="02020603050405020304" pitchFamily="18" charset="0"/>
+                      </a:endParaRPr>
+                    </a:p>
+                  </a:txBody>
+                  <a:tcPr anchor="ctr">
+                    <a:lnL w="12700" cmpd="sng">
+                      <a:noFill/>
+                    </a:lnL>
+                    <a:lnR w="12700" cmpd="sng">
+                      <a:noFill/>
+                    </a:lnR>
+                    <a:lnT w="12700" cmpd="sng">
+                      <a:noFill/>
+                    </a:lnT>
+                    <a:lnB w="12700" cmpd="sng">
+                      <a:noFill/>
+                    </a:lnB>
+                    <a:lnTlToBr w="12700" cmpd="sng">
+                      <a:noFill/>
+                      <a:prstDash val="solid"/>
+                    </a:lnTlToBr>
+                    <a:lnBlToTr w="12700" cmpd="sng">
+                      <a:noFill/>
+                      <a:prstDash val="solid"/>
+                    </a:lnBlToTr>
+                  </a:tcPr>
+                </a:tc>
+                <a:tc>
+                  <a:txBody>
+                    <a:bodyPr/>
+                    <a:lstStyle/>
+                    <a:p>
+                      <a:pPr marL="0" marR="0" indent="0" algn="r" defTabSz="914400" rtl="0" eaLnBrk="1" fontAlgn="auto" latinLnBrk="1" hangingPunct="1">
+                        <a:lnSpc>
+                          <a:spcPct val="100000"/>
+                        </a:lnSpc>
+                        <a:spcBef>
+                          <a:spcPts val="0"/>
+                        </a:spcBef>
+                        <a:spcAft>
+                          <a:spcPts val="0"/>
+                        </a:spcAft>
+                        <a:buClrTx/>
+                        <a:buSzTx/>
+                        <a:buFontTx/>
+                        <a:buNone/>
+                        <a:tabLst/>
+                        <a:defRPr/>
+                      </a:pPr>
+                      <a:r>
+                        <a:rPr lang="en-US" altLang="ko-KR" sz="1200" dirty="0" smtClean="0">
+                          <a:latin typeface="Times New Roman" panose="02020603050405020304" pitchFamily="18" charset="0"/>
+                          <a:cs typeface="Times New Roman" panose="02020603050405020304" pitchFamily="18" charset="0"/>
+                        </a:rPr>
+                        <a:t>55.44 (10.7)</a:t>
+                      </a:r>
+                      <a:endParaRPr lang="ko-KR" altLang="en-US" sz="1200" dirty="0" smtClean="0">
+                        <a:latin typeface="Times New Roman" panose="02020603050405020304" pitchFamily="18" charset="0"/>
+                        <a:cs typeface="Times New Roman" panose="02020603050405020304" pitchFamily="18" charset="0"/>
+                      </a:endParaRPr>
+                    </a:p>
+                  </a:txBody>
+                  <a:tcPr anchor="ctr">
+                    <a:lnL w="12700" cmpd="sng">
+                      <a:noFill/>
+                    </a:lnL>
+                    <a:lnR w="12700" cmpd="sng">
+                      <a:noFill/>
+                    </a:lnR>
+                    <a:lnT w="12700" cmpd="sng">
+                      <a:noFill/>
+                    </a:lnT>
+                    <a:lnB w="12700" cmpd="sng">
+                      <a:noFill/>
+                    </a:lnB>
+                    <a:lnTlToBr w="12700" cmpd="sng">
+                      <a:noFill/>
+                      <a:prstDash val="solid"/>
+                    </a:lnTlToBr>
+                    <a:lnBlToTr w="12700" cmpd="sng">
+                      <a:noFill/>
+                      <a:prstDash val="solid"/>
+                    </a:lnBlToTr>
+                  </a:tcPr>
+                </a:tc>
+                <a:tc>
+                  <a:txBody>
+                    <a:bodyPr/>
+                    <a:lstStyle/>
+                    <a:p>
+                      <a:pPr marL="0" marR="0" indent="0" algn="r" defTabSz="914400" rtl="0" eaLnBrk="1" fontAlgn="auto" latinLnBrk="1" hangingPunct="1">
+                        <a:lnSpc>
+                          <a:spcPct val="100000"/>
+                        </a:lnSpc>
+                        <a:spcBef>
+                          <a:spcPts val="0"/>
+                        </a:spcBef>
+                        <a:spcAft>
+                          <a:spcPts val="0"/>
+                        </a:spcAft>
+                        <a:buClrTx/>
+                        <a:buSzTx/>
+                        <a:buFontTx/>
+                        <a:buNone/>
+                        <a:tabLst/>
+                        <a:defRPr/>
+                      </a:pPr>
+                      <a:r>
+                        <a:rPr lang="en-US" altLang="ko-KR" sz="1200" dirty="0" smtClean="0">
+                          <a:latin typeface="Times New Roman" panose="02020603050405020304" pitchFamily="18" charset="0"/>
+                          <a:cs typeface="Times New Roman" panose="02020603050405020304" pitchFamily="18" charset="0"/>
+                        </a:rPr>
+                        <a:t>47.56 (16.09)</a:t>
+                      </a:r>
+                      <a:endParaRPr lang="ko-KR" altLang="en-US" sz="1200" dirty="0" smtClean="0">
+                        <a:latin typeface="Times New Roman" panose="02020603050405020304" pitchFamily="18" charset="0"/>
+                        <a:cs typeface="Times New Roman" panose="02020603050405020304" pitchFamily="18" charset="0"/>
+                      </a:endParaRPr>
+                    </a:p>
+                  </a:txBody>
+                  <a:tcPr anchor="ctr">
+                    <a:lnL w="12700" cmpd="sng">
+                      <a:noFill/>
+                    </a:lnL>
+                    <a:lnR w="12700" cmpd="sng">
+                      <a:noFill/>
+                    </a:lnR>
+                    <a:lnT w="12700" cmpd="sng">
+                      <a:noFill/>
+                    </a:lnT>
+                    <a:lnB w="12700" cmpd="sng">
+                      <a:noFill/>
+                    </a:lnB>
+                    <a:lnTlToBr w="12700" cmpd="sng">
+                      <a:noFill/>
+                      <a:prstDash val="solid"/>
+                    </a:lnTlToBr>
+                    <a:lnBlToTr w="12700" cmpd="sng">
+                      <a:noFill/>
+                      <a:prstDash val="solid"/>
+                    </a:lnBlToTr>
+                  </a:tcPr>
+                </a:tc>
+              </a:tr>
+              <a:tr h="0">
+                <a:tc gridSpan="2">
                   <a:txBody>
                     <a:bodyPr/>
                     <a:lstStyle/>
@@ -23293,6 +23751,57 @@
                     </a:lnBlToTr>
                   </a:tcPr>
                 </a:tc>
+                <a:tc hMerge="1">
+                  <a:txBody>
+                    <a:bodyPr/>
+                    <a:lstStyle/>
+                    <a:p>
+                      <a:pPr marL="0" marR="0" indent="0" algn="r" defTabSz="914400" rtl="0" eaLnBrk="1" fontAlgn="auto" latinLnBrk="1" hangingPunct="1">
+                        <a:lnSpc>
+                          <a:spcPct val="100000"/>
+                        </a:lnSpc>
+                        <a:spcBef>
+                          <a:spcPts val="0"/>
+                        </a:spcBef>
+                        <a:spcAft>
+                          <a:spcPts val="0"/>
+                        </a:spcAft>
+                        <a:buClrTx/>
+                        <a:buSzTx/>
+                        <a:buFontTx/>
+                        <a:buNone/>
+                        <a:tabLst/>
+                        <a:defRPr/>
+                      </a:pPr>
+                      <a:endParaRPr lang="ko-KR" altLang="en-US" sz="1200" dirty="0" smtClean="0">
+                        <a:latin typeface="Times New Roman" panose="02020603050405020304" pitchFamily="18" charset="0"/>
+                        <a:cs typeface="Times New Roman" panose="02020603050405020304" pitchFamily="18" charset="0"/>
+                      </a:endParaRPr>
+                    </a:p>
+                  </a:txBody>
+                  <a:tcPr anchor="ctr">
+                    <a:lnL w="12700" cmpd="sng">
+                      <a:noFill/>
+                    </a:lnL>
+                    <a:lnR w="12700" cmpd="sng">
+                      <a:noFill/>
+                    </a:lnR>
+                    <a:lnT w="12700" cmpd="sng">
+                      <a:noFill/>
+                    </a:lnT>
+                    <a:lnB w="12700" cmpd="sng">
+                      <a:noFill/>
+                    </a:lnB>
+                    <a:lnTlToBr w="12700" cmpd="sng">
+                      <a:noFill/>
+                      <a:prstDash val="solid"/>
+                    </a:lnTlToBr>
+                    <a:lnBlToTr w="12700" cmpd="sng">
+                      <a:noFill/>
+                      <a:prstDash val="solid"/>
+                    </a:lnBlToTr>
+                  </a:tcPr>
+                </a:tc>
                 <a:tc>
                   <a:txBody>
                     <a:bodyPr/>
@@ -23357,9 +23866,74 @@
                           <a:latin typeface="Times New Roman" panose="02020603050405020304" pitchFamily="18" charset="0"/>
                           <a:cs typeface="Times New Roman" panose="02020603050405020304" pitchFamily="18" charset="0"/>
                         </a:rPr>
-                        <a:t>      Parents</a:t>
+                        <a:t>    </a:t>
+                      </a:r>
+                      <a:r>
+                        <a:rPr lang="en-US" altLang="ko-KR" sz="1200" dirty="0" smtClean="0">
+                          <a:latin typeface="Times New Roman" panose="02020603050405020304" pitchFamily="18" charset="0"/>
+                          <a:cs typeface="Times New Roman" panose="02020603050405020304" pitchFamily="18" charset="0"/>
+                        </a:rPr>
+                        <a:t> </a:t>
+                      </a:r>
+                      <a:r>
+                        <a:rPr lang="en-US" altLang="ko-KR" sz="1200" dirty="0" smtClean="0">
+                          <a:latin typeface="Times New Roman" panose="02020603050405020304" pitchFamily="18" charset="0"/>
+                          <a:cs typeface="Times New Roman" panose="02020603050405020304" pitchFamily="18" charset="0"/>
+                        </a:rPr>
+                        <a:t>Parents</a:t>
                       </a:r>
                       <a:endParaRPr lang="ko-KR" altLang="en-US" sz="1200" dirty="0">
+                        <a:latin typeface="Times New Roman" panose="02020603050405020304" pitchFamily="18" charset="0"/>
+                        <a:cs typeface="Times New Roman" panose="02020603050405020304" pitchFamily="18" charset="0"/>
+                      </a:endParaRPr>
+                    </a:p>
+                  </a:txBody>
+                  <a:tcPr anchor="ctr">
+                    <a:lnL w="12700" cmpd="sng">
+                      <a:noFill/>
+                    </a:lnL>
+                    <a:lnR w="12700" cmpd="sng">
+                      <a:noFill/>
+                    </a:lnR>
+                    <a:lnT w="12700" cmpd="sng">
+                      <a:noFill/>
+                    </a:lnT>
+                    <a:lnB w="12700" cmpd="sng">
+                      <a:noFill/>
+                    </a:lnB>
+                    <a:lnTlToBr w="12700" cmpd="sng">
+                      <a:noFill/>
+                      <a:prstDash val="solid"/>
+                    </a:lnTlToBr>
+                    <a:lnBlToTr w="12700" cmpd="sng">
+                      <a:noFill/>
+                      <a:prstDash val="solid"/>
+                    </a:lnBlToTr>
+                  </a:tcPr>
+                </a:tc>
+                <a:tc>
+                  <a:txBody>
+                    <a:bodyPr/>
+                    <a:lstStyle/>
+                    <a:p>
+                      <a:pPr marL="0" marR="0" indent="0" algn="r" defTabSz="914400" rtl="0" eaLnBrk="1" fontAlgn="auto" latinLnBrk="1" hangingPunct="1">
+                        <a:lnSpc>
+                          <a:spcPct val="100000"/>
+                        </a:lnSpc>
+                        <a:spcBef>
+                          <a:spcPts val="0"/>
+                        </a:spcBef>
+                        <a:spcAft>
+                          <a:spcPts val="0"/>
+                        </a:spcAft>
+                        <a:buClrTx/>
+                        <a:buSzTx/>
+                        <a:buFontTx/>
+                        <a:buNone/>
+                        <a:tabLst/>
+                        <a:defRPr/>
+                      </a:pPr>
+                      <a:endParaRPr lang="ko-KR" altLang="en-US" sz="1200" dirty="0" smtClean="0">
                         <a:latin typeface="Times New Roman" panose="02020603050405020304" pitchFamily="18" charset="0"/>
                         <a:cs typeface="Times New Roman" panose="02020603050405020304" pitchFamily="18" charset="0"/>
                       </a:endParaRPr>
@@ -23459,9 +24033,74 @@
                           <a:latin typeface="Times New Roman" panose="02020603050405020304" pitchFamily="18" charset="0"/>
                           <a:cs typeface="Times New Roman" panose="02020603050405020304" pitchFamily="18" charset="0"/>
                         </a:rPr>
-                        <a:t>      Sibling</a:t>
+                        <a:t>    </a:t>
+                      </a:r>
+                      <a:r>
+                        <a:rPr lang="en-US" altLang="ko-KR" sz="1200" dirty="0" smtClean="0">
+                          <a:latin typeface="Times New Roman" panose="02020603050405020304" pitchFamily="18" charset="0"/>
+                          <a:cs typeface="Times New Roman" panose="02020603050405020304" pitchFamily="18" charset="0"/>
+                        </a:rPr>
+                        <a:t> </a:t>
+                      </a:r>
+                      <a:r>
+                        <a:rPr lang="en-US" altLang="ko-KR" sz="1200" dirty="0" smtClean="0">
+                          <a:latin typeface="Times New Roman" panose="02020603050405020304" pitchFamily="18" charset="0"/>
+                          <a:cs typeface="Times New Roman" panose="02020603050405020304" pitchFamily="18" charset="0"/>
+                        </a:rPr>
+                        <a:t>Sibling</a:t>
                       </a:r>
                       <a:endParaRPr lang="ko-KR" altLang="en-US" sz="1200" dirty="0">
+                        <a:latin typeface="Times New Roman" panose="02020603050405020304" pitchFamily="18" charset="0"/>
+                        <a:cs typeface="Times New Roman" panose="02020603050405020304" pitchFamily="18" charset="0"/>
+                      </a:endParaRPr>
+                    </a:p>
+                  </a:txBody>
+                  <a:tcPr anchor="ctr">
+                    <a:lnL w="12700" cmpd="sng">
+                      <a:noFill/>
+                    </a:lnL>
+                    <a:lnR w="12700" cmpd="sng">
+                      <a:noFill/>
+                    </a:lnR>
+                    <a:lnT w="12700" cmpd="sng">
+                      <a:noFill/>
+                    </a:lnT>
+                    <a:lnB w="12700" cmpd="sng">
+                      <a:noFill/>
+                    </a:lnB>
+                    <a:lnTlToBr w="12700" cmpd="sng">
+                      <a:noFill/>
+                      <a:prstDash val="solid"/>
+                    </a:lnTlToBr>
+                    <a:lnBlToTr w="12700" cmpd="sng">
+                      <a:noFill/>
+                      <a:prstDash val="solid"/>
+                    </a:lnBlToTr>
+                  </a:tcPr>
+                </a:tc>
+                <a:tc>
+                  <a:txBody>
+                    <a:bodyPr/>
+                    <a:lstStyle/>
+                    <a:p>
+                      <a:pPr marL="0" marR="0" indent="0" algn="r" defTabSz="914400" rtl="0" eaLnBrk="1" fontAlgn="auto" latinLnBrk="1" hangingPunct="1">
+                        <a:lnSpc>
+                          <a:spcPct val="100000"/>
+                        </a:lnSpc>
+                        <a:spcBef>
+                          <a:spcPts val="0"/>
+                        </a:spcBef>
+                        <a:spcAft>
+                          <a:spcPts val="0"/>
+                        </a:spcAft>
+                        <a:buClrTx/>
+                        <a:buSzTx/>
+                        <a:buFontTx/>
+                        <a:buNone/>
+                        <a:tabLst/>
+                        <a:defRPr/>
+                      </a:pPr>
+                      <a:endParaRPr lang="ko-KR" altLang="en-US" sz="1200" dirty="0" smtClean="0">
                         <a:latin typeface="Times New Roman" panose="02020603050405020304" pitchFamily="18" charset="0"/>
                         <a:cs typeface="Times New Roman" panose="02020603050405020304" pitchFamily="18" charset="0"/>
                       </a:endParaRPr>
@@ -23561,9 +24200,80 @@
                           <a:latin typeface="Times New Roman" panose="02020603050405020304" pitchFamily="18" charset="0"/>
                           <a:cs typeface="Times New Roman" panose="02020603050405020304" pitchFamily="18" charset="0"/>
                         </a:rPr>
-                        <a:t>      Offspring</a:t>
+                        <a:t>    </a:t>
+                      </a:r>
+                      <a:r>
+                        <a:rPr lang="en-US" altLang="ko-KR" sz="1200" dirty="0" smtClean="0">
+                          <a:latin typeface="Times New Roman" panose="02020603050405020304" pitchFamily="18" charset="0"/>
+                          <a:cs typeface="Times New Roman" panose="02020603050405020304" pitchFamily="18" charset="0"/>
+                        </a:rPr>
+                        <a:t> </a:t>
+                      </a:r>
+                      <a:r>
+                        <a:rPr lang="en-US" altLang="ko-KR" sz="1200" dirty="0" smtClean="0">
+                          <a:latin typeface="Times New Roman" panose="02020603050405020304" pitchFamily="18" charset="0"/>
+                          <a:cs typeface="Times New Roman" panose="02020603050405020304" pitchFamily="18" charset="0"/>
+                        </a:rPr>
+                        <a:t>Offspring</a:t>
                       </a:r>
                       <a:endParaRPr lang="ko-KR" altLang="en-US" sz="1200" dirty="0">
+                        <a:latin typeface="Times New Roman" panose="02020603050405020304" pitchFamily="18" charset="0"/>
+                        <a:cs typeface="Times New Roman" panose="02020603050405020304" pitchFamily="18" charset="0"/>
+                      </a:endParaRPr>
+                    </a:p>
+                  </a:txBody>
+                  <a:tcPr anchor="ctr">
+                    <a:lnL w="12700" cmpd="sng">
+                      <a:noFill/>
+                    </a:lnL>
+                    <a:lnR w="12700" cmpd="sng">
+                      <a:noFill/>
+                    </a:lnR>
+                    <a:lnT w="12700" cmpd="sng">
+                      <a:noFill/>
+                    </a:lnT>
+                    <a:lnB w="28575" cap="flat" cmpd="sng" algn="ctr">
+                      <a:solidFill>
+                        <a:schemeClr val="tx1"/>
+                      </a:solidFill>
+                      <a:prstDash val="solid"/>
+                      <a:round/>
+                      <a:headEnd type="none" w="med" len="med"/>
+                      <a:tailEnd type="none" w="med" len="med"/>
+                    </a:lnB>
+                    <a:lnTlToBr w="12700" cmpd="sng">
+                      <a:noFill/>
+                      <a:prstDash val="solid"/>
+                    </a:lnTlToBr>
+                    <a:lnBlToTr w="12700" cmpd="sng">
+                      <a:noFill/>
+                      <a:prstDash val="solid"/>
+                    </a:lnBlToTr>
+                  </a:tcPr>
+                </a:tc>
+                <a:tc>
+                  <a:txBody>
+                    <a:bodyPr/>
+                    <a:lstStyle/>
+                    <a:p>
+                      <a:pPr marL="0" marR="0" indent="0" algn="r" defTabSz="914400" rtl="0" eaLnBrk="1" fontAlgn="auto" latinLnBrk="1" hangingPunct="1">
+                        <a:lnSpc>
+                          <a:spcPct val="100000"/>
+                        </a:lnSpc>
+                        <a:spcBef>
+                          <a:spcPts val="0"/>
+                        </a:spcBef>
+                        <a:spcAft>
+                          <a:spcPts val="0"/>
+                        </a:spcAft>
+                        <a:buClrTx/>
+                        <a:buSzTx/>
+                        <a:buFontTx/>
+                        <a:buNone/>
+                        <a:tabLst/>
+                        <a:defRPr/>
+                      </a:pPr>
+                      <a:endParaRPr lang="ko-KR" altLang="en-US" sz="1200" dirty="0" smtClean="0">
                         <a:latin typeface="Times New Roman" panose="02020603050405020304" pitchFamily="18" charset="0"/>
                         <a:cs typeface="Times New Roman" panose="02020603050405020304" pitchFamily="18" charset="0"/>
                       </a:endParaRPr>
@@ -23670,7 +24380,7 @@
     </p:spTree>
     <p:extLst>
       <p:ext uri="{BB962C8B-B14F-4D97-AF65-F5344CB8AC3E}">
-        <p14:creationId xmlns:p14="http://schemas.microsoft.com/office/powerpoint/2010/main" val="2942404099"/>
+        <p14:creationId xmlns:p14="http://schemas.microsoft.com/office/powerpoint/2010/main" val="1024070362"/>
       </p:ext>
     </p:extLst>
   </p:cSld>

--- a/LTM_heritability/figure and table/figure and table.pptx
+++ b/LTM_heritability/figure and table/figure and table.pptx
@@ -9,10 +9,9 @@
     <p:sldId id="257" r:id="rId3"/>
     <p:sldId id="258" r:id="rId4"/>
     <p:sldId id="259" r:id="rId5"/>
-    <p:sldId id="260" r:id="rId6"/>
-    <p:sldId id="261" r:id="rId7"/>
-    <p:sldId id="262" r:id="rId8"/>
-    <p:sldId id="264" r:id="rId9"/>
+    <p:sldId id="261" r:id="rId6"/>
+    <p:sldId id="262" r:id="rId7"/>
+    <p:sldId id="264" r:id="rId8"/>
   </p:sldIdLst>
   <p:sldSz cx="9144000" cy="6858000" type="screen4x3"/>
   <p:notesSz cx="6858000" cy="9144000"/>
@@ -16763,23 +16762,57 @@
           <a:chExt cx="0" cy="0"/>
         </a:xfrm>
       </p:grpSpPr>
+      <p:sp>
+        <p:nvSpPr>
+          <p:cNvPr id="9" name="TextBox 8"/>
+          <p:cNvSpPr txBox="1"/>
+          <p:nvPr/>
+        </p:nvSpPr>
+        <p:spPr>
+          <a:xfrm>
+            <a:off x="899592" y="836712"/>
+            <a:ext cx="910827" cy="369332"/>
+          </a:xfrm>
+          <a:prstGeom prst="rect">
+            <a:avLst/>
+          </a:prstGeom>
+          <a:noFill/>
+        </p:spPr>
+        <p:txBody>
+          <a:bodyPr wrap="none" rtlCol="0">
+            <a:spAutoFit/>
+          </a:bodyPr>
+          <a:lstStyle/>
+          <a:p>
+            <a:r>
+              <a:rPr lang="en-US" altLang="ko-KR" dirty="0" smtClean="0"/>
+              <a:t>table </a:t>
+            </a:r>
+            <a:r>
+              <a:rPr lang="en-US" altLang="ko-KR" dirty="0"/>
+              <a:t>3</a:t>
+            </a:r>
+            <a:endParaRPr lang="ko-KR" altLang="en-US" dirty="0"/>
+          </a:p>
+        </p:txBody>
+      </p:sp>
       <p:graphicFrame>
         <p:nvGraphicFramePr>
-          <p:cNvPr id="4" name="표 3"/>
+          <p:cNvPr id="5" name="표 4"/>
           <p:cNvGraphicFramePr>
             <a:graphicFrameLocks noGrp="1"/>
           </p:cNvGraphicFramePr>
           <p:nvPr>
             <p:extLst>
               <p:ext uri="{D42A27DB-BD31-4B8C-83A1-F6EECF244321}">
-                <p14:modId xmlns:p14="http://schemas.microsoft.com/office/powerpoint/2010/main" val="4262870806"/>
+                <p14:modId xmlns:p14="http://schemas.microsoft.com/office/powerpoint/2010/main" val="3810064752"/>
               </p:ext>
             </p:extLst>
           </p:nvPr>
         </p:nvGraphicFramePr>
         <p:xfrm>
-          <a:off x="3200400" y="3429000"/>
-          <a:ext cx="2921400" cy="1047750"/>
+          <a:off x="1979712" y="1412776"/>
+          <a:ext cx="3790800" cy="2305050"/>
         </p:xfrm>
         <a:graphic>
           <a:graphicData uri="http://schemas.openxmlformats.org/drawingml/2006/table">
@@ -16787,11 +16820,66 @@
               <a:tblPr/>
               <a:tblGrid>
                 <a:gridCol w="864000"/>
-                <a:gridCol w="685800"/>
-                <a:gridCol w="685800"/>
-                <a:gridCol w="685800"/>
+                <a:gridCol w="864000"/>
+                <a:gridCol w="687600"/>
+                <a:gridCol w="687600"/>
+                <a:gridCol w="687600"/>
               </a:tblGrid>
               <a:tr h="209550">
+                <a:tc rowSpan="2">
+                  <a:txBody>
+                    <a:bodyPr/>
+                    <a:lstStyle/>
+                    <a:p>
+                      <a:pPr algn="ctr" fontAlgn="ctr"/>
+                      <a:r>
+                        <a:rPr lang="en-US" sz="1200" b="0" i="0" u="none" strike="noStrike" dirty="0" smtClean="0">
+                          <a:solidFill>
+                            <a:srgbClr val="000000"/>
+                          </a:solidFill>
+                          <a:effectLst/>
+                          <a:latin typeface="Times New Roman" panose="02020603050405020304" pitchFamily="18" charset="0"/>
+                          <a:cs typeface="Times New Roman" panose="02020603050405020304" pitchFamily="18" charset="0"/>
+                        </a:rPr>
+                        <a:t>Heritability</a:t>
+                      </a:r>
+                      <a:endParaRPr lang="en-US" sz="1200" b="0" i="0" u="none" strike="noStrike" dirty="0">
+                        <a:solidFill>
+                          <a:srgbClr val="000000"/>
+                        </a:solidFill>
+                        <a:effectLst/>
+                        <a:latin typeface="Times New Roman" panose="02020603050405020304" pitchFamily="18" charset="0"/>
+                        <a:cs typeface="Times New Roman" panose="02020603050405020304" pitchFamily="18" charset="0"/>
+                      </a:endParaRPr>
+                    </a:p>
+                  </a:txBody>
+                  <a:tcPr marL="9525" marR="9525" marT="9525" marB="0" anchor="ctr">
+                    <a:lnL>
+                      <a:noFill/>
+                    </a:lnL>
+                    <a:lnR>
+                      <a:noFill/>
+                    </a:lnR>
+                    <a:lnT w="28575" cap="flat" cmpd="sng" algn="ctr">
+                      <a:solidFill>
+                        <a:schemeClr val="tx1"/>
+                      </a:solidFill>
+                      <a:prstDash val="solid"/>
+                      <a:round/>
+                      <a:headEnd type="none" w="med" len="med"/>
+                      <a:tailEnd type="none" w="med" len="med"/>
+                    </a:lnT>
+                    <a:lnB w="12700" cap="flat" cmpd="sng" algn="ctr">
+                      <a:solidFill>
+                        <a:schemeClr val="tx1"/>
+                      </a:solidFill>
+                      <a:prstDash val="solid"/>
+                      <a:round/>
+                      <a:headEnd type="none" w="med" len="med"/>
+                      <a:tailEnd type="none" w="med" len="med"/>
+                    </a:lnB>
+                  </a:tcPr>
+                </a:tc>
                 <a:tc rowSpan="2">
                   <a:txBody>
                     <a:bodyPr/>
@@ -16988,1036 +17076,6 @@
                     <a:bodyPr/>
                     <a:lstStyle/>
                     <a:p>
-                      <a:pPr algn="l" fontAlgn="ctr"/>
-                      <a:endParaRPr lang="en-US" sz="1100" b="0" i="0" u="none" strike="noStrike" dirty="0">
-                        <a:solidFill>
-                          <a:srgbClr val="000000"/>
-                        </a:solidFill>
-                        <a:effectLst/>
-                        <a:latin typeface="맑은 고딕"/>
-                      </a:endParaRPr>
-                    </a:p>
-                  </a:txBody>
-                  <a:tcPr marL="9525" marR="9525" marT="9525" marB="0" anchor="ctr">
-                    <a:lnL>
-                      <a:noFill/>
-                    </a:lnL>
-                    <a:lnR>
-                      <a:noFill/>
-                    </a:lnR>
-                    <a:lnT>
-                      <a:noFill/>
-                    </a:lnT>
-                    <a:lnB>
-                      <a:noFill/>
-                    </a:lnB>
-                  </a:tcPr>
-                </a:tc>
-                <a:tc>
-                  <a:txBody>
-                    <a:bodyPr/>
-                    <a:lstStyle/>
-                    <a:p>
-                      <a:pPr algn="ctr" fontAlgn="ctr"/>
-                      <a:r>
-                        <a:rPr lang="en-US" sz="1200" b="0" i="0" u="none" strike="noStrike" dirty="0" smtClean="0">
-                          <a:solidFill>
-                            <a:srgbClr val="000000"/>
-                          </a:solidFill>
-                          <a:effectLst/>
-                          <a:latin typeface="Times New Roman" panose="02020603050405020304" pitchFamily="18" charset="0"/>
-                          <a:cs typeface="Times New Roman" panose="02020603050405020304" pitchFamily="18" charset="0"/>
-                        </a:rPr>
-                        <a:t>0.05</a:t>
-                      </a:r>
-                      <a:endParaRPr lang="en-US" sz="1200" b="0" i="0" u="none" strike="noStrike" dirty="0">
-                        <a:solidFill>
-                          <a:srgbClr val="000000"/>
-                        </a:solidFill>
-                        <a:effectLst/>
-                        <a:latin typeface="Times New Roman" panose="02020603050405020304" pitchFamily="18" charset="0"/>
-                        <a:cs typeface="Times New Roman" panose="02020603050405020304" pitchFamily="18" charset="0"/>
-                      </a:endParaRPr>
-                    </a:p>
-                  </a:txBody>
-                  <a:tcPr marL="9525" marR="9525" marT="9525" marB="0" anchor="ctr">
-                    <a:lnL>
-                      <a:noFill/>
-                    </a:lnL>
-                    <a:lnR>
-                      <a:noFill/>
-                    </a:lnR>
-                    <a:lnT w="12700" cap="flat" cmpd="sng" algn="ctr">
-                      <a:solidFill>
-                        <a:schemeClr val="tx1"/>
-                      </a:solidFill>
-                      <a:prstDash val="solid"/>
-                      <a:round/>
-                      <a:headEnd type="none" w="med" len="med"/>
-                      <a:tailEnd type="none" w="med" len="med"/>
-                    </a:lnT>
-                    <a:lnB w="12700" cap="flat" cmpd="sng" algn="ctr">
-                      <a:solidFill>
-                        <a:schemeClr val="tx1"/>
-                      </a:solidFill>
-                      <a:prstDash val="solid"/>
-                      <a:round/>
-                      <a:headEnd type="none" w="med" len="med"/>
-                      <a:tailEnd type="none" w="med" len="med"/>
-                    </a:lnB>
-                  </a:tcPr>
-                </a:tc>
-                <a:tc>
-                  <a:txBody>
-                    <a:bodyPr/>
-                    <a:lstStyle/>
-                    <a:p>
-                      <a:pPr algn="ctr" fontAlgn="ctr"/>
-                      <a:r>
-                        <a:rPr lang="en-US" sz="1200" b="0" i="0" u="none" strike="noStrike" dirty="0" smtClean="0">
-                          <a:solidFill>
-                            <a:srgbClr val="000000"/>
-                          </a:solidFill>
-                          <a:effectLst/>
-                          <a:latin typeface="Times New Roman" panose="02020603050405020304" pitchFamily="18" charset="0"/>
-                          <a:cs typeface="Times New Roman" panose="02020603050405020304" pitchFamily="18" charset="0"/>
-                        </a:rPr>
-                        <a:t>0.1</a:t>
-                      </a:r>
-                      <a:endParaRPr lang="en-US" sz="1200" b="0" i="0" u="none" strike="noStrike" dirty="0">
-                        <a:solidFill>
-                          <a:srgbClr val="000000"/>
-                        </a:solidFill>
-                        <a:effectLst/>
-                        <a:latin typeface="Times New Roman" panose="02020603050405020304" pitchFamily="18" charset="0"/>
-                        <a:cs typeface="Times New Roman" panose="02020603050405020304" pitchFamily="18" charset="0"/>
-                      </a:endParaRPr>
-                    </a:p>
-                  </a:txBody>
-                  <a:tcPr marL="9525" marR="9525" marT="9525" marB="0" anchor="ctr">
-                    <a:lnL>
-                      <a:noFill/>
-                    </a:lnL>
-                    <a:lnR>
-                      <a:noFill/>
-                    </a:lnR>
-                    <a:lnT w="12700" cap="flat" cmpd="sng" algn="ctr">
-                      <a:solidFill>
-                        <a:schemeClr val="tx1"/>
-                      </a:solidFill>
-                      <a:prstDash val="solid"/>
-                      <a:round/>
-                      <a:headEnd type="none" w="med" len="med"/>
-                      <a:tailEnd type="none" w="med" len="med"/>
-                    </a:lnT>
-                    <a:lnB w="12700" cap="flat" cmpd="sng" algn="ctr">
-                      <a:solidFill>
-                        <a:schemeClr val="tx1"/>
-                      </a:solidFill>
-                      <a:prstDash val="solid"/>
-                      <a:round/>
-                      <a:headEnd type="none" w="med" len="med"/>
-                      <a:tailEnd type="none" w="med" len="med"/>
-                    </a:lnB>
-                  </a:tcPr>
-                </a:tc>
-                <a:tc>
-                  <a:txBody>
-                    <a:bodyPr/>
-                    <a:lstStyle/>
-                    <a:p>
-                      <a:pPr algn="ctr" fontAlgn="ctr"/>
-                      <a:r>
-                        <a:rPr lang="en-US" sz="1200" b="0" i="0" u="none" strike="noStrike" dirty="0" smtClean="0">
-                          <a:solidFill>
-                            <a:srgbClr val="000000"/>
-                          </a:solidFill>
-                          <a:effectLst/>
-                          <a:latin typeface="Times New Roman" panose="02020603050405020304" pitchFamily="18" charset="0"/>
-                          <a:cs typeface="Times New Roman" panose="02020603050405020304" pitchFamily="18" charset="0"/>
-                        </a:rPr>
-                        <a:t>0.2</a:t>
-                      </a:r>
-                      <a:endParaRPr lang="en-US" sz="1200" b="0" i="0" u="none" strike="noStrike" dirty="0">
-                        <a:solidFill>
-                          <a:srgbClr val="000000"/>
-                        </a:solidFill>
-                        <a:effectLst/>
-                        <a:latin typeface="Times New Roman" panose="02020603050405020304" pitchFamily="18" charset="0"/>
-                        <a:cs typeface="Times New Roman" panose="02020603050405020304" pitchFamily="18" charset="0"/>
-                      </a:endParaRPr>
-                    </a:p>
-                  </a:txBody>
-                  <a:tcPr marL="9525" marR="9525" marT="9525" marB="0" anchor="ctr">
-                    <a:lnL>
-                      <a:noFill/>
-                    </a:lnL>
-                    <a:lnR>
-                      <a:noFill/>
-                    </a:lnR>
-                    <a:lnT w="12700" cap="flat" cmpd="sng" algn="ctr">
-                      <a:solidFill>
-                        <a:schemeClr val="tx1"/>
-                      </a:solidFill>
-                      <a:prstDash val="solid"/>
-                      <a:round/>
-                      <a:headEnd type="none" w="med" len="med"/>
-                      <a:tailEnd type="none" w="med" len="med"/>
-                    </a:lnT>
-                    <a:lnB w="12700" cap="flat" cmpd="sng" algn="ctr">
-                      <a:solidFill>
-                        <a:schemeClr val="tx1"/>
-                      </a:solidFill>
-                      <a:prstDash val="solid"/>
-                      <a:round/>
-                      <a:headEnd type="none" w="med" len="med"/>
-                      <a:tailEnd type="none" w="med" len="med"/>
-                    </a:lnB>
-                  </a:tcPr>
-                </a:tc>
-              </a:tr>
-              <a:tr h="209550">
-                <a:tc>
-                  <a:txBody>
-                    <a:bodyPr/>
-                    <a:lstStyle/>
-                    <a:p>
-                      <a:pPr algn="ctr" fontAlgn="ctr"/>
-                      <a:r>
-                        <a:rPr lang="en-US" altLang="ko-KR" sz="1200" b="0" i="0" u="none" strike="noStrike">
-                          <a:solidFill>
-                            <a:srgbClr val="000000"/>
-                          </a:solidFill>
-                          <a:effectLst/>
-                          <a:latin typeface="Times New Roman" panose="02020603050405020304" pitchFamily="18" charset="0"/>
-                          <a:cs typeface="Times New Roman" panose="02020603050405020304" pitchFamily="18" charset="0"/>
-                        </a:rPr>
-                        <a:t>0.01</a:t>
-                      </a:r>
-                    </a:p>
-                  </a:txBody>
-                  <a:tcPr marL="9525" marR="9525" marT="9525" marB="0" anchor="ctr">
-                    <a:lnL>
-                      <a:noFill/>
-                    </a:lnL>
-                    <a:lnR>
-                      <a:noFill/>
-                    </a:lnR>
-                    <a:lnT w="12700" cap="flat" cmpd="sng" algn="ctr">
-                      <a:solidFill>
-                        <a:schemeClr val="tx1"/>
-                      </a:solidFill>
-                      <a:prstDash val="solid"/>
-                      <a:round/>
-                      <a:headEnd type="none" w="med" len="med"/>
-                      <a:tailEnd type="none" w="med" len="med"/>
-                    </a:lnT>
-                    <a:lnB>
-                      <a:noFill/>
-                    </a:lnB>
-                  </a:tcPr>
-                </a:tc>
-                <a:tc>
-                  <a:txBody>
-                    <a:bodyPr/>
-                    <a:lstStyle/>
-                    <a:p>
-                      <a:pPr algn="ctr" fontAlgn="ctr"/>
-                      <a:r>
-                        <a:rPr lang="en-US" altLang="ko-KR" sz="1200" b="0" i="0" u="none" strike="noStrike" dirty="0">
-                          <a:solidFill>
-                            <a:srgbClr val="000000"/>
-                          </a:solidFill>
-                          <a:effectLst/>
-                          <a:latin typeface="Times New Roman" panose="02020603050405020304" pitchFamily="18" charset="0"/>
-                          <a:cs typeface="Times New Roman" panose="02020603050405020304" pitchFamily="18" charset="0"/>
-                        </a:rPr>
-                        <a:t>0.0015</a:t>
-                      </a:r>
-                    </a:p>
-                  </a:txBody>
-                  <a:tcPr marL="9525" marR="9525" marT="9525" marB="0" anchor="ctr">
-                    <a:lnL>
-                      <a:noFill/>
-                    </a:lnL>
-                    <a:lnR>
-                      <a:noFill/>
-                    </a:lnR>
-                    <a:lnT w="12700" cap="flat" cmpd="sng" algn="ctr">
-                      <a:solidFill>
-                        <a:schemeClr val="tx1"/>
-                      </a:solidFill>
-                      <a:prstDash val="solid"/>
-                      <a:round/>
-                      <a:headEnd type="none" w="med" len="med"/>
-                      <a:tailEnd type="none" w="med" len="med"/>
-                    </a:lnT>
-                    <a:lnB>
-                      <a:noFill/>
-                    </a:lnB>
-                  </a:tcPr>
-                </a:tc>
-                <a:tc>
-                  <a:txBody>
-                    <a:bodyPr/>
-                    <a:lstStyle/>
-                    <a:p>
-                      <a:pPr algn="ctr" fontAlgn="ctr"/>
-                      <a:r>
-                        <a:rPr lang="en-US" altLang="ko-KR" sz="1200" b="0" i="0" u="none" strike="noStrike" dirty="0" smtClean="0">
-                          <a:solidFill>
-                            <a:srgbClr val="000000"/>
-                          </a:solidFill>
-                          <a:effectLst/>
-                          <a:latin typeface="Times New Roman" panose="02020603050405020304" pitchFamily="18" charset="0"/>
-                          <a:cs typeface="Times New Roman" panose="02020603050405020304" pitchFamily="18" charset="0"/>
-                        </a:rPr>
-                        <a:t>0.0050</a:t>
-                      </a:r>
-                      <a:endParaRPr lang="en-US" altLang="ko-KR" sz="1200" b="0" i="0" u="none" strike="noStrike" dirty="0">
-                        <a:solidFill>
-                          <a:srgbClr val="000000"/>
-                        </a:solidFill>
-                        <a:effectLst/>
-                        <a:latin typeface="Times New Roman" panose="02020603050405020304" pitchFamily="18" charset="0"/>
-                        <a:cs typeface="Times New Roman" panose="02020603050405020304" pitchFamily="18" charset="0"/>
-                      </a:endParaRPr>
-                    </a:p>
-                  </a:txBody>
-                  <a:tcPr marL="9525" marR="9525" marT="9525" marB="0" anchor="ctr">
-                    <a:lnL>
-                      <a:noFill/>
-                    </a:lnL>
-                    <a:lnR>
-                      <a:noFill/>
-                    </a:lnR>
-                    <a:lnT w="12700" cap="flat" cmpd="sng" algn="ctr">
-                      <a:solidFill>
-                        <a:schemeClr val="tx1"/>
-                      </a:solidFill>
-                      <a:prstDash val="solid"/>
-                      <a:round/>
-                      <a:headEnd type="none" w="med" len="med"/>
-                      <a:tailEnd type="none" w="med" len="med"/>
-                    </a:lnT>
-                    <a:lnB>
-                      <a:noFill/>
-                    </a:lnB>
-                  </a:tcPr>
-                </a:tc>
-                <a:tc>
-                  <a:txBody>
-                    <a:bodyPr/>
-                    <a:lstStyle/>
-                    <a:p>
-                      <a:pPr algn="ctr" fontAlgn="ctr"/>
-                      <a:r>
-                        <a:rPr lang="en-US" altLang="ko-KR" sz="1200" b="0" i="0" u="none" strike="noStrike" dirty="0">
-                          <a:solidFill>
-                            <a:srgbClr val="000000"/>
-                          </a:solidFill>
-                          <a:effectLst/>
-                          <a:latin typeface="Times New Roman" panose="02020603050405020304" pitchFamily="18" charset="0"/>
-                          <a:cs typeface="Times New Roman" panose="02020603050405020304" pitchFamily="18" charset="0"/>
-                        </a:rPr>
-                        <a:t>0.0015</a:t>
-                      </a:r>
-                    </a:p>
-                  </a:txBody>
-                  <a:tcPr marL="9525" marR="9525" marT="9525" marB="0" anchor="ctr">
-                    <a:lnL>
-                      <a:noFill/>
-                    </a:lnL>
-                    <a:lnR>
-                      <a:noFill/>
-                    </a:lnR>
-                    <a:lnT w="12700" cap="flat" cmpd="sng" algn="ctr">
-                      <a:solidFill>
-                        <a:schemeClr val="tx1"/>
-                      </a:solidFill>
-                      <a:prstDash val="solid"/>
-                      <a:round/>
-                      <a:headEnd type="none" w="med" len="med"/>
-                      <a:tailEnd type="none" w="med" len="med"/>
-                    </a:lnT>
-                    <a:lnB>
-                      <a:noFill/>
-                    </a:lnB>
-                  </a:tcPr>
-                </a:tc>
-              </a:tr>
-              <a:tr h="209550">
-                <a:tc>
-                  <a:txBody>
-                    <a:bodyPr/>
-                    <a:lstStyle/>
-                    <a:p>
-                      <a:pPr algn="ctr" fontAlgn="ctr"/>
-                      <a:r>
-                        <a:rPr lang="en-US" altLang="ko-KR" sz="1200" b="0" i="0" u="none" strike="noStrike">
-                          <a:solidFill>
-                            <a:srgbClr val="000000"/>
-                          </a:solidFill>
-                          <a:effectLst/>
-                          <a:latin typeface="Times New Roman" panose="02020603050405020304" pitchFamily="18" charset="0"/>
-                          <a:cs typeface="Times New Roman" panose="02020603050405020304" pitchFamily="18" charset="0"/>
-                        </a:rPr>
-                        <a:t>0.05</a:t>
-                      </a:r>
-                    </a:p>
-                  </a:txBody>
-                  <a:tcPr marL="9525" marR="9525" marT="9525" marB="0" anchor="ctr">
-                    <a:lnL>
-                      <a:noFill/>
-                    </a:lnL>
-                    <a:lnR>
-                      <a:noFill/>
-                    </a:lnR>
-                    <a:lnT>
-                      <a:noFill/>
-                    </a:lnT>
-                    <a:lnB>
-                      <a:noFill/>
-                    </a:lnB>
-                  </a:tcPr>
-                </a:tc>
-                <a:tc>
-                  <a:txBody>
-                    <a:bodyPr/>
-                    <a:lstStyle/>
-                    <a:p>
-                      <a:pPr algn="ctr" fontAlgn="ctr"/>
-                      <a:r>
-                        <a:rPr lang="en-US" altLang="ko-KR" sz="1200" b="0" i="0" u="none" strike="noStrike" dirty="0">
-                          <a:solidFill>
-                            <a:srgbClr val="000000"/>
-                          </a:solidFill>
-                          <a:effectLst/>
-                          <a:latin typeface="Times New Roman" panose="02020603050405020304" pitchFamily="18" charset="0"/>
-                          <a:cs typeface="Times New Roman" panose="02020603050405020304" pitchFamily="18" charset="0"/>
-                        </a:rPr>
-                        <a:t>0.0115</a:t>
-                      </a:r>
-                    </a:p>
-                  </a:txBody>
-                  <a:tcPr marL="9525" marR="9525" marT="9525" marB="0" anchor="ctr">
-                    <a:lnL>
-                      <a:noFill/>
-                    </a:lnL>
-                    <a:lnR>
-                      <a:noFill/>
-                    </a:lnR>
-                    <a:lnT>
-                      <a:noFill/>
-                    </a:lnT>
-                    <a:lnB>
-                      <a:noFill/>
-                    </a:lnB>
-                  </a:tcPr>
-                </a:tc>
-                <a:tc>
-                  <a:txBody>
-                    <a:bodyPr/>
-                    <a:lstStyle/>
-                    <a:p>
-                      <a:pPr algn="ctr" fontAlgn="ctr"/>
-                      <a:r>
-                        <a:rPr lang="en-US" altLang="ko-KR" sz="1200" b="0" i="0" u="none" strike="noStrike" dirty="0" smtClean="0">
-                          <a:solidFill>
-                            <a:srgbClr val="000000"/>
-                          </a:solidFill>
-                          <a:effectLst/>
-                          <a:latin typeface="Times New Roman" panose="02020603050405020304" pitchFamily="18" charset="0"/>
-                          <a:cs typeface="Times New Roman" panose="02020603050405020304" pitchFamily="18" charset="0"/>
-                        </a:rPr>
-                        <a:t>0.0480</a:t>
-                      </a:r>
-                      <a:endParaRPr lang="en-US" altLang="ko-KR" sz="1200" b="0" i="0" u="none" strike="noStrike" dirty="0">
-                        <a:solidFill>
-                          <a:srgbClr val="000000"/>
-                        </a:solidFill>
-                        <a:effectLst/>
-                        <a:latin typeface="Times New Roman" panose="02020603050405020304" pitchFamily="18" charset="0"/>
-                        <a:cs typeface="Times New Roman" panose="02020603050405020304" pitchFamily="18" charset="0"/>
-                      </a:endParaRPr>
-                    </a:p>
-                  </a:txBody>
-                  <a:tcPr marL="9525" marR="9525" marT="9525" marB="0" anchor="ctr">
-                    <a:lnL>
-                      <a:noFill/>
-                    </a:lnL>
-                    <a:lnR>
-                      <a:noFill/>
-                    </a:lnR>
-                    <a:lnT>
-                      <a:noFill/>
-                    </a:lnT>
-                    <a:lnB>
-                      <a:noFill/>
-                    </a:lnB>
-                  </a:tcPr>
-                </a:tc>
-                <a:tc>
-                  <a:txBody>
-                    <a:bodyPr/>
-                    <a:lstStyle/>
-                    <a:p>
-                      <a:pPr algn="ctr" fontAlgn="ctr"/>
-                      <a:r>
-                        <a:rPr lang="en-US" altLang="ko-KR" sz="1200" b="0" i="0" u="none" strike="noStrike" dirty="0" smtClean="0">
-                          <a:solidFill>
-                            <a:srgbClr val="000000"/>
-                          </a:solidFill>
-                          <a:effectLst/>
-                          <a:latin typeface="Times New Roman" panose="02020603050405020304" pitchFamily="18" charset="0"/>
-                          <a:cs typeface="Times New Roman" panose="02020603050405020304" pitchFamily="18" charset="0"/>
-                        </a:rPr>
-                        <a:t>0.0200</a:t>
-                      </a:r>
-                      <a:endParaRPr lang="en-US" altLang="ko-KR" sz="1200" b="0" i="0" u="none" strike="noStrike" dirty="0">
-                        <a:solidFill>
-                          <a:srgbClr val="000000"/>
-                        </a:solidFill>
-                        <a:effectLst/>
-                        <a:latin typeface="Times New Roman" panose="02020603050405020304" pitchFamily="18" charset="0"/>
-                        <a:cs typeface="Times New Roman" panose="02020603050405020304" pitchFamily="18" charset="0"/>
-                      </a:endParaRPr>
-                    </a:p>
-                  </a:txBody>
-                  <a:tcPr marL="9525" marR="9525" marT="9525" marB="0" anchor="ctr">
-                    <a:lnL>
-                      <a:noFill/>
-                    </a:lnL>
-                    <a:lnR>
-                      <a:noFill/>
-                    </a:lnR>
-                    <a:lnT>
-                      <a:noFill/>
-                    </a:lnT>
-                    <a:lnB>
-                      <a:noFill/>
-                    </a:lnB>
-                  </a:tcPr>
-                </a:tc>
-              </a:tr>
-              <a:tr h="209550">
-                <a:tc>
-                  <a:txBody>
-                    <a:bodyPr/>
-                    <a:lstStyle/>
-                    <a:p>
-                      <a:pPr algn="ctr" fontAlgn="ctr"/>
-                      <a:r>
-                        <a:rPr lang="en-US" altLang="ko-KR" sz="1200" b="0" i="0" u="none" strike="noStrike">
-                          <a:solidFill>
-                            <a:srgbClr val="000000"/>
-                          </a:solidFill>
-                          <a:effectLst/>
-                          <a:latin typeface="Times New Roman" panose="02020603050405020304" pitchFamily="18" charset="0"/>
-                          <a:cs typeface="Times New Roman" panose="02020603050405020304" pitchFamily="18" charset="0"/>
-                        </a:rPr>
-                        <a:t>0.1</a:t>
-                      </a:r>
-                    </a:p>
-                  </a:txBody>
-                  <a:tcPr marL="9525" marR="9525" marT="9525" marB="0" anchor="ctr">
-                    <a:lnL>
-                      <a:noFill/>
-                    </a:lnL>
-                    <a:lnR>
-                      <a:noFill/>
-                    </a:lnR>
-                    <a:lnT>
-                      <a:noFill/>
-                    </a:lnT>
-                    <a:lnB w="28575" cap="flat" cmpd="sng" algn="ctr">
-                      <a:solidFill>
-                        <a:schemeClr val="tx1"/>
-                      </a:solidFill>
-                      <a:prstDash val="solid"/>
-                      <a:round/>
-                      <a:headEnd type="none" w="med" len="med"/>
-                      <a:tailEnd type="none" w="med" len="med"/>
-                    </a:lnB>
-                  </a:tcPr>
-                </a:tc>
-                <a:tc>
-                  <a:txBody>
-                    <a:bodyPr/>
-                    <a:lstStyle/>
-                    <a:p>
-                      <a:pPr algn="ctr" fontAlgn="ctr"/>
-                      <a:r>
-                        <a:rPr lang="en-US" altLang="ko-KR" sz="1200" b="0" i="0" u="none" strike="noStrike">
-                          <a:solidFill>
-                            <a:srgbClr val="000000"/>
-                          </a:solidFill>
-                          <a:effectLst/>
-                          <a:latin typeface="Times New Roman" panose="02020603050405020304" pitchFamily="18" charset="0"/>
-                          <a:cs typeface="Times New Roman" panose="02020603050405020304" pitchFamily="18" charset="0"/>
-                        </a:rPr>
-                        <a:t>0.0285</a:t>
-                      </a:r>
-                    </a:p>
-                  </a:txBody>
-                  <a:tcPr marL="9525" marR="9525" marT="9525" marB="0" anchor="ctr">
-                    <a:lnL>
-                      <a:noFill/>
-                    </a:lnL>
-                    <a:lnR>
-                      <a:noFill/>
-                    </a:lnR>
-                    <a:lnT>
-                      <a:noFill/>
-                    </a:lnT>
-                    <a:lnB w="28575" cap="flat" cmpd="sng" algn="ctr">
-                      <a:solidFill>
-                        <a:schemeClr val="tx1"/>
-                      </a:solidFill>
-                      <a:prstDash val="solid"/>
-                      <a:round/>
-                      <a:headEnd type="none" w="med" len="med"/>
-                      <a:tailEnd type="none" w="med" len="med"/>
-                    </a:lnB>
-                  </a:tcPr>
-                </a:tc>
-                <a:tc>
-                  <a:txBody>
-                    <a:bodyPr/>
-                    <a:lstStyle/>
-                    <a:p>
-                      <a:pPr algn="ctr" fontAlgn="ctr"/>
-                      <a:r>
-                        <a:rPr lang="en-US" altLang="ko-KR" sz="1200" b="0" i="0" u="none" strike="noStrike" dirty="0" smtClean="0">
-                          <a:solidFill>
-                            <a:srgbClr val="000000"/>
-                          </a:solidFill>
-                          <a:effectLst/>
-                          <a:latin typeface="Times New Roman" panose="02020603050405020304" pitchFamily="18" charset="0"/>
-                          <a:cs typeface="Times New Roman" panose="02020603050405020304" pitchFamily="18" charset="0"/>
-                        </a:rPr>
-                        <a:t>0.1020</a:t>
-                      </a:r>
-                      <a:endParaRPr lang="en-US" altLang="ko-KR" sz="1200" b="0" i="0" u="none" strike="noStrike" dirty="0">
-                        <a:solidFill>
-                          <a:srgbClr val="000000"/>
-                        </a:solidFill>
-                        <a:effectLst/>
-                        <a:latin typeface="Times New Roman" panose="02020603050405020304" pitchFamily="18" charset="0"/>
-                        <a:cs typeface="Times New Roman" panose="02020603050405020304" pitchFamily="18" charset="0"/>
-                      </a:endParaRPr>
-                    </a:p>
-                  </a:txBody>
-                  <a:tcPr marL="9525" marR="9525" marT="9525" marB="0" anchor="ctr">
-                    <a:lnL>
-                      <a:noFill/>
-                    </a:lnL>
-                    <a:lnR>
-                      <a:noFill/>
-                    </a:lnR>
-                    <a:lnT>
-                      <a:noFill/>
-                    </a:lnT>
-                    <a:lnB w="28575" cap="flat" cmpd="sng" algn="ctr">
-                      <a:solidFill>
-                        <a:schemeClr val="tx1"/>
-                      </a:solidFill>
-                      <a:prstDash val="solid"/>
-                      <a:round/>
-                      <a:headEnd type="none" w="med" len="med"/>
-                      <a:tailEnd type="none" w="med" len="med"/>
-                    </a:lnB>
-                  </a:tcPr>
-                </a:tc>
-                <a:tc>
-                  <a:txBody>
-                    <a:bodyPr/>
-                    <a:lstStyle/>
-                    <a:p>
-                      <a:pPr algn="ctr" fontAlgn="ctr"/>
-                      <a:r>
-                        <a:rPr lang="en-US" altLang="ko-KR" sz="1200" b="0" i="0" u="none" strike="noStrike" dirty="0">
-                          <a:solidFill>
-                            <a:srgbClr val="000000"/>
-                          </a:solidFill>
-                          <a:effectLst/>
-                          <a:latin typeface="Times New Roman" panose="02020603050405020304" pitchFamily="18" charset="0"/>
-                          <a:cs typeface="Times New Roman" panose="02020603050405020304" pitchFamily="18" charset="0"/>
-                        </a:rPr>
-                        <a:t>0.0505</a:t>
-                      </a:r>
-                    </a:p>
-                  </a:txBody>
-                  <a:tcPr marL="9525" marR="9525" marT="9525" marB="0" anchor="ctr">
-                    <a:lnL>
-                      <a:noFill/>
-                    </a:lnL>
-                    <a:lnR>
-                      <a:noFill/>
-                    </a:lnR>
-                    <a:lnT>
-                      <a:noFill/>
-                    </a:lnT>
-                    <a:lnB w="28575" cap="flat" cmpd="sng" algn="ctr">
-                      <a:solidFill>
-                        <a:schemeClr val="tx1"/>
-                      </a:solidFill>
-                      <a:prstDash val="solid"/>
-                      <a:round/>
-                      <a:headEnd type="none" w="med" len="med"/>
-                      <a:tailEnd type="none" w="med" len="med"/>
-                    </a:lnB>
-                  </a:tcPr>
-                </a:tc>
-              </a:tr>
-            </a:tbl>
-          </a:graphicData>
-        </a:graphic>
-      </p:graphicFrame>
-      <p:sp>
-        <p:nvSpPr>
-          <p:cNvPr id="9" name="TextBox 8"/>
-          <p:cNvSpPr txBox="1"/>
-          <p:nvPr/>
-        </p:nvSpPr>
-        <p:spPr>
-          <a:xfrm>
-            <a:off x="899592" y="836712"/>
-            <a:ext cx="910827" cy="369332"/>
-          </a:xfrm>
-          <a:prstGeom prst="rect">
-            <a:avLst/>
-          </a:prstGeom>
-          <a:noFill/>
-        </p:spPr>
-        <p:txBody>
-          <a:bodyPr wrap="none" rtlCol="0">
-            <a:spAutoFit/>
-          </a:bodyPr>
-          <a:lstStyle/>
-          <a:p>
-            <a:r>
-              <a:rPr lang="en-US" altLang="ko-KR" dirty="0" smtClean="0"/>
-              <a:t>table </a:t>
-            </a:r>
-            <a:r>
-              <a:rPr lang="en-US" altLang="ko-KR" dirty="0"/>
-              <a:t>3</a:t>
-            </a:r>
-            <a:endParaRPr lang="ko-KR" altLang="en-US" dirty="0"/>
-          </a:p>
-        </p:txBody>
-      </p:sp>
-    </p:spTree>
-    <p:extLst>
-      <p:ext uri="{BB962C8B-B14F-4D97-AF65-F5344CB8AC3E}">
-        <p14:creationId xmlns:p14="http://schemas.microsoft.com/office/powerpoint/2010/main" val="1095037356"/>
-      </p:ext>
-    </p:extLst>
-  </p:cSld>
-  <p:clrMapOvr>
-    <a:masterClrMapping/>
-  </p:clrMapOvr>
-</p:sld>
-</file>
-
-<file path=ppt/slides/slide5.xml><?xml version="1.0" encoding="utf-8"?>
-<p:sld xmlns:a="http://schemas.openxmlformats.org/drawingml/2006/main" xmlns:r="http://schemas.openxmlformats.org/officeDocument/2006/relationships" xmlns:p="http://schemas.openxmlformats.org/presentationml/2006/main">
-  <p:cSld>
-    <p:spTree>
-      <p:nvGrpSpPr>
-        <p:cNvPr id="1" name=""/>
-        <p:cNvGrpSpPr/>
-        <p:nvPr/>
-      </p:nvGrpSpPr>
-      <p:grpSpPr>
-        <a:xfrm>
-          <a:off x="0" y="0"/>
-          <a:ext cx="0" cy="0"/>
-          <a:chOff x="0" y="0"/>
-          <a:chExt cx="0" cy="0"/>
-        </a:xfrm>
-      </p:grpSpPr>
-      <p:graphicFrame>
-        <p:nvGraphicFramePr>
-          <p:cNvPr id="4" name="표 3"/>
-          <p:cNvGraphicFramePr>
-            <a:graphicFrameLocks noGrp="1"/>
-          </p:cNvGraphicFramePr>
-          <p:nvPr>
-            <p:extLst>
-              <p:ext uri="{D42A27DB-BD31-4B8C-83A1-F6EECF244321}">
-                <p14:modId xmlns:p14="http://schemas.microsoft.com/office/powerpoint/2010/main" val="3420741646"/>
-              </p:ext>
-            </p:extLst>
-          </p:nvPr>
-        </p:nvGraphicFramePr>
-        <p:xfrm>
-          <a:off x="1979712" y="1412776"/>
-          <a:ext cx="3790800" cy="1676400"/>
-        </p:xfrm>
-        <a:graphic>
-          <a:graphicData uri="http://schemas.openxmlformats.org/drawingml/2006/table">
-            <a:tbl>
-              <a:tblPr/>
-              <a:tblGrid>
-                <a:gridCol w="864000"/>
-                <a:gridCol w="864000"/>
-                <a:gridCol w="687600"/>
-                <a:gridCol w="687600"/>
-                <a:gridCol w="687600"/>
-              </a:tblGrid>
-              <a:tr h="209550">
-                <a:tc rowSpan="2">
-                  <a:txBody>
-                    <a:bodyPr/>
-                    <a:lstStyle/>
-                    <a:p>
-                      <a:pPr algn="ctr" fontAlgn="ctr"/>
-                      <a:r>
-                        <a:rPr lang="en-US" sz="1200" b="0" i="0" u="none" strike="noStrike" dirty="0" smtClean="0">
-                          <a:solidFill>
-                            <a:srgbClr val="000000"/>
-                          </a:solidFill>
-                          <a:effectLst/>
-                          <a:latin typeface="Times New Roman" panose="02020603050405020304" pitchFamily="18" charset="0"/>
-                          <a:cs typeface="Times New Roman" panose="02020603050405020304" pitchFamily="18" charset="0"/>
-                        </a:rPr>
-                        <a:t>Heritability</a:t>
-                      </a:r>
-                      <a:endParaRPr lang="en-US" sz="1200" b="0" i="0" u="none" strike="noStrike" dirty="0">
-                        <a:solidFill>
-                          <a:srgbClr val="000000"/>
-                        </a:solidFill>
-                        <a:effectLst/>
-                        <a:latin typeface="Times New Roman" panose="02020603050405020304" pitchFamily="18" charset="0"/>
-                        <a:cs typeface="Times New Roman" panose="02020603050405020304" pitchFamily="18" charset="0"/>
-                      </a:endParaRPr>
-                    </a:p>
-                  </a:txBody>
-                  <a:tcPr marL="9525" marR="9525" marT="9525" marB="0" anchor="ctr">
-                    <a:lnL>
-                      <a:noFill/>
-                    </a:lnL>
-                    <a:lnR>
-                      <a:noFill/>
-                    </a:lnR>
-                    <a:lnT w="28575" cap="flat" cmpd="sng" algn="ctr">
-                      <a:solidFill>
-                        <a:schemeClr val="tx1"/>
-                      </a:solidFill>
-                      <a:prstDash val="solid"/>
-                      <a:round/>
-                      <a:headEnd type="none" w="med" len="med"/>
-                      <a:tailEnd type="none" w="med" len="med"/>
-                    </a:lnT>
-                    <a:lnB w="12700" cap="flat" cmpd="sng" algn="ctr">
-                      <a:solidFill>
-                        <a:schemeClr val="tx1"/>
-                      </a:solidFill>
-                      <a:prstDash val="solid"/>
-                      <a:round/>
-                      <a:headEnd type="none" w="med" len="med"/>
-                      <a:tailEnd type="none" w="med" len="med"/>
-                    </a:lnB>
-                  </a:tcPr>
-                </a:tc>
-                <a:tc rowSpan="2">
-                  <a:txBody>
-                    <a:bodyPr/>
-                    <a:lstStyle/>
-                    <a:p>
-                      <a:pPr algn="ctr" fontAlgn="ctr"/>
-                      <a:r>
-                        <a:rPr lang="en-US" sz="1200" b="0" i="0" u="none" strike="noStrike" dirty="0" smtClean="0">
-                          <a:solidFill>
-                            <a:srgbClr val="000000"/>
-                          </a:solidFill>
-                          <a:effectLst/>
-                          <a:latin typeface="Times New Roman" panose="02020603050405020304" pitchFamily="18" charset="0"/>
-                          <a:cs typeface="Times New Roman" panose="02020603050405020304" pitchFamily="18" charset="0"/>
-                        </a:rPr>
-                        <a:t>Significance</a:t>
-                      </a:r>
-                      <a:br>
-                        <a:rPr lang="en-US" sz="1200" b="0" i="0" u="none" strike="noStrike" dirty="0" smtClean="0">
-                          <a:solidFill>
-                            <a:srgbClr val="000000"/>
-                          </a:solidFill>
-                          <a:effectLst/>
-                          <a:latin typeface="Times New Roman" panose="02020603050405020304" pitchFamily="18" charset="0"/>
-                          <a:cs typeface="Times New Roman" panose="02020603050405020304" pitchFamily="18" charset="0"/>
-                        </a:rPr>
-                      </a:br>
-                      <a:r>
-                        <a:rPr lang="en-US" sz="1200" b="0" i="0" u="none" strike="noStrike" dirty="0" smtClean="0">
-                          <a:solidFill>
-                            <a:srgbClr val="000000"/>
-                          </a:solidFill>
-                          <a:effectLst/>
-                          <a:latin typeface="Times New Roman" panose="02020603050405020304" pitchFamily="18" charset="0"/>
-                          <a:cs typeface="Times New Roman" panose="02020603050405020304" pitchFamily="18" charset="0"/>
-                        </a:rPr>
-                        <a:t>level</a:t>
-                      </a:r>
-                      <a:endParaRPr lang="en-US" sz="1200" b="0" i="0" u="none" strike="noStrike" dirty="0">
-                        <a:solidFill>
-                          <a:srgbClr val="000000"/>
-                        </a:solidFill>
-                        <a:effectLst/>
-                        <a:latin typeface="Times New Roman" panose="02020603050405020304" pitchFamily="18" charset="0"/>
-                        <a:cs typeface="Times New Roman" panose="02020603050405020304" pitchFamily="18" charset="0"/>
-                      </a:endParaRPr>
-                    </a:p>
-                  </a:txBody>
-                  <a:tcPr marL="9525" marR="9525" marT="9525" marB="0" anchor="ctr">
-                    <a:lnL>
-                      <a:noFill/>
-                    </a:lnL>
-                    <a:lnR>
-                      <a:noFill/>
-                    </a:lnR>
-                    <a:lnT w="28575" cap="flat" cmpd="sng" algn="ctr">
-                      <a:solidFill>
-                        <a:schemeClr val="tx1"/>
-                      </a:solidFill>
-                      <a:prstDash val="solid"/>
-                      <a:round/>
-                      <a:headEnd type="none" w="med" len="med"/>
-                      <a:tailEnd type="none" w="med" len="med"/>
-                    </a:lnT>
-                    <a:lnB w="12700" cap="flat" cmpd="sng" algn="ctr">
-                      <a:solidFill>
-                        <a:schemeClr val="tx1"/>
-                      </a:solidFill>
-                      <a:prstDash val="solid"/>
-                      <a:round/>
-                      <a:headEnd type="none" w="med" len="med"/>
-                      <a:tailEnd type="none" w="med" len="med"/>
-                    </a:lnB>
-                  </a:tcPr>
-                </a:tc>
-                <a:tc gridSpan="3">
-                  <a:txBody>
-                    <a:bodyPr/>
-                    <a:lstStyle/>
-                    <a:p>
-                      <a:pPr algn="ctr" fontAlgn="ctr"/>
-                      <a:r>
-                        <a:rPr lang="en-US" sz="1200" b="0" i="0" u="none" strike="noStrike" dirty="0" smtClean="0">
-                          <a:solidFill>
-                            <a:srgbClr val="000000"/>
-                          </a:solidFill>
-                          <a:effectLst/>
-                          <a:latin typeface="Times New Roman" panose="02020603050405020304" pitchFamily="18" charset="0"/>
-                          <a:cs typeface="Times New Roman" panose="02020603050405020304" pitchFamily="18" charset="0"/>
-                        </a:rPr>
-                        <a:t>Prevalence</a:t>
-                      </a:r>
-                      <a:endParaRPr lang="en-US" sz="1200" b="0" i="0" u="none" strike="noStrike" dirty="0">
-                        <a:solidFill>
-                          <a:srgbClr val="000000"/>
-                        </a:solidFill>
-                        <a:effectLst/>
-                        <a:latin typeface="Times New Roman" panose="02020603050405020304" pitchFamily="18" charset="0"/>
-                        <a:cs typeface="Times New Roman" panose="02020603050405020304" pitchFamily="18" charset="0"/>
-                      </a:endParaRPr>
-                    </a:p>
-                  </a:txBody>
-                  <a:tcPr marL="9525" marR="9525" marT="9525" marB="0" anchor="ctr">
-                    <a:lnL>
-                      <a:noFill/>
-                    </a:lnL>
-                    <a:lnR>
-                      <a:noFill/>
-                    </a:lnR>
-                    <a:lnT w="28575" cap="flat" cmpd="sng" algn="ctr">
-                      <a:solidFill>
-                        <a:schemeClr val="tx1"/>
-                      </a:solidFill>
-                      <a:prstDash val="solid"/>
-                      <a:round/>
-                      <a:headEnd type="none" w="med" len="med"/>
-                      <a:tailEnd type="none" w="med" len="med"/>
-                    </a:lnT>
-                    <a:lnB w="12700" cap="flat" cmpd="sng" algn="ctr">
-                      <a:solidFill>
-                        <a:schemeClr val="tx1"/>
-                      </a:solidFill>
-                      <a:prstDash val="solid"/>
-                      <a:round/>
-                      <a:headEnd type="none" w="med" len="med"/>
-                      <a:tailEnd type="none" w="med" len="med"/>
-                    </a:lnB>
-                  </a:tcPr>
-                </a:tc>
-                <a:tc hMerge="1">
-                  <a:txBody>
-                    <a:bodyPr/>
-                    <a:lstStyle/>
-                    <a:p>
-                      <a:pPr algn="l" fontAlgn="ctr"/>
-                      <a:endParaRPr lang="en-US" sz="1100" b="0" i="0" u="none" strike="noStrike" dirty="0">
-                        <a:solidFill>
-                          <a:srgbClr val="000000"/>
-                        </a:solidFill>
-                        <a:effectLst/>
-                        <a:latin typeface="맑은 고딕"/>
-                      </a:endParaRPr>
-                    </a:p>
-                  </a:txBody>
-                  <a:tcPr marL="9525" marR="9525" marT="9525" marB="0" anchor="ctr">
-                    <a:lnL>
-                      <a:noFill/>
-                    </a:lnL>
-                    <a:lnR>
-                      <a:noFill/>
-                    </a:lnR>
-                    <a:lnT>
-                      <a:noFill/>
-                    </a:lnT>
-                    <a:lnB>
-                      <a:noFill/>
-                    </a:lnB>
-                  </a:tcPr>
-                </a:tc>
-                <a:tc hMerge="1">
-                  <a:txBody>
-                    <a:bodyPr/>
-                    <a:lstStyle/>
-                    <a:p>
-                      <a:pPr algn="l" fontAlgn="ctr"/>
-                      <a:endParaRPr lang="en-US" sz="1100" b="0" i="0" u="none" strike="noStrike" dirty="0">
-                        <a:solidFill>
-                          <a:srgbClr val="000000"/>
-                        </a:solidFill>
-                        <a:effectLst/>
-                        <a:latin typeface="맑은 고딕"/>
-                      </a:endParaRPr>
-                    </a:p>
-                  </a:txBody>
-                  <a:tcPr marL="9525" marR="9525" marT="9525" marB="0" anchor="ctr">
-                    <a:lnL>
-                      <a:noFill/>
-                    </a:lnL>
-                    <a:lnR>
-                      <a:noFill/>
-                    </a:lnR>
-                    <a:lnT>
-                      <a:noFill/>
-                    </a:lnT>
-                    <a:lnB>
-                      <a:noFill/>
-                    </a:lnB>
-                  </a:tcPr>
-                </a:tc>
-              </a:tr>
-              <a:tr h="209550">
-                <a:tc vMerge="1">
-                  <a:txBody>
-                    <a:bodyPr/>
-                    <a:lstStyle/>
-                    <a:p>
                       <a:pPr latinLnBrk="1"/>
                       <a:endParaRPr lang="ko-KR" altLang="en-US"/>
                     </a:p>
@@ -18233,7 +17291,7 @@
                           <a:latin typeface="Times New Roman" panose="02020603050405020304" pitchFamily="18" charset="0"/>
                           <a:cs typeface="Times New Roman" panose="02020603050405020304" pitchFamily="18" charset="0"/>
                         </a:rPr>
-                        <a:t>0.2</a:t>
+                        <a:t>0</a:t>
                       </a:r>
                       <a:endParaRPr lang="en-US" altLang="ko-KR" sz="1200" b="0" i="0" u="none" strike="noStrike" dirty="0">
                         <a:solidFill>
@@ -18319,7 +17377,7 @@
                     <a:p>
                       <a:pPr algn="ctr" fontAlgn="ctr"/>
                       <a:r>
-                        <a:rPr lang="en-US" altLang="ko-KR" sz="1100" b="0" i="0" u="none" strike="noStrike" dirty="0">
+                        <a:rPr lang="en-US" altLang="ko-KR" sz="1200" b="0" i="0" u="none" strike="noStrike" dirty="0">
                           <a:solidFill>
                             <a:srgbClr val="000000"/>
                           </a:solidFill>
@@ -18327,7 +17385,7 @@
                           <a:latin typeface="Times New Roman" panose="02020603050405020304" pitchFamily="18" charset="0"/>
                           <a:cs typeface="Times New Roman" panose="02020603050405020304" pitchFamily="18" charset="0"/>
                         </a:rPr>
-                        <a:t>0.0485</a:t>
+                        <a:t>0.0015</a:t>
                       </a:r>
                     </a:p>
                   </a:txBody>
@@ -18359,7 +17417,7 @@
                     <a:p>
                       <a:pPr algn="ctr" fontAlgn="ctr"/>
                       <a:r>
-                        <a:rPr lang="en-US" altLang="ko-KR" sz="1100" b="0" i="0" u="none" strike="noStrike">
+                        <a:rPr lang="en-US" altLang="ko-KR" sz="1200" b="0" i="0" u="none" strike="noStrike" dirty="0" smtClean="0">
                           <a:solidFill>
                             <a:srgbClr val="000000"/>
                           </a:solidFill>
@@ -18367,8 +17425,16 @@
                           <a:latin typeface="Times New Roman" panose="02020603050405020304" pitchFamily="18" charset="0"/>
                           <a:cs typeface="Times New Roman" panose="02020603050405020304" pitchFamily="18" charset="0"/>
                         </a:rPr>
-                        <a:t>0.3420</a:t>
+                        <a:t>0.0050</a:t>
                       </a:r>
+                      <a:endParaRPr lang="en-US" altLang="ko-KR" sz="1200" b="0" i="0" u="none" strike="noStrike" dirty="0">
+                        <a:solidFill>
+                          <a:srgbClr val="000000"/>
+                        </a:solidFill>
+                        <a:effectLst/>
+                        <a:latin typeface="Times New Roman" panose="02020603050405020304" pitchFamily="18" charset="0"/>
+                        <a:cs typeface="Times New Roman" panose="02020603050405020304" pitchFamily="18" charset="0"/>
+                      </a:endParaRPr>
                     </a:p>
                   </a:txBody>
                   <a:tcPr marL="9525" marR="9525" marT="9525" marB="0" anchor="ctr">
@@ -18399,7 +17465,7 @@
                     <a:p>
                       <a:pPr algn="ctr" fontAlgn="ctr"/>
                       <a:r>
-                        <a:rPr lang="en-US" altLang="ko-KR" sz="1100" b="0" i="0" u="none" strike="noStrike">
+                        <a:rPr lang="en-US" altLang="ko-KR" sz="1200" b="0" i="0" u="none" strike="noStrike" dirty="0">
                           <a:solidFill>
                             <a:srgbClr val="000000"/>
                           </a:solidFill>
@@ -18407,7 +17473,7 @@
                           <a:latin typeface="Times New Roman" panose="02020603050405020304" pitchFamily="18" charset="0"/>
                           <a:cs typeface="Times New Roman" panose="02020603050405020304" pitchFamily="18" charset="0"/>
                         </a:rPr>
-                        <a:t>0.6210</a:t>
+                        <a:t>0.0015</a:t>
                       </a:r>
                     </a:p>
                   </a:txBody>
@@ -18506,7 +17572,7 @@
                     <a:p>
                       <a:pPr algn="ctr" fontAlgn="ctr"/>
                       <a:r>
-                        <a:rPr lang="en-US" altLang="ko-KR" sz="1100" b="0" i="0" u="none" strike="noStrike" dirty="0">
+                        <a:rPr lang="en-US" altLang="ko-KR" sz="1200" b="0" i="0" u="none" strike="noStrike" dirty="0">
                           <a:solidFill>
                             <a:srgbClr val="000000"/>
                           </a:solidFill>
@@ -18514,7 +17580,7 @@
                           <a:latin typeface="Times New Roman" panose="02020603050405020304" pitchFamily="18" charset="0"/>
                           <a:cs typeface="Times New Roman" panose="02020603050405020304" pitchFamily="18" charset="0"/>
                         </a:rPr>
-                        <a:t>0.2260</a:t>
+                        <a:t>0.0115</a:t>
                       </a:r>
                     </a:p>
                   </a:txBody>
@@ -18540,7 +17606,7 @@
                     <a:p>
                       <a:pPr algn="ctr" fontAlgn="ctr"/>
                       <a:r>
-                        <a:rPr lang="en-US" altLang="ko-KR" sz="1100" b="0" i="0" u="none" strike="noStrike" dirty="0">
+                        <a:rPr lang="en-US" altLang="ko-KR" sz="1200" b="0" i="0" u="none" strike="noStrike" dirty="0" smtClean="0">
                           <a:solidFill>
                             <a:srgbClr val="000000"/>
                           </a:solidFill>
@@ -18548,8 +17614,16 @@
                           <a:latin typeface="Times New Roman" panose="02020603050405020304" pitchFamily="18" charset="0"/>
                           <a:cs typeface="Times New Roman" panose="02020603050405020304" pitchFamily="18" charset="0"/>
                         </a:rPr>
-                        <a:t>0.6730</a:t>
+                        <a:t>0.0480</a:t>
                       </a:r>
+                      <a:endParaRPr lang="en-US" altLang="ko-KR" sz="1200" b="0" i="0" u="none" strike="noStrike" dirty="0">
+                        <a:solidFill>
+                          <a:srgbClr val="000000"/>
+                        </a:solidFill>
+                        <a:effectLst/>
+                        <a:latin typeface="Times New Roman" panose="02020603050405020304" pitchFamily="18" charset="0"/>
+                        <a:cs typeface="Times New Roman" panose="02020603050405020304" pitchFamily="18" charset="0"/>
+                      </a:endParaRPr>
                     </a:p>
                   </a:txBody>
                   <a:tcPr marL="9525" marR="9525" marT="9525" marB="0" anchor="ctr">
@@ -18574,7 +17648,7 @@
                     <a:p>
                       <a:pPr algn="ctr" fontAlgn="ctr"/>
                       <a:r>
-                        <a:rPr lang="en-US" altLang="ko-KR" sz="1100" b="0" i="0" u="none" strike="noStrike" dirty="0">
+                        <a:rPr lang="en-US" altLang="ko-KR" sz="1200" b="0" i="0" u="none" strike="noStrike" dirty="0" smtClean="0">
                           <a:solidFill>
                             <a:srgbClr val="000000"/>
                           </a:solidFill>
@@ -18582,8 +17656,16 @@
                           <a:latin typeface="Times New Roman" panose="02020603050405020304" pitchFamily="18" charset="0"/>
                           <a:cs typeface="Times New Roman" panose="02020603050405020304" pitchFamily="18" charset="0"/>
                         </a:rPr>
-                        <a:t>0.8675</a:t>
+                        <a:t>0.0200</a:t>
                       </a:r>
+                      <a:endParaRPr lang="en-US" altLang="ko-KR" sz="1200" b="0" i="0" u="none" strike="noStrike" dirty="0">
+                        <a:solidFill>
+                          <a:srgbClr val="000000"/>
+                        </a:solidFill>
+                        <a:effectLst/>
+                        <a:latin typeface="Times New Roman" panose="02020603050405020304" pitchFamily="18" charset="0"/>
+                        <a:cs typeface="Times New Roman" panose="02020603050405020304" pitchFamily="18" charset="0"/>
+                      </a:endParaRPr>
                     </a:p>
                   </a:txBody>
                   <a:tcPr marL="9525" marR="9525" marT="9525" marB="0" anchor="ctr">
@@ -18631,6 +17713,634 @@
                     </a:lnT>
                     <a:lnB w="28575" cap="flat" cmpd="sng" algn="ctr">
                       <a:noFill/>
+                      <a:prstDash val="solid"/>
+                      <a:round/>
+                      <a:headEnd type="none" w="med" len="med"/>
+                      <a:tailEnd type="none" w="med" len="med"/>
+                    </a:lnB>
+                  </a:tcPr>
+                </a:tc>
+                <a:tc>
+                  <a:txBody>
+                    <a:bodyPr/>
+                    <a:lstStyle/>
+                    <a:p>
+                      <a:pPr algn="ctr" fontAlgn="ctr"/>
+                      <a:r>
+                        <a:rPr lang="en-US" altLang="ko-KR" sz="1200" b="0" i="0" u="none" strike="noStrike" dirty="0">
+                          <a:solidFill>
+                            <a:srgbClr val="000000"/>
+                          </a:solidFill>
+                          <a:effectLst/>
+                          <a:latin typeface="Times New Roman" panose="02020603050405020304" pitchFamily="18" charset="0"/>
+                          <a:cs typeface="Times New Roman" panose="02020603050405020304" pitchFamily="18" charset="0"/>
+                        </a:rPr>
+                        <a:t>0.1</a:t>
+                      </a:r>
+                    </a:p>
+                  </a:txBody>
+                  <a:tcPr marL="9525" marR="9525" marT="9525" marB="0" anchor="ctr">
+                    <a:lnL>
+                      <a:noFill/>
+                    </a:lnL>
+                    <a:lnR>
+                      <a:noFill/>
+                    </a:lnR>
+                    <a:lnT>
+                      <a:noFill/>
+                    </a:lnT>
+                    <a:lnB w="12700" cap="flat" cmpd="sng" algn="ctr">
+                      <a:solidFill>
+                        <a:schemeClr val="tx1"/>
+                      </a:solidFill>
+                      <a:prstDash val="solid"/>
+                      <a:round/>
+                      <a:headEnd type="none" w="med" len="med"/>
+                      <a:tailEnd type="none" w="med" len="med"/>
+                    </a:lnB>
+                  </a:tcPr>
+                </a:tc>
+                <a:tc>
+                  <a:txBody>
+                    <a:bodyPr/>
+                    <a:lstStyle/>
+                    <a:p>
+                      <a:pPr algn="ctr" fontAlgn="ctr"/>
+                      <a:r>
+                        <a:rPr lang="en-US" altLang="ko-KR" sz="1200" b="0" i="0" u="none" strike="noStrike">
+                          <a:solidFill>
+                            <a:srgbClr val="000000"/>
+                          </a:solidFill>
+                          <a:effectLst/>
+                          <a:latin typeface="Times New Roman" panose="02020603050405020304" pitchFamily="18" charset="0"/>
+                          <a:cs typeface="Times New Roman" panose="02020603050405020304" pitchFamily="18" charset="0"/>
+                        </a:rPr>
+                        <a:t>0.0285</a:t>
+                      </a:r>
+                    </a:p>
+                  </a:txBody>
+                  <a:tcPr marL="9525" marR="9525" marT="9525" marB="0" anchor="ctr">
+                    <a:lnL>
+                      <a:noFill/>
+                    </a:lnL>
+                    <a:lnR>
+                      <a:noFill/>
+                    </a:lnR>
+                    <a:lnT>
+                      <a:noFill/>
+                    </a:lnT>
+                    <a:lnB w="12700" cap="flat" cmpd="sng" algn="ctr">
+                      <a:solidFill>
+                        <a:schemeClr val="tx1"/>
+                      </a:solidFill>
+                      <a:prstDash val="solid"/>
+                      <a:round/>
+                      <a:headEnd type="none" w="med" len="med"/>
+                      <a:tailEnd type="none" w="med" len="med"/>
+                    </a:lnB>
+                  </a:tcPr>
+                </a:tc>
+                <a:tc>
+                  <a:txBody>
+                    <a:bodyPr/>
+                    <a:lstStyle/>
+                    <a:p>
+                      <a:pPr algn="ctr" fontAlgn="ctr"/>
+                      <a:r>
+                        <a:rPr lang="en-US" altLang="ko-KR" sz="1200" b="0" i="0" u="none" strike="noStrike" dirty="0" smtClean="0">
+                          <a:solidFill>
+                            <a:srgbClr val="000000"/>
+                          </a:solidFill>
+                          <a:effectLst/>
+                          <a:latin typeface="Times New Roman" panose="02020603050405020304" pitchFamily="18" charset="0"/>
+                          <a:cs typeface="Times New Roman" panose="02020603050405020304" pitchFamily="18" charset="0"/>
+                        </a:rPr>
+                        <a:t>0.1020</a:t>
+                      </a:r>
+                      <a:endParaRPr lang="en-US" altLang="ko-KR" sz="1200" b="0" i="0" u="none" strike="noStrike" dirty="0">
+                        <a:solidFill>
+                          <a:srgbClr val="000000"/>
+                        </a:solidFill>
+                        <a:effectLst/>
+                        <a:latin typeface="Times New Roman" panose="02020603050405020304" pitchFamily="18" charset="0"/>
+                        <a:cs typeface="Times New Roman" panose="02020603050405020304" pitchFamily="18" charset="0"/>
+                      </a:endParaRPr>
+                    </a:p>
+                  </a:txBody>
+                  <a:tcPr marL="9525" marR="9525" marT="9525" marB="0" anchor="ctr">
+                    <a:lnL>
+                      <a:noFill/>
+                    </a:lnL>
+                    <a:lnR>
+                      <a:noFill/>
+                    </a:lnR>
+                    <a:lnT>
+                      <a:noFill/>
+                    </a:lnT>
+                    <a:lnB w="12700" cap="flat" cmpd="sng" algn="ctr">
+                      <a:solidFill>
+                        <a:schemeClr val="tx1"/>
+                      </a:solidFill>
+                      <a:prstDash val="solid"/>
+                      <a:round/>
+                      <a:headEnd type="none" w="med" len="med"/>
+                      <a:tailEnd type="none" w="med" len="med"/>
+                    </a:lnB>
+                  </a:tcPr>
+                </a:tc>
+                <a:tc>
+                  <a:txBody>
+                    <a:bodyPr/>
+                    <a:lstStyle/>
+                    <a:p>
+                      <a:pPr algn="ctr" fontAlgn="ctr"/>
+                      <a:r>
+                        <a:rPr lang="en-US" altLang="ko-KR" sz="1200" b="0" i="0" u="none" strike="noStrike" dirty="0">
+                          <a:solidFill>
+                            <a:srgbClr val="000000"/>
+                          </a:solidFill>
+                          <a:effectLst/>
+                          <a:latin typeface="Times New Roman" panose="02020603050405020304" pitchFamily="18" charset="0"/>
+                          <a:cs typeface="Times New Roman" panose="02020603050405020304" pitchFamily="18" charset="0"/>
+                        </a:rPr>
+                        <a:t>0.0505</a:t>
+                      </a:r>
+                    </a:p>
+                  </a:txBody>
+                  <a:tcPr marL="9525" marR="9525" marT="9525" marB="0" anchor="ctr">
+                    <a:lnL>
+                      <a:noFill/>
+                    </a:lnL>
+                    <a:lnR>
+                      <a:noFill/>
+                    </a:lnR>
+                    <a:lnT>
+                      <a:noFill/>
+                    </a:lnT>
+                    <a:lnB w="12700" cap="flat" cmpd="sng" algn="ctr">
+                      <a:solidFill>
+                        <a:schemeClr val="tx1"/>
+                      </a:solidFill>
+                      <a:prstDash val="solid"/>
+                      <a:round/>
+                      <a:headEnd type="none" w="med" len="med"/>
+                      <a:tailEnd type="none" w="med" len="med"/>
+                    </a:lnB>
+                  </a:tcPr>
+                </a:tc>
+              </a:tr>
+              <a:tr h="209550">
+                <a:tc rowSpan="3">
+                  <a:txBody>
+                    <a:bodyPr/>
+                    <a:lstStyle/>
+                    <a:p>
+                      <a:pPr algn="ctr" fontAlgn="ctr"/>
+                      <a:r>
+                        <a:rPr lang="en-US" altLang="ko-KR" sz="1200" b="0" i="0" u="none" strike="noStrike" dirty="0" smtClean="0">
+                          <a:solidFill>
+                            <a:srgbClr val="000000"/>
+                          </a:solidFill>
+                          <a:effectLst/>
+                          <a:latin typeface="Times New Roman" panose="02020603050405020304" pitchFamily="18" charset="0"/>
+                          <a:cs typeface="Times New Roman" panose="02020603050405020304" pitchFamily="18" charset="0"/>
+                        </a:rPr>
+                        <a:t>0.2</a:t>
+                      </a:r>
+                      <a:endParaRPr lang="en-US" altLang="ko-KR" sz="1200" b="0" i="0" u="none" strike="noStrike" dirty="0">
+                        <a:solidFill>
+                          <a:srgbClr val="000000"/>
+                        </a:solidFill>
+                        <a:effectLst/>
+                        <a:latin typeface="Times New Roman" panose="02020603050405020304" pitchFamily="18" charset="0"/>
+                        <a:cs typeface="Times New Roman" panose="02020603050405020304" pitchFamily="18" charset="0"/>
+                      </a:endParaRPr>
+                    </a:p>
+                  </a:txBody>
+                  <a:tcPr marL="9525" marR="9525" marT="9525" marB="0" anchor="ctr">
+                    <a:lnL>
+                      <a:noFill/>
+                    </a:lnL>
+                    <a:lnR>
+                      <a:noFill/>
+                    </a:lnR>
+                    <a:lnT w="12700" cap="flat" cmpd="sng" algn="ctr">
+                      <a:solidFill>
+                        <a:schemeClr val="tx1"/>
+                      </a:solidFill>
+                      <a:prstDash val="solid"/>
+                      <a:round/>
+                      <a:headEnd type="none" w="med" len="med"/>
+                      <a:tailEnd type="none" w="med" len="med"/>
+                    </a:lnT>
+                    <a:lnB w="12700" cap="flat" cmpd="sng" algn="ctr">
+                      <a:solidFill>
+                        <a:schemeClr val="tx1"/>
+                      </a:solidFill>
+                      <a:prstDash val="solid"/>
+                      <a:round/>
+                      <a:headEnd type="none" w="med" len="med"/>
+                      <a:tailEnd type="none" w="med" len="med"/>
+                    </a:lnB>
+                  </a:tcPr>
+                </a:tc>
+                <a:tc>
+                  <a:txBody>
+                    <a:bodyPr/>
+                    <a:lstStyle/>
+                    <a:p>
+                      <a:pPr algn="ctr" fontAlgn="ctr"/>
+                      <a:r>
+                        <a:rPr lang="en-US" altLang="ko-KR" sz="1200" b="0" i="0" u="none" strike="noStrike" dirty="0">
+                          <a:solidFill>
+                            <a:srgbClr val="000000"/>
+                          </a:solidFill>
+                          <a:effectLst/>
+                          <a:latin typeface="Times New Roman" panose="02020603050405020304" pitchFamily="18" charset="0"/>
+                          <a:cs typeface="Times New Roman" panose="02020603050405020304" pitchFamily="18" charset="0"/>
+                        </a:rPr>
+                        <a:t>0.01</a:t>
+                      </a:r>
+                    </a:p>
+                  </a:txBody>
+                  <a:tcPr marL="9525" marR="9525" marT="9525" marB="0" anchor="ctr">
+                    <a:lnL>
+                      <a:noFill/>
+                    </a:lnL>
+                    <a:lnR>
+                      <a:noFill/>
+                    </a:lnR>
+                    <a:lnT w="12700" cap="flat" cmpd="sng" algn="ctr">
+                      <a:solidFill>
+                        <a:schemeClr val="tx1"/>
+                      </a:solidFill>
+                      <a:prstDash val="solid"/>
+                      <a:round/>
+                      <a:headEnd type="none" w="med" len="med"/>
+                      <a:tailEnd type="none" w="med" len="med"/>
+                    </a:lnT>
+                    <a:lnB w="28575" cap="flat" cmpd="sng" algn="ctr">
+                      <a:noFill/>
+                      <a:prstDash val="solid"/>
+                      <a:round/>
+                      <a:headEnd type="none" w="med" len="med"/>
+                      <a:tailEnd type="none" w="med" len="med"/>
+                    </a:lnB>
+                  </a:tcPr>
+                </a:tc>
+                <a:tc>
+                  <a:txBody>
+                    <a:bodyPr/>
+                    <a:lstStyle/>
+                    <a:p>
+                      <a:pPr algn="ctr" fontAlgn="ctr"/>
+                      <a:r>
+                        <a:rPr lang="en-US" altLang="ko-KR" sz="1100" b="0" i="0" u="none" strike="noStrike" dirty="0">
+                          <a:solidFill>
+                            <a:srgbClr val="000000"/>
+                          </a:solidFill>
+                          <a:effectLst/>
+                          <a:latin typeface="Times New Roman" panose="02020603050405020304" pitchFamily="18" charset="0"/>
+                          <a:cs typeface="Times New Roman" panose="02020603050405020304" pitchFamily="18" charset="0"/>
+                        </a:rPr>
+                        <a:t>0.0485</a:t>
+                      </a:r>
+                    </a:p>
+                  </a:txBody>
+                  <a:tcPr marL="9525" marR="9525" marT="9525" marB="0" anchor="ctr">
+                    <a:lnL>
+                      <a:noFill/>
+                    </a:lnL>
+                    <a:lnR>
+                      <a:noFill/>
+                    </a:lnR>
+                    <a:lnT w="12700" cap="flat" cmpd="sng" algn="ctr">
+                      <a:solidFill>
+                        <a:schemeClr val="tx1"/>
+                      </a:solidFill>
+                      <a:prstDash val="solid"/>
+                      <a:round/>
+                      <a:headEnd type="none" w="med" len="med"/>
+                      <a:tailEnd type="none" w="med" len="med"/>
+                    </a:lnT>
+                    <a:lnB w="28575" cap="flat" cmpd="sng" algn="ctr">
+                      <a:noFill/>
+                      <a:prstDash val="solid"/>
+                      <a:round/>
+                      <a:headEnd type="none" w="med" len="med"/>
+                      <a:tailEnd type="none" w="med" len="med"/>
+                    </a:lnB>
+                  </a:tcPr>
+                </a:tc>
+                <a:tc>
+                  <a:txBody>
+                    <a:bodyPr/>
+                    <a:lstStyle/>
+                    <a:p>
+                      <a:pPr algn="ctr" fontAlgn="ctr"/>
+                      <a:r>
+                        <a:rPr lang="en-US" altLang="ko-KR" sz="1100" b="0" i="0" u="none" strike="noStrike">
+                          <a:solidFill>
+                            <a:srgbClr val="000000"/>
+                          </a:solidFill>
+                          <a:effectLst/>
+                          <a:latin typeface="Times New Roman" panose="02020603050405020304" pitchFamily="18" charset="0"/>
+                          <a:cs typeface="Times New Roman" panose="02020603050405020304" pitchFamily="18" charset="0"/>
+                        </a:rPr>
+                        <a:t>0.3420</a:t>
+                      </a:r>
+                    </a:p>
+                  </a:txBody>
+                  <a:tcPr marL="9525" marR="9525" marT="9525" marB="0" anchor="ctr">
+                    <a:lnL>
+                      <a:noFill/>
+                    </a:lnL>
+                    <a:lnR>
+                      <a:noFill/>
+                    </a:lnR>
+                    <a:lnT w="12700" cap="flat" cmpd="sng" algn="ctr">
+                      <a:solidFill>
+                        <a:schemeClr val="tx1"/>
+                      </a:solidFill>
+                      <a:prstDash val="solid"/>
+                      <a:round/>
+                      <a:headEnd type="none" w="med" len="med"/>
+                      <a:tailEnd type="none" w="med" len="med"/>
+                    </a:lnT>
+                    <a:lnB w="28575" cap="flat" cmpd="sng" algn="ctr">
+                      <a:noFill/>
+                      <a:prstDash val="solid"/>
+                      <a:round/>
+                      <a:headEnd type="none" w="med" len="med"/>
+                      <a:tailEnd type="none" w="med" len="med"/>
+                    </a:lnB>
+                  </a:tcPr>
+                </a:tc>
+                <a:tc>
+                  <a:txBody>
+                    <a:bodyPr/>
+                    <a:lstStyle/>
+                    <a:p>
+                      <a:pPr algn="ctr" fontAlgn="ctr"/>
+                      <a:r>
+                        <a:rPr lang="en-US" altLang="ko-KR" sz="1100" b="0" i="0" u="none" strike="noStrike" dirty="0">
+                          <a:solidFill>
+                            <a:srgbClr val="000000"/>
+                          </a:solidFill>
+                          <a:effectLst/>
+                          <a:latin typeface="Times New Roman" panose="02020603050405020304" pitchFamily="18" charset="0"/>
+                          <a:cs typeface="Times New Roman" panose="02020603050405020304" pitchFamily="18" charset="0"/>
+                        </a:rPr>
+                        <a:t>0.6210</a:t>
+                      </a:r>
+                    </a:p>
+                  </a:txBody>
+                  <a:tcPr marL="9525" marR="9525" marT="9525" marB="0" anchor="ctr">
+                    <a:lnL>
+                      <a:noFill/>
+                    </a:lnL>
+                    <a:lnR>
+                      <a:noFill/>
+                    </a:lnR>
+                    <a:lnT w="12700" cap="flat" cmpd="sng" algn="ctr">
+                      <a:solidFill>
+                        <a:schemeClr val="tx1"/>
+                      </a:solidFill>
+                      <a:prstDash val="solid"/>
+                      <a:round/>
+                      <a:headEnd type="none" w="med" len="med"/>
+                      <a:tailEnd type="none" w="med" len="med"/>
+                    </a:lnT>
+                    <a:lnB w="28575" cap="flat" cmpd="sng" algn="ctr">
+                      <a:noFill/>
+                      <a:prstDash val="solid"/>
+                      <a:round/>
+                      <a:headEnd type="none" w="med" len="med"/>
+                      <a:tailEnd type="none" w="med" len="med"/>
+                    </a:lnB>
+                  </a:tcPr>
+                </a:tc>
+              </a:tr>
+              <a:tr h="209550">
+                <a:tc vMerge="1">
+                  <a:txBody>
+                    <a:bodyPr/>
+                    <a:lstStyle/>
+                    <a:p>
+                      <a:pPr algn="ctr" fontAlgn="ctr"/>
+                      <a:endParaRPr lang="en-US" altLang="ko-KR" sz="1200" b="0" i="0" u="none" strike="noStrike" dirty="0">
+                        <a:solidFill>
+                          <a:srgbClr val="000000"/>
+                        </a:solidFill>
+                        <a:effectLst/>
+                        <a:latin typeface="Times New Roman" panose="02020603050405020304" pitchFamily="18" charset="0"/>
+                        <a:cs typeface="Times New Roman" panose="02020603050405020304" pitchFamily="18" charset="0"/>
+                      </a:endParaRPr>
+                    </a:p>
+                  </a:txBody>
+                  <a:tcPr marL="9525" marR="9525" marT="9525" marB="0" anchor="ctr">
+                    <a:lnL>
+                      <a:noFill/>
+                    </a:lnL>
+                    <a:lnR>
+                      <a:noFill/>
+                    </a:lnR>
+                    <a:lnT>
+                      <a:noFill/>
+                    </a:lnT>
+                    <a:lnB w="28575" cap="flat" cmpd="sng" algn="ctr">
+                      <a:noFill/>
+                      <a:prstDash val="solid"/>
+                      <a:round/>
+                      <a:headEnd type="none" w="med" len="med"/>
+                      <a:tailEnd type="none" w="med" len="med"/>
+                    </a:lnB>
+                  </a:tcPr>
+                </a:tc>
+                <a:tc>
+                  <a:txBody>
+                    <a:bodyPr/>
+                    <a:lstStyle/>
+                    <a:p>
+                      <a:pPr algn="ctr" fontAlgn="ctr"/>
+                      <a:r>
+                        <a:rPr lang="en-US" altLang="ko-KR" sz="1200" b="0" i="0" u="none" strike="noStrike" dirty="0">
+                          <a:solidFill>
+                            <a:srgbClr val="000000"/>
+                          </a:solidFill>
+                          <a:effectLst/>
+                          <a:latin typeface="Times New Roman" panose="02020603050405020304" pitchFamily="18" charset="0"/>
+                          <a:cs typeface="Times New Roman" panose="02020603050405020304" pitchFamily="18" charset="0"/>
+                        </a:rPr>
+                        <a:t>0.05</a:t>
+                      </a:r>
+                    </a:p>
+                  </a:txBody>
+                  <a:tcPr marL="9525" marR="9525" marT="9525" marB="0" anchor="ctr">
+                    <a:lnL>
+                      <a:noFill/>
+                    </a:lnL>
+                    <a:lnR>
+                      <a:noFill/>
+                    </a:lnR>
+                    <a:lnT>
+                      <a:noFill/>
+                    </a:lnT>
+                    <a:lnB w="28575" cap="flat" cmpd="sng" algn="ctr">
+                      <a:noFill/>
+                      <a:prstDash val="solid"/>
+                      <a:round/>
+                      <a:headEnd type="none" w="med" len="med"/>
+                      <a:tailEnd type="none" w="med" len="med"/>
+                    </a:lnB>
+                  </a:tcPr>
+                </a:tc>
+                <a:tc>
+                  <a:txBody>
+                    <a:bodyPr/>
+                    <a:lstStyle/>
+                    <a:p>
+                      <a:pPr algn="ctr" fontAlgn="ctr"/>
+                      <a:r>
+                        <a:rPr lang="en-US" altLang="ko-KR" sz="1100" b="0" i="0" u="none" strike="noStrike" dirty="0">
+                          <a:solidFill>
+                            <a:srgbClr val="000000"/>
+                          </a:solidFill>
+                          <a:effectLst/>
+                          <a:latin typeface="Times New Roman" panose="02020603050405020304" pitchFamily="18" charset="0"/>
+                          <a:cs typeface="Times New Roman" panose="02020603050405020304" pitchFamily="18" charset="0"/>
+                        </a:rPr>
+                        <a:t>0.2260</a:t>
+                      </a:r>
+                    </a:p>
+                  </a:txBody>
+                  <a:tcPr marL="9525" marR="9525" marT="9525" marB="0" anchor="ctr">
+                    <a:lnL>
+                      <a:noFill/>
+                    </a:lnL>
+                    <a:lnR>
+                      <a:noFill/>
+                    </a:lnR>
+                    <a:lnT>
+                      <a:noFill/>
+                    </a:lnT>
+                    <a:lnB w="28575" cap="flat" cmpd="sng" algn="ctr">
+                      <a:noFill/>
+                      <a:prstDash val="solid"/>
+                      <a:round/>
+                      <a:headEnd type="none" w="med" len="med"/>
+                      <a:tailEnd type="none" w="med" len="med"/>
+                    </a:lnB>
+                  </a:tcPr>
+                </a:tc>
+                <a:tc>
+                  <a:txBody>
+                    <a:bodyPr/>
+                    <a:lstStyle/>
+                    <a:p>
+                      <a:pPr algn="ctr" fontAlgn="ctr"/>
+                      <a:r>
+                        <a:rPr lang="en-US" altLang="ko-KR" sz="1100" b="0" i="0" u="none" strike="noStrike" dirty="0">
+                          <a:solidFill>
+                            <a:srgbClr val="000000"/>
+                          </a:solidFill>
+                          <a:effectLst/>
+                          <a:latin typeface="Times New Roman" panose="02020603050405020304" pitchFamily="18" charset="0"/>
+                          <a:cs typeface="Times New Roman" panose="02020603050405020304" pitchFamily="18" charset="0"/>
+                        </a:rPr>
+                        <a:t>0.6730</a:t>
+                      </a:r>
+                    </a:p>
+                  </a:txBody>
+                  <a:tcPr marL="9525" marR="9525" marT="9525" marB="0" anchor="ctr">
+                    <a:lnL>
+                      <a:noFill/>
+                    </a:lnL>
+                    <a:lnR>
+                      <a:noFill/>
+                    </a:lnR>
+                    <a:lnT>
+                      <a:noFill/>
+                    </a:lnT>
+                    <a:lnB w="28575" cap="flat" cmpd="sng" algn="ctr">
+                      <a:noFill/>
+                      <a:prstDash val="solid"/>
+                      <a:round/>
+                      <a:headEnd type="none" w="med" len="med"/>
+                      <a:tailEnd type="none" w="med" len="med"/>
+                    </a:lnB>
+                  </a:tcPr>
+                </a:tc>
+                <a:tc>
+                  <a:txBody>
+                    <a:bodyPr/>
+                    <a:lstStyle/>
+                    <a:p>
+                      <a:pPr algn="ctr" fontAlgn="ctr"/>
+                      <a:r>
+                        <a:rPr lang="en-US" altLang="ko-KR" sz="1100" b="0" i="0" u="none" strike="noStrike" dirty="0">
+                          <a:solidFill>
+                            <a:srgbClr val="000000"/>
+                          </a:solidFill>
+                          <a:effectLst/>
+                          <a:latin typeface="Times New Roman" panose="02020603050405020304" pitchFamily="18" charset="0"/>
+                          <a:cs typeface="Times New Roman" panose="02020603050405020304" pitchFamily="18" charset="0"/>
+                        </a:rPr>
+                        <a:t>0.8675</a:t>
+                      </a:r>
+                    </a:p>
+                  </a:txBody>
+                  <a:tcPr marL="9525" marR="9525" marT="9525" marB="0" anchor="ctr">
+                    <a:lnL>
+                      <a:noFill/>
+                    </a:lnL>
+                    <a:lnR>
+                      <a:noFill/>
+                    </a:lnR>
+                    <a:lnT>
+                      <a:noFill/>
+                    </a:lnT>
+                    <a:lnB w="28575" cap="flat" cmpd="sng" algn="ctr">
+                      <a:noFill/>
+                      <a:prstDash val="solid"/>
+                      <a:round/>
+                      <a:headEnd type="none" w="med" len="med"/>
+                      <a:tailEnd type="none" w="med" len="med"/>
+                    </a:lnB>
+                  </a:tcPr>
+                </a:tc>
+              </a:tr>
+              <a:tr h="209550">
+                <a:tc vMerge="1">
+                  <a:txBody>
+                    <a:bodyPr/>
+                    <a:lstStyle/>
+                    <a:p>
+                      <a:pPr algn="ctr" fontAlgn="ctr"/>
+                      <a:endParaRPr lang="en-US" altLang="ko-KR" sz="1200" b="0" i="0" u="none" strike="noStrike" dirty="0">
+                        <a:solidFill>
+                          <a:srgbClr val="000000"/>
+                        </a:solidFill>
+                        <a:effectLst/>
+                        <a:latin typeface="Times New Roman" panose="02020603050405020304" pitchFamily="18" charset="0"/>
+                        <a:cs typeface="Times New Roman" panose="02020603050405020304" pitchFamily="18" charset="0"/>
+                      </a:endParaRPr>
+                    </a:p>
+                  </a:txBody>
+                  <a:tcPr marL="9525" marR="9525" marT="9525" marB="0" anchor="ctr">
+                    <a:lnL>
+                      <a:noFill/>
+                    </a:lnL>
+                    <a:lnR>
+                      <a:noFill/>
+                    </a:lnR>
+                    <a:lnT>
+                      <a:noFill/>
+                    </a:lnT>
+                    <a:lnB w="28575" cap="flat" cmpd="sng" algn="ctr">
+                      <a:solidFill>
+                        <a:schemeClr val="tx1"/>
+                      </a:solidFill>
                       <a:prstDash val="solid"/>
                       <a:round/>
                       <a:headEnd type="none" w="med" len="med"/>
@@ -18905,7 +18615,7 @@
                     <a:p>
                       <a:pPr algn="ctr" fontAlgn="ctr"/>
                       <a:r>
-                        <a:rPr lang="en-US" altLang="ko-KR" sz="1100" b="0" i="0" u="none" strike="noStrike">
+                        <a:rPr lang="en-US" altLang="ko-KR" sz="1100" b="0" i="0" u="none" strike="noStrike" dirty="0">
                           <a:solidFill>
                             <a:srgbClr val="000000"/>
                           </a:solidFill>
@@ -18914,50 +18624,6 @@
                           <a:cs typeface="Times New Roman" panose="02020603050405020304" pitchFamily="18" charset="0"/>
                         </a:rPr>
                         <a:t>0.4575</a:t>
-                      </a:r>
-                    </a:p>
-                  </a:txBody>
-                  <a:tcPr marL="9525" marR="9525" marT="9525" marB="0" anchor="ctr">
-                    <a:lnL>
-                      <a:noFill/>
-                    </a:lnL>
-                    <a:lnR>
-                      <a:noFill/>
-                    </a:lnR>
-                    <a:lnT w="12700" cap="flat" cmpd="sng" algn="ctr">
-                      <a:solidFill>
-                        <a:schemeClr val="tx1"/>
-                      </a:solidFill>
-                      <a:prstDash val="solid"/>
-                      <a:round/>
-                      <a:headEnd type="none" w="med" len="med"/>
-                      <a:tailEnd type="none" w="med" len="med"/>
-                    </a:lnT>
-                    <a:lnB w="28575" cap="flat" cmpd="sng" algn="ctr">
-                      <a:noFill/>
-                      <a:prstDash val="solid"/>
-                      <a:round/>
-                      <a:headEnd type="none" w="med" len="med"/>
-                      <a:tailEnd type="none" w="med" len="med"/>
-                    </a:lnB>
-                  </a:tcPr>
-                </a:tc>
-                <a:tc>
-                  <a:txBody>
-                    <a:bodyPr/>
-                    <a:lstStyle/>
-                    <a:p>
-                      <a:pPr algn="ctr" fontAlgn="ctr"/>
-                      <a:r>
-                        <a:rPr lang="en-US" altLang="ko-KR" sz="1100" b="0" i="0" u="none" strike="noStrike">
-                          <a:solidFill>
-                            <a:srgbClr val="000000"/>
-                          </a:solidFill>
-                          <a:effectLst/>
-                          <a:latin typeface="Times New Roman" panose="02020603050405020304" pitchFamily="18" charset="0"/>
-                          <a:cs typeface="Times New Roman" panose="02020603050405020304" pitchFamily="18" charset="0"/>
-                        </a:rPr>
-                        <a:t>0.9395</a:t>
                       </a:r>
                     </a:p>
                   </a:txBody>
@@ -19001,6 +18667,50 @@
                           <a:latin typeface="Times New Roman" panose="02020603050405020304" pitchFamily="18" charset="0"/>
                           <a:cs typeface="Times New Roman" panose="02020603050405020304" pitchFamily="18" charset="0"/>
                         </a:rPr>
+                        <a:t>0.9395</a:t>
+                      </a:r>
+                    </a:p>
+                  </a:txBody>
+                  <a:tcPr marL="9525" marR="9525" marT="9525" marB="0" anchor="ctr">
+                    <a:lnL>
+                      <a:noFill/>
+                    </a:lnL>
+                    <a:lnR>
+                      <a:noFill/>
+                    </a:lnR>
+                    <a:lnT w="12700" cap="flat" cmpd="sng" algn="ctr">
+                      <a:solidFill>
+                        <a:schemeClr val="tx1"/>
+                      </a:solidFill>
+                      <a:prstDash val="solid"/>
+                      <a:round/>
+                      <a:headEnd type="none" w="med" len="med"/>
+                      <a:tailEnd type="none" w="med" len="med"/>
+                    </a:lnT>
+                    <a:lnB w="28575" cap="flat" cmpd="sng" algn="ctr">
+                      <a:noFill/>
+                      <a:prstDash val="solid"/>
+                      <a:round/>
+                      <a:headEnd type="none" w="med" len="med"/>
+                      <a:tailEnd type="none" w="med" len="med"/>
+                    </a:lnB>
+                  </a:tcPr>
+                </a:tc>
+                <a:tc>
+                  <a:txBody>
+                    <a:bodyPr/>
+                    <a:lstStyle/>
+                    <a:p>
+                      <a:pPr algn="ctr" fontAlgn="ctr"/>
+                      <a:r>
+                        <a:rPr lang="en-US" altLang="ko-KR" sz="1100" b="0" i="0" u="none" strike="noStrike" dirty="0">
+                          <a:solidFill>
+                            <a:srgbClr val="000000"/>
+                          </a:solidFill>
+                          <a:effectLst/>
+                          <a:latin typeface="Times New Roman" panose="02020603050405020304" pitchFamily="18" charset="0"/>
+                          <a:cs typeface="Times New Roman" panose="02020603050405020304" pitchFamily="18" charset="0"/>
+                        </a:rPr>
                         <a:t>1.0000</a:t>
                       </a:r>
                     </a:p>
@@ -19038,863 +18748,6 @@
                     <a:lstStyle/>
                     <a:p>
                       <a:pPr algn="ctr" fontAlgn="ctr"/>
-                      <a:endParaRPr lang="en-US" altLang="ko-KR" sz="1200" b="0" i="0" u="none" strike="noStrike" dirty="0">
-                        <a:solidFill>
-                          <a:srgbClr val="000000"/>
-                        </a:solidFill>
-                        <a:effectLst/>
-                        <a:latin typeface="Times New Roman" panose="02020603050405020304" pitchFamily="18" charset="0"/>
-                        <a:cs typeface="Times New Roman" panose="02020603050405020304" pitchFamily="18" charset="0"/>
-                      </a:endParaRPr>
-                    </a:p>
-                  </a:txBody>
-                  <a:tcPr marL="9525" marR="9525" marT="9525" marB="0" anchor="ctr">
-                    <a:lnL>
-                      <a:noFill/>
-                    </a:lnL>
-                    <a:lnR>
-                      <a:noFill/>
-                    </a:lnR>
-                    <a:lnT>
-                      <a:noFill/>
-                    </a:lnT>
-                    <a:lnB w="28575" cap="flat" cmpd="sng" algn="ctr">
-                      <a:noFill/>
-                      <a:prstDash val="solid"/>
-                      <a:round/>
-                      <a:headEnd type="none" w="med" len="med"/>
-                      <a:tailEnd type="none" w="med" len="med"/>
-                    </a:lnB>
-                  </a:tcPr>
-                </a:tc>
-                <a:tc>
-                  <a:txBody>
-                    <a:bodyPr/>
-                    <a:lstStyle/>
-                    <a:p>
-                      <a:pPr algn="ctr" fontAlgn="ctr"/>
-                      <a:r>
-                        <a:rPr lang="en-US" altLang="ko-KR" sz="1200" b="0" i="0" u="none" strike="noStrike" dirty="0">
-                          <a:solidFill>
-                            <a:srgbClr val="000000"/>
-                          </a:solidFill>
-                          <a:effectLst/>
-                          <a:latin typeface="Times New Roman" panose="02020603050405020304" pitchFamily="18" charset="0"/>
-                          <a:cs typeface="Times New Roman" panose="02020603050405020304" pitchFamily="18" charset="0"/>
-                        </a:rPr>
-                        <a:t>0.05</a:t>
-                      </a:r>
-                    </a:p>
-                  </a:txBody>
-                  <a:tcPr marL="9525" marR="9525" marT="9525" marB="0" anchor="ctr">
-                    <a:lnL>
-                      <a:noFill/>
-                    </a:lnL>
-                    <a:lnR>
-                      <a:noFill/>
-                    </a:lnR>
-                    <a:lnT>
-                      <a:noFill/>
-                    </a:lnT>
-                    <a:lnB w="28575" cap="flat" cmpd="sng" algn="ctr">
-                      <a:noFill/>
-                      <a:prstDash val="solid"/>
-                      <a:round/>
-                      <a:headEnd type="none" w="med" len="med"/>
-                      <a:tailEnd type="none" w="med" len="med"/>
-                    </a:lnB>
-                  </a:tcPr>
-                </a:tc>
-                <a:tc>
-                  <a:txBody>
-                    <a:bodyPr/>
-                    <a:lstStyle/>
-                    <a:p>
-                      <a:pPr algn="ctr" fontAlgn="ctr"/>
-                      <a:r>
-                        <a:rPr lang="en-US" altLang="ko-KR" sz="1100" b="0" i="0" u="none" strike="noStrike">
-                          <a:solidFill>
-                            <a:srgbClr val="000000"/>
-                          </a:solidFill>
-                          <a:effectLst/>
-                          <a:latin typeface="Times New Roman" panose="02020603050405020304" pitchFamily="18" charset="0"/>
-                          <a:cs typeface="Times New Roman" panose="02020603050405020304" pitchFamily="18" charset="0"/>
-                        </a:rPr>
-                        <a:t>0.8190</a:t>
-                      </a:r>
-                    </a:p>
-                  </a:txBody>
-                  <a:tcPr marL="9525" marR="9525" marT="9525" marB="0" anchor="ctr">
-                    <a:lnL>
-                      <a:noFill/>
-                    </a:lnL>
-                    <a:lnR>
-                      <a:noFill/>
-                    </a:lnR>
-                    <a:lnT>
-                      <a:noFill/>
-                    </a:lnT>
-                    <a:lnB w="28575" cap="flat" cmpd="sng" algn="ctr">
-                      <a:noFill/>
-                      <a:prstDash val="solid"/>
-                      <a:round/>
-                      <a:headEnd type="none" w="med" len="med"/>
-                      <a:tailEnd type="none" w="med" len="med"/>
-                    </a:lnB>
-                  </a:tcPr>
-                </a:tc>
-                <a:tc>
-                  <a:txBody>
-                    <a:bodyPr/>
-                    <a:lstStyle/>
-                    <a:p>
-                      <a:pPr algn="ctr" fontAlgn="ctr"/>
-                      <a:r>
-                        <a:rPr lang="en-US" altLang="ko-KR" sz="1100" b="0" i="0" u="none" strike="noStrike">
-                          <a:solidFill>
-                            <a:srgbClr val="000000"/>
-                          </a:solidFill>
-                          <a:effectLst/>
-                          <a:latin typeface="Times New Roman" panose="02020603050405020304" pitchFamily="18" charset="0"/>
-                          <a:cs typeface="Times New Roman" panose="02020603050405020304" pitchFamily="18" charset="0"/>
-                        </a:rPr>
-                        <a:t>0.9930</a:t>
-                      </a:r>
-                    </a:p>
-                  </a:txBody>
-                  <a:tcPr marL="9525" marR="9525" marT="9525" marB="0" anchor="ctr">
-                    <a:lnL>
-                      <a:noFill/>
-                    </a:lnL>
-                    <a:lnR>
-                      <a:noFill/>
-                    </a:lnR>
-                    <a:lnT>
-                      <a:noFill/>
-                    </a:lnT>
-                    <a:lnB w="28575" cap="flat" cmpd="sng" algn="ctr">
-                      <a:noFill/>
-                      <a:prstDash val="solid"/>
-                      <a:round/>
-                      <a:headEnd type="none" w="med" len="med"/>
-                      <a:tailEnd type="none" w="med" len="med"/>
-                    </a:lnB>
-                  </a:tcPr>
-                </a:tc>
-                <a:tc>
-                  <a:txBody>
-                    <a:bodyPr/>
-                    <a:lstStyle/>
-                    <a:p>
-                      <a:pPr algn="ctr" fontAlgn="ctr"/>
-                      <a:r>
-                        <a:rPr lang="en-US" altLang="ko-KR" sz="1100" b="0" i="0" u="none" strike="noStrike" dirty="0">
-                          <a:solidFill>
-                            <a:srgbClr val="000000"/>
-                          </a:solidFill>
-                          <a:effectLst/>
-                          <a:latin typeface="Times New Roman" panose="02020603050405020304" pitchFamily="18" charset="0"/>
-                          <a:cs typeface="Times New Roman" panose="02020603050405020304" pitchFamily="18" charset="0"/>
-                        </a:rPr>
-                        <a:t>1.0000</a:t>
-                      </a:r>
-                    </a:p>
-                  </a:txBody>
-                  <a:tcPr marL="9525" marR="9525" marT="9525" marB="0" anchor="ctr">
-                    <a:lnL>
-                      <a:noFill/>
-                    </a:lnL>
-                    <a:lnR>
-                      <a:noFill/>
-                    </a:lnR>
-                    <a:lnT>
-                      <a:noFill/>
-                    </a:lnT>
-                    <a:lnB w="28575" cap="flat" cmpd="sng" algn="ctr">
-                      <a:noFill/>
-                      <a:prstDash val="solid"/>
-                      <a:round/>
-                      <a:headEnd type="none" w="med" len="med"/>
-                      <a:tailEnd type="none" w="med" len="med"/>
-                    </a:lnB>
-                  </a:tcPr>
-                </a:tc>
-              </a:tr>
-              <a:tr h="209550">
-                <a:tc vMerge="1">
-                  <a:txBody>
-                    <a:bodyPr/>
-                    <a:lstStyle/>
-                    <a:p>
-                      <a:pPr algn="ctr" fontAlgn="ctr"/>
-                      <a:endParaRPr lang="en-US" altLang="ko-KR" sz="1200" b="0" i="0" u="none" strike="noStrike" dirty="0">
-                        <a:solidFill>
-                          <a:srgbClr val="000000"/>
-                        </a:solidFill>
-                        <a:effectLst/>
-                        <a:latin typeface="Times New Roman" panose="02020603050405020304" pitchFamily="18" charset="0"/>
-                        <a:cs typeface="Times New Roman" panose="02020603050405020304" pitchFamily="18" charset="0"/>
-                      </a:endParaRPr>
-                    </a:p>
-                  </a:txBody>
-                  <a:tcPr marL="9525" marR="9525" marT="9525" marB="0" anchor="ctr">
-                    <a:lnL>
-                      <a:noFill/>
-                    </a:lnL>
-                    <a:lnR>
-                      <a:noFill/>
-                    </a:lnR>
-                    <a:lnT>
-                      <a:noFill/>
-                    </a:lnT>
-                    <a:lnB w="28575" cap="flat" cmpd="sng" algn="ctr">
-                      <a:solidFill>
-                        <a:schemeClr val="tx1"/>
-                      </a:solidFill>
-                      <a:prstDash val="solid"/>
-                      <a:round/>
-                      <a:headEnd type="none" w="med" len="med"/>
-                      <a:tailEnd type="none" w="med" len="med"/>
-                    </a:lnB>
-                  </a:tcPr>
-                </a:tc>
-                <a:tc>
-                  <a:txBody>
-                    <a:bodyPr/>
-                    <a:lstStyle/>
-                    <a:p>
-                      <a:pPr algn="ctr" fontAlgn="ctr"/>
-                      <a:r>
-                        <a:rPr lang="en-US" altLang="ko-KR" sz="1200" b="0" i="0" u="none" strike="noStrike" dirty="0">
-                          <a:solidFill>
-                            <a:srgbClr val="000000"/>
-                          </a:solidFill>
-                          <a:effectLst/>
-                          <a:latin typeface="Times New Roman" panose="02020603050405020304" pitchFamily="18" charset="0"/>
-                          <a:cs typeface="Times New Roman" panose="02020603050405020304" pitchFamily="18" charset="0"/>
-                        </a:rPr>
-                        <a:t>0.1</a:t>
-                      </a:r>
-                    </a:p>
-                  </a:txBody>
-                  <a:tcPr marL="9525" marR="9525" marT="9525" marB="0" anchor="ctr">
-                    <a:lnL>
-                      <a:noFill/>
-                    </a:lnL>
-                    <a:lnR>
-                      <a:noFill/>
-                    </a:lnR>
-                    <a:lnT>
-                      <a:noFill/>
-                    </a:lnT>
-                    <a:lnB w="28575" cap="flat" cmpd="sng" algn="ctr">
-                      <a:solidFill>
-                        <a:schemeClr val="tx1"/>
-                      </a:solidFill>
-                      <a:prstDash val="solid"/>
-                      <a:round/>
-                      <a:headEnd type="none" w="med" len="med"/>
-                      <a:tailEnd type="none" w="med" len="med"/>
-                    </a:lnB>
-                  </a:tcPr>
-                </a:tc>
-                <a:tc>
-                  <a:txBody>
-                    <a:bodyPr/>
-                    <a:lstStyle/>
-                    <a:p>
-                      <a:pPr algn="ctr" fontAlgn="ctr"/>
-                      <a:r>
-                        <a:rPr lang="en-US" altLang="ko-KR" sz="1100" b="0" i="0" u="none" strike="noStrike">
-                          <a:solidFill>
-                            <a:srgbClr val="000000"/>
-                          </a:solidFill>
-                          <a:effectLst/>
-                          <a:latin typeface="Times New Roman" panose="02020603050405020304" pitchFamily="18" charset="0"/>
-                          <a:cs typeface="Times New Roman" panose="02020603050405020304" pitchFamily="18" charset="0"/>
-                        </a:rPr>
-                        <a:t>0.9050</a:t>
-                      </a:r>
-                    </a:p>
-                  </a:txBody>
-                  <a:tcPr marL="9525" marR="9525" marT="9525" marB="0" anchor="ctr">
-                    <a:lnL>
-                      <a:noFill/>
-                    </a:lnL>
-                    <a:lnR>
-                      <a:noFill/>
-                    </a:lnR>
-                    <a:lnT>
-                      <a:noFill/>
-                    </a:lnT>
-                    <a:lnB w="28575" cap="flat" cmpd="sng" algn="ctr">
-                      <a:solidFill>
-                        <a:schemeClr val="tx1"/>
-                      </a:solidFill>
-                      <a:prstDash val="solid"/>
-                      <a:round/>
-                      <a:headEnd type="none" w="med" len="med"/>
-                      <a:tailEnd type="none" w="med" len="med"/>
-                    </a:lnB>
-                  </a:tcPr>
-                </a:tc>
-                <a:tc>
-                  <a:txBody>
-                    <a:bodyPr/>
-                    <a:lstStyle/>
-                    <a:p>
-                      <a:pPr algn="ctr" fontAlgn="ctr"/>
-                      <a:r>
-                        <a:rPr lang="en-US" altLang="ko-KR" sz="1100" b="0" i="0" u="none" strike="noStrike">
-                          <a:solidFill>
-                            <a:srgbClr val="000000"/>
-                          </a:solidFill>
-                          <a:effectLst/>
-                          <a:latin typeface="Times New Roman" panose="02020603050405020304" pitchFamily="18" charset="0"/>
-                          <a:cs typeface="Times New Roman" panose="02020603050405020304" pitchFamily="18" charset="0"/>
-                        </a:rPr>
-                        <a:t>0.9960</a:t>
-                      </a:r>
-                    </a:p>
-                  </a:txBody>
-                  <a:tcPr marL="9525" marR="9525" marT="9525" marB="0" anchor="ctr">
-                    <a:lnL>
-                      <a:noFill/>
-                    </a:lnL>
-                    <a:lnR>
-                      <a:noFill/>
-                    </a:lnR>
-                    <a:lnT>
-                      <a:noFill/>
-                    </a:lnT>
-                    <a:lnB w="28575" cap="flat" cmpd="sng" algn="ctr">
-                      <a:solidFill>
-                        <a:schemeClr val="tx1"/>
-                      </a:solidFill>
-                      <a:prstDash val="solid"/>
-                      <a:round/>
-                      <a:headEnd type="none" w="med" len="med"/>
-                      <a:tailEnd type="none" w="med" len="med"/>
-                    </a:lnB>
-                  </a:tcPr>
-                </a:tc>
-                <a:tc>
-                  <a:txBody>
-                    <a:bodyPr/>
-                    <a:lstStyle/>
-                    <a:p>
-                      <a:pPr algn="ctr" fontAlgn="ctr"/>
-                      <a:r>
-                        <a:rPr lang="en-US" altLang="ko-KR" sz="1100" b="0" i="0" u="none" strike="noStrike" dirty="0">
-                          <a:solidFill>
-                            <a:srgbClr val="000000"/>
-                          </a:solidFill>
-                          <a:effectLst/>
-                          <a:latin typeface="Times New Roman" panose="02020603050405020304" pitchFamily="18" charset="0"/>
-                          <a:cs typeface="Times New Roman" panose="02020603050405020304" pitchFamily="18" charset="0"/>
-                        </a:rPr>
-                        <a:t>1.0000</a:t>
-                      </a:r>
-                    </a:p>
-                  </a:txBody>
-                  <a:tcPr marL="9525" marR="9525" marT="9525" marB="0" anchor="ctr">
-                    <a:lnL>
-                      <a:noFill/>
-                    </a:lnL>
-                    <a:lnR>
-                      <a:noFill/>
-                    </a:lnR>
-                    <a:lnT>
-                      <a:noFill/>
-                    </a:lnT>
-                    <a:lnB w="28575" cap="flat" cmpd="sng" algn="ctr">
-                      <a:solidFill>
-                        <a:schemeClr val="tx1"/>
-                      </a:solidFill>
-                      <a:prstDash val="solid"/>
-                      <a:round/>
-                      <a:headEnd type="none" w="med" len="med"/>
-                      <a:tailEnd type="none" w="med" len="med"/>
-                    </a:lnB>
-                  </a:tcPr>
-                </a:tc>
-              </a:tr>
-            </a:tbl>
-          </a:graphicData>
-        </a:graphic>
-      </p:graphicFrame>
-      <p:sp>
-        <p:nvSpPr>
-          <p:cNvPr id="3" name="TextBox 2"/>
-          <p:cNvSpPr txBox="1"/>
-          <p:nvPr/>
-        </p:nvSpPr>
-        <p:spPr>
-          <a:xfrm>
-            <a:off x="899592" y="836712"/>
-            <a:ext cx="910827" cy="369332"/>
-          </a:xfrm>
-          <a:prstGeom prst="rect">
-            <a:avLst/>
-          </a:prstGeom>
-          <a:noFill/>
-        </p:spPr>
-        <p:txBody>
-          <a:bodyPr wrap="none" rtlCol="0">
-            <a:spAutoFit/>
-          </a:bodyPr>
-          <a:lstStyle/>
-          <a:p>
-            <a:r>
-              <a:rPr lang="en-US" altLang="ko-KR" dirty="0" smtClean="0"/>
-              <a:t>table 4</a:t>
-            </a:r>
-            <a:endParaRPr lang="ko-KR" altLang="en-US" dirty="0"/>
-          </a:p>
-        </p:txBody>
-      </p:sp>
-    </p:spTree>
-    <p:extLst>
-      <p:ext uri="{BB962C8B-B14F-4D97-AF65-F5344CB8AC3E}">
-        <p14:creationId xmlns:p14="http://schemas.microsoft.com/office/powerpoint/2010/main" val="3071425377"/>
-      </p:ext>
-    </p:extLst>
-  </p:cSld>
-  <p:clrMapOvr>
-    <a:masterClrMapping/>
-  </p:clrMapOvr>
-</p:sld>
-</file>
-
-<file path=ppt/slides/slide6.xml><?xml version="1.0" encoding="utf-8"?>
-<p:sld xmlns:a="http://schemas.openxmlformats.org/drawingml/2006/main" xmlns:r="http://schemas.openxmlformats.org/officeDocument/2006/relationships" xmlns:p="http://schemas.openxmlformats.org/presentationml/2006/main">
-  <p:cSld>
-    <p:spTree>
-      <p:nvGrpSpPr>
-        <p:cNvPr id="1" name=""/>
-        <p:cNvGrpSpPr/>
-        <p:nvPr/>
-      </p:nvGrpSpPr>
-      <p:grpSpPr>
-        <a:xfrm>
-          <a:off x="0" y="0"/>
-          <a:ext cx="0" cy="0"/>
-          <a:chOff x="0" y="0"/>
-          <a:chExt cx="0" cy="0"/>
-        </a:xfrm>
-      </p:grpSpPr>
-      <p:graphicFrame>
-        <p:nvGraphicFramePr>
-          <p:cNvPr id="4" name="표 3"/>
-          <p:cNvGraphicFramePr>
-            <a:graphicFrameLocks noGrp="1"/>
-          </p:cNvGraphicFramePr>
-          <p:nvPr>
-            <p:extLst>
-              <p:ext uri="{D42A27DB-BD31-4B8C-83A1-F6EECF244321}">
-                <p14:modId xmlns:p14="http://schemas.microsoft.com/office/powerpoint/2010/main" val="2368220200"/>
-              </p:ext>
-            </p:extLst>
-          </p:nvPr>
-        </p:nvGraphicFramePr>
-        <p:xfrm>
-          <a:off x="1979712" y="1412776"/>
-          <a:ext cx="3103200" cy="1676400"/>
-        </p:xfrm>
-        <a:graphic>
-          <a:graphicData uri="http://schemas.openxmlformats.org/drawingml/2006/table">
-            <a:tbl>
-              <a:tblPr/>
-              <a:tblGrid>
-                <a:gridCol w="864000"/>
-                <a:gridCol w="864000"/>
-                <a:gridCol w="687600"/>
-                <a:gridCol w="687600"/>
-              </a:tblGrid>
-              <a:tr h="209550">
-                <a:tc rowSpan="2">
-                  <a:txBody>
-                    <a:bodyPr/>
-                    <a:lstStyle/>
-                    <a:p>
-                      <a:pPr algn="ctr" fontAlgn="ctr"/>
-                      <a:r>
-                        <a:rPr lang="en-US" sz="1200" b="0" i="0" u="none" strike="noStrike" dirty="0" smtClean="0">
-                          <a:solidFill>
-                            <a:srgbClr val="000000"/>
-                          </a:solidFill>
-                          <a:effectLst/>
-                          <a:latin typeface="Times New Roman" panose="02020603050405020304" pitchFamily="18" charset="0"/>
-                          <a:cs typeface="Times New Roman" panose="02020603050405020304" pitchFamily="18" charset="0"/>
-                        </a:rPr>
-                        <a:t>Heritability</a:t>
-                      </a:r>
-                      <a:endParaRPr lang="en-US" sz="1200" b="0" i="0" u="none" strike="noStrike" dirty="0">
-                        <a:solidFill>
-                          <a:srgbClr val="000000"/>
-                        </a:solidFill>
-                        <a:effectLst/>
-                        <a:latin typeface="Times New Roman" panose="02020603050405020304" pitchFamily="18" charset="0"/>
-                        <a:cs typeface="Times New Roman" panose="02020603050405020304" pitchFamily="18" charset="0"/>
-                      </a:endParaRPr>
-                    </a:p>
-                  </a:txBody>
-                  <a:tcPr marL="9525" marR="9525" marT="9525" marB="0" anchor="ctr">
-                    <a:lnL>
-                      <a:noFill/>
-                    </a:lnL>
-                    <a:lnR>
-                      <a:noFill/>
-                    </a:lnR>
-                    <a:lnT w="28575" cap="flat" cmpd="sng" algn="ctr">
-                      <a:solidFill>
-                        <a:schemeClr val="tx1"/>
-                      </a:solidFill>
-                      <a:prstDash val="solid"/>
-                      <a:round/>
-                      <a:headEnd type="none" w="med" len="med"/>
-                      <a:tailEnd type="none" w="med" len="med"/>
-                    </a:lnT>
-                    <a:lnB w="12700" cap="flat" cmpd="sng" algn="ctr">
-                      <a:solidFill>
-                        <a:schemeClr val="tx1"/>
-                      </a:solidFill>
-                      <a:prstDash val="solid"/>
-                      <a:round/>
-                      <a:headEnd type="none" w="med" len="med"/>
-                      <a:tailEnd type="none" w="med" len="med"/>
-                    </a:lnB>
-                  </a:tcPr>
-                </a:tc>
-                <a:tc rowSpan="2">
-                  <a:txBody>
-                    <a:bodyPr/>
-                    <a:lstStyle/>
-                    <a:p>
-                      <a:pPr algn="ctr" fontAlgn="ctr"/>
-                      <a:r>
-                        <a:rPr lang="en-US" sz="1200" b="0" i="0" u="none" strike="noStrike" dirty="0" smtClean="0">
-                          <a:solidFill>
-                            <a:srgbClr val="000000"/>
-                          </a:solidFill>
-                          <a:effectLst/>
-                          <a:latin typeface="Times New Roman" panose="02020603050405020304" pitchFamily="18" charset="0"/>
-                          <a:cs typeface="Times New Roman" panose="02020603050405020304" pitchFamily="18" charset="0"/>
-                        </a:rPr>
-                        <a:t>Significance</a:t>
-                      </a:r>
-                      <a:br>
-                        <a:rPr lang="en-US" sz="1200" b="0" i="0" u="none" strike="noStrike" dirty="0" smtClean="0">
-                          <a:solidFill>
-                            <a:srgbClr val="000000"/>
-                          </a:solidFill>
-                          <a:effectLst/>
-                          <a:latin typeface="Times New Roman" panose="02020603050405020304" pitchFamily="18" charset="0"/>
-                          <a:cs typeface="Times New Roman" panose="02020603050405020304" pitchFamily="18" charset="0"/>
-                        </a:rPr>
-                      </a:br>
-                      <a:r>
-                        <a:rPr lang="en-US" sz="1200" b="0" i="0" u="none" strike="noStrike" dirty="0" smtClean="0">
-                          <a:solidFill>
-                            <a:srgbClr val="000000"/>
-                          </a:solidFill>
-                          <a:effectLst/>
-                          <a:latin typeface="Times New Roman" panose="02020603050405020304" pitchFamily="18" charset="0"/>
-                          <a:cs typeface="Times New Roman" panose="02020603050405020304" pitchFamily="18" charset="0"/>
-                        </a:rPr>
-                        <a:t>level</a:t>
-                      </a:r>
-                      <a:endParaRPr lang="en-US" sz="1200" b="0" i="0" u="none" strike="noStrike" dirty="0">
-                        <a:solidFill>
-                          <a:srgbClr val="000000"/>
-                        </a:solidFill>
-                        <a:effectLst/>
-                        <a:latin typeface="Times New Roman" panose="02020603050405020304" pitchFamily="18" charset="0"/>
-                        <a:cs typeface="Times New Roman" panose="02020603050405020304" pitchFamily="18" charset="0"/>
-                      </a:endParaRPr>
-                    </a:p>
-                  </a:txBody>
-                  <a:tcPr marL="9525" marR="9525" marT="9525" marB="0" anchor="ctr">
-                    <a:lnL>
-                      <a:noFill/>
-                    </a:lnL>
-                    <a:lnR>
-                      <a:noFill/>
-                    </a:lnR>
-                    <a:lnT w="28575" cap="flat" cmpd="sng" algn="ctr">
-                      <a:solidFill>
-                        <a:schemeClr val="tx1"/>
-                      </a:solidFill>
-                      <a:prstDash val="solid"/>
-                      <a:round/>
-                      <a:headEnd type="none" w="med" len="med"/>
-                      <a:tailEnd type="none" w="med" len="med"/>
-                    </a:lnT>
-                    <a:lnB w="12700" cap="flat" cmpd="sng" algn="ctr">
-                      <a:solidFill>
-                        <a:schemeClr val="tx1"/>
-                      </a:solidFill>
-                      <a:prstDash val="solid"/>
-                      <a:round/>
-                      <a:headEnd type="none" w="med" len="med"/>
-                      <a:tailEnd type="none" w="med" len="med"/>
-                    </a:lnB>
-                  </a:tcPr>
-                </a:tc>
-                <a:tc gridSpan="2">
-                  <a:txBody>
-                    <a:bodyPr/>
-                    <a:lstStyle/>
-                    <a:p>
-                      <a:pPr algn="ctr" fontAlgn="ctr"/>
-                      <a:r>
-                        <a:rPr lang="en-US" sz="1200" b="0" i="0" u="none" strike="noStrike" dirty="0" smtClean="0">
-                          <a:solidFill>
-                            <a:srgbClr val="000000"/>
-                          </a:solidFill>
-                          <a:effectLst/>
-                          <a:latin typeface="Times New Roman" panose="02020603050405020304" pitchFamily="18" charset="0"/>
-                          <a:cs typeface="Times New Roman" panose="02020603050405020304" pitchFamily="18" charset="0"/>
-                        </a:rPr>
-                        <a:t>Prevalence</a:t>
-                      </a:r>
-                      <a:endParaRPr lang="en-US" sz="1200" b="0" i="0" u="none" strike="noStrike" dirty="0">
-                        <a:solidFill>
-                          <a:srgbClr val="000000"/>
-                        </a:solidFill>
-                        <a:effectLst/>
-                        <a:latin typeface="Times New Roman" panose="02020603050405020304" pitchFamily="18" charset="0"/>
-                        <a:cs typeface="Times New Roman" panose="02020603050405020304" pitchFamily="18" charset="0"/>
-                      </a:endParaRPr>
-                    </a:p>
-                  </a:txBody>
-                  <a:tcPr marL="9525" marR="9525" marT="9525" marB="0" anchor="ctr">
-                    <a:lnL>
-                      <a:noFill/>
-                    </a:lnL>
-                    <a:lnR>
-                      <a:noFill/>
-                    </a:lnR>
-                    <a:lnT w="28575" cap="flat" cmpd="sng" algn="ctr">
-                      <a:solidFill>
-                        <a:schemeClr val="tx1"/>
-                      </a:solidFill>
-                      <a:prstDash val="solid"/>
-                      <a:round/>
-                      <a:headEnd type="none" w="med" len="med"/>
-                      <a:tailEnd type="none" w="med" len="med"/>
-                    </a:lnT>
-                    <a:lnB w="12700" cap="flat" cmpd="sng" algn="ctr">
-                      <a:solidFill>
-                        <a:schemeClr val="tx1"/>
-                      </a:solidFill>
-                      <a:prstDash val="solid"/>
-                      <a:round/>
-                      <a:headEnd type="none" w="med" len="med"/>
-                      <a:tailEnd type="none" w="med" len="med"/>
-                    </a:lnB>
-                  </a:tcPr>
-                </a:tc>
-                <a:tc hMerge="1">
-                  <a:txBody>
-                    <a:bodyPr/>
-                    <a:lstStyle/>
-                    <a:p>
-                      <a:pPr algn="l" fontAlgn="ctr"/>
-                      <a:endParaRPr lang="en-US" sz="1100" b="0" i="0" u="none" strike="noStrike" dirty="0">
-                        <a:solidFill>
-                          <a:srgbClr val="000000"/>
-                        </a:solidFill>
-                        <a:effectLst/>
-                        <a:latin typeface="맑은 고딕"/>
-                      </a:endParaRPr>
-                    </a:p>
-                  </a:txBody>
-                  <a:tcPr marL="9525" marR="9525" marT="9525" marB="0" anchor="ctr">
-                    <a:lnL>
-                      <a:noFill/>
-                    </a:lnL>
-                    <a:lnR>
-                      <a:noFill/>
-                    </a:lnR>
-                    <a:lnT>
-                      <a:noFill/>
-                    </a:lnT>
-                    <a:lnB>
-                      <a:noFill/>
-                    </a:lnB>
-                  </a:tcPr>
-                </a:tc>
-              </a:tr>
-              <a:tr h="209550">
-                <a:tc vMerge="1">
-                  <a:txBody>
-                    <a:bodyPr/>
-                    <a:lstStyle/>
-                    <a:p>
-                      <a:pPr latinLnBrk="1"/>
-                      <a:endParaRPr lang="ko-KR" altLang="en-US"/>
-                    </a:p>
-                  </a:txBody>
-                  <a:tcPr/>
-                </a:tc>
-                <a:tc vMerge="1">
-                  <a:txBody>
-                    <a:bodyPr/>
-                    <a:lstStyle/>
-                    <a:p>
-                      <a:pPr algn="l" fontAlgn="ctr"/>
-                      <a:endParaRPr lang="en-US" sz="1100" b="0" i="0" u="none" strike="noStrike" dirty="0">
-                        <a:solidFill>
-                          <a:srgbClr val="000000"/>
-                        </a:solidFill>
-                        <a:effectLst/>
-                        <a:latin typeface="맑은 고딕"/>
-                      </a:endParaRPr>
-                    </a:p>
-                  </a:txBody>
-                  <a:tcPr marL="9525" marR="9525" marT="9525" marB="0" anchor="ctr">
-                    <a:lnL>
-                      <a:noFill/>
-                    </a:lnL>
-                    <a:lnR>
-                      <a:noFill/>
-                    </a:lnR>
-                    <a:lnT>
-                      <a:noFill/>
-                    </a:lnT>
-                    <a:lnB>
-                      <a:noFill/>
-                    </a:lnB>
-                  </a:tcPr>
-                </a:tc>
-                <a:tc>
-                  <a:txBody>
-                    <a:bodyPr/>
-                    <a:lstStyle/>
-                    <a:p>
-                      <a:pPr algn="ctr" fontAlgn="ctr"/>
-                      <a:r>
-                        <a:rPr lang="en-US" sz="1200" b="0" i="0" u="none" strike="noStrike" dirty="0" smtClean="0">
-                          <a:solidFill>
-                            <a:srgbClr val="000000"/>
-                          </a:solidFill>
-                          <a:effectLst/>
-                          <a:latin typeface="Times New Roman" panose="02020603050405020304" pitchFamily="18" charset="0"/>
-                          <a:cs typeface="Times New Roman" panose="02020603050405020304" pitchFamily="18" charset="0"/>
-                        </a:rPr>
-                        <a:t>0.1</a:t>
-                      </a:r>
-                      <a:endParaRPr lang="en-US" sz="1200" b="0" i="0" u="none" strike="noStrike" dirty="0">
-                        <a:solidFill>
-                          <a:srgbClr val="000000"/>
-                        </a:solidFill>
-                        <a:effectLst/>
-                        <a:latin typeface="Times New Roman" panose="02020603050405020304" pitchFamily="18" charset="0"/>
-                        <a:cs typeface="Times New Roman" panose="02020603050405020304" pitchFamily="18" charset="0"/>
-                      </a:endParaRPr>
-                    </a:p>
-                  </a:txBody>
-                  <a:tcPr marL="9525" marR="9525" marT="9525" marB="0" anchor="ctr">
-                    <a:lnL>
-                      <a:noFill/>
-                    </a:lnL>
-                    <a:lnR>
-                      <a:noFill/>
-                    </a:lnR>
-                    <a:lnT w="12700" cap="flat" cmpd="sng" algn="ctr">
-                      <a:solidFill>
-                        <a:schemeClr val="tx1"/>
-                      </a:solidFill>
-                      <a:prstDash val="solid"/>
-                      <a:round/>
-                      <a:headEnd type="none" w="med" len="med"/>
-                      <a:tailEnd type="none" w="med" len="med"/>
-                    </a:lnT>
-                    <a:lnB w="12700" cap="flat" cmpd="sng" algn="ctr">
-                      <a:solidFill>
-                        <a:schemeClr val="tx1"/>
-                      </a:solidFill>
-                      <a:prstDash val="solid"/>
-                      <a:round/>
-                      <a:headEnd type="none" w="med" len="med"/>
-                      <a:tailEnd type="none" w="med" len="med"/>
-                    </a:lnB>
-                  </a:tcPr>
-                </a:tc>
-                <a:tc>
-                  <a:txBody>
-                    <a:bodyPr/>
-                    <a:lstStyle/>
-                    <a:p>
-                      <a:pPr algn="ctr" fontAlgn="ctr"/>
-                      <a:r>
-                        <a:rPr lang="en-US" sz="1200" b="0" i="0" u="none" strike="noStrike" dirty="0" smtClean="0">
-                          <a:solidFill>
-                            <a:srgbClr val="000000"/>
-                          </a:solidFill>
-                          <a:effectLst/>
-                          <a:latin typeface="Times New Roman" panose="02020603050405020304" pitchFamily="18" charset="0"/>
-                          <a:cs typeface="Times New Roman" panose="02020603050405020304" pitchFamily="18" charset="0"/>
-                        </a:rPr>
-                        <a:t>0.2</a:t>
-                      </a:r>
-                      <a:endParaRPr lang="en-US" sz="1200" b="0" i="0" u="none" strike="noStrike" dirty="0">
-                        <a:solidFill>
-                          <a:srgbClr val="000000"/>
-                        </a:solidFill>
-                        <a:effectLst/>
-                        <a:latin typeface="Times New Roman" panose="02020603050405020304" pitchFamily="18" charset="0"/>
-                        <a:cs typeface="Times New Roman" panose="02020603050405020304" pitchFamily="18" charset="0"/>
-                      </a:endParaRPr>
-                    </a:p>
-                  </a:txBody>
-                  <a:tcPr marL="9525" marR="9525" marT="9525" marB="0" anchor="ctr">
-                    <a:lnL>
-                      <a:noFill/>
-                    </a:lnL>
-                    <a:lnR>
-                      <a:noFill/>
-                    </a:lnR>
-                    <a:lnT w="12700" cap="flat" cmpd="sng" algn="ctr">
-                      <a:solidFill>
-                        <a:schemeClr val="tx1"/>
-                      </a:solidFill>
-                      <a:prstDash val="solid"/>
-                      <a:round/>
-                      <a:headEnd type="none" w="med" len="med"/>
-                      <a:tailEnd type="none" w="med" len="med"/>
-                    </a:lnT>
-                    <a:lnB w="12700" cap="flat" cmpd="sng" algn="ctr">
-                      <a:solidFill>
-                        <a:schemeClr val="tx1"/>
-                      </a:solidFill>
-                      <a:prstDash val="solid"/>
-                      <a:round/>
-                      <a:headEnd type="none" w="med" len="med"/>
-                      <a:tailEnd type="none" w="med" len="med"/>
-                    </a:lnB>
-                  </a:tcPr>
-                </a:tc>
-              </a:tr>
-              <a:tr h="209550">
-                <a:tc rowSpan="3">
-                  <a:txBody>
-                    <a:bodyPr/>
-                    <a:lstStyle/>
-                    <a:p>
-                      <a:pPr algn="ctr" fontAlgn="ctr"/>
-                      <a:r>
-                        <a:rPr lang="en-US" altLang="ko-KR" sz="1200" b="0" i="0" u="none" strike="noStrike" dirty="0" smtClean="0">
-                          <a:solidFill>
-                            <a:srgbClr val="000000"/>
-                          </a:solidFill>
-                          <a:effectLst/>
-                          <a:latin typeface="Times New Roman" panose="02020603050405020304" pitchFamily="18" charset="0"/>
-                          <a:cs typeface="Times New Roman" panose="02020603050405020304" pitchFamily="18" charset="0"/>
-                        </a:rPr>
-                        <a:t>0.2</a:t>
-                      </a:r>
                       <a:endParaRPr lang="en-US" altLang="ko-KR" sz="1200" b="0" i="0" u="none" strike="noStrike" dirty="0">
                         <a:solidFill>
                           <a:srgbClr val="000000"/>
@@ -19947,262 +18800,8 @@
                           <a:latin typeface="Times New Roman" panose="02020603050405020304" pitchFamily="18" charset="0"/>
                           <a:cs typeface="Times New Roman" panose="02020603050405020304" pitchFamily="18" charset="0"/>
                         </a:rPr>
-                        <a:t>0.01</a:t>
-                      </a:r>
-                    </a:p>
-                  </a:txBody>
-                  <a:tcPr marL="9525" marR="9525" marT="9525" marB="0" anchor="ctr">
-                    <a:lnL>
-                      <a:noFill/>
-                    </a:lnL>
-                    <a:lnR>
-                      <a:noFill/>
-                    </a:lnR>
-                    <a:lnT w="12700" cap="flat" cmpd="sng" algn="ctr">
-                      <a:solidFill>
-                        <a:schemeClr val="tx1"/>
-                      </a:solidFill>
-                      <a:prstDash val="solid"/>
-                      <a:round/>
-                      <a:headEnd type="none" w="med" len="med"/>
-                      <a:tailEnd type="none" w="med" len="med"/>
-                    </a:lnT>
-                    <a:lnB>
-                      <a:noFill/>
-                    </a:lnB>
-                  </a:tcPr>
-                </a:tc>
-                <a:tc>
-                  <a:txBody>
-                    <a:bodyPr/>
-                    <a:lstStyle/>
-                    <a:p>
-                      <a:pPr algn="l" fontAlgn="ctr"/>
-                      <a:r>
-                        <a:rPr lang="en-US" altLang="ko-KR" sz="1100" b="0" i="0" u="none" strike="noStrike" dirty="0">
-                          <a:solidFill>
-                            <a:srgbClr val="000000"/>
-                          </a:solidFill>
-                          <a:effectLst/>
-                          <a:latin typeface="Times New Roman" panose="02020603050405020304" pitchFamily="18" charset="0"/>
-                          <a:cs typeface="Times New Roman" panose="02020603050405020304" pitchFamily="18" charset="0"/>
-                        </a:rPr>
-                        <a:t>0.0155</a:t>
-                      </a:r>
-                    </a:p>
-                  </a:txBody>
-                  <a:tcPr marL="142875" marR="9525" marT="9525" marB="0" anchor="ctr">
-                    <a:lnL>
-                      <a:noFill/>
-                    </a:lnL>
-                    <a:lnR>
-                      <a:noFill/>
-                    </a:lnR>
-                    <a:lnT w="12700" cap="flat" cmpd="sng" algn="ctr">
-                      <a:solidFill>
-                        <a:schemeClr val="tx1"/>
-                      </a:solidFill>
-                      <a:prstDash val="solid"/>
-                      <a:round/>
-                      <a:headEnd type="none" w="med" len="med"/>
-                      <a:tailEnd type="none" w="med" len="med"/>
-                    </a:lnT>
-                    <a:lnB>
-                      <a:noFill/>
-                    </a:lnB>
-                  </a:tcPr>
-                </a:tc>
-                <a:tc>
-                  <a:txBody>
-                    <a:bodyPr/>
-                    <a:lstStyle/>
-                    <a:p>
-                      <a:pPr algn="l" fontAlgn="ctr"/>
-                      <a:r>
-                        <a:rPr lang="en-US" altLang="ko-KR" sz="1100" b="0" i="0" u="none" strike="noStrike">
-                          <a:solidFill>
-                            <a:srgbClr val="000000"/>
-                          </a:solidFill>
-                          <a:effectLst/>
-                          <a:latin typeface="Times New Roman" panose="02020603050405020304" pitchFamily="18" charset="0"/>
-                          <a:cs typeface="Times New Roman" panose="02020603050405020304" pitchFamily="18" charset="0"/>
-                        </a:rPr>
-                        <a:t>0.0120</a:t>
-                      </a:r>
-                    </a:p>
-                  </a:txBody>
-                  <a:tcPr marL="142875" marR="9525" marT="9525" marB="0" anchor="ctr">
-                    <a:lnL>
-                      <a:noFill/>
-                    </a:lnL>
-                    <a:lnR>
-                      <a:noFill/>
-                    </a:lnR>
-                    <a:lnT w="12700" cap="flat" cmpd="sng" algn="ctr">
-                      <a:solidFill>
-                        <a:schemeClr val="tx1"/>
-                      </a:solidFill>
-                      <a:prstDash val="solid"/>
-                      <a:round/>
-                      <a:headEnd type="none" w="med" len="med"/>
-                      <a:tailEnd type="none" w="med" len="med"/>
-                    </a:lnT>
-                    <a:lnB>
-                      <a:noFill/>
-                    </a:lnB>
-                  </a:tcPr>
-                </a:tc>
-              </a:tr>
-              <a:tr h="209550">
-                <a:tc vMerge="1">
-                  <a:txBody>
-                    <a:bodyPr/>
-                    <a:lstStyle/>
-                    <a:p>
-                      <a:pPr algn="ctr" fontAlgn="ctr"/>
-                      <a:endParaRPr lang="en-US" altLang="ko-KR" sz="1200" b="0" i="0" u="none" strike="noStrike" dirty="0">
-                        <a:solidFill>
-                          <a:srgbClr val="000000"/>
-                        </a:solidFill>
-                        <a:effectLst/>
-                        <a:latin typeface="Times New Roman" panose="02020603050405020304" pitchFamily="18" charset="0"/>
-                        <a:cs typeface="Times New Roman" panose="02020603050405020304" pitchFamily="18" charset="0"/>
-                      </a:endParaRPr>
-                    </a:p>
-                  </a:txBody>
-                  <a:tcPr marL="9525" marR="9525" marT="9525" marB="0" anchor="ctr">
-                    <a:lnL>
-                      <a:noFill/>
-                    </a:lnL>
-                    <a:lnR>
-                      <a:noFill/>
-                    </a:lnR>
-                    <a:lnT>
-                      <a:noFill/>
-                    </a:lnT>
-                    <a:lnB>
-                      <a:noFill/>
-                    </a:lnB>
-                  </a:tcPr>
-                </a:tc>
-                <a:tc>
-                  <a:txBody>
-                    <a:bodyPr/>
-                    <a:lstStyle/>
-                    <a:p>
-                      <a:pPr algn="ctr" fontAlgn="ctr"/>
-                      <a:r>
-                        <a:rPr lang="en-US" altLang="ko-KR" sz="1200" b="0" i="0" u="none" strike="noStrike" dirty="0">
-                          <a:solidFill>
-                            <a:srgbClr val="000000"/>
-                          </a:solidFill>
-                          <a:effectLst/>
-                          <a:latin typeface="Times New Roman" panose="02020603050405020304" pitchFamily="18" charset="0"/>
-                          <a:cs typeface="Times New Roman" panose="02020603050405020304" pitchFamily="18" charset="0"/>
-                        </a:rPr>
                         <a:t>0.05</a:t>
                       </a:r>
-                    </a:p>
-                  </a:txBody>
-                  <a:tcPr marL="9525" marR="9525" marT="9525" marB="0" anchor="ctr">
-                    <a:lnL>
-                      <a:noFill/>
-                    </a:lnL>
-                    <a:lnR>
-                      <a:noFill/>
-                    </a:lnR>
-                    <a:lnT>
-                      <a:noFill/>
-                    </a:lnT>
-                    <a:lnB>
-                      <a:noFill/>
-                    </a:lnB>
-                  </a:tcPr>
-                </a:tc>
-                <a:tc>
-                  <a:txBody>
-                    <a:bodyPr/>
-                    <a:lstStyle/>
-                    <a:p>
-                      <a:pPr algn="l" fontAlgn="ctr"/>
-                      <a:r>
-                        <a:rPr lang="en-US" altLang="ko-KR" sz="1100" b="0" i="0" u="none" strike="noStrike">
-                          <a:solidFill>
-                            <a:srgbClr val="000000"/>
-                          </a:solidFill>
-                          <a:effectLst/>
-                          <a:latin typeface="Times New Roman" panose="02020603050405020304" pitchFamily="18" charset="0"/>
-                          <a:cs typeface="Times New Roman" panose="02020603050405020304" pitchFamily="18" charset="0"/>
-                        </a:rPr>
-                        <a:t>0.0661</a:t>
-                      </a:r>
-                    </a:p>
-                  </a:txBody>
-                  <a:tcPr marL="142875" marR="9525" marT="9525" marB="0" anchor="ctr">
-                    <a:lnL>
-                      <a:noFill/>
-                    </a:lnL>
-                    <a:lnR>
-                      <a:noFill/>
-                    </a:lnR>
-                    <a:lnT>
-                      <a:noFill/>
-                    </a:lnT>
-                    <a:lnB>
-                      <a:noFill/>
-                    </a:lnB>
-                  </a:tcPr>
-                </a:tc>
-                <a:tc>
-                  <a:txBody>
-                    <a:bodyPr/>
-                    <a:lstStyle/>
-                    <a:p>
-                      <a:pPr algn="l" fontAlgn="ctr"/>
-                      <a:r>
-                        <a:rPr lang="en-US" altLang="ko-KR" sz="1100" b="0" i="0" u="none" strike="noStrike" dirty="0">
-                          <a:solidFill>
-                            <a:srgbClr val="000000"/>
-                          </a:solidFill>
-                          <a:effectLst/>
-                          <a:latin typeface="Times New Roman" panose="02020603050405020304" pitchFamily="18" charset="0"/>
-                          <a:cs typeface="Times New Roman" panose="02020603050405020304" pitchFamily="18" charset="0"/>
-                        </a:rPr>
-                        <a:t>0.0560</a:t>
-                      </a:r>
-                    </a:p>
-                  </a:txBody>
-                  <a:tcPr marL="142875" marR="9525" marT="9525" marB="0" anchor="ctr">
-                    <a:lnL>
-                      <a:noFill/>
-                    </a:lnL>
-                    <a:lnR>
-                      <a:noFill/>
-                    </a:lnR>
-                    <a:lnT>
-                      <a:noFill/>
-                    </a:lnT>
-                    <a:lnB>
-                      <a:noFill/>
-                    </a:lnB>
-                  </a:tcPr>
-                </a:tc>
-              </a:tr>
-              <a:tr h="209550">
-                <a:tc vMerge="1">
-                  <a:txBody>
-                    <a:bodyPr/>
-                    <a:lstStyle/>
-                    <a:p>
-                      <a:pPr algn="ctr" fontAlgn="ctr"/>
-                      <a:endParaRPr lang="en-US" altLang="ko-KR" sz="1200" b="0" i="0" u="none" strike="noStrike" dirty="0">
-                        <a:solidFill>
-                          <a:srgbClr val="000000"/>
-                        </a:solidFill>
-                        <a:effectLst/>
-                        <a:latin typeface="Times New Roman" panose="02020603050405020304" pitchFamily="18" charset="0"/>
-                        <a:cs typeface="Times New Roman" panose="02020603050405020304" pitchFamily="18" charset="0"/>
-                      </a:endParaRPr>
                     </a:p>
                   </a:txBody>
                   <a:tcPr marL="9525" marR="9525" marT="9525" marB="0" anchor="ctr">
@@ -20231,7 +18830,7 @@
                     <a:p>
                       <a:pPr algn="ctr" fontAlgn="ctr"/>
                       <a:r>
-                        <a:rPr lang="en-US" altLang="ko-KR" sz="1200" b="0" i="0" u="none" strike="noStrike" dirty="0">
+                        <a:rPr lang="en-US" altLang="ko-KR" sz="1100" b="0" i="0" u="none" strike="noStrike">
                           <a:solidFill>
                             <a:srgbClr val="000000"/>
                           </a:solidFill>
@@ -20239,7 +18838,7 @@
                           <a:latin typeface="Times New Roman" panose="02020603050405020304" pitchFamily="18" charset="0"/>
                           <a:cs typeface="Times New Roman" panose="02020603050405020304" pitchFamily="18" charset="0"/>
                         </a:rPr>
-                        <a:t>0.1</a:t>
+                        <a:t>0.8190</a:t>
                       </a:r>
                     </a:p>
                   </a:txBody>
@@ -20253,10 +18852,8 @@
                     <a:lnT>
                       <a:noFill/>
                     </a:lnT>
-                    <a:lnB w="12700" cap="flat" cmpd="sng" algn="ctr">
-                      <a:solidFill>
-                        <a:schemeClr val="tx1"/>
-                      </a:solidFill>
+                    <a:lnB w="28575" cap="flat" cmpd="sng" algn="ctr">
+                      <a:noFill/>
                       <a:prstDash val="solid"/>
                       <a:round/>
                       <a:headEnd type="none" w="med" len="med"/>
@@ -20269,7 +18866,7 @@
                     <a:bodyPr/>
                     <a:lstStyle/>
                     <a:p>
-                      <a:pPr algn="l" fontAlgn="ctr"/>
+                      <a:pPr algn="ctr" fontAlgn="ctr"/>
                       <a:r>
                         <a:rPr lang="en-US" altLang="ko-KR" sz="1100" b="0" i="0" u="none" strike="noStrike">
                           <a:solidFill>
@@ -20279,11 +18876,11 @@
                           <a:latin typeface="Times New Roman" panose="02020603050405020304" pitchFamily="18" charset="0"/>
                           <a:cs typeface="Times New Roman" panose="02020603050405020304" pitchFamily="18" charset="0"/>
                         </a:rPr>
-                        <a:t>0.1023</a:t>
+                        <a:t>0.9930</a:t>
                       </a:r>
                     </a:p>
                   </a:txBody>
-                  <a:tcPr marL="142875" marR="9525" marT="9525" marB="0" anchor="ctr">
+                  <a:tcPr marL="9525" marR="9525" marT="9525" marB="0" anchor="ctr">
                     <a:lnL>
                       <a:noFill/>
                     </a:lnL>
@@ -20293,10 +18890,8 @@
                     <a:lnT>
                       <a:noFill/>
                     </a:lnT>
-                    <a:lnB w="12700" cap="flat" cmpd="sng" algn="ctr">
-                      <a:solidFill>
-                        <a:schemeClr val="tx1"/>
-                      </a:solidFill>
+                    <a:lnB w="28575" cap="flat" cmpd="sng" algn="ctr">
+                      <a:noFill/>
                       <a:prstDash val="solid"/>
                       <a:round/>
                       <a:headEnd type="none" w="med" len="med"/>
@@ -20309,9 +18904,9 @@
                     <a:bodyPr/>
                     <a:lstStyle/>
                     <a:p>
-                      <a:pPr algn="l" fontAlgn="ctr"/>
+                      <a:pPr algn="ctr" fontAlgn="ctr"/>
                       <a:r>
-                        <a:rPr lang="en-US" altLang="ko-KR" sz="1100" b="0" i="0" u="none" strike="noStrike">
+                        <a:rPr lang="en-US" altLang="ko-KR" sz="1100" b="0" i="0" u="none" strike="noStrike" dirty="0">
                           <a:solidFill>
                             <a:srgbClr val="000000"/>
                           </a:solidFill>
@@ -20319,11 +18914,11 @@
                           <a:latin typeface="Times New Roman" panose="02020603050405020304" pitchFamily="18" charset="0"/>
                           <a:cs typeface="Times New Roman" panose="02020603050405020304" pitchFamily="18" charset="0"/>
                         </a:rPr>
-                        <a:t>0.0900</a:t>
+                        <a:t>1.0000</a:t>
                       </a:r>
                     </a:p>
                   </a:txBody>
-                  <a:tcPr marL="142875" marR="9525" marT="9525" marB="0" anchor="ctr">
+                  <a:tcPr marL="9525" marR="9525" marT="9525" marB="0" anchor="ctr">
                     <a:lnL>
                       <a:noFill/>
                     </a:lnL>
@@ -20333,10 +18928,8 @@
                     <a:lnT>
                       <a:noFill/>
                     </a:lnT>
-                    <a:lnB w="12700" cap="flat" cmpd="sng" algn="ctr">
-                      <a:solidFill>
-                        <a:schemeClr val="tx1"/>
-                      </a:solidFill>
+                    <a:lnB w="28575" cap="flat" cmpd="sng" algn="ctr">
+                      <a:noFill/>
                       <a:prstDash val="solid"/>
                       <a:round/>
                       <a:headEnd type="none" w="med" len="med"/>
@@ -20346,23 +18939,12 @@
                 </a:tc>
               </a:tr>
               <a:tr h="209550">
-                <a:tc rowSpan="3">
+                <a:tc vMerge="1">
                   <a:txBody>
                     <a:bodyPr/>
                     <a:lstStyle/>
                     <a:p>
                       <a:pPr algn="ctr" fontAlgn="ctr"/>
-                      <a:r>
-                        <a:rPr lang="en-US" altLang="ko-KR" sz="1200" b="0" i="0" u="none" strike="noStrike" dirty="0" smtClean="0">
-                          <a:solidFill>
-                            <a:srgbClr val="000000"/>
-                          </a:solidFill>
-                          <a:effectLst/>
-                          <a:latin typeface="Times New Roman" panose="02020603050405020304" pitchFamily="18" charset="0"/>
-                          <a:cs typeface="Times New Roman" panose="02020603050405020304" pitchFamily="18" charset="0"/>
-                        </a:rPr>
-                        <a:t>0.4</a:t>
-                      </a:r>
                       <a:endParaRPr lang="en-US" altLang="ko-KR" sz="1200" b="0" i="0" u="none" strike="noStrike" dirty="0">
                         <a:solidFill>
                           <a:srgbClr val="000000"/>
@@ -20415,306 +18997,8 @@
                           <a:latin typeface="Times New Roman" panose="02020603050405020304" pitchFamily="18" charset="0"/>
                           <a:cs typeface="Times New Roman" panose="02020603050405020304" pitchFamily="18" charset="0"/>
                         </a:rPr>
-                        <a:t>0.01</a:t>
+                        <a:t>0.1</a:t>
                       </a:r>
-                    </a:p>
-                  </a:txBody>
-                  <a:tcPr marL="9525" marR="9525" marT="9525" marB="0" anchor="ctr">
-                    <a:lnL>
-                      <a:noFill/>
-                    </a:lnL>
-                    <a:lnR>
-                      <a:noFill/>
-                    </a:lnR>
-                    <a:lnT w="12700" cap="flat" cmpd="sng" algn="ctr">
-                      <a:solidFill>
-                        <a:schemeClr val="tx1"/>
-                      </a:solidFill>
-                      <a:prstDash val="solid"/>
-                      <a:round/>
-                      <a:headEnd type="none" w="med" len="med"/>
-                      <a:tailEnd type="none" w="med" len="med"/>
-                    </a:lnT>
-                    <a:lnB w="28575" cap="flat" cmpd="sng" algn="ctr">
-                      <a:noFill/>
-                      <a:prstDash val="solid"/>
-                      <a:round/>
-                      <a:headEnd type="none" w="med" len="med"/>
-                      <a:tailEnd type="none" w="med" len="med"/>
-                    </a:lnB>
-                  </a:tcPr>
-                </a:tc>
-                <a:tc>
-                  <a:txBody>
-                    <a:bodyPr/>
-                    <a:lstStyle/>
-                    <a:p>
-                      <a:pPr algn="l" fontAlgn="ctr"/>
-                      <a:r>
-                        <a:rPr lang="en-US" altLang="ko-KR" sz="1100" b="0" i="0" u="none" strike="noStrike">
-                          <a:solidFill>
-                            <a:srgbClr val="000000"/>
-                          </a:solidFill>
-                          <a:effectLst/>
-                          <a:latin typeface="Times New Roman" panose="02020603050405020304" pitchFamily="18" charset="0"/>
-                          <a:cs typeface="Times New Roman" panose="02020603050405020304" pitchFamily="18" charset="0"/>
-                        </a:rPr>
-                        <a:t>0.0060</a:t>
-                      </a:r>
-                    </a:p>
-                  </a:txBody>
-                  <a:tcPr marL="142875" marR="9525" marT="9525" marB="0" anchor="ctr">
-                    <a:lnL>
-                      <a:noFill/>
-                    </a:lnL>
-                    <a:lnR>
-                      <a:noFill/>
-                    </a:lnR>
-                    <a:lnT w="12700" cap="flat" cmpd="sng" algn="ctr">
-                      <a:solidFill>
-                        <a:schemeClr val="tx1"/>
-                      </a:solidFill>
-                      <a:prstDash val="solid"/>
-                      <a:round/>
-                      <a:headEnd type="none" w="med" len="med"/>
-                      <a:tailEnd type="none" w="med" len="med"/>
-                    </a:lnT>
-                    <a:lnB w="28575" cap="flat" cmpd="sng" algn="ctr">
-                      <a:noFill/>
-                      <a:prstDash val="solid"/>
-                      <a:round/>
-                      <a:headEnd type="none" w="med" len="med"/>
-                      <a:tailEnd type="none" w="med" len="med"/>
-                    </a:lnB>
-                  </a:tcPr>
-                </a:tc>
-                <a:tc>
-                  <a:txBody>
-                    <a:bodyPr/>
-                    <a:lstStyle/>
-                    <a:p>
-                      <a:pPr algn="l" fontAlgn="ctr"/>
-                      <a:r>
-                        <a:rPr lang="en-US" altLang="ko-KR" sz="1100" b="0" i="0" u="none" strike="noStrike" dirty="0" smtClean="0">
-                          <a:solidFill>
-                            <a:srgbClr val="000000"/>
-                          </a:solidFill>
-                          <a:effectLst/>
-                          <a:latin typeface="Times New Roman" panose="02020603050405020304" pitchFamily="18" charset="0"/>
-                          <a:cs typeface="Times New Roman" panose="02020603050405020304" pitchFamily="18" charset="0"/>
-                        </a:rPr>
-                        <a:t>0.0130</a:t>
-                      </a:r>
-                      <a:endParaRPr lang="en-US" altLang="ko-KR" sz="1100" b="0" i="0" u="none" strike="noStrike" dirty="0">
-                        <a:solidFill>
-                          <a:srgbClr val="000000"/>
-                        </a:solidFill>
-                        <a:effectLst/>
-                        <a:latin typeface="Times New Roman" panose="02020603050405020304" pitchFamily="18" charset="0"/>
-                        <a:cs typeface="Times New Roman" panose="02020603050405020304" pitchFamily="18" charset="0"/>
-                      </a:endParaRPr>
-                    </a:p>
-                  </a:txBody>
-                  <a:tcPr marL="142875" marR="9525" marT="9525" marB="0" anchor="ctr">
-                    <a:lnL>
-                      <a:noFill/>
-                    </a:lnL>
-                    <a:lnR>
-                      <a:noFill/>
-                    </a:lnR>
-                    <a:lnT w="12700" cap="flat" cmpd="sng" algn="ctr">
-                      <a:solidFill>
-                        <a:schemeClr val="tx1"/>
-                      </a:solidFill>
-                      <a:prstDash val="solid"/>
-                      <a:round/>
-                      <a:headEnd type="none" w="med" len="med"/>
-                      <a:tailEnd type="none" w="med" len="med"/>
-                    </a:lnT>
-                    <a:lnB w="28575" cap="flat" cmpd="sng" algn="ctr">
-                      <a:noFill/>
-                      <a:prstDash val="solid"/>
-                      <a:round/>
-                      <a:headEnd type="none" w="med" len="med"/>
-                      <a:tailEnd type="none" w="med" len="med"/>
-                    </a:lnB>
-                  </a:tcPr>
-                </a:tc>
-              </a:tr>
-              <a:tr h="209550">
-                <a:tc vMerge="1">
-                  <a:txBody>
-                    <a:bodyPr/>
-                    <a:lstStyle/>
-                    <a:p>
-                      <a:pPr algn="ctr" fontAlgn="ctr"/>
-                      <a:endParaRPr lang="en-US" altLang="ko-KR" sz="1200" b="0" i="0" u="none" strike="noStrike" dirty="0">
-                        <a:solidFill>
-                          <a:srgbClr val="000000"/>
-                        </a:solidFill>
-                        <a:effectLst/>
-                        <a:latin typeface="Times New Roman" panose="02020603050405020304" pitchFamily="18" charset="0"/>
-                        <a:cs typeface="Times New Roman" panose="02020603050405020304" pitchFamily="18" charset="0"/>
-                      </a:endParaRPr>
-                    </a:p>
-                  </a:txBody>
-                  <a:tcPr marL="9525" marR="9525" marT="9525" marB="0" anchor="ctr">
-                    <a:lnL>
-                      <a:noFill/>
-                    </a:lnL>
-                    <a:lnR>
-                      <a:noFill/>
-                    </a:lnR>
-                    <a:lnT>
-                      <a:noFill/>
-                    </a:lnT>
-                    <a:lnB w="28575" cap="flat" cmpd="sng" algn="ctr">
-                      <a:noFill/>
-                      <a:prstDash val="solid"/>
-                      <a:round/>
-                      <a:headEnd type="none" w="med" len="med"/>
-                      <a:tailEnd type="none" w="med" len="med"/>
-                    </a:lnB>
-                  </a:tcPr>
-                </a:tc>
-                <a:tc>
-                  <a:txBody>
-                    <a:bodyPr/>
-                    <a:lstStyle/>
-                    <a:p>
-                      <a:pPr algn="ctr" fontAlgn="ctr"/>
-                      <a:r>
-                        <a:rPr lang="en-US" altLang="ko-KR" sz="1200" b="0" i="0" u="none" strike="noStrike" dirty="0">
-                          <a:solidFill>
-                            <a:srgbClr val="000000"/>
-                          </a:solidFill>
-                          <a:effectLst/>
-                          <a:latin typeface="Times New Roman" panose="02020603050405020304" pitchFamily="18" charset="0"/>
-                          <a:cs typeface="Times New Roman" panose="02020603050405020304" pitchFamily="18" charset="0"/>
-                        </a:rPr>
-                        <a:t>0.05</a:t>
-                      </a:r>
-                    </a:p>
-                  </a:txBody>
-                  <a:tcPr marL="9525" marR="9525" marT="9525" marB="0" anchor="ctr">
-                    <a:lnL>
-                      <a:noFill/>
-                    </a:lnL>
-                    <a:lnR>
-                      <a:noFill/>
-                    </a:lnR>
-                    <a:lnT>
-                      <a:noFill/>
-                    </a:lnT>
-                    <a:lnB w="28575" cap="flat" cmpd="sng" algn="ctr">
-                      <a:noFill/>
-                      <a:prstDash val="solid"/>
-                      <a:round/>
-                      <a:headEnd type="none" w="med" len="med"/>
-                      <a:tailEnd type="none" w="med" len="med"/>
-                    </a:lnB>
-                  </a:tcPr>
-                </a:tc>
-                <a:tc>
-                  <a:txBody>
-                    <a:bodyPr/>
-                    <a:lstStyle/>
-                    <a:p>
-                      <a:pPr algn="l" fontAlgn="ctr"/>
-                      <a:r>
-                        <a:rPr lang="en-US" altLang="ko-KR" sz="1100" b="0" i="0" u="none" strike="noStrike">
-                          <a:solidFill>
-                            <a:srgbClr val="000000"/>
-                          </a:solidFill>
-                          <a:effectLst/>
-                          <a:latin typeface="Times New Roman" panose="02020603050405020304" pitchFamily="18" charset="0"/>
-                          <a:cs typeface="Times New Roman" panose="02020603050405020304" pitchFamily="18" charset="0"/>
-                        </a:rPr>
-                        <a:t>0.0480</a:t>
-                      </a:r>
-                    </a:p>
-                  </a:txBody>
-                  <a:tcPr marL="142875" marR="9525" marT="9525" marB="0" anchor="ctr">
-                    <a:lnL>
-                      <a:noFill/>
-                    </a:lnL>
-                    <a:lnR>
-                      <a:noFill/>
-                    </a:lnR>
-                    <a:lnT>
-                      <a:noFill/>
-                    </a:lnT>
-                    <a:lnB w="28575" cap="flat" cmpd="sng" algn="ctr">
-                      <a:noFill/>
-                      <a:prstDash val="solid"/>
-                      <a:round/>
-                      <a:headEnd type="none" w="med" len="med"/>
-                      <a:tailEnd type="none" w="med" len="med"/>
-                    </a:lnB>
-                  </a:tcPr>
-                </a:tc>
-                <a:tc>
-                  <a:txBody>
-                    <a:bodyPr/>
-                    <a:lstStyle/>
-                    <a:p>
-                      <a:pPr algn="l" fontAlgn="ctr"/>
-                      <a:r>
-                        <a:rPr lang="en-US" altLang="ko-KR" sz="1100" b="0" i="0" u="none" strike="noStrike" dirty="0" smtClean="0">
-                          <a:solidFill>
-                            <a:srgbClr val="000000"/>
-                          </a:solidFill>
-                          <a:effectLst/>
-                          <a:latin typeface="Times New Roman" panose="02020603050405020304" pitchFamily="18" charset="0"/>
-                          <a:cs typeface="Times New Roman" panose="02020603050405020304" pitchFamily="18" charset="0"/>
-                        </a:rPr>
-                        <a:t>0.0580</a:t>
-                      </a:r>
-                      <a:endParaRPr lang="en-US" altLang="ko-KR" sz="1100" b="0" i="0" u="none" strike="noStrike" dirty="0">
-                        <a:solidFill>
-                          <a:srgbClr val="000000"/>
-                        </a:solidFill>
-                        <a:effectLst/>
-                        <a:latin typeface="Times New Roman" panose="02020603050405020304" pitchFamily="18" charset="0"/>
-                        <a:cs typeface="Times New Roman" panose="02020603050405020304" pitchFamily="18" charset="0"/>
-                      </a:endParaRPr>
-                    </a:p>
-                  </a:txBody>
-                  <a:tcPr marL="142875" marR="9525" marT="9525" marB="0" anchor="ctr">
-                    <a:lnL>
-                      <a:noFill/>
-                    </a:lnL>
-                    <a:lnR>
-                      <a:noFill/>
-                    </a:lnR>
-                    <a:lnT>
-                      <a:noFill/>
-                    </a:lnT>
-                    <a:lnB w="28575" cap="flat" cmpd="sng" algn="ctr">
-                      <a:noFill/>
-                      <a:prstDash val="solid"/>
-                      <a:round/>
-                      <a:headEnd type="none" w="med" len="med"/>
-                      <a:tailEnd type="none" w="med" len="med"/>
-                    </a:lnB>
-                  </a:tcPr>
-                </a:tc>
-              </a:tr>
-              <a:tr h="209550">
-                <a:tc vMerge="1">
-                  <a:txBody>
-                    <a:bodyPr/>
-                    <a:lstStyle/>
-                    <a:p>
-                      <a:pPr algn="ctr" fontAlgn="ctr"/>
-                      <a:endParaRPr lang="en-US" altLang="ko-KR" sz="1200" b="0" i="0" u="none" strike="noStrike" dirty="0">
-                        <a:solidFill>
-                          <a:srgbClr val="000000"/>
-                        </a:solidFill>
-                        <a:effectLst/>
-                        <a:latin typeface="Times New Roman" panose="02020603050405020304" pitchFamily="18" charset="0"/>
-                        <a:cs typeface="Times New Roman" panose="02020603050405020304" pitchFamily="18" charset="0"/>
-                      </a:endParaRPr>
                     </a:p>
                   </a:txBody>
                   <a:tcPr marL="9525" marR="9525" marT="9525" marB="0" anchor="ctr">
@@ -20745,7 +19029,7 @@
                     <a:p>
                       <a:pPr algn="ctr" fontAlgn="ctr"/>
                       <a:r>
-                        <a:rPr lang="en-US" altLang="ko-KR" sz="1200" b="0" i="0" u="none" strike="noStrike" dirty="0">
+                        <a:rPr lang="en-US" altLang="ko-KR" sz="1100" b="0" i="0" u="none" strike="noStrike">
                           <a:solidFill>
                             <a:srgbClr val="000000"/>
                           </a:solidFill>
@@ -20753,7 +19037,7 @@
                           <a:latin typeface="Times New Roman" panose="02020603050405020304" pitchFamily="18" charset="0"/>
                           <a:cs typeface="Times New Roman" panose="02020603050405020304" pitchFamily="18" charset="0"/>
                         </a:rPr>
-                        <a:t>0.1</a:t>
+                        <a:t>0.9050</a:t>
                       </a:r>
                     </a:p>
                   </a:txBody>
@@ -20783,7 +19067,7 @@
                     <a:bodyPr/>
                     <a:lstStyle/>
                     <a:p>
-                      <a:pPr algn="l" fontAlgn="ctr"/>
+                      <a:pPr algn="ctr" fontAlgn="ctr"/>
                       <a:r>
                         <a:rPr lang="en-US" altLang="ko-KR" sz="1100" b="0" i="0" u="none" strike="noStrike">
                           <a:solidFill>
@@ -20793,11 +19077,11 @@
                           <a:latin typeface="Times New Roman" panose="02020603050405020304" pitchFamily="18" charset="0"/>
                           <a:cs typeface="Times New Roman" panose="02020603050405020304" pitchFamily="18" charset="0"/>
                         </a:rPr>
-                        <a:t>0.0940</a:t>
+                        <a:t>0.9960</a:t>
                       </a:r>
                     </a:p>
                   </a:txBody>
-                  <a:tcPr marL="142875" marR="9525" marT="9525" marB="0" anchor="ctr">
+                  <a:tcPr marL="9525" marR="9525" marT="9525" marB="0" anchor="ctr">
                     <a:lnL>
                       <a:noFill/>
                     </a:lnL>
@@ -20823,9 +19107,9 @@
                     <a:bodyPr/>
                     <a:lstStyle/>
                     <a:p>
-                      <a:pPr algn="l" fontAlgn="ctr"/>
+                      <a:pPr algn="ctr" fontAlgn="ctr"/>
                       <a:r>
-                        <a:rPr lang="en-US" altLang="ko-KR" sz="1100" b="0" i="0" u="none" strike="noStrike" dirty="0" smtClean="0">
+                        <a:rPr lang="en-US" altLang="ko-KR" sz="1100" b="0" i="0" u="none" strike="noStrike" dirty="0">
                           <a:solidFill>
                             <a:srgbClr val="000000"/>
                           </a:solidFill>
@@ -20833,19 +19117,11 @@
                           <a:latin typeface="Times New Roman" panose="02020603050405020304" pitchFamily="18" charset="0"/>
                           <a:cs typeface="Times New Roman" panose="02020603050405020304" pitchFamily="18" charset="0"/>
                         </a:rPr>
-                        <a:t>0.1020</a:t>
+                        <a:t>1.0000</a:t>
                       </a:r>
-                      <a:endParaRPr lang="en-US" altLang="ko-KR" sz="1100" b="0" i="0" u="none" strike="noStrike" dirty="0">
-                        <a:solidFill>
-                          <a:srgbClr val="000000"/>
-                        </a:solidFill>
-                        <a:effectLst/>
-                        <a:latin typeface="Times New Roman" panose="02020603050405020304" pitchFamily="18" charset="0"/>
-                        <a:cs typeface="Times New Roman" panose="02020603050405020304" pitchFamily="18" charset="0"/>
-                      </a:endParaRPr>
                     </a:p>
                   </a:txBody>
-                  <a:tcPr marL="142875" marR="9525" marT="9525" marB="0" anchor="ctr">
+                  <a:tcPr marL="9525" marR="9525" marT="9525" marB="0" anchor="ctr">
                     <a:lnL>
                       <a:noFill/>
                     </a:lnL>
@@ -20871,6 +19147,5600 @@
           </a:graphicData>
         </a:graphic>
       </p:graphicFrame>
+    </p:spTree>
+    <p:extLst>
+      <p:ext uri="{BB962C8B-B14F-4D97-AF65-F5344CB8AC3E}">
+        <p14:creationId xmlns:p14="http://schemas.microsoft.com/office/powerpoint/2010/main" val="1095037356"/>
+      </p:ext>
+    </p:extLst>
+  </p:cSld>
+  <p:clrMapOvr>
+    <a:masterClrMapping/>
+  </p:clrMapOvr>
+</p:sld>
+</file>
+
+<file path=ppt/slides/slide5.xml><?xml version="1.0" encoding="utf-8"?>
+<p:sld xmlns:a="http://schemas.openxmlformats.org/drawingml/2006/main" xmlns:r="http://schemas.openxmlformats.org/officeDocument/2006/relationships" xmlns:p="http://schemas.openxmlformats.org/presentationml/2006/main">
+  <p:cSld>
+    <p:spTree>
+      <p:nvGrpSpPr>
+        <p:cNvPr id="1" name=""/>
+        <p:cNvGrpSpPr/>
+        <p:nvPr/>
+      </p:nvGrpSpPr>
+      <p:grpSpPr>
+        <a:xfrm>
+          <a:off x="0" y="0"/>
+          <a:ext cx="0" cy="0"/>
+          <a:chOff x="0" y="0"/>
+          <a:chExt cx="0" cy="0"/>
+        </a:xfrm>
+      </p:grpSpPr>
+      <mc:AlternateContent xmlns:mc="http://schemas.openxmlformats.org/markup-compatibility/2006">
+        <mc:Choice xmlns:a14="http://schemas.microsoft.com/office/drawing/2010/main" Requires="a14">
+          <p:graphicFrame>
+            <p:nvGraphicFramePr>
+              <p:cNvPr id="4" name="표 3"/>
+              <p:cNvGraphicFramePr>
+                <a:graphicFrameLocks noGrp="1"/>
+              </p:cNvGraphicFramePr>
+              <p:nvPr>
+                <p:extLst>
+                  <p:ext uri="{D42A27DB-BD31-4B8C-83A1-F6EECF244321}">
+                    <p14:modId xmlns:p14="http://schemas.microsoft.com/office/powerpoint/2010/main" val="2812681015"/>
+                  </p:ext>
+                </p:extLst>
+              </p:nvPr>
+            </p:nvGraphicFramePr>
+            <p:xfrm>
+              <a:off x="1979712" y="1412776"/>
+              <a:ext cx="3967200" cy="2933700"/>
+            </p:xfrm>
+            <a:graphic>
+              <a:graphicData uri="http://schemas.openxmlformats.org/drawingml/2006/table">
+                <a:tbl>
+                  <a:tblPr/>
+                  <a:tblGrid>
+                    <a:gridCol w="864000"/>
+                    <a:gridCol w="864000"/>
+                    <a:gridCol w="864000"/>
+                    <a:gridCol w="687600"/>
+                    <a:gridCol w="687600"/>
+                  </a:tblGrid>
+                  <a:tr h="209550">
+                    <a:tc rowSpan="2">
+                      <a:txBody>
+                        <a:bodyPr/>
+                        <a:lstStyle/>
+                        <a:p>
+                          <a:pPr algn="ctr" fontAlgn="ctr"/>
+                          <a14:m>
+                            <m:oMathPara xmlns:m="http://schemas.openxmlformats.org/officeDocument/2006/math">
+                              <m:oMathParaPr>
+                                <m:jc m:val="centerGroup"/>
+                              </m:oMathParaPr>
+                              <m:oMath xmlns:m="http://schemas.openxmlformats.org/officeDocument/2006/math">
+                                <m:sSubSup>
+                                  <m:sSubSupPr>
+                                    <m:ctrlPr>
+                                      <a:rPr lang="en-US" sz="1200" b="0" i="1" u="none" strike="noStrike" smtClean="0">
+                                        <a:solidFill>
+                                          <a:srgbClr val="000000"/>
+                                        </a:solidFill>
+                                        <a:effectLst/>
+                                        <a:latin typeface="Cambria Math"/>
+                                        <a:cs typeface="Times New Roman" panose="02020603050405020304" pitchFamily="18" charset="0"/>
+                                      </a:rPr>
+                                    </m:ctrlPr>
+                                  </m:sSubSupPr>
+                                  <m:e>
+                                    <m:r>
+                                      <a:rPr lang="en-US" sz="1200" b="0" i="1" u="none" strike="noStrike" smtClean="0">
+                                        <a:solidFill>
+                                          <a:srgbClr val="000000"/>
+                                        </a:solidFill>
+                                        <a:effectLst/>
+                                        <a:latin typeface="Cambria Math"/>
+                                        <a:cs typeface="Times New Roman" panose="02020603050405020304" pitchFamily="18" charset="0"/>
+                                      </a:rPr>
+                                      <m:t>h</m:t>
+                                    </m:r>
+                                  </m:e>
+                                  <m:sub>
+                                    <m:r>
+                                      <a:rPr lang="en-US" sz="1200" b="0" i="1" u="none" strike="noStrike" smtClean="0">
+                                        <a:solidFill>
+                                          <a:srgbClr val="000000"/>
+                                        </a:solidFill>
+                                        <a:effectLst/>
+                                        <a:latin typeface="Cambria Math"/>
+                                        <a:cs typeface="Times New Roman" panose="02020603050405020304" pitchFamily="18" charset="0"/>
+                                      </a:rPr>
+                                      <m:t>𝑎</m:t>
+                                    </m:r>
+                                  </m:sub>
+                                  <m:sup>
+                                    <m:r>
+                                      <a:rPr lang="en-US" sz="1200" b="0" i="1" u="none" strike="noStrike" smtClean="0">
+                                        <a:solidFill>
+                                          <a:srgbClr val="000000"/>
+                                        </a:solidFill>
+                                        <a:effectLst/>
+                                        <a:latin typeface="Cambria Math"/>
+                                        <a:cs typeface="Times New Roman" panose="02020603050405020304" pitchFamily="18" charset="0"/>
+                                      </a:rPr>
+                                      <m:t>2</m:t>
+                                    </m:r>
+                                  </m:sup>
+                                </m:sSubSup>
+                              </m:oMath>
+                            </m:oMathPara>
+                          </a14:m>
+                          <a:endParaRPr lang="en-US" sz="1200" b="0" i="0" u="none" strike="noStrike" dirty="0">
+                            <a:solidFill>
+                              <a:srgbClr val="000000"/>
+                            </a:solidFill>
+                            <a:effectLst/>
+                            <a:latin typeface="Times New Roman" panose="02020603050405020304" pitchFamily="18" charset="0"/>
+                            <a:cs typeface="Times New Roman" panose="02020603050405020304" pitchFamily="18" charset="0"/>
+                          </a:endParaRPr>
+                        </a:p>
+                      </a:txBody>
+                      <a:tcPr marL="9525" marR="9525" marT="9525" marB="0" anchor="ctr">
+                        <a:lnL>
+                          <a:noFill/>
+                        </a:lnL>
+                        <a:lnR>
+                          <a:noFill/>
+                        </a:lnR>
+                        <a:lnT w="28575" cap="flat" cmpd="sng" algn="ctr">
+                          <a:solidFill>
+                            <a:schemeClr val="tx1"/>
+                          </a:solidFill>
+                          <a:prstDash val="solid"/>
+                          <a:round/>
+                          <a:headEnd type="none" w="med" len="med"/>
+                          <a:tailEnd type="none" w="med" len="med"/>
+                        </a:lnT>
+                        <a:lnB w="12700" cap="flat" cmpd="sng" algn="ctr">
+                          <a:solidFill>
+                            <a:schemeClr val="tx1"/>
+                          </a:solidFill>
+                          <a:prstDash val="solid"/>
+                          <a:round/>
+                          <a:headEnd type="none" w="med" len="med"/>
+                          <a:tailEnd type="none" w="med" len="med"/>
+                        </a:lnB>
+                      </a:tcPr>
+                    </a:tc>
+                    <a:tc rowSpan="2">
+                      <a:txBody>
+                        <a:bodyPr/>
+                        <a:lstStyle/>
+                        <a:p>
+                          <a:pPr algn="ctr" fontAlgn="ctr"/>
+                          <a:r>
+                            <a:rPr lang="en-US" sz="1200" b="0" i="0" u="none" strike="noStrike" dirty="0" smtClean="0">
+                              <a:solidFill>
+                                <a:srgbClr val="000000"/>
+                              </a:solidFill>
+                              <a:effectLst/>
+                              <a:latin typeface="Times New Roman" panose="02020603050405020304" pitchFamily="18" charset="0"/>
+                              <a:cs typeface="Times New Roman" panose="02020603050405020304" pitchFamily="18" charset="0"/>
+                            </a:rPr>
+                            <a:t>Heritability</a:t>
+                          </a:r>
+                          <a:endParaRPr lang="en-US" sz="1200" b="0" i="0" u="none" strike="noStrike" dirty="0">
+                            <a:solidFill>
+                              <a:srgbClr val="000000"/>
+                            </a:solidFill>
+                            <a:effectLst/>
+                            <a:latin typeface="Times New Roman" panose="02020603050405020304" pitchFamily="18" charset="0"/>
+                            <a:cs typeface="Times New Roman" panose="02020603050405020304" pitchFamily="18" charset="0"/>
+                          </a:endParaRPr>
+                        </a:p>
+                      </a:txBody>
+                      <a:tcPr marL="9525" marR="9525" marT="9525" marB="0" anchor="ctr">
+                        <a:lnL>
+                          <a:noFill/>
+                        </a:lnL>
+                        <a:lnR>
+                          <a:noFill/>
+                        </a:lnR>
+                        <a:lnT w="28575" cap="flat" cmpd="sng" algn="ctr">
+                          <a:solidFill>
+                            <a:schemeClr val="tx1"/>
+                          </a:solidFill>
+                          <a:prstDash val="solid"/>
+                          <a:round/>
+                          <a:headEnd type="none" w="med" len="med"/>
+                          <a:tailEnd type="none" w="med" len="med"/>
+                        </a:lnT>
+                        <a:lnB w="12700" cap="flat" cmpd="sng" algn="ctr">
+                          <a:solidFill>
+                            <a:schemeClr val="tx1"/>
+                          </a:solidFill>
+                          <a:prstDash val="solid"/>
+                          <a:round/>
+                          <a:headEnd type="none" w="med" len="med"/>
+                          <a:tailEnd type="none" w="med" len="med"/>
+                        </a:lnB>
+                      </a:tcPr>
+                    </a:tc>
+                    <a:tc rowSpan="2">
+                      <a:txBody>
+                        <a:bodyPr/>
+                        <a:lstStyle/>
+                        <a:p>
+                          <a:pPr algn="ctr" fontAlgn="ctr"/>
+                          <a:r>
+                            <a:rPr lang="en-US" sz="1200" b="0" i="0" u="none" strike="noStrike" dirty="0" smtClean="0">
+                              <a:solidFill>
+                                <a:srgbClr val="000000"/>
+                              </a:solidFill>
+                              <a:effectLst/>
+                              <a:latin typeface="Times New Roman" panose="02020603050405020304" pitchFamily="18" charset="0"/>
+                              <a:cs typeface="Times New Roman" panose="02020603050405020304" pitchFamily="18" charset="0"/>
+                            </a:rPr>
+                            <a:t>Significance</a:t>
+                          </a:r>
+                          <a:br>
+                            <a:rPr lang="en-US" sz="1200" b="0" i="0" u="none" strike="noStrike" dirty="0" smtClean="0">
+                              <a:solidFill>
+                                <a:srgbClr val="000000"/>
+                              </a:solidFill>
+                              <a:effectLst/>
+                              <a:latin typeface="Times New Roman" panose="02020603050405020304" pitchFamily="18" charset="0"/>
+                              <a:cs typeface="Times New Roman" panose="02020603050405020304" pitchFamily="18" charset="0"/>
+                            </a:rPr>
+                          </a:br>
+                          <a:r>
+                            <a:rPr lang="en-US" sz="1200" b="0" i="0" u="none" strike="noStrike" dirty="0" smtClean="0">
+                              <a:solidFill>
+                                <a:srgbClr val="000000"/>
+                              </a:solidFill>
+                              <a:effectLst/>
+                              <a:latin typeface="Times New Roman" panose="02020603050405020304" pitchFamily="18" charset="0"/>
+                              <a:cs typeface="Times New Roman" panose="02020603050405020304" pitchFamily="18" charset="0"/>
+                            </a:rPr>
+                            <a:t>level</a:t>
+                          </a:r>
+                          <a:endParaRPr lang="en-US" sz="1200" b="0" i="0" u="none" strike="noStrike" dirty="0">
+                            <a:solidFill>
+                              <a:srgbClr val="000000"/>
+                            </a:solidFill>
+                            <a:effectLst/>
+                            <a:latin typeface="Times New Roman" panose="02020603050405020304" pitchFamily="18" charset="0"/>
+                            <a:cs typeface="Times New Roman" panose="02020603050405020304" pitchFamily="18" charset="0"/>
+                          </a:endParaRPr>
+                        </a:p>
+                      </a:txBody>
+                      <a:tcPr marL="9525" marR="9525" marT="9525" marB="0" anchor="ctr">
+                        <a:lnL>
+                          <a:noFill/>
+                        </a:lnL>
+                        <a:lnR>
+                          <a:noFill/>
+                        </a:lnR>
+                        <a:lnT w="28575" cap="flat" cmpd="sng" algn="ctr">
+                          <a:solidFill>
+                            <a:schemeClr val="tx1"/>
+                          </a:solidFill>
+                          <a:prstDash val="solid"/>
+                          <a:round/>
+                          <a:headEnd type="none" w="med" len="med"/>
+                          <a:tailEnd type="none" w="med" len="med"/>
+                        </a:lnT>
+                        <a:lnB w="12700" cap="flat" cmpd="sng" algn="ctr">
+                          <a:solidFill>
+                            <a:schemeClr val="tx1"/>
+                          </a:solidFill>
+                          <a:prstDash val="solid"/>
+                          <a:round/>
+                          <a:headEnd type="none" w="med" len="med"/>
+                          <a:tailEnd type="none" w="med" len="med"/>
+                        </a:lnB>
+                      </a:tcPr>
+                    </a:tc>
+                    <a:tc gridSpan="2">
+                      <a:txBody>
+                        <a:bodyPr/>
+                        <a:lstStyle/>
+                        <a:p>
+                          <a:pPr algn="ctr" fontAlgn="ctr"/>
+                          <a:r>
+                            <a:rPr lang="en-US" sz="1200" b="0" i="0" u="none" strike="noStrike" dirty="0" smtClean="0">
+                              <a:solidFill>
+                                <a:srgbClr val="000000"/>
+                              </a:solidFill>
+                              <a:effectLst/>
+                              <a:latin typeface="Times New Roman" panose="02020603050405020304" pitchFamily="18" charset="0"/>
+                              <a:cs typeface="Times New Roman" panose="02020603050405020304" pitchFamily="18" charset="0"/>
+                            </a:rPr>
+                            <a:t>Prevalence</a:t>
+                          </a:r>
+                          <a:endParaRPr lang="en-US" sz="1200" b="0" i="0" u="none" strike="noStrike" dirty="0">
+                            <a:solidFill>
+                              <a:srgbClr val="000000"/>
+                            </a:solidFill>
+                            <a:effectLst/>
+                            <a:latin typeface="Times New Roman" panose="02020603050405020304" pitchFamily="18" charset="0"/>
+                            <a:cs typeface="Times New Roman" panose="02020603050405020304" pitchFamily="18" charset="0"/>
+                          </a:endParaRPr>
+                        </a:p>
+                      </a:txBody>
+                      <a:tcPr marL="9525" marR="9525" marT="9525" marB="0" anchor="ctr">
+                        <a:lnL>
+                          <a:noFill/>
+                        </a:lnL>
+                        <a:lnR>
+                          <a:noFill/>
+                        </a:lnR>
+                        <a:lnT w="28575" cap="flat" cmpd="sng" algn="ctr">
+                          <a:solidFill>
+                            <a:schemeClr val="tx1"/>
+                          </a:solidFill>
+                          <a:prstDash val="solid"/>
+                          <a:round/>
+                          <a:headEnd type="none" w="med" len="med"/>
+                          <a:tailEnd type="none" w="med" len="med"/>
+                        </a:lnT>
+                        <a:lnB w="12700" cap="flat" cmpd="sng" algn="ctr">
+                          <a:solidFill>
+                            <a:schemeClr val="tx1"/>
+                          </a:solidFill>
+                          <a:prstDash val="solid"/>
+                          <a:round/>
+                          <a:headEnd type="none" w="med" len="med"/>
+                          <a:tailEnd type="none" w="med" len="med"/>
+                        </a:lnB>
+                      </a:tcPr>
+                    </a:tc>
+                    <a:tc hMerge="1">
+                      <a:txBody>
+                        <a:bodyPr/>
+                        <a:lstStyle/>
+                        <a:p>
+                          <a:pPr algn="l" fontAlgn="ctr"/>
+                          <a:endParaRPr lang="en-US" sz="1100" b="0" i="0" u="none" strike="noStrike" dirty="0">
+                            <a:solidFill>
+                              <a:srgbClr val="000000"/>
+                            </a:solidFill>
+                            <a:effectLst/>
+                            <a:latin typeface="맑은 고딕"/>
+                          </a:endParaRPr>
+                        </a:p>
+                      </a:txBody>
+                      <a:tcPr marL="9525" marR="9525" marT="9525" marB="0" anchor="ctr">
+                        <a:lnL>
+                          <a:noFill/>
+                        </a:lnL>
+                        <a:lnR>
+                          <a:noFill/>
+                        </a:lnR>
+                        <a:lnT>
+                          <a:noFill/>
+                        </a:lnT>
+                        <a:lnB>
+                          <a:noFill/>
+                        </a:lnB>
+                      </a:tcPr>
+                    </a:tc>
+                  </a:tr>
+                  <a:tr h="209550">
+                    <a:tc vMerge="1">
+                      <a:txBody>
+                        <a:bodyPr/>
+                        <a:lstStyle/>
+                        <a:p>
+                          <a:pPr latinLnBrk="1"/>
+                          <a:endParaRPr lang="ko-KR" altLang="en-US"/>
+                        </a:p>
+                      </a:txBody>
+                      <a:tcPr/>
+                    </a:tc>
+                    <a:tc vMerge="1">
+                      <a:txBody>
+                        <a:bodyPr/>
+                        <a:lstStyle/>
+                        <a:p>
+                          <a:pPr latinLnBrk="1"/>
+                          <a:endParaRPr lang="ko-KR" altLang="en-US"/>
+                        </a:p>
+                      </a:txBody>
+                      <a:tcPr/>
+                    </a:tc>
+                    <a:tc vMerge="1">
+                      <a:txBody>
+                        <a:bodyPr/>
+                        <a:lstStyle/>
+                        <a:p>
+                          <a:pPr algn="l" fontAlgn="ctr"/>
+                          <a:endParaRPr lang="en-US" sz="1100" b="0" i="0" u="none" strike="noStrike" dirty="0">
+                            <a:solidFill>
+                              <a:srgbClr val="000000"/>
+                            </a:solidFill>
+                            <a:effectLst/>
+                            <a:latin typeface="맑은 고딕"/>
+                          </a:endParaRPr>
+                        </a:p>
+                      </a:txBody>
+                      <a:tcPr marL="9525" marR="9525" marT="9525" marB="0" anchor="ctr">
+                        <a:lnL>
+                          <a:noFill/>
+                        </a:lnL>
+                        <a:lnR>
+                          <a:noFill/>
+                        </a:lnR>
+                        <a:lnT>
+                          <a:noFill/>
+                        </a:lnT>
+                        <a:lnB>
+                          <a:noFill/>
+                        </a:lnB>
+                      </a:tcPr>
+                    </a:tc>
+                    <a:tc>
+                      <a:txBody>
+                        <a:bodyPr/>
+                        <a:lstStyle/>
+                        <a:p>
+                          <a:pPr algn="ctr" fontAlgn="ctr"/>
+                          <a:r>
+                            <a:rPr lang="en-US" sz="1200" b="0" i="0" u="none" strike="noStrike" dirty="0" smtClean="0">
+                              <a:solidFill>
+                                <a:srgbClr val="000000"/>
+                              </a:solidFill>
+                              <a:effectLst/>
+                              <a:latin typeface="Times New Roman" panose="02020603050405020304" pitchFamily="18" charset="0"/>
+                              <a:cs typeface="Times New Roman" panose="02020603050405020304" pitchFamily="18" charset="0"/>
+                            </a:rPr>
+                            <a:t>0.1</a:t>
+                          </a:r>
+                          <a:endParaRPr lang="en-US" sz="1200" b="0" i="0" u="none" strike="noStrike" dirty="0">
+                            <a:solidFill>
+                              <a:srgbClr val="000000"/>
+                            </a:solidFill>
+                            <a:effectLst/>
+                            <a:latin typeface="Times New Roman" panose="02020603050405020304" pitchFamily="18" charset="0"/>
+                            <a:cs typeface="Times New Roman" panose="02020603050405020304" pitchFamily="18" charset="0"/>
+                          </a:endParaRPr>
+                        </a:p>
+                      </a:txBody>
+                      <a:tcPr marL="9525" marR="9525" marT="9525" marB="0" anchor="ctr">
+                        <a:lnL>
+                          <a:noFill/>
+                        </a:lnL>
+                        <a:lnR>
+                          <a:noFill/>
+                        </a:lnR>
+                        <a:lnT w="12700" cap="flat" cmpd="sng" algn="ctr">
+                          <a:solidFill>
+                            <a:schemeClr val="tx1"/>
+                          </a:solidFill>
+                          <a:prstDash val="solid"/>
+                          <a:round/>
+                          <a:headEnd type="none" w="med" len="med"/>
+                          <a:tailEnd type="none" w="med" len="med"/>
+                        </a:lnT>
+                        <a:lnB w="12700" cap="flat" cmpd="sng" algn="ctr">
+                          <a:solidFill>
+                            <a:schemeClr val="tx1"/>
+                          </a:solidFill>
+                          <a:prstDash val="solid"/>
+                          <a:round/>
+                          <a:headEnd type="none" w="med" len="med"/>
+                          <a:tailEnd type="none" w="med" len="med"/>
+                        </a:lnB>
+                      </a:tcPr>
+                    </a:tc>
+                    <a:tc>
+                      <a:txBody>
+                        <a:bodyPr/>
+                        <a:lstStyle/>
+                        <a:p>
+                          <a:pPr algn="ctr" fontAlgn="ctr"/>
+                          <a:r>
+                            <a:rPr lang="en-US" sz="1200" b="0" i="0" u="none" strike="noStrike" dirty="0" smtClean="0">
+                              <a:solidFill>
+                                <a:srgbClr val="000000"/>
+                              </a:solidFill>
+                              <a:effectLst/>
+                              <a:latin typeface="Times New Roman" panose="02020603050405020304" pitchFamily="18" charset="0"/>
+                              <a:cs typeface="Times New Roman" panose="02020603050405020304" pitchFamily="18" charset="0"/>
+                            </a:rPr>
+                            <a:t>0.2</a:t>
+                          </a:r>
+                          <a:endParaRPr lang="en-US" sz="1200" b="0" i="0" u="none" strike="noStrike" dirty="0">
+                            <a:solidFill>
+                              <a:srgbClr val="000000"/>
+                            </a:solidFill>
+                            <a:effectLst/>
+                            <a:latin typeface="Times New Roman" panose="02020603050405020304" pitchFamily="18" charset="0"/>
+                            <a:cs typeface="Times New Roman" panose="02020603050405020304" pitchFamily="18" charset="0"/>
+                          </a:endParaRPr>
+                        </a:p>
+                      </a:txBody>
+                      <a:tcPr marL="9525" marR="9525" marT="9525" marB="0" anchor="ctr">
+                        <a:lnL>
+                          <a:noFill/>
+                        </a:lnL>
+                        <a:lnR>
+                          <a:noFill/>
+                        </a:lnR>
+                        <a:lnT w="12700" cap="flat" cmpd="sng" algn="ctr">
+                          <a:solidFill>
+                            <a:schemeClr val="tx1"/>
+                          </a:solidFill>
+                          <a:prstDash val="solid"/>
+                          <a:round/>
+                          <a:headEnd type="none" w="med" len="med"/>
+                          <a:tailEnd type="none" w="med" len="med"/>
+                        </a:lnT>
+                        <a:lnB w="12700" cap="flat" cmpd="sng" algn="ctr">
+                          <a:solidFill>
+                            <a:schemeClr val="tx1"/>
+                          </a:solidFill>
+                          <a:prstDash val="solid"/>
+                          <a:round/>
+                          <a:headEnd type="none" w="med" len="med"/>
+                          <a:tailEnd type="none" w="med" len="med"/>
+                        </a:lnB>
+                      </a:tcPr>
+                    </a:tc>
+                  </a:tr>
+                  <a:tr h="209550">
+                    <a:tc rowSpan="6">
+                      <a:txBody>
+                        <a:bodyPr/>
+                        <a:lstStyle/>
+                        <a:p>
+                          <a:pPr algn="ctr" fontAlgn="ctr"/>
+                          <a:r>
+                            <a:rPr lang="en-US" altLang="ko-KR" sz="1200" b="0" i="0" u="none" strike="noStrike" dirty="0" smtClean="0">
+                              <a:solidFill>
+                                <a:srgbClr val="000000"/>
+                              </a:solidFill>
+                              <a:effectLst/>
+                              <a:latin typeface="Times New Roman" panose="02020603050405020304" pitchFamily="18" charset="0"/>
+                              <a:cs typeface="Times New Roman" panose="02020603050405020304" pitchFamily="18" charset="0"/>
+                            </a:rPr>
+                            <a:t>0</a:t>
+                          </a:r>
+                          <a:endParaRPr lang="en-US" altLang="ko-KR" sz="1200" b="0" i="0" u="none" strike="noStrike" dirty="0">
+                            <a:solidFill>
+                              <a:srgbClr val="000000"/>
+                            </a:solidFill>
+                            <a:effectLst/>
+                            <a:latin typeface="Times New Roman" panose="02020603050405020304" pitchFamily="18" charset="0"/>
+                            <a:cs typeface="Times New Roman" panose="02020603050405020304" pitchFamily="18" charset="0"/>
+                          </a:endParaRPr>
+                        </a:p>
+                      </a:txBody>
+                      <a:tcPr marL="9525" marR="9525" marT="9525" marB="0" anchor="ctr">
+                        <a:lnL>
+                          <a:noFill/>
+                        </a:lnL>
+                        <a:lnR>
+                          <a:noFill/>
+                        </a:lnR>
+                        <a:lnT w="12700" cap="flat" cmpd="sng" algn="ctr">
+                          <a:solidFill>
+                            <a:schemeClr val="tx1"/>
+                          </a:solidFill>
+                          <a:prstDash val="solid"/>
+                          <a:round/>
+                          <a:headEnd type="none" w="med" len="med"/>
+                          <a:tailEnd type="none" w="med" len="med"/>
+                        </a:lnT>
+                        <a:lnB w="12700" cap="flat" cmpd="sng" algn="ctr">
+                          <a:solidFill>
+                            <a:schemeClr val="tx1"/>
+                          </a:solidFill>
+                          <a:prstDash val="solid"/>
+                          <a:round/>
+                          <a:headEnd type="none" w="med" len="med"/>
+                          <a:tailEnd type="none" w="med" len="med"/>
+                        </a:lnB>
+                      </a:tcPr>
+                    </a:tc>
+                    <a:tc rowSpan="3">
+                      <a:txBody>
+                        <a:bodyPr/>
+                        <a:lstStyle/>
+                        <a:p>
+                          <a:pPr algn="ctr" fontAlgn="ctr"/>
+                          <a:r>
+                            <a:rPr lang="en-US" altLang="ko-KR" sz="1200" b="0" i="0" u="none" strike="noStrike" dirty="0" smtClean="0">
+                              <a:solidFill>
+                                <a:srgbClr val="000000"/>
+                              </a:solidFill>
+                              <a:effectLst/>
+                              <a:latin typeface="Times New Roman" panose="02020603050405020304" pitchFamily="18" charset="0"/>
+                              <a:cs typeface="Times New Roman" panose="02020603050405020304" pitchFamily="18" charset="0"/>
+                            </a:rPr>
+                            <a:t>0.2</a:t>
+                          </a:r>
+                          <a:endParaRPr lang="en-US" altLang="ko-KR" sz="1200" b="0" i="0" u="none" strike="noStrike" dirty="0">
+                            <a:solidFill>
+                              <a:srgbClr val="000000"/>
+                            </a:solidFill>
+                            <a:effectLst/>
+                            <a:latin typeface="Times New Roman" panose="02020603050405020304" pitchFamily="18" charset="0"/>
+                            <a:cs typeface="Times New Roman" panose="02020603050405020304" pitchFamily="18" charset="0"/>
+                          </a:endParaRPr>
+                        </a:p>
+                      </a:txBody>
+                      <a:tcPr marL="9525" marR="9525" marT="9525" marB="0" anchor="ctr">
+                        <a:lnL>
+                          <a:noFill/>
+                        </a:lnL>
+                        <a:lnR>
+                          <a:noFill/>
+                        </a:lnR>
+                        <a:lnT w="12700" cap="flat" cmpd="sng" algn="ctr">
+                          <a:solidFill>
+                            <a:schemeClr val="tx1"/>
+                          </a:solidFill>
+                          <a:prstDash val="solid"/>
+                          <a:round/>
+                          <a:headEnd type="none" w="med" len="med"/>
+                          <a:tailEnd type="none" w="med" len="med"/>
+                        </a:lnT>
+                        <a:lnB w="12700" cap="flat" cmpd="sng" algn="ctr">
+                          <a:solidFill>
+                            <a:schemeClr val="tx1"/>
+                          </a:solidFill>
+                          <a:prstDash val="solid"/>
+                          <a:round/>
+                          <a:headEnd type="none" w="med" len="med"/>
+                          <a:tailEnd type="none" w="med" len="med"/>
+                        </a:lnB>
+                      </a:tcPr>
+                    </a:tc>
+                    <a:tc>
+                      <a:txBody>
+                        <a:bodyPr/>
+                        <a:lstStyle/>
+                        <a:p>
+                          <a:pPr algn="ctr" fontAlgn="ctr"/>
+                          <a:r>
+                            <a:rPr lang="en-US" altLang="ko-KR" sz="1200" b="0" i="0" u="none" strike="noStrike" dirty="0">
+                              <a:solidFill>
+                                <a:srgbClr val="000000"/>
+                              </a:solidFill>
+                              <a:effectLst/>
+                              <a:latin typeface="Times New Roman" panose="02020603050405020304" pitchFamily="18" charset="0"/>
+                              <a:cs typeface="Times New Roman" panose="02020603050405020304" pitchFamily="18" charset="0"/>
+                            </a:rPr>
+                            <a:t>0.01</a:t>
+                          </a:r>
+                        </a:p>
+                      </a:txBody>
+                      <a:tcPr marL="9525" marR="9525" marT="9525" marB="0" anchor="ctr">
+                        <a:lnL>
+                          <a:noFill/>
+                        </a:lnL>
+                        <a:lnR>
+                          <a:noFill/>
+                        </a:lnR>
+                        <a:lnT w="12700" cap="flat" cmpd="sng" algn="ctr">
+                          <a:solidFill>
+                            <a:schemeClr val="tx1"/>
+                          </a:solidFill>
+                          <a:prstDash val="solid"/>
+                          <a:round/>
+                          <a:headEnd type="none" w="med" len="med"/>
+                          <a:tailEnd type="none" w="med" len="med"/>
+                        </a:lnT>
+                        <a:lnB>
+                          <a:noFill/>
+                        </a:lnB>
+                      </a:tcPr>
+                    </a:tc>
+                    <a:tc>
+                      <a:txBody>
+                        <a:bodyPr/>
+                        <a:lstStyle/>
+                        <a:p>
+                          <a:pPr algn="l" fontAlgn="ctr"/>
+                          <a:r>
+                            <a:rPr lang="en-US" altLang="ko-KR" sz="1100" b="0" i="0" u="none" strike="noStrike" dirty="0">
+                              <a:solidFill>
+                                <a:srgbClr val="000000"/>
+                              </a:solidFill>
+                              <a:effectLst/>
+                              <a:latin typeface="Times New Roman" panose="02020603050405020304" pitchFamily="18" charset="0"/>
+                              <a:cs typeface="Times New Roman" panose="02020603050405020304" pitchFamily="18" charset="0"/>
+                            </a:rPr>
+                            <a:t>0.0155</a:t>
+                          </a:r>
+                        </a:p>
+                      </a:txBody>
+                      <a:tcPr marL="142875" marR="9525" marT="9525" marB="0" anchor="ctr">
+                        <a:lnL>
+                          <a:noFill/>
+                        </a:lnL>
+                        <a:lnR>
+                          <a:noFill/>
+                        </a:lnR>
+                        <a:lnT w="12700" cap="flat" cmpd="sng" algn="ctr">
+                          <a:solidFill>
+                            <a:schemeClr val="tx1"/>
+                          </a:solidFill>
+                          <a:prstDash val="solid"/>
+                          <a:round/>
+                          <a:headEnd type="none" w="med" len="med"/>
+                          <a:tailEnd type="none" w="med" len="med"/>
+                        </a:lnT>
+                        <a:lnB>
+                          <a:noFill/>
+                        </a:lnB>
+                      </a:tcPr>
+                    </a:tc>
+                    <a:tc>
+                      <a:txBody>
+                        <a:bodyPr/>
+                        <a:lstStyle/>
+                        <a:p>
+                          <a:pPr algn="l" fontAlgn="ctr"/>
+                          <a:r>
+                            <a:rPr lang="en-US" altLang="ko-KR" sz="1100" b="0" i="0" u="none" strike="noStrike" dirty="0">
+                              <a:solidFill>
+                                <a:srgbClr val="000000"/>
+                              </a:solidFill>
+                              <a:effectLst/>
+                              <a:latin typeface="Times New Roman" panose="02020603050405020304" pitchFamily="18" charset="0"/>
+                              <a:cs typeface="Times New Roman" panose="02020603050405020304" pitchFamily="18" charset="0"/>
+                            </a:rPr>
+                            <a:t>0.0120</a:t>
+                          </a:r>
+                        </a:p>
+                      </a:txBody>
+                      <a:tcPr marL="142875" marR="9525" marT="9525" marB="0" anchor="ctr">
+                        <a:lnL>
+                          <a:noFill/>
+                        </a:lnL>
+                        <a:lnR>
+                          <a:noFill/>
+                        </a:lnR>
+                        <a:lnT w="12700" cap="flat" cmpd="sng" algn="ctr">
+                          <a:solidFill>
+                            <a:schemeClr val="tx1"/>
+                          </a:solidFill>
+                          <a:prstDash val="solid"/>
+                          <a:round/>
+                          <a:headEnd type="none" w="med" len="med"/>
+                          <a:tailEnd type="none" w="med" len="med"/>
+                        </a:lnT>
+                        <a:lnB>
+                          <a:noFill/>
+                        </a:lnB>
+                      </a:tcPr>
+                    </a:tc>
+                  </a:tr>
+                  <a:tr h="209550">
+                    <a:tc vMerge="1">
+                      <a:txBody>
+                        <a:bodyPr/>
+                        <a:lstStyle/>
+                        <a:p>
+                          <a:pPr latinLnBrk="1"/>
+                          <a:endParaRPr lang="ko-KR" altLang="en-US"/>
+                        </a:p>
+                      </a:txBody>
+                      <a:tcPr/>
+                    </a:tc>
+                    <a:tc vMerge="1">
+                      <a:txBody>
+                        <a:bodyPr/>
+                        <a:lstStyle/>
+                        <a:p>
+                          <a:pPr algn="ctr" fontAlgn="ctr"/>
+                          <a:endParaRPr lang="en-US" altLang="ko-KR" sz="1200" b="0" i="0" u="none" strike="noStrike" dirty="0">
+                            <a:solidFill>
+                              <a:srgbClr val="000000"/>
+                            </a:solidFill>
+                            <a:effectLst/>
+                            <a:latin typeface="Times New Roman" panose="02020603050405020304" pitchFamily="18" charset="0"/>
+                            <a:cs typeface="Times New Roman" panose="02020603050405020304" pitchFamily="18" charset="0"/>
+                          </a:endParaRPr>
+                        </a:p>
+                      </a:txBody>
+                      <a:tcPr marL="9525" marR="9525" marT="9525" marB="0" anchor="ctr">
+                        <a:lnL>
+                          <a:noFill/>
+                        </a:lnL>
+                        <a:lnR>
+                          <a:noFill/>
+                        </a:lnR>
+                        <a:lnT>
+                          <a:noFill/>
+                        </a:lnT>
+                        <a:lnB>
+                          <a:noFill/>
+                        </a:lnB>
+                      </a:tcPr>
+                    </a:tc>
+                    <a:tc>
+                      <a:txBody>
+                        <a:bodyPr/>
+                        <a:lstStyle/>
+                        <a:p>
+                          <a:pPr algn="ctr" fontAlgn="ctr"/>
+                          <a:r>
+                            <a:rPr lang="en-US" altLang="ko-KR" sz="1200" b="0" i="0" u="none" strike="noStrike" dirty="0">
+                              <a:solidFill>
+                                <a:srgbClr val="000000"/>
+                              </a:solidFill>
+                              <a:effectLst/>
+                              <a:latin typeface="Times New Roman" panose="02020603050405020304" pitchFamily="18" charset="0"/>
+                              <a:cs typeface="Times New Roman" panose="02020603050405020304" pitchFamily="18" charset="0"/>
+                            </a:rPr>
+                            <a:t>0.05</a:t>
+                          </a:r>
+                        </a:p>
+                      </a:txBody>
+                      <a:tcPr marL="9525" marR="9525" marT="9525" marB="0" anchor="ctr">
+                        <a:lnL>
+                          <a:noFill/>
+                        </a:lnL>
+                        <a:lnR>
+                          <a:noFill/>
+                        </a:lnR>
+                        <a:lnT>
+                          <a:noFill/>
+                        </a:lnT>
+                        <a:lnB>
+                          <a:noFill/>
+                        </a:lnB>
+                      </a:tcPr>
+                    </a:tc>
+                    <a:tc>
+                      <a:txBody>
+                        <a:bodyPr/>
+                        <a:lstStyle/>
+                        <a:p>
+                          <a:pPr algn="l" fontAlgn="ctr"/>
+                          <a:r>
+                            <a:rPr lang="en-US" altLang="ko-KR" sz="1100" b="0" i="0" u="none" strike="noStrike">
+                              <a:solidFill>
+                                <a:srgbClr val="000000"/>
+                              </a:solidFill>
+                              <a:effectLst/>
+                              <a:latin typeface="Times New Roman" panose="02020603050405020304" pitchFamily="18" charset="0"/>
+                              <a:cs typeface="Times New Roman" panose="02020603050405020304" pitchFamily="18" charset="0"/>
+                            </a:rPr>
+                            <a:t>0.0661</a:t>
+                          </a:r>
+                        </a:p>
+                      </a:txBody>
+                      <a:tcPr marL="142875" marR="9525" marT="9525" marB="0" anchor="ctr">
+                        <a:lnL>
+                          <a:noFill/>
+                        </a:lnL>
+                        <a:lnR>
+                          <a:noFill/>
+                        </a:lnR>
+                        <a:lnT>
+                          <a:noFill/>
+                        </a:lnT>
+                        <a:lnB>
+                          <a:noFill/>
+                        </a:lnB>
+                      </a:tcPr>
+                    </a:tc>
+                    <a:tc>
+                      <a:txBody>
+                        <a:bodyPr/>
+                        <a:lstStyle/>
+                        <a:p>
+                          <a:pPr algn="l" fontAlgn="ctr"/>
+                          <a:r>
+                            <a:rPr lang="en-US" altLang="ko-KR" sz="1100" b="0" i="0" u="none" strike="noStrike" dirty="0">
+                              <a:solidFill>
+                                <a:srgbClr val="000000"/>
+                              </a:solidFill>
+                              <a:effectLst/>
+                              <a:latin typeface="Times New Roman" panose="02020603050405020304" pitchFamily="18" charset="0"/>
+                              <a:cs typeface="Times New Roman" panose="02020603050405020304" pitchFamily="18" charset="0"/>
+                            </a:rPr>
+                            <a:t>0.0560</a:t>
+                          </a:r>
+                        </a:p>
+                      </a:txBody>
+                      <a:tcPr marL="142875" marR="9525" marT="9525" marB="0" anchor="ctr">
+                        <a:lnL>
+                          <a:noFill/>
+                        </a:lnL>
+                        <a:lnR>
+                          <a:noFill/>
+                        </a:lnR>
+                        <a:lnT>
+                          <a:noFill/>
+                        </a:lnT>
+                        <a:lnB>
+                          <a:noFill/>
+                        </a:lnB>
+                      </a:tcPr>
+                    </a:tc>
+                  </a:tr>
+                  <a:tr h="209550">
+                    <a:tc vMerge="1">
+                      <a:txBody>
+                        <a:bodyPr/>
+                        <a:lstStyle/>
+                        <a:p>
+                          <a:pPr latinLnBrk="1"/>
+                          <a:endParaRPr lang="ko-KR" altLang="en-US"/>
+                        </a:p>
+                      </a:txBody>
+                      <a:tcPr/>
+                    </a:tc>
+                    <a:tc vMerge="1">
+                      <a:txBody>
+                        <a:bodyPr/>
+                        <a:lstStyle/>
+                        <a:p>
+                          <a:pPr algn="ctr" fontAlgn="ctr"/>
+                          <a:endParaRPr lang="en-US" altLang="ko-KR" sz="1200" b="0" i="0" u="none" strike="noStrike" dirty="0">
+                            <a:solidFill>
+                              <a:srgbClr val="000000"/>
+                            </a:solidFill>
+                            <a:effectLst/>
+                            <a:latin typeface="Times New Roman" panose="02020603050405020304" pitchFamily="18" charset="0"/>
+                            <a:cs typeface="Times New Roman" panose="02020603050405020304" pitchFamily="18" charset="0"/>
+                          </a:endParaRPr>
+                        </a:p>
+                      </a:txBody>
+                      <a:tcPr marL="9525" marR="9525" marT="9525" marB="0" anchor="ctr">
+                        <a:lnL>
+                          <a:noFill/>
+                        </a:lnL>
+                        <a:lnR>
+                          <a:noFill/>
+                        </a:lnR>
+                        <a:lnT>
+                          <a:noFill/>
+                        </a:lnT>
+                        <a:lnB w="28575" cap="flat" cmpd="sng" algn="ctr">
+                          <a:noFill/>
+                          <a:prstDash val="solid"/>
+                          <a:round/>
+                          <a:headEnd type="none" w="med" len="med"/>
+                          <a:tailEnd type="none" w="med" len="med"/>
+                        </a:lnB>
+                      </a:tcPr>
+                    </a:tc>
+                    <a:tc>
+                      <a:txBody>
+                        <a:bodyPr/>
+                        <a:lstStyle/>
+                        <a:p>
+                          <a:pPr algn="ctr" fontAlgn="ctr"/>
+                          <a:r>
+                            <a:rPr lang="en-US" altLang="ko-KR" sz="1200" b="0" i="0" u="none" strike="noStrike" dirty="0">
+                              <a:solidFill>
+                                <a:srgbClr val="000000"/>
+                              </a:solidFill>
+                              <a:effectLst/>
+                              <a:latin typeface="Times New Roman" panose="02020603050405020304" pitchFamily="18" charset="0"/>
+                              <a:cs typeface="Times New Roman" panose="02020603050405020304" pitchFamily="18" charset="0"/>
+                            </a:rPr>
+                            <a:t>0.1</a:t>
+                          </a:r>
+                        </a:p>
+                      </a:txBody>
+                      <a:tcPr marL="9525" marR="9525" marT="9525" marB="0" anchor="ctr">
+                        <a:lnL>
+                          <a:noFill/>
+                        </a:lnL>
+                        <a:lnR>
+                          <a:noFill/>
+                        </a:lnR>
+                        <a:lnT>
+                          <a:noFill/>
+                        </a:lnT>
+                        <a:lnB w="12700" cap="flat" cmpd="sng" algn="ctr">
+                          <a:solidFill>
+                            <a:schemeClr val="tx1"/>
+                          </a:solidFill>
+                          <a:prstDash val="solid"/>
+                          <a:round/>
+                          <a:headEnd type="none" w="med" len="med"/>
+                          <a:tailEnd type="none" w="med" len="med"/>
+                        </a:lnB>
+                      </a:tcPr>
+                    </a:tc>
+                    <a:tc>
+                      <a:txBody>
+                        <a:bodyPr/>
+                        <a:lstStyle/>
+                        <a:p>
+                          <a:pPr algn="l" fontAlgn="ctr"/>
+                          <a:r>
+                            <a:rPr lang="en-US" altLang="ko-KR" sz="1100" b="0" i="0" u="none" strike="noStrike">
+                              <a:solidFill>
+                                <a:srgbClr val="000000"/>
+                              </a:solidFill>
+                              <a:effectLst/>
+                              <a:latin typeface="Times New Roman" panose="02020603050405020304" pitchFamily="18" charset="0"/>
+                              <a:cs typeface="Times New Roman" panose="02020603050405020304" pitchFamily="18" charset="0"/>
+                            </a:rPr>
+                            <a:t>0.1023</a:t>
+                          </a:r>
+                        </a:p>
+                      </a:txBody>
+                      <a:tcPr marL="142875" marR="9525" marT="9525" marB="0" anchor="ctr">
+                        <a:lnL>
+                          <a:noFill/>
+                        </a:lnL>
+                        <a:lnR>
+                          <a:noFill/>
+                        </a:lnR>
+                        <a:lnT>
+                          <a:noFill/>
+                        </a:lnT>
+                        <a:lnB w="12700" cap="flat" cmpd="sng" algn="ctr">
+                          <a:solidFill>
+                            <a:schemeClr val="tx1"/>
+                          </a:solidFill>
+                          <a:prstDash val="solid"/>
+                          <a:round/>
+                          <a:headEnd type="none" w="med" len="med"/>
+                          <a:tailEnd type="none" w="med" len="med"/>
+                        </a:lnB>
+                      </a:tcPr>
+                    </a:tc>
+                    <a:tc>
+                      <a:txBody>
+                        <a:bodyPr/>
+                        <a:lstStyle/>
+                        <a:p>
+                          <a:pPr algn="l" fontAlgn="ctr"/>
+                          <a:r>
+                            <a:rPr lang="en-US" altLang="ko-KR" sz="1100" b="0" i="0" u="none" strike="noStrike">
+                              <a:solidFill>
+                                <a:srgbClr val="000000"/>
+                              </a:solidFill>
+                              <a:effectLst/>
+                              <a:latin typeface="Times New Roman" panose="02020603050405020304" pitchFamily="18" charset="0"/>
+                              <a:cs typeface="Times New Roman" panose="02020603050405020304" pitchFamily="18" charset="0"/>
+                            </a:rPr>
+                            <a:t>0.0900</a:t>
+                          </a:r>
+                        </a:p>
+                      </a:txBody>
+                      <a:tcPr marL="142875" marR="9525" marT="9525" marB="0" anchor="ctr">
+                        <a:lnL>
+                          <a:noFill/>
+                        </a:lnL>
+                        <a:lnR>
+                          <a:noFill/>
+                        </a:lnR>
+                        <a:lnT>
+                          <a:noFill/>
+                        </a:lnT>
+                        <a:lnB w="12700" cap="flat" cmpd="sng" algn="ctr">
+                          <a:solidFill>
+                            <a:schemeClr val="tx1"/>
+                          </a:solidFill>
+                          <a:prstDash val="solid"/>
+                          <a:round/>
+                          <a:headEnd type="none" w="med" len="med"/>
+                          <a:tailEnd type="none" w="med" len="med"/>
+                        </a:lnB>
+                      </a:tcPr>
+                    </a:tc>
+                  </a:tr>
+                  <a:tr h="209550">
+                    <a:tc vMerge="1">
+                      <a:txBody>
+                        <a:bodyPr/>
+                        <a:lstStyle/>
+                        <a:p>
+                          <a:pPr algn="ctr" fontAlgn="ctr"/>
+                          <a:endParaRPr lang="en-US" altLang="ko-KR" sz="1200" b="0" i="0" u="none" strike="noStrike" dirty="0">
+                            <a:solidFill>
+                              <a:srgbClr val="000000"/>
+                            </a:solidFill>
+                            <a:effectLst/>
+                            <a:latin typeface="Times New Roman" panose="02020603050405020304" pitchFamily="18" charset="0"/>
+                            <a:cs typeface="Times New Roman" panose="02020603050405020304" pitchFamily="18" charset="0"/>
+                          </a:endParaRPr>
+                        </a:p>
+                      </a:txBody>
+                      <a:tcPr marL="9525" marR="9525" marT="9525" marB="0" anchor="ctr">
+                        <a:lnL>
+                          <a:noFill/>
+                        </a:lnL>
+                        <a:lnR>
+                          <a:noFill/>
+                        </a:lnR>
+                        <a:lnT w="12700" cap="flat" cmpd="sng" algn="ctr">
+                          <a:solidFill>
+                            <a:schemeClr val="tx1"/>
+                          </a:solidFill>
+                          <a:prstDash val="solid"/>
+                          <a:round/>
+                          <a:headEnd type="none" w="med" len="med"/>
+                          <a:tailEnd type="none" w="med" len="med"/>
+                        </a:lnT>
+                        <a:lnB w="12700" cap="flat" cmpd="sng" algn="ctr">
+                          <a:solidFill>
+                            <a:schemeClr val="tx1"/>
+                          </a:solidFill>
+                          <a:prstDash val="solid"/>
+                          <a:round/>
+                          <a:headEnd type="none" w="med" len="med"/>
+                          <a:tailEnd type="none" w="med" len="med"/>
+                        </a:lnB>
+                      </a:tcPr>
+                    </a:tc>
+                    <a:tc rowSpan="3">
+                      <a:txBody>
+                        <a:bodyPr/>
+                        <a:lstStyle/>
+                        <a:p>
+                          <a:pPr algn="ctr" fontAlgn="ctr"/>
+                          <a:r>
+                            <a:rPr lang="en-US" altLang="ko-KR" sz="1200" b="0" i="0" u="none" strike="noStrike" dirty="0" smtClean="0">
+                              <a:solidFill>
+                                <a:srgbClr val="000000"/>
+                              </a:solidFill>
+                              <a:effectLst/>
+                              <a:latin typeface="Times New Roman" panose="02020603050405020304" pitchFamily="18" charset="0"/>
+                              <a:cs typeface="Times New Roman" panose="02020603050405020304" pitchFamily="18" charset="0"/>
+                            </a:rPr>
+                            <a:t>0.4</a:t>
+                          </a:r>
+                          <a:endParaRPr lang="en-US" altLang="ko-KR" sz="1200" b="0" i="0" u="none" strike="noStrike" dirty="0">
+                            <a:solidFill>
+                              <a:srgbClr val="000000"/>
+                            </a:solidFill>
+                            <a:effectLst/>
+                            <a:latin typeface="Times New Roman" panose="02020603050405020304" pitchFamily="18" charset="0"/>
+                            <a:cs typeface="Times New Roman" panose="02020603050405020304" pitchFamily="18" charset="0"/>
+                          </a:endParaRPr>
+                        </a:p>
+                      </a:txBody>
+                      <a:tcPr marL="9525" marR="9525" marT="9525" marB="0" anchor="ctr">
+                        <a:lnL>
+                          <a:noFill/>
+                        </a:lnL>
+                        <a:lnR>
+                          <a:noFill/>
+                        </a:lnR>
+                        <a:lnT w="12700" cap="flat" cmpd="sng" algn="ctr">
+                          <a:solidFill>
+                            <a:schemeClr val="tx1"/>
+                          </a:solidFill>
+                          <a:prstDash val="solid"/>
+                          <a:round/>
+                          <a:headEnd type="none" w="med" len="med"/>
+                          <a:tailEnd type="none" w="med" len="med"/>
+                        </a:lnT>
+                        <a:lnB w="12700" cap="flat" cmpd="sng" algn="ctr">
+                          <a:solidFill>
+                            <a:schemeClr val="tx1"/>
+                          </a:solidFill>
+                          <a:prstDash val="solid"/>
+                          <a:round/>
+                          <a:headEnd type="none" w="med" len="med"/>
+                          <a:tailEnd type="none" w="med" len="med"/>
+                        </a:lnB>
+                      </a:tcPr>
+                    </a:tc>
+                    <a:tc>
+                      <a:txBody>
+                        <a:bodyPr/>
+                        <a:lstStyle/>
+                        <a:p>
+                          <a:pPr algn="ctr" fontAlgn="ctr"/>
+                          <a:r>
+                            <a:rPr lang="en-US" altLang="ko-KR" sz="1200" b="0" i="0" u="none" strike="noStrike" dirty="0">
+                              <a:solidFill>
+                                <a:srgbClr val="000000"/>
+                              </a:solidFill>
+                              <a:effectLst/>
+                              <a:latin typeface="Times New Roman" panose="02020603050405020304" pitchFamily="18" charset="0"/>
+                              <a:cs typeface="Times New Roman" panose="02020603050405020304" pitchFamily="18" charset="0"/>
+                            </a:rPr>
+                            <a:t>0.01</a:t>
+                          </a:r>
+                        </a:p>
+                      </a:txBody>
+                      <a:tcPr marL="9525" marR="9525" marT="9525" marB="0" anchor="ctr">
+                        <a:lnL>
+                          <a:noFill/>
+                        </a:lnL>
+                        <a:lnR>
+                          <a:noFill/>
+                        </a:lnR>
+                        <a:lnT w="12700" cap="flat" cmpd="sng" algn="ctr">
+                          <a:solidFill>
+                            <a:schemeClr val="tx1"/>
+                          </a:solidFill>
+                          <a:prstDash val="solid"/>
+                          <a:round/>
+                          <a:headEnd type="none" w="med" len="med"/>
+                          <a:tailEnd type="none" w="med" len="med"/>
+                        </a:lnT>
+                        <a:lnB w="28575" cap="flat" cmpd="sng" algn="ctr">
+                          <a:noFill/>
+                          <a:prstDash val="solid"/>
+                          <a:round/>
+                          <a:headEnd type="none" w="med" len="med"/>
+                          <a:tailEnd type="none" w="med" len="med"/>
+                        </a:lnB>
+                      </a:tcPr>
+                    </a:tc>
+                    <a:tc>
+                      <a:txBody>
+                        <a:bodyPr/>
+                        <a:lstStyle/>
+                        <a:p>
+                          <a:pPr algn="l" fontAlgn="ctr"/>
+                          <a:r>
+                            <a:rPr lang="en-US" altLang="ko-KR" sz="1100" b="0" i="0" u="none" strike="noStrike">
+                              <a:solidFill>
+                                <a:srgbClr val="000000"/>
+                              </a:solidFill>
+                              <a:effectLst/>
+                              <a:latin typeface="Times New Roman" panose="02020603050405020304" pitchFamily="18" charset="0"/>
+                              <a:cs typeface="Times New Roman" panose="02020603050405020304" pitchFamily="18" charset="0"/>
+                            </a:rPr>
+                            <a:t>0.0060</a:t>
+                          </a:r>
+                        </a:p>
+                      </a:txBody>
+                      <a:tcPr marL="142875" marR="9525" marT="9525" marB="0" anchor="ctr">
+                        <a:lnL>
+                          <a:noFill/>
+                        </a:lnL>
+                        <a:lnR>
+                          <a:noFill/>
+                        </a:lnR>
+                        <a:lnT w="12700" cap="flat" cmpd="sng" algn="ctr">
+                          <a:solidFill>
+                            <a:schemeClr val="tx1"/>
+                          </a:solidFill>
+                          <a:prstDash val="solid"/>
+                          <a:round/>
+                          <a:headEnd type="none" w="med" len="med"/>
+                          <a:tailEnd type="none" w="med" len="med"/>
+                        </a:lnT>
+                        <a:lnB w="28575" cap="flat" cmpd="sng" algn="ctr">
+                          <a:noFill/>
+                          <a:prstDash val="solid"/>
+                          <a:round/>
+                          <a:headEnd type="none" w="med" len="med"/>
+                          <a:tailEnd type="none" w="med" len="med"/>
+                        </a:lnB>
+                      </a:tcPr>
+                    </a:tc>
+                    <a:tc>
+                      <a:txBody>
+                        <a:bodyPr/>
+                        <a:lstStyle/>
+                        <a:p>
+                          <a:pPr algn="l" fontAlgn="ctr"/>
+                          <a:r>
+                            <a:rPr lang="en-US" altLang="ko-KR" sz="1100" b="0" i="0" u="none" strike="noStrike" dirty="0" smtClean="0">
+                              <a:solidFill>
+                                <a:srgbClr val="000000"/>
+                              </a:solidFill>
+                              <a:effectLst/>
+                              <a:latin typeface="Times New Roman" panose="02020603050405020304" pitchFamily="18" charset="0"/>
+                              <a:cs typeface="Times New Roman" panose="02020603050405020304" pitchFamily="18" charset="0"/>
+                            </a:rPr>
+                            <a:t>0.0130</a:t>
+                          </a:r>
+                          <a:endParaRPr lang="en-US" altLang="ko-KR" sz="1100" b="0" i="0" u="none" strike="noStrike" dirty="0">
+                            <a:solidFill>
+                              <a:srgbClr val="000000"/>
+                            </a:solidFill>
+                            <a:effectLst/>
+                            <a:latin typeface="Times New Roman" panose="02020603050405020304" pitchFamily="18" charset="0"/>
+                            <a:cs typeface="Times New Roman" panose="02020603050405020304" pitchFamily="18" charset="0"/>
+                          </a:endParaRPr>
+                        </a:p>
+                      </a:txBody>
+                      <a:tcPr marL="142875" marR="9525" marT="9525" marB="0" anchor="ctr">
+                        <a:lnL>
+                          <a:noFill/>
+                        </a:lnL>
+                        <a:lnR>
+                          <a:noFill/>
+                        </a:lnR>
+                        <a:lnT w="12700" cap="flat" cmpd="sng" algn="ctr">
+                          <a:solidFill>
+                            <a:schemeClr val="tx1"/>
+                          </a:solidFill>
+                          <a:prstDash val="solid"/>
+                          <a:round/>
+                          <a:headEnd type="none" w="med" len="med"/>
+                          <a:tailEnd type="none" w="med" len="med"/>
+                        </a:lnT>
+                        <a:lnB w="28575" cap="flat" cmpd="sng" algn="ctr">
+                          <a:noFill/>
+                          <a:prstDash val="solid"/>
+                          <a:round/>
+                          <a:headEnd type="none" w="med" len="med"/>
+                          <a:tailEnd type="none" w="med" len="med"/>
+                        </a:lnB>
+                      </a:tcPr>
+                    </a:tc>
+                  </a:tr>
+                  <a:tr h="209550">
+                    <a:tc vMerge="1">
+                      <a:txBody>
+                        <a:bodyPr/>
+                        <a:lstStyle/>
+                        <a:p>
+                          <a:pPr latinLnBrk="1"/>
+                          <a:endParaRPr lang="ko-KR" altLang="en-US"/>
+                        </a:p>
+                      </a:txBody>
+                      <a:tcPr/>
+                    </a:tc>
+                    <a:tc vMerge="1">
+                      <a:txBody>
+                        <a:bodyPr/>
+                        <a:lstStyle/>
+                        <a:p>
+                          <a:pPr algn="ctr" fontAlgn="ctr"/>
+                          <a:endParaRPr lang="en-US" altLang="ko-KR" sz="1200" b="0" i="0" u="none" strike="noStrike" dirty="0">
+                            <a:solidFill>
+                              <a:srgbClr val="000000"/>
+                            </a:solidFill>
+                            <a:effectLst/>
+                            <a:latin typeface="Times New Roman" panose="02020603050405020304" pitchFamily="18" charset="0"/>
+                            <a:cs typeface="Times New Roman" panose="02020603050405020304" pitchFamily="18" charset="0"/>
+                          </a:endParaRPr>
+                        </a:p>
+                      </a:txBody>
+                      <a:tcPr marL="9525" marR="9525" marT="9525" marB="0" anchor="ctr">
+                        <a:lnL>
+                          <a:noFill/>
+                        </a:lnL>
+                        <a:lnR>
+                          <a:noFill/>
+                        </a:lnR>
+                        <a:lnT>
+                          <a:noFill/>
+                        </a:lnT>
+                        <a:lnB w="28575" cap="flat" cmpd="sng" algn="ctr">
+                          <a:noFill/>
+                          <a:prstDash val="solid"/>
+                          <a:round/>
+                          <a:headEnd type="none" w="med" len="med"/>
+                          <a:tailEnd type="none" w="med" len="med"/>
+                        </a:lnB>
+                      </a:tcPr>
+                    </a:tc>
+                    <a:tc>
+                      <a:txBody>
+                        <a:bodyPr/>
+                        <a:lstStyle/>
+                        <a:p>
+                          <a:pPr algn="ctr" fontAlgn="ctr"/>
+                          <a:r>
+                            <a:rPr lang="en-US" altLang="ko-KR" sz="1200" b="0" i="0" u="none" strike="noStrike" dirty="0">
+                              <a:solidFill>
+                                <a:srgbClr val="000000"/>
+                              </a:solidFill>
+                              <a:effectLst/>
+                              <a:latin typeface="Times New Roman" panose="02020603050405020304" pitchFamily="18" charset="0"/>
+                              <a:cs typeface="Times New Roman" panose="02020603050405020304" pitchFamily="18" charset="0"/>
+                            </a:rPr>
+                            <a:t>0.05</a:t>
+                          </a:r>
+                        </a:p>
+                      </a:txBody>
+                      <a:tcPr marL="9525" marR="9525" marT="9525" marB="0" anchor="ctr">
+                        <a:lnL>
+                          <a:noFill/>
+                        </a:lnL>
+                        <a:lnR>
+                          <a:noFill/>
+                        </a:lnR>
+                        <a:lnT>
+                          <a:noFill/>
+                        </a:lnT>
+                        <a:lnB w="28575" cap="flat" cmpd="sng" algn="ctr">
+                          <a:noFill/>
+                          <a:prstDash val="solid"/>
+                          <a:round/>
+                          <a:headEnd type="none" w="med" len="med"/>
+                          <a:tailEnd type="none" w="med" len="med"/>
+                        </a:lnB>
+                      </a:tcPr>
+                    </a:tc>
+                    <a:tc>
+                      <a:txBody>
+                        <a:bodyPr/>
+                        <a:lstStyle/>
+                        <a:p>
+                          <a:pPr algn="l" fontAlgn="ctr"/>
+                          <a:r>
+                            <a:rPr lang="en-US" altLang="ko-KR" sz="1100" b="0" i="0" u="none" strike="noStrike">
+                              <a:solidFill>
+                                <a:srgbClr val="000000"/>
+                              </a:solidFill>
+                              <a:effectLst/>
+                              <a:latin typeface="Times New Roman" panose="02020603050405020304" pitchFamily="18" charset="0"/>
+                              <a:cs typeface="Times New Roman" panose="02020603050405020304" pitchFamily="18" charset="0"/>
+                            </a:rPr>
+                            <a:t>0.0480</a:t>
+                          </a:r>
+                        </a:p>
+                      </a:txBody>
+                      <a:tcPr marL="142875" marR="9525" marT="9525" marB="0" anchor="ctr">
+                        <a:lnL>
+                          <a:noFill/>
+                        </a:lnL>
+                        <a:lnR>
+                          <a:noFill/>
+                        </a:lnR>
+                        <a:lnT>
+                          <a:noFill/>
+                        </a:lnT>
+                        <a:lnB w="28575" cap="flat" cmpd="sng" algn="ctr">
+                          <a:noFill/>
+                          <a:prstDash val="solid"/>
+                          <a:round/>
+                          <a:headEnd type="none" w="med" len="med"/>
+                          <a:tailEnd type="none" w="med" len="med"/>
+                        </a:lnB>
+                      </a:tcPr>
+                    </a:tc>
+                    <a:tc>
+                      <a:txBody>
+                        <a:bodyPr/>
+                        <a:lstStyle/>
+                        <a:p>
+                          <a:pPr algn="l" fontAlgn="ctr"/>
+                          <a:r>
+                            <a:rPr lang="en-US" altLang="ko-KR" sz="1100" b="0" i="0" u="none" strike="noStrike" dirty="0" smtClean="0">
+                              <a:solidFill>
+                                <a:srgbClr val="000000"/>
+                              </a:solidFill>
+                              <a:effectLst/>
+                              <a:latin typeface="Times New Roman" panose="02020603050405020304" pitchFamily="18" charset="0"/>
+                              <a:cs typeface="Times New Roman" panose="02020603050405020304" pitchFamily="18" charset="0"/>
+                            </a:rPr>
+                            <a:t>0.0580</a:t>
+                          </a:r>
+                          <a:endParaRPr lang="en-US" altLang="ko-KR" sz="1100" b="0" i="0" u="none" strike="noStrike" dirty="0">
+                            <a:solidFill>
+                              <a:srgbClr val="000000"/>
+                            </a:solidFill>
+                            <a:effectLst/>
+                            <a:latin typeface="Times New Roman" panose="02020603050405020304" pitchFamily="18" charset="0"/>
+                            <a:cs typeface="Times New Roman" panose="02020603050405020304" pitchFamily="18" charset="0"/>
+                          </a:endParaRPr>
+                        </a:p>
+                      </a:txBody>
+                      <a:tcPr marL="142875" marR="9525" marT="9525" marB="0" anchor="ctr">
+                        <a:lnL>
+                          <a:noFill/>
+                        </a:lnL>
+                        <a:lnR>
+                          <a:noFill/>
+                        </a:lnR>
+                        <a:lnT>
+                          <a:noFill/>
+                        </a:lnT>
+                        <a:lnB w="28575" cap="flat" cmpd="sng" algn="ctr">
+                          <a:noFill/>
+                          <a:prstDash val="solid"/>
+                          <a:round/>
+                          <a:headEnd type="none" w="med" len="med"/>
+                          <a:tailEnd type="none" w="med" len="med"/>
+                        </a:lnB>
+                      </a:tcPr>
+                    </a:tc>
+                  </a:tr>
+                  <a:tr h="209550">
+                    <a:tc vMerge="1">
+                      <a:txBody>
+                        <a:bodyPr/>
+                        <a:lstStyle/>
+                        <a:p>
+                          <a:pPr latinLnBrk="1"/>
+                          <a:endParaRPr lang="ko-KR" altLang="en-US"/>
+                        </a:p>
+                      </a:txBody>
+                      <a:tcPr/>
+                    </a:tc>
+                    <a:tc vMerge="1">
+                      <a:txBody>
+                        <a:bodyPr/>
+                        <a:lstStyle/>
+                        <a:p>
+                          <a:pPr algn="ctr" fontAlgn="ctr"/>
+                          <a:endParaRPr lang="en-US" altLang="ko-KR" sz="1200" b="0" i="0" u="none" strike="noStrike" dirty="0">
+                            <a:solidFill>
+                              <a:srgbClr val="000000"/>
+                            </a:solidFill>
+                            <a:effectLst/>
+                            <a:latin typeface="Times New Roman" panose="02020603050405020304" pitchFamily="18" charset="0"/>
+                            <a:cs typeface="Times New Roman" panose="02020603050405020304" pitchFamily="18" charset="0"/>
+                          </a:endParaRPr>
+                        </a:p>
+                      </a:txBody>
+                      <a:tcPr marL="9525" marR="9525" marT="9525" marB="0" anchor="ctr">
+                        <a:lnL>
+                          <a:noFill/>
+                        </a:lnL>
+                        <a:lnR>
+                          <a:noFill/>
+                        </a:lnR>
+                        <a:lnT>
+                          <a:noFill/>
+                        </a:lnT>
+                        <a:lnB w="28575" cap="flat" cmpd="sng" algn="ctr">
+                          <a:solidFill>
+                            <a:schemeClr val="tx1"/>
+                          </a:solidFill>
+                          <a:prstDash val="solid"/>
+                          <a:round/>
+                          <a:headEnd type="none" w="med" len="med"/>
+                          <a:tailEnd type="none" w="med" len="med"/>
+                        </a:lnB>
+                      </a:tcPr>
+                    </a:tc>
+                    <a:tc>
+                      <a:txBody>
+                        <a:bodyPr/>
+                        <a:lstStyle/>
+                        <a:p>
+                          <a:pPr algn="ctr" fontAlgn="ctr"/>
+                          <a:r>
+                            <a:rPr lang="en-US" altLang="ko-KR" sz="1200" b="0" i="0" u="none" strike="noStrike" dirty="0">
+                              <a:solidFill>
+                                <a:srgbClr val="000000"/>
+                              </a:solidFill>
+                              <a:effectLst/>
+                              <a:latin typeface="Times New Roman" panose="02020603050405020304" pitchFamily="18" charset="0"/>
+                              <a:cs typeface="Times New Roman" panose="02020603050405020304" pitchFamily="18" charset="0"/>
+                            </a:rPr>
+                            <a:t>0.1</a:t>
+                          </a:r>
+                        </a:p>
+                      </a:txBody>
+                      <a:tcPr marL="9525" marR="9525" marT="9525" marB="0" anchor="ctr">
+                        <a:lnL>
+                          <a:noFill/>
+                        </a:lnL>
+                        <a:lnR>
+                          <a:noFill/>
+                        </a:lnR>
+                        <a:lnT>
+                          <a:noFill/>
+                        </a:lnT>
+                        <a:lnB w="12700" cap="flat" cmpd="sng" algn="ctr">
+                          <a:solidFill>
+                            <a:schemeClr val="tx1"/>
+                          </a:solidFill>
+                          <a:prstDash val="solid"/>
+                          <a:round/>
+                          <a:headEnd type="none" w="med" len="med"/>
+                          <a:tailEnd type="none" w="med" len="med"/>
+                        </a:lnB>
+                      </a:tcPr>
+                    </a:tc>
+                    <a:tc>
+                      <a:txBody>
+                        <a:bodyPr/>
+                        <a:lstStyle/>
+                        <a:p>
+                          <a:pPr algn="l" fontAlgn="ctr"/>
+                          <a:r>
+                            <a:rPr lang="en-US" altLang="ko-KR" sz="1100" b="0" i="0" u="none" strike="noStrike" dirty="0">
+                              <a:solidFill>
+                                <a:srgbClr val="000000"/>
+                              </a:solidFill>
+                              <a:effectLst/>
+                              <a:latin typeface="Times New Roman" panose="02020603050405020304" pitchFamily="18" charset="0"/>
+                              <a:cs typeface="Times New Roman" panose="02020603050405020304" pitchFamily="18" charset="0"/>
+                            </a:rPr>
+                            <a:t>0.0940</a:t>
+                          </a:r>
+                        </a:p>
+                      </a:txBody>
+                      <a:tcPr marL="142875" marR="9525" marT="9525" marB="0" anchor="ctr">
+                        <a:lnL>
+                          <a:noFill/>
+                        </a:lnL>
+                        <a:lnR>
+                          <a:noFill/>
+                        </a:lnR>
+                        <a:lnT>
+                          <a:noFill/>
+                        </a:lnT>
+                        <a:lnB w="12700" cap="flat" cmpd="sng" algn="ctr">
+                          <a:solidFill>
+                            <a:schemeClr val="tx1"/>
+                          </a:solidFill>
+                          <a:prstDash val="solid"/>
+                          <a:round/>
+                          <a:headEnd type="none" w="med" len="med"/>
+                          <a:tailEnd type="none" w="med" len="med"/>
+                        </a:lnB>
+                      </a:tcPr>
+                    </a:tc>
+                    <a:tc>
+                      <a:txBody>
+                        <a:bodyPr/>
+                        <a:lstStyle/>
+                        <a:p>
+                          <a:pPr algn="l" fontAlgn="ctr"/>
+                          <a:r>
+                            <a:rPr lang="en-US" altLang="ko-KR" sz="1100" b="0" i="0" u="none" strike="noStrike" dirty="0" smtClean="0">
+                              <a:solidFill>
+                                <a:srgbClr val="000000"/>
+                              </a:solidFill>
+                              <a:effectLst/>
+                              <a:latin typeface="Times New Roman" panose="02020603050405020304" pitchFamily="18" charset="0"/>
+                              <a:cs typeface="Times New Roman" panose="02020603050405020304" pitchFamily="18" charset="0"/>
+                            </a:rPr>
+                            <a:t>0.1020</a:t>
+                          </a:r>
+                          <a:endParaRPr lang="en-US" altLang="ko-KR" sz="1100" b="0" i="0" u="none" strike="noStrike" dirty="0">
+                            <a:solidFill>
+                              <a:srgbClr val="000000"/>
+                            </a:solidFill>
+                            <a:effectLst/>
+                            <a:latin typeface="Times New Roman" panose="02020603050405020304" pitchFamily="18" charset="0"/>
+                            <a:cs typeface="Times New Roman" panose="02020603050405020304" pitchFamily="18" charset="0"/>
+                          </a:endParaRPr>
+                        </a:p>
+                      </a:txBody>
+                      <a:tcPr marL="142875" marR="9525" marT="9525" marB="0" anchor="ctr">
+                        <a:lnL>
+                          <a:noFill/>
+                        </a:lnL>
+                        <a:lnR>
+                          <a:noFill/>
+                        </a:lnR>
+                        <a:lnT>
+                          <a:noFill/>
+                        </a:lnT>
+                        <a:lnB w="12700" cap="flat" cmpd="sng" algn="ctr">
+                          <a:solidFill>
+                            <a:schemeClr val="tx1"/>
+                          </a:solidFill>
+                          <a:prstDash val="solid"/>
+                          <a:round/>
+                          <a:headEnd type="none" w="med" len="med"/>
+                          <a:tailEnd type="none" w="med" len="med"/>
+                        </a:lnB>
+                      </a:tcPr>
+                    </a:tc>
+                  </a:tr>
+                  <a:tr h="209550">
+                    <a:tc rowSpan="6">
+                      <a:txBody>
+                        <a:bodyPr/>
+                        <a:lstStyle/>
+                        <a:p>
+                          <a:pPr algn="ctr" fontAlgn="ctr"/>
+                          <a:r>
+                            <a:rPr lang="en-US" altLang="ko-KR" sz="1200" b="0" i="0" u="none" strike="noStrike" dirty="0" smtClean="0">
+                              <a:solidFill>
+                                <a:srgbClr val="000000"/>
+                              </a:solidFill>
+                              <a:effectLst/>
+                              <a:latin typeface="Times New Roman" panose="02020603050405020304" pitchFamily="18" charset="0"/>
+                              <a:cs typeface="Times New Roman" panose="02020603050405020304" pitchFamily="18" charset="0"/>
+                            </a:rPr>
+                            <a:t>0.005</a:t>
+                          </a:r>
+                          <a:endParaRPr lang="en-US" altLang="ko-KR" sz="1200" b="0" i="0" u="none" strike="noStrike" dirty="0">
+                            <a:solidFill>
+                              <a:srgbClr val="000000"/>
+                            </a:solidFill>
+                            <a:effectLst/>
+                            <a:latin typeface="Times New Roman" panose="02020603050405020304" pitchFamily="18" charset="0"/>
+                            <a:cs typeface="Times New Roman" panose="02020603050405020304" pitchFamily="18" charset="0"/>
+                          </a:endParaRPr>
+                        </a:p>
+                      </a:txBody>
+                      <a:tcPr marL="9525" marR="9525" marT="9525" marB="0" anchor="ctr">
+                        <a:lnL>
+                          <a:noFill/>
+                        </a:lnL>
+                        <a:lnR>
+                          <a:noFill/>
+                        </a:lnR>
+                        <a:lnT w="12700" cap="flat" cmpd="sng" algn="ctr">
+                          <a:solidFill>
+                            <a:schemeClr val="tx1"/>
+                          </a:solidFill>
+                          <a:prstDash val="solid"/>
+                          <a:round/>
+                          <a:headEnd type="none" w="med" len="med"/>
+                          <a:tailEnd type="none" w="med" len="med"/>
+                        </a:lnT>
+                        <a:lnB w="28575" cap="flat" cmpd="sng" algn="ctr">
+                          <a:solidFill>
+                            <a:schemeClr val="tx1"/>
+                          </a:solidFill>
+                          <a:prstDash val="solid"/>
+                          <a:round/>
+                          <a:headEnd type="none" w="med" len="med"/>
+                          <a:tailEnd type="none" w="med" len="med"/>
+                        </a:lnB>
+                      </a:tcPr>
+                    </a:tc>
+                    <a:tc rowSpan="3">
+                      <a:txBody>
+                        <a:bodyPr/>
+                        <a:lstStyle/>
+                        <a:p>
+                          <a:pPr algn="ctr" fontAlgn="ctr"/>
+                          <a:r>
+                            <a:rPr lang="en-US" altLang="ko-KR" sz="1200" b="0" i="0" u="none" strike="noStrike" dirty="0" smtClean="0">
+                              <a:solidFill>
+                                <a:srgbClr val="000000"/>
+                              </a:solidFill>
+                              <a:effectLst/>
+                              <a:latin typeface="Times New Roman" panose="02020603050405020304" pitchFamily="18" charset="0"/>
+                              <a:cs typeface="Times New Roman" panose="02020603050405020304" pitchFamily="18" charset="0"/>
+                            </a:rPr>
+                            <a:t>0.2</a:t>
+                          </a:r>
+                          <a:endParaRPr lang="en-US" altLang="ko-KR" sz="1200" b="0" i="0" u="none" strike="noStrike" dirty="0">
+                            <a:solidFill>
+                              <a:srgbClr val="000000"/>
+                            </a:solidFill>
+                            <a:effectLst/>
+                            <a:latin typeface="Times New Roman" panose="02020603050405020304" pitchFamily="18" charset="0"/>
+                            <a:cs typeface="Times New Roman" panose="02020603050405020304" pitchFamily="18" charset="0"/>
+                          </a:endParaRPr>
+                        </a:p>
+                      </a:txBody>
+                      <a:tcPr marL="9525" marR="9525" marT="9525" marB="0" anchor="ctr">
+                        <a:lnL>
+                          <a:noFill/>
+                        </a:lnL>
+                        <a:lnR>
+                          <a:noFill/>
+                        </a:lnR>
+                        <a:lnT w="12700" cap="flat" cmpd="sng" algn="ctr">
+                          <a:solidFill>
+                            <a:schemeClr val="tx1"/>
+                          </a:solidFill>
+                          <a:prstDash val="solid"/>
+                          <a:round/>
+                          <a:headEnd type="none" w="med" len="med"/>
+                          <a:tailEnd type="none" w="med" len="med"/>
+                        </a:lnT>
+                        <a:lnB w="12700" cap="flat" cmpd="sng" algn="ctr">
+                          <a:solidFill>
+                            <a:schemeClr val="tx1"/>
+                          </a:solidFill>
+                          <a:prstDash val="solid"/>
+                          <a:round/>
+                          <a:headEnd type="none" w="med" len="med"/>
+                          <a:tailEnd type="none" w="med" len="med"/>
+                        </a:lnB>
+                      </a:tcPr>
+                    </a:tc>
+                    <a:tc>
+                      <a:txBody>
+                        <a:bodyPr/>
+                        <a:lstStyle/>
+                        <a:p>
+                          <a:pPr algn="ctr" fontAlgn="ctr"/>
+                          <a:r>
+                            <a:rPr lang="en-US" altLang="ko-KR" sz="1200" b="0" i="0" u="none" strike="noStrike" dirty="0">
+                              <a:solidFill>
+                                <a:srgbClr val="000000"/>
+                              </a:solidFill>
+                              <a:effectLst/>
+                              <a:latin typeface="Times New Roman" panose="02020603050405020304" pitchFamily="18" charset="0"/>
+                              <a:cs typeface="Times New Roman" panose="02020603050405020304" pitchFamily="18" charset="0"/>
+                            </a:rPr>
+                            <a:t>0.01</a:t>
+                          </a:r>
+                        </a:p>
+                      </a:txBody>
+                      <a:tcPr marL="9525" marR="9525" marT="9525" marB="0" anchor="ctr">
+                        <a:lnL>
+                          <a:noFill/>
+                        </a:lnL>
+                        <a:lnR>
+                          <a:noFill/>
+                        </a:lnR>
+                        <a:lnT w="12700" cap="flat" cmpd="sng" algn="ctr">
+                          <a:solidFill>
+                            <a:schemeClr val="tx1"/>
+                          </a:solidFill>
+                          <a:prstDash val="solid"/>
+                          <a:round/>
+                          <a:headEnd type="none" w="med" len="med"/>
+                          <a:tailEnd type="none" w="med" len="med"/>
+                        </a:lnT>
+                        <a:lnB w="28575" cap="flat" cmpd="sng" algn="ctr">
+                          <a:noFill/>
+                          <a:prstDash val="solid"/>
+                          <a:round/>
+                          <a:headEnd type="none" w="med" len="med"/>
+                          <a:tailEnd type="none" w="med" len="med"/>
+                        </a:lnB>
+                      </a:tcPr>
+                    </a:tc>
+                    <a:tc>
+                      <a:txBody>
+                        <a:bodyPr/>
+                        <a:lstStyle/>
+                        <a:p>
+                          <a:pPr algn="ctr" fontAlgn="ctr"/>
+                          <a:r>
+                            <a:rPr lang="en-US" altLang="ko-KR" sz="1200" b="0" i="0" u="none" strike="noStrike">
+                              <a:solidFill>
+                                <a:srgbClr val="000000"/>
+                              </a:solidFill>
+                              <a:effectLst/>
+                              <a:latin typeface="Times New Roman" panose="02020603050405020304" pitchFamily="18" charset="0"/>
+                              <a:cs typeface="Times New Roman" panose="02020603050405020304" pitchFamily="18" charset="0"/>
+                            </a:rPr>
+                            <a:t>0.1303</a:t>
+                          </a:r>
+                        </a:p>
+                      </a:txBody>
+                      <a:tcPr marL="9525" marR="9525" marT="9525" marB="0" anchor="ctr">
+                        <a:lnL>
+                          <a:noFill/>
+                        </a:lnL>
+                        <a:lnR>
+                          <a:noFill/>
+                        </a:lnR>
+                        <a:lnT w="12700" cap="flat" cmpd="sng" algn="ctr">
+                          <a:solidFill>
+                            <a:schemeClr val="tx1"/>
+                          </a:solidFill>
+                          <a:prstDash val="solid"/>
+                          <a:round/>
+                          <a:headEnd type="none" w="med" len="med"/>
+                          <a:tailEnd type="none" w="med" len="med"/>
+                        </a:lnT>
+                        <a:lnB w="28575" cap="flat" cmpd="sng" algn="ctr">
+                          <a:noFill/>
+                          <a:prstDash val="solid"/>
+                          <a:round/>
+                          <a:headEnd type="none" w="med" len="med"/>
+                          <a:tailEnd type="none" w="med" len="med"/>
+                        </a:lnB>
+                      </a:tcPr>
+                    </a:tc>
+                    <a:tc>
+                      <a:txBody>
+                        <a:bodyPr/>
+                        <a:lstStyle/>
+                        <a:p>
+                          <a:pPr algn="ctr" fontAlgn="ctr"/>
+                          <a:r>
+                            <a:rPr lang="en-US" altLang="ko-KR" sz="1200" b="0" i="0" u="none" strike="noStrike" dirty="0">
+                              <a:solidFill>
+                                <a:srgbClr val="000000"/>
+                              </a:solidFill>
+                              <a:effectLst/>
+                              <a:latin typeface="Times New Roman" panose="02020603050405020304" pitchFamily="18" charset="0"/>
+                              <a:cs typeface="Times New Roman" panose="02020603050405020304" pitchFamily="18" charset="0"/>
+                            </a:rPr>
+                            <a:t>0.4460</a:t>
+                          </a:r>
+                        </a:p>
+                      </a:txBody>
+                      <a:tcPr marL="9525" marR="9525" marT="9525" marB="0" anchor="ctr">
+                        <a:lnL>
+                          <a:noFill/>
+                        </a:lnL>
+                        <a:lnR>
+                          <a:noFill/>
+                        </a:lnR>
+                        <a:lnT w="12700" cap="flat" cmpd="sng" algn="ctr">
+                          <a:solidFill>
+                            <a:schemeClr val="tx1"/>
+                          </a:solidFill>
+                          <a:prstDash val="solid"/>
+                          <a:round/>
+                          <a:headEnd type="none" w="med" len="med"/>
+                          <a:tailEnd type="none" w="med" len="med"/>
+                        </a:lnT>
+                        <a:lnB w="28575" cap="flat" cmpd="sng" algn="ctr">
+                          <a:noFill/>
+                          <a:prstDash val="solid"/>
+                          <a:round/>
+                          <a:headEnd type="none" w="med" len="med"/>
+                          <a:tailEnd type="none" w="med" len="med"/>
+                        </a:lnB>
+                      </a:tcPr>
+                    </a:tc>
+                  </a:tr>
+                  <a:tr h="209550">
+                    <a:tc vMerge="1">
+                      <a:txBody>
+                        <a:bodyPr/>
+                        <a:lstStyle/>
+                        <a:p>
+                          <a:pPr latinLnBrk="1"/>
+                          <a:endParaRPr lang="ko-KR" altLang="en-US"/>
+                        </a:p>
+                      </a:txBody>
+                      <a:tcPr/>
+                    </a:tc>
+                    <a:tc vMerge="1">
+                      <a:txBody>
+                        <a:bodyPr/>
+                        <a:lstStyle/>
+                        <a:p>
+                          <a:pPr algn="ctr" fontAlgn="ctr"/>
+                          <a:endParaRPr lang="en-US" altLang="ko-KR" sz="1200" b="0" i="0" u="none" strike="noStrike" dirty="0">
+                            <a:solidFill>
+                              <a:srgbClr val="000000"/>
+                            </a:solidFill>
+                            <a:effectLst/>
+                            <a:latin typeface="Times New Roman" panose="02020603050405020304" pitchFamily="18" charset="0"/>
+                            <a:cs typeface="Times New Roman" panose="02020603050405020304" pitchFamily="18" charset="0"/>
+                          </a:endParaRPr>
+                        </a:p>
+                      </a:txBody>
+                      <a:tcPr marL="9525" marR="9525" marT="9525" marB="0" anchor="ctr">
+                        <a:lnL>
+                          <a:noFill/>
+                        </a:lnL>
+                        <a:lnR>
+                          <a:noFill/>
+                        </a:lnR>
+                        <a:lnT w="12700" cap="flat" cmpd="sng" algn="ctr">
+                          <a:solidFill>
+                            <a:schemeClr val="tx1"/>
+                          </a:solidFill>
+                          <a:prstDash val="solid"/>
+                          <a:round/>
+                          <a:headEnd type="none" w="med" len="med"/>
+                          <a:tailEnd type="none" w="med" len="med"/>
+                        </a:lnT>
+                        <a:lnB w="12700" cap="flat" cmpd="sng" algn="ctr">
+                          <a:solidFill>
+                            <a:schemeClr val="tx1"/>
+                          </a:solidFill>
+                          <a:prstDash val="solid"/>
+                          <a:round/>
+                          <a:headEnd type="none" w="med" len="med"/>
+                          <a:tailEnd type="none" w="med" len="med"/>
+                        </a:lnB>
+                      </a:tcPr>
+                    </a:tc>
+                    <a:tc>
+                      <a:txBody>
+                        <a:bodyPr/>
+                        <a:lstStyle/>
+                        <a:p>
+                          <a:pPr algn="ctr" fontAlgn="ctr"/>
+                          <a:r>
+                            <a:rPr lang="en-US" altLang="ko-KR" sz="1200" b="0" i="0" u="none" strike="noStrike" dirty="0">
+                              <a:solidFill>
+                                <a:srgbClr val="000000"/>
+                              </a:solidFill>
+                              <a:effectLst/>
+                              <a:latin typeface="Times New Roman" panose="02020603050405020304" pitchFamily="18" charset="0"/>
+                              <a:cs typeface="Times New Roman" panose="02020603050405020304" pitchFamily="18" charset="0"/>
+                            </a:rPr>
+                            <a:t>0.05</a:t>
+                          </a:r>
+                        </a:p>
+                      </a:txBody>
+                      <a:tcPr marL="9525" marR="9525" marT="9525" marB="0" anchor="ctr">
+                        <a:lnL>
+                          <a:noFill/>
+                        </a:lnL>
+                        <a:lnR>
+                          <a:noFill/>
+                        </a:lnR>
+                        <a:lnT>
+                          <a:noFill/>
+                        </a:lnT>
+                        <a:lnB w="28575" cap="flat" cmpd="sng" algn="ctr">
+                          <a:noFill/>
+                          <a:prstDash val="solid"/>
+                          <a:round/>
+                          <a:headEnd type="none" w="med" len="med"/>
+                          <a:tailEnd type="none" w="med" len="med"/>
+                        </a:lnB>
+                      </a:tcPr>
+                    </a:tc>
+                    <a:tc>
+                      <a:txBody>
+                        <a:bodyPr/>
+                        <a:lstStyle/>
+                        <a:p>
+                          <a:pPr algn="ctr" fontAlgn="ctr"/>
+                          <a:r>
+                            <a:rPr lang="en-US" altLang="ko-KR" sz="1200" b="0" i="0" u="none" strike="noStrike">
+                              <a:solidFill>
+                                <a:srgbClr val="000000"/>
+                              </a:solidFill>
+                              <a:effectLst/>
+                              <a:latin typeface="Times New Roman" panose="02020603050405020304" pitchFamily="18" charset="0"/>
+                              <a:cs typeface="Times New Roman" panose="02020603050405020304" pitchFamily="18" charset="0"/>
+                            </a:rPr>
+                            <a:t>0.3372</a:t>
+                          </a:r>
+                        </a:p>
+                      </a:txBody>
+                      <a:tcPr marL="9525" marR="9525" marT="9525" marB="0" anchor="ctr">
+                        <a:lnL>
+                          <a:noFill/>
+                        </a:lnL>
+                        <a:lnR>
+                          <a:noFill/>
+                        </a:lnR>
+                        <a:lnT>
+                          <a:noFill/>
+                        </a:lnT>
+                        <a:lnB w="28575" cap="flat" cmpd="sng" algn="ctr">
+                          <a:noFill/>
+                          <a:prstDash val="solid"/>
+                          <a:round/>
+                          <a:headEnd type="none" w="med" len="med"/>
+                          <a:tailEnd type="none" w="med" len="med"/>
+                        </a:lnB>
+                      </a:tcPr>
+                    </a:tc>
+                    <a:tc>
+                      <a:txBody>
+                        <a:bodyPr/>
+                        <a:lstStyle/>
+                        <a:p>
+                          <a:pPr algn="ctr" fontAlgn="ctr"/>
+                          <a:r>
+                            <a:rPr lang="en-US" altLang="ko-KR" sz="1200" b="0" i="0" u="none" strike="noStrike">
+                              <a:solidFill>
+                                <a:srgbClr val="000000"/>
+                              </a:solidFill>
+                              <a:effectLst/>
+                              <a:latin typeface="Times New Roman" panose="02020603050405020304" pitchFamily="18" charset="0"/>
+                              <a:cs typeface="Times New Roman" panose="02020603050405020304" pitchFamily="18" charset="0"/>
+                            </a:rPr>
+                            <a:t>0.6800</a:t>
+                          </a:r>
+                        </a:p>
+                      </a:txBody>
+                      <a:tcPr marL="9525" marR="9525" marT="9525" marB="0" anchor="ctr">
+                        <a:lnL>
+                          <a:noFill/>
+                        </a:lnL>
+                        <a:lnR>
+                          <a:noFill/>
+                        </a:lnR>
+                        <a:lnT>
+                          <a:noFill/>
+                        </a:lnT>
+                        <a:lnB w="28575" cap="flat" cmpd="sng" algn="ctr">
+                          <a:noFill/>
+                          <a:prstDash val="solid"/>
+                          <a:round/>
+                          <a:headEnd type="none" w="med" len="med"/>
+                          <a:tailEnd type="none" w="med" len="med"/>
+                        </a:lnB>
+                      </a:tcPr>
+                    </a:tc>
+                  </a:tr>
+                  <a:tr h="209550">
+                    <a:tc vMerge="1">
+                      <a:txBody>
+                        <a:bodyPr/>
+                        <a:lstStyle/>
+                        <a:p>
+                          <a:pPr latinLnBrk="1"/>
+                          <a:endParaRPr lang="ko-KR" altLang="en-US"/>
+                        </a:p>
+                      </a:txBody>
+                      <a:tcPr/>
+                    </a:tc>
+                    <a:tc vMerge="1">
+                      <a:txBody>
+                        <a:bodyPr/>
+                        <a:lstStyle/>
+                        <a:p>
+                          <a:pPr algn="ctr" fontAlgn="ctr"/>
+                          <a:endParaRPr lang="en-US" altLang="ko-KR" sz="1200" b="0" i="0" u="none" strike="noStrike" dirty="0">
+                            <a:solidFill>
+                              <a:srgbClr val="000000"/>
+                            </a:solidFill>
+                            <a:effectLst/>
+                            <a:latin typeface="Times New Roman" panose="02020603050405020304" pitchFamily="18" charset="0"/>
+                            <a:cs typeface="Times New Roman" panose="02020603050405020304" pitchFamily="18" charset="0"/>
+                          </a:endParaRPr>
+                        </a:p>
+                      </a:txBody>
+                      <a:tcPr marL="9525" marR="9525" marT="9525" marB="0" anchor="ctr">
+                        <a:lnL>
+                          <a:noFill/>
+                        </a:lnL>
+                        <a:lnR>
+                          <a:noFill/>
+                        </a:lnR>
+                        <a:lnT w="12700" cap="flat" cmpd="sng" algn="ctr">
+                          <a:solidFill>
+                            <a:schemeClr val="tx1"/>
+                          </a:solidFill>
+                          <a:prstDash val="solid"/>
+                          <a:round/>
+                          <a:headEnd type="none" w="med" len="med"/>
+                          <a:tailEnd type="none" w="med" len="med"/>
+                        </a:lnT>
+                        <a:lnB w="12700" cap="flat" cmpd="sng" algn="ctr">
+                          <a:solidFill>
+                            <a:schemeClr val="tx1"/>
+                          </a:solidFill>
+                          <a:prstDash val="solid"/>
+                          <a:round/>
+                          <a:headEnd type="none" w="med" len="med"/>
+                          <a:tailEnd type="none" w="med" len="med"/>
+                        </a:lnB>
+                      </a:tcPr>
+                    </a:tc>
+                    <a:tc>
+                      <a:txBody>
+                        <a:bodyPr/>
+                        <a:lstStyle/>
+                        <a:p>
+                          <a:pPr algn="ctr" fontAlgn="ctr"/>
+                          <a:r>
+                            <a:rPr lang="en-US" altLang="ko-KR" sz="1200" b="0" i="0" u="none" strike="noStrike" dirty="0">
+                              <a:solidFill>
+                                <a:srgbClr val="000000"/>
+                              </a:solidFill>
+                              <a:effectLst/>
+                              <a:latin typeface="Times New Roman" panose="02020603050405020304" pitchFamily="18" charset="0"/>
+                              <a:cs typeface="Times New Roman" panose="02020603050405020304" pitchFamily="18" charset="0"/>
+                            </a:rPr>
+                            <a:t>0.1</a:t>
+                          </a:r>
+                        </a:p>
+                      </a:txBody>
+                      <a:tcPr marL="9525" marR="9525" marT="9525" marB="0" anchor="ctr">
+                        <a:lnL>
+                          <a:noFill/>
+                        </a:lnL>
+                        <a:lnR>
+                          <a:noFill/>
+                        </a:lnR>
+                        <a:lnT>
+                          <a:noFill/>
+                        </a:lnT>
+                        <a:lnB w="12700" cap="flat" cmpd="sng" algn="ctr">
+                          <a:solidFill>
+                            <a:schemeClr val="tx1"/>
+                          </a:solidFill>
+                          <a:prstDash val="solid"/>
+                          <a:round/>
+                          <a:headEnd type="none" w="med" len="med"/>
+                          <a:tailEnd type="none" w="med" len="med"/>
+                        </a:lnB>
+                      </a:tcPr>
+                    </a:tc>
+                    <a:tc>
+                      <a:txBody>
+                        <a:bodyPr/>
+                        <a:lstStyle/>
+                        <a:p>
+                          <a:pPr algn="ctr" fontAlgn="ctr"/>
+                          <a:r>
+                            <a:rPr lang="en-US" altLang="ko-KR" sz="1200" b="0" i="0" u="none" strike="noStrike" dirty="0">
+                              <a:solidFill>
+                                <a:srgbClr val="000000"/>
+                              </a:solidFill>
+                              <a:effectLst/>
+                              <a:latin typeface="Times New Roman" panose="02020603050405020304" pitchFamily="18" charset="0"/>
+                              <a:cs typeface="Times New Roman" panose="02020603050405020304" pitchFamily="18" charset="0"/>
+                            </a:rPr>
+                            <a:t>0.4713</a:t>
+                          </a:r>
+                        </a:p>
+                      </a:txBody>
+                      <a:tcPr marL="9525" marR="9525" marT="9525" marB="0" anchor="ctr">
+                        <a:lnL>
+                          <a:noFill/>
+                        </a:lnL>
+                        <a:lnR>
+                          <a:noFill/>
+                        </a:lnR>
+                        <a:lnT>
+                          <a:noFill/>
+                        </a:lnT>
+                        <a:lnB w="12700" cap="flat" cmpd="sng" algn="ctr">
+                          <a:solidFill>
+                            <a:schemeClr val="tx1"/>
+                          </a:solidFill>
+                          <a:prstDash val="solid"/>
+                          <a:round/>
+                          <a:headEnd type="none" w="med" len="med"/>
+                          <a:tailEnd type="none" w="med" len="med"/>
+                        </a:lnB>
+                      </a:tcPr>
+                    </a:tc>
+                    <a:tc>
+                      <a:txBody>
+                        <a:bodyPr/>
+                        <a:lstStyle/>
+                        <a:p>
+                          <a:pPr algn="ctr" fontAlgn="ctr"/>
+                          <a:r>
+                            <a:rPr lang="en-US" altLang="ko-KR" sz="1200" b="0" i="0" u="none" strike="noStrike" dirty="0">
+                              <a:solidFill>
+                                <a:srgbClr val="000000"/>
+                              </a:solidFill>
+                              <a:effectLst/>
+                              <a:latin typeface="Times New Roman" panose="02020603050405020304" pitchFamily="18" charset="0"/>
+                              <a:cs typeface="Times New Roman" panose="02020603050405020304" pitchFamily="18" charset="0"/>
+                            </a:rPr>
+                            <a:t>0.7980</a:t>
+                          </a:r>
+                        </a:p>
+                      </a:txBody>
+                      <a:tcPr marL="9525" marR="9525" marT="9525" marB="0" anchor="ctr">
+                        <a:lnL>
+                          <a:noFill/>
+                        </a:lnL>
+                        <a:lnR>
+                          <a:noFill/>
+                        </a:lnR>
+                        <a:lnT>
+                          <a:noFill/>
+                        </a:lnT>
+                        <a:lnB w="12700" cap="flat" cmpd="sng" algn="ctr">
+                          <a:solidFill>
+                            <a:schemeClr val="tx1"/>
+                          </a:solidFill>
+                          <a:prstDash val="solid"/>
+                          <a:round/>
+                          <a:headEnd type="none" w="med" len="med"/>
+                          <a:tailEnd type="none" w="med" len="med"/>
+                        </a:lnB>
+                      </a:tcPr>
+                    </a:tc>
+                  </a:tr>
+                  <a:tr h="209550">
+                    <a:tc vMerge="1">
+                      <a:txBody>
+                        <a:bodyPr/>
+                        <a:lstStyle/>
+                        <a:p>
+                          <a:pPr algn="ctr" fontAlgn="ctr"/>
+                          <a:endParaRPr lang="en-US" altLang="ko-KR" sz="1200" b="0" i="0" u="none" strike="noStrike" dirty="0">
+                            <a:solidFill>
+                              <a:srgbClr val="000000"/>
+                            </a:solidFill>
+                            <a:effectLst/>
+                            <a:latin typeface="Times New Roman" panose="02020603050405020304" pitchFamily="18" charset="0"/>
+                            <a:cs typeface="Times New Roman" panose="02020603050405020304" pitchFamily="18" charset="0"/>
+                          </a:endParaRPr>
+                        </a:p>
+                      </a:txBody>
+                      <a:tcPr marL="9525" marR="9525" marT="9525" marB="0" anchor="ctr">
+                        <a:lnL>
+                          <a:noFill/>
+                        </a:lnL>
+                        <a:lnR>
+                          <a:noFill/>
+                        </a:lnR>
+                        <a:lnT w="12700" cap="flat" cmpd="sng" algn="ctr">
+                          <a:solidFill>
+                            <a:schemeClr val="tx1"/>
+                          </a:solidFill>
+                          <a:prstDash val="solid"/>
+                          <a:round/>
+                          <a:headEnd type="none" w="med" len="med"/>
+                          <a:tailEnd type="none" w="med" len="med"/>
+                        </a:lnT>
+                        <a:lnB w="28575" cap="flat" cmpd="sng" algn="ctr">
+                          <a:solidFill>
+                            <a:schemeClr val="tx1"/>
+                          </a:solidFill>
+                          <a:prstDash val="solid"/>
+                          <a:round/>
+                          <a:headEnd type="none" w="med" len="med"/>
+                          <a:tailEnd type="none" w="med" len="med"/>
+                        </a:lnB>
+                      </a:tcPr>
+                    </a:tc>
+                    <a:tc rowSpan="3">
+                      <a:txBody>
+                        <a:bodyPr/>
+                        <a:lstStyle/>
+                        <a:p>
+                          <a:pPr algn="ctr" fontAlgn="ctr"/>
+                          <a:r>
+                            <a:rPr lang="en-US" altLang="ko-KR" sz="1200" b="0" i="0" u="none" strike="noStrike" dirty="0" smtClean="0">
+                              <a:solidFill>
+                                <a:srgbClr val="000000"/>
+                              </a:solidFill>
+                              <a:effectLst/>
+                              <a:latin typeface="Times New Roman" panose="02020603050405020304" pitchFamily="18" charset="0"/>
+                              <a:cs typeface="Times New Roman" panose="02020603050405020304" pitchFamily="18" charset="0"/>
+                            </a:rPr>
+                            <a:t>0.4</a:t>
+                          </a:r>
+                          <a:endParaRPr lang="en-US" altLang="ko-KR" sz="1200" b="0" i="0" u="none" strike="noStrike" dirty="0">
+                            <a:solidFill>
+                              <a:srgbClr val="000000"/>
+                            </a:solidFill>
+                            <a:effectLst/>
+                            <a:latin typeface="Times New Roman" panose="02020603050405020304" pitchFamily="18" charset="0"/>
+                            <a:cs typeface="Times New Roman" panose="02020603050405020304" pitchFamily="18" charset="0"/>
+                          </a:endParaRPr>
+                        </a:p>
+                      </a:txBody>
+                      <a:tcPr marL="9525" marR="9525" marT="9525" marB="0" anchor="ctr">
+                        <a:lnL>
+                          <a:noFill/>
+                        </a:lnL>
+                        <a:lnR>
+                          <a:noFill/>
+                        </a:lnR>
+                        <a:lnT w="12700" cap="flat" cmpd="sng" algn="ctr">
+                          <a:solidFill>
+                            <a:schemeClr val="tx1"/>
+                          </a:solidFill>
+                          <a:prstDash val="solid"/>
+                          <a:round/>
+                          <a:headEnd type="none" w="med" len="med"/>
+                          <a:tailEnd type="none" w="med" len="med"/>
+                        </a:lnT>
+                        <a:lnB w="28575" cap="flat" cmpd="sng" algn="ctr">
+                          <a:solidFill>
+                            <a:schemeClr val="tx1"/>
+                          </a:solidFill>
+                          <a:prstDash val="solid"/>
+                          <a:round/>
+                          <a:headEnd type="none" w="med" len="med"/>
+                          <a:tailEnd type="none" w="med" len="med"/>
+                        </a:lnB>
+                      </a:tcPr>
+                    </a:tc>
+                    <a:tc>
+                      <a:txBody>
+                        <a:bodyPr/>
+                        <a:lstStyle/>
+                        <a:p>
+                          <a:pPr algn="ctr" fontAlgn="ctr"/>
+                          <a:r>
+                            <a:rPr lang="en-US" altLang="ko-KR" sz="1200" b="0" i="0" u="none" strike="noStrike" dirty="0">
+                              <a:solidFill>
+                                <a:srgbClr val="000000"/>
+                              </a:solidFill>
+                              <a:effectLst/>
+                              <a:latin typeface="Times New Roman" panose="02020603050405020304" pitchFamily="18" charset="0"/>
+                              <a:cs typeface="Times New Roman" panose="02020603050405020304" pitchFamily="18" charset="0"/>
+                            </a:rPr>
+                            <a:t>0.01</a:t>
+                          </a:r>
+                        </a:p>
+                      </a:txBody>
+                      <a:tcPr marL="9525" marR="9525" marT="9525" marB="0" anchor="ctr">
+                        <a:lnL>
+                          <a:noFill/>
+                        </a:lnL>
+                        <a:lnR>
+                          <a:noFill/>
+                        </a:lnR>
+                        <a:lnT w="12700" cap="flat" cmpd="sng" algn="ctr">
+                          <a:solidFill>
+                            <a:schemeClr val="tx1"/>
+                          </a:solidFill>
+                          <a:prstDash val="solid"/>
+                          <a:round/>
+                          <a:headEnd type="none" w="med" len="med"/>
+                          <a:tailEnd type="none" w="med" len="med"/>
+                        </a:lnT>
+                        <a:lnB w="28575" cap="flat" cmpd="sng" algn="ctr">
+                          <a:noFill/>
+                          <a:prstDash val="solid"/>
+                          <a:round/>
+                          <a:headEnd type="none" w="med" len="med"/>
+                          <a:tailEnd type="none" w="med" len="med"/>
+                        </a:lnB>
+                      </a:tcPr>
+                    </a:tc>
+                    <a:tc>
+                      <a:txBody>
+                        <a:bodyPr/>
+                        <a:lstStyle/>
+                        <a:p>
+                          <a:pPr algn="ctr" fontAlgn="ctr"/>
+                          <a:r>
+                            <a:rPr lang="en-US" altLang="ko-KR" sz="1200" b="0" i="0" u="none" strike="noStrike" dirty="0">
+                              <a:solidFill>
+                                <a:srgbClr val="000000"/>
+                              </a:solidFill>
+                              <a:effectLst/>
+                              <a:latin typeface="Times New Roman" panose="02020603050405020304" pitchFamily="18" charset="0"/>
+                              <a:cs typeface="Times New Roman" panose="02020603050405020304" pitchFamily="18" charset="0"/>
+                            </a:rPr>
+                            <a:t>0.2740</a:t>
+                          </a:r>
+                        </a:p>
+                      </a:txBody>
+                      <a:tcPr marL="9525" marR="9525" marT="9525" marB="0" anchor="ctr">
+                        <a:lnL>
+                          <a:noFill/>
+                        </a:lnL>
+                        <a:lnR>
+                          <a:noFill/>
+                        </a:lnR>
+                        <a:lnT w="12700" cap="flat" cmpd="sng" algn="ctr">
+                          <a:solidFill>
+                            <a:schemeClr val="tx1"/>
+                          </a:solidFill>
+                          <a:prstDash val="solid"/>
+                          <a:round/>
+                          <a:headEnd type="none" w="med" len="med"/>
+                          <a:tailEnd type="none" w="med" len="med"/>
+                        </a:lnT>
+                        <a:lnB w="28575" cap="flat" cmpd="sng" algn="ctr">
+                          <a:noFill/>
+                          <a:prstDash val="solid"/>
+                          <a:round/>
+                          <a:headEnd type="none" w="med" len="med"/>
+                          <a:tailEnd type="none" w="med" len="med"/>
+                        </a:lnB>
+                      </a:tcPr>
+                    </a:tc>
+                    <a:tc>
+                      <a:txBody>
+                        <a:bodyPr/>
+                        <a:lstStyle/>
+                        <a:p>
+                          <a:pPr algn="ctr" fontAlgn="ctr"/>
+                          <a:r>
+                            <a:rPr lang="en-US" altLang="ko-KR" sz="1200" b="0" i="0" u="none" strike="noStrike">
+                              <a:solidFill>
+                                <a:srgbClr val="000000"/>
+                              </a:solidFill>
+                              <a:effectLst/>
+                              <a:latin typeface="Times New Roman" panose="02020603050405020304" pitchFamily="18" charset="0"/>
+                              <a:cs typeface="Times New Roman" panose="02020603050405020304" pitchFamily="18" charset="0"/>
+                            </a:rPr>
+                            <a:t>0.3540</a:t>
+                          </a:r>
+                        </a:p>
+                      </a:txBody>
+                      <a:tcPr marL="9525" marR="9525" marT="9525" marB="0" anchor="ctr">
+                        <a:lnL>
+                          <a:noFill/>
+                        </a:lnL>
+                        <a:lnR>
+                          <a:noFill/>
+                        </a:lnR>
+                        <a:lnT w="12700" cap="flat" cmpd="sng" algn="ctr">
+                          <a:solidFill>
+                            <a:schemeClr val="tx1"/>
+                          </a:solidFill>
+                          <a:prstDash val="solid"/>
+                          <a:round/>
+                          <a:headEnd type="none" w="med" len="med"/>
+                          <a:tailEnd type="none" w="med" len="med"/>
+                        </a:lnT>
+                        <a:lnB w="28575" cap="flat" cmpd="sng" algn="ctr">
+                          <a:noFill/>
+                          <a:prstDash val="solid"/>
+                          <a:round/>
+                          <a:headEnd type="none" w="med" len="med"/>
+                          <a:tailEnd type="none" w="med" len="med"/>
+                        </a:lnB>
+                      </a:tcPr>
+                    </a:tc>
+                  </a:tr>
+                  <a:tr h="209550">
+                    <a:tc vMerge="1">
+                      <a:txBody>
+                        <a:bodyPr/>
+                        <a:lstStyle/>
+                        <a:p>
+                          <a:pPr latinLnBrk="1"/>
+                          <a:endParaRPr lang="ko-KR" altLang="en-US"/>
+                        </a:p>
+                      </a:txBody>
+                      <a:tcPr/>
+                    </a:tc>
+                    <a:tc vMerge="1">
+                      <a:txBody>
+                        <a:bodyPr/>
+                        <a:lstStyle/>
+                        <a:p>
+                          <a:pPr algn="ctr" fontAlgn="ctr"/>
+                          <a:endParaRPr lang="en-US" altLang="ko-KR" sz="1200" b="0" i="0" u="none" strike="noStrike" dirty="0">
+                            <a:solidFill>
+                              <a:srgbClr val="000000"/>
+                            </a:solidFill>
+                            <a:effectLst/>
+                            <a:latin typeface="Times New Roman" panose="02020603050405020304" pitchFamily="18" charset="0"/>
+                            <a:cs typeface="Times New Roman" panose="02020603050405020304" pitchFamily="18" charset="0"/>
+                          </a:endParaRPr>
+                        </a:p>
+                      </a:txBody>
+                      <a:tcPr marL="9525" marR="9525" marT="9525" marB="0" anchor="ctr">
+                        <a:lnL>
+                          <a:noFill/>
+                        </a:lnL>
+                        <a:lnR>
+                          <a:noFill/>
+                        </a:lnR>
+                        <a:lnT w="12700" cap="flat" cmpd="sng" algn="ctr">
+                          <a:solidFill>
+                            <a:schemeClr val="tx1"/>
+                          </a:solidFill>
+                          <a:prstDash val="solid"/>
+                          <a:round/>
+                          <a:headEnd type="none" w="med" len="med"/>
+                          <a:tailEnd type="none" w="med" len="med"/>
+                        </a:lnT>
+                        <a:lnB w="12700" cap="flat" cmpd="sng" algn="ctr">
+                          <a:solidFill>
+                            <a:schemeClr val="tx1"/>
+                          </a:solidFill>
+                          <a:prstDash val="solid"/>
+                          <a:round/>
+                          <a:headEnd type="none" w="med" len="med"/>
+                          <a:tailEnd type="none" w="med" len="med"/>
+                        </a:lnB>
+                      </a:tcPr>
+                    </a:tc>
+                    <a:tc>
+                      <a:txBody>
+                        <a:bodyPr/>
+                        <a:lstStyle/>
+                        <a:p>
+                          <a:pPr algn="ctr" fontAlgn="ctr"/>
+                          <a:r>
+                            <a:rPr lang="en-US" altLang="ko-KR" sz="1200" b="0" i="0" u="none" strike="noStrike" dirty="0">
+                              <a:solidFill>
+                                <a:srgbClr val="000000"/>
+                              </a:solidFill>
+                              <a:effectLst/>
+                              <a:latin typeface="Times New Roman" panose="02020603050405020304" pitchFamily="18" charset="0"/>
+                              <a:cs typeface="Times New Roman" panose="02020603050405020304" pitchFamily="18" charset="0"/>
+                            </a:rPr>
+                            <a:t>0.05</a:t>
+                          </a:r>
+                        </a:p>
+                      </a:txBody>
+                      <a:tcPr marL="9525" marR="9525" marT="9525" marB="0" anchor="ctr">
+                        <a:lnL>
+                          <a:noFill/>
+                        </a:lnL>
+                        <a:lnR>
+                          <a:noFill/>
+                        </a:lnR>
+                        <a:lnT>
+                          <a:noFill/>
+                        </a:lnT>
+                        <a:lnB w="28575" cap="flat" cmpd="sng" algn="ctr">
+                          <a:noFill/>
+                          <a:prstDash val="solid"/>
+                          <a:round/>
+                          <a:headEnd type="none" w="med" len="med"/>
+                          <a:tailEnd type="none" w="med" len="med"/>
+                        </a:lnB>
+                      </a:tcPr>
+                    </a:tc>
+                    <a:tc>
+                      <a:txBody>
+                        <a:bodyPr/>
+                        <a:lstStyle/>
+                        <a:p>
+                          <a:pPr algn="ctr" fontAlgn="ctr"/>
+                          <a:r>
+                            <a:rPr lang="en-US" altLang="ko-KR" sz="1200" b="0" i="0" u="none" strike="noStrike" dirty="0">
+                              <a:solidFill>
+                                <a:srgbClr val="000000"/>
+                              </a:solidFill>
+                              <a:effectLst/>
+                              <a:latin typeface="Times New Roman" panose="02020603050405020304" pitchFamily="18" charset="0"/>
+                              <a:cs typeface="Times New Roman" panose="02020603050405020304" pitchFamily="18" charset="0"/>
+                            </a:rPr>
+                            <a:t>0.5340</a:t>
+                          </a:r>
+                        </a:p>
+                      </a:txBody>
+                      <a:tcPr marL="9525" marR="9525" marT="9525" marB="0" anchor="ctr">
+                        <a:lnL>
+                          <a:noFill/>
+                        </a:lnL>
+                        <a:lnR>
+                          <a:noFill/>
+                        </a:lnR>
+                        <a:lnT>
+                          <a:noFill/>
+                        </a:lnT>
+                        <a:lnB w="28575" cap="flat" cmpd="sng" algn="ctr">
+                          <a:noFill/>
+                          <a:prstDash val="solid"/>
+                          <a:round/>
+                          <a:headEnd type="none" w="med" len="med"/>
+                          <a:tailEnd type="none" w="med" len="med"/>
+                        </a:lnB>
+                      </a:tcPr>
+                    </a:tc>
+                    <a:tc>
+                      <a:txBody>
+                        <a:bodyPr/>
+                        <a:lstStyle/>
+                        <a:p>
+                          <a:pPr algn="ctr" fontAlgn="ctr"/>
+                          <a:r>
+                            <a:rPr lang="en-US" altLang="ko-KR" sz="1200" b="0" i="0" u="none" strike="noStrike">
+                              <a:solidFill>
+                                <a:srgbClr val="000000"/>
+                              </a:solidFill>
+                              <a:effectLst/>
+                              <a:latin typeface="Times New Roman" panose="02020603050405020304" pitchFamily="18" charset="0"/>
+                              <a:cs typeface="Times New Roman" panose="02020603050405020304" pitchFamily="18" charset="0"/>
+                            </a:rPr>
+                            <a:t>0.6000</a:t>
+                          </a:r>
+                        </a:p>
+                      </a:txBody>
+                      <a:tcPr marL="9525" marR="9525" marT="9525" marB="0" anchor="ctr">
+                        <a:lnL>
+                          <a:noFill/>
+                        </a:lnL>
+                        <a:lnR>
+                          <a:noFill/>
+                        </a:lnR>
+                        <a:lnT>
+                          <a:noFill/>
+                        </a:lnT>
+                        <a:lnB w="28575" cap="flat" cmpd="sng" algn="ctr">
+                          <a:noFill/>
+                          <a:prstDash val="solid"/>
+                          <a:round/>
+                          <a:headEnd type="none" w="med" len="med"/>
+                          <a:tailEnd type="none" w="med" len="med"/>
+                        </a:lnB>
+                      </a:tcPr>
+                    </a:tc>
+                  </a:tr>
+                  <a:tr h="209550">
+                    <a:tc vMerge="1">
+                      <a:txBody>
+                        <a:bodyPr/>
+                        <a:lstStyle/>
+                        <a:p>
+                          <a:pPr latinLnBrk="1"/>
+                          <a:endParaRPr lang="ko-KR" altLang="en-US"/>
+                        </a:p>
+                      </a:txBody>
+                      <a:tcPr/>
+                    </a:tc>
+                    <a:tc vMerge="1">
+                      <a:txBody>
+                        <a:bodyPr/>
+                        <a:lstStyle/>
+                        <a:p>
+                          <a:pPr algn="ctr" fontAlgn="ctr"/>
+                          <a:endParaRPr lang="en-US" altLang="ko-KR" sz="1200" b="0" i="0" u="none" strike="noStrike" dirty="0">
+                            <a:solidFill>
+                              <a:srgbClr val="000000"/>
+                            </a:solidFill>
+                            <a:effectLst/>
+                            <a:latin typeface="Times New Roman" panose="02020603050405020304" pitchFamily="18" charset="0"/>
+                            <a:cs typeface="Times New Roman" panose="02020603050405020304" pitchFamily="18" charset="0"/>
+                          </a:endParaRPr>
+                        </a:p>
+                      </a:txBody>
+                      <a:tcPr marL="9525" marR="9525" marT="9525" marB="0" anchor="ctr">
+                        <a:lnL>
+                          <a:noFill/>
+                        </a:lnL>
+                        <a:lnR>
+                          <a:noFill/>
+                        </a:lnR>
+                        <a:lnT w="12700" cap="flat" cmpd="sng" algn="ctr">
+                          <a:solidFill>
+                            <a:schemeClr val="tx1"/>
+                          </a:solidFill>
+                          <a:prstDash val="solid"/>
+                          <a:round/>
+                          <a:headEnd type="none" w="med" len="med"/>
+                          <a:tailEnd type="none" w="med" len="med"/>
+                        </a:lnT>
+                        <a:lnB w="28575" cap="flat" cmpd="sng" algn="ctr">
+                          <a:solidFill>
+                            <a:schemeClr val="tx1"/>
+                          </a:solidFill>
+                          <a:prstDash val="solid"/>
+                          <a:round/>
+                          <a:headEnd type="none" w="med" len="med"/>
+                          <a:tailEnd type="none" w="med" len="med"/>
+                        </a:lnB>
+                      </a:tcPr>
+                    </a:tc>
+                    <a:tc>
+                      <a:txBody>
+                        <a:bodyPr/>
+                        <a:lstStyle/>
+                        <a:p>
+                          <a:pPr algn="ctr" fontAlgn="ctr"/>
+                          <a:r>
+                            <a:rPr lang="en-US" altLang="ko-KR" sz="1200" b="0" i="0" u="none" strike="noStrike" dirty="0">
+                              <a:solidFill>
+                                <a:srgbClr val="000000"/>
+                              </a:solidFill>
+                              <a:effectLst/>
+                              <a:latin typeface="Times New Roman" panose="02020603050405020304" pitchFamily="18" charset="0"/>
+                              <a:cs typeface="Times New Roman" panose="02020603050405020304" pitchFamily="18" charset="0"/>
+                            </a:rPr>
+                            <a:t>0.1</a:t>
+                          </a:r>
+                        </a:p>
+                      </a:txBody>
+                      <a:tcPr marL="9525" marR="9525" marT="9525" marB="0" anchor="ctr">
+                        <a:lnL>
+                          <a:noFill/>
+                        </a:lnL>
+                        <a:lnR>
+                          <a:noFill/>
+                        </a:lnR>
+                        <a:lnT>
+                          <a:noFill/>
+                        </a:lnT>
+                        <a:lnB w="28575" cap="flat" cmpd="sng" algn="ctr">
+                          <a:solidFill>
+                            <a:schemeClr val="tx1"/>
+                          </a:solidFill>
+                          <a:prstDash val="solid"/>
+                          <a:round/>
+                          <a:headEnd type="none" w="med" len="med"/>
+                          <a:tailEnd type="none" w="med" len="med"/>
+                        </a:lnB>
+                      </a:tcPr>
+                    </a:tc>
+                    <a:tc>
+                      <a:txBody>
+                        <a:bodyPr/>
+                        <a:lstStyle/>
+                        <a:p>
+                          <a:pPr algn="ctr" fontAlgn="ctr"/>
+                          <a:r>
+                            <a:rPr lang="en-US" altLang="ko-KR" sz="1200" b="0" i="0" u="none" strike="noStrike" dirty="0">
+                              <a:solidFill>
+                                <a:srgbClr val="000000"/>
+                              </a:solidFill>
+                              <a:effectLst/>
+                              <a:latin typeface="Times New Roman" panose="02020603050405020304" pitchFamily="18" charset="0"/>
+                              <a:cs typeface="Times New Roman" panose="02020603050405020304" pitchFamily="18" charset="0"/>
+                            </a:rPr>
+                            <a:t>0.6640</a:t>
+                          </a:r>
+                        </a:p>
+                      </a:txBody>
+                      <a:tcPr marL="9525" marR="9525" marT="9525" marB="0" anchor="ctr">
+                        <a:lnL>
+                          <a:noFill/>
+                        </a:lnL>
+                        <a:lnR>
+                          <a:noFill/>
+                        </a:lnR>
+                        <a:lnT>
+                          <a:noFill/>
+                        </a:lnT>
+                        <a:lnB w="28575" cap="flat" cmpd="sng" algn="ctr">
+                          <a:solidFill>
+                            <a:schemeClr val="tx1"/>
+                          </a:solidFill>
+                          <a:prstDash val="solid"/>
+                          <a:round/>
+                          <a:headEnd type="none" w="med" len="med"/>
+                          <a:tailEnd type="none" w="med" len="med"/>
+                        </a:lnB>
+                      </a:tcPr>
+                    </a:tc>
+                    <a:tc>
+                      <a:txBody>
+                        <a:bodyPr/>
+                        <a:lstStyle/>
+                        <a:p>
+                          <a:pPr algn="ctr" fontAlgn="ctr"/>
+                          <a:r>
+                            <a:rPr lang="en-US" altLang="ko-KR" sz="1200" b="0" i="0" u="none" strike="noStrike" dirty="0">
+                              <a:solidFill>
+                                <a:srgbClr val="000000"/>
+                              </a:solidFill>
+                              <a:effectLst/>
+                              <a:latin typeface="Times New Roman" panose="02020603050405020304" pitchFamily="18" charset="0"/>
+                              <a:cs typeface="Times New Roman" panose="02020603050405020304" pitchFamily="18" charset="0"/>
+                            </a:rPr>
+                            <a:t>0.7180</a:t>
+                          </a:r>
+                        </a:p>
+                      </a:txBody>
+                      <a:tcPr marL="9525" marR="9525" marT="9525" marB="0" anchor="ctr">
+                        <a:lnL>
+                          <a:noFill/>
+                        </a:lnL>
+                        <a:lnR>
+                          <a:noFill/>
+                        </a:lnR>
+                        <a:lnT>
+                          <a:noFill/>
+                        </a:lnT>
+                        <a:lnB w="28575" cap="flat" cmpd="sng" algn="ctr">
+                          <a:solidFill>
+                            <a:schemeClr val="tx1"/>
+                          </a:solidFill>
+                          <a:prstDash val="solid"/>
+                          <a:round/>
+                          <a:headEnd type="none" w="med" len="med"/>
+                          <a:tailEnd type="none" w="med" len="med"/>
+                        </a:lnB>
+                      </a:tcPr>
+                    </a:tc>
+                  </a:tr>
+                </a:tbl>
+              </a:graphicData>
+            </a:graphic>
+          </p:graphicFrame>
+        </mc:Choice>
+        <mc:Fallback>
+          <p:graphicFrame>
+            <p:nvGraphicFramePr>
+              <p:cNvPr id="4" name="표 3"/>
+              <p:cNvGraphicFramePr>
+                <a:graphicFrameLocks noGrp="1"/>
+              </p:cNvGraphicFramePr>
+              <p:nvPr>
+                <p:extLst>
+                  <p:ext uri="{D42A27DB-BD31-4B8C-83A1-F6EECF244321}">
+                    <p14:modId xmlns:p14="http://schemas.microsoft.com/office/powerpoint/2010/main" val="2812681015"/>
+                  </p:ext>
+                </p:extLst>
+              </p:nvPr>
+            </p:nvGraphicFramePr>
+            <p:xfrm>
+              <a:off x="1979712" y="1412776"/>
+              <a:ext cx="3967200" cy="2933700"/>
+            </p:xfrm>
+            <a:graphic>
+              <a:graphicData uri="http://schemas.openxmlformats.org/drawingml/2006/table">
+                <a:tbl>
+                  <a:tblPr/>
+                  <a:tblGrid>
+                    <a:gridCol w="864000"/>
+                    <a:gridCol w="864000"/>
+                    <a:gridCol w="864000"/>
+                    <a:gridCol w="687600"/>
+                    <a:gridCol w="687600"/>
+                  </a:tblGrid>
+                  <a:tr h="209550">
+                    <a:tc rowSpan="2">
+                      <a:txBody>
+                        <a:bodyPr/>
+                        <a:lstStyle/>
+                        <a:p>
+                          <a:endParaRPr lang="ko-KR"/>
+                        </a:p>
+                      </a:txBody>
+                      <a:tcPr marL="9525" marR="9525" marT="9525" marB="0" anchor="ctr">
+                        <a:lnL>
+                          <a:noFill/>
+                        </a:lnL>
+                        <a:lnR>
+                          <a:noFill/>
+                        </a:lnR>
+                        <a:lnT w="28575" cap="flat" cmpd="sng" algn="ctr">
+                          <a:solidFill>
+                            <a:schemeClr val="tx1"/>
+                          </a:solidFill>
+                          <a:prstDash val="solid"/>
+                          <a:round/>
+                          <a:headEnd type="none" w="med" len="med"/>
+                          <a:tailEnd type="none" w="med" len="med"/>
+                        </a:lnT>
+                        <a:lnB w="12700" cap="flat" cmpd="sng" algn="ctr">
+                          <a:solidFill>
+                            <a:schemeClr val="tx1"/>
+                          </a:solidFill>
+                          <a:prstDash val="solid"/>
+                          <a:round/>
+                          <a:headEnd type="none" w="med" len="med"/>
+                          <a:tailEnd type="none" w="med" len="med"/>
+                        </a:lnB>
+                        <a:blipFill rotWithShape="1">
+                          <a:blip r:embed="rId2"/>
+                          <a:stretch>
+                            <a:fillRect l="-704" t="-8696" r="-358451" b="-615942"/>
+                          </a:stretch>
+                        </a:blipFill>
+                      </a:tcPr>
+                    </a:tc>
+                    <a:tc rowSpan="2">
+                      <a:txBody>
+                        <a:bodyPr/>
+                        <a:lstStyle/>
+                        <a:p>
+                          <a:pPr algn="ctr" fontAlgn="ctr"/>
+                          <a:r>
+                            <a:rPr lang="en-US" sz="1200" b="0" i="0" u="none" strike="noStrike" dirty="0" smtClean="0">
+                              <a:solidFill>
+                                <a:srgbClr val="000000"/>
+                              </a:solidFill>
+                              <a:effectLst/>
+                              <a:latin typeface="Times New Roman" panose="02020603050405020304" pitchFamily="18" charset="0"/>
+                              <a:cs typeface="Times New Roman" panose="02020603050405020304" pitchFamily="18" charset="0"/>
+                            </a:rPr>
+                            <a:t>Heritability</a:t>
+                          </a:r>
+                          <a:endParaRPr lang="en-US" sz="1200" b="0" i="0" u="none" strike="noStrike" dirty="0">
+                            <a:solidFill>
+                              <a:srgbClr val="000000"/>
+                            </a:solidFill>
+                            <a:effectLst/>
+                            <a:latin typeface="Times New Roman" panose="02020603050405020304" pitchFamily="18" charset="0"/>
+                            <a:cs typeface="Times New Roman" panose="02020603050405020304" pitchFamily="18" charset="0"/>
+                          </a:endParaRPr>
+                        </a:p>
+                      </a:txBody>
+                      <a:tcPr marL="9525" marR="9525" marT="9525" marB="0" anchor="ctr">
+                        <a:lnL>
+                          <a:noFill/>
+                        </a:lnL>
+                        <a:lnR>
+                          <a:noFill/>
+                        </a:lnR>
+                        <a:lnT w="28575" cap="flat" cmpd="sng" algn="ctr">
+                          <a:solidFill>
+                            <a:schemeClr val="tx1"/>
+                          </a:solidFill>
+                          <a:prstDash val="solid"/>
+                          <a:round/>
+                          <a:headEnd type="none" w="med" len="med"/>
+                          <a:tailEnd type="none" w="med" len="med"/>
+                        </a:lnT>
+                        <a:lnB w="12700" cap="flat" cmpd="sng" algn="ctr">
+                          <a:solidFill>
+                            <a:schemeClr val="tx1"/>
+                          </a:solidFill>
+                          <a:prstDash val="solid"/>
+                          <a:round/>
+                          <a:headEnd type="none" w="med" len="med"/>
+                          <a:tailEnd type="none" w="med" len="med"/>
+                        </a:lnB>
+                      </a:tcPr>
+                    </a:tc>
+                    <a:tc rowSpan="2">
+                      <a:txBody>
+                        <a:bodyPr/>
+                        <a:lstStyle/>
+                        <a:p>
+                          <a:pPr algn="ctr" fontAlgn="ctr"/>
+                          <a:r>
+                            <a:rPr lang="en-US" sz="1200" b="0" i="0" u="none" strike="noStrike" dirty="0" smtClean="0">
+                              <a:solidFill>
+                                <a:srgbClr val="000000"/>
+                              </a:solidFill>
+                              <a:effectLst/>
+                              <a:latin typeface="Times New Roman" panose="02020603050405020304" pitchFamily="18" charset="0"/>
+                              <a:cs typeface="Times New Roman" panose="02020603050405020304" pitchFamily="18" charset="0"/>
+                            </a:rPr>
+                            <a:t>Significance</a:t>
+                          </a:r>
+                          <a:br>
+                            <a:rPr lang="en-US" sz="1200" b="0" i="0" u="none" strike="noStrike" dirty="0" smtClean="0">
+                              <a:solidFill>
+                                <a:srgbClr val="000000"/>
+                              </a:solidFill>
+                              <a:effectLst/>
+                              <a:latin typeface="Times New Roman" panose="02020603050405020304" pitchFamily="18" charset="0"/>
+                              <a:cs typeface="Times New Roman" panose="02020603050405020304" pitchFamily="18" charset="0"/>
+                            </a:rPr>
+                          </a:br>
+                          <a:r>
+                            <a:rPr lang="en-US" sz="1200" b="0" i="0" u="none" strike="noStrike" dirty="0" smtClean="0">
+                              <a:solidFill>
+                                <a:srgbClr val="000000"/>
+                              </a:solidFill>
+                              <a:effectLst/>
+                              <a:latin typeface="Times New Roman" panose="02020603050405020304" pitchFamily="18" charset="0"/>
+                              <a:cs typeface="Times New Roman" panose="02020603050405020304" pitchFamily="18" charset="0"/>
+                            </a:rPr>
+                            <a:t>level</a:t>
+                          </a:r>
+                          <a:endParaRPr lang="en-US" sz="1200" b="0" i="0" u="none" strike="noStrike" dirty="0">
+                            <a:solidFill>
+                              <a:srgbClr val="000000"/>
+                            </a:solidFill>
+                            <a:effectLst/>
+                            <a:latin typeface="Times New Roman" panose="02020603050405020304" pitchFamily="18" charset="0"/>
+                            <a:cs typeface="Times New Roman" panose="02020603050405020304" pitchFamily="18" charset="0"/>
+                          </a:endParaRPr>
+                        </a:p>
+                      </a:txBody>
+                      <a:tcPr marL="9525" marR="9525" marT="9525" marB="0" anchor="ctr">
+                        <a:lnL>
+                          <a:noFill/>
+                        </a:lnL>
+                        <a:lnR>
+                          <a:noFill/>
+                        </a:lnR>
+                        <a:lnT w="28575" cap="flat" cmpd="sng" algn="ctr">
+                          <a:solidFill>
+                            <a:schemeClr val="tx1"/>
+                          </a:solidFill>
+                          <a:prstDash val="solid"/>
+                          <a:round/>
+                          <a:headEnd type="none" w="med" len="med"/>
+                          <a:tailEnd type="none" w="med" len="med"/>
+                        </a:lnT>
+                        <a:lnB w="12700" cap="flat" cmpd="sng" algn="ctr">
+                          <a:solidFill>
+                            <a:schemeClr val="tx1"/>
+                          </a:solidFill>
+                          <a:prstDash val="solid"/>
+                          <a:round/>
+                          <a:headEnd type="none" w="med" len="med"/>
+                          <a:tailEnd type="none" w="med" len="med"/>
+                        </a:lnB>
+                      </a:tcPr>
+                    </a:tc>
+                    <a:tc gridSpan="2">
+                      <a:txBody>
+                        <a:bodyPr/>
+                        <a:lstStyle/>
+                        <a:p>
+                          <a:pPr algn="ctr" fontAlgn="ctr"/>
+                          <a:r>
+                            <a:rPr lang="en-US" sz="1200" b="0" i="0" u="none" strike="noStrike" dirty="0" smtClean="0">
+                              <a:solidFill>
+                                <a:srgbClr val="000000"/>
+                              </a:solidFill>
+                              <a:effectLst/>
+                              <a:latin typeface="Times New Roman" panose="02020603050405020304" pitchFamily="18" charset="0"/>
+                              <a:cs typeface="Times New Roman" panose="02020603050405020304" pitchFamily="18" charset="0"/>
+                            </a:rPr>
+                            <a:t>Prevalence</a:t>
+                          </a:r>
+                          <a:endParaRPr lang="en-US" sz="1200" b="0" i="0" u="none" strike="noStrike" dirty="0">
+                            <a:solidFill>
+                              <a:srgbClr val="000000"/>
+                            </a:solidFill>
+                            <a:effectLst/>
+                            <a:latin typeface="Times New Roman" panose="02020603050405020304" pitchFamily="18" charset="0"/>
+                            <a:cs typeface="Times New Roman" panose="02020603050405020304" pitchFamily="18" charset="0"/>
+                          </a:endParaRPr>
+                        </a:p>
+                      </a:txBody>
+                      <a:tcPr marL="9525" marR="9525" marT="9525" marB="0" anchor="ctr">
+                        <a:lnL>
+                          <a:noFill/>
+                        </a:lnL>
+                        <a:lnR>
+                          <a:noFill/>
+                        </a:lnR>
+                        <a:lnT w="28575" cap="flat" cmpd="sng" algn="ctr">
+                          <a:solidFill>
+                            <a:schemeClr val="tx1"/>
+                          </a:solidFill>
+                          <a:prstDash val="solid"/>
+                          <a:round/>
+                          <a:headEnd type="none" w="med" len="med"/>
+                          <a:tailEnd type="none" w="med" len="med"/>
+                        </a:lnT>
+                        <a:lnB w="12700" cap="flat" cmpd="sng" algn="ctr">
+                          <a:solidFill>
+                            <a:schemeClr val="tx1"/>
+                          </a:solidFill>
+                          <a:prstDash val="solid"/>
+                          <a:round/>
+                          <a:headEnd type="none" w="med" len="med"/>
+                          <a:tailEnd type="none" w="med" len="med"/>
+                        </a:lnB>
+                      </a:tcPr>
+                    </a:tc>
+                    <a:tc hMerge="1">
+                      <a:txBody>
+                        <a:bodyPr/>
+                        <a:lstStyle/>
+                        <a:p>
+                          <a:pPr algn="l" fontAlgn="ctr"/>
+                          <a:endParaRPr lang="en-US" sz="1100" b="0" i="0" u="none" strike="noStrike" dirty="0">
+                            <a:solidFill>
+                              <a:srgbClr val="000000"/>
+                            </a:solidFill>
+                            <a:effectLst/>
+                            <a:latin typeface="맑은 고딕"/>
+                          </a:endParaRPr>
+                        </a:p>
+                      </a:txBody>
+                      <a:tcPr marL="9525" marR="9525" marT="9525" marB="0" anchor="ctr">
+                        <a:lnL>
+                          <a:noFill/>
+                        </a:lnL>
+                        <a:lnR>
+                          <a:noFill/>
+                        </a:lnR>
+                        <a:lnT>
+                          <a:noFill/>
+                        </a:lnT>
+                        <a:lnB>
+                          <a:noFill/>
+                        </a:lnB>
+                      </a:tcPr>
+                    </a:tc>
+                  </a:tr>
+                  <a:tr h="209550">
+                    <a:tc vMerge="1">
+                      <a:txBody>
+                        <a:bodyPr/>
+                        <a:lstStyle/>
+                        <a:p>
+                          <a:pPr latinLnBrk="1"/>
+                          <a:endParaRPr lang="ko-KR" altLang="en-US"/>
+                        </a:p>
+                      </a:txBody>
+                      <a:tcPr/>
+                    </a:tc>
+                    <a:tc vMerge="1">
+                      <a:txBody>
+                        <a:bodyPr/>
+                        <a:lstStyle/>
+                        <a:p>
+                          <a:pPr latinLnBrk="1"/>
+                          <a:endParaRPr lang="ko-KR" altLang="en-US"/>
+                        </a:p>
+                      </a:txBody>
+                      <a:tcPr/>
+                    </a:tc>
+                    <a:tc vMerge="1">
+                      <a:txBody>
+                        <a:bodyPr/>
+                        <a:lstStyle/>
+                        <a:p>
+                          <a:pPr algn="l" fontAlgn="ctr"/>
+                          <a:endParaRPr lang="en-US" sz="1100" b="0" i="0" u="none" strike="noStrike" dirty="0">
+                            <a:solidFill>
+                              <a:srgbClr val="000000"/>
+                            </a:solidFill>
+                            <a:effectLst/>
+                            <a:latin typeface="맑은 고딕"/>
+                          </a:endParaRPr>
+                        </a:p>
+                      </a:txBody>
+                      <a:tcPr marL="9525" marR="9525" marT="9525" marB="0" anchor="ctr">
+                        <a:lnL>
+                          <a:noFill/>
+                        </a:lnL>
+                        <a:lnR>
+                          <a:noFill/>
+                        </a:lnR>
+                        <a:lnT>
+                          <a:noFill/>
+                        </a:lnT>
+                        <a:lnB>
+                          <a:noFill/>
+                        </a:lnB>
+                      </a:tcPr>
+                    </a:tc>
+                    <a:tc>
+                      <a:txBody>
+                        <a:bodyPr/>
+                        <a:lstStyle/>
+                        <a:p>
+                          <a:pPr algn="ctr" fontAlgn="ctr"/>
+                          <a:r>
+                            <a:rPr lang="en-US" sz="1200" b="0" i="0" u="none" strike="noStrike" dirty="0" smtClean="0">
+                              <a:solidFill>
+                                <a:srgbClr val="000000"/>
+                              </a:solidFill>
+                              <a:effectLst/>
+                              <a:latin typeface="Times New Roman" panose="02020603050405020304" pitchFamily="18" charset="0"/>
+                              <a:cs typeface="Times New Roman" panose="02020603050405020304" pitchFamily="18" charset="0"/>
+                            </a:rPr>
+                            <a:t>0.1</a:t>
+                          </a:r>
+                          <a:endParaRPr lang="en-US" sz="1200" b="0" i="0" u="none" strike="noStrike" dirty="0">
+                            <a:solidFill>
+                              <a:srgbClr val="000000"/>
+                            </a:solidFill>
+                            <a:effectLst/>
+                            <a:latin typeface="Times New Roman" panose="02020603050405020304" pitchFamily="18" charset="0"/>
+                            <a:cs typeface="Times New Roman" panose="02020603050405020304" pitchFamily="18" charset="0"/>
+                          </a:endParaRPr>
+                        </a:p>
+                      </a:txBody>
+                      <a:tcPr marL="9525" marR="9525" marT="9525" marB="0" anchor="ctr">
+                        <a:lnL>
+                          <a:noFill/>
+                        </a:lnL>
+                        <a:lnR>
+                          <a:noFill/>
+                        </a:lnR>
+                        <a:lnT w="12700" cap="flat" cmpd="sng" algn="ctr">
+                          <a:solidFill>
+                            <a:schemeClr val="tx1"/>
+                          </a:solidFill>
+                          <a:prstDash val="solid"/>
+                          <a:round/>
+                          <a:headEnd type="none" w="med" len="med"/>
+                          <a:tailEnd type="none" w="med" len="med"/>
+                        </a:lnT>
+                        <a:lnB w="12700" cap="flat" cmpd="sng" algn="ctr">
+                          <a:solidFill>
+                            <a:schemeClr val="tx1"/>
+                          </a:solidFill>
+                          <a:prstDash val="solid"/>
+                          <a:round/>
+                          <a:headEnd type="none" w="med" len="med"/>
+                          <a:tailEnd type="none" w="med" len="med"/>
+                        </a:lnB>
+                      </a:tcPr>
+                    </a:tc>
+                    <a:tc>
+                      <a:txBody>
+                        <a:bodyPr/>
+                        <a:lstStyle/>
+                        <a:p>
+                          <a:pPr algn="ctr" fontAlgn="ctr"/>
+                          <a:r>
+                            <a:rPr lang="en-US" sz="1200" b="0" i="0" u="none" strike="noStrike" dirty="0" smtClean="0">
+                              <a:solidFill>
+                                <a:srgbClr val="000000"/>
+                              </a:solidFill>
+                              <a:effectLst/>
+                              <a:latin typeface="Times New Roman" panose="02020603050405020304" pitchFamily="18" charset="0"/>
+                              <a:cs typeface="Times New Roman" panose="02020603050405020304" pitchFamily="18" charset="0"/>
+                            </a:rPr>
+                            <a:t>0.2</a:t>
+                          </a:r>
+                          <a:endParaRPr lang="en-US" sz="1200" b="0" i="0" u="none" strike="noStrike" dirty="0">
+                            <a:solidFill>
+                              <a:srgbClr val="000000"/>
+                            </a:solidFill>
+                            <a:effectLst/>
+                            <a:latin typeface="Times New Roman" panose="02020603050405020304" pitchFamily="18" charset="0"/>
+                            <a:cs typeface="Times New Roman" panose="02020603050405020304" pitchFamily="18" charset="0"/>
+                          </a:endParaRPr>
+                        </a:p>
+                      </a:txBody>
+                      <a:tcPr marL="9525" marR="9525" marT="9525" marB="0" anchor="ctr">
+                        <a:lnL>
+                          <a:noFill/>
+                        </a:lnL>
+                        <a:lnR>
+                          <a:noFill/>
+                        </a:lnR>
+                        <a:lnT w="12700" cap="flat" cmpd="sng" algn="ctr">
+                          <a:solidFill>
+                            <a:schemeClr val="tx1"/>
+                          </a:solidFill>
+                          <a:prstDash val="solid"/>
+                          <a:round/>
+                          <a:headEnd type="none" w="med" len="med"/>
+                          <a:tailEnd type="none" w="med" len="med"/>
+                        </a:lnT>
+                        <a:lnB w="12700" cap="flat" cmpd="sng" algn="ctr">
+                          <a:solidFill>
+                            <a:schemeClr val="tx1"/>
+                          </a:solidFill>
+                          <a:prstDash val="solid"/>
+                          <a:round/>
+                          <a:headEnd type="none" w="med" len="med"/>
+                          <a:tailEnd type="none" w="med" len="med"/>
+                        </a:lnB>
+                      </a:tcPr>
+                    </a:tc>
+                  </a:tr>
+                  <a:tr h="209550">
+                    <a:tc rowSpan="6">
+                      <a:txBody>
+                        <a:bodyPr/>
+                        <a:lstStyle/>
+                        <a:p>
+                          <a:pPr algn="ctr" fontAlgn="ctr"/>
+                          <a:r>
+                            <a:rPr lang="en-US" altLang="ko-KR" sz="1200" b="0" i="0" u="none" strike="noStrike" dirty="0" smtClean="0">
+                              <a:solidFill>
+                                <a:srgbClr val="000000"/>
+                              </a:solidFill>
+                              <a:effectLst/>
+                              <a:latin typeface="Times New Roman" panose="02020603050405020304" pitchFamily="18" charset="0"/>
+                              <a:cs typeface="Times New Roman" panose="02020603050405020304" pitchFamily="18" charset="0"/>
+                            </a:rPr>
+                            <a:t>0</a:t>
+                          </a:r>
+                          <a:endParaRPr lang="en-US" altLang="ko-KR" sz="1200" b="0" i="0" u="none" strike="noStrike" dirty="0">
+                            <a:solidFill>
+                              <a:srgbClr val="000000"/>
+                            </a:solidFill>
+                            <a:effectLst/>
+                            <a:latin typeface="Times New Roman" panose="02020603050405020304" pitchFamily="18" charset="0"/>
+                            <a:cs typeface="Times New Roman" panose="02020603050405020304" pitchFamily="18" charset="0"/>
+                          </a:endParaRPr>
+                        </a:p>
+                      </a:txBody>
+                      <a:tcPr marL="9525" marR="9525" marT="9525" marB="0" anchor="ctr">
+                        <a:lnL>
+                          <a:noFill/>
+                        </a:lnL>
+                        <a:lnR>
+                          <a:noFill/>
+                        </a:lnR>
+                        <a:lnT w="12700" cap="flat" cmpd="sng" algn="ctr">
+                          <a:solidFill>
+                            <a:schemeClr val="tx1"/>
+                          </a:solidFill>
+                          <a:prstDash val="solid"/>
+                          <a:round/>
+                          <a:headEnd type="none" w="med" len="med"/>
+                          <a:tailEnd type="none" w="med" len="med"/>
+                        </a:lnT>
+                        <a:lnB w="12700" cap="flat" cmpd="sng" algn="ctr">
+                          <a:solidFill>
+                            <a:schemeClr val="tx1"/>
+                          </a:solidFill>
+                          <a:prstDash val="solid"/>
+                          <a:round/>
+                          <a:headEnd type="none" w="med" len="med"/>
+                          <a:tailEnd type="none" w="med" len="med"/>
+                        </a:lnB>
+                      </a:tcPr>
+                    </a:tc>
+                    <a:tc rowSpan="3">
+                      <a:txBody>
+                        <a:bodyPr/>
+                        <a:lstStyle/>
+                        <a:p>
+                          <a:pPr algn="ctr" fontAlgn="ctr"/>
+                          <a:r>
+                            <a:rPr lang="en-US" altLang="ko-KR" sz="1200" b="0" i="0" u="none" strike="noStrike" dirty="0" smtClean="0">
+                              <a:solidFill>
+                                <a:srgbClr val="000000"/>
+                              </a:solidFill>
+                              <a:effectLst/>
+                              <a:latin typeface="Times New Roman" panose="02020603050405020304" pitchFamily="18" charset="0"/>
+                              <a:cs typeface="Times New Roman" panose="02020603050405020304" pitchFamily="18" charset="0"/>
+                            </a:rPr>
+                            <a:t>0.2</a:t>
+                          </a:r>
+                          <a:endParaRPr lang="en-US" altLang="ko-KR" sz="1200" b="0" i="0" u="none" strike="noStrike" dirty="0">
+                            <a:solidFill>
+                              <a:srgbClr val="000000"/>
+                            </a:solidFill>
+                            <a:effectLst/>
+                            <a:latin typeface="Times New Roman" panose="02020603050405020304" pitchFamily="18" charset="0"/>
+                            <a:cs typeface="Times New Roman" panose="02020603050405020304" pitchFamily="18" charset="0"/>
+                          </a:endParaRPr>
+                        </a:p>
+                      </a:txBody>
+                      <a:tcPr marL="9525" marR="9525" marT="9525" marB="0" anchor="ctr">
+                        <a:lnL>
+                          <a:noFill/>
+                        </a:lnL>
+                        <a:lnR>
+                          <a:noFill/>
+                        </a:lnR>
+                        <a:lnT w="12700" cap="flat" cmpd="sng" algn="ctr">
+                          <a:solidFill>
+                            <a:schemeClr val="tx1"/>
+                          </a:solidFill>
+                          <a:prstDash val="solid"/>
+                          <a:round/>
+                          <a:headEnd type="none" w="med" len="med"/>
+                          <a:tailEnd type="none" w="med" len="med"/>
+                        </a:lnT>
+                        <a:lnB w="12700" cap="flat" cmpd="sng" algn="ctr">
+                          <a:solidFill>
+                            <a:schemeClr val="tx1"/>
+                          </a:solidFill>
+                          <a:prstDash val="solid"/>
+                          <a:round/>
+                          <a:headEnd type="none" w="med" len="med"/>
+                          <a:tailEnd type="none" w="med" len="med"/>
+                        </a:lnB>
+                      </a:tcPr>
+                    </a:tc>
+                    <a:tc>
+                      <a:txBody>
+                        <a:bodyPr/>
+                        <a:lstStyle/>
+                        <a:p>
+                          <a:pPr algn="ctr" fontAlgn="ctr"/>
+                          <a:r>
+                            <a:rPr lang="en-US" altLang="ko-KR" sz="1200" b="0" i="0" u="none" strike="noStrike" dirty="0">
+                              <a:solidFill>
+                                <a:srgbClr val="000000"/>
+                              </a:solidFill>
+                              <a:effectLst/>
+                              <a:latin typeface="Times New Roman" panose="02020603050405020304" pitchFamily="18" charset="0"/>
+                              <a:cs typeface="Times New Roman" panose="02020603050405020304" pitchFamily="18" charset="0"/>
+                            </a:rPr>
+                            <a:t>0.01</a:t>
+                          </a:r>
+                        </a:p>
+                      </a:txBody>
+                      <a:tcPr marL="9525" marR="9525" marT="9525" marB="0" anchor="ctr">
+                        <a:lnL>
+                          <a:noFill/>
+                        </a:lnL>
+                        <a:lnR>
+                          <a:noFill/>
+                        </a:lnR>
+                        <a:lnT w="12700" cap="flat" cmpd="sng" algn="ctr">
+                          <a:solidFill>
+                            <a:schemeClr val="tx1"/>
+                          </a:solidFill>
+                          <a:prstDash val="solid"/>
+                          <a:round/>
+                          <a:headEnd type="none" w="med" len="med"/>
+                          <a:tailEnd type="none" w="med" len="med"/>
+                        </a:lnT>
+                        <a:lnB>
+                          <a:noFill/>
+                        </a:lnB>
+                      </a:tcPr>
+                    </a:tc>
+                    <a:tc>
+                      <a:txBody>
+                        <a:bodyPr/>
+                        <a:lstStyle/>
+                        <a:p>
+                          <a:pPr algn="l" fontAlgn="ctr"/>
+                          <a:r>
+                            <a:rPr lang="en-US" altLang="ko-KR" sz="1100" b="0" i="0" u="none" strike="noStrike" dirty="0">
+                              <a:solidFill>
+                                <a:srgbClr val="000000"/>
+                              </a:solidFill>
+                              <a:effectLst/>
+                              <a:latin typeface="Times New Roman" panose="02020603050405020304" pitchFamily="18" charset="0"/>
+                              <a:cs typeface="Times New Roman" panose="02020603050405020304" pitchFamily="18" charset="0"/>
+                            </a:rPr>
+                            <a:t>0.0155</a:t>
+                          </a:r>
+                        </a:p>
+                      </a:txBody>
+                      <a:tcPr marL="142875" marR="9525" marT="9525" marB="0" anchor="ctr">
+                        <a:lnL>
+                          <a:noFill/>
+                        </a:lnL>
+                        <a:lnR>
+                          <a:noFill/>
+                        </a:lnR>
+                        <a:lnT w="12700" cap="flat" cmpd="sng" algn="ctr">
+                          <a:solidFill>
+                            <a:schemeClr val="tx1"/>
+                          </a:solidFill>
+                          <a:prstDash val="solid"/>
+                          <a:round/>
+                          <a:headEnd type="none" w="med" len="med"/>
+                          <a:tailEnd type="none" w="med" len="med"/>
+                        </a:lnT>
+                        <a:lnB>
+                          <a:noFill/>
+                        </a:lnB>
+                      </a:tcPr>
+                    </a:tc>
+                    <a:tc>
+                      <a:txBody>
+                        <a:bodyPr/>
+                        <a:lstStyle/>
+                        <a:p>
+                          <a:pPr algn="l" fontAlgn="ctr"/>
+                          <a:r>
+                            <a:rPr lang="en-US" altLang="ko-KR" sz="1100" b="0" i="0" u="none" strike="noStrike" dirty="0">
+                              <a:solidFill>
+                                <a:srgbClr val="000000"/>
+                              </a:solidFill>
+                              <a:effectLst/>
+                              <a:latin typeface="Times New Roman" panose="02020603050405020304" pitchFamily="18" charset="0"/>
+                              <a:cs typeface="Times New Roman" panose="02020603050405020304" pitchFamily="18" charset="0"/>
+                            </a:rPr>
+                            <a:t>0.0120</a:t>
+                          </a:r>
+                        </a:p>
+                      </a:txBody>
+                      <a:tcPr marL="142875" marR="9525" marT="9525" marB="0" anchor="ctr">
+                        <a:lnL>
+                          <a:noFill/>
+                        </a:lnL>
+                        <a:lnR>
+                          <a:noFill/>
+                        </a:lnR>
+                        <a:lnT w="12700" cap="flat" cmpd="sng" algn="ctr">
+                          <a:solidFill>
+                            <a:schemeClr val="tx1"/>
+                          </a:solidFill>
+                          <a:prstDash val="solid"/>
+                          <a:round/>
+                          <a:headEnd type="none" w="med" len="med"/>
+                          <a:tailEnd type="none" w="med" len="med"/>
+                        </a:lnT>
+                        <a:lnB>
+                          <a:noFill/>
+                        </a:lnB>
+                      </a:tcPr>
+                    </a:tc>
+                  </a:tr>
+                  <a:tr h="209550">
+                    <a:tc vMerge="1">
+                      <a:txBody>
+                        <a:bodyPr/>
+                        <a:lstStyle/>
+                        <a:p>
+                          <a:pPr latinLnBrk="1"/>
+                          <a:endParaRPr lang="ko-KR" altLang="en-US"/>
+                        </a:p>
+                      </a:txBody>
+                      <a:tcPr/>
+                    </a:tc>
+                    <a:tc vMerge="1">
+                      <a:txBody>
+                        <a:bodyPr/>
+                        <a:lstStyle/>
+                        <a:p>
+                          <a:pPr algn="ctr" fontAlgn="ctr"/>
+                          <a:endParaRPr lang="en-US" altLang="ko-KR" sz="1200" b="0" i="0" u="none" strike="noStrike" dirty="0">
+                            <a:solidFill>
+                              <a:srgbClr val="000000"/>
+                            </a:solidFill>
+                            <a:effectLst/>
+                            <a:latin typeface="Times New Roman" panose="02020603050405020304" pitchFamily="18" charset="0"/>
+                            <a:cs typeface="Times New Roman" panose="02020603050405020304" pitchFamily="18" charset="0"/>
+                          </a:endParaRPr>
+                        </a:p>
+                      </a:txBody>
+                      <a:tcPr marL="9525" marR="9525" marT="9525" marB="0" anchor="ctr">
+                        <a:lnL>
+                          <a:noFill/>
+                        </a:lnL>
+                        <a:lnR>
+                          <a:noFill/>
+                        </a:lnR>
+                        <a:lnT>
+                          <a:noFill/>
+                        </a:lnT>
+                        <a:lnB>
+                          <a:noFill/>
+                        </a:lnB>
+                      </a:tcPr>
+                    </a:tc>
+                    <a:tc>
+                      <a:txBody>
+                        <a:bodyPr/>
+                        <a:lstStyle/>
+                        <a:p>
+                          <a:pPr algn="ctr" fontAlgn="ctr"/>
+                          <a:r>
+                            <a:rPr lang="en-US" altLang="ko-KR" sz="1200" b="0" i="0" u="none" strike="noStrike" dirty="0">
+                              <a:solidFill>
+                                <a:srgbClr val="000000"/>
+                              </a:solidFill>
+                              <a:effectLst/>
+                              <a:latin typeface="Times New Roman" panose="02020603050405020304" pitchFamily="18" charset="0"/>
+                              <a:cs typeface="Times New Roman" panose="02020603050405020304" pitchFamily="18" charset="0"/>
+                            </a:rPr>
+                            <a:t>0.05</a:t>
+                          </a:r>
+                        </a:p>
+                      </a:txBody>
+                      <a:tcPr marL="9525" marR="9525" marT="9525" marB="0" anchor="ctr">
+                        <a:lnL>
+                          <a:noFill/>
+                        </a:lnL>
+                        <a:lnR>
+                          <a:noFill/>
+                        </a:lnR>
+                        <a:lnT>
+                          <a:noFill/>
+                        </a:lnT>
+                        <a:lnB>
+                          <a:noFill/>
+                        </a:lnB>
+                      </a:tcPr>
+                    </a:tc>
+                    <a:tc>
+                      <a:txBody>
+                        <a:bodyPr/>
+                        <a:lstStyle/>
+                        <a:p>
+                          <a:pPr algn="l" fontAlgn="ctr"/>
+                          <a:r>
+                            <a:rPr lang="en-US" altLang="ko-KR" sz="1100" b="0" i="0" u="none" strike="noStrike">
+                              <a:solidFill>
+                                <a:srgbClr val="000000"/>
+                              </a:solidFill>
+                              <a:effectLst/>
+                              <a:latin typeface="Times New Roman" panose="02020603050405020304" pitchFamily="18" charset="0"/>
+                              <a:cs typeface="Times New Roman" panose="02020603050405020304" pitchFamily="18" charset="0"/>
+                            </a:rPr>
+                            <a:t>0.0661</a:t>
+                          </a:r>
+                        </a:p>
+                      </a:txBody>
+                      <a:tcPr marL="142875" marR="9525" marT="9525" marB="0" anchor="ctr">
+                        <a:lnL>
+                          <a:noFill/>
+                        </a:lnL>
+                        <a:lnR>
+                          <a:noFill/>
+                        </a:lnR>
+                        <a:lnT>
+                          <a:noFill/>
+                        </a:lnT>
+                        <a:lnB>
+                          <a:noFill/>
+                        </a:lnB>
+                      </a:tcPr>
+                    </a:tc>
+                    <a:tc>
+                      <a:txBody>
+                        <a:bodyPr/>
+                        <a:lstStyle/>
+                        <a:p>
+                          <a:pPr algn="l" fontAlgn="ctr"/>
+                          <a:r>
+                            <a:rPr lang="en-US" altLang="ko-KR" sz="1100" b="0" i="0" u="none" strike="noStrike" dirty="0">
+                              <a:solidFill>
+                                <a:srgbClr val="000000"/>
+                              </a:solidFill>
+                              <a:effectLst/>
+                              <a:latin typeface="Times New Roman" panose="02020603050405020304" pitchFamily="18" charset="0"/>
+                              <a:cs typeface="Times New Roman" panose="02020603050405020304" pitchFamily="18" charset="0"/>
+                            </a:rPr>
+                            <a:t>0.0560</a:t>
+                          </a:r>
+                        </a:p>
+                      </a:txBody>
+                      <a:tcPr marL="142875" marR="9525" marT="9525" marB="0" anchor="ctr">
+                        <a:lnL>
+                          <a:noFill/>
+                        </a:lnL>
+                        <a:lnR>
+                          <a:noFill/>
+                        </a:lnR>
+                        <a:lnT>
+                          <a:noFill/>
+                        </a:lnT>
+                        <a:lnB>
+                          <a:noFill/>
+                        </a:lnB>
+                      </a:tcPr>
+                    </a:tc>
+                  </a:tr>
+                  <a:tr h="209550">
+                    <a:tc vMerge="1">
+                      <a:txBody>
+                        <a:bodyPr/>
+                        <a:lstStyle/>
+                        <a:p>
+                          <a:pPr latinLnBrk="1"/>
+                          <a:endParaRPr lang="ko-KR" altLang="en-US"/>
+                        </a:p>
+                      </a:txBody>
+                      <a:tcPr/>
+                    </a:tc>
+                    <a:tc vMerge="1">
+                      <a:txBody>
+                        <a:bodyPr/>
+                        <a:lstStyle/>
+                        <a:p>
+                          <a:pPr algn="ctr" fontAlgn="ctr"/>
+                          <a:endParaRPr lang="en-US" altLang="ko-KR" sz="1200" b="0" i="0" u="none" strike="noStrike" dirty="0">
+                            <a:solidFill>
+                              <a:srgbClr val="000000"/>
+                            </a:solidFill>
+                            <a:effectLst/>
+                            <a:latin typeface="Times New Roman" panose="02020603050405020304" pitchFamily="18" charset="0"/>
+                            <a:cs typeface="Times New Roman" panose="02020603050405020304" pitchFamily="18" charset="0"/>
+                          </a:endParaRPr>
+                        </a:p>
+                      </a:txBody>
+                      <a:tcPr marL="9525" marR="9525" marT="9525" marB="0" anchor="ctr">
+                        <a:lnL>
+                          <a:noFill/>
+                        </a:lnL>
+                        <a:lnR>
+                          <a:noFill/>
+                        </a:lnR>
+                        <a:lnT>
+                          <a:noFill/>
+                        </a:lnT>
+                        <a:lnB w="28575" cap="flat" cmpd="sng" algn="ctr">
+                          <a:noFill/>
+                          <a:prstDash val="solid"/>
+                          <a:round/>
+                          <a:headEnd type="none" w="med" len="med"/>
+                          <a:tailEnd type="none" w="med" len="med"/>
+                        </a:lnB>
+                      </a:tcPr>
+                    </a:tc>
+                    <a:tc>
+                      <a:txBody>
+                        <a:bodyPr/>
+                        <a:lstStyle/>
+                        <a:p>
+                          <a:pPr algn="ctr" fontAlgn="ctr"/>
+                          <a:r>
+                            <a:rPr lang="en-US" altLang="ko-KR" sz="1200" b="0" i="0" u="none" strike="noStrike" dirty="0">
+                              <a:solidFill>
+                                <a:srgbClr val="000000"/>
+                              </a:solidFill>
+                              <a:effectLst/>
+                              <a:latin typeface="Times New Roman" panose="02020603050405020304" pitchFamily="18" charset="0"/>
+                              <a:cs typeface="Times New Roman" panose="02020603050405020304" pitchFamily="18" charset="0"/>
+                            </a:rPr>
+                            <a:t>0.1</a:t>
+                          </a:r>
+                        </a:p>
+                      </a:txBody>
+                      <a:tcPr marL="9525" marR="9525" marT="9525" marB="0" anchor="ctr">
+                        <a:lnL>
+                          <a:noFill/>
+                        </a:lnL>
+                        <a:lnR>
+                          <a:noFill/>
+                        </a:lnR>
+                        <a:lnT>
+                          <a:noFill/>
+                        </a:lnT>
+                        <a:lnB w="12700" cap="flat" cmpd="sng" algn="ctr">
+                          <a:solidFill>
+                            <a:schemeClr val="tx1"/>
+                          </a:solidFill>
+                          <a:prstDash val="solid"/>
+                          <a:round/>
+                          <a:headEnd type="none" w="med" len="med"/>
+                          <a:tailEnd type="none" w="med" len="med"/>
+                        </a:lnB>
+                      </a:tcPr>
+                    </a:tc>
+                    <a:tc>
+                      <a:txBody>
+                        <a:bodyPr/>
+                        <a:lstStyle/>
+                        <a:p>
+                          <a:pPr algn="l" fontAlgn="ctr"/>
+                          <a:r>
+                            <a:rPr lang="en-US" altLang="ko-KR" sz="1100" b="0" i="0" u="none" strike="noStrike">
+                              <a:solidFill>
+                                <a:srgbClr val="000000"/>
+                              </a:solidFill>
+                              <a:effectLst/>
+                              <a:latin typeface="Times New Roman" panose="02020603050405020304" pitchFamily="18" charset="0"/>
+                              <a:cs typeface="Times New Roman" panose="02020603050405020304" pitchFamily="18" charset="0"/>
+                            </a:rPr>
+                            <a:t>0.1023</a:t>
+                          </a:r>
+                        </a:p>
+                      </a:txBody>
+                      <a:tcPr marL="142875" marR="9525" marT="9525" marB="0" anchor="ctr">
+                        <a:lnL>
+                          <a:noFill/>
+                        </a:lnL>
+                        <a:lnR>
+                          <a:noFill/>
+                        </a:lnR>
+                        <a:lnT>
+                          <a:noFill/>
+                        </a:lnT>
+                        <a:lnB w="12700" cap="flat" cmpd="sng" algn="ctr">
+                          <a:solidFill>
+                            <a:schemeClr val="tx1"/>
+                          </a:solidFill>
+                          <a:prstDash val="solid"/>
+                          <a:round/>
+                          <a:headEnd type="none" w="med" len="med"/>
+                          <a:tailEnd type="none" w="med" len="med"/>
+                        </a:lnB>
+                      </a:tcPr>
+                    </a:tc>
+                    <a:tc>
+                      <a:txBody>
+                        <a:bodyPr/>
+                        <a:lstStyle/>
+                        <a:p>
+                          <a:pPr algn="l" fontAlgn="ctr"/>
+                          <a:r>
+                            <a:rPr lang="en-US" altLang="ko-KR" sz="1100" b="0" i="0" u="none" strike="noStrike">
+                              <a:solidFill>
+                                <a:srgbClr val="000000"/>
+                              </a:solidFill>
+                              <a:effectLst/>
+                              <a:latin typeface="Times New Roman" panose="02020603050405020304" pitchFamily="18" charset="0"/>
+                              <a:cs typeface="Times New Roman" panose="02020603050405020304" pitchFamily="18" charset="0"/>
+                            </a:rPr>
+                            <a:t>0.0900</a:t>
+                          </a:r>
+                        </a:p>
+                      </a:txBody>
+                      <a:tcPr marL="142875" marR="9525" marT="9525" marB="0" anchor="ctr">
+                        <a:lnL>
+                          <a:noFill/>
+                        </a:lnL>
+                        <a:lnR>
+                          <a:noFill/>
+                        </a:lnR>
+                        <a:lnT>
+                          <a:noFill/>
+                        </a:lnT>
+                        <a:lnB w="12700" cap="flat" cmpd="sng" algn="ctr">
+                          <a:solidFill>
+                            <a:schemeClr val="tx1"/>
+                          </a:solidFill>
+                          <a:prstDash val="solid"/>
+                          <a:round/>
+                          <a:headEnd type="none" w="med" len="med"/>
+                          <a:tailEnd type="none" w="med" len="med"/>
+                        </a:lnB>
+                      </a:tcPr>
+                    </a:tc>
+                  </a:tr>
+                  <a:tr h="209550">
+                    <a:tc vMerge="1">
+                      <a:txBody>
+                        <a:bodyPr/>
+                        <a:lstStyle/>
+                        <a:p>
+                          <a:pPr algn="ctr" fontAlgn="ctr"/>
+                          <a:endParaRPr lang="en-US" altLang="ko-KR" sz="1200" b="0" i="0" u="none" strike="noStrike" dirty="0">
+                            <a:solidFill>
+                              <a:srgbClr val="000000"/>
+                            </a:solidFill>
+                            <a:effectLst/>
+                            <a:latin typeface="Times New Roman" panose="02020603050405020304" pitchFamily="18" charset="0"/>
+                            <a:cs typeface="Times New Roman" panose="02020603050405020304" pitchFamily="18" charset="0"/>
+                          </a:endParaRPr>
+                        </a:p>
+                      </a:txBody>
+                      <a:tcPr marL="9525" marR="9525" marT="9525" marB="0" anchor="ctr">
+                        <a:lnL>
+                          <a:noFill/>
+                        </a:lnL>
+                        <a:lnR>
+                          <a:noFill/>
+                        </a:lnR>
+                        <a:lnT w="12700" cap="flat" cmpd="sng" algn="ctr">
+                          <a:solidFill>
+                            <a:schemeClr val="tx1"/>
+                          </a:solidFill>
+                          <a:prstDash val="solid"/>
+                          <a:round/>
+                          <a:headEnd type="none" w="med" len="med"/>
+                          <a:tailEnd type="none" w="med" len="med"/>
+                        </a:lnT>
+                        <a:lnB w="12700" cap="flat" cmpd="sng" algn="ctr">
+                          <a:solidFill>
+                            <a:schemeClr val="tx1"/>
+                          </a:solidFill>
+                          <a:prstDash val="solid"/>
+                          <a:round/>
+                          <a:headEnd type="none" w="med" len="med"/>
+                          <a:tailEnd type="none" w="med" len="med"/>
+                        </a:lnB>
+                      </a:tcPr>
+                    </a:tc>
+                    <a:tc rowSpan="3">
+                      <a:txBody>
+                        <a:bodyPr/>
+                        <a:lstStyle/>
+                        <a:p>
+                          <a:pPr algn="ctr" fontAlgn="ctr"/>
+                          <a:r>
+                            <a:rPr lang="en-US" altLang="ko-KR" sz="1200" b="0" i="0" u="none" strike="noStrike" dirty="0" smtClean="0">
+                              <a:solidFill>
+                                <a:srgbClr val="000000"/>
+                              </a:solidFill>
+                              <a:effectLst/>
+                              <a:latin typeface="Times New Roman" panose="02020603050405020304" pitchFamily="18" charset="0"/>
+                              <a:cs typeface="Times New Roman" panose="02020603050405020304" pitchFamily="18" charset="0"/>
+                            </a:rPr>
+                            <a:t>0.4</a:t>
+                          </a:r>
+                          <a:endParaRPr lang="en-US" altLang="ko-KR" sz="1200" b="0" i="0" u="none" strike="noStrike" dirty="0">
+                            <a:solidFill>
+                              <a:srgbClr val="000000"/>
+                            </a:solidFill>
+                            <a:effectLst/>
+                            <a:latin typeface="Times New Roman" panose="02020603050405020304" pitchFamily="18" charset="0"/>
+                            <a:cs typeface="Times New Roman" panose="02020603050405020304" pitchFamily="18" charset="0"/>
+                          </a:endParaRPr>
+                        </a:p>
+                      </a:txBody>
+                      <a:tcPr marL="9525" marR="9525" marT="9525" marB="0" anchor="ctr">
+                        <a:lnL>
+                          <a:noFill/>
+                        </a:lnL>
+                        <a:lnR>
+                          <a:noFill/>
+                        </a:lnR>
+                        <a:lnT w="12700" cap="flat" cmpd="sng" algn="ctr">
+                          <a:solidFill>
+                            <a:schemeClr val="tx1"/>
+                          </a:solidFill>
+                          <a:prstDash val="solid"/>
+                          <a:round/>
+                          <a:headEnd type="none" w="med" len="med"/>
+                          <a:tailEnd type="none" w="med" len="med"/>
+                        </a:lnT>
+                        <a:lnB w="12700" cap="flat" cmpd="sng" algn="ctr">
+                          <a:solidFill>
+                            <a:schemeClr val="tx1"/>
+                          </a:solidFill>
+                          <a:prstDash val="solid"/>
+                          <a:round/>
+                          <a:headEnd type="none" w="med" len="med"/>
+                          <a:tailEnd type="none" w="med" len="med"/>
+                        </a:lnB>
+                      </a:tcPr>
+                    </a:tc>
+                    <a:tc>
+                      <a:txBody>
+                        <a:bodyPr/>
+                        <a:lstStyle/>
+                        <a:p>
+                          <a:pPr algn="ctr" fontAlgn="ctr"/>
+                          <a:r>
+                            <a:rPr lang="en-US" altLang="ko-KR" sz="1200" b="0" i="0" u="none" strike="noStrike" dirty="0">
+                              <a:solidFill>
+                                <a:srgbClr val="000000"/>
+                              </a:solidFill>
+                              <a:effectLst/>
+                              <a:latin typeface="Times New Roman" panose="02020603050405020304" pitchFamily="18" charset="0"/>
+                              <a:cs typeface="Times New Roman" panose="02020603050405020304" pitchFamily="18" charset="0"/>
+                            </a:rPr>
+                            <a:t>0.01</a:t>
+                          </a:r>
+                        </a:p>
+                      </a:txBody>
+                      <a:tcPr marL="9525" marR="9525" marT="9525" marB="0" anchor="ctr">
+                        <a:lnL>
+                          <a:noFill/>
+                        </a:lnL>
+                        <a:lnR>
+                          <a:noFill/>
+                        </a:lnR>
+                        <a:lnT w="12700" cap="flat" cmpd="sng" algn="ctr">
+                          <a:solidFill>
+                            <a:schemeClr val="tx1"/>
+                          </a:solidFill>
+                          <a:prstDash val="solid"/>
+                          <a:round/>
+                          <a:headEnd type="none" w="med" len="med"/>
+                          <a:tailEnd type="none" w="med" len="med"/>
+                        </a:lnT>
+                        <a:lnB w="28575" cap="flat" cmpd="sng" algn="ctr">
+                          <a:noFill/>
+                          <a:prstDash val="solid"/>
+                          <a:round/>
+                          <a:headEnd type="none" w="med" len="med"/>
+                          <a:tailEnd type="none" w="med" len="med"/>
+                        </a:lnB>
+                      </a:tcPr>
+                    </a:tc>
+                    <a:tc>
+                      <a:txBody>
+                        <a:bodyPr/>
+                        <a:lstStyle/>
+                        <a:p>
+                          <a:pPr algn="l" fontAlgn="ctr"/>
+                          <a:r>
+                            <a:rPr lang="en-US" altLang="ko-KR" sz="1100" b="0" i="0" u="none" strike="noStrike">
+                              <a:solidFill>
+                                <a:srgbClr val="000000"/>
+                              </a:solidFill>
+                              <a:effectLst/>
+                              <a:latin typeface="Times New Roman" panose="02020603050405020304" pitchFamily="18" charset="0"/>
+                              <a:cs typeface="Times New Roman" panose="02020603050405020304" pitchFamily="18" charset="0"/>
+                            </a:rPr>
+                            <a:t>0.0060</a:t>
+                          </a:r>
+                        </a:p>
+                      </a:txBody>
+                      <a:tcPr marL="142875" marR="9525" marT="9525" marB="0" anchor="ctr">
+                        <a:lnL>
+                          <a:noFill/>
+                        </a:lnL>
+                        <a:lnR>
+                          <a:noFill/>
+                        </a:lnR>
+                        <a:lnT w="12700" cap="flat" cmpd="sng" algn="ctr">
+                          <a:solidFill>
+                            <a:schemeClr val="tx1"/>
+                          </a:solidFill>
+                          <a:prstDash val="solid"/>
+                          <a:round/>
+                          <a:headEnd type="none" w="med" len="med"/>
+                          <a:tailEnd type="none" w="med" len="med"/>
+                        </a:lnT>
+                        <a:lnB w="28575" cap="flat" cmpd="sng" algn="ctr">
+                          <a:noFill/>
+                          <a:prstDash val="solid"/>
+                          <a:round/>
+                          <a:headEnd type="none" w="med" len="med"/>
+                          <a:tailEnd type="none" w="med" len="med"/>
+                        </a:lnB>
+                      </a:tcPr>
+                    </a:tc>
+                    <a:tc>
+                      <a:txBody>
+                        <a:bodyPr/>
+                        <a:lstStyle/>
+                        <a:p>
+                          <a:pPr algn="l" fontAlgn="ctr"/>
+                          <a:r>
+                            <a:rPr lang="en-US" altLang="ko-KR" sz="1100" b="0" i="0" u="none" strike="noStrike" dirty="0" smtClean="0">
+                              <a:solidFill>
+                                <a:srgbClr val="000000"/>
+                              </a:solidFill>
+                              <a:effectLst/>
+                              <a:latin typeface="Times New Roman" panose="02020603050405020304" pitchFamily="18" charset="0"/>
+                              <a:cs typeface="Times New Roman" panose="02020603050405020304" pitchFamily="18" charset="0"/>
+                            </a:rPr>
+                            <a:t>0.0130</a:t>
+                          </a:r>
+                          <a:endParaRPr lang="en-US" altLang="ko-KR" sz="1100" b="0" i="0" u="none" strike="noStrike" dirty="0">
+                            <a:solidFill>
+                              <a:srgbClr val="000000"/>
+                            </a:solidFill>
+                            <a:effectLst/>
+                            <a:latin typeface="Times New Roman" panose="02020603050405020304" pitchFamily="18" charset="0"/>
+                            <a:cs typeface="Times New Roman" panose="02020603050405020304" pitchFamily="18" charset="0"/>
+                          </a:endParaRPr>
+                        </a:p>
+                      </a:txBody>
+                      <a:tcPr marL="142875" marR="9525" marT="9525" marB="0" anchor="ctr">
+                        <a:lnL>
+                          <a:noFill/>
+                        </a:lnL>
+                        <a:lnR>
+                          <a:noFill/>
+                        </a:lnR>
+                        <a:lnT w="12700" cap="flat" cmpd="sng" algn="ctr">
+                          <a:solidFill>
+                            <a:schemeClr val="tx1"/>
+                          </a:solidFill>
+                          <a:prstDash val="solid"/>
+                          <a:round/>
+                          <a:headEnd type="none" w="med" len="med"/>
+                          <a:tailEnd type="none" w="med" len="med"/>
+                        </a:lnT>
+                        <a:lnB w="28575" cap="flat" cmpd="sng" algn="ctr">
+                          <a:noFill/>
+                          <a:prstDash val="solid"/>
+                          <a:round/>
+                          <a:headEnd type="none" w="med" len="med"/>
+                          <a:tailEnd type="none" w="med" len="med"/>
+                        </a:lnB>
+                      </a:tcPr>
+                    </a:tc>
+                  </a:tr>
+                  <a:tr h="209550">
+                    <a:tc vMerge="1">
+                      <a:txBody>
+                        <a:bodyPr/>
+                        <a:lstStyle/>
+                        <a:p>
+                          <a:pPr latinLnBrk="1"/>
+                          <a:endParaRPr lang="ko-KR" altLang="en-US"/>
+                        </a:p>
+                      </a:txBody>
+                      <a:tcPr/>
+                    </a:tc>
+                    <a:tc vMerge="1">
+                      <a:txBody>
+                        <a:bodyPr/>
+                        <a:lstStyle/>
+                        <a:p>
+                          <a:pPr algn="ctr" fontAlgn="ctr"/>
+                          <a:endParaRPr lang="en-US" altLang="ko-KR" sz="1200" b="0" i="0" u="none" strike="noStrike" dirty="0">
+                            <a:solidFill>
+                              <a:srgbClr val="000000"/>
+                            </a:solidFill>
+                            <a:effectLst/>
+                            <a:latin typeface="Times New Roman" panose="02020603050405020304" pitchFamily="18" charset="0"/>
+                            <a:cs typeface="Times New Roman" panose="02020603050405020304" pitchFamily="18" charset="0"/>
+                          </a:endParaRPr>
+                        </a:p>
+                      </a:txBody>
+                      <a:tcPr marL="9525" marR="9525" marT="9525" marB="0" anchor="ctr">
+                        <a:lnL>
+                          <a:noFill/>
+                        </a:lnL>
+                        <a:lnR>
+                          <a:noFill/>
+                        </a:lnR>
+                        <a:lnT>
+                          <a:noFill/>
+                        </a:lnT>
+                        <a:lnB w="28575" cap="flat" cmpd="sng" algn="ctr">
+                          <a:noFill/>
+                          <a:prstDash val="solid"/>
+                          <a:round/>
+                          <a:headEnd type="none" w="med" len="med"/>
+                          <a:tailEnd type="none" w="med" len="med"/>
+                        </a:lnB>
+                      </a:tcPr>
+                    </a:tc>
+                    <a:tc>
+                      <a:txBody>
+                        <a:bodyPr/>
+                        <a:lstStyle/>
+                        <a:p>
+                          <a:pPr algn="ctr" fontAlgn="ctr"/>
+                          <a:r>
+                            <a:rPr lang="en-US" altLang="ko-KR" sz="1200" b="0" i="0" u="none" strike="noStrike" dirty="0">
+                              <a:solidFill>
+                                <a:srgbClr val="000000"/>
+                              </a:solidFill>
+                              <a:effectLst/>
+                              <a:latin typeface="Times New Roman" panose="02020603050405020304" pitchFamily="18" charset="0"/>
+                              <a:cs typeface="Times New Roman" panose="02020603050405020304" pitchFamily="18" charset="0"/>
+                            </a:rPr>
+                            <a:t>0.05</a:t>
+                          </a:r>
+                        </a:p>
+                      </a:txBody>
+                      <a:tcPr marL="9525" marR="9525" marT="9525" marB="0" anchor="ctr">
+                        <a:lnL>
+                          <a:noFill/>
+                        </a:lnL>
+                        <a:lnR>
+                          <a:noFill/>
+                        </a:lnR>
+                        <a:lnT>
+                          <a:noFill/>
+                        </a:lnT>
+                        <a:lnB w="28575" cap="flat" cmpd="sng" algn="ctr">
+                          <a:noFill/>
+                          <a:prstDash val="solid"/>
+                          <a:round/>
+                          <a:headEnd type="none" w="med" len="med"/>
+                          <a:tailEnd type="none" w="med" len="med"/>
+                        </a:lnB>
+                      </a:tcPr>
+                    </a:tc>
+                    <a:tc>
+                      <a:txBody>
+                        <a:bodyPr/>
+                        <a:lstStyle/>
+                        <a:p>
+                          <a:pPr algn="l" fontAlgn="ctr"/>
+                          <a:r>
+                            <a:rPr lang="en-US" altLang="ko-KR" sz="1100" b="0" i="0" u="none" strike="noStrike">
+                              <a:solidFill>
+                                <a:srgbClr val="000000"/>
+                              </a:solidFill>
+                              <a:effectLst/>
+                              <a:latin typeface="Times New Roman" panose="02020603050405020304" pitchFamily="18" charset="0"/>
+                              <a:cs typeface="Times New Roman" panose="02020603050405020304" pitchFamily="18" charset="0"/>
+                            </a:rPr>
+                            <a:t>0.0480</a:t>
+                          </a:r>
+                        </a:p>
+                      </a:txBody>
+                      <a:tcPr marL="142875" marR="9525" marT="9525" marB="0" anchor="ctr">
+                        <a:lnL>
+                          <a:noFill/>
+                        </a:lnL>
+                        <a:lnR>
+                          <a:noFill/>
+                        </a:lnR>
+                        <a:lnT>
+                          <a:noFill/>
+                        </a:lnT>
+                        <a:lnB w="28575" cap="flat" cmpd="sng" algn="ctr">
+                          <a:noFill/>
+                          <a:prstDash val="solid"/>
+                          <a:round/>
+                          <a:headEnd type="none" w="med" len="med"/>
+                          <a:tailEnd type="none" w="med" len="med"/>
+                        </a:lnB>
+                      </a:tcPr>
+                    </a:tc>
+                    <a:tc>
+                      <a:txBody>
+                        <a:bodyPr/>
+                        <a:lstStyle/>
+                        <a:p>
+                          <a:pPr algn="l" fontAlgn="ctr"/>
+                          <a:r>
+                            <a:rPr lang="en-US" altLang="ko-KR" sz="1100" b="0" i="0" u="none" strike="noStrike" dirty="0" smtClean="0">
+                              <a:solidFill>
+                                <a:srgbClr val="000000"/>
+                              </a:solidFill>
+                              <a:effectLst/>
+                              <a:latin typeface="Times New Roman" panose="02020603050405020304" pitchFamily="18" charset="0"/>
+                              <a:cs typeface="Times New Roman" panose="02020603050405020304" pitchFamily="18" charset="0"/>
+                            </a:rPr>
+                            <a:t>0.0580</a:t>
+                          </a:r>
+                          <a:endParaRPr lang="en-US" altLang="ko-KR" sz="1100" b="0" i="0" u="none" strike="noStrike" dirty="0">
+                            <a:solidFill>
+                              <a:srgbClr val="000000"/>
+                            </a:solidFill>
+                            <a:effectLst/>
+                            <a:latin typeface="Times New Roman" panose="02020603050405020304" pitchFamily="18" charset="0"/>
+                            <a:cs typeface="Times New Roman" panose="02020603050405020304" pitchFamily="18" charset="0"/>
+                          </a:endParaRPr>
+                        </a:p>
+                      </a:txBody>
+                      <a:tcPr marL="142875" marR="9525" marT="9525" marB="0" anchor="ctr">
+                        <a:lnL>
+                          <a:noFill/>
+                        </a:lnL>
+                        <a:lnR>
+                          <a:noFill/>
+                        </a:lnR>
+                        <a:lnT>
+                          <a:noFill/>
+                        </a:lnT>
+                        <a:lnB w="28575" cap="flat" cmpd="sng" algn="ctr">
+                          <a:noFill/>
+                          <a:prstDash val="solid"/>
+                          <a:round/>
+                          <a:headEnd type="none" w="med" len="med"/>
+                          <a:tailEnd type="none" w="med" len="med"/>
+                        </a:lnB>
+                      </a:tcPr>
+                    </a:tc>
+                  </a:tr>
+                  <a:tr h="209550">
+                    <a:tc vMerge="1">
+                      <a:txBody>
+                        <a:bodyPr/>
+                        <a:lstStyle/>
+                        <a:p>
+                          <a:pPr latinLnBrk="1"/>
+                          <a:endParaRPr lang="ko-KR" altLang="en-US"/>
+                        </a:p>
+                      </a:txBody>
+                      <a:tcPr/>
+                    </a:tc>
+                    <a:tc vMerge="1">
+                      <a:txBody>
+                        <a:bodyPr/>
+                        <a:lstStyle/>
+                        <a:p>
+                          <a:pPr algn="ctr" fontAlgn="ctr"/>
+                          <a:endParaRPr lang="en-US" altLang="ko-KR" sz="1200" b="0" i="0" u="none" strike="noStrike" dirty="0">
+                            <a:solidFill>
+                              <a:srgbClr val="000000"/>
+                            </a:solidFill>
+                            <a:effectLst/>
+                            <a:latin typeface="Times New Roman" panose="02020603050405020304" pitchFamily="18" charset="0"/>
+                            <a:cs typeface="Times New Roman" panose="02020603050405020304" pitchFamily="18" charset="0"/>
+                          </a:endParaRPr>
+                        </a:p>
+                      </a:txBody>
+                      <a:tcPr marL="9525" marR="9525" marT="9525" marB="0" anchor="ctr">
+                        <a:lnL>
+                          <a:noFill/>
+                        </a:lnL>
+                        <a:lnR>
+                          <a:noFill/>
+                        </a:lnR>
+                        <a:lnT>
+                          <a:noFill/>
+                        </a:lnT>
+                        <a:lnB w="28575" cap="flat" cmpd="sng" algn="ctr">
+                          <a:solidFill>
+                            <a:schemeClr val="tx1"/>
+                          </a:solidFill>
+                          <a:prstDash val="solid"/>
+                          <a:round/>
+                          <a:headEnd type="none" w="med" len="med"/>
+                          <a:tailEnd type="none" w="med" len="med"/>
+                        </a:lnB>
+                      </a:tcPr>
+                    </a:tc>
+                    <a:tc>
+                      <a:txBody>
+                        <a:bodyPr/>
+                        <a:lstStyle/>
+                        <a:p>
+                          <a:pPr algn="ctr" fontAlgn="ctr"/>
+                          <a:r>
+                            <a:rPr lang="en-US" altLang="ko-KR" sz="1200" b="0" i="0" u="none" strike="noStrike" dirty="0">
+                              <a:solidFill>
+                                <a:srgbClr val="000000"/>
+                              </a:solidFill>
+                              <a:effectLst/>
+                              <a:latin typeface="Times New Roman" panose="02020603050405020304" pitchFamily="18" charset="0"/>
+                              <a:cs typeface="Times New Roman" panose="02020603050405020304" pitchFamily="18" charset="0"/>
+                            </a:rPr>
+                            <a:t>0.1</a:t>
+                          </a:r>
+                        </a:p>
+                      </a:txBody>
+                      <a:tcPr marL="9525" marR="9525" marT="9525" marB="0" anchor="ctr">
+                        <a:lnL>
+                          <a:noFill/>
+                        </a:lnL>
+                        <a:lnR>
+                          <a:noFill/>
+                        </a:lnR>
+                        <a:lnT>
+                          <a:noFill/>
+                        </a:lnT>
+                        <a:lnB w="12700" cap="flat" cmpd="sng" algn="ctr">
+                          <a:solidFill>
+                            <a:schemeClr val="tx1"/>
+                          </a:solidFill>
+                          <a:prstDash val="solid"/>
+                          <a:round/>
+                          <a:headEnd type="none" w="med" len="med"/>
+                          <a:tailEnd type="none" w="med" len="med"/>
+                        </a:lnB>
+                      </a:tcPr>
+                    </a:tc>
+                    <a:tc>
+                      <a:txBody>
+                        <a:bodyPr/>
+                        <a:lstStyle/>
+                        <a:p>
+                          <a:pPr algn="l" fontAlgn="ctr"/>
+                          <a:r>
+                            <a:rPr lang="en-US" altLang="ko-KR" sz="1100" b="0" i="0" u="none" strike="noStrike" dirty="0">
+                              <a:solidFill>
+                                <a:srgbClr val="000000"/>
+                              </a:solidFill>
+                              <a:effectLst/>
+                              <a:latin typeface="Times New Roman" panose="02020603050405020304" pitchFamily="18" charset="0"/>
+                              <a:cs typeface="Times New Roman" panose="02020603050405020304" pitchFamily="18" charset="0"/>
+                            </a:rPr>
+                            <a:t>0.0940</a:t>
+                          </a:r>
+                        </a:p>
+                      </a:txBody>
+                      <a:tcPr marL="142875" marR="9525" marT="9525" marB="0" anchor="ctr">
+                        <a:lnL>
+                          <a:noFill/>
+                        </a:lnL>
+                        <a:lnR>
+                          <a:noFill/>
+                        </a:lnR>
+                        <a:lnT>
+                          <a:noFill/>
+                        </a:lnT>
+                        <a:lnB w="12700" cap="flat" cmpd="sng" algn="ctr">
+                          <a:solidFill>
+                            <a:schemeClr val="tx1"/>
+                          </a:solidFill>
+                          <a:prstDash val="solid"/>
+                          <a:round/>
+                          <a:headEnd type="none" w="med" len="med"/>
+                          <a:tailEnd type="none" w="med" len="med"/>
+                        </a:lnB>
+                      </a:tcPr>
+                    </a:tc>
+                    <a:tc>
+                      <a:txBody>
+                        <a:bodyPr/>
+                        <a:lstStyle/>
+                        <a:p>
+                          <a:pPr algn="l" fontAlgn="ctr"/>
+                          <a:r>
+                            <a:rPr lang="en-US" altLang="ko-KR" sz="1100" b="0" i="0" u="none" strike="noStrike" dirty="0" smtClean="0">
+                              <a:solidFill>
+                                <a:srgbClr val="000000"/>
+                              </a:solidFill>
+                              <a:effectLst/>
+                              <a:latin typeface="Times New Roman" panose="02020603050405020304" pitchFamily="18" charset="0"/>
+                              <a:cs typeface="Times New Roman" panose="02020603050405020304" pitchFamily="18" charset="0"/>
+                            </a:rPr>
+                            <a:t>0.1020</a:t>
+                          </a:r>
+                          <a:endParaRPr lang="en-US" altLang="ko-KR" sz="1100" b="0" i="0" u="none" strike="noStrike" dirty="0">
+                            <a:solidFill>
+                              <a:srgbClr val="000000"/>
+                            </a:solidFill>
+                            <a:effectLst/>
+                            <a:latin typeface="Times New Roman" panose="02020603050405020304" pitchFamily="18" charset="0"/>
+                            <a:cs typeface="Times New Roman" panose="02020603050405020304" pitchFamily="18" charset="0"/>
+                          </a:endParaRPr>
+                        </a:p>
+                      </a:txBody>
+                      <a:tcPr marL="142875" marR="9525" marT="9525" marB="0" anchor="ctr">
+                        <a:lnL>
+                          <a:noFill/>
+                        </a:lnL>
+                        <a:lnR>
+                          <a:noFill/>
+                        </a:lnR>
+                        <a:lnT>
+                          <a:noFill/>
+                        </a:lnT>
+                        <a:lnB w="12700" cap="flat" cmpd="sng" algn="ctr">
+                          <a:solidFill>
+                            <a:schemeClr val="tx1"/>
+                          </a:solidFill>
+                          <a:prstDash val="solid"/>
+                          <a:round/>
+                          <a:headEnd type="none" w="med" len="med"/>
+                          <a:tailEnd type="none" w="med" len="med"/>
+                        </a:lnB>
+                      </a:tcPr>
+                    </a:tc>
+                  </a:tr>
+                  <a:tr h="209550">
+                    <a:tc rowSpan="6">
+                      <a:txBody>
+                        <a:bodyPr/>
+                        <a:lstStyle/>
+                        <a:p>
+                          <a:pPr algn="ctr" fontAlgn="ctr"/>
+                          <a:r>
+                            <a:rPr lang="en-US" altLang="ko-KR" sz="1200" b="0" i="0" u="none" strike="noStrike" dirty="0" smtClean="0">
+                              <a:solidFill>
+                                <a:srgbClr val="000000"/>
+                              </a:solidFill>
+                              <a:effectLst/>
+                              <a:latin typeface="Times New Roman" panose="02020603050405020304" pitchFamily="18" charset="0"/>
+                              <a:cs typeface="Times New Roman" panose="02020603050405020304" pitchFamily="18" charset="0"/>
+                            </a:rPr>
+                            <a:t>0.005</a:t>
+                          </a:r>
+                          <a:endParaRPr lang="en-US" altLang="ko-KR" sz="1200" b="0" i="0" u="none" strike="noStrike" dirty="0">
+                            <a:solidFill>
+                              <a:srgbClr val="000000"/>
+                            </a:solidFill>
+                            <a:effectLst/>
+                            <a:latin typeface="Times New Roman" panose="02020603050405020304" pitchFamily="18" charset="0"/>
+                            <a:cs typeface="Times New Roman" panose="02020603050405020304" pitchFamily="18" charset="0"/>
+                          </a:endParaRPr>
+                        </a:p>
+                      </a:txBody>
+                      <a:tcPr marL="9525" marR="9525" marT="9525" marB="0" anchor="ctr">
+                        <a:lnL>
+                          <a:noFill/>
+                        </a:lnL>
+                        <a:lnR>
+                          <a:noFill/>
+                        </a:lnR>
+                        <a:lnT w="12700" cap="flat" cmpd="sng" algn="ctr">
+                          <a:solidFill>
+                            <a:schemeClr val="tx1"/>
+                          </a:solidFill>
+                          <a:prstDash val="solid"/>
+                          <a:round/>
+                          <a:headEnd type="none" w="med" len="med"/>
+                          <a:tailEnd type="none" w="med" len="med"/>
+                        </a:lnT>
+                        <a:lnB w="28575" cap="flat" cmpd="sng" algn="ctr">
+                          <a:solidFill>
+                            <a:schemeClr val="tx1"/>
+                          </a:solidFill>
+                          <a:prstDash val="solid"/>
+                          <a:round/>
+                          <a:headEnd type="none" w="med" len="med"/>
+                          <a:tailEnd type="none" w="med" len="med"/>
+                        </a:lnB>
+                      </a:tcPr>
+                    </a:tc>
+                    <a:tc rowSpan="3">
+                      <a:txBody>
+                        <a:bodyPr/>
+                        <a:lstStyle/>
+                        <a:p>
+                          <a:pPr algn="ctr" fontAlgn="ctr"/>
+                          <a:r>
+                            <a:rPr lang="en-US" altLang="ko-KR" sz="1200" b="0" i="0" u="none" strike="noStrike" dirty="0" smtClean="0">
+                              <a:solidFill>
+                                <a:srgbClr val="000000"/>
+                              </a:solidFill>
+                              <a:effectLst/>
+                              <a:latin typeface="Times New Roman" panose="02020603050405020304" pitchFamily="18" charset="0"/>
+                              <a:cs typeface="Times New Roman" panose="02020603050405020304" pitchFamily="18" charset="0"/>
+                            </a:rPr>
+                            <a:t>0.2</a:t>
+                          </a:r>
+                          <a:endParaRPr lang="en-US" altLang="ko-KR" sz="1200" b="0" i="0" u="none" strike="noStrike" dirty="0">
+                            <a:solidFill>
+                              <a:srgbClr val="000000"/>
+                            </a:solidFill>
+                            <a:effectLst/>
+                            <a:latin typeface="Times New Roman" panose="02020603050405020304" pitchFamily="18" charset="0"/>
+                            <a:cs typeface="Times New Roman" panose="02020603050405020304" pitchFamily="18" charset="0"/>
+                          </a:endParaRPr>
+                        </a:p>
+                      </a:txBody>
+                      <a:tcPr marL="9525" marR="9525" marT="9525" marB="0" anchor="ctr">
+                        <a:lnL>
+                          <a:noFill/>
+                        </a:lnL>
+                        <a:lnR>
+                          <a:noFill/>
+                        </a:lnR>
+                        <a:lnT w="12700" cap="flat" cmpd="sng" algn="ctr">
+                          <a:solidFill>
+                            <a:schemeClr val="tx1"/>
+                          </a:solidFill>
+                          <a:prstDash val="solid"/>
+                          <a:round/>
+                          <a:headEnd type="none" w="med" len="med"/>
+                          <a:tailEnd type="none" w="med" len="med"/>
+                        </a:lnT>
+                        <a:lnB w="12700" cap="flat" cmpd="sng" algn="ctr">
+                          <a:solidFill>
+                            <a:schemeClr val="tx1"/>
+                          </a:solidFill>
+                          <a:prstDash val="solid"/>
+                          <a:round/>
+                          <a:headEnd type="none" w="med" len="med"/>
+                          <a:tailEnd type="none" w="med" len="med"/>
+                        </a:lnB>
+                      </a:tcPr>
+                    </a:tc>
+                    <a:tc>
+                      <a:txBody>
+                        <a:bodyPr/>
+                        <a:lstStyle/>
+                        <a:p>
+                          <a:pPr algn="ctr" fontAlgn="ctr"/>
+                          <a:r>
+                            <a:rPr lang="en-US" altLang="ko-KR" sz="1200" b="0" i="0" u="none" strike="noStrike" dirty="0">
+                              <a:solidFill>
+                                <a:srgbClr val="000000"/>
+                              </a:solidFill>
+                              <a:effectLst/>
+                              <a:latin typeface="Times New Roman" panose="02020603050405020304" pitchFamily="18" charset="0"/>
+                              <a:cs typeface="Times New Roman" panose="02020603050405020304" pitchFamily="18" charset="0"/>
+                            </a:rPr>
+                            <a:t>0.01</a:t>
+                          </a:r>
+                        </a:p>
+                      </a:txBody>
+                      <a:tcPr marL="9525" marR="9525" marT="9525" marB="0" anchor="ctr">
+                        <a:lnL>
+                          <a:noFill/>
+                        </a:lnL>
+                        <a:lnR>
+                          <a:noFill/>
+                        </a:lnR>
+                        <a:lnT w="12700" cap="flat" cmpd="sng" algn="ctr">
+                          <a:solidFill>
+                            <a:schemeClr val="tx1"/>
+                          </a:solidFill>
+                          <a:prstDash val="solid"/>
+                          <a:round/>
+                          <a:headEnd type="none" w="med" len="med"/>
+                          <a:tailEnd type="none" w="med" len="med"/>
+                        </a:lnT>
+                        <a:lnB w="28575" cap="flat" cmpd="sng" algn="ctr">
+                          <a:noFill/>
+                          <a:prstDash val="solid"/>
+                          <a:round/>
+                          <a:headEnd type="none" w="med" len="med"/>
+                          <a:tailEnd type="none" w="med" len="med"/>
+                        </a:lnB>
+                      </a:tcPr>
+                    </a:tc>
+                    <a:tc>
+                      <a:txBody>
+                        <a:bodyPr/>
+                        <a:lstStyle/>
+                        <a:p>
+                          <a:pPr algn="ctr" fontAlgn="ctr"/>
+                          <a:r>
+                            <a:rPr lang="en-US" altLang="ko-KR" sz="1200" b="0" i="0" u="none" strike="noStrike">
+                              <a:solidFill>
+                                <a:srgbClr val="000000"/>
+                              </a:solidFill>
+                              <a:effectLst/>
+                              <a:latin typeface="Times New Roman" panose="02020603050405020304" pitchFamily="18" charset="0"/>
+                              <a:cs typeface="Times New Roman" panose="02020603050405020304" pitchFamily="18" charset="0"/>
+                            </a:rPr>
+                            <a:t>0.1303</a:t>
+                          </a:r>
+                        </a:p>
+                      </a:txBody>
+                      <a:tcPr marL="9525" marR="9525" marT="9525" marB="0" anchor="ctr">
+                        <a:lnL>
+                          <a:noFill/>
+                        </a:lnL>
+                        <a:lnR>
+                          <a:noFill/>
+                        </a:lnR>
+                        <a:lnT w="12700" cap="flat" cmpd="sng" algn="ctr">
+                          <a:solidFill>
+                            <a:schemeClr val="tx1"/>
+                          </a:solidFill>
+                          <a:prstDash val="solid"/>
+                          <a:round/>
+                          <a:headEnd type="none" w="med" len="med"/>
+                          <a:tailEnd type="none" w="med" len="med"/>
+                        </a:lnT>
+                        <a:lnB w="28575" cap="flat" cmpd="sng" algn="ctr">
+                          <a:noFill/>
+                          <a:prstDash val="solid"/>
+                          <a:round/>
+                          <a:headEnd type="none" w="med" len="med"/>
+                          <a:tailEnd type="none" w="med" len="med"/>
+                        </a:lnB>
+                      </a:tcPr>
+                    </a:tc>
+                    <a:tc>
+                      <a:txBody>
+                        <a:bodyPr/>
+                        <a:lstStyle/>
+                        <a:p>
+                          <a:pPr algn="ctr" fontAlgn="ctr"/>
+                          <a:r>
+                            <a:rPr lang="en-US" altLang="ko-KR" sz="1200" b="0" i="0" u="none" strike="noStrike" dirty="0">
+                              <a:solidFill>
+                                <a:srgbClr val="000000"/>
+                              </a:solidFill>
+                              <a:effectLst/>
+                              <a:latin typeface="Times New Roman" panose="02020603050405020304" pitchFamily="18" charset="0"/>
+                              <a:cs typeface="Times New Roman" panose="02020603050405020304" pitchFamily="18" charset="0"/>
+                            </a:rPr>
+                            <a:t>0.4460</a:t>
+                          </a:r>
+                        </a:p>
+                      </a:txBody>
+                      <a:tcPr marL="9525" marR="9525" marT="9525" marB="0" anchor="ctr">
+                        <a:lnL>
+                          <a:noFill/>
+                        </a:lnL>
+                        <a:lnR>
+                          <a:noFill/>
+                        </a:lnR>
+                        <a:lnT w="12700" cap="flat" cmpd="sng" algn="ctr">
+                          <a:solidFill>
+                            <a:schemeClr val="tx1"/>
+                          </a:solidFill>
+                          <a:prstDash val="solid"/>
+                          <a:round/>
+                          <a:headEnd type="none" w="med" len="med"/>
+                          <a:tailEnd type="none" w="med" len="med"/>
+                        </a:lnT>
+                        <a:lnB w="28575" cap="flat" cmpd="sng" algn="ctr">
+                          <a:noFill/>
+                          <a:prstDash val="solid"/>
+                          <a:round/>
+                          <a:headEnd type="none" w="med" len="med"/>
+                          <a:tailEnd type="none" w="med" len="med"/>
+                        </a:lnB>
+                      </a:tcPr>
+                    </a:tc>
+                  </a:tr>
+                  <a:tr h="209550">
+                    <a:tc vMerge="1">
+                      <a:txBody>
+                        <a:bodyPr/>
+                        <a:lstStyle/>
+                        <a:p>
+                          <a:pPr latinLnBrk="1"/>
+                          <a:endParaRPr lang="ko-KR" altLang="en-US"/>
+                        </a:p>
+                      </a:txBody>
+                      <a:tcPr/>
+                    </a:tc>
+                    <a:tc vMerge="1">
+                      <a:txBody>
+                        <a:bodyPr/>
+                        <a:lstStyle/>
+                        <a:p>
+                          <a:pPr algn="ctr" fontAlgn="ctr"/>
+                          <a:endParaRPr lang="en-US" altLang="ko-KR" sz="1200" b="0" i="0" u="none" strike="noStrike" dirty="0">
+                            <a:solidFill>
+                              <a:srgbClr val="000000"/>
+                            </a:solidFill>
+                            <a:effectLst/>
+                            <a:latin typeface="Times New Roman" panose="02020603050405020304" pitchFamily="18" charset="0"/>
+                            <a:cs typeface="Times New Roman" panose="02020603050405020304" pitchFamily="18" charset="0"/>
+                          </a:endParaRPr>
+                        </a:p>
+                      </a:txBody>
+                      <a:tcPr marL="9525" marR="9525" marT="9525" marB="0" anchor="ctr">
+                        <a:lnL>
+                          <a:noFill/>
+                        </a:lnL>
+                        <a:lnR>
+                          <a:noFill/>
+                        </a:lnR>
+                        <a:lnT w="12700" cap="flat" cmpd="sng" algn="ctr">
+                          <a:solidFill>
+                            <a:schemeClr val="tx1"/>
+                          </a:solidFill>
+                          <a:prstDash val="solid"/>
+                          <a:round/>
+                          <a:headEnd type="none" w="med" len="med"/>
+                          <a:tailEnd type="none" w="med" len="med"/>
+                        </a:lnT>
+                        <a:lnB w="12700" cap="flat" cmpd="sng" algn="ctr">
+                          <a:solidFill>
+                            <a:schemeClr val="tx1"/>
+                          </a:solidFill>
+                          <a:prstDash val="solid"/>
+                          <a:round/>
+                          <a:headEnd type="none" w="med" len="med"/>
+                          <a:tailEnd type="none" w="med" len="med"/>
+                        </a:lnB>
+                      </a:tcPr>
+                    </a:tc>
+                    <a:tc>
+                      <a:txBody>
+                        <a:bodyPr/>
+                        <a:lstStyle/>
+                        <a:p>
+                          <a:pPr algn="ctr" fontAlgn="ctr"/>
+                          <a:r>
+                            <a:rPr lang="en-US" altLang="ko-KR" sz="1200" b="0" i="0" u="none" strike="noStrike" dirty="0">
+                              <a:solidFill>
+                                <a:srgbClr val="000000"/>
+                              </a:solidFill>
+                              <a:effectLst/>
+                              <a:latin typeface="Times New Roman" panose="02020603050405020304" pitchFamily="18" charset="0"/>
+                              <a:cs typeface="Times New Roman" panose="02020603050405020304" pitchFamily="18" charset="0"/>
+                            </a:rPr>
+                            <a:t>0.05</a:t>
+                          </a:r>
+                        </a:p>
+                      </a:txBody>
+                      <a:tcPr marL="9525" marR="9525" marT="9525" marB="0" anchor="ctr">
+                        <a:lnL>
+                          <a:noFill/>
+                        </a:lnL>
+                        <a:lnR>
+                          <a:noFill/>
+                        </a:lnR>
+                        <a:lnT>
+                          <a:noFill/>
+                        </a:lnT>
+                        <a:lnB w="28575" cap="flat" cmpd="sng" algn="ctr">
+                          <a:noFill/>
+                          <a:prstDash val="solid"/>
+                          <a:round/>
+                          <a:headEnd type="none" w="med" len="med"/>
+                          <a:tailEnd type="none" w="med" len="med"/>
+                        </a:lnB>
+                      </a:tcPr>
+                    </a:tc>
+                    <a:tc>
+                      <a:txBody>
+                        <a:bodyPr/>
+                        <a:lstStyle/>
+                        <a:p>
+                          <a:pPr algn="ctr" fontAlgn="ctr"/>
+                          <a:r>
+                            <a:rPr lang="en-US" altLang="ko-KR" sz="1200" b="0" i="0" u="none" strike="noStrike">
+                              <a:solidFill>
+                                <a:srgbClr val="000000"/>
+                              </a:solidFill>
+                              <a:effectLst/>
+                              <a:latin typeface="Times New Roman" panose="02020603050405020304" pitchFamily="18" charset="0"/>
+                              <a:cs typeface="Times New Roman" panose="02020603050405020304" pitchFamily="18" charset="0"/>
+                            </a:rPr>
+                            <a:t>0.3372</a:t>
+                          </a:r>
+                        </a:p>
+                      </a:txBody>
+                      <a:tcPr marL="9525" marR="9525" marT="9525" marB="0" anchor="ctr">
+                        <a:lnL>
+                          <a:noFill/>
+                        </a:lnL>
+                        <a:lnR>
+                          <a:noFill/>
+                        </a:lnR>
+                        <a:lnT>
+                          <a:noFill/>
+                        </a:lnT>
+                        <a:lnB w="28575" cap="flat" cmpd="sng" algn="ctr">
+                          <a:noFill/>
+                          <a:prstDash val="solid"/>
+                          <a:round/>
+                          <a:headEnd type="none" w="med" len="med"/>
+                          <a:tailEnd type="none" w="med" len="med"/>
+                        </a:lnB>
+                      </a:tcPr>
+                    </a:tc>
+                    <a:tc>
+                      <a:txBody>
+                        <a:bodyPr/>
+                        <a:lstStyle/>
+                        <a:p>
+                          <a:pPr algn="ctr" fontAlgn="ctr"/>
+                          <a:r>
+                            <a:rPr lang="en-US" altLang="ko-KR" sz="1200" b="0" i="0" u="none" strike="noStrike">
+                              <a:solidFill>
+                                <a:srgbClr val="000000"/>
+                              </a:solidFill>
+                              <a:effectLst/>
+                              <a:latin typeface="Times New Roman" panose="02020603050405020304" pitchFamily="18" charset="0"/>
+                              <a:cs typeface="Times New Roman" panose="02020603050405020304" pitchFamily="18" charset="0"/>
+                            </a:rPr>
+                            <a:t>0.6800</a:t>
+                          </a:r>
+                        </a:p>
+                      </a:txBody>
+                      <a:tcPr marL="9525" marR="9525" marT="9525" marB="0" anchor="ctr">
+                        <a:lnL>
+                          <a:noFill/>
+                        </a:lnL>
+                        <a:lnR>
+                          <a:noFill/>
+                        </a:lnR>
+                        <a:lnT>
+                          <a:noFill/>
+                        </a:lnT>
+                        <a:lnB w="28575" cap="flat" cmpd="sng" algn="ctr">
+                          <a:noFill/>
+                          <a:prstDash val="solid"/>
+                          <a:round/>
+                          <a:headEnd type="none" w="med" len="med"/>
+                          <a:tailEnd type="none" w="med" len="med"/>
+                        </a:lnB>
+                      </a:tcPr>
+                    </a:tc>
+                  </a:tr>
+                  <a:tr h="209550">
+                    <a:tc vMerge="1">
+                      <a:txBody>
+                        <a:bodyPr/>
+                        <a:lstStyle/>
+                        <a:p>
+                          <a:pPr latinLnBrk="1"/>
+                          <a:endParaRPr lang="ko-KR" altLang="en-US"/>
+                        </a:p>
+                      </a:txBody>
+                      <a:tcPr/>
+                    </a:tc>
+                    <a:tc vMerge="1">
+                      <a:txBody>
+                        <a:bodyPr/>
+                        <a:lstStyle/>
+                        <a:p>
+                          <a:pPr algn="ctr" fontAlgn="ctr"/>
+                          <a:endParaRPr lang="en-US" altLang="ko-KR" sz="1200" b="0" i="0" u="none" strike="noStrike" dirty="0">
+                            <a:solidFill>
+                              <a:srgbClr val="000000"/>
+                            </a:solidFill>
+                            <a:effectLst/>
+                            <a:latin typeface="Times New Roman" panose="02020603050405020304" pitchFamily="18" charset="0"/>
+                            <a:cs typeface="Times New Roman" panose="02020603050405020304" pitchFamily="18" charset="0"/>
+                          </a:endParaRPr>
+                        </a:p>
+                      </a:txBody>
+                      <a:tcPr marL="9525" marR="9525" marT="9525" marB="0" anchor="ctr">
+                        <a:lnL>
+                          <a:noFill/>
+                        </a:lnL>
+                        <a:lnR>
+                          <a:noFill/>
+                        </a:lnR>
+                        <a:lnT w="12700" cap="flat" cmpd="sng" algn="ctr">
+                          <a:solidFill>
+                            <a:schemeClr val="tx1"/>
+                          </a:solidFill>
+                          <a:prstDash val="solid"/>
+                          <a:round/>
+                          <a:headEnd type="none" w="med" len="med"/>
+                          <a:tailEnd type="none" w="med" len="med"/>
+                        </a:lnT>
+                        <a:lnB w="12700" cap="flat" cmpd="sng" algn="ctr">
+                          <a:solidFill>
+                            <a:schemeClr val="tx1"/>
+                          </a:solidFill>
+                          <a:prstDash val="solid"/>
+                          <a:round/>
+                          <a:headEnd type="none" w="med" len="med"/>
+                          <a:tailEnd type="none" w="med" len="med"/>
+                        </a:lnB>
+                      </a:tcPr>
+                    </a:tc>
+                    <a:tc>
+                      <a:txBody>
+                        <a:bodyPr/>
+                        <a:lstStyle/>
+                        <a:p>
+                          <a:pPr algn="ctr" fontAlgn="ctr"/>
+                          <a:r>
+                            <a:rPr lang="en-US" altLang="ko-KR" sz="1200" b="0" i="0" u="none" strike="noStrike" dirty="0">
+                              <a:solidFill>
+                                <a:srgbClr val="000000"/>
+                              </a:solidFill>
+                              <a:effectLst/>
+                              <a:latin typeface="Times New Roman" panose="02020603050405020304" pitchFamily="18" charset="0"/>
+                              <a:cs typeface="Times New Roman" panose="02020603050405020304" pitchFamily="18" charset="0"/>
+                            </a:rPr>
+                            <a:t>0.1</a:t>
+                          </a:r>
+                        </a:p>
+                      </a:txBody>
+                      <a:tcPr marL="9525" marR="9525" marT="9525" marB="0" anchor="ctr">
+                        <a:lnL>
+                          <a:noFill/>
+                        </a:lnL>
+                        <a:lnR>
+                          <a:noFill/>
+                        </a:lnR>
+                        <a:lnT>
+                          <a:noFill/>
+                        </a:lnT>
+                        <a:lnB w="12700" cap="flat" cmpd="sng" algn="ctr">
+                          <a:solidFill>
+                            <a:schemeClr val="tx1"/>
+                          </a:solidFill>
+                          <a:prstDash val="solid"/>
+                          <a:round/>
+                          <a:headEnd type="none" w="med" len="med"/>
+                          <a:tailEnd type="none" w="med" len="med"/>
+                        </a:lnB>
+                      </a:tcPr>
+                    </a:tc>
+                    <a:tc>
+                      <a:txBody>
+                        <a:bodyPr/>
+                        <a:lstStyle/>
+                        <a:p>
+                          <a:pPr algn="ctr" fontAlgn="ctr"/>
+                          <a:r>
+                            <a:rPr lang="en-US" altLang="ko-KR" sz="1200" b="0" i="0" u="none" strike="noStrike" dirty="0">
+                              <a:solidFill>
+                                <a:srgbClr val="000000"/>
+                              </a:solidFill>
+                              <a:effectLst/>
+                              <a:latin typeface="Times New Roman" panose="02020603050405020304" pitchFamily="18" charset="0"/>
+                              <a:cs typeface="Times New Roman" panose="02020603050405020304" pitchFamily="18" charset="0"/>
+                            </a:rPr>
+                            <a:t>0.4713</a:t>
+                          </a:r>
+                        </a:p>
+                      </a:txBody>
+                      <a:tcPr marL="9525" marR="9525" marT="9525" marB="0" anchor="ctr">
+                        <a:lnL>
+                          <a:noFill/>
+                        </a:lnL>
+                        <a:lnR>
+                          <a:noFill/>
+                        </a:lnR>
+                        <a:lnT>
+                          <a:noFill/>
+                        </a:lnT>
+                        <a:lnB w="12700" cap="flat" cmpd="sng" algn="ctr">
+                          <a:solidFill>
+                            <a:schemeClr val="tx1"/>
+                          </a:solidFill>
+                          <a:prstDash val="solid"/>
+                          <a:round/>
+                          <a:headEnd type="none" w="med" len="med"/>
+                          <a:tailEnd type="none" w="med" len="med"/>
+                        </a:lnB>
+                      </a:tcPr>
+                    </a:tc>
+                    <a:tc>
+                      <a:txBody>
+                        <a:bodyPr/>
+                        <a:lstStyle/>
+                        <a:p>
+                          <a:pPr algn="ctr" fontAlgn="ctr"/>
+                          <a:r>
+                            <a:rPr lang="en-US" altLang="ko-KR" sz="1200" b="0" i="0" u="none" strike="noStrike" dirty="0">
+                              <a:solidFill>
+                                <a:srgbClr val="000000"/>
+                              </a:solidFill>
+                              <a:effectLst/>
+                              <a:latin typeface="Times New Roman" panose="02020603050405020304" pitchFamily="18" charset="0"/>
+                              <a:cs typeface="Times New Roman" panose="02020603050405020304" pitchFamily="18" charset="0"/>
+                            </a:rPr>
+                            <a:t>0.7980</a:t>
+                          </a:r>
+                        </a:p>
+                      </a:txBody>
+                      <a:tcPr marL="9525" marR="9525" marT="9525" marB="0" anchor="ctr">
+                        <a:lnL>
+                          <a:noFill/>
+                        </a:lnL>
+                        <a:lnR>
+                          <a:noFill/>
+                        </a:lnR>
+                        <a:lnT>
+                          <a:noFill/>
+                        </a:lnT>
+                        <a:lnB w="12700" cap="flat" cmpd="sng" algn="ctr">
+                          <a:solidFill>
+                            <a:schemeClr val="tx1"/>
+                          </a:solidFill>
+                          <a:prstDash val="solid"/>
+                          <a:round/>
+                          <a:headEnd type="none" w="med" len="med"/>
+                          <a:tailEnd type="none" w="med" len="med"/>
+                        </a:lnB>
+                      </a:tcPr>
+                    </a:tc>
+                  </a:tr>
+                  <a:tr h="209550">
+                    <a:tc vMerge="1">
+                      <a:txBody>
+                        <a:bodyPr/>
+                        <a:lstStyle/>
+                        <a:p>
+                          <a:pPr algn="ctr" fontAlgn="ctr"/>
+                          <a:endParaRPr lang="en-US" altLang="ko-KR" sz="1200" b="0" i="0" u="none" strike="noStrike" dirty="0">
+                            <a:solidFill>
+                              <a:srgbClr val="000000"/>
+                            </a:solidFill>
+                            <a:effectLst/>
+                            <a:latin typeface="Times New Roman" panose="02020603050405020304" pitchFamily="18" charset="0"/>
+                            <a:cs typeface="Times New Roman" panose="02020603050405020304" pitchFamily="18" charset="0"/>
+                          </a:endParaRPr>
+                        </a:p>
+                      </a:txBody>
+                      <a:tcPr marL="9525" marR="9525" marT="9525" marB="0" anchor="ctr">
+                        <a:lnL>
+                          <a:noFill/>
+                        </a:lnL>
+                        <a:lnR>
+                          <a:noFill/>
+                        </a:lnR>
+                        <a:lnT w="12700" cap="flat" cmpd="sng" algn="ctr">
+                          <a:solidFill>
+                            <a:schemeClr val="tx1"/>
+                          </a:solidFill>
+                          <a:prstDash val="solid"/>
+                          <a:round/>
+                          <a:headEnd type="none" w="med" len="med"/>
+                          <a:tailEnd type="none" w="med" len="med"/>
+                        </a:lnT>
+                        <a:lnB w="28575" cap="flat" cmpd="sng" algn="ctr">
+                          <a:solidFill>
+                            <a:schemeClr val="tx1"/>
+                          </a:solidFill>
+                          <a:prstDash val="solid"/>
+                          <a:round/>
+                          <a:headEnd type="none" w="med" len="med"/>
+                          <a:tailEnd type="none" w="med" len="med"/>
+                        </a:lnB>
+                      </a:tcPr>
+                    </a:tc>
+                    <a:tc rowSpan="3">
+                      <a:txBody>
+                        <a:bodyPr/>
+                        <a:lstStyle/>
+                        <a:p>
+                          <a:pPr algn="ctr" fontAlgn="ctr"/>
+                          <a:r>
+                            <a:rPr lang="en-US" altLang="ko-KR" sz="1200" b="0" i="0" u="none" strike="noStrike" dirty="0" smtClean="0">
+                              <a:solidFill>
+                                <a:srgbClr val="000000"/>
+                              </a:solidFill>
+                              <a:effectLst/>
+                              <a:latin typeface="Times New Roman" panose="02020603050405020304" pitchFamily="18" charset="0"/>
+                              <a:cs typeface="Times New Roman" panose="02020603050405020304" pitchFamily="18" charset="0"/>
+                            </a:rPr>
+                            <a:t>0.4</a:t>
+                          </a:r>
+                          <a:endParaRPr lang="en-US" altLang="ko-KR" sz="1200" b="0" i="0" u="none" strike="noStrike" dirty="0">
+                            <a:solidFill>
+                              <a:srgbClr val="000000"/>
+                            </a:solidFill>
+                            <a:effectLst/>
+                            <a:latin typeface="Times New Roman" panose="02020603050405020304" pitchFamily="18" charset="0"/>
+                            <a:cs typeface="Times New Roman" panose="02020603050405020304" pitchFamily="18" charset="0"/>
+                          </a:endParaRPr>
+                        </a:p>
+                      </a:txBody>
+                      <a:tcPr marL="9525" marR="9525" marT="9525" marB="0" anchor="ctr">
+                        <a:lnL>
+                          <a:noFill/>
+                        </a:lnL>
+                        <a:lnR>
+                          <a:noFill/>
+                        </a:lnR>
+                        <a:lnT w="12700" cap="flat" cmpd="sng" algn="ctr">
+                          <a:solidFill>
+                            <a:schemeClr val="tx1"/>
+                          </a:solidFill>
+                          <a:prstDash val="solid"/>
+                          <a:round/>
+                          <a:headEnd type="none" w="med" len="med"/>
+                          <a:tailEnd type="none" w="med" len="med"/>
+                        </a:lnT>
+                        <a:lnB w="28575" cap="flat" cmpd="sng" algn="ctr">
+                          <a:solidFill>
+                            <a:schemeClr val="tx1"/>
+                          </a:solidFill>
+                          <a:prstDash val="solid"/>
+                          <a:round/>
+                          <a:headEnd type="none" w="med" len="med"/>
+                          <a:tailEnd type="none" w="med" len="med"/>
+                        </a:lnB>
+                      </a:tcPr>
+                    </a:tc>
+                    <a:tc>
+                      <a:txBody>
+                        <a:bodyPr/>
+                        <a:lstStyle/>
+                        <a:p>
+                          <a:pPr algn="ctr" fontAlgn="ctr"/>
+                          <a:r>
+                            <a:rPr lang="en-US" altLang="ko-KR" sz="1200" b="0" i="0" u="none" strike="noStrike" dirty="0">
+                              <a:solidFill>
+                                <a:srgbClr val="000000"/>
+                              </a:solidFill>
+                              <a:effectLst/>
+                              <a:latin typeface="Times New Roman" panose="02020603050405020304" pitchFamily="18" charset="0"/>
+                              <a:cs typeface="Times New Roman" panose="02020603050405020304" pitchFamily="18" charset="0"/>
+                            </a:rPr>
+                            <a:t>0.01</a:t>
+                          </a:r>
+                        </a:p>
+                      </a:txBody>
+                      <a:tcPr marL="9525" marR="9525" marT="9525" marB="0" anchor="ctr">
+                        <a:lnL>
+                          <a:noFill/>
+                        </a:lnL>
+                        <a:lnR>
+                          <a:noFill/>
+                        </a:lnR>
+                        <a:lnT w="12700" cap="flat" cmpd="sng" algn="ctr">
+                          <a:solidFill>
+                            <a:schemeClr val="tx1"/>
+                          </a:solidFill>
+                          <a:prstDash val="solid"/>
+                          <a:round/>
+                          <a:headEnd type="none" w="med" len="med"/>
+                          <a:tailEnd type="none" w="med" len="med"/>
+                        </a:lnT>
+                        <a:lnB w="28575" cap="flat" cmpd="sng" algn="ctr">
+                          <a:noFill/>
+                          <a:prstDash val="solid"/>
+                          <a:round/>
+                          <a:headEnd type="none" w="med" len="med"/>
+                          <a:tailEnd type="none" w="med" len="med"/>
+                        </a:lnB>
+                      </a:tcPr>
+                    </a:tc>
+                    <a:tc>
+                      <a:txBody>
+                        <a:bodyPr/>
+                        <a:lstStyle/>
+                        <a:p>
+                          <a:pPr algn="ctr" fontAlgn="ctr"/>
+                          <a:r>
+                            <a:rPr lang="en-US" altLang="ko-KR" sz="1200" b="0" i="0" u="none" strike="noStrike" dirty="0">
+                              <a:solidFill>
+                                <a:srgbClr val="000000"/>
+                              </a:solidFill>
+                              <a:effectLst/>
+                              <a:latin typeface="Times New Roman" panose="02020603050405020304" pitchFamily="18" charset="0"/>
+                              <a:cs typeface="Times New Roman" panose="02020603050405020304" pitchFamily="18" charset="0"/>
+                            </a:rPr>
+                            <a:t>0.2740</a:t>
+                          </a:r>
+                        </a:p>
+                      </a:txBody>
+                      <a:tcPr marL="9525" marR="9525" marT="9525" marB="0" anchor="ctr">
+                        <a:lnL>
+                          <a:noFill/>
+                        </a:lnL>
+                        <a:lnR>
+                          <a:noFill/>
+                        </a:lnR>
+                        <a:lnT w="12700" cap="flat" cmpd="sng" algn="ctr">
+                          <a:solidFill>
+                            <a:schemeClr val="tx1"/>
+                          </a:solidFill>
+                          <a:prstDash val="solid"/>
+                          <a:round/>
+                          <a:headEnd type="none" w="med" len="med"/>
+                          <a:tailEnd type="none" w="med" len="med"/>
+                        </a:lnT>
+                        <a:lnB w="28575" cap="flat" cmpd="sng" algn="ctr">
+                          <a:noFill/>
+                          <a:prstDash val="solid"/>
+                          <a:round/>
+                          <a:headEnd type="none" w="med" len="med"/>
+                          <a:tailEnd type="none" w="med" len="med"/>
+                        </a:lnB>
+                      </a:tcPr>
+                    </a:tc>
+                    <a:tc>
+                      <a:txBody>
+                        <a:bodyPr/>
+                        <a:lstStyle/>
+                        <a:p>
+                          <a:pPr algn="ctr" fontAlgn="ctr"/>
+                          <a:r>
+                            <a:rPr lang="en-US" altLang="ko-KR" sz="1200" b="0" i="0" u="none" strike="noStrike">
+                              <a:solidFill>
+                                <a:srgbClr val="000000"/>
+                              </a:solidFill>
+                              <a:effectLst/>
+                              <a:latin typeface="Times New Roman" panose="02020603050405020304" pitchFamily="18" charset="0"/>
+                              <a:cs typeface="Times New Roman" panose="02020603050405020304" pitchFamily="18" charset="0"/>
+                            </a:rPr>
+                            <a:t>0.3540</a:t>
+                          </a:r>
+                        </a:p>
+                      </a:txBody>
+                      <a:tcPr marL="9525" marR="9525" marT="9525" marB="0" anchor="ctr">
+                        <a:lnL>
+                          <a:noFill/>
+                        </a:lnL>
+                        <a:lnR>
+                          <a:noFill/>
+                        </a:lnR>
+                        <a:lnT w="12700" cap="flat" cmpd="sng" algn="ctr">
+                          <a:solidFill>
+                            <a:schemeClr val="tx1"/>
+                          </a:solidFill>
+                          <a:prstDash val="solid"/>
+                          <a:round/>
+                          <a:headEnd type="none" w="med" len="med"/>
+                          <a:tailEnd type="none" w="med" len="med"/>
+                        </a:lnT>
+                        <a:lnB w="28575" cap="flat" cmpd="sng" algn="ctr">
+                          <a:noFill/>
+                          <a:prstDash val="solid"/>
+                          <a:round/>
+                          <a:headEnd type="none" w="med" len="med"/>
+                          <a:tailEnd type="none" w="med" len="med"/>
+                        </a:lnB>
+                      </a:tcPr>
+                    </a:tc>
+                  </a:tr>
+                  <a:tr h="209550">
+                    <a:tc vMerge="1">
+                      <a:txBody>
+                        <a:bodyPr/>
+                        <a:lstStyle/>
+                        <a:p>
+                          <a:pPr latinLnBrk="1"/>
+                          <a:endParaRPr lang="ko-KR" altLang="en-US"/>
+                        </a:p>
+                      </a:txBody>
+                      <a:tcPr/>
+                    </a:tc>
+                    <a:tc vMerge="1">
+                      <a:txBody>
+                        <a:bodyPr/>
+                        <a:lstStyle/>
+                        <a:p>
+                          <a:pPr algn="ctr" fontAlgn="ctr"/>
+                          <a:endParaRPr lang="en-US" altLang="ko-KR" sz="1200" b="0" i="0" u="none" strike="noStrike" dirty="0">
+                            <a:solidFill>
+                              <a:srgbClr val="000000"/>
+                            </a:solidFill>
+                            <a:effectLst/>
+                            <a:latin typeface="Times New Roman" panose="02020603050405020304" pitchFamily="18" charset="0"/>
+                            <a:cs typeface="Times New Roman" panose="02020603050405020304" pitchFamily="18" charset="0"/>
+                          </a:endParaRPr>
+                        </a:p>
+                      </a:txBody>
+                      <a:tcPr marL="9525" marR="9525" marT="9525" marB="0" anchor="ctr">
+                        <a:lnL>
+                          <a:noFill/>
+                        </a:lnL>
+                        <a:lnR>
+                          <a:noFill/>
+                        </a:lnR>
+                        <a:lnT w="12700" cap="flat" cmpd="sng" algn="ctr">
+                          <a:solidFill>
+                            <a:schemeClr val="tx1"/>
+                          </a:solidFill>
+                          <a:prstDash val="solid"/>
+                          <a:round/>
+                          <a:headEnd type="none" w="med" len="med"/>
+                          <a:tailEnd type="none" w="med" len="med"/>
+                        </a:lnT>
+                        <a:lnB w="12700" cap="flat" cmpd="sng" algn="ctr">
+                          <a:solidFill>
+                            <a:schemeClr val="tx1"/>
+                          </a:solidFill>
+                          <a:prstDash val="solid"/>
+                          <a:round/>
+                          <a:headEnd type="none" w="med" len="med"/>
+                          <a:tailEnd type="none" w="med" len="med"/>
+                        </a:lnB>
+                      </a:tcPr>
+                    </a:tc>
+                    <a:tc>
+                      <a:txBody>
+                        <a:bodyPr/>
+                        <a:lstStyle/>
+                        <a:p>
+                          <a:pPr algn="ctr" fontAlgn="ctr"/>
+                          <a:r>
+                            <a:rPr lang="en-US" altLang="ko-KR" sz="1200" b="0" i="0" u="none" strike="noStrike" dirty="0">
+                              <a:solidFill>
+                                <a:srgbClr val="000000"/>
+                              </a:solidFill>
+                              <a:effectLst/>
+                              <a:latin typeface="Times New Roman" panose="02020603050405020304" pitchFamily="18" charset="0"/>
+                              <a:cs typeface="Times New Roman" panose="02020603050405020304" pitchFamily="18" charset="0"/>
+                            </a:rPr>
+                            <a:t>0.05</a:t>
+                          </a:r>
+                        </a:p>
+                      </a:txBody>
+                      <a:tcPr marL="9525" marR="9525" marT="9525" marB="0" anchor="ctr">
+                        <a:lnL>
+                          <a:noFill/>
+                        </a:lnL>
+                        <a:lnR>
+                          <a:noFill/>
+                        </a:lnR>
+                        <a:lnT>
+                          <a:noFill/>
+                        </a:lnT>
+                        <a:lnB w="28575" cap="flat" cmpd="sng" algn="ctr">
+                          <a:noFill/>
+                          <a:prstDash val="solid"/>
+                          <a:round/>
+                          <a:headEnd type="none" w="med" len="med"/>
+                          <a:tailEnd type="none" w="med" len="med"/>
+                        </a:lnB>
+                      </a:tcPr>
+                    </a:tc>
+                    <a:tc>
+                      <a:txBody>
+                        <a:bodyPr/>
+                        <a:lstStyle/>
+                        <a:p>
+                          <a:pPr algn="ctr" fontAlgn="ctr"/>
+                          <a:r>
+                            <a:rPr lang="en-US" altLang="ko-KR" sz="1200" b="0" i="0" u="none" strike="noStrike" dirty="0">
+                              <a:solidFill>
+                                <a:srgbClr val="000000"/>
+                              </a:solidFill>
+                              <a:effectLst/>
+                              <a:latin typeface="Times New Roman" panose="02020603050405020304" pitchFamily="18" charset="0"/>
+                              <a:cs typeface="Times New Roman" panose="02020603050405020304" pitchFamily="18" charset="0"/>
+                            </a:rPr>
+                            <a:t>0.5340</a:t>
+                          </a:r>
+                        </a:p>
+                      </a:txBody>
+                      <a:tcPr marL="9525" marR="9525" marT="9525" marB="0" anchor="ctr">
+                        <a:lnL>
+                          <a:noFill/>
+                        </a:lnL>
+                        <a:lnR>
+                          <a:noFill/>
+                        </a:lnR>
+                        <a:lnT>
+                          <a:noFill/>
+                        </a:lnT>
+                        <a:lnB w="28575" cap="flat" cmpd="sng" algn="ctr">
+                          <a:noFill/>
+                          <a:prstDash val="solid"/>
+                          <a:round/>
+                          <a:headEnd type="none" w="med" len="med"/>
+                          <a:tailEnd type="none" w="med" len="med"/>
+                        </a:lnB>
+                      </a:tcPr>
+                    </a:tc>
+                    <a:tc>
+                      <a:txBody>
+                        <a:bodyPr/>
+                        <a:lstStyle/>
+                        <a:p>
+                          <a:pPr algn="ctr" fontAlgn="ctr"/>
+                          <a:r>
+                            <a:rPr lang="en-US" altLang="ko-KR" sz="1200" b="0" i="0" u="none" strike="noStrike">
+                              <a:solidFill>
+                                <a:srgbClr val="000000"/>
+                              </a:solidFill>
+                              <a:effectLst/>
+                              <a:latin typeface="Times New Roman" panose="02020603050405020304" pitchFamily="18" charset="0"/>
+                              <a:cs typeface="Times New Roman" panose="02020603050405020304" pitchFamily="18" charset="0"/>
+                            </a:rPr>
+                            <a:t>0.6000</a:t>
+                          </a:r>
+                        </a:p>
+                      </a:txBody>
+                      <a:tcPr marL="9525" marR="9525" marT="9525" marB="0" anchor="ctr">
+                        <a:lnL>
+                          <a:noFill/>
+                        </a:lnL>
+                        <a:lnR>
+                          <a:noFill/>
+                        </a:lnR>
+                        <a:lnT>
+                          <a:noFill/>
+                        </a:lnT>
+                        <a:lnB w="28575" cap="flat" cmpd="sng" algn="ctr">
+                          <a:noFill/>
+                          <a:prstDash val="solid"/>
+                          <a:round/>
+                          <a:headEnd type="none" w="med" len="med"/>
+                          <a:tailEnd type="none" w="med" len="med"/>
+                        </a:lnB>
+                      </a:tcPr>
+                    </a:tc>
+                  </a:tr>
+                  <a:tr h="209550">
+                    <a:tc vMerge="1">
+                      <a:txBody>
+                        <a:bodyPr/>
+                        <a:lstStyle/>
+                        <a:p>
+                          <a:pPr latinLnBrk="1"/>
+                          <a:endParaRPr lang="ko-KR" altLang="en-US"/>
+                        </a:p>
+                      </a:txBody>
+                      <a:tcPr/>
+                    </a:tc>
+                    <a:tc vMerge="1">
+                      <a:txBody>
+                        <a:bodyPr/>
+                        <a:lstStyle/>
+                        <a:p>
+                          <a:pPr algn="ctr" fontAlgn="ctr"/>
+                          <a:endParaRPr lang="en-US" altLang="ko-KR" sz="1200" b="0" i="0" u="none" strike="noStrike" dirty="0">
+                            <a:solidFill>
+                              <a:srgbClr val="000000"/>
+                            </a:solidFill>
+                            <a:effectLst/>
+                            <a:latin typeface="Times New Roman" panose="02020603050405020304" pitchFamily="18" charset="0"/>
+                            <a:cs typeface="Times New Roman" panose="02020603050405020304" pitchFamily="18" charset="0"/>
+                          </a:endParaRPr>
+                        </a:p>
+                      </a:txBody>
+                      <a:tcPr marL="9525" marR="9525" marT="9525" marB="0" anchor="ctr">
+                        <a:lnL>
+                          <a:noFill/>
+                        </a:lnL>
+                        <a:lnR>
+                          <a:noFill/>
+                        </a:lnR>
+                        <a:lnT w="12700" cap="flat" cmpd="sng" algn="ctr">
+                          <a:solidFill>
+                            <a:schemeClr val="tx1"/>
+                          </a:solidFill>
+                          <a:prstDash val="solid"/>
+                          <a:round/>
+                          <a:headEnd type="none" w="med" len="med"/>
+                          <a:tailEnd type="none" w="med" len="med"/>
+                        </a:lnT>
+                        <a:lnB w="28575" cap="flat" cmpd="sng" algn="ctr">
+                          <a:solidFill>
+                            <a:schemeClr val="tx1"/>
+                          </a:solidFill>
+                          <a:prstDash val="solid"/>
+                          <a:round/>
+                          <a:headEnd type="none" w="med" len="med"/>
+                          <a:tailEnd type="none" w="med" len="med"/>
+                        </a:lnB>
+                      </a:tcPr>
+                    </a:tc>
+                    <a:tc>
+                      <a:txBody>
+                        <a:bodyPr/>
+                        <a:lstStyle/>
+                        <a:p>
+                          <a:pPr algn="ctr" fontAlgn="ctr"/>
+                          <a:r>
+                            <a:rPr lang="en-US" altLang="ko-KR" sz="1200" b="0" i="0" u="none" strike="noStrike" dirty="0">
+                              <a:solidFill>
+                                <a:srgbClr val="000000"/>
+                              </a:solidFill>
+                              <a:effectLst/>
+                              <a:latin typeface="Times New Roman" panose="02020603050405020304" pitchFamily="18" charset="0"/>
+                              <a:cs typeface="Times New Roman" panose="02020603050405020304" pitchFamily="18" charset="0"/>
+                            </a:rPr>
+                            <a:t>0.1</a:t>
+                          </a:r>
+                        </a:p>
+                      </a:txBody>
+                      <a:tcPr marL="9525" marR="9525" marT="9525" marB="0" anchor="ctr">
+                        <a:lnL>
+                          <a:noFill/>
+                        </a:lnL>
+                        <a:lnR>
+                          <a:noFill/>
+                        </a:lnR>
+                        <a:lnT>
+                          <a:noFill/>
+                        </a:lnT>
+                        <a:lnB w="28575" cap="flat" cmpd="sng" algn="ctr">
+                          <a:solidFill>
+                            <a:schemeClr val="tx1"/>
+                          </a:solidFill>
+                          <a:prstDash val="solid"/>
+                          <a:round/>
+                          <a:headEnd type="none" w="med" len="med"/>
+                          <a:tailEnd type="none" w="med" len="med"/>
+                        </a:lnB>
+                      </a:tcPr>
+                    </a:tc>
+                    <a:tc>
+                      <a:txBody>
+                        <a:bodyPr/>
+                        <a:lstStyle/>
+                        <a:p>
+                          <a:pPr algn="ctr" fontAlgn="ctr"/>
+                          <a:r>
+                            <a:rPr lang="en-US" altLang="ko-KR" sz="1200" b="0" i="0" u="none" strike="noStrike" dirty="0">
+                              <a:solidFill>
+                                <a:srgbClr val="000000"/>
+                              </a:solidFill>
+                              <a:effectLst/>
+                              <a:latin typeface="Times New Roman" panose="02020603050405020304" pitchFamily="18" charset="0"/>
+                              <a:cs typeface="Times New Roman" panose="02020603050405020304" pitchFamily="18" charset="0"/>
+                            </a:rPr>
+                            <a:t>0.6640</a:t>
+                          </a:r>
+                        </a:p>
+                      </a:txBody>
+                      <a:tcPr marL="9525" marR="9525" marT="9525" marB="0" anchor="ctr">
+                        <a:lnL>
+                          <a:noFill/>
+                        </a:lnL>
+                        <a:lnR>
+                          <a:noFill/>
+                        </a:lnR>
+                        <a:lnT>
+                          <a:noFill/>
+                        </a:lnT>
+                        <a:lnB w="28575" cap="flat" cmpd="sng" algn="ctr">
+                          <a:solidFill>
+                            <a:schemeClr val="tx1"/>
+                          </a:solidFill>
+                          <a:prstDash val="solid"/>
+                          <a:round/>
+                          <a:headEnd type="none" w="med" len="med"/>
+                          <a:tailEnd type="none" w="med" len="med"/>
+                        </a:lnB>
+                      </a:tcPr>
+                    </a:tc>
+                    <a:tc>
+                      <a:txBody>
+                        <a:bodyPr/>
+                        <a:lstStyle/>
+                        <a:p>
+                          <a:pPr algn="ctr" fontAlgn="ctr"/>
+                          <a:r>
+                            <a:rPr lang="en-US" altLang="ko-KR" sz="1200" b="0" i="0" u="none" strike="noStrike" dirty="0">
+                              <a:solidFill>
+                                <a:srgbClr val="000000"/>
+                              </a:solidFill>
+                              <a:effectLst/>
+                              <a:latin typeface="Times New Roman" panose="02020603050405020304" pitchFamily="18" charset="0"/>
+                              <a:cs typeface="Times New Roman" panose="02020603050405020304" pitchFamily="18" charset="0"/>
+                            </a:rPr>
+                            <a:t>0.7180</a:t>
+                          </a:r>
+                        </a:p>
+                      </a:txBody>
+                      <a:tcPr marL="9525" marR="9525" marT="9525" marB="0" anchor="ctr">
+                        <a:lnL>
+                          <a:noFill/>
+                        </a:lnL>
+                        <a:lnR>
+                          <a:noFill/>
+                        </a:lnR>
+                        <a:lnT>
+                          <a:noFill/>
+                        </a:lnT>
+                        <a:lnB w="28575" cap="flat" cmpd="sng" algn="ctr">
+                          <a:solidFill>
+                            <a:schemeClr val="tx1"/>
+                          </a:solidFill>
+                          <a:prstDash val="solid"/>
+                          <a:round/>
+                          <a:headEnd type="none" w="med" len="med"/>
+                          <a:tailEnd type="none" w="med" len="med"/>
+                        </a:lnB>
+                      </a:tcPr>
+                    </a:tc>
+                  </a:tr>
+                </a:tbl>
+              </a:graphicData>
+            </a:graphic>
+          </p:graphicFrame>
+        </mc:Fallback>
+      </mc:AlternateContent>
       <p:sp>
         <p:nvSpPr>
           <p:cNvPr id="3" name="TextBox 2"/>
@@ -20918,7 +24788,7 @@
 </p:sld>
 </file>
 
-<file path=ppt/slides/slide7.xml><?xml version="1.0" encoding="utf-8"?>
+<file path=ppt/slides/slide6.xml><?xml version="1.0" encoding="utf-8"?>
 <p:sld xmlns:a="http://schemas.openxmlformats.org/drawingml/2006/main" xmlns:r="http://schemas.openxmlformats.org/officeDocument/2006/relationships" xmlns:p="http://schemas.openxmlformats.org/presentationml/2006/main">
   <p:cSld>
     <p:spTree>
@@ -21578,7 +25448,7 @@
                     <a:p>
                       <a:pPr algn="ctr" fontAlgn="ctr"/>
                       <a:r>
-                        <a:rPr lang="en-US" altLang="ko-KR" sz="1200" b="0" i="0" u="none" strike="noStrike">
+                        <a:rPr lang="en-US" altLang="ko-KR" sz="1200" b="0" i="0" u="none" strike="noStrike" dirty="0">
                           <a:solidFill>
                             <a:srgbClr val="000000"/>
                           </a:solidFill>
@@ -21903,7 +25773,7 @@
                     <a:p>
                       <a:pPr algn="ctr" fontAlgn="ctr"/>
                       <a:r>
-                        <a:rPr lang="en-US" altLang="ko-KR" sz="1200" b="0" i="0" u="none" strike="noStrike">
+                        <a:rPr lang="en-US" altLang="ko-KR" sz="1200" b="0" i="0" u="none" strike="noStrike" dirty="0">
                           <a:solidFill>
                             <a:srgbClr val="000000"/>
                           </a:solidFill>
@@ -22066,7 +25936,7 @@
                     <a:p>
                       <a:pPr algn="ctr" fontAlgn="ctr"/>
                       <a:r>
-                        <a:rPr lang="en-US" altLang="ko-KR" sz="1200" b="0" i="0" u="none" strike="noStrike">
+                        <a:rPr lang="en-US" altLang="ko-KR" sz="1200" b="0" i="0" u="none" strike="noStrike" dirty="0">
                           <a:solidFill>
                             <a:srgbClr val="000000"/>
                           </a:solidFill>
@@ -22221,7 +26091,7 @@
                     <a:p>
                       <a:pPr algn="ctr" fontAlgn="ctr"/>
                       <a:r>
-                        <a:rPr lang="en-US" altLang="ko-KR" sz="1200" b="0" i="0" u="none" strike="noStrike">
+                        <a:rPr lang="en-US" altLang="ko-KR" sz="1200" b="0" i="0" u="none" strike="noStrike" dirty="0">
                           <a:solidFill>
                             <a:srgbClr val="000000"/>
                           </a:solidFill>
@@ -22342,7 +26212,7 @@
 </p:sld>
 </file>
 
-<file path=ppt/slides/slide8.xml><?xml version="1.0" encoding="utf-8"?>
+<file path=ppt/slides/slide7.xml><?xml version="1.0" encoding="utf-8"?>
 <p:sld xmlns:a="http://schemas.openxmlformats.org/drawingml/2006/main" xmlns:r="http://schemas.openxmlformats.org/officeDocument/2006/relationships" xmlns:p="http://schemas.openxmlformats.org/presentationml/2006/main">
   <p:cSld>
     <p:spTree>
@@ -22733,21 +26603,7 @@
                           <a:latin typeface="Times New Roman" panose="02020603050405020304" pitchFamily="18" charset="0"/>
                           <a:cs typeface="Times New Roman" panose="02020603050405020304" pitchFamily="18" charset="0"/>
                         </a:rPr>
-                        <a:t>   </a:t>
-                      </a:r>
-                      <a:r>
-                        <a:rPr lang="en-US" altLang="ko-KR" sz="1200" dirty="0" smtClean="0">
-                          <a:latin typeface="Times New Roman" panose="02020603050405020304" pitchFamily="18" charset="0"/>
-                          <a:cs typeface="Times New Roman" panose="02020603050405020304" pitchFamily="18" charset="0"/>
-                        </a:rPr>
-                        <a:t>  </a:t>
-                      </a:r>
-                      <a:r>
-                        <a:rPr lang="en-US" altLang="ko-KR" sz="1200" dirty="0" smtClean="0">
-                          <a:latin typeface="Times New Roman" panose="02020603050405020304" pitchFamily="18" charset="0"/>
-                          <a:cs typeface="Times New Roman" panose="02020603050405020304" pitchFamily="18" charset="0"/>
-                        </a:rPr>
-                        <a:t>T2D</a:t>
+                        <a:t>     T2D</a:t>
                       </a:r>
                       <a:endParaRPr lang="ko-KR" altLang="en-US" sz="1200" dirty="0">
                         <a:latin typeface="Times New Roman" panose="02020603050405020304" pitchFamily="18" charset="0"/>
@@ -22903,21 +26759,7 @@
                           <a:latin typeface="Times New Roman" panose="02020603050405020304" pitchFamily="18" charset="0"/>
                           <a:cs typeface="Times New Roman" panose="02020603050405020304" pitchFamily="18" charset="0"/>
                         </a:rPr>
-                        <a:t>   </a:t>
-                      </a:r>
-                      <a:r>
-                        <a:rPr lang="en-US" altLang="ko-KR" sz="1200" dirty="0" smtClean="0">
-                          <a:latin typeface="Times New Roman" panose="02020603050405020304" pitchFamily="18" charset="0"/>
-                          <a:cs typeface="Times New Roman" panose="02020603050405020304" pitchFamily="18" charset="0"/>
-                        </a:rPr>
-                        <a:t>  </a:t>
-                      </a:r>
-                      <a:r>
-                        <a:rPr lang="en-US" altLang="ko-KR" sz="1200" dirty="0" smtClean="0">
-                          <a:latin typeface="Times New Roman" panose="02020603050405020304" pitchFamily="18" charset="0"/>
-                          <a:cs typeface="Times New Roman" panose="02020603050405020304" pitchFamily="18" charset="0"/>
-                        </a:rPr>
-                        <a:t>Normal</a:t>
+                        <a:t>     Normal</a:t>
                       </a:r>
                       <a:endParaRPr lang="ko-KR" altLang="en-US" sz="1200" dirty="0">
                         <a:latin typeface="Times New Roman" panose="02020603050405020304" pitchFamily="18" charset="0"/>
@@ -23185,21 +27027,7 @@
                           <a:latin typeface="Times New Roman" panose="02020603050405020304" pitchFamily="18" charset="0"/>
                           <a:cs typeface="Times New Roman" panose="02020603050405020304" pitchFamily="18" charset="0"/>
                         </a:rPr>
-                        <a:t>  </a:t>
-                      </a:r>
-                      <a:r>
-                        <a:rPr lang="en-US" altLang="ko-KR" sz="1200" dirty="0" smtClean="0">
-                          <a:latin typeface="Times New Roman" panose="02020603050405020304" pitchFamily="18" charset="0"/>
-                          <a:cs typeface="Times New Roman" panose="02020603050405020304" pitchFamily="18" charset="0"/>
-                        </a:rPr>
-                        <a:t>   </a:t>
-                      </a:r>
-                      <a:r>
-                        <a:rPr lang="en-US" altLang="ko-KR" sz="1200" dirty="0" smtClean="0">
-                          <a:latin typeface="Times New Roman" panose="02020603050405020304" pitchFamily="18" charset="0"/>
-                          <a:cs typeface="Times New Roman" panose="02020603050405020304" pitchFamily="18" charset="0"/>
-                        </a:rPr>
-                        <a:t>Male</a:t>
+                        <a:t>     Male</a:t>
                       </a:r>
                       <a:endParaRPr lang="ko-KR" altLang="en-US" sz="1200" dirty="0">
                         <a:latin typeface="Times New Roman" panose="02020603050405020304" pitchFamily="18" charset="0"/>
@@ -23359,21 +27187,7 @@
                           <a:latin typeface="Times New Roman" panose="02020603050405020304" pitchFamily="18" charset="0"/>
                           <a:cs typeface="Times New Roman" panose="02020603050405020304" pitchFamily="18" charset="0"/>
                         </a:rPr>
-                        <a:t>  </a:t>
-                      </a:r>
-                      <a:r>
-                        <a:rPr lang="en-US" altLang="ko-KR" sz="1200" dirty="0" smtClean="0">
-                          <a:latin typeface="Times New Roman" panose="02020603050405020304" pitchFamily="18" charset="0"/>
-                          <a:cs typeface="Times New Roman" panose="02020603050405020304" pitchFamily="18" charset="0"/>
-                        </a:rPr>
-                        <a:t>   </a:t>
-                      </a:r>
-                      <a:r>
-                        <a:rPr lang="en-US" altLang="ko-KR" sz="1200" dirty="0" smtClean="0">
-                          <a:latin typeface="Times New Roman" panose="02020603050405020304" pitchFamily="18" charset="0"/>
-                          <a:cs typeface="Times New Roman" panose="02020603050405020304" pitchFamily="18" charset="0"/>
-                        </a:rPr>
-                        <a:t>Female</a:t>
+                        <a:t>     Female</a:t>
                       </a:r>
                       <a:endParaRPr lang="ko-KR" altLang="en-US" sz="1200" dirty="0">
                         <a:latin typeface="Times New Roman" panose="02020603050405020304" pitchFamily="18" charset="0"/>
@@ -23866,21 +27680,7 @@
                           <a:latin typeface="Times New Roman" panose="02020603050405020304" pitchFamily="18" charset="0"/>
                           <a:cs typeface="Times New Roman" panose="02020603050405020304" pitchFamily="18" charset="0"/>
                         </a:rPr>
-                        <a:t>    </a:t>
-                      </a:r>
-                      <a:r>
-                        <a:rPr lang="en-US" altLang="ko-KR" sz="1200" dirty="0" smtClean="0">
-                          <a:latin typeface="Times New Roman" panose="02020603050405020304" pitchFamily="18" charset="0"/>
-                          <a:cs typeface="Times New Roman" panose="02020603050405020304" pitchFamily="18" charset="0"/>
-                        </a:rPr>
-                        <a:t> </a:t>
-                      </a:r>
-                      <a:r>
-                        <a:rPr lang="en-US" altLang="ko-KR" sz="1200" dirty="0" smtClean="0">
-                          <a:latin typeface="Times New Roman" panose="02020603050405020304" pitchFamily="18" charset="0"/>
-                          <a:cs typeface="Times New Roman" panose="02020603050405020304" pitchFamily="18" charset="0"/>
-                        </a:rPr>
-                        <a:t>Parents</a:t>
+                        <a:t>     Parents</a:t>
                       </a:r>
                       <a:endParaRPr lang="ko-KR" altLang="en-US" sz="1200" dirty="0">
                         <a:latin typeface="Times New Roman" panose="02020603050405020304" pitchFamily="18" charset="0"/>
@@ -24033,21 +27833,7 @@
                           <a:latin typeface="Times New Roman" panose="02020603050405020304" pitchFamily="18" charset="0"/>
                           <a:cs typeface="Times New Roman" panose="02020603050405020304" pitchFamily="18" charset="0"/>
                         </a:rPr>
-                        <a:t>    </a:t>
-                      </a:r>
-                      <a:r>
-                        <a:rPr lang="en-US" altLang="ko-KR" sz="1200" dirty="0" smtClean="0">
-                          <a:latin typeface="Times New Roman" panose="02020603050405020304" pitchFamily="18" charset="0"/>
-                          <a:cs typeface="Times New Roman" panose="02020603050405020304" pitchFamily="18" charset="0"/>
-                        </a:rPr>
-                        <a:t> </a:t>
-                      </a:r>
-                      <a:r>
-                        <a:rPr lang="en-US" altLang="ko-KR" sz="1200" dirty="0" smtClean="0">
-                          <a:latin typeface="Times New Roman" panose="02020603050405020304" pitchFamily="18" charset="0"/>
-                          <a:cs typeface="Times New Roman" panose="02020603050405020304" pitchFamily="18" charset="0"/>
-                        </a:rPr>
-                        <a:t>Sibling</a:t>
+                        <a:t>     Sibling</a:t>
                       </a:r>
                       <a:endParaRPr lang="ko-KR" altLang="en-US" sz="1200" dirty="0">
                         <a:latin typeface="Times New Roman" panose="02020603050405020304" pitchFamily="18" charset="0"/>
@@ -24200,21 +27986,7 @@
                           <a:latin typeface="Times New Roman" panose="02020603050405020304" pitchFamily="18" charset="0"/>
                           <a:cs typeface="Times New Roman" panose="02020603050405020304" pitchFamily="18" charset="0"/>
                         </a:rPr>
-                        <a:t>    </a:t>
-                      </a:r>
-                      <a:r>
-                        <a:rPr lang="en-US" altLang="ko-KR" sz="1200" dirty="0" smtClean="0">
-                          <a:latin typeface="Times New Roman" panose="02020603050405020304" pitchFamily="18" charset="0"/>
-                          <a:cs typeface="Times New Roman" panose="02020603050405020304" pitchFamily="18" charset="0"/>
-                        </a:rPr>
-                        <a:t> </a:t>
-                      </a:r>
-                      <a:r>
-                        <a:rPr lang="en-US" altLang="ko-KR" sz="1200" dirty="0" smtClean="0">
-                          <a:latin typeface="Times New Roman" panose="02020603050405020304" pitchFamily="18" charset="0"/>
-                          <a:cs typeface="Times New Roman" panose="02020603050405020304" pitchFamily="18" charset="0"/>
-                        </a:rPr>
-                        <a:t>Offspring</a:t>
+                        <a:t>     Offspring</a:t>
                       </a:r>
                       <a:endParaRPr lang="ko-KR" altLang="en-US" sz="1200" dirty="0">
                         <a:latin typeface="Times New Roman" panose="02020603050405020304" pitchFamily="18" charset="0"/>

--- a/LTM_heritability/figure and table/figure and table.pptx
+++ b/LTM_heritability/figure and table/figure and table.pptx
@@ -3210,7 +3210,7 @@
               <p:nvPr>
                 <p:extLst>
                   <p:ext uri="{D42A27DB-BD31-4B8C-83A1-F6EECF244321}">
-                    <p14:modId xmlns:p14="http://schemas.microsoft.com/office/powerpoint/2010/main" val="27671404"/>
+                    <p14:modId xmlns:p14="http://schemas.microsoft.com/office/powerpoint/2010/main" val="3314824694"/>
                   </p:ext>
                 </p:extLst>
               </p:nvPr>
@@ -4854,6 +4854,50 @@
                         <a:p>
                           <a:pPr algn="ctr" fontAlgn="ctr"/>
                           <a:r>
+                            <a:rPr lang="en-US" altLang="ko-KR" sz="1200" b="0" i="0" u="none" strike="noStrike" dirty="0">
+                              <a:solidFill>
+                                <a:srgbClr val="000000"/>
+                              </a:solidFill>
+                              <a:effectLst/>
+                              <a:latin typeface="Times New Roman" panose="02020603050405020304" pitchFamily="18" charset="0"/>
+                              <a:cs typeface="Times New Roman" panose="02020603050405020304" pitchFamily="18" charset="0"/>
+                            </a:rPr>
+                            <a:t>0.1265 (0.0221)</a:t>
+                          </a:r>
+                        </a:p>
+                      </a:txBody>
+                      <a:tcPr marL="9525" marR="9525" marT="9525" marB="0" anchor="ctr">
+                        <a:lnL>
+                          <a:noFill/>
+                        </a:lnL>
+                        <a:lnR>
+                          <a:noFill/>
+                        </a:lnR>
+                        <a:lnT w="12700" cap="flat" cmpd="sng" algn="ctr">
+                          <a:solidFill>
+                            <a:schemeClr val="tx1"/>
+                          </a:solidFill>
+                          <a:prstDash val="solid"/>
+                          <a:round/>
+                          <a:headEnd type="none" w="med" len="med"/>
+                          <a:tailEnd type="none" w="med" len="med"/>
+                        </a:lnT>
+                        <a:lnB w="12700" cap="flat" cmpd="sng" algn="ctr">
+                          <a:noFill/>
+                          <a:prstDash val="solid"/>
+                          <a:round/>
+                          <a:headEnd type="none" w="med" len="med"/>
+                          <a:tailEnd type="none" w="med" len="med"/>
+                        </a:lnB>
+                      </a:tcPr>
+                    </a:tc>
+                    <a:tc>
+                      <a:txBody>
+                        <a:bodyPr/>
+                        <a:lstStyle/>
+                        <a:p>
+                          <a:pPr algn="ctr" fontAlgn="ctr"/>
+                          <a:r>
                             <a:rPr lang="en-US" altLang="ko-KR" sz="1200" b="0" i="0" u="none" strike="noStrike">
                               <a:solidFill>
                                 <a:srgbClr val="000000"/>
@@ -4862,51 +4906,7 @@
                               <a:latin typeface="Times New Roman" panose="02020603050405020304" pitchFamily="18" charset="0"/>
                               <a:cs typeface="Times New Roman" panose="02020603050405020304" pitchFamily="18" charset="0"/>
                             </a:rPr>
-                            <a:t>0.1261 (0.0221)</a:t>
-                          </a:r>
-                        </a:p>
-                      </a:txBody>
-                      <a:tcPr marL="9525" marR="9525" marT="9525" marB="0" anchor="ctr">
-                        <a:lnL>
-                          <a:noFill/>
-                        </a:lnL>
-                        <a:lnR>
-                          <a:noFill/>
-                        </a:lnR>
-                        <a:lnT w="12700" cap="flat" cmpd="sng" algn="ctr">
-                          <a:solidFill>
-                            <a:schemeClr val="tx1"/>
-                          </a:solidFill>
-                          <a:prstDash val="solid"/>
-                          <a:round/>
-                          <a:headEnd type="none" w="med" len="med"/>
-                          <a:tailEnd type="none" w="med" len="med"/>
-                        </a:lnT>
-                        <a:lnB w="12700" cap="flat" cmpd="sng" algn="ctr">
-                          <a:noFill/>
-                          <a:prstDash val="solid"/>
-                          <a:round/>
-                          <a:headEnd type="none" w="med" len="med"/>
-                          <a:tailEnd type="none" w="med" len="med"/>
-                        </a:lnB>
-                      </a:tcPr>
-                    </a:tc>
-                    <a:tc>
-                      <a:txBody>
-                        <a:bodyPr/>
-                        <a:lstStyle/>
-                        <a:p>
-                          <a:pPr algn="ctr" fontAlgn="ctr"/>
-                          <a:r>
-                            <a:rPr lang="en-US" altLang="ko-KR" sz="1200" b="0" i="0" u="none" strike="noStrike">
-                              <a:solidFill>
-                                <a:srgbClr val="000000"/>
-                              </a:solidFill>
-                              <a:effectLst/>
-                              <a:latin typeface="Times New Roman" panose="02020603050405020304" pitchFamily="18" charset="0"/>
-                              <a:cs typeface="Times New Roman" panose="02020603050405020304" pitchFamily="18" charset="0"/>
-                            </a:rPr>
-                            <a:t>0.2049 (0.1262)</a:t>
+                            <a:t>0.2056 (0.1269)</a:t>
                           </a:r>
                         </a:p>
                       </a:txBody>
@@ -5093,6 +5093,48 @@
                         <a:p>
                           <a:pPr algn="ctr" fontAlgn="ctr"/>
                           <a:r>
+                            <a:rPr lang="en-US" altLang="ko-KR" sz="1200" b="0" i="0" u="none" strike="noStrike">
+                              <a:solidFill>
+                                <a:srgbClr val="000000"/>
+                              </a:solidFill>
+                              <a:effectLst/>
+                              <a:latin typeface="Times New Roman" panose="02020603050405020304" pitchFamily="18" charset="0"/>
+                              <a:cs typeface="Times New Roman" panose="02020603050405020304" pitchFamily="18" charset="0"/>
+                            </a:rPr>
+                            <a:t>0.1242 (0.0191)</a:t>
+                          </a:r>
+                        </a:p>
+                      </a:txBody>
+                      <a:tcPr marL="9525" marR="9525" marT="9525" marB="0" anchor="ctr">
+                        <a:lnL>
+                          <a:noFill/>
+                        </a:lnL>
+                        <a:lnR>
+                          <a:noFill/>
+                        </a:lnR>
+                        <a:lnT w="12700" cap="flat" cmpd="sng" algn="ctr">
+                          <a:noFill/>
+                          <a:prstDash val="solid"/>
+                          <a:round/>
+                          <a:headEnd type="none" w="med" len="med"/>
+                          <a:tailEnd type="none" w="med" len="med"/>
+                        </a:lnT>
+                        <a:lnB w="12700" cap="flat" cmpd="sng" algn="ctr">
+                          <a:noFill/>
+                          <a:prstDash val="solid"/>
+                          <a:round/>
+                          <a:headEnd type="none" w="med" len="med"/>
+                          <a:tailEnd type="none" w="med" len="med"/>
+                        </a:lnB>
+                      </a:tcPr>
+                    </a:tc>
+                    <a:tc>
+                      <a:txBody>
+                        <a:bodyPr/>
+                        <a:lstStyle/>
+                        <a:p>
+                          <a:pPr algn="ctr" fontAlgn="ctr"/>
+                          <a:r>
                             <a:rPr lang="en-US" altLang="ko-KR" sz="1200" b="0" i="0" u="none" strike="noStrike" dirty="0">
                               <a:solidFill>
                                 <a:srgbClr val="000000"/>
@@ -5101,91 +5143,7 @@
                               <a:latin typeface="Times New Roman" panose="02020603050405020304" pitchFamily="18" charset="0"/>
                               <a:cs typeface="Times New Roman" panose="02020603050405020304" pitchFamily="18" charset="0"/>
                             </a:rPr>
-                            <a:t>0.1242 (0.0191)</a:t>
-                          </a:r>
-                        </a:p>
-                      </a:txBody>
-                      <a:tcPr marL="9525" marR="9525" marT="9525" marB="0" anchor="ctr">
-                        <a:lnL>
-                          <a:noFill/>
-                        </a:lnL>
-                        <a:lnR>
-                          <a:noFill/>
-                        </a:lnR>
-                        <a:lnT w="12700" cap="flat" cmpd="sng" algn="ctr">
-                          <a:noFill/>
-                          <a:prstDash val="solid"/>
-                          <a:round/>
-                          <a:headEnd type="none" w="med" len="med"/>
-                          <a:tailEnd type="none" w="med" len="med"/>
-                        </a:lnT>
-                        <a:lnB w="12700" cap="flat" cmpd="sng" algn="ctr">
-                          <a:noFill/>
-                          <a:prstDash val="solid"/>
-                          <a:round/>
-                          <a:headEnd type="none" w="med" len="med"/>
-                          <a:tailEnd type="none" w="med" len="med"/>
-                        </a:lnB>
-                      </a:tcPr>
-                    </a:tc>
-                    <a:tc>
-                      <a:txBody>
-                        <a:bodyPr/>
-                        <a:lstStyle/>
-                        <a:p>
-                          <a:pPr algn="ctr" fontAlgn="ctr"/>
-                          <a:r>
-                            <a:rPr lang="en-US" altLang="ko-KR" sz="1200" b="0" i="0" u="none" strike="noStrike" dirty="0">
-                              <a:solidFill>
-                                <a:srgbClr val="000000"/>
-                              </a:solidFill>
-                              <a:effectLst/>
-                              <a:latin typeface="Times New Roman" panose="02020603050405020304" pitchFamily="18" charset="0"/>
-                              <a:cs typeface="Times New Roman" panose="02020603050405020304" pitchFamily="18" charset="0"/>
-                            </a:rPr>
-                            <a:t>0.1953 (0.1001)</a:t>
-                          </a:r>
-                        </a:p>
-                      </a:txBody>
-                      <a:tcPr marL="9525" marR="9525" marT="9525" marB="0" anchor="ctr">
-                        <a:lnL>
-                          <a:noFill/>
-                        </a:lnL>
-                        <a:lnR>
-                          <a:noFill/>
-                        </a:lnR>
-                        <a:lnT w="12700" cap="flat" cmpd="sng" algn="ctr">
-                          <a:noFill/>
-                          <a:prstDash val="solid"/>
-                          <a:round/>
-                          <a:headEnd type="none" w="med" len="med"/>
-                          <a:tailEnd type="none" w="med" len="med"/>
-                        </a:lnT>
-                        <a:lnB w="12700" cap="flat" cmpd="sng" algn="ctr">
-                          <a:noFill/>
-                          <a:prstDash val="solid"/>
-                          <a:round/>
-                          <a:headEnd type="none" w="med" len="med"/>
-                          <a:tailEnd type="none" w="med" len="med"/>
-                        </a:lnB>
-                      </a:tcPr>
-                    </a:tc>
-                    <a:tc>
-                      <a:txBody>
-                        <a:bodyPr/>
-                        <a:lstStyle/>
-                        <a:p>
-                          <a:pPr algn="ctr" fontAlgn="ctr"/>
-                          <a:r>
-                            <a:rPr lang="en-US" altLang="ko-KR" sz="1200" b="0" i="0" u="none" strike="noStrike" dirty="0">
-                              <a:solidFill>
-                                <a:srgbClr val="000000"/>
-                              </a:solidFill>
-                              <a:effectLst/>
-                              <a:latin typeface="Times New Roman" panose="02020603050405020304" pitchFamily="18" charset="0"/>
-                              <a:cs typeface="Times New Roman" panose="02020603050405020304" pitchFamily="18" charset="0"/>
-                            </a:rPr>
-                            <a:t>0.2111 </a:t>
+                            <a:t>0.1958 </a:t>
                           </a:r>
                           <a:endParaRPr lang="en-US" altLang="ko-KR" sz="1200" b="0" i="0" u="none" strike="noStrike" dirty="0" smtClean="0">
                             <a:solidFill>
@@ -5207,6 +5165,78 @@
                               <a:latin typeface="Times New Roman" panose="02020603050405020304" pitchFamily="18" charset="0"/>
                               <a:cs typeface="Times New Roman" panose="02020603050405020304" pitchFamily="18" charset="0"/>
                             </a:rPr>
+                            <a:t>(0.1000)</a:t>
+                          </a:r>
+                          <a:endParaRPr lang="en-US" altLang="ko-KR" sz="1200" b="0" i="0" u="none" strike="noStrike" dirty="0">
+                            <a:solidFill>
+                              <a:srgbClr val="000000"/>
+                            </a:solidFill>
+                            <a:effectLst/>
+                            <a:latin typeface="Times New Roman" panose="02020603050405020304" pitchFamily="18" charset="0"/>
+                            <a:cs typeface="Times New Roman" panose="02020603050405020304" pitchFamily="18" charset="0"/>
+                          </a:endParaRPr>
+                        </a:p>
+                      </a:txBody>
+                      <a:tcPr marL="9525" marR="9525" marT="9525" marB="0" anchor="ctr">
+                        <a:lnL>
+                          <a:noFill/>
+                        </a:lnL>
+                        <a:lnR>
+                          <a:noFill/>
+                        </a:lnR>
+                        <a:lnT w="12700" cap="flat" cmpd="sng" algn="ctr">
+                          <a:noFill/>
+                          <a:prstDash val="solid"/>
+                          <a:round/>
+                          <a:headEnd type="none" w="med" len="med"/>
+                          <a:tailEnd type="none" w="med" len="med"/>
+                        </a:lnT>
+                        <a:lnB w="12700" cap="flat" cmpd="sng" algn="ctr">
+                          <a:noFill/>
+                          <a:prstDash val="solid"/>
+                          <a:round/>
+                          <a:headEnd type="none" w="med" len="med"/>
+                          <a:tailEnd type="none" w="med" len="med"/>
+                        </a:lnB>
+                      </a:tcPr>
+                    </a:tc>
+                    <a:tc>
+                      <a:txBody>
+                        <a:bodyPr/>
+                        <a:lstStyle/>
+                        <a:p>
+                          <a:pPr algn="ctr" fontAlgn="ctr"/>
+                          <a:r>
+                            <a:rPr lang="en-US" altLang="ko-KR" sz="1200" b="0" i="0" u="none" strike="noStrike" dirty="0">
+                              <a:solidFill>
+                                <a:srgbClr val="000000"/>
+                              </a:solidFill>
+                              <a:effectLst/>
+                              <a:latin typeface="Times New Roman" panose="02020603050405020304" pitchFamily="18" charset="0"/>
+                              <a:cs typeface="Times New Roman" panose="02020603050405020304" pitchFamily="18" charset="0"/>
+                            </a:rPr>
+                            <a:t>0.2111 </a:t>
+                          </a:r>
+                          <a:endParaRPr lang="en-US" altLang="ko-KR" sz="1200" b="0" i="0" u="none" strike="noStrike" dirty="0" smtClean="0">
+                            <a:solidFill>
+                              <a:srgbClr val="000000"/>
+                            </a:solidFill>
+                            <a:effectLst/>
+                            <a:latin typeface="Times New Roman" panose="02020603050405020304" pitchFamily="18" charset="0"/>
+                            <a:cs typeface="Times New Roman" panose="02020603050405020304" pitchFamily="18" charset="0"/>
+                          </a:endParaRPr>
+                        </a:p>
+                        <a:p>
+                          <a:pPr algn="ctr" fontAlgn="ctr"/>
+                          <a:r>
+                            <a:rPr lang="en-US" altLang="ko-KR" sz="1200" b="0" i="0" u="none" strike="noStrike" dirty="0" smtClean="0">
+                              <a:solidFill>
+                                <a:srgbClr val="000000"/>
+                              </a:solidFill>
+                              <a:effectLst/>
+                              <a:latin typeface="Times New Roman" panose="02020603050405020304" pitchFamily="18" charset="0"/>
+                              <a:cs typeface="Times New Roman" panose="02020603050405020304" pitchFamily="18" charset="0"/>
+                            </a:rPr>
                             <a:t>(</a:t>
                           </a:r>
                           <a:r>
@@ -5683,7 +5713,7 @@
                               <a:latin typeface="Times New Roman" panose="02020603050405020304" pitchFamily="18" charset="0"/>
                               <a:cs typeface="Times New Roman" panose="02020603050405020304" pitchFamily="18" charset="0"/>
                             </a:rPr>
-                            <a:t>0.1312 (0.0232)</a:t>
+                            <a:t>0.1309 (0.0229)</a:t>
                           </a:r>
                         </a:p>
                       </a:txBody>
@@ -5727,7 +5757,7 @@
                               <a:latin typeface="Times New Roman" panose="02020603050405020304" pitchFamily="18" charset="0"/>
                               <a:cs typeface="Times New Roman" panose="02020603050405020304" pitchFamily="18" charset="0"/>
                             </a:rPr>
-                            <a:t>0.4334 (0.1317)</a:t>
+                            <a:t>0.4324 (0.1313)</a:t>
                           </a:r>
                         </a:p>
                       </a:txBody>
@@ -5922,16 +5952,35 @@
                         <a:p>
                           <a:pPr algn="ctr" fontAlgn="ctr"/>
                           <a:r>
-                            <a:rPr lang="en-US" altLang="ko-KR" sz="1200" b="0" i="0" u="none" strike="noStrike">
-                              <a:solidFill>
-                                <a:srgbClr val="000000"/>
-                              </a:solidFill>
-                              <a:effectLst/>
-                              <a:latin typeface="Times New Roman" panose="02020603050405020304" pitchFamily="18" charset="0"/>
-                              <a:cs typeface="Times New Roman" panose="02020603050405020304" pitchFamily="18" charset="0"/>
-                            </a:rPr>
-                            <a:t>0.1289 (0.0179)</a:t>
-                          </a:r>
+                            <a:rPr lang="en-US" altLang="ko-KR" sz="1200" b="0" i="0" u="none" strike="noStrike" dirty="0">
+                              <a:solidFill>
+                                <a:srgbClr val="000000"/>
+                              </a:solidFill>
+                              <a:effectLst/>
+                              <a:latin typeface="Times New Roman" panose="02020603050405020304" pitchFamily="18" charset="0"/>
+                              <a:cs typeface="Times New Roman" panose="02020603050405020304" pitchFamily="18" charset="0"/>
+                            </a:rPr>
+                            <a:t>0.1292 (</a:t>
+                          </a:r>
+                          <a:r>
+                            <a:rPr lang="en-US" altLang="ko-KR" sz="1200" b="0" i="0" u="none" strike="noStrike" dirty="0" smtClean="0">
+                              <a:solidFill>
+                                <a:srgbClr val="000000"/>
+                              </a:solidFill>
+                              <a:effectLst/>
+                              <a:latin typeface="Times New Roman" panose="02020603050405020304" pitchFamily="18" charset="0"/>
+                              <a:cs typeface="Times New Roman" panose="02020603050405020304" pitchFamily="18" charset="0"/>
+                            </a:rPr>
+                            <a:t>0.0180)</a:t>
+                          </a:r>
+                          <a:endParaRPr lang="en-US" altLang="ko-KR" sz="1200" b="0" i="0" u="none" strike="noStrike" dirty="0">
+                            <a:solidFill>
+                              <a:srgbClr val="000000"/>
+                            </a:solidFill>
+                            <a:effectLst/>
+                            <a:latin typeface="Times New Roman" panose="02020603050405020304" pitchFamily="18" charset="0"/>
+                            <a:cs typeface="Times New Roman" panose="02020603050405020304" pitchFamily="18" charset="0"/>
+                          </a:endParaRPr>
                         </a:p>
                       </a:txBody>
                       <a:tcPr marL="9525" marR="9525" marT="9525" marB="0" anchor="ctr">
@@ -5964,6 +6013,17 @@
                         <a:p>
                           <a:pPr algn="ctr" fontAlgn="ctr"/>
                           <a:r>
+                            <a:rPr lang="en-US" altLang="ko-KR" sz="1200" b="0" i="0" u="none" strike="noStrike" dirty="0" smtClean="0">
+                              <a:solidFill>
+                                <a:srgbClr val="000000"/>
+                              </a:solidFill>
+                              <a:effectLst/>
+                              <a:latin typeface="Times New Roman" panose="02020603050405020304" pitchFamily="18" charset="0"/>
+                              <a:cs typeface="Times New Roman" panose="02020603050405020304" pitchFamily="18" charset="0"/>
+                            </a:rPr>
+                            <a:t>0.4210 </a:t>
+                          </a:r>
+                          <a:r>
                             <a:rPr lang="en-US" altLang="ko-KR" sz="1200" b="0" i="0" u="none" strike="noStrike" dirty="0">
                               <a:solidFill>
                                 <a:srgbClr val="000000"/>
@@ -5972,7 +6032,7 @@
                               <a:latin typeface="Times New Roman" panose="02020603050405020304" pitchFamily="18" charset="0"/>
                               <a:cs typeface="Times New Roman" panose="02020603050405020304" pitchFamily="18" charset="0"/>
                             </a:rPr>
-                            <a:t>0.4205 (0.0964)</a:t>
+                            <a:t>(0.0962)</a:t>
                           </a:r>
                         </a:p>
                       </a:txBody>
@@ -6394,7 +6454,7 @@
               <p:nvPr>
                 <p:extLst>
                   <p:ext uri="{D42A27DB-BD31-4B8C-83A1-F6EECF244321}">
-                    <p14:modId xmlns:p14="http://schemas.microsoft.com/office/powerpoint/2010/main" val="27671404"/>
+                    <p14:modId xmlns:p14="http://schemas.microsoft.com/office/powerpoint/2010/main" val="3314824694"/>
                   </p:ext>
                 </p:extLst>
               </p:nvPr>
@@ -7914,6 +7974,50 @@
                         <a:p>
                           <a:pPr algn="ctr" fontAlgn="ctr"/>
                           <a:r>
+                            <a:rPr lang="en-US" altLang="ko-KR" sz="1200" b="0" i="0" u="none" strike="noStrike" dirty="0">
+                              <a:solidFill>
+                                <a:srgbClr val="000000"/>
+                              </a:solidFill>
+                              <a:effectLst/>
+                              <a:latin typeface="Times New Roman" panose="02020603050405020304" pitchFamily="18" charset="0"/>
+                              <a:cs typeface="Times New Roman" panose="02020603050405020304" pitchFamily="18" charset="0"/>
+                            </a:rPr>
+                            <a:t>0.1265 (0.0221)</a:t>
+                          </a:r>
+                        </a:p>
+                      </a:txBody>
+                      <a:tcPr marL="9525" marR="9525" marT="9525" marB="0" anchor="ctr">
+                        <a:lnL>
+                          <a:noFill/>
+                        </a:lnL>
+                        <a:lnR>
+                          <a:noFill/>
+                        </a:lnR>
+                        <a:lnT w="12700" cap="flat" cmpd="sng" algn="ctr">
+                          <a:solidFill>
+                            <a:schemeClr val="tx1"/>
+                          </a:solidFill>
+                          <a:prstDash val="solid"/>
+                          <a:round/>
+                          <a:headEnd type="none" w="med" len="med"/>
+                          <a:tailEnd type="none" w="med" len="med"/>
+                        </a:lnT>
+                        <a:lnB w="12700" cap="flat" cmpd="sng" algn="ctr">
+                          <a:noFill/>
+                          <a:prstDash val="solid"/>
+                          <a:round/>
+                          <a:headEnd type="none" w="med" len="med"/>
+                          <a:tailEnd type="none" w="med" len="med"/>
+                        </a:lnB>
+                      </a:tcPr>
+                    </a:tc>
+                    <a:tc>
+                      <a:txBody>
+                        <a:bodyPr/>
+                        <a:lstStyle/>
+                        <a:p>
+                          <a:pPr algn="ctr" fontAlgn="ctr"/>
+                          <a:r>
                             <a:rPr lang="en-US" altLang="ko-KR" sz="1200" b="0" i="0" u="none" strike="noStrike">
                               <a:solidFill>
                                 <a:srgbClr val="000000"/>
@@ -7922,51 +8026,7 @@
                               <a:latin typeface="Times New Roman" panose="02020603050405020304" pitchFamily="18" charset="0"/>
                               <a:cs typeface="Times New Roman" panose="02020603050405020304" pitchFamily="18" charset="0"/>
                             </a:rPr>
-                            <a:t>0.1261 (0.0221)</a:t>
-                          </a:r>
-                        </a:p>
-                      </a:txBody>
-                      <a:tcPr marL="9525" marR="9525" marT="9525" marB="0" anchor="ctr">
-                        <a:lnL>
-                          <a:noFill/>
-                        </a:lnL>
-                        <a:lnR>
-                          <a:noFill/>
-                        </a:lnR>
-                        <a:lnT w="12700" cap="flat" cmpd="sng" algn="ctr">
-                          <a:solidFill>
-                            <a:schemeClr val="tx1"/>
-                          </a:solidFill>
-                          <a:prstDash val="solid"/>
-                          <a:round/>
-                          <a:headEnd type="none" w="med" len="med"/>
-                          <a:tailEnd type="none" w="med" len="med"/>
-                        </a:lnT>
-                        <a:lnB w="12700" cap="flat" cmpd="sng" algn="ctr">
-                          <a:noFill/>
-                          <a:prstDash val="solid"/>
-                          <a:round/>
-                          <a:headEnd type="none" w="med" len="med"/>
-                          <a:tailEnd type="none" w="med" len="med"/>
-                        </a:lnB>
-                      </a:tcPr>
-                    </a:tc>
-                    <a:tc>
-                      <a:txBody>
-                        <a:bodyPr/>
-                        <a:lstStyle/>
-                        <a:p>
-                          <a:pPr algn="ctr" fontAlgn="ctr"/>
-                          <a:r>
-                            <a:rPr lang="en-US" altLang="ko-KR" sz="1200" b="0" i="0" u="none" strike="noStrike">
-                              <a:solidFill>
-                                <a:srgbClr val="000000"/>
-                              </a:solidFill>
-                              <a:effectLst/>
-                              <a:latin typeface="Times New Roman" panose="02020603050405020304" pitchFamily="18" charset="0"/>
-                              <a:cs typeface="Times New Roman" panose="02020603050405020304" pitchFamily="18" charset="0"/>
-                            </a:rPr>
-                            <a:t>0.2049 (0.1262)</a:t>
+                            <a:t>0.2056 (0.1269)</a:t>
                           </a:r>
                         </a:p>
                       </a:txBody>
@@ -8153,6 +8213,48 @@
                         <a:p>
                           <a:pPr algn="ctr" fontAlgn="ctr"/>
                           <a:r>
+                            <a:rPr lang="en-US" altLang="ko-KR" sz="1200" b="0" i="0" u="none" strike="noStrike">
+                              <a:solidFill>
+                                <a:srgbClr val="000000"/>
+                              </a:solidFill>
+                              <a:effectLst/>
+                              <a:latin typeface="Times New Roman" panose="02020603050405020304" pitchFamily="18" charset="0"/>
+                              <a:cs typeface="Times New Roman" panose="02020603050405020304" pitchFamily="18" charset="0"/>
+                            </a:rPr>
+                            <a:t>0.1242 (0.0191)</a:t>
+                          </a:r>
+                        </a:p>
+                      </a:txBody>
+                      <a:tcPr marL="9525" marR="9525" marT="9525" marB="0" anchor="ctr">
+                        <a:lnL>
+                          <a:noFill/>
+                        </a:lnL>
+                        <a:lnR>
+                          <a:noFill/>
+                        </a:lnR>
+                        <a:lnT w="12700" cap="flat" cmpd="sng" algn="ctr">
+                          <a:noFill/>
+                          <a:prstDash val="solid"/>
+                          <a:round/>
+                          <a:headEnd type="none" w="med" len="med"/>
+                          <a:tailEnd type="none" w="med" len="med"/>
+                        </a:lnT>
+                        <a:lnB w="12700" cap="flat" cmpd="sng" algn="ctr">
+                          <a:noFill/>
+                          <a:prstDash val="solid"/>
+                          <a:round/>
+                          <a:headEnd type="none" w="med" len="med"/>
+                          <a:tailEnd type="none" w="med" len="med"/>
+                        </a:lnB>
+                      </a:tcPr>
+                    </a:tc>
+                    <a:tc>
+                      <a:txBody>
+                        <a:bodyPr/>
+                        <a:lstStyle/>
+                        <a:p>
+                          <a:pPr algn="ctr" fontAlgn="ctr"/>
+                          <a:r>
                             <a:rPr lang="en-US" altLang="ko-KR" sz="1200" b="0" i="0" u="none" strike="noStrike" dirty="0">
                               <a:solidFill>
                                 <a:srgbClr val="000000"/>
@@ -8161,91 +8263,7 @@
                               <a:latin typeface="Times New Roman" panose="02020603050405020304" pitchFamily="18" charset="0"/>
                               <a:cs typeface="Times New Roman" panose="02020603050405020304" pitchFamily="18" charset="0"/>
                             </a:rPr>
-                            <a:t>0.1242 (0.0191)</a:t>
-                          </a:r>
-                        </a:p>
-                      </a:txBody>
-                      <a:tcPr marL="9525" marR="9525" marT="9525" marB="0" anchor="ctr">
-                        <a:lnL>
-                          <a:noFill/>
-                        </a:lnL>
-                        <a:lnR>
-                          <a:noFill/>
-                        </a:lnR>
-                        <a:lnT w="12700" cap="flat" cmpd="sng" algn="ctr">
-                          <a:noFill/>
-                          <a:prstDash val="solid"/>
-                          <a:round/>
-                          <a:headEnd type="none" w="med" len="med"/>
-                          <a:tailEnd type="none" w="med" len="med"/>
-                        </a:lnT>
-                        <a:lnB w="12700" cap="flat" cmpd="sng" algn="ctr">
-                          <a:noFill/>
-                          <a:prstDash val="solid"/>
-                          <a:round/>
-                          <a:headEnd type="none" w="med" len="med"/>
-                          <a:tailEnd type="none" w="med" len="med"/>
-                        </a:lnB>
-                      </a:tcPr>
-                    </a:tc>
-                    <a:tc>
-                      <a:txBody>
-                        <a:bodyPr/>
-                        <a:lstStyle/>
-                        <a:p>
-                          <a:pPr algn="ctr" fontAlgn="ctr"/>
-                          <a:r>
-                            <a:rPr lang="en-US" altLang="ko-KR" sz="1200" b="0" i="0" u="none" strike="noStrike" dirty="0">
-                              <a:solidFill>
-                                <a:srgbClr val="000000"/>
-                              </a:solidFill>
-                              <a:effectLst/>
-                              <a:latin typeface="Times New Roman" panose="02020603050405020304" pitchFamily="18" charset="0"/>
-                              <a:cs typeface="Times New Roman" panose="02020603050405020304" pitchFamily="18" charset="0"/>
-                            </a:rPr>
-                            <a:t>0.1953 (0.1001)</a:t>
-                          </a:r>
-                        </a:p>
-                      </a:txBody>
-                      <a:tcPr marL="9525" marR="9525" marT="9525" marB="0" anchor="ctr">
-                        <a:lnL>
-                          <a:noFill/>
-                        </a:lnL>
-                        <a:lnR>
-                          <a:noFill/>
-                        </a:lnR>
-                        <a:lnT w="12700" cap="flat" cmpd="sng" algn="ctr">
-                          <a:noFill/>
-                          <a:prstDash val="solid"/>
-                          <a:round/>
-                          <a:headEnd type="none" w="med" len="med"/>
-                          <a:tailEnd type="none" w="med" len="med"/>
-                        </a:lnT>
-                        <a:lnB w="12700" cap="flat" cmpd="sng" algn="ctr">
-                          <a:noFill/>
-                          <a:prstDash val="solid"/>
-                          <a:round/>
-                          <a:headEnd type="none" w="med" len="med"/>
-                          <a:tailEnd type="none" w="med" len="med"/>
-                        </a:lnB>
-                      </a:tcPr>
-                    </a:tc>
-                    <a:tc>
-                      <a:txBody>
-                        <a:bodyPr/>
-                        <a:lstStyle/>
-                        <a:p>
-                          <a:pPr algn="ctr" fontAlgn="ctr"/>
-                          <a:r>
-                            <a:rPr lang="en-US" altLang="ko-KR" sz="1200" b="0" i="0" u="none" strike="noStrike" dirty="0">
-                              <a:solidFill>
-                                <a:srgbClr val="000000"/>
-                              </a:solidFill>
-                              <a:effectLst/>
-                              <a:latin typeface="Times New Roman" panose="02020603050405020304" pitchFamily="18" charset="0"/>
-                              <a:cs typeface="Times New Roman" panose="02020603050405020304" pitchFamily="18" charset="0"/>
-                            </a:rPr>
-                            <a:t>0.2111 </a:t>
+                            <a:t>0.1958 </a:t>
                           </a:r>
                           <a:endParaRPr lang="en-US" altLang="ko-KR" sz="1200" b="0" i="0" u="none" strike="noStrike" dirty="0" smtClean="0">
                             <a:solidFill>
@@ -8267,6 +8285,78 @@
                               <a:latin typeface="Times New Roman" panose="02020603050405020304" pitchFamily="18" charset="0"/>
                               <a:cs typeface="Times New Roman" panose="02020603050405020304" pitchFamily="18" charset="0"/>
                             </a:rPr>
+                            <a:t>(0.1000)</a:t>
+                          </a:r>
+                          <a:endParaRPr lang="en-US" altLang="ko-KR" sz="1200" b="0" i="0" u="none" strike="noStrike" dirty="0">
+                            <a:solidFill>
+                              <a:srgbClr val="000000"/>
+                            </a:solidFill>
+                            <a:effectLst/>
+                            <a:latin typeface="Times New Roman" panose="02020603050405020304" pitchFamily="18" charset="0"/>
+                            <a:cs typeface="Times New Roman" panose="02020603050405020304" pitchFamily="18" charset="0"/>
+                          </a:endParaRPr>
+                        </a:p>
+                      </a:txBody>
+                      <a:tcPr marL="9525" marR="9525" marT="9525" marB="0" anchor="ctr">
+                        <a:lnL>
+                          <a:noFill/>
+                        </a:lnL>
+                        <a:lnR>
+                          <a:noFill/>
+                        </a:lnR>
+                        <a:lnT w="12700" cap="flat" cmpd="sng" algn="ctr">
+                          <a:noFill/>
+                          <a:prstDash val="solid"/>
+                          <a:round/>
+                          <a:headEnd type="none" w="med" len="med"/>
+                          <a:tailEnd type="none" w="med" len="med"/>
+                        </a:lnT>
+                        <a:lnB w="12700" cap="flat" cmpd="sng" algn="ctr">
+                          <a:noFill/>
+                          <a:prstDash val="solid"/>
+                          <a:round/>
+                          <a:headEnd type="none" w="med" len="med"/>
+                          <a:tailEnd type="none" w="med" len="med"/>
+                        </a:lnB>
+                      </a:tcPr>
+                    </a:tc>
+                    <a:tc>
+                      <a:txBody>
+                        <a:bodyPr/>
+                        <a:lstStyle/>
+                        <a:p>
+                          <a:pPr algn="ctr" fontAlgn="ctr"/>
+                          <a:r>
+                            <a:rPr lang="en-US" altLang="ko-KR" sz="1200" b="0" i="0" u="none" strike="noStrike" dirty="0">
+                              <a:solidFill>
+                                <a:srgbClr val="000000"/>
+                              </a:solidFill>
+                              <a:effectLst/>
+                              <a:latin typeface="Times New Roman" panose="02020603050405020304" pitchFamily="18" charset="0"/>
+                              <a:cs typeface="Times New Roman" panose="02020603050405020304" pitchFamily="18" charset="0"/>
+                            </a:rPr>
+                            <a:t>0.2111 </a:t>
+                          </a:r>
+                          <a:endParaRPr lang="en-US" altLang="ko-KR" sz="1200" b="0" i="0" u="none" strike="noStrike" dirty="0" smtClean="0">
+                            <a:solidFill>
+                              <a:srgbClr val="000000"/>
+                            </a:solidFill>
+                            <a:effectLst/>
+                            <a:latin typeface="Times New Roman" panose="02020603050405020304" pitchFamily="18" charset="0"/>
+                            <a:cs typeface="Times New Roman" panose="02020603050405020304" pitchFamily="18" charset="0"/>
+                          </a:endParaRPr>
+                        </a:p>
+                        <a:p>
+                          <a:pPr algn="ctr" fontAlgn="ctr"/>
+                          <a:r>
+                            <a:rPr lang="en-US" altLang="ko-KR" sz="1200" b="0" i="0" u="none" strike="noStrike" dirty="0" smtClean="0">
+                              <a:solidFill>
+                                <a:srgbClr val="000000"/>
+                              </a:solidFill>
+                              <a:effectLst/>
+                              <a:latin typeface="Times New Roman" panose="02020603050405020304" pitchFamily="18" charset="0"/>
+                              <a:cs typeface="Times New Roman" panose="02020603050405020304" pitchFamily="18" charset="0"/>
+                            </a:rPr>
                             <a:t>(</a:t>
                           </a:r>
                           <a:r>
@@ -8743,7 +8833,7 @@
                               <a:latin typeface="Times New Roman" panose="02020603050405020304" pitchFamily="18" charset="0"/>
                               <a:cs typeface="Times New Roman" panose="02020603050405020304" pitchFamily="18" charset="0"/>
                             </a:rPr>
-                            <a:t>0.1312 (0.0232)</a:t>
+                            <a:t>0.1309 (0.0229)</a:t>
                           </a:r>
                         </a:p>
                       </a:txBody>
@@ -8787,7 +8877,7 @@
                               <a:latin typeface="Times New Roman" panose="02020603050405020304" pitchFamily="18" charset="0"/>
                               <a:cs typeface="Times New Roman" panose="02020603050405020304" pitchFamily="18" charset="0"/>
                             </a:rPr>
-                            <a:t>0.4334 (0.1317)</a:t>
+                            <a:t>0.4324 (0.1313)</a:t>
                           </a:r>
                         </a:p>
                       </a:txBody>
@@ -8982,16 +9072,35 @@
                         <a:p>
                           <a:pPr algn="ctr" fontAlgn="ctr"/>
                           <a:r>
-                            <a:rPr lang="en-US" altLang="ko-KR" sz="1200" b="0" i="0" u="none" strike="noStrike">
-                              <a:solidFill>
-                                <a:srgbClr val="000000"/>
-                              </a:solidFill>
-                              <a:effectLst/>
-                              <a:latin typeface="Times New Roman" panose="02020603050405020304" pitchFamily="18" charset="0"/>
-                              <a:cs typeface="Times New Roman" panose="02020603050405020304" pitchFamily="18" charset="0"/>
-                            </a:rPr>
-                            <a:t>0.1289 (0.0179)</a:t>
-                          </a:r>
+                            <a:rPr lang="en-US" altLang="ko-KR" sz="1200" b="0" i="0" u="none" strike="noStrike" dirty="0">
+                              <a:solidFill>
+                                <a:srgbClr val="000000"/>
+                              </a:solidFill>
+                              <a:effectLst/>
+                              <a:latin typeface="Times New Roman" panose="02020603050405020304" pitchFamily="18" charset="0"/>
+                              <a:cs typeface="Times New Roman" panose="02020603050405020304" pitchFamily="18" charset="0"/>
+                            </a:rPr>
+                            <a:t>0.1292 (</a:t>
+                          </a:r>
+                          <a:r>
+                            <a:rPr lang="en-US" altLang="ko-KR" sz="1200" b="0" i="0" u="none" strike="noStrike" dirty="0" smtClean="0">
+                              <a:solidFill>
+                                <a:srgbClr val="000000"/>
+                              </a:solidFill>
+                              <a:effectLst/>
+                              <a:latin typeface="Times New Roman" panose="02020603050405020304" pitchFamily="18" charset="0"/>
+                              <a:cs typeface="Times New Roman" panose="02020603050405020304" pitchFamily="18" charset="0"/>
+                            </a:rPr>
+                            <a:t>0.0180)</a:t>
+                          </a:r>
+                          <a:endParaRPr lang="en-US" altLang="ko-KR" sz="1200" b="0" i="0" u="none" strike="noStrike" dirty="0">
+                            <a:solidFill>
+                              <a:srgbClr val="000000"/>
+                            </a:solidFill>
+                            <a:effectLst/>
+                            <a:latin typeface="Times New Roman" panose="02020603050405020304" pitchFamily="18" charset="0"/>
+                            <a:cs typeface="Times New Roman" panose="02020603050405020304" pitchFamily="18" charset="0"/>
+                          </a:endParaRPr>
                         </a:p>
                       </a:txBody>
                       <a:tcPr marL="9525" marR="9525" marT="9525" marB="0" anchor="ctr">
@@ -9024,6 +9133,17 @@
                         <a:p>
                           <a:pPr algn="ctr" fontAlgn="ctr"/>
                           <a:r>
+                            <a:rPr lang="en-US" altLang="ko-KR" sz="1200" b="0" i="0" u="none" strike="noStrike" dirty="0" smtClean="0">
+                              <a:solidFill>
+                                <a:srgbClr val="000000"/>
+                              </a:solidFill>
+                              <a:effectLst/>
+                              <a:latin typeface="Times New Roman" panose="02020603050405020304" pitchFamily="18" charset="0"/>
+                              <a:cs typeface="Times New Roman" panose="02020603050405020304" pitchFamily="18" charset="0"/>
+                            </a:rPr>
+                            <a:t>0.4210 </a:t>
+                          </a:r>
+                          <a:r>
                             <a:rPr lang="en-US" altLang="ko-KR" sz="1200" b="0" i="0" u="none" strike="noStrike" dirty="0">
                               <a:solidFill>
                                 <a:srgbClr val="000000"/>
@@ -9032,7 +9152,7 @@
                               <a:latin typeface="Times New Roman" panose="02020603050405020304" pitchFamily="18" charset="0"/>
                               <a:cs typeface="Times New Roman" panose="02020603050405020304" pitchFamily="18" charset="0"/>
                             </a:rPr>
-                            <a:t>0.4205 (0.0964)</a:t>
+                            <a:t>(0.0962)</a:t>
                           </a:r>
                         </a:p>
                       </a:txBody>
@@ -9516,7 +9636,7 @@
               <p:nvPr>
                 <p:extLst>
                   <p:ext uri="{D42A27DB-BD31-4B8C-83A1-F6EECF244321}">
-                    <p14:modId xmlns:p14="http://schemas.microsoft.com/office/powerpoint/2010/main" val="4040690437"/>
+                    <p14:modId xmlns:p14="http://schemas.microsoft.com/office/powerpoint/2010/main" val="2985216960"/>
                   </p:ext>
                 </p:extLst>
               </p:nvPr>
@@ -10251,15 +10371,15 @@
                         <a:p>
                           <a:pPr algn="ctr" fontAlgn="ctr"/>
                           <a:r>
-                            <a:rPr lang="en-US" altLang="ko-KR" sz="1200" b="0" i="0" u="none" strike="noStrike">
-                              <a:solidFill>
-                                <a:srgbClr val="000000"/>
-                              </a:solidFill>
-                              <a:effectLst/>
-                              <a:latin typeface="Times New Roman" panose="02020603050405020304" pitchFamily="18" charset="0"/>
-                              <a:cs typeface="Times New Roman" panose="02020603050405020304" pitchFamily="18" charset="0"/>
-                            </a:rPr>
-                            <a:t>0.0468 (0.0379)</a:t>
+                            <a:rPr lang="en-US" altLang="ko-KR" sz="1200" b="0" i="0" u="none" strike="noStrike" dirty="0">
+                              <a:solidFill>
+                                <a:srgbClr val="000000"/>
+                              </a:solidFill>
+                              <a:effectLst/>
+                              <a:latin typeface="Times New Roman" panose="02020603050405020304" pitchFamily="18" charset="0"/>
+                              <a:cs typeface="Times New Roman" panose="02020603050405020304" pitchFamily="18" charset="0"/>
+                            </a:rPr>
+                            <a:t>0.0467 (0.0378)</a:t>
                           </a:r>
                         </a:p>
                       </a:txBody>
@@ -10536,6 +10656,48 @@
                         <a:p>
                           <a:pPr algn="ctr" fontAlgn="ctr"/>
                           <a:r>
+                            <a:rPr lang="en-US" altLang="ko-KR" sz="1200" b="0" i="0" u="none" strike="noStrike" dirty="0">
+                              <a:solidFill>
+                                <a:srgbClr val="000000"/>
+                              </a:solidFill>
+                              <a:effectLst/>
+                              <a:latin typeface="Times New Roman" panose="02020603050405020304" pitchFamily="18" charset="0"/>
+                              <a:cs typeface="Times New Roman" panose="02020603050405020304" pitchFamily="18" charset="0"/>
+                            </a:rPr>
+                            <a:t>0.1233 (0.0177)</a:t>
+                          </a:r>
+                        </a:p>
+                      </a:txBody>
+                      <a:tcPr marL="9525" marR="9525" marT="9525" marB="0" anchor="ctr">
+                        <a:lnL>
+                          <a:noFill/>
+                        </a:lnL>
+                        <a:lnR>
+                          <a:noFill/>
+                        </a:lnR>
+                        <a:lnT w="12700" cap="flat" cmpd="sng" algn="ctr">
+                          <a:noFill/>
+                          <a:prstDash val="solid"/>
+                          <a:round/>
+                          <a:headEnd type="none" w="med" len="med"/>
+                          <a:tailEnd type="none" w="med" len="med"/>
+                        </a:lnT>
+                        <a:lnB w="12700" cap="flat" cmpd="sng" algn="ctr">
+                          <a:noFill/>
+                          <a:prstDash val="solid"/>
+                          <a:round/>
+                          <a:headEnd type="none" w="med" len="med"/>
+                          <a:tailEnd type="none" w="med" len="med"/>
+                        </a:lnB>
+                      </a:tcPr>
+                    </a:tc>
+                    <a:tc>
+                      <a:txBody>
+                        <a:bodyPr/>
+                        <a:lstStyle/>
+                        <a:p>
+                          <a:pPr algn="ctr" fontAlgn="ctr"/>
+                          <a:r>
                             <a:rPr lang="en-US" altLang="ko-KR" sz="1200" b="0" i="0" u="none" strike="noStrike">
                               <a:solidFill>
                                 <a:srgbClr val="000000"/>
@@ -10544,49 +10706,7 @@
                               <a:latin typeface="Times New Roman" panose="02020603050405020304" pitchFamily="18" charset="0"/>
                               <a:cs typeface="Times New Roman" panose="02020603050405020304" pitchFamily="18" charset="0"/>
                             </a:rPr>
-                            <a:t>0.1235 (0.0179)</a:t>
-                          </a:r>
-                        </a:p>
-                      </a:txBody>
-                      <a:tcPr marL="9525" marR="9525" marT="9525" marB="0" anchor="ctr">
-                        <a:lnL>
-                          <a:noFill/>
-                        </a:lnL>
-                        <a:lnR>
-                          <a:noFill/>
-                        </a:lnR>
-                        <a:lnT w="12700" cap="flat" cmpd="sng" algn="ctr">
-                          <a:noFill/>
-                          <a:prstDash val="solid"/>
-                          <a:round/>
-                          <a:headEnd type="none" w="med" len="med"/>
-                          <a:tailEnd type="none" w="med" len="med"/>
-                        </a:lnT>
-                        <a:lnB w="12700" cap="flat" cmpd="sng" algn="ctr">
-                          <a:noFill/>
-                          <a:prstDash val="solid"/>
-                          <a:round/>
-                          <a:headEnd type="none" w="med" len="med"/>
-                          <a:tailEnd type="none" w="med" len="med"/>
-                        </a:lnB>
-                      </a:tcPr>
-                    </a:tc>
-                    <a:tc>
-                      <a:txBody>
-                        <a:bodyPr/>
-                        <a:lstStyle/>
-                        <a:p>
-                          <a:pPr algn="ctr" fontAlgn="ctr"/>
-                          <a:r>
-                            <a:rPr lang="en-US" altLang="ko-KR" sz="1200" b="0" i="0" u="none" strike="noStrike">
-                              <a:solidFill>
-                                <a:srgbClr val="000000"/>
-                              </a:solidFill>
-                              <a:effectLst/>
-                              <a:latin typeface="Times New Roman" panose="02020603050405020304" pitchFamily="18" charset="0"/>
-                              <a:cs typeface="Times New Roman" panose="02020603050405020304" pitchFamily="18" charset="0"/>
-                            </a:rPr>
-                            <a:t>0.0351 (0.0336)</a:t>
+                            <a:t>0.0343 (0.0336)</a:t>
                           </a:r>
                         </a:p>
                       </a:txBody>
@@ -10869,7 +10989,7 @@
                               <a:latin typeface="Times New Roman" panose="02020603050405020304" pitchFamily="18" charset="0"/>
                               <a:cs typeface="Times New Roman" panose="02020603050405020304" pitchFamily="18" charset="0"/>
                             </a:rPr>
-                            <a:t>0.1197 (0.0144)</a:t>
+                            <a:t>0.1197 (0.0145)</a:t>
                           </a:r>
                         </a:p>
                       </a:txBody>
@@ -10913,7 +11033,7 @@
                               <a:latin typeface="Times New Roman" panose="02020603050405020304" pitchFamily="18" charset="0"/>
                               <a:cs typeface="Times New Roman" panose="02020603050405020304" pitchFamily="18" charset="0"/>
                             </a:rPr>
-                            <a:t>0.0309 (0.0291)</a:t>
+                            <a:t>0.0304 (0.0291)</a:t>
                           </a:r>
                         </a:p>
                       </a:txBody>
@@ -12366,15 +12486,15 @@
                         <a:p>
                           <a:pPr algn="ctr" fontAlgn="ctr"/>
                           <a:r>
-                            <a:rPr lang="en-US" altLang="ko-KR" sz="1200" b="0" i="0" u="none" strike="noStrike" dirty="0">
-                              <a:solidFill>
-                                <a:srgbClr val="000000"/>
-                              </a:solidFill>
-                              <a:effectLst/>
-                              <a:latin typeface="Times New Roman" panose="02020603050405020304" pitchFamily="18" charset="0"/>
-                              <a:cs typeface="Times New Roman" panose="02020603050405020304" pitchFamily="18" charset="0"/>
-                            </a:rPr>
-                            <a:t>0.4017 (0.0444)</a:t>
+                            <a:rPr lang="en-US" altLang="ko-KR" sz="1200" b="0" i="0" u="none" strike="noStrike">
+                              <a:solidFill>
+                                <a:srgbClr val="000000"/>
+                              </a:solidFill>
+                              <a:effectLst/>
+                              <a:latin typeface="Times New Roman" panose="02020603050405020304" pitchFamily="18" charset="0"/>
+                              <a:cs typeface="Times New Roman" panose="02020603050405020304" pitchFamily="18" charset="0"/>
+                            </a:rPr>
+                            <a:t>0.4014 (0.0444)</a:t>
                           </a:r>
                         </a:p>
                       </a:txBody>
@@ -12558,6 +12678,48 @@
                         <a:p>
                           <a:pPr algn="ctr" fontAlgn="ctr"/>
                           <a:r>
+                            <a:rPr lang="en-US" altLang="ko-KR" sz="1200" b="0" i="0" u="none" strike="noStrike">
+                              <a:solidFill>
+                                <a:srgbClr val="000000"/>
+                              </a:solidFill>
+                              <a:effectLst/>
+                              <a:latin typeface="Times New Roman" panose="02020603050405020304" pitchFamily="18" charset="0"/>
+                              <a:cs typeface="Times New Roman" panose="02020603050405020304" pitchFamily="18" charset="0"/>
+                            </a:rPr>
+                            <a:t>0.1168 (0.0144)</a:t>
+                          </a:r>
+                        </a:p>
+                      </a:txBody>
+                      <a:tcPr marL="9525" marR="9525" marT="9525" marB="0" anchor="ctr">
+                        <a:lnL>
+                          <a:noFill/>
+                        </a:lnL>
+                        <a:lnR>
+                          <a:noFill/>
+                        </a:lnR>
+                        <a:lnT w="12700" cap="flat" cmpd="sng" algn="ctr">
+                          <a:noFill/>
+                          <a:prstDash val="solid"/>
+                          <a:round/>
+                          <a:headEnd type="none" w="med" len="med"/>
+                          <a:tailEnd type="none" w="med" len="med"/>
+                        </a:lnT>
+                        <a:lnB w="12700" cap="flat" cmpd="sng" algn="ctr">
+                          <a:noFill/>
+                          <a:prstDash val="solid"/>
+                          <a:round/>
+                          <a:headEnd type="none" w="med" len="med"/>
+                          <a:tailEnd type="none" w="med" len="med"/>
+                        </a:lnB>
+                      </a:tcPr>
+                    </a:tc>
+                    <a:tc>
+                      <a:txBody>
+                        <a:bodyPr/>
+                        <a:lstStyle/>
+                        <a:p>
+                          <a:pPr algn="ctr" fontAlgn="ctr"/>
+                          <a:r>
                             <a:rPr lang="en-US" altLang="ko-KR" sz="1200" b="0" i="0" u="none" strike="noStrike" dirty="0">
                               <a:solidFill>
                                 <a:srgbClr val="000000"/>
@@ -12566,115 +12728,7 @@
                               <a:latin typeface="Times New Roman" panose="02020603050405020304" pitchFamily="18" charset="0"/>
                               <a:cs typeface="Times New Roman" panose="02020603050405020304" pitchFamily="18" charset="0"/>
                             </a:rPr>
-                            <a:t>0.1168 </a:t>
-                          </a:r>
-                          <a:endParaRPr lang="en-US" altLang="ko-KR" sz="1200" b="0" i="0" u="none" strike="noStrike" dirty="0" smtClean="0">
-                            <a:solidFill>
-                              <a:srgbClr val="000000"/>
-                            </a:solidFill>
-                            <a:effectLst/>
-                            <a:latin typeface="Times New Roman" panose="02020603050405020304" pitchFamily="18" charset="0"/>
-                            <a:cs typeface="Times New Roman" panose="02020603050405020304" pitchFamily="18" charset="0"/>
-                          </a:endParaRPr>
-                        </a:p>
-                        <a:p>
-                          <a:pPr algn="ctr" fontAlgn="ctr"/>
-                          <a:r>
-                            <a:rPr lang="en-US" altLang="ko-KR" sz="1200" b="0" i="0" u="none" strike="noStrike" dirty="0" smtClean="0">
-                              <a:solidFill>
-                                <a:srgbClr val="000000"/>
-                              </a:solidFill>
-                              <a:effectLst/>
-                              <a:latin typeface="Times New Roman" panose="02020603050405020304" pitchFamily="18" charset="0"/>
-                              <a:cs typeface="Times New Roman" panose="02020603050405020304" pitchFamily="18" charset="0"/>
-                            </a:rPr>
-                            <a:t>(</a:t>
-                          </a:r>
-                          <a:r>
-                            <a:rPr lang="en-US" altLang="ko-KR" sz="1200" b="0" i="0" u="none" strike="noStrike" dirty="0">
-                              <a:solidFill>
-                                <a:srgbClr val="000000"/>
-                              </a:solidFill>
-                              <a:effectLst/>
-                              <a:latin typeface="Times New Roman" panose="02020603050405020304" pitchFamily="18" charset="0"/>
-                              <a:cs typeface="Times New Roman" panose="02020603050405020304" pitchFamily="18" charset="0"/>
-                            </a:rPr>
-                            <a:t>0.0145)</a:t>
-                          </a:r>
-                        </a:p>
-                      </a:txBody>
-                      <a:tcPr marL="9525" marR="9525" marT="9525" marB="0" anchor="ctr">
-                        <a:lnL>
-                          <a:noFill/>
-                        </a:lnL>
-                        <a:lnR>
-                          <a:noFill/>
-                        </a:lnR>
-                        <a:lnT w="12700" cap="flat" cmpd="sng" algn="ctr">
-                          <a:noFill/>
-                          <a:prstDash val="solid"/>
-                          <a:round/>
-                          <a:headEnd type="none" w="med" len="med"/>
-                          <a:tailEnd type="none" w="med" len="med"/>
-                        </a:lnT>
-                        <a:lnB w="12700" cap="flat" cmpd="sng" algn="ctr">
-                          <a:noFill/>
-                          <a:prstDash val="solid"/>
-                          <a:round/>
-                          <a:headEnd type="none" w="med" len="med"/>
-                          <a:tailEnd type="none" w="med" len="med"/>
-                        </a:lnB>
-                      </a:tcPr>
-                    </a:tc>
-                    <a:tc>
-                      <a:txBody>
-                        <a:bodyPr/>
-                        <a:lstStyle/>
-                        <a:p>
-                          <a:pPr algn="ctr" fontAlgn="ctr"/>
-                          <a:r>
-                            <a:rPr lang="en-US" altLang="ko-KR" sz="1200" b="0" i="0" u="none" strike="noStrike" dirty="0" smtClean="0">
-                              <a:solidFill>
-                                <a:srgbClr val="000000"/>
-                              </a:solidFill>
-                              <a:effectLst/>
-                              <a:latin typeface="Times New Roman" panose="02020603050405020304" pitchFamily="18" charset="0"/>
-                              <a:cs typeface="Times New Roman" panose="02020603050405020304" pitchFamily="18" charset="0"/>
-                            </a:rPr>
-                            <a:t>0.3867 </a:t>
-                          </a:r>
-                          <a:endParaRPr lang="en-US" altLang="ko-KR" sz="1200" b="0" i="0" u="none" strike="noStrike" dirty="0" smtClean="0">
-                            <a:solidFill>
-                              <a:srgbClr val="000000"/>
-                            </a:solidFill>
-                            <a:effectLst/>
-                            <a:latin typeface="Times New Roman" panose="02020603050405020304" pitchFamily="18" charset="0"/>
-                            <a:cs typeface="Times New Roman" panose="02020603050405020304" pitchFamily="18" charset="0"/>
-                          </a:endParaRPr>
-                        </a:p>
-                        <a:p>
-                          <a:pPr algn="ctr" fontAlgn="ctr"/>
-                          <a:r>
-                            <a:rPr lang="en-US" altLang="ko-KR" sz="1200" b="0" i="0" u="none" strike="noStrike" dirty="0" smtClean="0">
-                              <a:solidFill>
-                                <a:srgbClr val="000000"/>
-                              </a:solidFill>
-                              <a:effectLst/>
-                              <a:latin typeface="Times New Roman" panose="02020603050405020304" pitchFamily="18" charset="0"/>
-                              <a:cs typeface="Times New Roman" panose="02020603050405020304" pitchFamily="18" charset="0"/>
-                            </a:rPr>
-                            <a:t>(</a:t>
-                          </a:r>
-                          <a:r>
-                            <a:rPr lang="en-US" altLang="ko-KR" sz="1200" b="0" i="0" u="none" strike="noStrike" dirty="0">
-                              <a:solidFill>
-                                <a:srgbClr val="000000"/>
-                              </a:solidFill>
-                              <a:effectLst/>
-                              <a:latin typeface="Times New Roman" panose="02020603050405020304" pitchFamily="18" charset="0"/>
-                              <a:cs typeface="Times New Roman" panose="02020603050405020304" pitchFamily="18" charset="0"/>
-                            </a:rPr>
-                            <a:t>0.0337)</a:t>
+                            <a:t>0.3866 (0.0341)</a:t>
                           </a:r>
                         </a:p>
                       </a:txBody>
@@ -13074,7 +13128,7 @@
               <p:nvPr>
                 <p:extLst>
                   <p:ext uri="{D42A27DB-BD31-4B8C-83A1-F6EECF244321}">
-                    <p14:modId xmlns:p14="http://schemas.microsoft.com/office/powerpoint/2010/main" val="4040690437"/>
+                    <p14:modId xmlns:p14="http://schemas.microsoft.com/office/powerpoint/2010/main" val="2985216960"/>
                   </p:ext>
                 </p:extLst>
               </p:nvPr>
@@ -13685,15 +13739,15 @@
                         <a:p>
                           <a:pPr algn="ctr" fontAlgn="ctr"/>
                           <a:r>
-                            <a:rPr lang="en-US" altLang="ko-KR" sz="1200" b="0" i="0" u="none" strike="noStrike">
-                              <a:solidFill>
-                                <a:srgbClr val="000000"/>
-                              </a:solidFill>
-                              <a:effectLst/>
-                              <a:latin typeface="Times New Roman" panose="02020603050405020304" pitchFamily="18" charset="0"/>
-                              <a:cs typeface="Times New Roman" panose="02020603050405020304" pitchFamily="18" charset="0"/>
-                            </a:rPr>
-                            <a:t>0.0468 (0.0379)</a:t>
+                            <a:rPr lang="en-US" altLang="ko-KR" sz="1200" b="0" i="0" u="none" strike="noStrike" dirty="0">
+                              <a:solidFill>
+                                <a:srgbClr val="000000"/>
+                              </a:solidFill>
+                              <a:effectLst/>
+                              <a:latin typeface="Times New Roman" panose="02020603050405020304" pitchFamily="18" charset="0"/>
+                              <a:cs typeface="Times New Roman" panose="02020603050405020304" pitchFamily="18" charset="0"/>
+                            </a:rPr>
+                            <a:t>0.0467 (0.0378)</a:t>
                           </a:r>
                         </a:p>
                       </a:txBody>
@@ -13850,6 +13904,48 @@
                         <a:p>
                           <a:pPr algn="ctr" fontAlgn="ctr"/>
                           <a:r>
+                            <a:rPr lang="en-US" altLang="ko-KR" sz="1200" b="0" i="0" u="none" strike="noStrike" dirty="0">
+                              <a:solidFill>
+                                <a:srgbClr val="000000"/>
+                              </a:solidFill>
+                              <a:effectLst/>
+                              <a:latin typeface="Times New Roman" panose="02020603050405020304" pitchFamily="18" charset="0"/>
+                              <a:cs typeface="Times New Roman" panose="02020603050405020304" pitchFamily="18" charset="0"/>
+                            </a:rPr>
+                            <a:t>0.1233 (0.0177)</a:t>
+                          </a:r>
+                        </a:p>
+                      </a:txBody>
+                      <a:tcPr marL="9525" marR="9525" marT="9525" marB="0" anchor="ctr">
+                        <a:lnL>
+                          <a:noFill/>
+                        </a:lnL>
+                        <a:lnR>
+                          <a:noFill/>
+                        </a:lnR>
+                        <a:lnT w="12700" cap="flat" cmpd="sng" algn="ctr">
+                          <a:noFill/>
+                          <a:prstDash val="solid"/>
+                          <a:round/>
+                          <a:headEnd type="none" w="med" len="med"/>
+                          <a:tailEnd type="none" w="med" len="med"/>
+                        </a:lnT>
+                        <a:lnB w="12700" cap="flat" cmpd="sng" algn="ctr">
+                          <a:noFill/>
+                          <a:prstDash val="solid"/>
+                          <a:round/>
+                          <a:headEnd type="none" w="med" len="med"/>
+                          <a:tailEnd type="none" w="med" len="med"/>
+                        </a:lnB>
+                      </a:tcPr>
+                    </a:tc>
+                    <a:tc>
+                      <a:txBody>
+                        <a:bodyPr/>
+                        <a:lstStyle/>
+                        <a:p>
+                          <a:pPr algn="ctr" fontAlgn="ctr"/>
+                          <a:r>
                             <a:rPr lang="en-US" altLang="ko-KR" sz="1200" b="0" i="0" u="none" strike="noStrike">
                               <a:solidFill>
                                 <a:srgbClr val="000000"/>
@@ -13858,49 +13954,7 @@
                               <a:latin typeface="Times New Roman" panose="02020603050405020304" pitchFamily="18" charset="0"/>
                               <a:cs typeface="Times New Roman" panose="02020603050405020304" pitchFamily="18" charset="0"/>
                             </a:rPr>
-                            <a:t>0.1235 (0.0179)</a:t>
-                          </a:r>
-                        </a:p>
-                      </a:txBody>
-                      <a:tcPr marL="9525" marR="9525" marT="9525" marB="0" anchor="ctr">
-                        <a:lnL>
-                          <a:noFill/>
-                        </a:lnL>
-                        <a:lnR>
-                          <a:noFill/>
-                        </a:lnR>
-                        <a:lnT w="12700" cap="flat" cmpd="sng" algn="ctr">
-                          <a:noFill/>
-                          <a:prstDash val="solid"/>
-                          <a:round/>
-                          <a:headEnd type="none" w="med" len="med"/>
-                          <a:tailEnd type="none" w="med" len="med"/>
-                        </a:lnT>
-                        <a:lnB w="12700" cap="flat" cmpd="sng" algn="ctr">
-                          <a:noFill/>
-                          <a:prstDash val="solid"/>
-                          <a:round/>
-                          <a:headEnd type="none" w="med" len="med"/>
-                          <a:tailEnd type="none" w="med" len="med"/>
-                        </a:lnB>
-                      </a:tcPr>
-                    </a:tc>
-                    <a:tc>
-                      <a:txBody>
-                        <a:bodyPr/>
-                        <a:lstStyle/>
-                        <a:p>
-                          <a:pPr algn="ctr" fontAlgn="ctr"/>
-                          <a:r>
-                            <a:rPr lang="en-US" altLang="ko-KR" sz="1200" b="0" i="0" u="none" strike="noStrike">
-                              <a:solidFill>
-                                <a:srgbClr val="000000"/>
-                              </a:solidFill>
-                              <a:effectLst/>
-                              <a:latin typeface="Times New Roman" panose="02020603050405020304" pitchFamily="18" charset="0"/>
-                              <a:cs typeface="Times New Roman" panose="02020603050405020304" pitchFamily="18" charset="0"/>
-                            </a:rPr>
-                            <a:t>0.0351 (0.0336)</a:t>
+                            <a:t>0.0343 (0.0336)</a:t>
                           </a:r>
                         </a:p>
                       </a:txBody>
@@ -14063,7 +14117,7 @@
                               <a:latin typeface="Times New Roman" panose="02020603050405020304" pitchFamily="18" charset="0"/>
                               <a:cs typeface="Times New Roman" panose="02020603050405020304" pitchFamily="18" charset="0"/>
                             </a:rPr>
-                            <a:t>0.1197 (0.0144)</a:t>
+                            <a:t>0.1197 (0.0145)</a:t>
                           </a:r>
                         </a:p>
                       </a:txBody>
@@ -14107,7 +14161,7 @@
                               <a:latin typeface="Times New Roman" panose="02020603050405020304" pitchFamily="18" charset="0"/>
                               <a:cs typeface="Times New Roman" panose="02020603050405020304" pitchFamily="18" charset="0"/>
                             </a:rPr>
-                            <a:t>0.0309 (0.0291)</a:t>
+                            <a:t>0.0304 (0.0291)</a:t>
                           </a:r>
                         </a:p>
                       </a:txBody>
@@ -15200,15 +15254,15 @@
                         <a:p>
                           <a:pPr algn="ctr" fontAlgn="ctr"/>
                           <a:r>
-                            <a:rPr lang="en-US" altLang="ko-KR" sz="1200" b="0" i="0" u="none" strike="noStrike" dirty="0">
-                              <a:solidFill>
-                                <a:srgbClr val="000000"/>
-                              </a:solidFill>
-                              <a:effectLst/>
-                              <a:latin typeface="Times New Roman" panose="02020603050405020304" pitchFamily="18" charset="0"/>
-                              <a:cs typeface="Times New Roman" panose="02020603050405020304" pitchFamily="18" charset="0"/>
-                            </a:rPr>
-                            <a:t>0.4017 (0.0444)</a:t>
+                            <a:rPr lang="en-US" altLang="ko-KR" sz="1200" b="0" i="0" u="none" strike="noStrike">
+                              <a:solidFill>
+                                <a:srgbClr val="000000"/>
+                              </a:solidFill>
+                              <a:effectLst/>
+                              <a:latin typeface="Times New Roman" panose="02020603050405020304" pitchFamily="18" charset="0"/>
+                              <a:cs typeface="Times New Roman" panose="02020603050405020304" pitchFamily="18" charset="0"/>
+                            </a:rPr>
+                            <a:t>0.4014 (0.0444)</a:t>
                           </a:r>
                         </a:p>
                       </a:txBody>
@@ -15392,6 +15446,48 @@
                         <a:p>
                           <a:pPr algn="ctr" fontAlgn="ctr"/>
                           <a:r>
+                            <a:rPr lang="en-US" altLang="ko-KR" sz="1200" b="0" i="0" u="none" strike="noStrike">
+                              <a:solidFill>
+                                <a:srgbClr val="000000"/>
+                              </a:solidFill>
+                              <a:effectLst/>
+                              <a:latin typeface="Times New Roman" panose="02020603050405020304" pitchFamily="18" charset="0"/>
+                              <a:cs typeface="Times New Roman" panose="02020603050405020304" pitchFamily="18" charset="0"/>
+                            </a:rPr>
+                            <a:t>0.1168 (0.0144)</a:t>
+                          </a:r>
+                        </a:p>
+                      </a:txBody>
+                      <a:tcPr marL="9525" marR="9525" marT="9525" marB="0" anchor="ctr">
+                        <a:lnL>
+                          <a:noFill/>
+                        </a:lnL>
+                        <a:lnR>
+                          <a:noFill/>
+                        </a:lnR>
+                        <a:lnT w="12700" cap="flat" cmpd="sng" algn="ctr">
+                          <a:noFill/>
+                          <a:prstDash val="solid"/>
+                          <a:round/>
+                          <a:headEnd type="none" w="med" len="med"/>
+                          <a:tailEnd type="none" w="med" len="med"/>
+                        </a:lnT>
+                        <a:lnB w="12700" cap="flat" cmpd="sng" algn="ctr">
+                          <a:noFill/>
+                          <a:prstDash val="solid"/>
+                          <a:round/>
+                          <a:headEnd type="none" w="med" len="med"/>
+                          <a:tailEnd type="none" w="med" len="med"/>
+                        </a:lnB>
+                      </a:tcPr>
+                    </a:tc>
+                    <a:tc>
+                      <a:txBody>
+                        <a:bodyPr/>
+                        <a:lstStyle/>
+                        <a:p>
+                          <a:pPr algn="ctr" fontAlgn="ctr"/>
+                          <a:r>
                             <a:rPr lang="en-US" altLang="ko-KR" sz="1200" b="0" i="0" u="none" strike="noStrike" dirty="0">
                               <a:solidFill>
                                 <a:srgbClr val="000000"/>
@@ -15400,115 +15496,7 @@
                               <a:latin typeface="Times New Roman" panose="02020603050405020304" pitchFamily="18" charset="0"/>
                               <a:cs typeface="Times New Roman" panose="02020603050405020304" pitchFamily="18" charset="0"/>
                             </a:rPr>
-                            <a:t>0.1168 </a:t>
-                          </a:r>
-                          <a:endParaRPr lang="en-US" altLang="ko-KR" sz="1200" b="0" i="0" u="none" strike="noStrike" dirty="0" smtClean="0">
-                            <a:solidFill>
-                              <a:srgbClr val="000000"/>
-                            </a:solidFill>
-                            <a:effectLst/>
-                            <a:latin typeface="Times New Roman" panose="02020603050405020304" pitchFamily="18" charset="0"/>
-                            <a:cs typeface="Times New Roman" panose="02020603050405020304" pitchFamily="18" charset="0"/>
-                          </a:endParaRPr>
-                        </a:p>
-                        <a:p>
-                          <a:pPr algn="ctr" fontAlgn="ctr"/>
-                          <a:r>
-                            <a:rPr lang="en-US" altLang="ko-KR" sz="1200" b="0" i="0" u="none" strike="noStrike" dirty="0" smtClean="0">
-                              <a:solidFill>
-                                <a:srgbClr val="000000"/>
-                              </a:solidFill>
-                              <a:effectLst/>
-                              <a:latin typeface="Times New Roman" panose="02020603050405020304" pitchFamily="18" charset="0"/>
-                              <a:cs typeface="Times New Roman" panose="02020603050405020304" pitchFamily="18" charset="0"/>
-                            </a:rPr>
-                            <a:t>(</a:t>
-                          </a:r>
-                          <a:r>
-                            <a:rPr lang="en-US" altLang="ko-KR" sz="1200" b="0" i="0" u="none" strike="noStrike" dirty="0">
-                              <a:solidFill>
-                                <a:srgbClr val="000000"/>
-                              </a:solidFill>
-                              <a:effectLst/>
-                              <a:latin typeface="Times New Roman" panose="02020603050405020304" pitchFamily="18" charset="0"/>
-                              <a:cs typeface="Times New Roman" panose="02020603050405020304" pitchFamily="18" charset="0"/>
-                            </a:rPr>
-                            <a:t>0.0145)</a:t>
-                          </a:r>
-                        </a:p>
-                      </a:txBody>
-                      <a:tcPr marL="9525" marR="9525" marT="9525" marB="0" anchor="ctr">
-                        <a:lnL>
-                          <a:noFill/>
-                        </a:lnL>
-                        <a:lnR>
-                          <a:noFill/>
-                        </a:lnR>
-                        <a:lnT w="12700" cap="flat" cmpd="sng" algn="ctr">
-                          <a:noFill/>
-                          <a:prstDash val="solid"/>
-                          <a:round/>
-                          <a:headEnd type="none" w="med" len="med"/>
-                          <a:tailEnd type="none" w="med" len="med"/>
-                        </a:lnT>
-                        <a:lnB w="12700" cap="flat" cmpd="sng" algn="ctr">
-                          <a:noFill/>
-                          <a:prstDash val="solid"/>
-                          <a:round/>
-                          <a:headEnd type="none" w="med" len="med"/>
-                          <a:tailEnd type="none" w="med" len="med"/>
-                        </a:lnB>
-                      </a:tcPr>
-                    </a:tc>
-                    <a:tc>
-                      <a:txBody>
-                        <a:bodyPr/>
-                        <a:lstStyle/>
-                        <a:p>
-                          <a:pPr algn="ctr" fontAlgn="ctr"/>
-                          <a:r>
-                            <a:rPr lang="en-US" altLang="ko-KR" sz="1200" b="0" i="0" u="none" strike="noStrike" dirty="0" smtClean="0">
-                              <a:solidFill>
-                                <a:srgbClr val="000000"/>
-                              </a:solidFill>
-                              <a:effectLst/>
-                              <a:latin typeface="Times New Roman" panose="02020603050405020304" pitchFamily="18" charset="0"/>
-                              <a:cs typeface="Times New Roman" panose="02020603050405020304" pitchFamily="18" charset="0"/>
-                            </a:rPr>
-                            <a:t>0.3867 </a:t>
-                          </a:r>
-                          <a:endParaRPr lang="en-US" altLang="ko-KR" sz="1200" b="0" i="0" u="none" strike="noStrike" dirty="0" smtClean="0">
-                            <a:solidFill>
-                              <a:srgbClr val="000000"/>
-                            </a:solidFill>
-                            <a:effectLst/>
-                            <a:latin typeface="Times New Roman" panose="02020603050405020304" pitchFamily="18" charset="0"/>
-                            <a:cs typeface="Times New Roman" panose="02020603050405020304" pitchFamily="18" charset="0"/>
-                          </a:endParaRPr>
-                        </a:p>
-                        <a:p>
-                          <a:pPr algn="ctr" fontAlgn="ctr"/>
-                          <a:r>
-                            <a:rPr lang="en-US" altLang="ko-KR" sz="1200" b="0" i="0" u="none" strike="noStrike" dirty="0" smtClean="0">
-                              <a:solidFill>
-                                <a:srgbClr val="000000"/>
-                              </a:solidFill>
-                              <a:effectLst/>
-                              <a:latin typeface="Times New Roman" panose="02020603050405020304" pitchFamily="18" charset="0"/>
-                              <a:cs typeface="Times New Roman" panose="02020603050405020304" pitchFamily="18" charset="0"/>
-                            </a:rPr>
-                            <a:t>(</a:t>
-                          </a:r>
-                          <a:r>
-                            <a:rPr lang="en-US" altLang="ko-KR" sz="1200" b="0" i="0" u="none" strike="noStrike" dirty="0">
-                              <a:solidFill>
-                                <a:srgbClr val="000000"/>
-                              </a:solidFill>
-                              <a:effectLst/>
-                              <a:latin typeface="Times New Roman" panose="02020603050405020304" pitchFamily="18" charset="0"/>
-                              <a:cs typeface="Times New Roman" panose="02020603050405020304" pitchFamily="18" charset="0"/>
-                            </a:rPr>
-                            <a:t>0.0337)</a:t>
+                            <a:t>0.3866 (0.0341)</a:t>
                           </a:r>
                         </a:p>
                       </a:txBody>

--- a/LTM_heritability/figure and table/figure and table.pptx
+++ b/LTM_heritability/figure and table/figure and table.pptx
@@ -294,7 +294,7 @@
           <a:p>
             <a:fld id="{30EB425C-D22F-41CB-B2D3-779BC67161A1}" type="datetimeFigureOut">
               <a:rPr lang="ko-KR" altLang="en-US" smtClean="0"/>
-              <a:t>2018-11-21</a:t>
+              <a:t>2018-11-27</a:t>
             </a:fld>
             <a:endParaRPr lang="ko-KR" altLang="en-US"/>
           </a:p>
@@ -464,7 +464,7 @@
           <a:p>
             <a:fld id="{30EB425C-D22F-41CB-B2D3-779BC67161A1}" type="datetimeFigureOut">
               <a:rPr lang="ko-KR" altLang="en-US" smtClean="0"/>
-              <a:t>2018-11-21</a:t>
+              <a:t>2018-11-27</a:t>
             </a:fld>
             <a:endParaRPr lang="ko-KR" altLang="en-US"/>
           </a:p>
@@ -644,7 +644,7 @@
           <a:p>
             <a:fld id="{30EB425C-D22F-41CB-B2D3-779BC67161A1}" type="datetimeFigureOut">
               <a:rPr lang="ko-KR" altLang="en-US" smtClean="0"/>
-              <a:t>2018-11-21</a:t>
+              <a:t>2018-11-27</a:t>
             </a:fld>
             <a:endParaRPr lang="ko-KR" altLang="en-US"/>
           </a:p>
@@ -814,7 +814,7 @@
           <a:p>
             <a:fld id="{30EB425C-D22F-41CB-B2D3-779BC67161A1}" type="datetimeFigureOut">
               <a:rPr lang="ko-KR" altLang="en-US" smtClean="0"/>
-              <a:t>2018-11-21</a:t>
+              <a:t>2018-11-27</a:t>
             </a:fld>
             <a:endParaRPr lang="ko-KR" altLang="en-US"/>
           </a:p>
@@ -1060,7 +1060,7 @@
           <a:p>
             <a:fld id="{30EB425C-D22F-41CB-B2D3-779BC67161A1}" type="datetimeFigureOut">
               <a:rPr lang="ko-KR" altLang="en-US" smtClean="0"/>
-              <a:t>2018-11-21</a:t>
+              <a:t>2018-11-27</a:t>
             </a:fld>
             <a:endParaRPr lang="ko-KR" altLang="en-US"/>
           </a:p>
@@ -1348,7 +1348,7 @@
           <a:p>
             <a:fld id="{30EB425C-D22F-41CB-B2D3-779BC67161A1}" type="datetimeFigureOut">
               <a:rPr lang="ko-KR" altLang="en-US" smtClean="0"/>
-              <a:t>2018-11-21</a:t>
+              <a:t>2018-11-27</a:t>
             </a:fld>
             <a:endParaRPr lang="ko-KR" altLang="en-US"/>
           </a:p>
@@ -1770,7 +1770,7 @@
           <a:p>
             <a:fld id="{30EB425C-D22F-41CB-B2D3-779BC67161A1}" type="datetimeFigureOut">
               <a:rPr lang="ko-KR" altLang="en-US" smtClean="0"/>
-              <a:t>2018-11-21</a:t>
+              <a:t>2018-11-27</a:t>
             </a:fld>
             <a:endParaRPr lang="ko-KR" altLang="en-US"/>
           </a:p>
@@ -1888,7 +1888,7 @@
           <a:p>
             <a:fld id="{30EB425C-D22F-41CB-B2D3-779BC67161A1}" type="datetimeFigureOut">
               <a:rPr lang="ko-KR" altLang="en-US" smtClean="0"/>
-              <a:t>2018-11-21</a:t>
+              <a:t>2018-11-27</a:t>
             </a:fld>
             <a:endParaRPr lang="ko-KR" altLang="en-US"/>
           </a:p>
@@ -1983,7 +1983,7 @@
           <a:p>
             <a:fld id="{30EB425C-D22F-41CB-B2D3-779BC67161A1}" type="datetimeFigureOut">
               <a:rPr lang="ko-KR" altLang="en-US" smtClean="0"/>
-              <a:t>2018-11-21</a:t>
+              <a:t>2018-11-27</a:t>
             </a:fld>
             <a:endParaRPr lang="ko-KR" altLang="en-US"/>
           </a:p>
@@ -2260,7 +2260,7 @@
           <a:p>
             <a:fld id="{30EB425C-D22F-41CB-B2D3-779BC67161A1}" type="datetimeFigureOut">
               <a:rPr lang="ko-KR" altLang="en-US" smtClean="0"/>
-              <a:t>2018-11-21</a:t>
+              <a:t>2018-11-27</a:t>
             </a:fld>
             <a:endParaRPr lang="ko-KR" altLang="en-US"/>
           </a:p>
@@ -2513,7 +2513,7 @@
           <a:p>
             <a:fld id="{30EB425C-D22F-41CB-B2D3-779BC67161A1}" type="datetimeFigureOut">
               <a:rPr lang="ko-KR" altLang="en-US" smtClean="0"/>
-              <a:t>2018-11-21</a:t>
+              <a:t>2018-11-27</a:t>
             </a:fld>
             <a:endParaRPr lang="ko-KR" altLang="en-US"/>
           </a:p>
@@ -2726,7 +2726,7 @@
           <a:p>
             <a:fld id="{30EB425C-D22F-41CB-B2D3-779BC67161A1}" type="datetimeFigureOut">
               <a:rPr lang="ko-KR" altLang="en-US" smtClean="0"/>
-              <a:t>2018-11-21</a:t>
+              <a:t>2018-11-27</a:t>
             </a:fld>
             <a:endParaRPr lang="ko-KR" altLang="en-US"/>
           </a:p>
@@ -3199,8 +3199,8 @@
           </a:p>
         </p:txBody>
       </p:sp>
-      <mc:AlternateContent xmlns:mc="http://schemas.openxmlformats.org/markup-compatibility/2006">
-        <mc:Choice xmlns:a14="http://schemas.microsoft.com/office/drawing/2010/main" Requires="a14">
+      <mc:AlternateContent xmlns:mc="http://schemas.openxmlformats.org/markup-compatibility/2006" xmlns:a14="http://schemas.microsoft.com/office/drawing/2010/main">
+        <mc:Choice Requires="a14">
           <p:graphicFrame>
             <p:nvGraphicFramePr>
               <p:cNvPr id="6" name="표 5"/>
@@ -3210,7 +3210,7 @@
               <p:nvPr>
                 <p:extLst>
                   <p:ext uri="{D42A27DB-BD31-4B8C-83A1-F6EECF244321}">
-                    <p14:modId xmlns:p14="http://schemas.microsoft.com/office/powerpoint/2010/main" val="3314824694"/>
+                    <p14:modId xmlns:p14="http://schemas.microsoft.com/office/powerpoint/2010/main" val="3598998930"/>
                   </p:ext>
                 </p:extLst>
               </p:nvPr>
@@ -3899,51 +3899,60 @@
                         <a:bodyPr/>
                         <a:lstStyle/>
                         <a:p>
-                          <a:pPr algn="ctr" fontAlgn="ctr"/>
-                          <a:r>
-                            <a:rPr lang="en-US" altLang="ko-KR" sz="1200" b="0" i="0" u="none" strike="noStrike" dirty="0">
-                              <a:solidFill>
-                                <a:srgbClr val="000000"/>
-                              </a:solidFill>
-                              <a:effectLst/>
-                              <a:latin typeface="Times New Roman" panose="02020603050405020304" pitchFamily="18" charset="0"/>
-                              <a:cs typeface="Times New Roman" panose="02020603050405020304" pitchFamily="18" charset="0"/>
+                          <a:pPr algn="ctr" fontAlgn="ctr" latinLnBrk="1">
+                            <a:lnSpc>
+                              <a:spcPct val="107000"/>
+                            </a:lnSpc>
+                            <a:spcAft>
+                              <a:spcPts val="0"/>
+                            </a:spcAft>
+                          </a:pPr>
+                          <a:r>
+                            <a:rPr lang="en-US" sz="1200" kern="1200" dirty="0">
+                              <a:solidFill>
+                                <a:srgbClr val="000000"/>
+                              </a:solidFill>
+                              <a:effectLst/>
+                              <a:latin typeface="Times New Roman"/>
+                              <a:ea typeface="굴림"/>
+                              <a:cs typeface="Times New Roman"/>
                             </a:rPr>
                             <a:t>0.1226 </a:t>
                           </a:r>
-                          <a:endParaRPr lang="en-US" altLang="ko-KR" sz="1200" b="0" i="0" u="none" strike="noStrike" dirty="0" smtClean="0">
-                            <a:solidFill>
-                              <a:srgbClr val="000000"/>
-                            </a:solidFill>
-                            <a:effectLst/>
-                            <a:latin typeface="Times New Roman" panose="02020603050405020304" pitchFamily="18" charset="0"/>
-                            <a:cs typeface="Times New Roman" panose="02020603050405020304" pitchFamily="18" charset="0"/>
-                          </a:endParaRPr>
-                        </a:p>
-                        <a:p>
-                          <a:pPr algn="ctr" fontAlgn="ctr"/>
-                          <a:r>
-                            <a:rPr lang="en-US" altLang="ko-KR" sz="1200" b="0" i="0" u="none" strike="noStrike" dirty="0" smtClean="0">
-                              <a:solidFill>
-                                <a:srgbClr val="000000"/>
-                              </a:solidFill>
-                              <a:effectLst/>
-                              <a:latin typeface="Times New Roman" panose="02020603050405020304" pitchFamily="18" charset="0"/>
-                              <a:cs typeface="Times New Roman" panose="02020603050405020304" pitchFamily="18" charset="0"/>
-                            </a:rPr>
-                            <a:t>(</a:t>
-                          </a:r>
-                          <a:r>
-                            <a:rPr lang="en-US" altLang="ko-KR" sz="1200" b="0" i="0" u="none" strike="noStrike" dirty="0">
-                              <a:solidFill>
-                                <a:srgbClr val="000000"/>
-                              </a:solidFill>
-                              <a:effectLst/>
-                              <a:latin typeface="Times New Roman" panose="02020603050405020304" pitchFamily="18" charset="0"/>
-                              <a:cs typeface="Times New Roman" panose="02020603050405020304" pitchFamily="18" charset="0"/>
-                            </a:rPr>
-                            <a:t>0.0223)</a:t>
-                          </a:r>
+                          <a:endParaRPr lang="ko-KR" sz="1000" kern="100" dirty="0">
+                            <a:effectLst/>
+                            <a:latin typeface="맑은 고딕"/>
+                            <a:ea typeface="맑은 고딕"/>
+                            <a:cs typeface="Times New Roman"/>
+                          </a:endParaRPr>
+                        </a:p>
+                        <a:p>
+                          <a:pPr algn="ctr" fontAlgn="ctr" latinLnBrk="1">
+                            <a:lnSpc>
+                              <a:spcPct val="107000"/>
+                            </a:lnSpc>
+                            <a:spcAft>
+                              <a:spcPts val="0"/>
+                            </a:spcAft>
+                          </a:pPr>
+                          <a:r>
+                            <a:rPr lang="en-US" sz="1200" kern="1200" dirty="0">
+                              <a:solidFill>
+                                <a:srgbClr val="000000"/>
+                              </a:solidFill>
+                              <a:effectLst/>
+                              <a:latin typeface="Times New Roman"/>
+                              <a:ea typeface="굴림"/>
+                              <a:cs typeface="Times New Roman"/>
+                            </a:rPr>
+                            <a:t>(0.0223)</a:t>
+                          </a:r>
+                          <a:endParaRPr lang="ko-KR" sz="1000" kern="100" dirty="0">
+                            <a:effectLst/>
+                            <a:latin typeface="맑은 고딕"/>
+                            <a:ea typeface="맑은 고딕"/>
+                            <a:cs typeface="Times New Roman"/>
+                          </a:endParaRPr>
                         </a:p>
                       </a:txBody>
                       <a:tcPr marL="9525" marR="9525" marT="9525" marB="0" anchor="ctr">
@@ -3976,51 +3985,60 @@
                         <a:bodyPr/>
                         <a:lstStyle/>
                         <a:p>
-                          <a:pPr algn="ctr" fontAlgn="ctr"/>
-                          <a:r>
-                            <a:rPr lang="en-US" altLang="ko-KR" sz="1200" b="0" i="0" u="none" strike="noStrike" dirty="0">
-                              <a:solidFill>
-                                <a:srgbClr val="000000"/>
-                              </a:solidFill>
-                              <a:effectLst/>
-                              <a:latin typeface="Times New Roman" panose="02020603050405020304" pitchFamily="18" charset="0"/>
-                              <a:cs typeface="Times New Roman" panose="02020603050405020304" pitchFamily="18" charset="0"/>
+                          <a:pPr algn="ctr" fontAlgn="ctr" latinLnBrk="1">
+                            <a:lnSpc>
+                              <a:spcPct val="107000"/>
+                            </a:lnSpc>
+                            <a:spcAft>
+                              <a:spcPts val="0"/>
+                            </a:spcAft>
+                          </a:pPr>
+                          <a:r>
+                            <a:rPr lang="en-US" sz="1200" kern="1200">
+                              <a:solidFill>
+                                <a:srgbClr val="000000"/>
+                              </a:solidFill>
+                              <a:effectLst/>
+                              <a:latin typeface="Times New Roman"/>
+                              <a:ea typeface="굴림"/>
+                              <a:cs typeface="Times New Roman"/>
                             </a:rPr>
                             <a:t>0.0933 </a:t>
                           </a:r>
-                          <a:endParaRPr lang="en-US" altLang="ko-KR" sz="1200" b="0" i="0" u="none" strike="noStrike" dirty="0" smtClean="0">
-                            <a:solidFill>
-                              <a:srgbClr val="000000"/>
-                            </a:solidFill>
-                            <a:effectLst/>
-                            <a:latin typeface="Times New Roman" panose="02020603050405020304" pitchFamily="18" charset="0"/>
-                            <a:cs typeface="Times New Roman" panose="02020603050405020304" pitchFamily="18" charset="0"/>
-                          </a:endParaRPr>
-                        </a:p>
-                        <a:p>
-                          <a:pPr algn="ctr" fontAlgn="ctr"/>
-                          <a:r>
-                            <a:rPr lang="en-US" altLang="ko-KR" sz="1200" b="0" i="0" u="none" strike="noStrike" dirty="0" smtClean="0">
-                              <a:solidFill>
-                                <a:srgbClr val="000000"/>
-                              </a:solidFill>
-                              <a:effectLst/>
-                              <a:latin typeface="Times New Roman" panose="02020603050405020304" pitchFamily="18" charset="0"/>
-                              <a:cs typeface="Times New Roman" panose="02020603050405020304" pitchFamily="18" charset="0"/>
-                            </a:rPr>
-                            <a:t>(0.0971</a:t>
-                          </a:r>
-                          <a:r>
-                            <a:rPr lang="en-US" altLang="ko-KR" sz="1200" b="0" i="0" u="none" strike="noStrike" dirty="0">
-                              <a:solidFill>
-                                <a:srgbClr val="000000"/>
-                              </a:solidFill>
-                              <a:effectLst/>
-                              <a:latin typeface="Times New Roman" panose="02020603050405020304" pitchFamily="18" charset="0"/>
-                              <a:cs typeface="Times New Roman" panose="02020603050405020304" pitchFamily="18" charset="0"/>
-                            </a:rPr>
-                            <a:t>)</a:t>
-                          </a:r>
+                          <a:endParaRPr lang="ko-KR" sz="1000" kern="100">
+                            <a:effectLst/>
+                            <a:latin typeface="맑은 고딕"/>
+                            <a:ea typeface="맑은 고딕"/>
+                            <a:cs typeface="Times New Roman"/>
+                          </a:endParaRPr>
+                        </a:p>
+                        <a:p>
+                          <a:pPr algn="ctr" fontAlgn="ctr" latinLnBrk="1">
+                            <a:lnSpc>
+                              <a:spcPct val="107000"/>
+                            </a:lnSpc>
+                            <a:spcAft>
+                              <a:spcPts val="0"/>
+                            </a:spcAft>
+                          </a:pPr>
+                          <a:r>
+                            <a:rPr lang="en-US" sz="1200" kern="1200">
+                              <a:solidFill>
+                                <a:srgbClr val="000000"/>
+                              </a:solidFill>
+                              <a:effectLst/>
+                              <a:latin typeface="Times New Roman"/>
+                              <a:ea typeface="굴림"/>
+                              <a:cs typeface="Times New Roman"/>
+                            </a:rPr>
+                            <a:t>(0.0971)</a:t>
+                          </a:r>
+                          <a:endParaRPr lang="ko-KR" sz="1000" kern="100">
+                            <a:effectLst/>
+                            <a:latin typeface="맑은 고딕"/>
+                            <a:ea typeface="맑은 고딕"/>
+                            <a:cs typeface="Times New Roman"/>
+                          </a:endParaRPr>
                         </a:p>
                       </a:txBody>
                       <a:tcPr marL="9525" marR="9525" marT="9525" marB="0" anchor="ctr">
@@ -4212,51 +4230,60 @@
                         <a:bodyPr/>
                         <a:lstStyle/>
                         <a:p>
-                          <a:pPr algn="ctr" fontAlgn="ctr"/>
-                          <a:r>
-                            <a:rPr lang="en-US" altLang="ko-KR" sz="1200" b="0" i="0" u="none" strike="noStrike" dirty="0">
-                              <a:solidFill>
-                                <a:srgbClr val="000000"/>
-                              </a:solidFill>
-                              <a:effectLst/>
-                              <a:latin typeface="Times New Roman" panose="02020603050405020304" pitchFamily="18" charset="0"/>
-                              <a:cs typeface="Times New Roman" panose="02020603050405020304" pitchFamily="18" charset="0"/>
+                          <a:pPr algn="ctr" fontAlgn="ctr" latinLnBrk="1">
+                            <a:lnSpc>
+                              <a:spcPct val="107000"/>
+                            </a:lnSpc>
+                            <a:spcAft>
+                              <a:spcPts val="0"/>
+                            </a:spcAft>
+                          </a:pPr>
+                          <a:r>
+                            <a:rPr lang="en-US" sz="1200" kern="1200">
+                              <a:solidFill>
+                                <a:srgbClr val="000000"/>
+                              </a:solidFill>
+                              <a:effectLst/>
+                              <a:latin typeface="Times New Roman"/>
+                              <a:ea typeface="굴림"/>
+                              <a:cs typeface="Times New Roman"/>
                             </a:rPr>
                             <a:t>0.1281 </a:t>
                           </a:r>
-                          <a:endParaRPr lang="en-US" altLang="ko-KR" sz="1200" b="0" i="0" u="none" strike="noStrike" dirty="0" smtClean="0">
-                            <a:solidFill>
-                              <a:srgbClr val="000000"/>
-                            </a:solidFill>
-                            <a:effectLst/>
-                            <a:latin typeface="Times New Roman" panose="02020603050405020304" pitchFamily="18" charset="0"/>
-                            <a:cs typeface="Times New Roman" panose="02020603050405020304" pitchFamily="18" charset="0"/>
-                          </a:endParaRPr>
-                        </a:p>
-                        <a:p>
-                          <a:pPr algn="ctr" fontAlgn="ctr"/>
-                          <a:r>
-                            <a:rPr lang="en-US" altLang="ko-KR" sz="1200" b="0" i="0" u="none" strike="noStrike" dirty="0" smtClean="0">
-                              <a:solidFill>
-                                <a:srgbClr val="000000"/>
-                              </a:solidFill>
-                              <a:effectLst/>
-                              <a:latin typeface="Times New Roman" panose="02020603050405020304" pitchFamily="18" charset="0"/>
-                              <a:cs typeface="Times New Roman" panose="02020603050405020304" pitchFamily="18" charset="0"/>
-                            </a:rPr>
-                            <a:t>(</a:t>
-                          </a:r>
-                          <a:r>
-                            <a:rPr lang="en-US" altLang="ko-KR" sz="1200" b="0" i="0" u="none" strike="noStrike" dirty="0">
-                              <a:solidFill>
-                                <a:srgbClr val="000000"/>
-                              </a:solidFill>
-                              <a:effectLst/>
-                              <a:latin typeface="Times New Roman" panose="02020603050405020304" pitchFamily="18" charset="0"/>
-                              <a:cs typeface="Times New Roman" panose="02020603050405020304" pitchFamily="18" charset="0"/>
-                            </a:rPr>
-                            <a:t>0.0181)</a:t>
-                          </a:r>
+                          <a:endParaRPr lang="ko-KR" sz="1000" kern="100">
+                            <a:effectLst/>
+                            <a:latin typeface="맑은 고딕"/>
+                            <a:ea typeface="맑은 고딕"/>
+                            <a:cs typeface="Times New Roman"/>
+                          </a:endParaRPr>
+                        </a:p>
+                        <a:p>
+                          <a:pPr algn="ctr" fontAlgn="ctr" latinLnBrk="1">
+                            <a:lnSpc>
+                              <a:spcPct val="107000"/>
+                            </a:lnSpc>
+                            <a:spcAft>
+                              <a:spcPts val="0"/>
+                            </a:spcAft>
+                          </a:pPr>
+                          <a:r>
+                            <a:rPr lang="en-US" sz="1200" kern="1200">
+                              <a:solidFill>
+                                <a:srgbClr val="000000"/>
+                              </a:solidFill>
+                              <a:effectLst/>
+                              <a:latin typeface="Times New Roman"/>
+                              <a:ea typeface="굴림"/>
+                              <a:cs typeface="Times New Roman"/>
+                            </a:rPr>
+                            <a:t>(0.0181)</a:t>
+                          </a:r>
+                          <a:endParaRPr lang="ko-KR" sz="1000" kern="100">
+                            <a:effectLst/>
+                            <a:latin typeface="맑은 고딕"/>
+                            <a:ea typeface="맑은 고딕"/>
+                            <a:cs typeface="Times New Roman"/>
+                          </a:endParaRPr>
                         </a:p>
                       </a:txBody>
                       <a:tcPr marL="9525" marR="9525" marT="9525" marB="0" anchor="ctr">
@@ -4287,43 +4314,60 @@
                         <a:bodyPr/>
                         <a:lstStyle/>
                         <a:p>
-                          <a:pPr algn="ctr" fontAlgn="ctr"/>
-                          <a:r>
-                            <a:rPr lang="en-US" altLang="ko-KR" sz="1200" b="0" i="0" u="none" strike="noStrike" dirty="0" smtClean="0">
-                              <a:solidFill>
-                                <a:srgbClr val="000000"/>
-                              </a:solidFill>
-                              <a:effectLst/>
-                              <a:latin typeface="Times New Roman" panose="02020603050405020304" pitchFamily="18" charset="0"/>
-                              <a:cs typeface="Times New Roman" panose="02020603050405020304" pitchFamily="18" charset="0"/>
+                          <a:pPr algn="ctr" fontAlgn="ctr" latinLnBrk="1">
+                            <a:lnSpc>
+                              <a:spcPct val="107000"/>
+                            </a:lnSpc>
+                            <a:spcAft>
+                              <a:spcPts val="0"/>
+                            </a:spcAft>
+                          </a:pPr>
+                          <a:r>
+                            <a:rPr lang="en-US" sz="1200" kern="1200">
+                              <a:solidFill>
+                                <a:srgbClr val="000000"/>
+                              </a:solidFill>
+                              <a:effectLst/>
+                              <a:latin typeface="Times New Roman"/>
+                              <a:ea typeface="굴림"/>
+                              <a:cs typeface="Times New Roman"/>
                             </a:rPr>
                             <a:t>0.0660</a:t>
                           </a:r>
-                        </a:p>
-                        <a:p>
-                          <a:pPr algn="ctr" fontAlgn="ctr"/>
-                          <a:r>
-                            <a:rPr lang="en-US" altLang="ko-KR" sz="1200" b="0" i="0" u="none" strike="noStrike" dirty="0" smtClean="0">
-                              <a:solidFill>
-                                <a:srgbClr val="000000"/>
-                              </a:solidFill>
-                              <a:effectLst/>
-                              <a:latin typeface="Times New Roman" panose="02020603050405020304" pitchFamily="18" charset="0"/>
-                              <a:cs typeface="Times New Roman" panose="02020603050405020304" pitchFamily="18" charset="0"/>
-                            </a:rPr>
-                            <a:t>(</a:t>
-                          </a:r>
-                          <a:r>
-                            <a:rPr lang="en-US" altLang="ko-KR" sz="1200" b="0" i="0" u="none" strike="noStrike" dirty="0">
-                              <a:solidFill>
-                                <a:srgbClr val="000000"/>
-                              </a:solidFill>
-                              <a:effectLst/>
-                              <a:latin typeface="Times New Roman" panose="02020603050405020304" pitchFamily="18" charset="0"/>
-                              <a:cs typeface="Times New Roman" panose="02020603050405020304" pitchFamily="18" charset="0"/>
-                            </a:rPr>
-                            <a:t>0.0716)</a:t>
-                          </a:r>
+                          <a:endParaRPr lang="ko-KR" sz="1000" kern="100">
+                            <a:effectLst/>
+                            <a:latin typeface="맑은 고딕"/>
+                            <a:ea typeface="맑은 고딕"/>
+                            <a:cs typeface="Times New Roman"/>
+                          </a:endParaRPr>
+                        </a:p>
+                        <a:p>
+                          <a:pPr algn="ctr" fontAlgn="ctr" latinLnBrk="1">
+                            <a:lnSpc>
+                              <a:spcPct val="107000"/>
+                            </a:lnSpc>
+                            <a:spcAft>
+                              <a:spcPts val="0"/>
+                            </a:spcAft>
+                          </a:pPr>
+                          <a:r>
+                            <a:rPr lang="en-US" sz="1200" kern="1200">
+                              <a:solidFill>
+                                <a:srgbClr val="000000"/>
+                              </a:solidFill>
+                              <a:effectLst/>
+                              <a:latin typeface="Times New Roman"/>
+                              <a:ea typeface="굴림"/>
+                              <a:cs typeface="Times New Roman"/>
+                            </a:rPr>
+                            <a:t>(0.0716)</a:t>
+                          </a:r>
+                          <a:endParaRPr lang="ko-KR" sz="1000" kern="100">
+                            <a:effectLst/>
+                            <a:latin typeface="맑은 고딕"/>
+                            <a:ea typeface="맑은 고딕"/>
+                            <a:cs typeface="Times New Roman"/>
+                          </a:endParaRPr>
                         </a:p>
                       </a:txBody>
                       <a:tcPr marL="9525" marR="9525" marT="9525" marB="0" anchor="ctr">
@@ -4513,6 +4557,178 @@
                         <a:bodyPr/>
                         <a:lstStyle/>
                         <a:p>
+                          <a:pPr algn="ctr" fontAlgn="ctr" latinLnBrk="1">
+                            <a:lnSpc>
+                              <a:spcPct val="107000"/>
+                            </a:lnSpc>
+                            <a:spcAft>
+                              <a:spcPts val="0"/>
+                            </a:spcAft>
+                          </a:pPr>
+                          <a:r>
+                            <a:rPr lang="en-US" sz="1200" kern="1200">
+                              <a:solidFill>
+                                <a:srgbClr val="000000"/>
+                              </a:solidFill>
+                              <a:effectLst/>
+                              <a:latin typeface="Times New Roman"/>
+                              <a:ea typeface="굴림"/>
+                              <a:cs typeface="Times New Roman"/>
+                            </a:rPr>
+                            <a:t>0.1277 </a:t>
+                          </a:r>
+                          <a:endParaRPr lang="ko-KR" sz="1000" kern="100">
+                            <a:effectLst/>
+                            <a:latin typeface="맑은 고딕"/>
+                            <a:ea typeface="맑은 고딕"/>
+                            <a:cs typeface="Times New Roman"/>
+                          </a:endParaRPr>
+                        </a:p>
+                        <a:p>
+                          <a:pPr algn="ctr" fontAlgn="ctr" latinLnBrk="1">
+                            <a:lnSpc>
+                              <a:spcPct val="107000"/>
+                            </a:lnSpc>
+                            <a:spcAft>
+                              <a:spcPts val="0"/>
+                            </a:spcAft>
+                          </a:pPr>
+                          <a:r>
+                            <a:rPr lang="en-US" sz="1200" kern="1200">
+                              <a:solidFill>
+                                <a:srgbClr val="000000"/>
+                              </a:solidFill>
+                              <a:effectLst/>
+                              <a:latin typeface="Times New Roman"/>
+                              <a:ea typeface="굴림"/>
+                              <a:cs typeface="Times New Roman"/>
+                            </a:rPr>
+                            <a:t>(0.016)</a:t>
+                          </a:r>
+                          <a:endParaRPr lang="ko-KR" sz="1000" kern="100">
+                            <a:effectLst/>
+                            <a:latin typeface="맑은 고딕"/>
+                            <a:ea typeface="맑은 고딕"/>
+                            <a:cs typeface="Times New Roman"/>
+                          </a:endParaRPr>
+                        </a:p>
+                      </a:txBody>
+                      <a:tcPr marL="9525" marR="9525" marT="9525" marB="0" anchor="ctr">
+                        <a:lnL>
+                          <a:noFill/>
+                        </a:lnL>
+                        <a:lnR>
+                          <a:noFill/>
+                        </a:lnR>
+                        <a:lnT w="12700" cap="flat" cmpd="sng" algn="ctr">
+                          <a:noFill/>
+                          <a:prstDash val="solid"/>
+                          <a:round/>
+                          <a:headEnd type="none" w="med" len="med"/>
+                          <a:tailEnd type="none" w="med" len="med"/>
+                        </a:lnT>
+                        <a:lnB w="12700" cap="flat" cmpd="sng" algn="ctr">
+                          <a:solidFill>
+                            <a:schemeClr val="tx1"/>
+                          </a:solidFill>
+                          <a:prstDash val="solid"/>
+                          <a:round/>
+                          <a:headEnd type="none" w="med" len="med"/>
+                          <a:tailEnd type="none" w="med" len="med"/>
+                        </a:lnB>
+                      </a:tcPr>
+                    </a:tc>
+                    <a:tc>
+                      <a:txBody>
+                        <a:bodyPr/>
+                        <a:lstStyle/>
+                        <a:p>
+                          <a:pPr algn="ctr" fontAlgn="ctr" latinLnBrk="1">
+                            <a:lnSpc>
+                              <a:spcPct val="107000"/>
+                            </a:lnSpc>
+                            <a:spcAft>
+                              <a:spcPts val="0"/>
+                            </a:spcAft>
+                          </a:pPr>
+                          <a:r>
+                            <a:rPr lang="en-US" sz="1200" kern="1200">
+                              <a:solidFill>
+                                <a:srgbClr val="000000"/>
+                              </a:solidFill>
+                              <a:effectLst/>
+                              <a:latin typeface="Times New Roman"/>
+                              <a:ea typeface="굴림"/>
+                              <a:cs typeface="Times New Roman"/>
+                            </a:rPr>
+                            <a:t>0.0584 </a:t>
+                          </a:r>
+                          <a:endParaRPr lang="ko-KR" sz="1000" kern="100">
+                            <a:effectLst/>
+                            <a:latin typeface="맑은 고딕"/>
+                            <a:ea typeface="맑은 고딕"/>
+                            <a:cs typeface="Times New Roman"/>
+                          </a:endParaRPr>
+                        </a:p>
+                        <a:p>
+                          <a:pPr algn="ctr" fontAlgn="ctr" latinLnBrk="1">
+                            <a:lnSpc>
+                              <a:spcPct val="107000"/>
+                            </a:lnSpc>
+                            <a:spcAft>
+                              <a:spcPts val="0"/>
+                            </a:spcAft>
+                          </a:pPr>
+                          <a:r>
+                            <a:rPr lang="en-US" sz="1200" kern="1200">
+                              <a:solidFill>
+                                <a:srgbClr val="000000"/>
+                              </a:solidFill>
+                              <a:effectLst/>
+                              <a:latin typeface="Times New Roman"/>
+                              <a:ea typeface="굴림"/>
+                              <a:cs typeface="Times New Roman"/>
+                            </a:rPr>
+                            <a:t>(0.0538)</a:t>
+                          </a:r>
+                          <a:endParaRPr lang="ko-KR" sz="1000" kern="100">
+                            <a:effectLst/>
+                            <a:latin typeface="맑은 고딕"/>
+                            <a:ea typeface="맑은 고딕"/>
+                            <a:cs typeface="Times New Roman"/>
+                          </a:endParaRPr>
+                        </a:p>
+                      </a:txBody>
+                      <a:tcPr marL="9525" marR="9525" marT="9525" marB="0" anchor="ctr">
+                        <a:lnL>
+                          <a:noFill/>
+                        </a:lnL>
+                        <a:lnR>
+                          <a:noFill/>
+                        </a:lnR>
+                        <a:lnT w="12700" cap="flat" cmpd="sng" algn="ctr">
+                          <a:noFill/>
+                          <a:prstDash val="solid"/>
+                          <a:round/>
+                          <a:headEnd type="none" w="med" len="med"/>
+                          <a:tailEnd type="none" w="med" len="med"/>
+                        </a:lnT>
+                        <a:lnB w="12700" cap="flat" cmpd="sng" algn="ctr">
+                          <a:solidFill>
+                            <a:schemeClr val="tx1"/>
+                          </a:solidFill>
+                          <a:prstDash val="solid"/>
+                          <a:round/>
+                          <a:headEnd type="none" w="med" len="med"/>
+                          <a:tailEnd type="none" w="med" len="med"/>
+                        </a:lnB>
+                      </a:tcPr>
+                    </a:tc>
+                    <a:tc>
+                      <a:txBody>
+                        <a:bodyPr/>
+                        <a:lstStyle/>
+                        <a:p>
                           <a:pPr algn="ctr" fontAlgn="ctr"/>
                           <a:r>
                             <a:rPr lang="en-US" altLang="ko-KR" sz="1200" b="0" i="0" u="none" strike="noStrike" dirty="0">
@@ -4523,7 +4739,7 @@
                               <a:latin typeface="Times New Roman" panose="02020603050405020304" pitchFamily="18" charset="0"/>
                               <a:cs typeface="Times New Roman" panose="02020603050405020304" pitchFamily="18" charset="0"/>
                             </a:rPr>
-                            <a:t>0.1277 </a:t>
+                            <a:t>0.0563 </a:t>
                           </a:r>
                           <a:endParaRPr lang="en-US" altLang="ko-KR" sz="1200" b="0" i="0" u="none" strike="noStrike" dirty="0" smtClean="0">
                             <a:solidFill>
@@ -4556,160 +4772,6 @@
                               <a:latin typeface="Times New Roman" panose="02020603050405020304" pitchFamily="18" charset="0"/>
                               <a:cs typeface="Times New Roman" panose="02020603050405020304" pitchFamily="18" charset="0"/>
                             </a:rPr>
-                            <a:t>0.016)</a:t>
-                          </a:r>
-                        </a:p>
-                      </a:txBody>
-                      <a:tcPr marL="9525" marR="9525" marT="9525" marB="0" anchor="ctr">
-                        <a:lnL>
-                          <a:noFill/>
-                        </a:lnL>
-                        <a:lnR>
-                          <a:noFill/>
-                        </a:lnR>
-                        <a:lnT w="12700" cap="flat" cmpd="sng" algn="ctr">
-                          <a:noFill/>
-                          <a:prstDash val="solid"/>
-                          <a:round/>
-                          <a:headEnd type="none" w="med" len="med"/>
-                          <a:tailEnd type="none" w="med" len="med"/>
-                        </a:lnT>
-                        <a:lnB w="12700" cap="flat" cmpd="sng" algn="ctr">
-                          <a:solidFill>
-                            <a:schemeClr val="tx1"/>
-                          </a:solidFill>
-                          <a:prstDash val="solid"/>
-                          <a:round/>
-                          <a:headEnd type="none" w="med" len="med"/>
-                          <a:tailEnd type="none" w="med" len="med"/>
-                        </a:lnB>
-                      </a:tcPr>
-                    </a:tc>
-                    <a:tc>
-                      <a:txBody>
-                        <a:bodyPr/>
-                        <a:lstStyle/>
-                        <a:p>
-                          <a:pPr algn="ctr" fontAlgn="ctr"/>
-                          <a:r>
-                            <a:rPr lang="en-US" altLang="ko-KR" sz="1200" b="0" i="0" u="none" strike="noStrike" dirty="0">
-                              <a:solidFill>
-                                <a:srgbClr val="000000"/>
-                              </a:solidFill>
-                              <a:effectLst/>
-                              <a:latin typeface="Times New Roman" panose="02020603050405020304" pitchFamily="18" charset="0"/>
-                              <a:cs typeface="Times New Roman" panose="02020603050405020304" pitchFamily="18" charset="0"/>
-                            </a:rPr>
-                            <a:t>0.0584 </a:t>
-                          </a:r>
-                          <a:endParaRPr lang="en-US" altLang="ko-KR" sz="1200" b="0" i="0" u="none" strike="noStrike" dirty="0" smtClean="0">
-                            <a:solidFill>
-                              <a:srgbClr val="000000"/>
-                            </a:solidFill>
-                            <a:effectLst/>
-                            <a:latin typeface="Times New Roman" panose="02020603050405020304" pitchFamily="18" charset="0"/>
-                            <a:cs typeface="Times New Roman" panose="02020603050405020304" pitchFamily="18" charset="0"/>
-                          </a:endParaRPr>
-                        </a:p>
-                        <a:p>
-                          <a:pPr algn="ctr" fontAlgn="ctr"/>
-                          <a:r>
-                            <a:rPr lang="en-US" altLang="ko-KR" sz="1200" b="0" i="0" u="none" strike="noStrike" dirty="0" smtClean="0">
-                              <a:solidFill>
-                                <a:srgbClr val="000000"/>
-                              </a:solidFill>
-                              <a:effectLst/>
-                              <a:latin typeface="Times New Roman" panose="02020603050405020304" pitchFamily="18" charset="0"/>
-                              <a:cs typeface="Times New Roman" panose="02020603050405020304" pitchFamily="18" charset="0"/>
-                            </a:rPr>
-                            <a:t>(</a:t>
-                          </a:r>
-                          <a:r>
-                            <a:rPr lang="en-US" altLang="ko-KR" sz="1200" b="0" i="0" u="none" strike="noStrike" dirty="0">
-                              <a:solidFill>
-                                <a:srgbClr val="000000"/>
-                              </a:solidFill>
-                              <a:effectLst/>
-                              <a:latin typeface="Times New Roman" panose="02020603050405020304" pitchFamily="18" charset="0"/>
-                              <a:cs typeface="Times New Roman" panose="02020603050405020304" pitchFamily="18" charset="0"/>
-                            </a:rPr>
-                            <a:t>0.0538)</a:t>
-                          </a:r>
-                        </a:p>
-                      </a:txBody>
-                      <a:tcPr marL="9525" marR="9525" marT="9525" marB="0" anchor="ctr">
-                        <a:lnL>
-                          <a:noFill/>
-                        </a:lnL>
-                        <a:lnR>
-                          <a:noFill/>
-                        </a:lnR>
-                        <a:lnT w="12700" cap="flat" cmpd="sng" algn="ctr">
-                          <a:noFill/>
-                          <a:prstDash val="solid"/>
-                          <a:round/>
-                          <a:headEnd type="none" w="med" len="med"/>
-                          <a:tailEnd type="none" w="med" len="med"/>
-                        </a:lnT>
-                        <a:lnB w="12700" cap="flat" cmpd="sng" algn="ctr">
-                          <a:solidFill>
-                            <a:schemeClr val="tx1"/>
-                          </a:solidFill>
-                          <a:prstDash val="solid"/>
-                          <a:round/>
-                          <a:headEnd type="none" w="med" len="med"/>
-                          <a:tailEnd type="none" w="med" len="med"/>
-                        </a:lnB>
-                      </a:tcPr>
-                    </a:tc>
-                    <a:tc>
-                      <a:txBody>
-                        <a:bodyPr/>
-                        <a:lstStyle/>
-                        <a:p>
-                          <a:pPr algn="ctr" fontAlgn="ctr"/>
-                          <a:r>
-                            <a:rPr lang="en-US" altLang="ko-KR" sz="1200" b="0" i="0" u="none" strike="noStrike" dirty="0">
-                              <a:solidFill>
-                                <a:srgbClr val="000000"/>
-                              </a:solidFill>
-                              <a:effectLst/>
-                              <a:latin typeface="Times New Roman" panose="02020603050405020304" pitchFamily="18" charset="0"/>
-                              <a:cs typeface="Times New Roman" panose="02020603050405020304" pitchFamily="18" charset="0"/>
-                            </a:rPr>
-                            <a:t>0.0563 </a:t>
-                          </a:r>
-                          <a:endParaRPr lang="en-US" altLang="ko-KR" sz="1200" b="0" i="0" u="none" strike="noStrike" dirty="0" smtClean="0">
-                            <a:solidFill>
-                              <a:srgbClr val="000000"/>
-                            </a:solidFill>
-                            <a:effectLst/>
-                            <a:latin typeface="Times New Roman" panose="02020603050405020304" pitchFamily="18" charset="0"/>
-                            <a:cs typeface="Times New Roman" panose="02020603050405020304" pitchFamily="18" charset="0"/>
-                          </a:endParaRPr>
-                        </a:p>
-                        <a:p>
-                          <a:pPr algn="ctr" fontAlgn="ctr"/>
-                          <a:r>
-                            <a:rPr lang="en-US" altLang="ko-KR" sz="1200" b="0" i="0" u="none" strike="noStrike" dirty="0" smtClean="0">
-                              <a:solidFill>
-                                <a:srgbClr val="000000"/>
-                              </a:solidFill>
-                              <a:effectLst/>
-                              <a:latin typeface="Times New Roman" panose="02020603050405020304" pitchFamily="18" charset="0"/>
-                              <a:cs typeface="Times New Roman" panose="02020603050405020304" pitchFamily="18" charset="0"/>
-                            </a:rPr>
-                            <a:t>(</a:t>
-                          </a:r>
-                          <a:r>
-                            <a:rPr lang="en-US" altLang="ko-KR" sz="1200" b="0" i="0" u="none" strike="noStrike" dirty="0">
-                              <a:solidFill>
-                                <a:srgbClr val="000000"/>
-                              </a:solidFill>
-                              <a:effectLst/>
-                              <a:latin typeface="Times New Roman" panose="02020603050405020304" pitchFamily="18" charset="0"/>
-                              <a:cs typeface="Times New Roman" panose="02020603050405020304" pitchFamily="18" charset="0"/>
-                            </a:rPr>
                             <a:t>0.0539)</a:t>
                           </a:r>
                         </a:p>
@@ -4852,18 +4914,60 @@
                         <a:bodyPr/>
                         <a:lstStyle/>
                         <a:p>
-                          <a:pPr algn="ctr" fontAlgn="ctr"/>
-                          <a:r>
-                            <a:rPr lang="en-US" altLang="ko-KR" sz="1200" b="0" i="0" u="none" strike="noStrike" dirty="0">
-                              <a:solidFill>
-                                <a:srgbClr val="000000"/>
-                              </a:solidFill>
-                              <a:effectLst/>
-                              <a:latin typeface="Times New Roman" panose="02020603050405020304" pitchFamily="18" charset="0"/>
-                              <a:cs typeface="Times New Roman" panose="02020603050405020304" pitchFamily="18" charset="0"/>
-                            </a:rPr>
-                            <a:t>0.1265 (0.0221)</a:t>
-                          </a:r>
+                          <a:pPr algn="ctr" fontAlgn="ctr" latinLnBrk="1">
+                            <a:lnSpc>
+                              <a:spcPct val="107000"/>
+                            </a:lnSpc>
+                            <a:spcAft>
+                              <a:spcPts val="0"/>
+                            </a:spcAft>
+                          </a:pPr>
+                          <a:r>
+                            <a:rPr lang="en-US" sz="1200" kern="1200">
+                              <a:solidFill>
+                                <a:srgbClr val="000000"/>
+                              </a:solidFill>
+                              <a:effectLst/>
+                              <a:latin typeface="Times New Roman"/>
+                              <a:ea typeface="굴림"/>
+                              <a:cs typeface="Times New Roman"/>
+                            </a:rPr>
+                            <a:t>0.1267 </a:t>
+                          </a:r>
+                          <a:endParaRPr lang="ko-KR" sz="1000" kern="100">
+                            <a:effectLst/>
+                            <a:latin typeface="맑은 고딕"/>
+                            <a:ea typeface="맑은 고딕"/>
+                            <a:cs typeface="Times New Roman"/>
+                          </a:endParaRPr>
+                        </a:p>
+                        <a:p>
+                          <a:pPr algn="ctr" fontAlgn="ctr" latinLnBrk="1">
+                            <a:lnSpc>
+                              <a:spcPct val="107000"/>
+                            </a:lnSpc>
+                            <a:spcAft>
+                              <a:spcPts val="0"/>
+                            </a:spcAft>
+                          </a:pPr>
+                          <a:r>
+                            <a:rPr lang="en-US" sz="1200" kern="1200">
+                              <a:solidFill>
+                                <a:srgbClr val="000000"/>
+                              </a:solidFill>
+                              <a:effectLst/>
+                              <a:latin typeface="Times New Roman"/>
+                              <a:ea typeface="굴림"/>
+                              <a:cs typeface="Times New Roman"/>
+                            </a:rPr>
+                            <a:t>(0.0223)</a:t>
+                          </a:r>
+                          <a:endParaRPr lang="ko-KR" sz="1000" kern="100">
+                            <a:effectLst/>
+                            <a:latin typeface="맑은 고딕"/>
+                            <a:ea typeface="맑은 고딕"/>
+                            <a:cs typeface="Times New Roman"/>
+                          </a:endParaRPr>
                         </a:p>
                       </a:txBody>
                       <a:tcPr marL="9525" marR="9525" marT="9525" marB="0" anchor="ctr">
@@ -4896,18 +5000,60 @@
                         <a:bodyPr/>
                         <a:lstStyle/>
                         <a:p>
-                          <a:pPr algn="ctr" fontAlgn="ctr"/>
-                          <a:r>
-                            <a:rPr lang="en-US" altLang="ko-KR" sz="1200" b="0" i="0" u="none" strike="noStrike">
-                              <a:solidFill>
-                                <a:srgbClr val="000000"/>
-                              </a:solidFill>
-                              <a:effectLst/>
-                              <a:latin typeface="Times New Roman" panose="02020603050405020304" pitchFamily="18" charset="0"/>
-                              <a:cs typeface="Times New Roman" panose="02020603050405020304" pitchFamily="18" charset="0"/>
-                            </a:rPr>
-                            <a:t>0.2056 (0.1269)</a:t>
-                          </a:r>
+                          <a:pPr algn="ctr" fontAlgn="ctr" latinLnBrk="1">
+                            <a:lnSpc>
+                              <a:spcPct val="107000"/>
+                            </a:lnSpc>
+                            <a:spcAft>
+                              <a:spcPts val="0"/>
+                            </a:spcAft>
+                          </a:pPr>
+                          <a:r>
+                            <a:rPr lang="en-US" sz="1200" kern="1200">
+                              <a:solidFill>
+                                <a:srgbClr val="000000"/>
+                              </a:solidFill>
+                              <a:effectLst/>
+                              <a:latin typeface="Times New Roman"/>
+                              <a:ea typeface="굴림"/>
+                              <a:cs typeface="Times New Roman"/>
+                            </a:rPr>
+                            <a:t>0.2184 </a:t>
+                          </a:r>
+                          <a:endParaRPr lang="ko-KR" sz="1000" kern="100">
+                            <a:effectLst/>
+                            <a:latin typeface="맑은 고딕"/>
+                            <a:ea typeface="맑은 고딕"/>
+                            <a:cs typeface="Times New Roman"/>
+                          </a:endParaRPr>
+                        </a:p>
+                        <a:p>
+                          <a:pPr algn="ctr" fontAlgn="ctr" latinLnBrk="1">
+                            <a:lnSpc>
+                              <a:spcPct val="107000"/>
+                            </a:lnSpc>
+                            <a:spcAft>
+                              <a:spcPts val="0"/>
+                            </a:spcAft>
+                          </a:pPr>
+                          <a:r>
+                            <a:rPr lang="en-US" sz="1200" kern="1200">
+                              <a:solidFill>
+                                <a:srgbClr val="000000"/>
+                              </a:solidFill>
+                              <a:effectLst/>
+                              <a:latin typeface="Times New Roman"/>
+                              <a:ea typeface="굴림"/>
+                              <a:cs typeface="Times New Roman"/>
+                            </a:rPr>
+                            <a:t>(0.1282)</a:t>
+                          </a:r>
+                          <a:endParaRPr lang="ko-KR" sz="1000" kern="100">
+                            <a:effectLst/>
+                            <a:latin typeface="맑은 고딕"/>
+                            <a:ea typeface="맑은 고딕"/>
+                            <a:cs typeface="Times New Roman"/>
+                          </a:endParaRPr>
                         </a:p>
                       </a:txBody>
                       <a:tcPr marL="9525" marR="9525" marT="9525" marB="0" anchor="ctr">
@@ -5091,18 +5237,60 @@
                         <a:bodyPr/>
                         <a:lstStyle/>
                         <a:p>
-                          <a:pPr algn="ctr" fontAlgn="ctr"/>
-                          <a:r>
-                            <a:rPr lang="en-US" altLang="ko-KR" sz="1200" b="0" i="0" u="none" strike="noStrike">
-                              <a:solidFill>
-                                <a:srgbClr val="000000"/>
-                              </a:solidFill>
-                              <a:effectLst/>
-                              <a:latin typeface="Times New Roman" panose="02020603050405020304" pitchFamily="18" charset="0"/>
-                              <a:cs typeface="Times New Roman" panose="02020603050405020304" pitchFamily="18" charset="0"/>
-                            </a:rPr>
-                            <a:t>0.1242 (0.0191)</a:t>
-                          </a:r>
+                          <a:pPr algn="ctr" fontAlgn="ctr" latinLnBrk="1">
+                            <a:lnSpc>
+                              <a:spcPct val="107000"/>
+                            </a:lnSpc>
+                            <a:spcAft>
+                              <a:spcPts val="0"/>
+                            </a:spcAft>
+                          </a:pPr>
+                          <a:r>
+                            <a:rPr lang="en-US" sz="1200" kern="1200">
+                              <a:solidFill>
+                                <a:srgbClr val="000000"/>
+                              </a:solidFill>
+                              <a:effectLst/>
+                              <a:latin typeface="Times New Roman"/>
+                              <a:ea typeface="굴림"/>
+                              <a:cs typeface="Times New Roman"/>
+                            </a:rPr>
+                            <a:t>0.1239 </a:t>
+                          </a:r>
+                          <a:endParaRPr lang="ko-KR" sz="1000" kern="100">
+                            <a:effectLst/>
+                            <a:latin typeface="맑은 고딕"/>
+                            <a:ea typeface="맑은 고딕"/>
+                            <a:cs typeface="Times New Roman"/>
+                          </a:endParaRPr>
+                        </a:p>
+                        <a:p>
+                          <a:pPr algn="ctr" fontAlgn="ctr" latinLnBrk="1">
+                            <a:lnSpc>
+                              <a:spcPct val="107000"/>
+                            </a:lnSpc>
+                            <a:spcAft>
+                              <a:spcPts val="0"/>
+                            </a:spcAft>
+                          </a:pPr>
+                          <a:r>
+                            <a:rPr lang="en-US" sz="1200" kern="1200">
+                              <a:solidFill>
+                                <a:srgbClr val="000000"/>
+                              </a:solidFill>
+                              <a:effectLst/>
+                              <a:latin typeface="Times New Roman"/>
+                              <a:ea typeface="굴림"/>
+                              <a:cs typeface="Times New Roman"/>
+                            </a:rPr>
+                            <a:t>(0.0190)</a:t>
+                          </a:r>
+                          <a:endParaRPr lang="ko-KR" sz="1000" kern="100">
+                            <a:effectLst/>
+                            <a:latin typeface="맑은 고딕"/>
+                            <a:ea typeface="맑은 고딕"/>
+                            <a:cs typeface="Times New Roman"/>
+                          </a:endParaRPr>
                         </a:p>
                       </a:txBody>
                       <a:tcPr marL="9525" marR="9525" marT="9525" marB="0" anchor="ctr">
@@ -5133,47 +5321,59 @@
                         <a:bodyPr/>
                         <a:lstStyle/>
                         <a:p>
-                          <a:pPr algn="ctr" fontAlgn="ctr"/>
-                          <a:r>
-                            <a:rPr lang="en-US" altLang="ko-KR" sz="1200" b="0" i="0" u="none" strike="noStrike" dirty="0">
-                              <a:solidFill>
-                                <a:srgbClr val="000000"/>
-                              </a:solidFill>
-                              <a:effectLst/>
-                              <a:latin typeface="Times New Roman" panose="02020603050405020304" pitchFamily="18" charset="0"/>
-                              <a:cs typeface="Times New Roman" panose="02020603050405020304" pitchFamily="18" charset="0"/>
-                            </a:rPr>
-                            <a:t>0.1958 </a:t>
-                          </a:r>
-                          <a:endParaRPr lang="en-US" altLang="ko-KR" sz="1200" b="0" i="0" u="none" strike="noStrike" dirty="0" smtClean="0">
-                            <a:solidFill>
-                              <a:srgbClr val="000000"/>
-                            </a:solidFill>
-                            <a:effectLst/>
-                            <a:latin typeface="Times New Roman" panose="02020603050405020304" pitchFamily="18" charset="0"/>
-                            <a:cs typeface="Times New Roman" panose="02020603050405020304" pitchFamily="18" charset="0"/>
-                          </a:endParaRPr>
-                        </a:p>
-                        <a:p>
-                          <a:pPr algn="ctr" fontAlgn="ctr"/>
-                          <a:r>
-                            <a:rPr lang="en-US" altLang="ko-KR" sz="1200" b="0" i="0" u="none" strike="noStrike" dirty="0" smtClean="0">
-                              <a:solidFill>
-                                <a:srgbClr val="000000"/>
-                              </a:solidFill>
-                              <a:effectLst/>
-                              <a:latin typeface="Times New Roman" panose="02020603050405020304" pitchFamily="18" charset="0"/>
-                              <a:cs typeface="Times New Roman" panose="02020603050405020304" pitchFamily="18" charset="0"/>
-                            </a:rPr>
-                            <a:t>(0.1000)</a:t>
-                          </a:r>
-                          <a:endParaRPr lang="en-US" altLang="ko-KR" sz="1200" b="0" i="0" u="none" strike="noStrike" dirty="0">
-                            <a:solidFill>
-                              <a:srgbClr val="000000"/>
-                            </a:solidFill>
-                            <a:effectLst/>
-                            <a:latin typeface="Times New Roman" panose="02020603050405020304" pitchFamily="18" charset="0"/>
-                            <a:cs typeface="Times New Roman" panose="02020603050405020304" pitchFamily="18" charset="0"/>
+                          <a:pPr algn="ctr" fontAlgn="ctr" latinLnBrk="1">
+                            <a:lnSpc>
+                              <a:spcPct val="107000"/>
+                            </a:lnSpc>
+                            <a:spcAft>
+                              <a:spcPts val="0"/>
+                            </a:spcAft>
+                          </a:pPr>
+                          <a:r>
+                            <a:rPr lang="en-US" sz="1200" kern="1200">
+                              <a:solidFill>
+                                <a:srgbClr val="000000"/>
+                              </a:solidFill>
+                              <a:effectLst/>
+                              <a:latin typeface="Times New Roman"/>
+                              <a:ea typeface="굴림"/>
+                              <a:cs typeface="Times New Roman"/>
+                            </a:rPr>
+                            <a:t>0.1950 </a:t>
+                          </a:r>
+                          <a:endParaRPr lang="ko-KR" sz="1000" kern="100">
+                            <a:effectLst/>
+                            <a:latin typeface="맑은 고딕"/>
+                            <a:ea typeface="맑은 고딕"/>
+                            <a:cs typeface="Times New Roman"/>
+                          </a:endParaRPr>
+                        </a:p>
+                        <a:p>
+                          <a:pPr algn="ctr" fontAlgn="ctr" latinLnBrk="1">
+                            <a:lnSpc>
+                              <a:spcPct val="107000"/>
+                            </a:lnSpc>
+                            <a:spcAft>
+                              <a:spcPts val="0"/>
+                            </a:spcAft>
+                          </a:pPr>
+                          <a:r>
+                            <a:rPr lang="en-US" sz="1200" kern="1200">
+                              <a:solidFill>
+                                <a:srgbClr val="000000"/>
+                              </a:solidFill>
+                              <a:effectLst/>
+                              <a:latin typeface="Times New Roman"/>
+                              <a:ea typeface="굴림"/>
+                              <a:cs typeface="Times New Roman"/>
+                            </a:rPr>
+                            <a:t>(0.0993)</a:t>
+                          </a:r>
+                          <a:endParaRPr lang="ko-KR" sz="1000" kern="100">
+                            <a:effectLst/>
+                            <a:latin typeface="맑은 고딕"/>
+                            <a:ea typeface="맑은 고딕"/>
+                            <a:cs typeface="Times New Roman"/>
                           </a:endParaRPr>
                         </a:p>
                       </a:txBody>
@@ -5364,6 +5564,178 @@
                         <a:bodyPr/>
                         <a:lstStyle/>
                         <a:p>
+                          <a:pPr algn="ctr" fontAlgn="ctr" latinLnBrk="1">
+                            <a:lnSpc>
+                              <a:spcPct val="107000"/>
+                            </a:lnSpc>
+                            <a:spcAft>
+                              <a:spcPts val="0"/>
+                            </a:spcAft>
+                          </a:pPr>
+                          <a:r>
+                            <a:rPr lang="en-US" sz="1200" kern="1200">
+                              <a:solidFill>
+                                <a:srgbClr val="000000"/>
+                              </a:solidFill>
+                              <a:effectLst/>
+                              <a:latin typeface="Times New Roman"/>
+                              <a:ea typeface="굴림"/>
+                              <a:cs typeface="Times New Roman"/>
+                            </a:rPr>
+                            <a:t>0.1285 </a:t>
+                          </a:r>
+                          <a:endParaRPr lang="ko-KR" sz="1000" kern="100">
+                            <a:effectLst/>
+                            <a:latin typeface="맑은 고딕"/>
+                            <a:ea typeface="맑은 고딕"/>
+                            <a:cs typeface="Times New Roman"/>
+                          </a:endParaRPr>
+                        </a:p>
+                        <a:p>
+                          <a:pPr algn="ctr" fontAlgn="ctr" latinLnBrk="1">
+                            <a:lnSpc>
+                              <a:spcPct val="107000"/>
+                            </a:lnSpc>
+                            <a:spcAft>
+                              <a:spcPts val="0"/>
+                            </a:spcAft>
+                          </a:pPr>
+                          <a:r>
+                            <a:rPr lang="en-US" sz="1200" kern="1200">
+                              <a:solidFill>
+                                <a:srgbClr val="000000"/>
+                              </a:solidFill>
+                              <a:effectLst/>
+                              <a:latin typeface="Times New Roman"/>
+                              <a:ea typeface="굴림"/>
+                              <a:cs typeface="Times New Roman"/>
+                            </a:rPr>
+                            <a:t>(0.0164)</a:t>
+                          </a:r>
+                          <a:endParaRPr lang="ko-KR" sz="1000" kern="100">
+                            <a:effectLst/>
+                            <a:latin typeface="맑은 고딕"/>
+                            <a:ea typeface="맑은 고딕"/>
+                            <a:cs typeface="Times New Roman"/>
+                          </a:endParaRPr>
+                        </a:p>
+                      </a:txBody>
+                      <a:tcPr marL="9525" marR="9525" marT="9525" marB="0" anchor="ctr">
+                        <a:lnL>
+                          <a:noFill/>
+                        </a:lnL>
+                        <a:lnR>
+                          <a:noFill/>
+                        </a:lnR>
+                        <a:lnT w="12700" cap="flat" cmpd="sng" algn="ctr">
+                          <a:noFill/>
+                          <a:prstDash val="solid"/>
+                          <a:round/>
+                          <a:headEnd type="none" w="med" len="med"/>
+                          <a:tailEnd type="none" w="med" len="med"/>
+                        </a:lnT>
+                        <a:lnB w="12700" cap="flat" cmpd="sng" algn="ctr">
+                          <a:solidFill>
+                            <a:schemeClr val="tx1"/>
+                          </a:solidFill>
+                          <a:prstDash val="solid"/>
+                          <a:round/>
+                          <a:headEnd type="none" w="med" len="med"/>
+                          <a:tailEnd type="none" w="med" len="med"/>
+                        </a:lnB>
+                      </a:tcPr>
+                    </a:tc>
+                    <a:tc>
+                      <a:txBody>
+                        <a:bodyPr/>
+                        <a:lstStyle/>
+                        <a:p>
+                          <a:pPr algn="ctr" fontAlgn="ctr" latinLnBrk="1">
+                            <a:lnSpc>
+                              <a:spcPct val="107000"/>
+                            </a:lnSpc>
+                            <a:spcAft>
+                              <a:spcPts val="0"/>
+                            </a:spcAft>
+                          </a:pPr>
+                          <a:r>
+                            <a:rPr lang="en-US" sz="1200" kern="1200">
+                              <a:solidFill>
+                                <a:srgbClr val="000000"/>
+                              </a:solidFill>
+                              <a:effectLst/>
+                              <a:latin typeface="Times New Roman"/>
+                              <a:ea typeface="굴림"/>
+                              <a:cs typeface="Times New Roman"/>
+                            </a:rPr>
+                            <a:t>0.2106 </a:t>
+                          </a:r>
+                          <a:endParaRPr lang="ko-KR" sz="1000" kern="100">
+                            <a:effectLst/>
+                            <a:latin typeface="맑은 고딕"/>
+                            <a:ea typeface="맑은 고딕"/>
+                            <a:cs typeface="Times New Roman"/>
+                          </a:endParaRPr>
+                        </a:p>
+                        <a:p>
+                          <a:pPr algn="ctr" fontAlgn="ctr" latinLnBrk="1">
+                            <a:lnSpc>
+                              <a:spcPct val="107000"/>
+                            </a:lnSpc>
+                            <a:spcAft>
+                              <a:spcPts val="0"/>
+                            </a:spcAft>
+                          </a:pPr>
+                          <a:r>
+                            <a:rPr lang="en-US" sz="1200" kern="1200">
+                              <a:solidFill>
+                                <a:srgbClr val="000000"/>
+                              </a:solidFill>
+                              <a:effectLst/>
+                              <a:latin typeface="Times New Roman"/>
+                              <a:ea typeface="굴림"/>
+                              <a:cs typeface="Times New Roman"/>
+                            </a:rPr>
+                            <a:t>(0.0725)</a:t>
+                          </a:r>
+                          <a:endParaRPr lang="ko-KR" sz="1000" kern="100">
+                            <a:effectLst/>
+                            <a:latin typeface="맑은 고딕"/>
+                            <a:ea typeface="맑은 고딕"/>
+                            <a:cs typeface="Times New Roman"/>
+                          </a:endParaRPr>
+                        </a:p>
+                      </a:txBody>
+                      <a:tcPr marL="9525" marR="9525" marT="9525" marB="0" anchor="ctr">
+                        <a:lnL>
+                          <a:noFill/>
+                        </a:lnL>
+                        <a:lnR>
+                          <a:noFill/>
+                        </a:lnR>
+                        <a:lnT w="12700" cap="flat" cmpd="sng" algn="ctr">
+                          <a:noFill/>
+                          <a:prstDash val="solid"/>
+                          <a:round/>
+                          <a:headEnd type="none" w="med" len="med"/>
+                          <a:tailEnd type="none" w="med" len="med"/>
+                        </a:lnT>
+                        <a:lnB w="12700" cap="flat" cmpd="sng" algn="ctr">
+                          <a:solidFill>
+                            <a:schemeClr val="tx1"/>
+                          </a:solidFill>
+                          <a:prstDash val="solid"/>
+                          <a:round/>
+                          <a:headEnd type="none" w="med" len="med"/>
+                          <a:tailEnd type="none" w="med" len="med"/>
+                        </a:lnB>
+                      </a:tcPr>
+                    </a:tc>
+                    <a:tc>
+                      <a:txBody>
+                        <a:bodyPr/>
+                        <a:lstStyle/>
+                        <a:p>
                           <a:pPr algn="ctr" fontAlgn="ctr"/>
                           <a:r>
                             <a:rPr lang="en-US" altLang="ko-KR" sz="1200" b="0" i="0" u="none" strike="noStrike" dirty="0">
@@ -5374,7 +5746,7 @@
                               <a:latin typeface="Times New Roman" panose="02020603050405020304" pitchFamily="18" charset="0"/>
                               <a:cs typeface="Times New Roman" panose="02020603050405020304" pitchFamily="18" charset="0"/>
                             </a:rPr>
-                            <a:t>0.1285 </a:t>
+                            <a:t>0.2115 </a:t>
                           </a:r>
                           <a:endParaRPr lang="en-US" altLang="ko-KR" sz="1200" b="0" i="0" u="none" strike="noStrike" dirty="0" smtClean="0">
                             <a:solidFill>
@@ -5407,160 +5779,6 @@
                               <a:latin typeface="Times New Roman" panose="02020603050405020304" pitchFamily="18" charset="0"/>
                               <a:cs typeface="Times New Roman" panose="02020603050405020304" pitchFamily="18" charset="0"/>
                             </a:rPr>
-                            <a:t>0.0164)</a:t>
-                          </a:r>
-                        </a:p>
-                      </a:txBody>
-                      <a:tcPr marL="9525" marR="9525" marT="9525" marB="0" anchor="ctr">
-                        <a:lnL>
-                          <a:noFill/>
-                        </a:lnL>
-                        <a:lnR>
-                          <a:noFill/>
-                        </a:lnR>
-                        <a:lnT w="12700" cap="flat" cmpd="sng" algn="ctr">
-                          <a:noFill/>
-                          <a:prstDash val="solid"/>
-                          <a:round/>
-                          <a:headEnd type="none" w="med" len="med"/>
-                          <a:tailEnd type="none" w="med" len="med"/>
-                        </a:lnT>
-                        <a:lnB w="12700" cap="flat" cmpd="sng" algn="ctr">
-                          <a:solidFill>
-                            <a:schemeClr val="tx1"/>
-                          </a:solidFill>
-                          <a:prstDash val="solid"/>
-                          <a:round/>
-                          <a:headEnd type="none" w="med" len="med"/>
-                          <a:tailEnd type="none" w="med" len="med"/>
-                        </a:lnB>
-                      </a:tcPr>
-                    </a:tc>
-                    <a:tc>
-                      <a:txBody>
-                        <a:bodyPr/>
-                        <a:lstStyle/>
-                        <a:p>
-                          <a:pPr algn="ctr" fontAlgn="ctr"/>
-                          <a:r>
-                            <a:rPr lang="en-US" altLang="ko-KR" sz="1200" b="0" i="0" u="none" strike="noStrike" dirty="0">
-                              <a:solidFill>
-                                <a:srgbClr val="000000"/>
-                              </a:solidFill>
-                              <a:effectLst/>
-                              <a:latin typeface="Times New Roman" panose="02020603050405020304" pitchFamily="18" charset="0"/>
-                              <a:cs typeface="Times New Roman" panose="02020603050405020304" pitchFamily="18" charset="0"/>
-                            </a:rPr>
-                            <a:t>0.2106 </a:t>
-                          </a:r>
-                          <a:endParaRPr lang="en-US" altLang="ko-KR" sz="1200" b="0" i="0" u="none" strike="noStrike" dirty="0" smtClean="0">
-                            <a:solidFill>
-                              <a:srgbClr val="000000"/>
-                            </a:solidFill>
-                            <a:effectLst/>
-                            <a:latin typeface="Times New Roman" panose="02020603050405020304" pitchFamily="18" charset="0"/>
-                            <a:cs typeface="Times New Roman" panose="02020603050405020304" pitchFamily="18" charset="0"/>
-                          </a:endParaRPr>
-                        </a:p>
-                        <a:p>
-                          <a:pPr algn="ctr" fontAlgn="ctr"/>
-                          <a:r>
-                            <a:rPr lang="en-US" altLang="ko-KR" sz="1200" b="0" i="0" u="none" strike="noStrike" dirty="0" smtClean="0">
-                              <a:solidFill>
-                                <a:srgbClr val="000000"/>
-                              </a:solidFill>
-                              <a:effectLst/>
-                              <a:latin typeface="Times New Roman" panose="02020603050405020304" pitchFamily="18" charset="0"/>
-                              <a:cs typeface="Times New Roman" panose="02020603050405020304" pitchFamily="18" charset="0"/>
-                            </a:rPr>
-                            <a:t>(</a:t>
-                          </a:r>
-                          <a:r>
-                            <a:rPr lang="en-US" altLang="ko-KR" sz="1200" b="0" i="0" u="none" strike="noStrike" dirty="0">
-                              <a:solidFill>
-                                <a:srgbClr val="000000"/>
-                              </a:solidFill>
-                              <a:effectLst/>
-                              <a:latin typeface="Times New Roman" panose="02020603050405020304" pitchFamily="18" charset="0"/>
-                              <a:cs typeface="Times New Roman" panose="02020603050405020304" pitchFamily="18" charset="0"/>
-                            </a:rPr>
-                            <a:t>0.0725)</a:t>
-                          </a:r>
-                        </a:p>
-                      </a:txBody>
-                      <a:tcPr marL="9525" marR="9525" marT="9525" marB="0" anchor="ctr">
-                        <a:lnL>
-                          <a:noFill/>
-                        </a:lnL>
-                        <a:lnR>
-                          <a:noFill/>
-                        </a:lnR>
-                        <a:lnT w="12700" cap="flat" cmpd="sng" algn="ctr">
-                          <a:noFill/>
-                          <a:prstDash val="solid"/>
-                          <a:round/>
-                          <a:headEnd type="none" w="med" len="med"/>
-                          <a:tailEnd type="none" w="med" len="med"/>
-                        </a:lnT>
-                        <a:lnB w="12700" cap="flat" cmpd="sng" algn="ctr">
-                          <a:solidFill>
-                            <a:schemeClr val="tx1"/>
-                          </a:solidFill>
-                          <a:prstDash val="solid"/>
-                          <a:round/>
-                          <a:headEnd type="none" w="med" len="med"/>
-                          <a:tailEnd type="none" w="med" len="med"/>
-                        </a:lnB>
-                      </a:tcPr>
-                    </a:tc>
-                    <a:tc>
-                      <a:txBody>
-                        <a:bodyPr/>
-                        <a:lstStyle/>
-                        <a:p>
-                          <a:pPr algn="ctr" fontAlgn="ctr"/>
-                          <a:r>
-                            <a:rPr lang="en-US" altLang="ko-KR" sz="1200" b="0" i="0" u="none" strike="noStrike" dirty="0">
-                              <a:solidFill>
-                                <a:srgbClr val="000000"/>
-                              </a:solidFill>
-                              <a:effectLst/>
-                              <a:latin typeface="Times New Roman" panose="02020603050405020304" pitchFamily="18" charset="0"/>
-                              <a:cs typeface="Times New Roman" panose="02020603050405020304" pitchFamily="18" charset="0"/>
-                            </a:rPr>
-                            <a:t>0.2115 </a:t>
-                          </a:r>
-                          <a:endParaRPr lang="en-US" altLang="ko-KR" sz="1200" b="0" i="0" u="none" strike="noStrike" dirty="0" smtClean="0">
-                            <a:solidFill>
-                              <a:srgbClr val="000000"/>
-                            </a:solidFill>
-                            <a:effectLst/>
-                            <a:latin typeface="Times New Roman" panose="02020603050405020304" pitchFamily="18" charset="0"/>
-                            <a:cs typeface="Times New Roman" panose="02020603050405020304" pitchFamily="18" charset="0"/>
-                          </a:endParaRPr>
-                        </a:p>
-                        <a:p>
-                          <a:pPr algn="ctr" fontAlgn="ctr"/>
-                          <a:r>
-                            <a:rPr lang="en-US" altLang="ko-KR" sz="1200" b="0" i="0" u="none" strike="noStrike" dirty="0" smtClean="0">
-                              <a:solidFill>
-                                <a:srgbClr val="000000"/>
-                              </a:solidFill>
-                              <a:effectLst/>
-                              <a:latin typeface="Times New Roman" panose="02020603050405020304" pitchFamily="18" charset="0"/>
-                              <a:cs typeface="Times New Roman" panose="02020603050405020304" pitchFamily="18" charset="0"/>
-                            </a:rPr>
-                            <a:t>(</a:t>
-                          </a:r>
-                          <a:r>
-                            <a:rPr lang="en-US" altLang="ko-KR" sz="1200" b="0" i="0" u="none" strike="noStrike" dirty="0">
-                              <a:solidFill>
-                                <a:srgbClr val="000000"/>
-                              </a:solidFill>
-                              <a:effectLst/>
-                              <a:latin typeface="Times New Roman" panose="02020603050405020304" pitchFamily="18" charset="0"/>
-                              <a:cs typeface="Times New Roman" panose="02020603050405020304" pitchFamily="18" charset="0"/>
-                            </a:rPr>
                             <a:t>0.0775)</a:t>
                           </a:r>
                         </a:p>
@@ -5703,18 +5921,60 @@
                         <a:bodyPr/>
                         <a:lstStyle/>
                         <a:p>
-                          <a:pPr algn="ctr" fontAlgn="ctr"/>
-                          <a:r>
-                            <a:rPr lang="en-US" altLang="ko-KR" sz="1200" b="0" i="0" u="none" strike="noStrike" dirty="0">
-                              <a:solidFill>
-                                <a:srgbClr val="000000"/>
-                              </a:solidFill>
-                              <a:effectLst/>
-                              <a:latin typeface="Times New Roman" panose="02020603050405020304" pitchFamily="18" charset="0"/>
-                              <a:cs typeface="Times New Roman" panose="02020603050405020304" pitchFamily="18" charset="0"/>
-                            </a:rPr>
-                            <a:t>0.1309 (0.0229)</a:t>
-                          </a:r>
+                          <a:pPr algn="ctr" fontAlgn="ctr" latinLnBrk="1">
+                            <a:lnSpc>
+                              <a:spcPct val="107000"/>
+                            </a:lnSpc>
+                            <a:spcAft>
+                              <a:spcPts val="0"/>
+                            </a:spcAft>
+                          </a:pPr>
+                          <a:r>
+                            <a:rPr lang="en-US" sz="1200" kern="1200">
+                              <a:solidFill>
+                                <a:srgbClr val="000000"/>
+                              </a:solidFill>
+                              <a:effectLst/>
+                              <a:latin typeface="Times New Roman"/>
+                              <a:ea typeface="굴림"/>
+                              <a:cs typeface="Times New Roman"/>
+                            </a:rPr>
+                            <a:t>0.1309 </a:t>
+                          </a:r>
+                          <a:endParaRPr lang="ko-KR" sz="1000" kern="100">
+                            <a:effectLst/>
+                            <a:latin typeface="맑은 고딕"/>
+                            <a:ea typeface="맑은 고딕"/>
+                            <a:cs typeface="Times New Roman"/>
+                          </a:endParaRPr>
+                        </a:p>
+                        <a:p>
+                          <a:pPr algn="ctr" fontAlgn="ctr" latinLnBrk="1">
+                            <a:lnSpc>
+                              <a:spcPct val="107000"/>
+                            </a:lnSpc>
+                            <a:spcAft>
+                              <a:spcPts val="0"/>
+                            </a:spcAft>
+                          </a:pPr>
+                          <a:r>
+                            <a:rPr lang="en-US" sz="1200" kern="1200">
+                              <a:solidFill>
+                                <a:srgbClr val="000000"/>
+                              </a:solidFill>
+                              <a:effectLst/>
+                              <a:latin typeface="Times New Roman"/>
+                              <a:ea typeface="굴림"/>
+                              <a:cs typeface="Times New Roman"/>
+                            </a:rPr>
+                            <a:t>(0.0229)</a:t>
+                          </a:r>
+                          <a:endParaRPr lang="ko-KR" sz="1000" kern="100">
+                            <a:effectLst/>
+                            <a:latin typeface="맑은 고딕"/>
+                            <a:ea typeface="맑은 고딕"/>
+                            <a:cs typeface="Times New Roman"/>
+                          </a:endParaRPr>
                         </a:p>
                       </a:txBody>
                       <a:tcPr marL="9525" marR="9525" marT="9525" marB="0" anchor="ctr">
@@ -5747,18 +6007,60 @@
                         <a:bodyPr/>
                         <a:lstStyle/>
                         <a:p>
-                          <a:pPr algn="ctr" fontAlgn="ctr"/>
-                          <a:r>
-                            <a:rPr lang="en-US" altLang="ko-KR" sz="1200" b="0" i="0" u="none" strike="noStrike">
-                              <a:solidFill>
-                                <a:srgbClr val="000000"/>
-                              </a:solidFill>
-                              <a:effectLst/>
-                              <a:latin typeface="Times New Roman" panose="02020603050405020304" pitchFamily="18" charset="0"/>
-                              <a:cs typeface="Times New Roman" panose="02020603050405020304" pitchFamily="18" charset="0"/>
-                            </a:rPr>
-                            <a:t>0.4324 (0.1313)</a:t>
-                          </a:r>
+                          <a:pPr algn="ctr" fontAlgn="ctr" latinLnBrk="1">
+                            <a:lnSpc>
+                              <a:spcPct val="107000"/>
+                            </a:lnSpc>
+                            <a:spcAft>
+                              <a:spcPts val="0"/>
+                            </a:spcAft>
+                          </a:pPr>
+                          <a:r>
+                            <a:rPr lang="en-US" sz="1200" kern="1200">
+                              <a:solidFill>
+                                <a:srgbClr val="000000"/>
+                              </a:solidFill>
+                              <a:effectLst/>
+                              <a:latin typeface="Times New Roman"/>
+                              <a:ea typeface="굴림"/>
+                              <a:cs typeface="Times New Roman"/>
+                            </a:rPr>
+                            <a:t>0.4324 </a:t>
+                          </a:r>
+                          <a:endParaRPr lang="ko-KR" sz="1000" kern="100">
+                            <a:effectLst/>
+                            <a:latin typeface="맑은 고딕"/>
+                            <a:ea typeface="맑은 고딕"/>
+                            <a:cs typeface="Times New Roman"/>
+                          </a:endParaRPr>
+                        </a:p>
+                        <a:p>
+                          <a:pPr algn="ctr" fontAlgn="ctr" latinLnBrk="1">
+                            <a:lnSpc>
+                              <a:spcPct val="107000"/>
+                            </a:lnSpc>
+                            <a:spcAft>
+                              <a:spcPts val="0"/>
+                            </a:spcAft>
+                          </a:pPr>
+                          <a:r>
+                            <a:rPr lang="en-US" sz="1200" kern="1200">
+                              <a:solidFill>
+                                <a:srgbClr val="000000"/>
+                              </a:solidFill>
+                              <a:effectLst/>
+                              <a:latin typeface="Times New Roman"/>
+                              <a:ea typeface="굴림"/>
+                              <a:cs typeface="Times New Roman"/>
+                            </a:rPr>
+                            <a:t>(0.1313)</a:t>
+                          </a:r>
+                          <a:endParaRPr lang="ko-KR" sz="1000" kern="100">
+                            <a:effectLst/>
+                            <a:latin typeface="맑은 고딕"/>
+                            <a:ea typeface="맑은 고딕"/>
+                            <a:cs typeface="Times New Roman"/>
+                          </a:endParaRPr>
                         </a:p>
                       </a:txBody>
                       <a:tcPr marL="9525" marR="9525" marT="9525" marB="0" anchor="ctr">
@@ -5950,36 +6252,59 @@
                         <a:bodyPr/>
                         <a:lstStyle/>
                         <a:p>
-                          <a:pPr algn="ctr" fontAlgn="ctr"/>
-                          <a:r>
-                            <a:rPr lang="en-US" altLang="ko-KR" sz="1200" b="0" i="0" u="none" strike="noStrike" dirty="0">
-                              <a:solidFill>
-                                <a:srgbClr val="000000"/>
-                              </a:solidFill>
-                              <a:effectLst/>
-                              <a:latin typeface="Times New Roman" panose="02020603050405020304" pitchFamily="18" charset="0"/>
-                              <a:cs typeface="Times New Roman" panose="02020603050405020304" pitchFamily="18" charset="0"/>
-                            </a:rPr>
-                            <a:t>0.1292 (</a:t>
-                          </a:r>
-                          <a:r>
-                            <a:rPr lang="en-US" altLang="ko-KR" sz="1200" b="0" i="0" u="none" strike="noStrike" dirty="0" smtClean="0">
-                              <a:solidFill>
-                                <a:srgbClr val="000000"/>
-                              </a:solidFill>
-                              <a:effectLst/>
-                              <a:latin typeface="Times New Roman" panose="02020603050405020304" pitchFamily="18" charset="0"/>
-                              <a:cs typeface="Times New Roman" panose="02020603050405020304" pitchFamily="18" charset="0"/>
-                            </a:rPr>
-                            <a:t>0.0180)</a:t>
-                          </a:r>
-                          <a:endParaRPr lang="en-US" altLang="ko-KR" sz="1200" b="0" i="0" u="none" strike="noStrike" dirty="0">
-                            <a:solidFill>
-                              <a:srgbClr val="000000"/>
-                            </a:solidFill>
-                            <a:effectLst/>
-                            <a:latin typeface="Times New Roman" panose="02020603050405020304" pitchFamily="18" charset="0"/>
-                            <a:cs typeface="Times New Roman" panose="02020603050405020304" pitchFamily="18" charset="0"/>
+                          <a:pPr algn="ctr" fontAlgn="ctr" latinLnBrk="1">
+                            <a:lnSpc>
+                              <a:spcPct val="107000"/>
+                            </a:lnSpc>
+                            <a:spcAft>
+                              <a:spcPts val="0"/>
+                            </a:spcAft>
+                          </a:pPr>
+                          <a:r>
+                            <a:rPr lang="en-US" sz="1200" kern="1200">
+                              <a:solidFill>
+                                <a:srgbClr val="000000"/>
+                              </a:solidFill>
+                              <a:effectLst/>
+                              <a:latin typeface="Times New Roman"/>
+                              <a:ea typeface="굴림"/>
+                              <a:cs typeface="Times New Roman"/>
+                            </a:rPr>
+                            <a:t>0.1276 </a:t>
+                          </a:r>
+                          <a:endParaRPr lang="ko-KR" sz="1000" kern="100">
+                            <a:effectLst/>
+                            <a:latin typeface="맑은 고딕"/>
+                            <a:ea typeface="맑은 고딕"/>
+                            <a:cs typeface="Times New Roman"/>
+                          </a:endParaRPr>
+                        </a:p>
+                        <a:p>
+                          <a:pPr algn="ctr" fontAlgn="ctr" latinLnBrk="1">
+                            <a:lnSpc>
+                              <a:spcPct val="107000"/>
+                            </a:lnSpc>
+                            <a:spcAft>
+                              <a:spcPts val="0"/>
+                            </a:spcAft>
+                          </a:pPr>
+                          <a:r>
+                            <a:rPr lang="en-US" sz="1200" kern="1200">
+                              <a:solidFill>
+                                <a:srgbClr val="000000"/>
+                              </a:solidFill>
+                              <a:effectLst/>
+                              <a:latin typeface="Times New Roman"/>
+                              <a:ea typeface="굴림"/>
+                              <a:cs typeface="Times New Roman"/>
+                            </a:rPr>
+                            <a:t>(0.0225)</a:t>
+                          </a:r>
+                          <a:endParaRPr lang="ko-KR" sz="1000" kern="100">
+                            <a:effectLst/>
+                            <a:latin typeface="맑은 고딕"/>
+                            <a:ea typeface="맑은 고딕"/>
+                            <a:cs typeface="Times New Roman"/>
                           </a:endParaRPr>
                         </a:p>
                       </a:txBody>
@@ -6011,29 +6336,60 @@
                         <a:bodyPr/>
                         <a:lstStyle/>
                         <a:p>
-                          <a:pPr algn="ctr" fontAlgn="ctr"/>
-                          <a:r>
-                            <a:rPr lang="en-US" altLang="ko-KR" sz="1200" b="0" i="0" u="none" strike="noStrike" dirty="0" smtClean="0">
-                              <a:solidFill>
-                                <a:srgbClr val="000000"/>
-                              </a:solidFill>
-                              <a:effectLst/>
-                              <a:latin typeface="Times New Roman" panose="02020603050405020304" pitchFamily="18" charset="0"/>
-                              <a:cs typeface="Times New Roman" panose="02020603050405020304" pitchFamily="18" charset="0"/>
-                            </a:rPr>
-                            <a:t>0.4210 </a:t>
-                          </a:r>
-                          <a:r>
-                            <a:rPr lang="en-US" altLang="ko-KR" sz="1200" b="0" i="0" u="none" strike="noStrike" dirty="0">
-                              <a:solidFill>
-                                <a:srgbClr val="000000"/>
-                              </a:solidFill>
-                              <a:effectLst/>
-                              <a:latin typeface="Times New Roman" panose="02020603050405020304" pitchFamily="18" charset="0"/>
-                              <a:cs typeface="Times New Roman" panose="02020603050405020304" pitchFamily="18" charset="0"/>
-                            </a:rPr>
-                            <a:t>(0.0962)</a:t>
-                          </a:r>
+                          <a:pPr algn="ctr" fontAlgn="ctr" latinLnBrk="1">
+                            <a:lnSpc>
+                              <a:spcPct val="107000"/>
+                            </a:lnSpc>
+                            <a:spcAft>
+                              <a:spcPts val="0"/>
+                            </a:spcAft>
+                          </a:pPr>
+                          <a:r>
+                            <a:rPr lang="en-US" sz="1200" kern="1200">
+                              <a:solidFill>
+                                <a:srgbClr val="000000"/>
+                              </a:solidFill>
+                              <a:effectLst/>
+                              <a:latin typeface="Times New Roman"/>
+                              <a:ea typeface="굴림"/>
+                              <a:cs typeface="Times New Roman"/>
+                            </a:rPr>
+                            <a:t>0.4230 </a:t>
+                          </a:r>
+                          <a:endParaRPr lang="ko-KR" sz="1000" kern="100">
+                            <a:effectLst/>
+                            <a:latin typeface="맑은 고딕"/>
+                            <a:ea typeface="맑은 고딕"/>
+                            <a:cs typeface="Times New Roman"/>
+                          </a:endParaRPr>
+                        </a:p>
+                        <a:p>
+                          <a:pPr algn="ctr" fontAlgn="ctr" latinLnBrk="1">
+                            <a:lnSpc>
+                              <a:spcPct val="107000"/>
+                            </a:lnSpc>
+                            <a:spcAft>
+                              <a:spcPts val="0"/>
+                            </a:spcAft>
+                          </a:pPr>
+                          <a:r>
+                            <a:rPr lang="en-US" sz="1200" kern="1200">
+                              <a:solidFill>
+                                <a:srgbClr val="000000"/>
+                              </a:solidFill>
+                              <a:effectLst/>
+                              <a:latin typeface="Times New Roman"/>
+                              <a:ea typeface="굴림"/>
+                              <a:cs typeface="Times New Roman"/>
+                            </a:rPr>
+                            <a:t>(0.1315)</a:t>
+                          </a:r>
+                          <a:endParaRPr lang="ko-KR" sz="1000" kern="100">
+                            <a:effectLst/>
+                            <a:latin typeface="맑은 고딕"/>
+                            <a:ea typeface="맑은 고딕"/>
+                            <a:cs typeface="Times New Roman"/>
+                          </a:endParaRPr>
                         </a:p>
                       </a:txBody>
                       <a:tcPr marL="9525" marR="9525" marT="9525" marB="0" anchor="ctr">
@@ -6223,51 +6579,60 @@
                         <a:bodyPr/>
                         <a:lstStyle/>
                         <a:p>
-                          <a:pPr algn="ctr" fontAlgn="ctr"/>
-                          <a:r>
-                            <a:rPr lang="en-US" altLang="ko-KR" sz="1200" b="0" i="0" u="none" strike="noStrike" dirty="0">
-                              <a:solidFill>
-                                <a:srgbClr val="000000"/>
-                              </a:solidFill>
-                              <a:effectLst/>
-                              <a:latin typeface="Times New Roman" panose="02020603050405020304" pitchFamily="18" charset="0"/>
-                              <a:cs typeface="Times New Roman" panose="02020603050405020304" pitchFamily="18" charset="0"/>
-                            </a:rPr>
-                            <a:t>0.1295 </a:t>
-                          </a:r>
-                          <a:endParaRPr lang="en-US" altLang="ko-KR" sz="1200" b="0" i="0" u="none" strike="noStrike" dirty="0" smtClean="0">
-                            <a:solidFill>
-                              <a:srgbClr val="000000"/>
-                            </a:solidFill>
-                            <a:effectLst/>
-                            <a:latin typeface="Times New Roman" panose="02020603050405020304" pitchFamily="18" charset="0"/>
-                            <a:cs typeface="Times New Roman" panose="02020603050405020304" pitchFamily="18" charset="0"/>
-                          </a:endParaRPr>
-                        </a:p>
-                        <a:p>
-                          <a:pPr algn="ctr" fontAlgn="ctr"/>
-                          <a:r>
-                            <a:rPr lang="en-US" altLang="ko-KR" sz="1200" b="0" i="0" u="none" strike="noStrike" dirty="0" smtClean="0">
-                              <a:solidFill>
-                                <a:srgbClr val="000000"/>
-                              </a:solidFill>
-                              <a:effectLst/>
-                              <a:latin typeface="Times New Roman" panose="02020603050405020304" pitchFamily="18" charset="0"/>
-                              <a:cs typeface="Times New Roman" panose="02020603050405020304" pitchFamily="18" charset="0"/>
-                            </a:rPr>
-                            <a:t>(</a:t>
-                          </a:r>
-                          <a:r>
-                            <a:rPr lang="en-US" altLang="ko-KR" sz="1200" b="0" i="0" u="none" strike="noStrike" dirty="0">
-                              <a:solidFill>
-                                <a:srgbClr val="000000"/>
-                              </a:solidFill>
-                              <a:effectLst/>
-                              <a:latin typeface="Times New Roman" panose="02020603050405020304" pitchFamily="18" charset="0"/>
-                              <a:cs typeface="Times New Roman" panose="02020603050405020304" pitchFamily="18" charset="0"/>
-                            </a:rPr>
-                            <a:t>0.0164)</a:t>
-                          </a:r>
+                          <a:pPr algn="ctr" fontAlgn="ctr" latinLnBrk="1">
+                            <a:lnSpc>
+                              <a:spcPct val="107000"/>
+                            </a:lnSpc>
+                            <a:spcAft>
+                              <a:spcPts val="0"/>
+                            </a:spcAft>
+                          </a:pPr>
+                          <a:r>
+                            <a:rPr lang="en-US" sz="1200" kern="1200">
+                              <a:solidFill>
+                                <a:srgbClr val="000000"/>
+                              </a:solidFill>
+                              <a:effectLst/>
+                              <a:latin typeface="Times New Roman"/>
+                              <a:ea typeface="굴림"/>
+                              <a:cs typeface="Times New Roman"/>
+                            </a:rPr>
+                            <a:t>0.1286 </a:t>
+                          </a:r>
+                          <a:endParaRPr lang="ko-KR" sz="1000" kern="100">
+                            <a:effectLst/>
+                            <a:latin typeface="맑은 고딕"/>
+                            <a:ea typeface="맑은 고딕"/>
+                            <a:cs typeface="Times New Roman"/>
+                          </a:endParaRPr>
+                        </a:p>
+                        <a:p>
+                          <a:pPr algn="ctr" fontAlgn="ctr" latinLnBrk="1">
+                            <a:lnSpc>
+                              <a:spcPct val="107000"/>
+                            </a:lnSpc>
+                            <a:spcAft>
+                              <a:spcPts val="0"/>
+                            </a:spcAft>
+                          </a:pPr>
+                          <a:r>
+                            <a:rPr lang="en-US" sz="1200" kern="1200">
+                              <a:solidFill>
+                                <a:srgbClr val="000000"/>
+                              </a:solidFill>
+                              <a:effectLst/>
+                              <a:latin typeface="Times New Roman"/>
+                              <a:ea typeface="굴림"/>
+                              <a:cs typeface="Times New Roman"/>
+                            </a:rPr>
+                            <a:t>(0.0189)</a:t>
+                          </a:r>
+                          <a:endParaRPr lang="ko-KR" sz="1000" kern="100">
+                            <a:effectLst/>
+                            <a:latin typeface="맑은 고딕"/>
+                            <a:ea typeface="맑은 고딕"/>
+                            <a:cs typeface="Times New Roman"/>
+                          </a:endParaRPr>
                         </a:p>
                       </a:txBody>
                       <a:tcPr marL="9525" marR="9525" marT="9525" marB="0" anchor="ctr">
@@ -6300,40 +6665,60 @@
                         <a:bodyPr/>
                         <a:lstStyle/>
                         <a:p>
-                          <a:pPr algn="ctr" fontAlgn="ctr"/>
-                          <a:r>
-                            <a:rPr lang="en-US" altLang="ko-KR" sz="1200" b="0" i="0" u="none" strike="noStrike" dirty="0">
-                              <a:solidFill>
-                                <a:srgbClr val="000000"/>
-                              </a:solidFill>
-                              <a:effectLst/>
-                              <a:latin typeface="Times New Roman" panose="02020603050405020304" pitchFamily="18" charset="0"/>
-                              <a:cs typeface="Times New Roman" panose="02020603050405020304" pitchFamily="18" charset="0"/>
-                            </a:rPr>
-                            <a:t>0.4269 </a:t>
-                          </a:r>
-                          <a:r>
-                            <a:rPr lang="en-US" altLang="ko-KR" sz="1200" b="0" i="0" u="none" strike="noStrike" dirty="0" smtClean="0">
-                              <a:solidFill>
-                                <a:srgbClr val="000000"/>
-                              </a:solidFill>
-                              <a:effectLst/>
-                              <a:latin typeface="Times New Roman" panose="02020603050405020304" pitchFamily="18" charset="0"/>
-                              <a:cs typeface="Times New Roman" panose="02020603050405020304" pitchFamily="18" charset="0"/>
-                            </a:rPr>
-                            <a:t>(</a:t>
-                          </a:r>
-                          <a:r>
-                            <a:rPr lang="en-US" altLang="ko-KR" sz="1200" b="0" i="0" u="none" strike="noStrike" dirty="0">
-                              <a:solidFill>
-                                <a:srgbClr val="000000"/>
-                              </a:solidFill>
-                              <a:effectLst/>
-                              <a:latin typeface="Times New Roman" panose="02020603050405020304" pitchFamily="18" charset="0"/>
-                              <a:cs typeface="Times New Roman" panose="02020603050405020304" pitchFamily="18" charset="0"/>
-                            </a:rPr>
-                            <a:t>0.0727)</a:t>
-                          </a:r>
+                          <a:pPr algn="ctr" fontAlgn="ctr" latinLnBrk="1">
+                            <a:lnSpc>
+                              <a:spcPct val="107000"/>
+                            </a:lnSpc>
+                            <a:spcAft>
+                              <a:spcPts val="0"/>
+                            </a:spcAft>
+                          </a:pPr>
+                          <a:r>
+                            <a:rPr lang="en-US" sz="1200" kern="1200" dirty="0">
+                              <a:solidFill>
+                                <a:srgbClr val="000000"/>
+                              </a:solidFill>
+                              <a:effectLst/>
+                              <a:latin typeface="Times New Roman"/>
+                              <a:ea typeface="굴림"/>
+                              <a:cs typeface="Times New Roman"/>
+                            </a:rPr>
+                            <a:t>0.4181 </a:t>
+                          </a:r>
+                          <a:endParaRPr lang="ko-KR" sz="1000" kern="100" dirty="0">
+                            <a:effectLst/>
+                            <a:latin typeface="맑은 고딕"/>
+                            <a:ea typeface="맑은 고딕"/>
+                            <a:cs typeface="Times New Roman"/>
+                          </a:endParaRPr>
+                        </a:p>
+                        <a:p>
+                          <a:pPr algn="ctr" fontAlgn="ctr" latinLnBrk="1">
+                            <a:lnSpc>
+                              <a:spcPct val="107000"/>
+                            </a:lnSpc>
+                            <a:spcAft>
+                              <a:spcPts val="0"/>
+                            </a:spcAft>
+                          </a:pPr>
+                          <a:r>
+                            <a:rPr lang="en-US" sz="1200" kern="1200" dirty="0">
+                              <a:solidFill>
+                                <a:srgbClr val="000000"/>
+                              </a:solidFill>
+                              <a:effectLst/>
+                              <a:latin typeface="Times New Roman"/>
+                              <a:ea typeface="굴림"/>
+                              <a:cs typeface="Times New Roman"/>
+                            </a:rPr>
+                            <a:t>(0.0950)</a:t>
+                          </a:r>
+                          <a:endParaRPr lang="ko-KR" sz="1000" kern="100" dirty="0">
+                            <a:effectLst/>
+                            <a:latin typeface="맑은 고딕"/>
+                            <a:ea typeface="맑은 고딕"/>
+                            <a:cs typeface="Times New Roman"/>
+                          </a:endParaRPr>
                         </a:p>
                       </a:txBody>
                       <a:tcPr marL="9525" marR="9525" marT="9525" marB="0" anchor="ctr">
@@ -6444,7 +6829,7 @@
             </a:graphic>
           </p:graphicFrame>
         </mc:Choice>
-        <mc:Fallback>
+        <mc:Fallback xmlns="">
           <p:graphicFrame>
             <p:nvGraphicFramePr>
               <p:cNvPr id="6" name="표 5"/>
@@ -6454,7 +6839,7 @@
               <p:nvPr>
                 <p:extLst>
                   <p:ext uri="{D42A27DB-BD31-4B8C-83A1-F6EECF244321}">
-                    <p14:modId xmlns:p14="http://schemas.microsoft.com/office/powerpoint/2010/main" val="3314824694"/>
+                    <p14:modId xmlns:p14="http://schemas.microsoft.com/office/powerpoint/2010/main" val="3598998930"/>
                   </p:ext>
                 </p:extLst>
               </p:nvPr>
@@ -6819,7 +7204,7 @@
                         <a:blipFill rotWithShape="1">
                           <a:blip r:embed="rId2"/>
                           <a:stretch>
-                            <a:fillRect l="-209231" t="-114706" r="-200769" b="-1905882"/>
+                            <a:fillRect l="-209231" t="-114706" r="-200769" b="-1911765"/>
                           </a:stretch>
                         </a:blipFill>
                       </a:tcPr>
@@ -6860,7 +7245,7 @@
                         <a:blipFill rotWithShape="1">
                           <a:blip r:embed="rId2"/>
                           <a:stretch>
-                            <a:fillRect l="-309231" t="-114706" r="-100769" b="-1905882"/>
+                            <a:fillRect l="-309231" t="-114706" r="-100769" b="-1911765"/>
                           </a:stretch>
                         </a:blipFill>
                       </a:tcPr>
@@ -6901,7 +7286,7 @@
                         <a:blipFill rotWithShape="1">
                           <a:blip r:embed="rId2"/>
                           <a:stretch>
-                            <a:fillRect l="-409231" t="-114706" r="-769" b="-1905882"/>
+                            <a:fillRect l="-409231" t="-114706" r="-769" b="-1911765"/>
                           </a:stretch>
                         </a:blipFill>
                       </a:tcPr>
@@ -7019,51 +7404,60 @@
                         <a:bodyPr/>
                         <a:lstStyle/>
                         <a:p>
-                          <a:pPr algn="ctr" fontAlgn="ctr"/>
-                          <a:r>
-                            <a:rPr lang="en-US" altLang="ko-KR" sz="1200" b="0" i="0" u="none" strike="noStrike" dirty="0">
-                              <a:solidFill>
-                                <a:srgbClr val="000000"/>
-                              </a:solidFill>
-                              <a:effectLst/>
-                              <a:latin typeface="Times New Roman" panose="02020603050405020304" pitchFamily="18" charset="0"/>
-                              <a:cs typeface="Times New Roman" panose="02020603050405020304" pitchFamily="18" charset="0"/>
+                          <a:pPr algn="ctr" fontAlgn="ctr" latinLnBrk="1">
+                            <a:lnSpc>
+                              <a:spcPct val="107000"/>
+                            </a:lnSpc>
+                            <a:spcAft>
+                              <a:spcPts val="0"/>
+                            </a:spcAft>
+                          </a:pPr>
+                          <a:r>
+                            <a:rPr lang="en-US" sz="1200" kern="1200" dirty="0">
+                              <a:solidFill>
+                                <a:srgbClr val="000000"/>
+                              </a:solidFill>
+                              <a:effectLst/>
+                              <a:latin typeface="Times New Roman"/>
+                              <a:ea typeface="굴림"/>
+                              <a:cs typeface="Times New Roman"/>
                             </a:rPr>
                             <a:t>0.1226 </a:t>
                           </a:r>
-                          <a:endParaRPr lang="en-US" altLang="ko-KR" sz="1200" b="0" i="0" u="none" strike="noStrike" dirty="0" smtClean="0">
-                            <a:solidFill>
-                              <a:srgbClr val="000000"/>
-                            </a:solidFill>
-                            <a:effectLst/>
-                            <a:latin typeface="Times New Roman" panose="02020603050405020304" pitchFamily="18" charset="0"/>
-                            <a:cs typeface="Times New Roman" panose="02020603050405020304" pitchFamily="18" charset="0"/>
-                          </a:endParaRPr>
-                        </a:p>
-                        <a:p>
-                          <a:pPr algn="ctr" fontAlgn="ctr"/>
-                          <a:r>
-                            <a:rPr lang="en-US" altLang="ko-KR" sz="1200" b="0" i="0" u="none" strike="noStrike" dirty="0" smtClean="0">
-                              <a:solidFill>
-                                <a:srgbClr val="000000"/>
-                              </a:solidFill>
-                              <a:effectLst/>
-                              <a:latin typeface="Times New Roman" panose="02020603050405020304" pitchFamily="18" charset="0"/>
-                              <a:cs typeface="Times New Roman" panose="02020603050405020304" pitchFamily="18" charset="0"/>
-                            </a:rPr>
-                            <a:t>(</a:t>
-                          </a:r>
-                          <a:r>
-                            <a:rPr lang="en-US" altLang="ko-KR" sz="1200" b="0" i="0" u="none" strike="noStrike" dirty="0">
-                              <a:solidFill>
-                                <a:srgbClr val="000000"/>
-                              </a:solidFill>
-                              <a:effectLst/>
-                              <a:latin typeface="Times New Roman" panose="02020603050405020304" pitchFamily="18" charset="0"/>
-                              <a:cs typeface="Times New Roman" panose="02020603050405020304" pitchFamily="18" charset="0"/>
-                            </a:rPr>
-                            <a:t>0.0223)</a:t>
-                          </a:r>
+                          <a:endParaRPr lang="ko-KR" sz="1000" kern="100" dirty="0">
+                            <a:effectLst/>
+                            <a:latin typeface="맑은 고딕"/>
+                            <a:ea typeface="맑은 고딕"/>
+                            <a:cs typeface="Times New Roman"/>
+                          </a:endParaRPr>
+                        </a:p>
+                        <a:p>
+                          <a:pPr algn="ctr" fontAlgn="ctr" latinLnBrk="1">
+                            <a:lnSpc>
+                              <a:spcPct val="107000"/>
+                            </a:lnSpc>
+                            <a:spcAft>
+                              <a:spcPts val="0"/>
+                            </a:spcAft>
+                          </a:pPr>
+                          <a:r>
+                            <a:rPr lang="en-US" sz="1200" kern="1200" dirty="0">
+                              <a:solidFill>
+                                <a:srgbClr val="000000"/>
+                              </a:solidFill>
+                              <a:effectLst/>
+                              <a:latin typeface="Times New Roman"/>
+                              <a:ea typeface="굴림"/>
+                              <a:cs typeface="Times New Roman"/>
+                            </a:rPr>
+                            <a:t>(0.0223)</a:t>
+                          </a:r>
+                          <a:endParaRPr lang="ko-KR" sz="1000" kern="100" dirty="0">
+                            <a:effectLst/>
+                            <a:latin typeface="맑은 고딕"/>
+                            <a:ea typeface="맑은 고딕"/>
+                            <a:cs typeface="Times New Roman"/>
+                          </a:endParaRPr>
                         </a:p>
                       </a:txBody>
                       <a:tcPr marL="9525" marR="9525" marT="9525" marB="0" anchor="ctr">
@@ -7096,51 +7490,60 @@
                         <a:bodyPr/>
                         <a:lstStyle/>
                         <a:p>
-                          <a:pPr algn="ctr" fontAlgn="ctr"/>
-                          <a:r>
-                            <a:rPr lang="en-US" altLang="ko-KR" sz="1200" b="0" i="0" u="none" strike="noStrike" dirty="0">
-                              <a:solidFill>
-                                <a:srgbClr val="000000"/>
-                              </a:solidFill>
-                              <a:effectLst/>
-                              <a:latin typeface="Times New Roman" panose="02020603050405020304" pitchFamily="18" charset="0"/>
-                              <a:cs typeface="Times New Roman" panose="02020603050405020304" pitchFamily="18" charset="0"/>
+                          <a:pPr algn="ctr" fontAlgn="ctr" latinLnBrk="1">
+                            <a:lnSpc>
+                              <a:spcPct val="107000"/>
+                            </a:lnSpc>
+                            <a:spcAft>
+                              <a:spcPts val="0"/>
+                            </a:spcAft>
+                          </a:pPr>
+                          <a:r>
+                            <a:rPr lang="en-US" sz="1200" kern="1200">
+                              <a:solidFill>
+                                <a:srgbClr val="000000"/>
+                              </a:solidFill>
+                              <a:effectLst/>
+                              <a:latin typeface="Times New Roman"/>
+                              <a:ea typeface="굴림"/>
+                              <a:cs typeface="Times New Roman"/>
                             </a:rPr>
                             <a:t>0.0933 </a:t>
                           </a:r>
-                          <a:endParaRPr lang="en-US" altLang="ko-KR" sz="1200" b="0" i="0" u="none" strike="noStrike" dirty="0" smtClean="0">
-                            <a:solidFill>
-                              <a:srgbClr val="000000"/>
-                            </a:solidFill>
-                            <a:effectLst/>
-                            <a:latin typeface="Times New Roman" panose="02020603050405020304" pitchFamily="18" charset="0"/>
-                            <a:cs typeface="Times New Roman" panose="02020603050405020304" pitchFamily="18" charset="0"/>
-                          </a:endParaRPr>
-                        </a:p>
-                        <a:p>
-                          <a:pPr algn="ctr" fontAlgn="ctr"/>
-                          <a:r>
-                            <a:rPr lang="en-US" altLang="ko-KR" sz="1200" b="0" i="0" u="none" strike="noStrike" dirty="0" smtClean="0">
-                              <a:solidFill>
-                                <a:srgbClr val="000000"/>
-                              </a:solidFill>
-                              <a:effectLst/>
-                              <a:latin typeface="Times New Roman" panose="02020603050405020304" pitchFamily="18" charset="0"/>
-                              <a:cs typeface="Times New Roman" panose="02020603050405020304" pitchFamily="18" charset="0"/>
-                            </a:rPr>
-                            <a:t>(0.0971</a:t>
-                          </a:r>
-                          <a:r>
-                            <a:rPr lang="en-US" altLang="ko-KR" sz="1200" b="0" i="0" u="none" strike="noStrike" dirty="0">
-                              <a:solidFill>
-                                <a:srgbClr val="000000"/>
-                              </a:solidFill>
-                              <a:effectLst/>
-                              <a:latin typeface="Times New Roman" panose="02020603050405020304" pitchFamily="18" charset="0"/>
-                              <a:cs typeface="Times New Roman" panose="02020603050405020304" pitchFamily="18" charset="0"/>
-                            </a:rPr>
-                            <a:t>)</a:t>
-                          </a:r>
+                          <a:endParaRPr lang="ko-KR" sz="1000" kern="100">
+                            <a:effectLst/>
+                            <a:latin typeface="맑은 고딕"/>
+                            <a:ea typeface="맑은 고딕"/>
+                            <a:cs typeface="Times New Roman"/>
+                          </a:endParaRPr>
+                        </a:p>
+                        <a:p>
+                          <a:pPr algn="ctr" fontAlgn="ctr" latinLnBrk="1">
+                            <a:lnSpc>
+                              <a:spcPct val="107000"/>
+                            </a:lnSpc>
+                            <a:spcAft>
+                              <a:spcPts val="0"/>
+                            </a:spcAft>
+                          </a:pPr>
+                          <a:r>
+                            <a:rPr lang="en-US" sz="1200" kern="1200">
+                              <a:solidFill>
+                                <a:srgbClr val="000000"/>
+                              </a:solidFill>
+                              <a:effectLst/>
+                              <a:latin typeface="Times New Roman"/>
+                              <a:ea typeface="굴림"/>
+                              <a:cs typeface="Times New Roman"/>
+                            </a:rPr>
+                            <a:t>(0.0971)</a:t>
+                          </a:r>
+                          <a:endParaRPr lang="ko-KR" sz="1000" kern="100">
+                            <a:effectLst/>
+                            <a:latin typeface="맑은 고딕"/>
+                            <a:ea typeface="맑은 고딕"/>
+                            <a:cs typeface="Times New Roman"/>
+                          </a:endParaRPr>
                         </a:p>
                       </a:txBody>
                       <a:tcPr marL="9525" marR="9525" marT="9525" marB="0" anchor="ctr">
@@ -7332,51 +7735,60 @@
                         <a:bodyPr/>
                         <a:lstStyle/>
                         <a:p>
-                          <a:pPr algn="ctr" fontAlgn="ctr"/>
-                          <a:r>
-                            <a:rPr lang="en-US" altLang="ko-KR" sz="1200" b="0" i="0" u="none" strike="noStrike" dirty="0">
-                              <a:solidFill>
-                                <a:srgbClr val="000000"/>
-                              </a:solidFill>
-                              <a:effectLst/>
-                              <a:latin typeface="Times New Roman" panose="02020603050405020304" pitchFamily="18" charset="0"/>
-                              <a:cs typeface="Times New Roman" panose="02020603050405020304" pitchFamily="18" charset="0"/>
+                          <a:pPr algn="ctr" fontAlgn="ctr" latinLnBrk="1">
+                            <a:lnSpc>
+                              <a:spcPct val="107000"/>
+                            </a:lnSpc>
+                            <a:spcAft>
+                              <a:spcPts val="0"/>
+                            </a:spcAft>
+                          </a:pPr>
+                          <a:r>
+                            <a:rPr lang="en-US" sz="1200" kern="1200">
+                              <a:solidFill>
+                                <a:srgbClr val="000000"/>
+                              </a:solidFill>
+                              <a:effectLst/>
+                              <a:latin typeface="Times New Roman"/>
+                              <a:ea typeface="굴림"/>
+                              <a:cs typeface="Times New Roman"/>
                             </a:rPr>
                             <a:t>0.1281 </a:t>
                           </a:r>
-                          <a:endParaRPr lang="en-US" altLang="ko-KR" sz="1200" b="0" i="0" u="none" strike="noStrike" dirty="0" smtClean="0">
-                            <a:solidFill>
-                              <a:srgbClr val="000000"/>
-                            </a:solidFill>
-                            <a:effectLst/>
-                            <a:latin typeface="Times New Roman" panose="02020603050405020304" pitchFamily="18" charset="0"/>
-                            <a:cs typeface="Times New Roman" panose="02020603050405020304" pitchFamily="18" charset="0"/>
-                          </a:endParaRPr>
-                        </a:p>
-                        <a:p>
-                          <a:pPr algn="ctr" fontAlgn="ctr"/>
-                          <a:r>
-                            <a:rPr lang="en-US" altLang="ko-KR" sz="1200" b="0" i="0" u="none" strike="noStrike" dirty="0" smtClean="0">
-                              <a:solidFill>
-                                <a:srgbClr val="000000"/>
-                              </a:solidFill>
-                              <a:effectLst/>
-                              <a:latin typeface="Times New Roman" panose="02020603050405020304" pitchFamily="18" charset="0"/>
-                              <a:cs typeface="Times New Roman" panose="02020603050405020304" pitchFamily="18" charset="0"/>
-                            </a:rPr>
-                            <a:t>(</a:t>
-                          </a:r>
-                          <a:r>
-                            <a:rPr lang="en-US" altLang="ko-KR" sz="1200" b="0" i="0" u="none" strike="noStrike" dirty="0">
-                              <a:solidFill>
-                                <a:srgbClr val="000000"/>
-                              </a:solidFill>
-                              <a:effectLst/>
-                              <a:latin typeface="Times New Roman" panose="02020603050405020304" pitchFamily="18" charset="0"/>
-                              <a:cs typeface="Times New Roman" panose="02020603050405020304" pitchFamily="18" charset="0"/>
-                            </a:rPr>
-                            <a:t>0.0181)</a:t>
-                          </a:r>
+                          <a:endParaRPr lang="ko-KR" sz="1000" kern="100">
+                            <a:effectLst/>
+                            <a:latin typeface="맑은 고딕"/>
+                            <a:ea typeface="맑은 고딕"/>
+                            <a:cs typeface="Times New Roman"/>
+                          </a:endParaRPr>
+                        </a:p>
+                        <a:p>
+                          <a:pPr algn="ctr" fontAlgn="ctr" latinLnBrk="1">
+                            <a:lnSpc>
+                              <a:spcPct val="107000"/>
+                            </a:lnSpc>
+                            <a:spcAft>
+                              <a:spcPts val="0"/>
+                            </a:spcAft>
+                          </a:pPr>
+                          <a:r>
+                            <a:rPr lang="en-US" sz="1200" kern="1200">
+                              <a:solidFill>
+                                <a:srgbClr val="000000"/>
+                              </a:solidFill>
+                              <a:effectLst/>
+                              <a:latin typeface="Times New Roman"/>
+                              <a:ea typeface="굴림"/>
+                              <a:cs typeface="Times New Roman"/>
+                            </a:rPr>
+                            <a:t>(0.0181)</a:t>
+                          </a:r>
+                          <a:endParaRPr lang="ko-KR" sz="1000" kern="100">
+                            <a:effectLst/>
+                            <a:latin typeface="맑은 고딕"/>
+                            <a:ea typeface="맑은 고딕"/>
+                            <a:cs typeface="Times New Roman"/>
+                          </a:endParaRPr>
                         </a:p>
                       </a:txBody>
                       <a:tcPr marL="9525" marR="9525" marT="9525" marB="0" anchor="ctr">
@@ -7407,43 +7819,60 @@
                         <a:bodyPr/>
                         <a:lstStyle/>
                         <a:p>
-                          <a:pPr algn="ctr" fontAlgn="ctr"/>
-                          <a:r>
-                            <a:rPr lang="en-US" altLang="ko-KR" sz="1200" b="0" i="0" u="none" strike="noStrike" dirty="0" smtClean="0">
-                              <a:solidFill>
-                                <a:srgbClr val="000000"/>
-                              </a:solidFill>
-                              <a:effectLst/>
-                              <a:latin typeface="Times New Roman" panose="02020603050405020304" pitchFamily="18" charset="0"/>
-                              <a:cs typeface="Times New Roman" panose="02020603050405020304" pitchFamily="18" charset="0"/>
+                          <a:pPr algn="ctr" fontAlgn="ctr" latinLnBrk="1">
+                            <a:lnSpc>
+                              <a:spcPct val="107000"/>
+                            </a:lnSpc>
+                            <a:spcAft>
+                              <a:spcPts val="0"/>
+                            </a:spcAft>
+                          </a:pPr>
+                          <a:r>
+                            <a:rPr lang="en-US" sz="1200" kern="1200">
+                              <a:solidFill>
+                                <a:srgbClr val="000000"/>
+                              </a:solidFill>
+                              <a:effectLst/>
+                              <a:latin typeface="Times New Roman"/>
+                              <a:ea typeface="굴림"/>
+                              <a:cs typeface="Times New Roman"/>
                             </a:rPr>
                             <a:t>0.0660</a:t>
                           </a:r>
-                        </a:p>
-                        <a:p>
-                          <a:pPr algn="ctr" fontAlgn="ctr"/>
-                          <a:r>
-                            <a:rPr lang="en-US" altLang="ko-KR" sz="1200" b="0" i="0" u="none" strike="noStrike" dirty="0" smtClean="0">
-                              <a:solidFill>
-                                <a:srgbClr val="000000"/>
-                              </a:solidFill>
-                              <a:effectLst/>
-                              <a:latin typeface="Times New Roman" panose="02020603050405020304" pitchFamily="18" charset="0"/>
-                              <a:cs typeface="Times New Roman" panose="02020603050405020304" pitchFamily="18" charset="0"/>
-                            </a:rPr>
-                            <a:t>(</a:t>
-                          </a:r>
-                          <a:r>
-                            <a:rPr lang="en-US" altLang="ko-KR" sz="1200" b="0" i="0" u="none" strike="noStrike" dirty="0">
-                              <a:solidFill>
-                                <a:srgbClr val="000000"/>
-                              </a:solidFill>
-                              <a:effectLst/>
-                              <a:latin typeface="Times New Roman" panose="02020603050405020304" pitchFamily="18" charset="0"/>
-                              <a:cs typeface="Times New Roman" panose="02020603050405020304" pitchFamily="18" charset="0"/>
-                            </a:rPr>
-                            <a:t>0.0716)</a:t>
-                          </a:r>
+                          <a:endParaRPr lang="ko-KR" sz="1000" kern="100">
+                            <a:effectLst/>
+                            <a:latin typeface="맑은 고딕"/>
+                            <a:ea typeface="맑은 고딕"/>
+                            <a:cs typeface="Times New Roman"/>
+                          </a:endParaRPr>
+                        </a:p>
+                        <a:p>
+                          <a:pPr algn="ctr" fontAlgn="ctr" latinLnBrk="1">
+                            <a:lnSpc>
+                              <a:spcPct val="107000"/>
+                            </a:lnSpc>
+                            <a:spcAft>
+                              <a:spcPts val="0"/>
+                            </a:spcAft>
+                          </a:pPr>
+                          <a:r>
+                            <a:rPr lang="en-US" sz="1200" kern="1200">
+                              <a:solidFill>
+                                <a:srgbClr val="000000"/>
+                              </a:solidFill>
+                              <a:effectLst/>
+                              <a:latin typeface="Times New Roman"/>
+                              <a:ea typeface="굴림"/>
+                              <a:cs typeface="Times New Roman"/>
+                            </a:rPr>
+                            <a:t>(0.0716)</a:t>
+                          </a:r>
+                          <a:endParaRPr lang="ko-KR" sz="1000" kern="100">
+                            <a:effectLst/>
+                            <a:latin typeface="맑은 고딕"/>
+                            <a:ea typeface="맑은 고딕"/>
+                            <a:cs typeface="Times New Roman"/>
+                          </a:endParaRPr>
                         </a:p>
                       </a:txBody>
                       <a:tcPr marL="9525" marR="9525" marT="9525" marB="0" anchor="ctr">
@@ -7633,6 +8062,178 @@
                         <a:bodyPr/>
                         <a:lstStyle/>
                         <a:p>
+                          <a:pPr algn="ctr" fontAlgn="ctr" latinLnBrk="1">
+                            <a:lnSpc>
+                              <a:spcPct val="107000"/>
+                            </a:lnSpc>
+                            <a:spcAft>
+                              <a:spcPts val="0"/>
+                            </a:spcAft>
+                          </a:pPr>
+                          <a:r>
+                            <a:rPr lang="en-US" sz="1200" kern="1200">
+                              <a:solidFill>
+                                <a:srgbClr val="000000"/>
+                              </a:solidFill>
+                              <a:effectLst/>
+                              <a:latin typeface="Times New Roman"/>
+                              <a:ea typeface="굴림"/>
+                              <a:cs typeface="Times New Roman"/>
+                            </a:rPr>
+                            <a:t>0.1277 </a:t>
+                          </a:r>
+                          <a:endParaRPr lang="ko-KR" sz="1000" kern="100">
+                            <a:effectLst/>
+                            <a:latin typeface="맑은 고딕"/>
+                            <a:ea typeface="맑은 고딕"/>
+                            <a:cs typeface="Times New Roman"/>
+                          </a:endParaRPr>
+                        </a:p>
+                        <a:p>
+                          <a:pPr algn="ctr" fontAlgn="ctr" latinLnBrk="1">
+                            <a:lnSpc>
+                              <a:spcPct val="107000"/>
+                            </a:lnSpc>
+                            <a:spcAft>
+                              <a:spcPts val="0"/>
+                            </a:spcAft>
+                          </a:pPr>
+                          <a:r>
+                            <a:rPr lang="en-US" sz="1200" kern="1200">
+                              <a:solidFill>
+                                <a:srgbClr val="000000"/>
+                              </a:solidFill>
+                              <a:effectLst/>
+                              <a:latin typeface="Times New Roman"/>
+                              <a:ea typeface="굴림"/>
+                              <a:cs typeface="Times New Roman"/>
+                            </a:rPr>
+                            <a:t>(0.016)</a:t>
+                          </a:r>
+                          <a:endParaRPr lang="ko-KR" sz="1000" kern="100">
+                            <a:effectLst/>
+                            <a:latin typeface="맑은 고딕"/>
+                            <a:ea typeface="맑은 고딕"/>
+                            <a:cs typeface="Times New Roman"/>
+                          </a:endParaRPr>
+                        </a:p>
+                      </a:txBody>
+                      <a:tcPr marL="9525" marR="9525" marT="9525" marB="0" anchor="ctr">
+                        <a:lnL>
+                          <a:noFill/>
+                        </a:lnL>
+                        <a:lnR>
+                          <a:noFill/>
+                        </a:lnR>
+                        <a:lnT w="12700" cap="flat" cmpd="sng" algn="ctr">
+                          <a:noFill/>
+                          <a:prstDash val="solid"/>
+                          <a:round/>
+                          <a:headEnd type="none" w="med" len="med"/>
+                          <a:tailEnd type="none" w="med" len="med"/>
+                        </a:lnT>
+                        <a:lnB w="12700" cap="flat" cmpd="sng" algn="ctr">
+                          <a:solidFill>
+                            <a:schemeClr val="tx1"/>
+                          </a:solidFill>
+                          <a:prstDash val="solid"/>
+                          <a:round/>
+                          <a:headEnd type="none" w="med" len="med"/>
+                          <a:tailEnd type="none" w="med" len="med"/>
+                        </a:lnB>
+                      </a:tcPr>
+                    </a:tc>
+                    <a:tc>
+                      <a:txBody>
+                        <a:bodyPr/>
+                        <a:lstStyle/>
+                        <a:p>
+                          <a:pPr algn="ctr" fontAlgn="ctr" latinLnBrk="1">
+                            <a:lnSpc>
+                              <a:spcPct val="107000"/>
+                            </a:lnSpc>
+                            <a:spcAft>
+                              <a:spcPts val="0"/>
+                            </a:spcAft>
+                          </a:pPr>
+                          <a:r>
+                            <a:rPr lang="en-US" sz="1200" kern="1200">
+                              <a:solidFill>
+                                <a:srgbClr val="000000"/>
+                              </a:solidFill>
+                              <a:effectLst/>
+                              <a:latin typeface="Times New Roman"/>
+                              <a:ea typeface="굴림"/>
+                              <a:cs typeface="Times New Roman"/>
+                            </a:rPr>
+                            <a:t>0.0584 </a:t>
+                          </a:r>
+                          <a:endParaRPr lang="ko-KR" sz="1000" kern="100">
+                            <a:effectLst/>
+                            <a:latin typeface="맑은 고딕"/>
+                            <a:ea typeface="맑은 고딕"/>
+                            <a:cs typeface="Times New Roman"/>
+                          </a:endParaRPr>
+                        </a:p>
+                        <a:p>
+                          <a:pPr algn="ctr" fontAlgn="ctr" latinLnBrk="1">
+                            <a:lnSpc>
+                              <a:spcPct val="107000"/>
+                            </a:lnSpc>
+                            <a:spcAft>
+                              <a:spcPts val="0"/>
+                            </a:spcAft>
+                          </a:pPr>
+                          <a:r>
+                            <a:rPr lang="en-US" sz="1200" kern="1200">
+                              <a:solidFill>
+                                <a:srgbClr val="000000"/>
+                              </a:solidFill>
+                              <a:effectLst/>
+                              <a:latin typeface="Times New Roman"/>
+                              <a:ea typeface="굴림"/>
+                              <a:cs typeface="Times New Roman"/>
+                            </a:rPr>
+                            <a:t>(0.0538)</a:t>
+                          </a:r>
+                          <a:endParaRPr lang="ko-KR" sz="1000" kern="100">
+                            <a:effectLst/>
+                            <a:latin typeface="맑은 고딕"/>
+                            <a:ea typeface="맑은 고딕"/>
+                            <a:cs typeface="Times New Roman"/>
+                          </a:endParaRPr>
+                        </a:p>
+                      </a:txBody>
+                      <a:tcPr marL="9525" marR="9525" marT="9525" marB="0" anchor="ctr">
+                        <a:lnL>
+                          <a:noFill/>
+                        </a:lnL>
+                        <a:lnR>
+                          <a:noFill/>
+                        </a:lnR>
+                        <a:lnT w="12700" cap="flat" cmpd="sng" algn="ctr">
+                          <a:noFill/>
+                          <a:prstDash val="solid"/>
+                          <a:round/>
+                          <a:headEnd type="none" w="med" len="med"/>
+                          <a:tailEnd type="none" w="med" len="med"/>
+                        </a:lnT>
+                        <a:lnB w="12700" cap="flat" cmpd="sng" algn="ctr">
+                          <a:solidFill>
+                            <a:schemeClr val="tx1"/>
+                          </a:solidFill>
+                          <a:prstDash val="solid"/>
+                          <a:round/>
+                          <a:headEnd type="none" w="med" len="med"/>
+                          <a:tailEnd type="none" w="med" len="med"/>
+                        </a:lnB>
+                      </a:tcPr>
+                    </a:tc>
+                    <a:tc>
+                      <a:txBody>
+                        <a:bodyPr/>
+                        <a:lstStyle/>
+                        <a:p>
                           <a:pPr algn="ctr" fontAlgn="ctr"/>
                           <a:r>
                             <a:rPr lang="en-US" altLang="ko-KR" sz="1200" b="0" i="0" u="none" strike="noStrike" dirty="0">
@@ -7643,7 +8244,7 @@
                               <a:latin typeface="Times New Roman" panose="02020603050405020304" pitchFamily="18" charset="0"/>
                               <a:cs typeface="Times New Roman" panose="02020603050405020304" pitchFamily="18" charset="0"/>
                             </a:rPr>
-                            <a:t>0.1277 </a:t>
+                            <a:t>0.0563 </a:t>
                           </a:r>
                           <a:endParaRPr lang="en-US" altLang="ko-KR" sz="1200" b="0" i="0" u="none" strike="noStrike" dirty="0" smtClean="0">
                             <a:solidFill>
@@ -7676,160 +8277,6 @@
                               <a:latin typeface="Times New Roman" panose="02020603050405020304" pitchFamily="18" charset="0"/>
                               <a:cs typeface="Times New Roman" panose="02020603050405020304" pitchFamily="18" charset="0"/>
                             </a:rPr>
-                            <a:t>0.016)</a:t>
-                          </a:r>
-                        </a:p>
-                      </a:txBody>
-                      <a:tcPr marL="9525" marR="9525" marT="9525" marB="0" anchor="ctr">
-                        <a:lnL>
-                          <a:noFill/>
-                        </a:lnL>
-                        <a:lnR>
-                          <a:noFill/>
-                        </a:lnR>
-                        <a:lnT w="12700" cap="flat" cmpd="sng" algn="ctr">
-                          <a:noFill/>
-                          <a:prstDash val="solid"/>
-                          <a:round/>
-                          <a:headEnd type="none" w="med" len="med"/>
-                          <a:tailEnd type="none" w="med" len="med"/>
-                        </a:lnT>
-                        <a:lnB w="12700" cap="flat" cmpd="sng" algn="ctr">
-                          <a:solidFill>
-                            <a:schemeClr val="tx1"/>
-                          </a:solidFill>
-                          <a:prstDash val="solid"/>
-                          <a:round/>
-                          <a:headEnd type="none" w="med" len="med"/>
-                          <a:tailEnd type="none" w="med" len="med"/>
-                        </a:lnB>
-                      </a:tcPr>
-                    </a:tc>
-                    <a:tc>
-                      <a:txBody>
-                        <a:bodyPr/>
-                        <a:lstStyle/>
-                        <a:p>
-                          <a:pPr algn="ctr" fontAlgn="ctr"/>
-                          <a:r>
-                            <a:rPr lang="en-US" altLang="ko-KR" sz="1200" b="0" i="0" u="none" strike="noStrike" dirty="0">
-                              <a:solidFill>
-                                <a:srgbClr val="000000"/>
-                              </a:solidFill>
-                              <a:effectLst/>
-                              <a:latin typeface="Times New Roman" panose="02020603050405020304" pitchFamily="18" charset="0"/>
-                              <a:cs typeface="Times New Roman" panose="02020603050405020304" pitchFamily="18" charset="0"/>
-                            </a:rPr>
-                            <a:t>0.0584 </a:t>
-                          </a:r>
-                          <a:endParaRPr lang="en-US" altLang="ko-KR" sz="1200" b="0" i="0" u="none" strike="noStrike" dirty="0" smtClean="0">
-                            <a:solidFill>
-                              <a:srgbClr val="000000"/>
-                            </a:solidFill>
-                            <a:effectLst/>
-                            <a:latin typeface="Times New Roman" panose="02020603050405020304" pitchFamily="18" charset="0"/>
-                            <a:cs typeface="Times New Roman" panose="02020603050405020304" pitchFamily="18" charset="0"/>
-                          </a:endParaRPr>
-                        </a:p>
-                        <a:p>
-                          <a:pPr algn="ctr" fontAlgn="ctr"/>
-                          <a:r>
-                            <a:rPr lang="en-US" altLang="ko-KR" sz="1200" b="0" i="0" u="none" strike="noStrike" dirty="0" smtClean="0">
-                              <a:solidFill>
-                                <a:srgbClr val="000000"/>
-                              </a:solidFill>
-                              <a:effectLst/>
-                              <a:latin typeface="Times New Roman" panose="02020603050405020304" pitchFamily="18" charset="0"/>
-                              <a:cs typeface="Times New Roman" panose="02020603050405020304" pitchFamily="18" charset="0"/>
-                            </a:rPr>
-                            <a:t>(</a:t>
-                          </a:r>
-                          <a:r>
-                            <a:rPr lang="en-US" altLang="ko-KR" sz="1200" b="0" i="0" u="none" strike="noStrike" dirty="0">
-                              <a:solidFill>
-                                <a:srgbClr val="000000"/>
-                              </a:solidFill>
-                              <a:effectLst/>
-                              <a:latin typeface="Times New Roman" panose="02020603050405020304" pitchFamily="18" charset="0"/>
-                              <a:cs typeface="Times New Roman" panose="02020603050405020304" pitchFamily="18" charset="0"/>
-                            </a:rPr>
-                            <a:t>0.0538)</a:t>
-                          </a:r>
-                        </a:p>
-                      </a:txBody>
-                      <a:tcPr marL="9525" marR="9525" marT="9525" marB="0" anchor="ctr">
-                        <a:lnL>
-                          <a:noFill/>
-                        </a:lnL>
-                        <a:lnR>
-                          <a:noFill/>
-                        </a:lnR>
-                        <a:lnT w="12700" cap="flat" cmpd="sng" algn="ctr">
-                          <a:noFill/>
-                          <a:prstDash val="solid"/>
-                          <a:round/>
-                          <a:headEnd type="none" w="med" len="med"/>
-                          <a:tailEnd type="none" w="med" len="med"/>
-                        </a:lnT>
-                        <a:lnB w="12700" cap="flat" cmpd="sng" algn="ctr">
-                          <a:solidFill>
-                            <a:schemeClr val="tx1"/>
-                          </a:solidFill>
-                          <a:prstDash val="solid"/>
-                          <a:round/>
-                          <a:headEnd type="none" w="med" len="med"/>
-                          <a:tailEnd type="none" w="med" len="med"/>
-                        </a:lnB>
-                      </a:tcPr>
-                    </a:tc>
-                    <a:tc>
-                      <a:txBody>
-                        <a:bodyPr/>
-                        <a:lstStyle/>
-                        <a:p>
-                          <a:pPr algn="ctr" fontAlgn="ctr"/>
-                          <a:r>
-                            <a:rPr lang="en-US" altLang="ko-KR" sz="1200" b="0" i="0" u="none" strike="noStrike" dirty="0">
-                              <a:solidFill>
-                                <a:srgbClr val="000000"/>
-                              </a:solidFill>
-                              <a:effectLst/>
-                              <a:latin typeface="Times New Roman" panose="02020603050405020304" pitchFamily="18" charset="0"/>
-                              <a:cs typeface="Times New Roman" panose="02020603050405020304" pitchFamily="18" charset="0"/>
-                            </a:rPr>
-                            <a:t>0.0563 </a:t>
-                          </a:r>
-                          <a:endParaRPr lang="en-US" altLang="ko-KR" sz="1200" b="0" i="0" u="none" strike="noStrike" dirty="0" smtClean="0">
-                            <a:solidFill>
-                              <a:srgbClr val="000000"/>
-                            </a:solidFill>
-                            <a:effectLst/>
-                            <a:latin typeface="Times New Roman" panose="02020603050405020304" pitchFamily="18" charset="0"/>
-                            <a:cs typeface="Times New Roman" panose="02020603050405020304" pitchFamily="18" charset="0"/>
-                          </a:endParaRPr>
-                        </a:p>
-                        <a:p>
-                          <a:pPr algn="ctr" fontAlgn="ctr"/>
-                          <a:r>
-                            <a:rPr lang="en-US" altLang="ko-KR" sz="1200" b="0" i="0" u="none" strike="noStrike" dirty="0" smtClean="0">
-                              <a:solidFill>
-                                <a:srgbClr val="000000"/>
-                              </a:solidFill>
-                              <a:effectLst/>
-                              <a:latin typeface="Times New Roman" panose="02020603050405020304" pitchFamily="18" charset="0"/>
-                              <a:cs typeface="Times New Roman" panose="02020603050405020304" pitchFamily="18" charset="0"/>
-                            </a:rPr>
-                            <a:t>(</a:t>
-                          </a:r>
-                          <a:r>
-                            <a:rPr lang="en-US" altLang="ko-KR" sz="1200" b="0" i="0" u="none" strike="noStrike" dirty="0">
-                              <a:solidFill>
-                                <a:srgbClr val="000000"/>
-                              </a:solidFill>
-                              <a:effectLst/>
-                              <a:latin typeface="Times New Roman" panose="02020603050405020304" pitchFamily="18" charset="0"/>
-                              <a:cs typeface="Times New Roman" panose="02020603050405020304" pitchFamily="18" charset="0"/>
-                            </a:rPr>
                             <a:t>0.0539)</a:t>
                           </a:r>
                         </a:p>
@@ -7972,18 +8419,60 @@
                         <a:bodyPr/>
                         <a:lstStyle/>
                         <a:p>
-                          <a:pPr algn="ctr" fontAlgn="ctr"/>
-                          <a:r>
-                            <a:rPr lang="en-US" altLang="ko-KR" sz="1200" b="0" i="0" u="none" strike="noStrike" dirty="0">
-                              <a:solidFill>
-                                <a:srgbClr val="000000"/>
-                              </a:solidFill>
-                              <a:effectLst/>
-                              <a:latin typeface="Times New Roman" panose="02020603050405020304" pitchFamily="18" charset="0"/>
-                              <a:cs typeface="Times New Roman" panose="02020603050405020304" pitchFamily="18" charset="0"/>
-                            </a:rPr>
-                            <a:t>0.1265 (0.0221)</a:t>
-                          </a:r>
+                          <a:pPr algn="ctr" fontAlgn="ctr" latinLnBrk="1">
+                            <a:lnSpc>
+                              <a:spcPct val="107000"/>
+                            </a:lnSpc>
+                            <a:spcAft>
+                              <a:spcPts val="0"/>
+                            </a:spcAft>
+                          </a:pPr>
+                          <a:r>
+                            <a:rPr lang="en-US" sz="1200" kern="1200">
+                              <a:solidFill>
+                                <a:srgbClr val="000000"/>
+                              </a:solidFill>
+                              <a:effectLst/>
+                              <a:latin typeface="Times New Roman"/>
+                              <a:ea typeface="굴림"/>
+                              <a:cs typeface="Times New Roman"/>
+                            </a:rPr>
+                            <a:t>0.1267 </a:t>
+                          </a:r>
+                          <a:endParaRPr lang="ko-KR" sz="1000" kern="100">
+                            <a:effectLst/>
+                            <a:latin typeface="맑은 고딕"/>
+                            <a:ea typeface="맑은 고딕"/>
+                            <a:cs typeface="Times New Roman"/>
+                          </a:endParaRPr>
+                        </a:p>
+                        <a:p>
+                          <a:pPr algn="ctr" fontAlgn="ctr" latinLnBrk="1">
+                            <a:lnSpc>
+                              <a:spcPct val="107000"/>
+                            </a:lnSpc>
+                            <a:spcAft>
+                              <a:spcPts val="0"/>
+                            </a:spcAft>
+                          </a:pPr>
+                          <a:r>
+                            <a:rPr lang="en-US" sz="1200" kern="1200">
+                              <a:solidFill>
+                                <a:srgbClr val="000000"/>
+                              </a:solidFill>
+                              <a:effectLst/>
+                              <a:latin typeface="Times New Roman"/>
+                              <a:ea typeface="굴림"/>
+                              <a:cs typeface="Times New Roman"/>
+                            </a:rPr>
+                            <a:t>(0.0223)</a:t>
+                          </a:r>
+                          <a:endParaRPr lang="ko-KR" sz="1000" kern="100">
+                            <a:effectLst/>
+                            <a:latin typeface="맑은 고딕"/>
+                            <a:ea typeface="맑은 고딕"/>
+                            <a:cs typeface="Times New Roman"/>
+                          </a:endParaRPr>
                         </a:p>
                       </a:txBody>
                       <a:tcPr marL="9525" marR="9525" marT="9525" marB="0" anchor="ctr">
@@ -8016,18 +8505,60 @@
                         <a:bodyPr/>
                         <a:lstStyle/>
                         <a:p>
-                          <a:pPr algn="ctr" fontAlgn="ctr"/>
-                          <a:r>
-                            <a:rPr lang="en-US" altLang="ko-KR" sz="1200" b="0" i="0" u="none" strike="noStrike">
-                              <a:solidFill>
-                                <a:srgbClr val="000000"/>
-                              </a:solidFill>
-                              <a:effectLst/>
-                              <a:latin typeface="Times New Roman" panose="02020603050405020304" pitchFamily="18" charset="0"/>
-                              <a:cs typeface="Times New Roman" panose="02020603050405020304" pitchFamily="18" charset="0"/>
-                            </a:rPr>
-                            <a:t>0.2056 (0.1269)</a:t>
-                          </a:r>
+                          <a:pPr algn="ctr" fontAlgn="ctr" latinLnBrk="1">
+                            <a:lnSpc>
+                              <a:spcPct val="107000"/>
+                            </a:lnSpc>
+                            <a:spcAft>
+                              <a:spcPts val="0"/>
+                            </a:spcAft>
+                          </a:pPr>
+                          <a:r>
+                            <a:rPr lang="en-US" sz="1200" kern="1200">
+                              <a:solidFill>
+                                <a:srgbClr val="000000"/>
+                              </a:solidFill>
+                              <a:effectLst/>
+                              <a:latin typeface="Times New Roman"/>
+                              <a:ea typeface="굴림"/>
+                              <a:cs typeface="Times New Roman"/>
+                            </a:rPr>
+                            <a:t>0.2184 </a:t>
+                          </a:r>
+                          <a:endParaRPr lang="ko-KR" sz="1000" kern="100">
+                            <a:effectLst/>
+                            <a:latin typeface="맑은 고딕"/>
+                            <a:ea typeface="맑은 고딕"/>
+                            <a:cs typeface="Times New Roman"/>
+                          </a:endParaRPr>
+                        </a:p>
+                        <a:p>
+                          <a:pPr algn="ctr" fontAlgn="ctr" latinLnBrk="1">
+                            <a:lnSpc>
+                              <a:spcPct val="107000"/>
+                            </a:lnSpc>
+                            <a:spcAft>
+                              <a:spcPts val="0"/>
+                            </a:spcAft>
+                          </a:pPr>
+                          <a:r>
+                            <a:rPr lang="en-US" sz="1200" kern="1200">
+                              <a:solidFill>
+                                <a:srgbClr val="000000"/>
+                              </a:solidFill>
+                              <a:effectLst/>
+                              <a:latin typeface="Times New Roman"/>
+                              <a:ea typeface="굴림"/>
+                              <a:cs typeface="Times New Roman"/>
+                            </a:rPr>
+                            <a:t>(0.1282)</a:t>
+                          </a:r>
+                          <a:endParaRPr lang="ko-KR" sz="1000" kern="100">
+                            <a:effectLst/>
+                            <a:latin typeface="맑은 고딕"/>
+                            <a:ea typeface="맑은 고딕"/>
+                            <a:cs typeface="Times New Roman"/>
+                          </a:endParaRPr>
                         </a:p>
                       </a:txBody>
                       <a:tcPr marL="9525" marR="9525" marT="9525" marB="0" anchor="ctr">
@@ -8211,18 +8742,60 @@
                         <a:bodyPr/>
                         <a:lstStyle/>
                         <a:p>
-                          <a:pPr algn="ctr" fontAlgn="ctr"/>
-                          <a:r>
-                            <a:rPr lang="en-US" altLang="ko-KR" sz="1200" b="0" i="0" u="none" strike="noStrike">
-                              <a:solidFill>
-                                <a:srgbClr val="000000"/>
-                              </a:solidFill>
-                              <a:effectLst/>
-                              <a:latin typeface="Times New Roman" panose="02020603050405020304" pitchFamily="18" charset="0"/>
-                              <a:cs typeface="Times New Roman" panose="02020603050405020304" pitchFamily="18" charset="0"/>
-                            </a:rPr>
-                            <a:t>0.1242 (0.0191)</a:t>
-                          </a:r>
+                          <a:pPr algn="ctr" fontAlgn="ctr" latinLnBrk="1">
+                            <a:lnSpc>
+                              <a:spcPct val="107000"/>
+                            </a:lnSpc>
+                            <a:spcAft>
+                              <a:spcPts val="0"/>
+                            </a:spcAft>
+                          </a:pPr>
+                          <a:r>
+                            <a:rPr lang="en-US" sz="1200" kern="1200">
+                              <a:solidFill>
+                                <a:srgbClr val="000000"/>
+                              </a:solidFill>
+                              <a:effectLst/>
+                              <a:latin typeface="Times New Roman"/>
+                              <a:ea typeface="굴림"/>
+                              <a:cs typeface="Times New Roman"/>
+                            </a:rPr>
+                            <a:t>0.1239 </a:t>
+                          </a:r>
+                          <a:endParaRPr lang="ko-KR" sz="1000" kern="100">
+                            <a:effectLst/>
+                            <a:latin typeface="맑은 고딕"/>
+                            <a:ea typeface="맑은 고딕"/>
+                            <a:cs typeface="Times New Roman"/>
+                          </a:endParaRPr>
+                        </a:p>
+                        <a:p>
+                          <a:pPr algn="ctr" fontAlgn="ctr" latinLnBrk="1">
+                            <a:lnSpc>
+                              <a:spcPct val="107000"/>
+                            </a:lnSpc>
+                            <a:spcAft>
+                              <a:spcPts val="0"/>
+                            </a:spcAft>
+                          </a:pPr>
+                          <a:r>
+                            <a:rPr lang="en-US" sz="1200" kern="1200">
+                              <a:solidFill>
+                                <a:srgbClr val="000000"/>
+                              </a:solidFill>
+                              <a:effectLst/>
+                              <a:latin typeface="Times New Roman"/>
+                              <a:ea typeface="굴림"/>
+                              <a:cs typeface="Times New Roman"/>
+                            </a:rPr>
+                            <a:t>(0.0190)</a:t>
+                          </a:r>
+                          <a:endParaRPr lang="ko-KR" sz="1000" kern="100">
+                            <a:effectLst/>
+                            <a:latin typeface="맑은 고딕"/>
+                            <a:ea typeface="맑은 고딕"/>
+                            <a:cs typeface="Times New Roman"/>
+                          </a:endParaRPr>
                         </a:p>
                       </a:txBody>
                       <a:tcPr marL="9525" marR="9525" marT="9525" marB="0" anchor="ctr">
@@ -8253,47 +8826,59 @@
                         <a:bodyPr/>
                         <a:lstStyle/>
                         <a:p>
-                          <a:pPr algn="ctr" fontAlgn="ctr"/>
-                          <a:r>
-                            <a:rPr lang="en-US" altLang="ko-KR" sz="1200" b="0" i="0" u="none" strike="noStrike" dirty="0">
-                              <a:solidFill>
-                                <a:srgbClr val="000000"/>
-                              </a:solidFill>
-                              <a:effectLst/>
-                              <a:latin typeface="Times New Roman" panose="02020603050405020304" pitchFamily="18" charset="0"/>
-                              <a:cs typeface="Times New Roman" panose="02020603050405020304" pitchFamily="18" charset="0"/>
-                            </a:rPr>
-                            <a:t>0.1958 </a:t>
-                          </a:r>
-                          <a:endParaRPr lang="en-US" altLang="ko-KR" sz="1200" b="0" i="0" u="none" strike="noStrike" dirty="0" smtClean="0">
-                            <a:solidFill>
-                              <a:srgbClr val="000000"/>
-                            </a:solidFill>
-                            <a:effectLst/>
-                            <a:latin typeface="Times New Roman" panose="02020603050405020304" pitchFamily="18" charset="0"/>
-                            <a:cs typeface="Times New Roman" panose="02020603050405020304" pitchFamily="18" charset="0"/>
-                          </a:endParaRPr>
-                        </a:p>
-                        <a:p>
-                          <a:pPr algn="ctr" fontAlgn="ctr"/>
-                          <a:r>
-                            <a:rPr lang="en-US" altLang="ko-KR" sz="1200" b="0" i="0" u="none" strike="noStrike" dirty="0" smtClean="0">
-                              <a:solidFill>
-                                <a:srgbClr val="000000"/>
-                              </a:solidFill>
-                              <a:effectLst/>
-                              <a:latin typeface="Times New Roman" panose="02020603050405020304" pitchFamily="18" charset="0"/>
-                              <a:cs typeface="Times New Roman" panose="02020603050405020304" pitchFamily="18" charset="0"/>
-                            </a:rPr>
-                            <a:t>(0.1000)</a:t>
-                          </a:r>
-                          <a:endParaRPr lang="en-US" altLang="ko-KR" sz="1200" b="0" i="0" u="none" strike="noStrike" dirty="0">
-                            <a:solidFill>
-                              <a:srgbClr val="000000"/>
-                            </a:solidFill>
-                            <a:effectLst/>
-                            <a:latin typeface="Times New Roman" panose="02020603050405020304" pitchFamily="18" charset="0"/>
-                            <a:cs typeface="Times New Roman" panose="02020603050405020304" pitchFamily="18" charset="0"/>
+                          <a:pPr algn="ctr" fontAlgn="ctr" latinLnBrk="1">
+                            <a:lnSpc>
+                              <a:spcPct val="107000"/>
+                            </a:lnSpc>
+                            <a:spcAft>
+                              <a:spcPts val="0"/>
+                            </a:spcAft>
+                          </a:pPr>
+                          <a:r>
+                            <a:rPr lang="en-US" sz="1200" kern="1200">
+                              <a:solidFill>
+                                <a:srgbClr val="000000"/>
+                              </a:solidFill>
+                              <a:effectLst/>
+                              <a:latin typeface="Times New Roman"/>
+                              <a:ea typeface="굴림"/>
+                              <a:cs typeface="Times New Roman"/>
+                            </a:rPr>
+                            <a:t>0.1950 </a:t>
+                          </a:r>
+                          <a:endParaRPr lang="ko-KR" sz="1000" kern="100">
+                            <a:effectLst/>
+                            <a:latin typeface="맑은 고딕"/>
+                            <a:ea typeface="맑은 고딕"/>
+                            <a:cs typeface="Times New Roman"/>
+                          </a:endParaRPr>
+                        </a:p>
+                        <a:p>
+                          <a:pPr algn="ctr" fontAlgn="ctr" latinLnBrk="1">
+                            <a:lnSpc>
+                              <a:spcPct val="107000"/>
+                            </a:lnSpc>
+                            <a:spcAft>
+                              <a:spcPts val="0"/>
+                            </a:spcAft>
+                          </a:pPr>
+                          <a:r>
+                            <a:rPr lang="en-US" sz="1200" kern="1200">
+                              <a:solidFill>
+                                <a:srgbClr val="000000"/>
+                              </a:solidFill>
+                              <a:effectLst/>
+                              <a:latin typeface="Times New Roman"/>
+                              <a:ea typeface="굴림"/>
+                              <a:cs typeface="Times New Roman"/>
+                            </a:rPr>
+                            <a:t>(0.0993)</a:t>
+                          </a:r>
+                          <a:endParaRPr lang="ko-KR" sz="1000" kern="100">
+                            <a:effectLst/>
+                            <a:latin typeface="맑은 고딕"/>
+                            <a:ea typeface="맑은 고딕"/>
+                            <a:cs typeface="Times New Roman"/>
                           </a:endParaRPr>
                         </a:p>
                       </a:txBody>
@@ -8484,6 +9069,178 @@
                         <a:bodyPr/>
                         <a:lstStyle/>
                         <a:p>
+                          <a:pPr algn="ctr" fontAlgn="ctr" latinLnBrk="1">
+                            <a:lnSpc>
+                              <a:spcPct val="107000"/>
+                            </a:lnSpc>
+                            <a:spcAft>
+                              <a:spcPts val="0"/>
+                            </a:spcAft>
+                          </a:pPr>
+                          <a:r>
+                            <a:rPr lang="en-US" sz="1200" kern="1200">
+                              <a:solidFill>
+                                <a:srgbClr val="000000"/>
+                              </a:solidFill>
+                              <a:effectLst/>
+                              <a:latin typeface="Times New Roman"/>
+                              <a:ea typeface="굴림"/>
+                              <a:cs typeface="Times New Roman"/>
+                            </a:rPr>
+                            <a:t>0.1285 </a:t>
+                          </a:r>
+                          <a:endParaRPr lang="ko-KR" sz="1000" kern="100">
+                            <a:effectLst/>
+                            <a:latin typeface="맑은 고딕"/>
+                            <a:ea typeface="맑은 고딕"/>
+                            <a:cs typeface="Times New Roman"/>
+                          </a:endParaRPr>
+                        </a:p>
+                        <a:p>
+                          <a:pPr algn="ctr" fontAlgn="ctr" latinLnBrk="1">
+                            <a:lnSpc>
+                              <a:spcPct val="107000"/>
+                            </a:lnSpc>
+                            <a:spcAft>
+                              <a:spcPts val="0"/>
+                            </a:spcAft>
+                          </a:pPr>
+                          <a:r>
+                            <a:rPr lang="en-US" sz="1200" kern="1200">
+                              <a:solidFill>
+                                <a:srgbClr val="000000"/>
+                              </a:solidFill>
+                              <a:effectLst/>
+                              <a:latin typeface="Times New Roman"/>
+                              <a:ea typeface="굴림"/>
+                              <a:cs typeface="Times New Roman"/>
+                            </a:rPr>
+                            <a:t>(0.0164)</a:t>
+                          </a:r>
+                          <a:endParaRPr lang="ko-KR" sz="1000" kern="100">
+                            <a:effectLst/>
+                            <a:latin typeface="맑은 고딕"/>
+                            <a:ea typeface="맑은 고딕"/>
+                            <a:cs typeface="Times New Roman"/>
+                          </a:endParaRPr>
+                        </a:p>
+                      </a:txBody>
+                      <a:tcPr marL="9525" marR="9525" marT="9525" marB="0" anchor="ctr">
+                        <a:lnL>
+                          <a:noFill/>
+                        </a:lnL>
+                        <a:lnR>
+                          <a:noFill/>
+                        </a:lnR>
+                        <a:lnT w="12700" cap="flat" cmpd="sng" algn="ctr">
+                          <a:noFill/>
+                          <a:prstDash val="solid"/>
+                          <a:round/>
+                          <a:headEnd type="none" w="med" len="med"/>
+                          <a:tailEnd type="none" w="med" len="med"/>
+                        </a:lnT>
+                        <a:lnB w="12700" cap="flat" cmpd="sng" algn="ctr">
+                          <a:solidFill>
+                            <a:schemeClr val="tx1"/>
+                          </a:solidFill>
+                          <a:prstDash val="solid"/>
+                          <a:round/>
+                          <a:headEnd type="none" w="med" len="med"/>
+                          <a:tailEnd type="none" w="med" len="med"/>
+                        </a:lnB>
+                      </a:tcPr>
+                    </a:tc>
+                    <a:tc>
+                      <a:txBody>
+                        <a:bodyPr/>
+                        <a:lstStyle/>
+                        <a:p>
+                          <a:pPr algn="ctr" fontAlgn="ctr" latinLnBrk="1">
+                            <a:lnSpc>
+                              <a:spcPct val="107000"/>
+                            </a:lnSpc>
+                            <a:spcAft>
+                              <a:spcPts val="0"/>
+                            </a:spcAft>
+                          </a:pPr>
+                          <a:r>
+                            <a:rPr lang="en-US" sz="1200" kern="1200">
+                              <a:solidFill>
+                                <a:srgbClr val="000000"/>
+                              </a:solidFill>
+                              <a:effectLst/>
+                              <a:latin typeface="Times New Roman"/>
+                              <a:ea typeface="굴림"/>
+                              <a:cs typeface="Times New Roman"/>
+                            </a:rPr>
+                            <a:t>0.2106 </a:t>
+                          </a:r>
+                          <a:endParaRPr lang="ko-KR" sz="1000" kern="100">
+                            <a:effectLst/>
+                            <a:latin typeface="맑은 고딕"/>
+                            <a:ea typeface="맑은 고딕"/>
+                            <a:cs typeface="Times New Roman"/>
+                          </a:endParaRPr>
+                        </a:p>
+                        <a:p>
+                          <a:pPr algn="ctr" fontAlgn="ctr" latinLnBrk="1">
+                            <a:lnSpc>
+                              <a:spcPct val="107000"/>
+                            </a:lnSpc>
+                            <a:spcAft>
+                              <a:spcPts val="0"/>
+                            </a:spcAft>
+                          </a:pPr>
+                          <a:r>
+                            <a:rPr lang="en-US" sz="1200" kern="1200">
+                              <a:solidFill>
+                                <a:srgbClr val="000000"/>
+                              </a:solidFill>
+                              <a:effectLst/>
+                              <a:latin typeface="Times New Roman"/>
+                              <a:ea typeface="굴림"/>
+                              <a:cs typeface="Times New Roman"/>
+                            </a:rPr>
+                            <a:t>(0.0725)</a:t>
+                          </a:r>
+                          <a:endParaRPr lang="ko-KR" sz="1000" kern="100">
+                            <a:effectLst/>
+                            <a:latin typeface="맑은 고딕"/>
+                            <a:ea typeface="맑은 고딕"/>
+                            <a:cs typeface="Times New Roman"/>
+                          </a:endParaRPr>
+                        </a:p>
+                      </a:txBody>
+                      <a:tcPr marL="9525" marR="9525" marT="9525" marB="0" anchor="ctr">
+                        <a:lnL>
+                          <a:noFill/>
+                        </a:lnL>
+                        <a:lnR>
+                          <a:noFill/>
+                        </a:lnR>
+                        <a:lnT w="12700" cap="flat" cmpd="sng" algn="ctr">
+                          <a:noFill/>
+                          <a:prstDash val="solid"/>
+                          <a:round/>
+                          <a:headEnd type="none" w="med" len="med"/>
+                          <a:tailEnd type="none" w="med" len="med"/>
+                        </a:lnT>
+                        <a:lnB w="12700" cap="flat" cmpd="sng" algn="ctr">
+                          <a:solidFill>
+                            <a:schemeClr val="tx1"/>
+                          </a:solidFill>
+                          <a:prstDash val="solid"/>
+                          <a:round/>
+                          <a:headEnd type="none" w="med" len="med"/>
+                          <a:tailEnd type="none" w="med" len="med"/>
+                        </a:lnB>
+                      </a:tcPr>
+                    </a:tc>
+                    <a:tc>
+                      <a:txBody>
+                        <a:bodyPr/>
+                        <a:lstStyle/>
+                        <a:p>
                           <a:pPr algn="ctr" fontAlgn="ctr"/>
                           <a:r>
                             <a:rPr lang="en-US" altLang="ko-KR" sz="1200" b="0" i="0" u="none" strike="noStrike" dirty="0">
@@ -8494,7 +9251,7 @@
                               <a:latin typeface="Times New Roman" panose="02020603050405020304" pitchFamily="18" charset="0"/>
                               <a:cs typeface="Times New Roman" panose="02020603050405020304" pitchFamily="18" charset="0"/>
                             </a:rPr>
-                            <a:t>0.1285 </a:t>
+                            <a:t>0.2115 </a:t>
                           </a:r>
                           <a:endParaRPr lang="en-US" altLang="ko-KR" sz="1200" b="0" i="0" u="none" strike="noStrike" dirty="0" smtClean="0">
                             <a:solidFill>
@@ -8527,160 +9284,6 @@
                               <a:latin typeface="Times New Roman" panose="02020603050405020304" pitchFamily="18" charset="0"/>
                               <a:cs typeface="Times New Roman" panose="02020603050405020304" pitchFamily="18" charset="0"/>
                             </a:rPr>
-                            <a:t>0.0164)</a:t>
-                          </a:r>
-                        </a:p>
-                      </a:txBody>
-                      <a:tcPr marL="9525" marR="9525" marT="9525" marB="0" anchor="ctr">
-                        <a:lnL>
-                          <a:noFill/>
-                        </a:lnL>
-                        <a:lnR>
-                          <a:noFill/>
-                        </a:lnR>
-                        <a:lnT w="12700" cap="flat" cmpd="sng" algn="ctr">
-                          <a:noFill/>
-                          <a:prstDash val="solid"/>
-                          <a:round/>
-                          <a:headEnd type="none" w="med" len="med"/>
-                          <a:tailEnd type="none" w="med" len="med"/>
-                        </a:lnT>
-                        <a:lnB w="12700" cap="flat" cmpd="sng" algn="ctr">
-                          <a:solidFill>
-                            <a:schemeClr val="tx1"/>
-                          </a:solidFill>
-                          <a:prstDash val="solid"/>
-                          <a:round/>
-                          <a:headEnd type="none" w="med" len="med"/>
-                          <a:tailEnd type="none" w="med" len="med"/>
-                        </a:lnB>
-                      </a:tcPr>
-                    </a:tc>
-                    <a:tc>
-                      <a:txBody>
-                        <a:bodyPr/>
-                        <a:lstStyle/>
-                        <a:p>
-                          <a:pPr algn="ctr" fontAlgn="ctr"/>
-                          <a:r>
-                            <a:rPr lang="en-US" altLang="ko-KR" sz="1200" b="0" i="0" u="none" strike="noStrike" dirty="0">
-                              <a:solidFill>
-                                <a:srgbClr val="000000"/>
-                              </a:solidFill>
-                              <a:effectLst/>
-                              <a:latin typeface="Times New Roman" panose="02020603050405020304" pitchFamily="18" charset="0"/>
-                              <a:cs typeface="Times New Roman" panose="02020603050405020304" pitchFamily="18" charset="0"/>
-                            </a:rPr>
-                            <a:t>0.2106 </a:t>
-                          </a:r>
-                          <a:endParaRPr lang="en-US" altLang="ko-KR" sz="1200" b="0" i="0" u="none" strike="noStrike" dirty="0" smtClean="0">
-                            <a:solidFill>
-                              <a:srgbClr val="000000"/>
-                            </a:solidFill>
-                            <a:effectLst/>
-                            <a:latin typeface="Times New Roman" panose="02020603050405020304" pitchFamily="18" charset="0"/>
-                            <a:cs typeface="Times New Roman" panose="02020603050405020304" pitchFamily="18" charset="0"/>
-                          </a:endParaRPr>
-                        </a:p>
-                        <a:p>
-                          <a:pPr algn="ctr" fontAlgn="ctr"/>
-                          <a:r>
-                            <a:rPr lang="en-US" altLang="ko-KR" sz="1200" b="0" i="0" u="none" strike="noStrike" dirty="0" smtClean="0">
-                              <a:solidFill>
-                                <a:srgbClr val="000000"/>
-                              </a:solidFill>
-                              <a:effectLst/>
-                              <a:latin typeface="Times New Roman" panose="02020603050405020304" pitchFamily="18" charset="0"/>
-                              <a:cs typeface="Times New Roman" panose="02020603050405020304" pitchFamily="18" charset="0"/>
-                            </a:rPr>
-                            <a:t>(</a:t>
-                          </a:r>
-                          <a:r>
-                            <a:rPr lang="en-US" altLang="ko-KR" sz="1200" b="0" i="0" u="none" strike="noStrike" dirty="0">
-                              <a:solidFill>
-                                <a:srgbClr val="000000"/>
-                              </a:solidFill>
-                              <a:effectLst/>
-                              <a:latin typeface="Times New Roman" panose="02020603050405020304" pitchFamily="18" charset="0"/>
-                              <a:cs typeface="Times New Roman" panose="02020603050405020304" pitchFamily="18" charset="0"/>
-                            </a:rPr>
-                            <a:t>0.0725)</a:t>
-                          </a:r>
-                        </a:p>
-                      </a:txBody>
-                      <a:tcPr marL="9525" marR="9525" marT="9525" marB="0" anchor="ctr">
-                        <a:lnL>
-                          <a:noFill/>
-                        </a:lnL>
-                        <a:lnR>
-                          <a:noFill/>
-                        </a:lnR>
-                        <a:lnT w="12700" cap="flat" cmpd="sng" algn="ctr">
-                          <a:noFill/>
-                          <a:prstDash val="solid"/>
-                          <a:round/>
-                          <a:headEnd type="none" w="med" len="med"/>
-                          <a:tailEnd type="none" w="med" len="med"/>
-                        </a:lnT>
-                        <a:lnB w="12700" cap="flat" cmpd="sng" algn="ctr">
-                          <a:solidFill>
-                            <a:schemeClr val="tx1"/>
-                          </a:solidFill>
-                          <a:prstDash val="solid"/>
-                          <a:round/>
-                          <a:headEnd type="none" w="med" len="med"/>
-                          <a:tailEnd type="none" w="med" len="med"/>
-                        </a:lnB>
-                      </a:tcPr>
-                    </a:tc>
-                    <a:tc>
-                      <a:txBody>
-                        <a:bodyPr/>
-                        <a:lstStyle/>
-                        <a:p>
-                          <a:pPr algn="ctr" fontAlgn="ctr"/>
-                          <a:r>
-                            <a:rPr lang="en-US" altLang="ko-KR" sz="1200" b="0" i="0" u="none" strike="noStrike" dirty="0">
-                              <a:solidFill>
-                                <a:srgbClr val="000000"/>
-                              </a:solidFill>
-                              <a:effectLst/>
-                              <a:latin typeface="Times New Roman" panose="02020603050405020304" pitchFamily="18" charset="0"/>
-                              <a:cs typeface="Times New Roman" panose="02020603050405020304" pitchFamily="18" charset="0"/>
-                            </a:rPr>
-                            <a:t>0.2115 </a:t>
-                          </a:r>
-                          <a:endParaRPr lang="en-US" altLang="ko-KR" sz="1200" b="0" i="0" u="none" strike="noStrike" dirty="0" smtClean="0">
-                            <a:solidFill>
-                              <a:srgbClr val="000000"/>
-                            </a:solidFill>
-                            <a:effectLst/>
-                            <a:latin typeface="Times New Roman" panose="02020603050405020304" pitchFamily="18" charset="0"/>
-                            <a:cs typeface="Times New Roman" panose="02020603050405020304" pitchFamily="18" charset="0"/>
-                          </a:endParaRPr>
-                        </a:p>
-                        <a:p>
-                          <a:pPr algn="ctr" fontAlgn="ctr"/>
-                          <a:r>
-                            <a:rPr lang="en-US" altLang="ko-KR" sz="1200" b="0" i="0" u="none" strike="noStrike" dirty="0" smtClean="0">
-                              <a:solidFill>
-                                <a:srgbClr val="000000"/>
-                              </a:solidFill>
-                              <a:effectLst/>
-                              <a:latin typeface="Times New Roman" panose="02020603050405020304" pitchFamily="18" charset="0"/>
-                              <a:cs typeface="Times New Roman" panose="02020603050405020304" pitchFamily="18" charset="0"/>
-                            </a:rPr>
-                            <a:t>(</a:t>
-                          </a:r>
-                          <a:r>
-                            <a:rPr lang="en-US" altLang="ko-KR" sz="1200" b="0" i="0" u="none" strike="noStrike" dirty="0">
-                              <a:solidFill>
-                                <a:srgbClr val="000000"/>
-                              </a:solidFill>
-                              <a:effectLst/>
-                              <a:latin typeface="Times New Roman" panose="02020603050405020304" pitchFamily="18" charset="0"/>
-                              <a:cs typeface="Times New Roman" panose="02020603050405020304" pitchFamily="18" charset="0"/>
-                            </a:rPr>
                             <a:t>0.0775)</a:t>
                           </a:r>
                         </a:p>
@@ -8823,18 +9426,60 @@
                         <a:bodyPr/>
                         <a:lstStyle/>
                         <a:p>
-                          <a:pPr algn="ctr" fontAlgn="ctr"/>
-                          <a:r>
-                            <a:rPr lang="en-US" altLang="ko-KR" sz="1200" b="0" i="0" u="none" strike="noStrike" dirty="0">
-                              <a:solidFill>
-                                <a:srgbClr val="000000"/>
-                              </a:solidFill>
-                              <a:effectLst/>
-                              <a:latin typeface="Times New Roman" panose="02020603050405020304" pitchFamily="18" charset="0"/>
-                              <a:cs typeface="Times New Roman" panose="02020603050405020304" pitchFamily="18" charset="0"/>
-                            </a:rPr>
-                            <a:t>0.1309 (0.0229)</a:t>
-                          </a:r>
+                          <a:pPr algn="ctr" fontAlgn="ctr" latinLnBrk="1">
+                            <a:lnSpc>
+                              <a:spcPct val="107000"/>
+                            </a:lnSpc>
+                            <a:spcAft>
+                              <a:spcPts val="0"/>
+                            </a:spcAft>
+                          </a:pPr>
+                          <a:r>
+                            <a:rPr lang="en-US" sz="1200" kern="1200">
+                              <a:solidFill>
+                                <a:srgbClr val="000000"/>
+                              </a:solidFill>
+                              <a:effectLst/>
+                              <a:latin typeface="Times New Roman"/>
+                              <a:ea typeface="굴림"/>
+                              <a:cs typeface="Times New Roman"/>
+                            </a:rPr>
+                            <a:t>0.1309 </a:t>
+                          </a:r>
+                          <a:endParaRPr lang="ko-KR" sz="1000" kern="100">
+                            <a:effectLst/>
+                            <a:latin typeface="맑은 고딕"/>
+                            <a:ea typeface="맑은 고딕"/>
+                            <a:cs typeface="Times New Roman"/>
+                          </a:endParaRPr>
+                        </a:p>
+                        <a:p>
+                          <a:pPr algn="ctr" fontAlgn="ctr" latinLnBrk="1">
+                            <a:lnSpc>
+                              <a:spcPct val="107000"/>
+                            </a:lnSpc>
+                            <a:spcAft>
+                              <a:spcPts val="0"/>
+                            </a:spcAft>
+                          </a:pPr>
+                          <a:r>
+                            <a:rPr lang="en-US" sz="1200" kern="1200">
+                              <a:solidFill>
+                                <a:srgbClr val="000000"/>
+                              </a:solidFill>
+                              <a:effectLst/>
+                              <a:latin typeface="Times New Roman"/>
+                              <a:ea typeface="굴림"/>
+                              <a:cs typeface="Times New Roman"/>
+                            </a:rPr>
+                            <a:t>(0.0229)</a:t>
+                          </a:r>
+                          <a:endParaRPr lang="ko-KR" sz="1000" kern="100">
+                            <a:effectLst/>
+                            <a:latin typeface="맑은 고딕"/>
+                            <a:ea typeface="맑은 고딕"/>
+                            <a:cs typeface="Times New Roman"/>
+                          </a:endParaRPr>
                         </a:p>
                       </a:txBody>
                       <a:tcPr marL="9525" marR="9525" marT="9525" marB="0" anchor="ctr">
@@ -8867,18 +9512,60 @@
                         <a:bodyPr/>
                         <a:lstStyle/>
                         <a:p>
-                          <a:pPr algn="ctr" fontAlgn="ctr"/>
-                          <a:r>
-                            <a:rPr lang="en-US" altLang="ko-KR" sz="1200" b="0" i="0" u="none" strike="noStrike">
-                              <a:solidFill>
-                                <a:srgbClr val="000000"/>
-                              </a:solidFill>
-                              <a:effectLst/>
-                              <a:latin typeface="Times New Roman" panose="02020603050405020304" pitchFamily="18" charset="0"/>
-                              <a:cs typeface="Times New Roman" panose="02020603050405020304" pitchFamily="18" charset="0"/>
-                            </a:rPr>
-                            <a:t>0.4324 (0.1313)</a:t>
-                          </a:r>
+                          <a:pPr algn="ctr" fontAlgn="ctr" latinLnBrk="1">
+                            <a:lnSpc>
+                              <a:spcPct val="107000"/>
+                            </a:lnSpc>
+                            <a:spcAft>
+                              <a:spcPts val="0"/>
+                            </a:spcAft>
+                          </a:pPr>
+                          <a:r>
+                            <a:rPr lang="en-US" sz="1200" kern="1200">
+                              <a:solidFill>
+                                <a:srgbClr val="000000"/>
+                              </a:solidFill>
+                              <a:effectLst/>
+                              <a:latin typeface="Times New Roman"/>
+                              <a:ea typeface="굴림"/>
+                              <a:cs typeface="Times New Roman"/>
+                            </a:rPr>
+                            <a:t>0.4324 </a:t>
+                          </a:r>
+                          <a:endParaRPr lang="ko-KR" sz="1000" kern="100">
+                            <a:effectLst/>
+                            <a:latin typeface="맑은 고딕"/>
+                            <a:ea typeface="맑은 고딕"/>
+                            <a:cs typeface="Times New Roman"/>
+                          </a:endParaRPr>
+                        </a:p>
+                        <a:p>
+                          <a:pPr algn="ctr" fontAlgn="ctr" latinLnBrk="1">
+                            <a:lnSpc>
+                              <a:spcPct val="107000"/>
+                            </a:lnSpc>
+                            <a:spcAft>
+                              <a:spcPts val="0"/>
+                            </a:spcAft>
+                          </a:pPr>
+                          <a:r>
+                            <a:rPr lang="en-US" sz="1200" kern="1200">
+                              <a:solidFill>
+                                <a:srgbClr val="000000"/>
+                              </a:solidFill>
+                              <a:effectLst/>
+                              <a:latin typeface="Times New Roman"/>
+                              <a:ea typeface="굴림"/>
+                              <a:cs typeface="Times New Roman"/>
+                            </a:rPr>
+                            <a:t>(0.1313)</a:t>
+                          </a:r>
+                          <a:endParaRPr lang="ko-KR" sz="1000" kern="100">
+                            <a:effectLst/>
+                            <a:latin typeface="맑은 고딕"/>
+                            <a:ea typeface="맑은 고딕"/>
+                            <a:cs typeface="Times New Roman"/>
+                          </a:endParaRPr>
                         </a:p>
                       </a:txBody>
                       <a:tcPr marL="9525" marR="9525" marT="9525" marB="0" anchor="ctr">
@@ -9070,36 +9757,59 @@
                         <a:bodyPr/>
                         <a:lstStyle/>
                         <a:p>
-                          <a:pPr algn="ctr" fontAlgn="ctr"/>
-                          <a:r>
-                            <a:rPr lang="en-US" altLang="ko-KR" sz="1200" b="0" i="0" u="none" strike="noStrike" dirty="0">
-                              <a:solidFill>
-                                <a:srgbClr val="000000"/>
-                              </a:solidFill>
-                              <a:effectLst/>
-                              <a:latin typeface="Times New Roman" panose="02020603050405020304" pitchFamily="18" charset="0"/>
-                              <a:cs typeface="Times New Roman" panose="02020603050405020304" pitchFamily="18" charset="0"/>
-                            </a:rPr>
-                            <a:t>0.1292 (</a:t>
-                          </a:r>
-                          <a:r>
-                            <a:rPr lang="en-US" altLang="ko-KR" sz="1200" b="0" i="0" u="none" strike="noStrike" dirty="0" smtClean="0">
-                              <a:solidFill>
-                                <a:srgbClr val="000000"/>
-                              </a:solidFill>
-                              <a:effectLst/>
-                              <a:latin typeface="Times New Roman" panose="02020603050405020304" pitchFamily="18" charset="0"/>
-                              <a:cs typeface="Times New Roman" panose="02020603050405020304" pitchFamily="18" charset="0"/>
-                            </a:rPr>
-                            <a:t>0.0180)</a:t>
-                          </a:r>
-                          <a:endParaRPr lang="en-US" altLang="ko-KR" sz="1200" b="0" i="0" u="none" strike="noStrike" dirty="0">
-                            <a:solidFill>
-                              <a:srgbClr val="000000"/>
-                            </a:solidFill>
-                            <a:effectLst/>
-                            <a:latin typeface="Times New Roman" panose="02020603050405020304" pitchFamily="18" charset="0"/>
-                            <a:cs typeface="Times New Roman" panose="02020603050405020304" pitchFamily="18" charset="0"/>
+                          <a:pPr algn="ctr" fontAlgn="ctr" latinLnBrk="1">
+                            <a:lnSpc>
+                              <a:spcPct val="107000"/>
+                            </a:lnSpc>
+                            <a:spcAft>
+                              <a:spcPts val="0"/>
+                            </a:spcAft>
+                          </a:pPr>
+                          <a:r>
+                            <a:rPr lang="en-US" sz="1200" kern="1200">
+                              <a:solidFill>
+                                <a:srgbClr val="000000"/>
+                              </a:solidFill>
+                              <a:effectLst/>
+                              <a:latin typeface="Times New Roman"/>
+                              <a:ea typeface="굴림"/>
+                              <a:cs typeface="Times New Roman"/>
+                            </a:rPr>
+                            <a:t>0.1276 </a:t>
+                          </a:r>
+                          <a:endParaRPr lang="ko-KR" sz="1000" kern="100">
+                            <a:effectLst/>
+                            <a:latin typeface="맑은 고딕"/>
+                            <a:ea typeface="맑은 고딕"/>
+                            <a:cs typeface="Times New Roman"/>
+                          </a:endParaRPr>
+                        </a:p>
+                        <a:p>
+                          <a:pPr algn="ctr" fontAlgn="ctr" latinLnBrk="1">
+                            <a:lnSpc>
+                              <a:spcPct val="107000"/>
+                            </a:lnSpc>
+                            <a:spcAft>
+                              <a:spcPts val="0"/>
+                            </a:spcAft>
+                          </a:pPr>
+                          <a:r>
+                            <a:rPr lang="en-US" sz="1200" kern="1200">
+                              <a:solidFill>
+                                <a:srgbClr val="000000"/>
+                              </a:solidFill>
+                              <a:effectLst/>
+                              <a:latin typeface="Times New Roman"/>
+                              <a:ea typeface="굴림"/>
+                              <a:cs typeface="Times New Roman"/>
+                            </a:rPr>
+                            <a:t>(0.0225)</a:t>
+                          </a:r>
+                          <a:endParaRPr lang="ko-KR" sz="1000" kern="100">
+                            <a:effectLst/>
+                            <a:latin typeface="맑은 고딕"/>
+                            <a:ea typeface="맑은 고딕"/>
+                            <a:cs typeface="Times New Roman"/>
                           </a:endParaRPr>
                         </a:p>
                       </a:txBody>
@@ -9131,29 +9841,60 @@
                         <a:bodyPr/>
                         <a:lstStyle/>
                         <a:p>
-                          <a:pPr algn="ctr" fontAlgn="ctr"/>
-                          <a:r>
-                            <a:rPr lang="en-US" altLang="ko-KR" sz="1200" b="0" i="0" u="none" strike="noStrike" dirty="0" smtClean="0">
-                              <a:solidFill>
-                                <a:srgbClr val="000000"/>
-                              </a:solidFill>
-                              <a:effectLst/>
-                              <a:latin typeface="Times New Roman" panose="02020603050405020304" pitchFamily="18" charset="0"/>
-                              <a:cs typeface="Times New Roman" panose="02020603050405020304" pitchFamily="18" charset="0"/>
-                            </a:rPr>
-                            <a:t>0.4210 </a:t>
-                          </a:r>
-                          <a:r>
-                            <a:rPr lang="en-US" altLang="ko-KR" sz="1200" b="0" i="0" u="none" strike="noStrike" dirty="0">
-                              <a:solidFill>
-                                <a:srgbClr val="000000"/>
-                              </a:solidFill>
-                              <a:effectLst/>
-                              <a:latin typeface="Times New Roman" panose="02020603050405020304" pitchFamily="18" charset="0"/>
-                              <a:cs typeface="Times New Roman" panose="02020603050405020304" pitchFamily="18" charset="0"/>
-                            </a:rPr>
-                            <a:t>(0.0962)</a:t>
-                          </a:r>
+                          <a:pPr algn="ctr" fontAlgn="ctr" latinLnBrk="1">
+                            <a:lnSpc>
+                              <a:spcPct val="107000"/>
+                            </a:lnSpc>
+                            <a:spcAft>
+                              <a:spcPts val="0"/>
+                            </a:spcAft>
+                          </a:pPr>
+                          <a:r>
+                            <a:rPr lang="en-US" sz="1200" kern="1200">
+                              <a:solidFill>
+                                <a:srgbClr val="000000"/>
+                              </a:solidFill>
+                              <a:effectLst/>
+                              <a:latin typeface="Times New Roman"/>
+                              <a:ea typeface="굴림"/>
+                              <a:cs typeface="Times New Roman"/>
+                            </a:rPr>
+                            <a:t>0.4230 </a:t>
+                          </a:r>
+                          <a:endParaRPr lang="ko-KR" sz="1000" kern="100">
+                            <a:effectLst/>
+                            <a:latin typeface="맑은 고딕"/>
+                            <a:ea typeface="맑은 고딕"/>
+                            <a:cs typeface="Times New Roman"/>
+                          </a:endParaRPr>
+                        </a:p>
+                        <a:p>
+                          <a:pPr algn="ctr" fontAlgn="ctr" latinLnBrk="1">
+                            <a:lnSpc>
+                              <a:spcPct val="107000"/>
+                            </a:lnSpc>
+                            <a:spcAft>
+                              <a:spcPts val="0"/>
+                            </a:spcAft>
+                          </a:pPr>
+                          <a:r>
+                            <a:rPr lang="en-US" sz="1200" kern="1200">
+                              <a:solidFill>
+                                <a:srgbClr val="000000"/>
+                              </a:solidFill>
+                              <a:effectLst/>
+                              <a:latin typeface="Times New Roman"/>
+                              <a:ea typeface="굴림"/>
+                              <a:cs typeface="Times New Roman"/>
+                            </a:rPr>
+                            <a:t>(0.1315)</a:t>
+                          </a:r>
+                          <a:endParaRPr lang="ko-KR" sz="1000" kern="100">
+                            <a:effectLst/>
+                            <a:latin typeface="맑은 고딕"/>
+                            <a:ea typeface="맑은 고딕"/>
+                            <a:cs typeface="Times New Roman"/>
+                          </a:endParaRPr>
                         </a:p>
                       </a:txBody>
                       <a:tcPr marL="9525" marR="9525" marT="9525" marB="0" anchor="ctr">
@@ -9343,51 +10084,60 @@
                         <a:bodyPr/>
                         <a:lstStyle/>
                         <a:p>
-                          <a:pPr algn="ctr" fontAlgn="ctr"/>
-                          <a:r>
-                            <a:rPr lang="en-US" altLang="ko-KR" sz="1200" b="0" i="0" u="none" strike="noStrike" dirty="0">
-                              <a:solidFill>
-                                <a:srgbClr val="000000"/>
-                              </a:solidFill>
-                              <a:effectLst/>
-                              <a:latin typeface="Times New Roman" panose="02020603050405020304" pitchFamily="18" charset="0"/>
-                              <a:cs typeface="Times New Roman" panose="02020603050405020304" pitchFamily="18" charset="0"/>
-                            </a:rPr>
-                            <a:t>0.1295 </a:t>
-                          </a:r>
-                          <a:endParaRPr lang="en-US" altLang="ko-KR" sz="1200" b="0" i="0" u="none" strike="noStrike" dirty="0" smtClean="0">
-                            <a:solidFill>
-                              <a:srgbClr val="000000"/>
-                            </a:solidFill>
-                            <a:effectLst/>
-                            <a:latin typeface="Times New Roman" panose="02020603050405020304" pitchFamily="18" charset="0"/>
-                            <a:cs typeface="Times New Roman" panose="02020603050405020304" pitchFamily="18" charset="0"/>
-                          </a:endParaRPr>
-                        </a:p>
-                        <a:p>
-                          <a:pPr algn="ctr" fontAlgn="ctr"/>
-                          <a:r>
-                            <a:rPr lang="en-US" altLang="ko-KR" sz="1200" b="0" i="0" u="none" strike="noStrike" dirty="0" smtClean="0">
-                              <a:solidFill>
-                                <a:srgbClr val="000000"/>
-                              </a:solidFill>
-                              <a:effectLst/>
-                              <a:latin typeface="Times New Roman" panose="02020603050405020304" pitchFamily="18" charset="0"/>
-                              <a:cs typeface="Times New Roman" panose="02020603050405020304" pitchFamily="18" charset="0"/>
-                            </a:rPr>
-                            <a:t>(</a:t>
-                          </a:r>
-                          <a:r>
-                            <a:rPr lang="en-US" altLang="ko-KR" sz="1200" b="0" i="0" u="none" strike="noStrike" dirty="0">
-                              <a:solidFill>
-                                <a:srgbClr val="000000"/>
-                              </a:solidFill>
-                              <a:effectLst/>
-                              <a:latin typeface="Times New Roman" panose="02020603050405020304" pitchFamily="18" charset="0"/>
-                              <a:cs typeface="Times New Roman" panose="02020603050405020304" pitchFamily="18" charset="0"/>
-                            </a:rPr>
-                            <a:t>0.0164)</a:t>
-                          </a:r>
+                          <a:pPr algn="ctr" fontAlgn="ctr" latinLnBrk="1">
+                            <a:lnSpc>
+                              <a:spcPct val="107000"/>
+                            </a:lnSpc>
+                            <a:spcAft>
+                              <a:spcPts val="0"/>
+                            </a:spcAft>
+                          </a:pPr>
+                          <a:r>
+                            <a:rPr lang="en-US" sz="1200" kern="1200">
+                              <a:solidFill>
+                                <a:srgbClr val="000000"/>
+                              </a:solidFill>
+                              <a:effectLst/>
+                              <a:latin typeface="Times New Roman"/>
+                              <a:ea typeface="굴림"/>
+                              <a:cs typeface="Times New Roman"/>
+                            </a:rPr>
+                            <a:t>0.1286 </a:t>
+                          </a:r>
+                          <a:endParaRPr lang="ko-KR" sz="1000" kern="100">
+                            <a:effectLst/>
+                            <a:latin typeface="맑은 고딕"/>
+                            <a:ea typeface="맑은 고딕"/>
+                            <a:cs typeface="Times New Roman"/>
+                          </a:endParaRPr>
+                        </a:p>
+                        <a:p>
+                          <a:pPr algn="ctr" fontAlgn="ctr" latinLnBrk="1">
+                            <a:lnSpc>
+                              <a:spcPct val="107000"/>
+                            </a:lnSpc>
+                            <a:spcAft>
+                              <a:spcPts val="0"/>
+                            </a:spcAft>
+                          </a:pPr>
+                          <a:r>
+                            <a:rPr lang="en-US" sz="1200" kern="1200">
+                              <a:solidFill>
+                                <a:srgbClr val="000000"/>
+                              </a:solidFill>
+                              <a:effectLst/>
+                              <a:latin typeface="Times New Roman"/>
+                              <a:ea typeface="굴림"/>
+                              <a:cs typeface="Times New Roman"/>
+                            </a:rPr>
+                            <a:t>(0.0189)</a:t>
+                          </a:r>
+                          <a:endParaRPr lang="ko-KR" sz="1000" kern="100">
+                            <a:effectLst/>
+                            <a:latin typeface="맑은 고딕"/>
+                            <a:ea typeface="맑은 고딕"/>
+                            <a:cs typeface="Times New Roman"/>
+                          </a:endParaRPr>
                         </a:p>
                       </a:txBody>
                       <a:tcPr marL="9525" marR="9525" marT="9525" marB="0" anchor="ctr">
@@ -9420,40 +10170,60 @@
                         <a:bodyPr/>
                         <a:lstStyle/>
                         <a:p>
-                          <a:pPr algn="ctr" fontAlgn="ctr"/>
-                          <a:r>
-                            <a:rPr lang="en-US" altLang="ko-KR" sz="1200" b="0" i="0" u="none" strike="noStrike" dirty="0">
-                              <a:solidFill>
-                                <a:srgbClr val="000000"/>
-                              </a:solidFill>
-                              <a:effectLst/>
-                              <a:latin typeface="Times New Roman" panose="02020603050405020304" pitchFamily="18" charset="0"/>
-                              <a:cs typeface="Times New Roman" panose="02020603050405020304" pitchFamily="18" charset="0"/>
-                            </a:rPr>
-                            <a:t>0.4269 </a:t>
-                          </a:r>
-                          <a:r>
-                            <a:rPr lang="en-US" altLang="ko-KR" sz="1200" b="0" i="0" u="none" strike="noStrike" dirty="0" smtClean="0">
-                              <a:solidFill>
-                                <a:srgbClr val="000000"/>
-                              </a:solidFill>
-                              <a:effectLst/>
-                              <a:latin typeface="Times New Roman" panose="02020603050405020304" pitchFamily="18" charset="0"/>
-                              <a:cs typeface="Times New Roman" panose="02020603050405020304" pitchFamily="18" charset="0"/>
-                            </a:rPr>
-                            <a:t>(</a:t>
-                          </a:r>
-                          <a:r>
-                            <a:rPr lang="en-US" altLang="ko-KR" sz="1200" b="0" i="0" u="none" strike="noStrike" dirty="0">
-                              <a:solidFill>
-                                <a:srgbClr val="000000"/>
-                              </a:solidFill>
-                              <a:effectLst/>
-                              <a:latin typeface="Times New Roman" panose="02020603050405020304" pitchFamily="18" charset="0"/>
-                              <a:cs typeface="Times New Roman" panose="02020603050405020304" pitchFamily="18" charset="0"/>
-                            </a:rPr>
-                            <a:t>0.0727)</a:t>
-                          </a:r>
+                          <a:pPr algn="ctr" fontAlgn="ctr" latinLnBrk="1">
+                            <a:lnSpc>
+                              <a:spcPct val="107000"/>
+                            </a:lnSpc>
+                            <a:spcAft>
+                              <a:spcPts val="0"/>
+                            </a:spcAft>
+                          </a:pPr>
+                          <a:r>
+                            <a:rPr lang="en-US" sz="1200" kern="1200" dirty="0">
+                              <a:solidFill>
+                                <a:srgbClr val="000000"/>
+                              </a:solidFill>
+                              <a:effectLst/>
+                              <a:latin typeface="Times New Roman"/>
+                              <a:ea typeface="굴림"/>
+                              <a:cs typeface="Times New Roman"/>
+                            </a:rPr>
+                            <a:t>0.4181 </a:t>
+                          </a:r>
+                          <a:endParaRPr lang="ko-KR" sz="1000" kern="100" dirty="0">
+                            <a:effectLst/>
+                            <a:latin typeface="맑은 고딕"/>
+                            <a:ea typeface="맑은 고딕"/>
+                            <a:cs typeface="Times New Roman"/>
+                          </a:endParaRPr>
+                        </a:p>
+                        <a:p>
+                          <a:pPr algn="ctr" fontAlgn="ctr" latinLnBrk="1">
+                            <a:lnSpc>
+                              <a:spcPct val="107000"/>
+                            </a:lnSpc>
+                            <a:spcAft>
+                              <a:spcPts val="0"/>
+                            </a:spcAft>
+                          </a:pPr>
+                          <a:r>
+                            <a:rPr lang="en-US" sz="1200" kern="1200" dirty="0">
+                              <a:solidFill>
+                                <a:srgbClr val="000000"/>
+                              </a:solidFill>
+                              <a:effectLst/>
+                              <a:latin typeface="Times New Roman"/>
+                              <a:ea typeface="굴림"/>
+                              <a:cs typeface="Times New Roman"/>
+                            </a:rPr>
+                            <a:t>(0.0950)</a:t>
+                          </a:r>
+                          <a:endParaRPr lang="ko-KR" sz="1000" kern="100" dirty="0">
+                            <a:effectLst/>
+                            <a:latin typeface="맑은 고딕"/>
+                            <a:ea typeface="맑은 고딕"/>
+                            <a:cs typeface="Times New Roman"/>
+                          </a:endParaRPr>
                         </a:p>
                       </a:txBody>
                       <a:tcPr marL="9525" marR="9525" marT="9525" marB="0" anchor="ctr">
@@ -9625,8 +10395,8 @@
           </a:p>
         </p:txBody>
       </p:sp>
-      <mc:AlternateContent xmlns:mc="http://schemas.openxmlformats.org/markup-compatibility/2006">
-        <mc:Choice xmlns:a14="http://schemas.microsoft.com/office/drawing/2010/main" Requires="a14">
+      <mc:AlternateContent xmlns:mc="http://schemas.openxmlformats.org/markup-compatibility/2006" xmlns:a14="http://schemas.microsoft.com/office/drawing/2010/main">
+        <mc:Choice Requires="a14">
           <p:graphicFrame>
             <p:nvGraphicFramePr>
               <p:cNvPr id="6" name="표 5"/>
@@ -9636,7 +10406,7 @@
               <p:nvPr>
                 <p:extLst>
                   <p:ext uri="{D42A27DB-BD31-4B8C-83A1-F6EECF244321}">
-                    <p14:modId xmlns:p14="http://schemas.microsoft.com/office/powerpoint/2010/main" val="2985216960"/>
+                    <p14:modId xmlns:p14="http://schemas.microsoft.com/office/powerpoint/2010/main" val="909864856"/>
                   </p:ext>
                 </p:extLst>
               </p:nvPr>
@@ -10325,18 +11095,60 @@
                         <a:bodyPr/>
                         <a:lstStyle/>
                         <a:p>
-                          <a:pPr algn="ctr" fontAlgn="ctr"/>
-                          <a:r>
-                            <a:rPr lang="en-US" altLang="ko-KR" sz="1200" b="0" i="0" u="none" strike="noStrike" dirty="0">
-                              <a:solidFill>
-                                <a:srgbClr val="000000"/>
-                              </a:solidFill>
-                              <a:effectLst/>
-                              <a:latin typeface="Times New Roman" panose="02020603050405020304" pitchFamily="18" charset="0"/>
-                              <a:cs typeface="Times New Roman" panose="02020603050405020304" pitchFamily="18" charset="0"/>
-                            </a:rPr>
-                            <a:t>0.1337 (0.0191)</a:t>
-                          </a:r>
+                          <a:pPr algn="ctr" fontAlgn="ctr" latinLnBrk="1">
+                            <a:lnSpc>
+                              <a:spcPct val="107000"/>
+                            </a:lnSpc>
+                            <a:spcAft>
+                              <a:spcPts val="0"/>
+                            </a:spcAft>
+                          </a:pPr>
+                          <a:r>
+                            <a:rPr lang="en-US" sz="1200" kern="1200" dirty="0">
+                              <a:solidFill>
+                                <a:srgbClr val="000000"/>
+                              </a:solidFill>
+                              <a:effectLst/>
+                              <a:latin typeface="Times New Roman"/>
+                              <a:ea typeface="굴림"/>
+                              <a:cs typeface="Times New Roman"/>
+                            </a:rPr>
+                            <a:t>0.1335 </a:t>
+                          </a:r>
+                          <a:endParaRPr lang="ko-KR" sz="1000" kern="100" dirty="0">
+                            <a:effectLst/>
+                            <a:latin typeface="맑은 고딕"/>
+                            <a:ea typeface="맑은 고딕"/>
+                            <a:cs typeface="Times New Roman"/>
+                          </a:endParaRPr>
+                        </a:p>
+                        <a:p>
+                          <a:pPr algn="ctr" fontAlgn="ctr" latinLnBrk="1">
+                            <a:lnSpc>
+                              <a:spcPct val="107000"/>
+                            </a:lnSpc>
+                            <a:spcAft>
+                              <a:spcPts val="0"/>
+                            </a:spcAft>
+                          </a:pPr>
+                          <a:r>
+                            <a:rPr lang="en-US" sz="1200" kern="1200" dirty="0">
+                              <a:solidFill>
+                                <a:srgbClr val="000000"/>
+                              </a:solidFill>
+                              <a:effectLst/>
+                              <a:latin typeface="Times New Roman"/>
+                              <a:ea typeface="굴림"/>
+                              <a:cs typeface="Times New Roman"/>
+                            </a:rPr>
+                            <a:t>(0.0193)</a:t>
+                          </a:r>
+                          <a:endParaRPr lang="ko-KR" sz="1000" kern="100" dirty="0">
+                            <a:effectLst/>
+                            <a:latin typeface="맑은 고딕"/>
+                            <a:ea typeface="맑은 고딕"/>
+                            <a:cs typeface="Times New Roman"/>
+                          </a:endParaRPr>
                         </a:p>
                       </a:txBody>
                       <a:tcPr marL="9525" marR="9525" marT="9525" marB="0" anchor="ctr">
@@ -10369,18 +11181,60 @@
                         <a:bodyPr/>
                         <a:lstStyle/>
                         <a:p>
-                          <a:pPr algn="ctr" fontAlgn="ctr"/>
-                          <a:r>
-                            <a:rPr lang="en-US" altLang="ko-KR" sz="1200" b="0" i="0" u="none" strike="noStrike" dirty="0">
-                              <a:solidFill>
-                                <a:srgbClr val="000000"/>
-                              </a:solidFill>
-                              <a:effectLst/>
-                              <a:latin typeface="Times New Roman" panose="02020603050405020304" pitchFamily="18" charset="0"/>
-                              <a:cs typeface="Times New Roman" panose="02020603050405020304" pitchFamily="18" charset="0"/>
-                            </a:rPr>
-                            <a:t>0.0467 (0.0378)</a:t>
-                          </a:r>
+                          <a:pPr algn="ctr" fontAlgn="ctr" latinLnBrk="1">
+                            <a:lnSpc>
+                              <a:spcPct val="107000"/>
+                            </a:lnSpc>
+                            <a:spcAft>
+                              <a:spcPts val="0"/>
+                            </a:spcAft>
+                          </a:pPr>
+                          <a:r>
+                            <a:rPr lang="en-US" sz="1200" kern="1200">
+                              <a:solidFill>
+                                <a:srgbClr val="000000"/>
+                              </a:solidFill>
+                              <a:effectLst/>
+                              <a:latin typeface="Times New Roman"/>
+                              <a:ea typeface="굴림"/>
+                              <a:cs typeface="Times New Roman"/>
+                            </a:rPr>
+                            <a:t>0.0474 </a:t>
+                          </a:r>
+                          <a:endParaRPr lang="ko-KR" sz="1000" kern="100">
+                            <a:effectLst/>
+                            <a:latin typeface="맑은 고딕"/>
+                            <a:ea typeface="맑은 고딕"/>
+                            <a:cs typeface="Times New Roman"/>
+                          </a:endParaRPr>
+                        </a:p>
+                        <a:p>
+                          <a:pPr algn="ctr" fontAlgn="ctr" latinLnBrk="1">
+                            <a:lnSpc>
+                              <a:spcPct val="107000"/>
+                            </a:lnSpc>
+                            <a:spcAft>
+                              <a:spcPts val="0"/>
+                            </a:spcAft>
+                          </a:pPr>
+                          <a:r>
+                            <a:rPr lang="en-US" sz="1200" kern="1200">
+                              <a:solidFill>
+                                <a:srgbClr val="000000"/>
+                              </a:solidFill>
+                              <a:effectLst/>
+                              <a:latin typeface="Times New Roman"/>
+                              <a:ea typeface="굴림"/>
+                              <a:cs typeface="Times New Roman"/>
+                            </a:rPr>
+                            <a:t>(0.0376)</a:t>
+                          </a:r>
+                          <a:endParaRPr lang="ko-KR" sz="1000" kern="100">
+                            <a:effectLst/>
+                            <a:latin typeface="맑은 고딕"/>
+                            <a:ea typeface="맑은 고딕"/>
+                            <a:cs typeface="Times New Roman"/>
+                          </a:endParaRPr>
                         </a:p>
                       </a:txBody>
                       <a:tcPr marL="9525" marR="9525" marT="9525" marB="0" anchor="ctr">
@@ -10654,18 +11508,60 @@
                         <a:bodyPr/>
                         <a:lstStyle/>
                         <a:p>
-                          <a:pPr algn="ctr" fontAlgn="ctr"/>
-                          <a:r>
-                            <a:rPr lang="en-US" altLang="ko-KR" sz="1200" b="0" i="0" u="none" strike="noStrike" dirty="0">
-                              <a:solidFill>
-                                <a:srgbClr val="000000"/>
-                              </a:solidFill>
-                              <a:effectLst/>
-                              <a:latin typeface="Times New Roman" panose="02020603050405020304" pitchFamily="18" charset="0"/>
-                              <a:cs typeface="Times New Roman" panose="02020603050405020304" pitchFamily="18" charset="0"/>
-                            </a:rPr>
-                            <a:t>0.1233 (0.0177)</a:t>
-                          </a:r>
+                          <a:pPr algn="ctr" fontAlgn="ctr" latinLnBrk="1">
+                            <a:lnSpc>
+                              <a:spcPct val="107000"/>
+                            </a:lnSpc>
+                            <a:spcAft>
+                              <a:spcPts val="0"/>
+                            </a:spcAft>
+                          </a:pPr>
+                          <a:r>
+                            <a:rPr lang="en-US" sz="1200" kern="1200">
+                              <a:solidFill>
+                                <a:srgbClr val="000000"/>
+                              </a:solidFill>
+                              <a:effectLst/>
+                              <a:latin typeface="Times New Roman"/>
+                              <a:ea typeface="굴림"/>
+                              <a:cs typeface="Times New Roman"/>
+                            </a:rPr>
+                            <a:t>0.1233 </a:t>
+                          </a:r>
+                          <a:endParaRPr lang="ko-KR" sz="1000" kern="100">
+                            <a:effectLst/>
+                            <a:latin typeface="맑은 고딕"/>
+                            <a:ea typeface="맑은 고딕"/>
+                            <a:cs typeface="Times New Roman"/>
+                          </a:endParaRPr>
+                        </a:p>
+                        <a:p>
+                          <a:pPr algn="ctr" fontAlgn="ctr" latinLnBrk="1">
+                            <a:lnSpc>
+                              <a:spcPct val="107000"/>
+                            </a:lnSpc>
+                            <a:spcAft>
+                              <a:spcPts val="0"/>
+                            </a:spcAft>
+                          </a:pPr>
+                          <a:r>
+                            <a:rPr lang="en-US" sz="1200" kern="1200">
+                              <a:solidFill>
+                                <a:srgbClr val="000000"/>
+                              </a:solidFill>
+                              <a:effectLst/>
+                              <a:latin typeface="Times New Roman"/>
+                              <a:ea typeface="굴림"/>
+                              <a:cs typeface="Times New Roman"/>
+                            </a:rPr>
+                            <a:t>(0.0181)</a:t>
+                          </a:r>
+                          <a:endParaRPr lang="ko-KR" sz="1000" kern="100">
+                            <a:effectLst/>
+                            <a:latin typeface="맑은 고딕"/>
+                            <a:ea typeface="맑은 고딕"/>
+                            <a:cs typeface="Times New Roman"/>
+                          </a:endParaRPr>
                         </a:p>
                       </a:txBody>
                       <a:tcPr marL="9525" marR="9525" marT="9525" marB="0" anchor="ctr">
@@ -10696,18 +11592,60 @@
                         <a:bodyPr/>
                         <a:lstStyle/>
                         <a:p>
-                          <a:pPr algn="ctr" fontAlgn="ctr"/>
-                          <a:r>
-                            <a:rPr lang="en-US" altLang="ko-KR" sz="1200" b="0" i="0" u="none" strike="noStrike">
-                              <a:solidFill>
-                                <a:srgbClr val="000000"/>
-                              </a:solidFill>
-                              <a:effectLst/>
-                              <a:latin typeface="Times New Roman" panose="02020603050405020304" pitchFamily="18" charset="0"/>
-                              <a:cs typeface="Times New Roman" panose="02020603050405020304" pitchFamily="18" charset="0"/>
-                            </a:rPr>
-                            <a:t>0.0343 (0.0336)</a:t>
-                          </a:r>
+                          <a:pPr algn="ctr" fontAlgn="ctr" latinLnBrk="1">
+                            <a:lnSpc>
+                              <a:spcPct val="107000"/>
+                            </a:lnSpc>
+                            <a:spcAft>
+                              <a:spcPts val="0"/>
+                            </a:spcAft>
+                          </a:pPr>
+                          <a:r>
+                            <a:rPr lang="en-US" sz="1200" kern="1200">
+                              <a:solidFill>
+                                <a:srgbClr val="000000"/>
+                              </a:solidFill>
+                              <a:effectLst/>
+                              <a:latin typeface="Times New Roman"/>
+                              <a:ea typeface="굴림"/>
+                              <a:cs typeface="Times New Roman"/>
+                            </a:rPr>
+                            <a:t>0.0336 </a:t>
+                          </a:r>
+                          <a:endParaRPr lang="ko-KR" sz="1000" kern="100">
+                            <a:effectLst/>
+                            <a:latin typeface="맑은 고딕"/>
+                            <a:ea typeface="맑은 고딕"/>
+                            <a:cs typeface="Times New Roman"/>
+                          </a:endParaRPr>
+                        </a:p>
+                        <a:p>
+                          <a:pPr algn="ctr" fontAlgn="ctr" latinLnBrk="1">
+                            <a:lnSpc>
+                              <a:spcPct val="107000"/>
+                            </a:lnSpc>
+                            <a:spcAft>
+                              <a:spcPts val="0"/>
+                            </a:spcAft>
+                          </a:pPr>
+                          <a:r>
+                            <a:rPr lang="en-US" sz="1200" kern="1200">
+                              <a:solidFill>
+                                <a:srgbClr val="000000"/>
+                              </a:solidFill>
+                              <a:effectLst/>
+                              <a:latin typeface="Times New Roman"/>
+                              <a:ea typeface="굴림"/>
+                              <a:cs typeface="Times New Roman"/>
+                            </a:rPr>
+                            <a:t>(0.0339)</a:t>
+                          </a:r>
+                          <a:endParaRPr lang="ko-KR" sz="1000" kern="100">
+                            <a:effectLst/>
+                            <a:latin typeface="맑은 고딕"/>
+                            <a:ea typeface="맑은 고딕"/>
+                            <a:cs typeface="Times New Roman"/>
+                          </a:endParaRPr>
                         </a:p>
                       </a:txBody>
                       <a:tcPr marL="9525" marR="9525" marT="9525" marB="0" anchor="ctr">
@@ -10979,18 +11917,60 @@
                         <a:bodyPr/>
                         <a:lstStyle/>
                         <a:p>
-                          <a:pPr algn="ctr" fontAlgn="ctr"/>
-                          <a:r>
-                            <a:rPr lang="en-US" altLang="ko-KR" sz="1200" b="0" i="0" u="none" strike="noStrike">
-                              <a:solidFill>
-                                <a:srgbClr val="000000"/>
-                              </a:solidFill>
-                              <a:effectLst/>
-                              <a:latin typeface="Times New Roman" panose="02020603050405020304" pitchFamily="18" charset="0"/>
-                              <a:cs typeface="Times New Roman" panose="02020603050405020304" pitchFamily="18" charset="0"/>
-                            </a:rPr>
-                            <a:t>0.1197 (0.0145)</a:t>
-                          </a:r>
+                          <a:pPr algn="ctr" fontAlgn="ctr" latinLnBrk="1">
+                            <a:lnSpc>
+                              <a:spcPct val="107000"/>
+                            </a:lnSpc>
+                            <a:spcAft>
+                              <a:spcPts val="0"/>
+                            </a:spcAft>
+                          </a:pPr>
+                          <a:r>
+                            <a:rPr lang="en-US" sz="1200" kern="1200">
+                              <a:solidFill>
+                                <a:srgbClr val="000000"/>
+                              </a:solidFill>
+                              <a:effectLst/>
+                              <a:latin typeface="Times New Roman"/>
+                              <a:ea typeface="굴림"/>
+                              <a:cs typeface="Times New Roman"/>
+                            </a:rPr>
+                            <a:t>0.1194 </a:t>
+                          </a:r>
+                          <a:endParaRPr lang="ko-KR" sz="1000" kern="100">
+                            <a:effectLst/>
+                            <a:latin typeface="맑은 고딕"/>
+                            <a:ea typeface="맑은 고딕"/>
+                            <a:cs typeface="Times New Roman"/>
+                          </a:endParaRPr>
+                        </a:p>
+                        <a:p>
+                          <a:pPr algn="ctr" fontAlgn="ctr" latinLnBrk="1">
+                            <a:lnSpc>
+                              <a:spcPct val="107000"/>
+                            </a:lnSpc>
+                            <a:spcAft>
+                              <a:spcPts val="0"/>
+                            </a:spcAft>
+                          </a:pPr>
+                          <a:r>
+                            <a:rPr lang="en-US" sz="1200" kern="1200">
+                              <a:solidFill>
+                                <a:srgbClr val="000000"/>
+                              </a:solidFill>
+                              <a:effectLst/>
+                              <a:latin typeface="Times New Roman"/>
+                              <a:ea typeface="굴림"/>
+                              <a:cs typeface="Times New Roman"/>
+                            </a:rPr>
+                            <a:t>(0.0144)</a:t>
+                          </a:r>
+                          <a:endParaRPr lang="ko-KR" sz="1000" kern="100">
+                            <a:effectLst/>
+                            <a:latin typeface="맑은 고딕"/>
+                            <a:ea typeface="맑은 고딕"/>
+                            <a:cs typeface="Times New Roman"/>
+                          </a:endParaRPr>
                         </a:p>
                       </a:txBody>
                       <a:tcPr marL="9525" marR="9525" marT="9525" marB="0" anchor="ctr">
@@ -11023,18 +12003,60 @@
                         <a:bodyPr/>
                         <a:lstStyle/>
                         <a:p>
-                          <a:pPr algn="ctr" fontAlgn="ctr"/>
-                          <a:r>
-                            <a:rPr lang="en-US" altLang="ko-KR" sz="1200" b="0" i="0" u="none" strike="noStrike" dirty="0">
-                              <a:solidFill>
-                                <a:srgbClr val="000000"/>
-                              </a:solidFill>
-                              <a:effectLst/>
-                              <a:latin typeface="Times New Roman" panose="02020603050405020304" pitchFamily="18" charset="0"/>
-                              <a:cs typeface="Times New Roman" panose="02020603050405020304" pitchFamily="18" charset="0"/>
-                            </a:rPr>
-                            <a:t>0.0304 (0.0291)</a:t>
-                          </a:r>
+                          <a:pPr algn="ctr" fontAlgn="ctr" latinLnBrk="1">
+                            <a:lnSpc>
+                              <a:spcPct val="107000"/>
+                            </a:lnSpc>
+                            <a:spcAft>
+                              <a:spcPts val="0"/>
+                            </a:spcAft>
+                          </a:pPr>
+                          <a:r>
+                            <a:rPr lang="en-US" sz="1200" kern="1200">
+                              <a:solidFill>
+                                <a:srgbClr val="000000"/>
+                              </a:solidFill>
+                              <a:effectLst/>
+                              <a:latin typeface="Times New Roman"/>
+                              <a:ea typeface="굴림"/>
+                              <a:cs typeface="Times New Roman"/>
+                            </a:rPr>
+                            <a:t>0.0304 </a:t>
+                          </a:r>
+                          <a:endParaRPr lang="ko-KR" sz="1000" kern="100">
+                            <a:effectLst/>
+                            <a:latin typeface="맑은 고딕"/>
+                            <a:ea typeface="맑은 고딕"/>
+                            <a:cs typeface="Times New Roman"/>
+                          </a:endParaRPr>
+                        </a:p>
+                        <a:p>
+                          <a:pPr algn="ctr" fontAlgn="ctr" latinLnBrk="1">
+                            <a:lnSpc>
+                              <a:spcPct val="107000"/>
+                            </a:lnSpc>
+                            <a:spcAft>
+                              <a:spcPts val="0"/>
+                            </a:spcAft>
+                          </a:pPr>
+                          <a:r>
+                            <a:rPr lang="en-US" sz="1200" kern="1200">
+                              <a:solidFill>
+                                <a:srgbClr val="000000"/>
+                              </a:solidFill>
+                              <a:effectLst/>
+                              <a:latin typeface="Times New Roman"/>
+                              <a:ea typeface="굴림"/>
+                              <a:cs typeface="Times New Roman"/>
+                            </a:rPr>
+                            <a:t>(0.0287)</a:t>
+                          </a:r>
+                          <a:endParaRPr lang="ko-KR" sz="1000" kern="100">
+                            <a:effectLst/>
+                            <a:latin typeface="맑은 고딕"/>
+                            <a:ea typeface="맑은 고딕"/>
+                            <a:cs typeface="Times New Roman"/>
+                          </a:endParaRPr>
                         </a:p>
                       </a:txBody>
                       <a:tcPr marL="9525" marR="9525" marT="9525" marB="0" anchor="ctr">
@@ -11334,51 +12356,60 @@
                         <a:bodyPr/>
                         <a:lstStyle/>
                         <a:p>
-                          <a:pPr algn="ctr" fontAlgn="ctr"/>
-                          <a:r>
-                            <a:rPr lang="en-US" altLang="ko-KR" sz="1200" b="0" i="0" u="none" strike="noStrike" dirty="0">
-                              <a:solidFill>
-                                <a:srgbClr val="000000"/>
-                              </a:solidFill>
-                              <a:effectLst/>
-                              <a:latin typeface="Times New Roman" panose="02020603050405020304" pitchFamily="18" charset="0"/>
-                              <a:cs typeface="Times New Roman" panose="02020603050405020304" pitchFamily="18" charset="0"/>
+                          <a:pPr algn="ctr" fontAlgn="ctr" latinLnBrk="1">
+                            <a:lnSpc>
+                              <a:spcPct val="107000"/>
+                            </a:lnSpc>
+                            <a:spcAft>
+                              <a:spcPts val="0"/>
+                            </a:spcAft>
+                          </a:pPr>
+                          <a:r>
+                            <a:rPr lang="en-US" sz="1200" kern="1200">
+                              <a:solidFill>
+                                <a:srgbClr val="000000"/>
+                              </a:solidFill>
+                              <a:effectLst/>
+                              <a:latin typeface="Times New Roman"/>
+                              <a:ea typeface="굴림"/>
+                              <a:cs typeface="Times New Roman"/>
                             </a:rPr>
                             <a:t>0.1234 </a:t>
                           </a:r>
-                          <a:endParaRPr lang="en-US" altLang="ko-KR" sz="1200" b="0" i="0" u="none" strike="noStrike" dirty="0" smtClean="0">
-                            <a:solidFill>
-                              <a:srgbClr val="000000"/>
-                            </a:solidFill>
-                            <a:effectLst/>
-                            <a:latin typeface="Times New Roman" panose="02020603050405020304" pitchFamily="18" charset="0"/>
-                            <a:cs typeface="Times New Roman" panose="02020603050405020304" pitchFamily="18" charset="0"/>
-                          </a:endParaRPr>
-                        </a:p>
-                        <a:p>
-                          <a:pPr algn="ctr" fontAlgn="ctr"/>
-                          <a:r>
-                            <a:rPr lang="en-US" altLang="ko-KR" sz="1200" b="0" i="0" u="none" strike="noStrike" dirty="0" smtClean="0">
-                              <a:solidFill>
-                                <a:srgbClr val="000000"/>
-                              </a:solidFill>
-                              <a:effectLst/>
-                              <a:latin typeface="Times New Roman" panose="02020603050405020304" pitchFamily="18" charset="0"/>
-                              <a:cs typeface="Times New Roman" panose="02020603050405020304" pitchFamily="18" charset="0"/>
-                            </a:rPr>
-                            <a:t>(</a:t>
-                          </a:r>
-                          <a:r>
-                            <a:rPr lang="en-US" altLang="ko-KR" sz="1200" b="0" i="0" u="none" strike="noStrike" dirty="0">
-                              <a:solidFill>
-                                <a:srgbClr val="000000"/>
-                              </a:solidFill>
-                              <a:effectLst/>
-                              <a:latin typeface="Times New Roman" panose="02020603050405020304" pitchFamily="18" charset="0"/>
-                              <a:cs typeface="Times New Roman" panose="02020603050405020304" pitchFamily="18" charset="0"/>
-                            </a:rPr>
-                            <a:t>0.0199)</a:t>
-                          </a:r>
+                          <a:endParaRPr lang="ko-KR" sz="1000" kern="100">
+                            <a:effectLst/>
+                            <a:latin typeface="맑은 고딕"/>
+                            <a:ea typeface="맑은 고딕"/>
+                            <a:cs typeface="Times New Roman"/>
+                          </a:endParaRPr>
+                        </a:p>
+                        <a:p>
+                          <a:pPr algn="ctr" fontAlgn="ctr" latinLnBrk="1">
+                            <a:lnSpc>
+                              <a:spcPct val="107000"/>
+                            </a:lnSpc>
+                            <a:spcAft>
+                              <a:spcPts val="0"/>
+                            </a:spcAft>
+                          </a:pPr>
+                          <a:r>
+                            <a:rPr lang="en-US" sz="1200" kern="1200">
+                              <a:solidFill>
+                                <a:srgbClr val="000000"/>
+                              </a:solidFill>
+                              <a:effectLst/>
+                              <a:latin typeface="Times New Roman"/>
+                              <a:ea typeface="굴림"/>
+                              <a:cs typeface="Times New Roman"/>
+                            </a:rPr>
+                            <a:t>(0.0199)</a:t>
+                          </a:r>
+                          <a:endParaRPr lang="ko-KR" sz="1000" kern="100">
+                            <a:effectLst/>
+                            <a:latin typeface="맑은 고딕"/>
+                            <a:ea typeface="맑은 고딕"/>
+                            <a:cs typeface="Times New Roman"/>
+                          </a:endParaRPr>
                         </a:p>
                       </a:txBody>
                       <a:tcPr marL="9525" marR="9525" marT="9525" marB="0" anchor="ctr">
@@ -11411,51 +12442,60 @@
                         <a:bodyPr/>
                         <a:lstStyle/>
                         <a:p>
-                          <a:pPr algn="ctr" fontAlgn="ctr"/>
-                          <a:r>
-                            <a:rPr lang="en-US" altLang="ko-KR" sz="1200" b="0" i="0" u="none" strike="noStrike" dirty="0">
-                              <a:solidFill>
-                                <a:srgbClr val="000000"/>
-                              </a:solidFill>
-                              <a:effectLst/>
-                              <a:latin typeface="Times New Roman" panose="02020603050405020304" pitchFamily="18" charset="0"/>
-                              <a:cs typeface="Times New Roman" panose="02020603050405020304" pitchFamily="18" charset="0"/>
+                          <a:pPr algn="ctr" fontAlgn="ctr" latinLnBrk="1">
+                            <a:lnSpc>
+                              <a:spcPct val="107000"/>
+                            </a:lnSpc>
+                            <a:spcAft>
+                              <a:spcPts val="0"/>
+                            </a:spcAft>
+                          </a:pPr>
+                          <a:r>
+                            <a:rPr lang="en-US" sz="1200" kern="1200">
+                              <a:solidFill>
+                                <a:srgbClr val="000000"/>
+                              </a:solidFill>
+                              <a:effectLst/>
+                              <a:latin typeface="Times New Roman"/>
+                              <a:ea typeface="굴림"/>
+                              <a:cs typeface="Times New Roman"/>
                             </a:rPr>
                             <a:t>0.2018 </a:t>
                           </a:r>
-                          <a:endParaRPr lang="en-US" altLang="ko-KR" sz="1200" b="0" i="0" u="none" strike="noStrike" dirty="0" smtClean="0">
-                            <a:solidFill>
-                              <a:srgbClr val="000000"/>
-                            </a:solidFill>
-                            <a:effectLst/>
-                            <a:latin typeface="Times New Roman" panose="02020603050405020304" pitchFamily="18" charset="0"/>
-                            <a:cs typeface="Times New Roman" panose="02020603050405020304" pitchFamily="18" charset="0"/>
-                          </a:endParaRPr>
-                        </a:p>
-                        <a:p>
-                          <a:pPr algn="ctr" fontAlgn="ctr"/>
-                          <a:r>
-                            <a:rPr lang="en-US" altLang="ko-KR" sz="1200" b="0" i="0" u="none" strike="noStrike" dirty="0" smtClean="0">
-                              <a:solidFill>
-                                <a:srgbClr val="000000"/>
-                              </a:solidFill>
-                              <a:effectLst/>
-                              <a:latin typeface="Times New Roman" panose="02020603050405020304" pitchFamily="18" charset="0"/>
-                              <a:cs typeface="Times New Roman" panose="02020603050405020304" pitchFamily="18" charset="0"/>
-                            </a:rPr>
-                            <a:t>(</a:t>
-                          </a:r>
-                          <a:r>
-                            <a:rPr lang="en-US" altLang="ko-KR" sz="1200" b="0" i="0" u="none" strike="noStrike" dirty="0">
-                              <a:solidFill>
-                                <a:srgbClr val="000000"/>
-                              </a:solidFill>
-                              <a:effectLst/>
-                              <a:latin typeface="Times New Roman" panose="02020603050405020304" pitchFamily="18" charset="0"/>
-                              <a:cs typeface="Times New Roman" panose="02020603050405020304" pitchFamily="18" charset="0"/>
-                            </a:rPr>
-                            <a:t>0.0437)</a:t>
-                          </a:r>
+                          <a:endParaRPr lang="ko-KR" sz="1000" kern="100">
+                            <a:effectLst/>
+                            <a:latin typeface="맑은 고딕"/>
+                            <a:ea typeface="맑은 고딕"/>
+                            <a:cs typeface="Times New Roman"/>
+                          </a:endParaRPr>
+                        </a:p>
+                        <a:p>
+                          <a:pPr algn="ctr" fontAlgn="ctr" latinLnBrk="1">
+                            <a:lnSpc>
+                              <a:spcPct val="107000"/>
+                            </a:lnSpc>
+                            <a:spcAft>
+                              <a:spcPts val="0"/>
+                            </a:spcAft>
+                          </a:pPr>
+                          <a:r>
+                            <a:rPr lang="en-US" sz="1200" kern="1200">
+                              <a:solidFill>
+                                <a:srgbClr val="000000"/>
+                              </a:solidFill>
+                              <a:effectLst/>
+                              <a:latin typeface="Times New Roman"/>
+                              <a:ea typeface="굴림"/>
+                              <a:cs typeface="Times New Roman"/>
+                            </a:rPr>
+                            <a:t>(0.0437)</a:t>
+                          </a:r>
+                          <a:endParaRPr lang="ko-KR" sz="1000" kern="100">
+                            <a:effectLst/>
+                            <a:latin typeface="맑은 고딕"/>
+                            <a:ea typeface="맑은 고딕"/>
+                            <a:cs typeface="Times New Roman"/>
+                          </a:endParaRPr>
                         </a:p>
                       </a:txBody>
                       <a:tcPr marL="9525" marR="9525" marT="9525" marB="0" anchor="ctr">
@@ -11729,51 +12769,60 @@
                         <a:bodyPr/>
                         <a:lstStyle/>
                         <a:p>
-                          <a:pPr algn="ctr" fontAlgn="ctr"/>
-                          <a:r>
-                            <a:rPr lang="en-US" altLang="ko-KR" sz="1200" b="0" i="0" u="none" strike="noStrike" dirty="0">
-                              <a:solidFill>
-                                <a:srgbClr val="000000"/>
-                              </a:solidFill>
-                              <a:effectLst/>
-                              <a:latin typeface="Times New Roman" panose="02020603050405020304" pitchFamily="18" charset="0"/>
-                              <a:cs typeface="Times New Roman" panose="02020603050405020304" pitchFamily="18" charset="0"/>
+                          <a:pPr algn="ctr" fontAlgn="ctr" latinLnBrk="1">
+                            <a:lnSpc>
+                              <a:spcPct val="107000"/>
+                            </a:lnSpc>
+                            <a:spcAft>
+                              <a:spcPts val="0"/>
+                            </a:spcAft>
+                          </a:pPr>
+                          <a:r>
+                            <a:rPr lang="en-US" sz="1200" kern="1200">
+                              <a:solidFill>
+                                <a:srgbClr val="000000"/>
+                              </a:solidFill>
+                              <a:effectLst/>
+                              <a:latin typeface="Times New Roman"/>
+                              <a:ea typeface="굴림"/>
+                              <a:cs typeface="Times New Roman"/>
                             </a:rPr>
                             <a:t>0.1257 </a:t>
                           </a:r>
-                          <a:endParaRPr lang="en-US" altLang="ko-KR" sz="1200" b="0" i="0" u="none" strike="noStrike" dirty="0" smtClean="0">
-                            <a:solidFill>
-                              <a:srgbClr val="000000"/>
-                            </a:solidFill>
-                            <a:effectLst/>
-                            <a:latin typeface="Times New Roman" panose="02020603050405020304" pitchFamily="18" charset="0"/>
-                            <a:cs typeface="Times New Roman" panose="02020603050405020304" pitchFamily="18" charset="0"/>
-                          </a:endParaRPr>
-                        </a:p>
-                        <a:p>
-                          <a:pPr algn="ctr" fontAlgn="ctr"/>
-                          <a:r>
-                            <a:rPr lang="en-US" altLang="ko-KR" sz="1200" b="0" i="0" u="none" strike="noStrike" dirty="0" smtClean="0">
-                              <a:solidFill>
-                                <a:srgbClr val="000000"/>
-                              </a:solidFill>
-                              <a:effectLst/>
-                              <a:latin typeface="Times New Roman" panose="02020603050405020304" pitchFamily="18" charset="0"/>
-                              <a:cs typeface="Times New Roman" panose="02020603050405020304" pitchFamily="18" charset="0"/>
-                            </a:rPr>
-                            <a:t>(</a:t>
-                          </a:r>
-                          <a:r>
-                            <a:rPr lang="en-US" altLang="ko-KR" sz="1200" b="0" i="0" u="none" strike="noStrike" dirty="0">
-                              <a:solidFill>
-                                <a:srgbClr val="000000"/>
-                              </a:solidFill>
-                              <a:effectLst/>
-                              <a:latin typeface="Times New Roman" panose="02020603050405020304" pitchFamily="18" charset="0"/>
-                              <a:cs typeface="Times New Roman" panose="02020603050405020304" pitchFamily="18" charset="0"/>
-                            </a:rPr>
-                            <a:t>0.0135)</a:t>
-                          </a:r>
+                          <a:endParaRPr lang="ko-KR" sz="1000" kern="100">
+                            <a:effectLst/>
+                            <a:latin typeface="맑은 고딕"/>
+                            <a:ea typeface="맑은 고딕"/>
+                            <a:cs typeface="Times New Roman"/>
+                          </a:endParaRPr>
+                        </a:p>
+                        <a:p>
+                          <a:pPr algn="ctr" fontAlgn="ctr" latinLnBrk="1">
+                            <a:lnSpc>
+                              <a:spcPct val="107000"/>
+                            </a:lnSpc>
+                            <a:spcAft>
+                              <a:spcPts val="0"/>
+                            </a:spcAft>
+                          </a:pPr>
+                          <a:r>
+                            <a:rPr lang="en-US" sz="1200" kern="1200">
+                              <a:solidFill>
+                                <a:srgbClr val="000000"/>
+                              </a:solidFill>
+                              <a:effectLst/>
+                              <a:latin typeface="Times New Roman"/>
+                              <a:ea typeface="굴림"/>
+                              <a:cs typeface="Times New Roman"/>
+                            </a:rPr>
+                            <a:t>(0.0135)</a:t>
+                          </a:r>
+                          <a:endParaRPr lang="ko-KR" sz="1000" kern="100">
+                            <a:effectLst/>
+                            <a:latin typeface="맑은 고딕"/>
+                            <a:ea typeface="맑은 고딕"/>
+                            <a:cs typeface="Times New Roman"/>
+                          </a:endParaRPr>
                         </a:p>
                       </a:txBody>
                       <a:tcPr marL="9525" marR="9525" marT="9525" marB="0" anchor="ctr">
@@ -11804,51 +12853,60 @@
                         <a:bodyPr/>
                         <a:lstStyle/>
                         <a:p>
-                          <a:pPr algn="ctr" fontAlgn="ctr"/>
-                          <a:r>
-                            <a:rPr lang="en-US" altLang="ko-KR" sz="1200" b="0" i="0" u="none" strike="noStrike" dirty="0">
-                              <a:solidFill>
-                                <a:srgbClr val="000000"/>
-                              </a:solidFill>
-                              <a:effectLst/>
-                              <a:latin typeface="Times New Roman" panose="02020603050405020304" pitchFamily="18" charset="0"/>
-                              <a:cs typeface="Times New Roman" panose="02020603050405020304" pitchFamily="18" charset="0"/>
+                          <a:pPr algn="ctr" fontAlgn="ctr" latinLnBrk="1">
+                            <a:lnSpc>
+                              <a:spcPct val="107000"/>
+                            </a:lnSpc>
+                            <a:spcAft>
+                              <a:spcPts val="0"/>
+                            </a:spcAft>
+                          </a:pPr>
+                          <a:r>
+                            <a:rPr lang="en-US" sz="1200" kern="1200">
+                              <a:solidFill>
+                                <a:srgbClr val="000000"/>
+                              </a:solidFill>
+                              <a:effectLst/>
+                              <a:latin typeface="Times New Roman"/>
+                              <a:ea typeface="굴림"/>
+                              <a:cs typeface="Times New Roman"/>
                             </a:rPr>
                             <a:t>0.2086 </a:t>
                           </a:r>
-                          <a:endParaRPr lang="en-US" altLang="ko-KR" sz="1200" b="0" i="0" u="none" strike="noStrike" dirty="0" smtClean="0">
-                            <a:solidFill>
-                              <a:srgbClr val="000000"/>
-                            </a:solidFill>
-                            <a:effectLst/>
-                            <a:latin typeface="Times New Roman" panose="02020603050405020304" pitchFamily="18" charset="0"/>
-                            <a:cs typeface="Times New Roman" panose="02020603050405020304" pitchFamily="18" charset="0"/>
-                          </a:endParaRPr>
-                        </a:p>
-                        <a:p>
-                          <a:pPr algn="ctr" fontAlgn="ctr"/>
-                          <a:r>
-                            <a:rPr lang="en-US" altLang="ko-KR" sz="1200" b="0" i="0" u="none" strike="noStrike" dirty="0" smtClean="0">
-                              <a:solidFill>
-                                <a:srgbClr val="000000"/>
-                              </a:solidFill>
-                              <a:effectLst/>
-                              <a:latin typeface="Times New Roman" panose="02020603050405020304" pitchFamily="18" charset="0"/>
-                              <a:cs typeface="Times New Roman" panose="02020603050405020304" pitchFamily="18" charset="0"/>
-                            </a:rPr>
-                            <a:t>(</a:t>
-                          </a:r>
-                          <a:r>
-                            <a:rPr lang="en-US" altLang="ko-KR" sz="1200" b="0" i="0" u="none" strike="noStrike" dirty="0">
-                              <a:solidFill>
-                                <a:srgbClr val="000000"/>
-                              </a:solidFill>
-                              <a:effectLst/>
-                              <a:latin typeface="Times New Roman" panose="02020603050405020304" pitchFamily="18" charset="0"/>
-                              <a:cs typeface="Times New Roman" panose="02020603050405020304" pitchFamily="18" charset="0"/>
-                            </a:rPr>
-                            <a:t>0.0342)</a:t>
-                          </a:r>
+                          <a:endParaRPr lang="ko-KR" sz="1000" kern="100">
+                            <a:effectLst/>
+                            <a:latin typeface="맑은 고딕"/>
+                            <a:ea typeface="맑은 고딕"/>
+                            <a:cs typeface="Times New Roman"/>
+                          </a:endParaRPr>
+                        </a:p>
+                        <a:p>
+                          <a:pPr algn="ctr" fontAlgn="ctr" latinLnBrk="1">
+                            <a:lnSpc>
+                              <a:spcPct val="107000"/>
+                            </a:lnSpc>
+                            <a:spcAft>
+                              <a:spcPts val="0"/>
+                            </a:spcAft>
+                          </a:pPr>
+                          <a:r>
+                            <a:rPr lang="en-US" sz="1200" kern="1200">
+                              <a:solidFill>
+                                <a:srgbClr val="000000"/>
+                              </a:solidFill>
+                              <a:effectLst/>
+                              <a:latin typeface="Times New Roman"/>
+                              <a:ea typeface="굴림"/>
+                              <a:cs typeface="Times New Roman"/>
+                            </a:rPr>
+                            <a:t>(0.0342)</a:t>
+                          </a:r>
+                          <a:endParaRPr lang="ko-KR" sz="1000" kern="100">
+                            <a:effectLst/>
+                            <a:latin typeface="맑은 고딕"/>
+                            <a:ea typeface="맑은 고딕"/>
+                            <a:cs typeface="Times New Roman"/>
+                          </a:endParaRPr>
                         </a:p>
                       </a:txBody>
                       <a:tcPr marL="9525" marR="9525" marT="9525" marB="0" anchor="ctr">
@@ -12019,51 +13077,60 @@
                         <a:bodyPr/>
                         <a:lstStyle/>
                         <a:p>
-                          <a:pPr algn="ctr" fontAlgn="ctr"/>
-                          <a:r>
-                            <a:rPr lang="en-US" altLang="ko-KR" sz="1200" b="0" i="0" u="none" strike="noStrike" dirty="0">
-                              <a:solidFill>
-                                <a:srgbClr val="000000"/>
-                              </a:solidFill>
-                              <a:effectLst/>
-                              <a:latin typeface="Times New Roman" panose="02020603050405020304" pitchFamily="18" charset="0"/>
-                              <a:cs typeface="Times New Roman" panose="02020603050405020304" pitchFamily="18" charset="0"/>
+                          <a:pPr algn="ctr" fontAlgn="ctr" latinLnBrk="1">
+                            <a:lnSpc>
+                              <a:spcPct val="107000"/>
+                            </a:lnSpc>
+                            <a:spcAft>
+                              <a:spcPts val="0"/>
+                            </a:spcAft>
+                          </a:pPr>
+                          <a:r>
+                            <a:rPr lang="en-US" sz="1200" kern="1200">
+                              <a:solidFill>
+                                <a:srgbClr val="000000"/>
+                              </a:solidFill>
+                              <a:effectLst/>
+                              <a:latin typeface="Times New Roman"/>
+                              <a:ea typeface="굴림"/>
+                              <a:cs typeface="Times New Roman"/>
                             </a:rPr>
                             <a:t>0.1239 </a:t>
                           </a:r>
-                          <a:endParaRPr lang="en-US" altLang="ko-KR" sz="1200" b="0" i="0" u="none" strike="noStrike" dirty="0" smtClean="0">
-                            <a:solidFill>
-                              <a:srgbClr val="000000"/>
-                            </a:solidFill>
-                            <a:effectLst/>
-                            <a:latin typeface="Times New Roman" panose="02020603050405020304" pitchFamily="18" charset="0"/>
-                            <a:cs typeface="Times New Roman" panose="02020603050405020304" pitchFamily="18" charset="0"/>
-                          </a:endParaRPr>
-                        </a:p>
-                        <a:p>
-                          <a:pPr algn="ctr" fontAlgn="ctr"/>
-                          <a:r>
-                            <a:rPr lang="en-US" altLang="ko-KR" sz="1200" b="0" i="0" u="none" strike="noStrike" dirty="0" smtClean="0">
-                              <a:solidFill>
-                                <a:srgbClr val="000000"/>
-                              </a:solidFill>
-                              <a:effectLst/>
-                              <a:latin typeface="Times New Roman" panose="02020603050405020304" pitchFamily="18" charset="0"/>
-                              <a:cs typeface="Times New Roman" panose="02020603050405020304" pitchFamily="18" charset="0"/>
-                            </a:rPr>
-                            <a:t>(</a:t>
-                          </a:r>
-                          <a:r>
-                            <a:rPr lang="en-US" altLang="ko-KR" sz="1200" b="0" i="0" u="none" strike="noStrike" dirty="0">
-                              <a:solidFill>
-                                <a:srgbClr val="000000"/>
-                              </a:solidFill>
-                              <a:effectLst/>
-                              <a:latin typeface="Times New Roman" panose="02020603050405020304" pitchFamily="18" charset="0"/>
-                              <a:cs typeface="Times New Roman" panose="02020603050405020304" pitchFamily="18" charset="0"/>
-                            </a:rPr>
-                            <a:t>0.0153)</a:t>
-                          </a:r>
+                          <a:endParaRPr lang="ko-KR" sz="1000" kern="100">
+                            <a:effectLst/>
+                            <a:latin typeface="맑은 고딕"/>
+                            <a:ea typeface="맑은 고딕"/>
+                            <a:cs typeface="Times New Roman"/>
+                          </a:endParaRPr>
+                        </a:p>
+                        <a:p>
+                          <a:pPr algn="ctr" fontAlgn="ctr" latinLnBrk="1">
+                            <a:lnSpc>
+                              <a:spcPct val="107000"/>
+                            </a:lnSpc>
+                            <a:spcAft>
+                              <a:spcPts val="0"/>
+                            </a:spcAft>
+                          </a:pPr>
+                          <a:r>
+                            <a:rPr lang="en-US" sz="1200" kern="1200">
+                              <a:solidFill>
+                                <a:srgbClr val="000000"/>
+                              </a:solidFill>
+                              <a:effectLst/>
+                              <a:latin typeface="Times New Roman"/>
+                              <a:ea typeface="굴림"/>
+                              <a:cs typeface="Times New Roman"/>
+                            </a:rPr>
+                            <a:t>(0.0153)</a:t>
+                          </a:r>
+                          <a:endParaRPr lang="ko-KR" sz="1000" kern="100">
+                            <a:effectLst/>
+                            <a:latin typeface="맑은 고딕"/>
+                            <a:ea typeface="맑은 고딕"/>
+                            <a:cs typeface="Times New Roman"/>
+                          </a:endParaRPr>
                         </a:p>
                       </a:txBody>
                       <a:tcPr marL="9525" marR="9525" marT="9525" marB="0" anchor="ctr">
@@ -12096,51 +13163,60 @@
                         <a:bodyPr/>
                         <a:lstStyle/>
                         <a:p>
-                          <a:pPr algn="ctr" fontAlgn="ctr"/>
-                          <a:r>
-                            <a:rPr lang="en-US" altLang="ko-KR" sz="1200" b="0" i="0" u="none" strike="noStrike" dirty="0">
-                              <a:solidFill>
-                                <a:srgbClr val="000000"/>
-                              </a:solidFill>
-                              <a:effectLst/>
-                              <a:latin typeface="Times New Roman" panose="02020603050405020304" pitchFamily="18" charset="0"/>
-                              <a:cs typeface="Times New Roman" panose="02020603050405020304" pitchFamily="18" charset="0"/>
+                          <a:pPr algn="ctr" fontAlgn="ctr" latinLnBrk="1">
+                            <a:lnSpc>
+                              <a:spcPct val="107000"/>
+                            </a:lnSpc>
+                            <a:spcAft>
+                              <a:spcPts val="0"/>
+                            </a:spcAft>
+                          </a:pPr>
+                          <a:r>
+                            <a:rPr lang="en-US" sz="1200" kern="1200">
+                              <a:solidFill>
+                                <a:srgbClr val="000000"/>
+                              </a:solidFill>
+                              <a:effectLst/>
+                              <a:latin typeface="Times New Roman"/>
+                              <a:ea typeface="굴림"/>
+                              <a:cs typeface="Times New Roman"/>
                             </a:rPr>
                             <a:t>0.1692 </a:t>
                           </a:r>
-                          <a:endParaRPr lang="en-US" altLang="ko-KR" sz="1200" b="0" i="0" u="none" strike="noStrike" dirty="0" smtClean="0">
-                            <a:solidFill>
-                              <a:srgbClr val="000000"/>
-                            </a:solidFill>
-                            <a:effectLst/>
-                            <a:latin typeface="Times New Roman" panose="02020603050405020304" pitchFamily="18" charset="0"/>
-                            <a:cs typeface="Times New Roman" panose="02020603050405020304" pitchFamily="18" charset="0"/>
-                          </a:endParaRPr>
-                        </a:p>
-                        <a:p>
-                          <a:pPr algn="ctr" fontAlgn="ctr"/>
-                          <a:r>
-                            <a:rPr lang="en-US" altLang="ko-KR" sz="1200" b="0" i="0" u="none" strike="noStrike" dirty="0" smtClean="0">
-                              <a:solidFill>
-                                <a:srgbClr val="000000"/>
-                              </a:solidFill>
-                              <a:effectLst/>
-                              <a:latin typeface="Times New Roman" panose="02020603050405020304" pitchFamily="18" charset="0"/>
-                              <a:cs typeface="Times New Roman" panose="02020603050405020304" pitchFamily="18" charset="0"/>
-                            </a:rPr>
-                            <a:t>(</a:t>
-                          </a:r>
-                          <a:r>
-                            <a:rPr lang="en-US" altLang="ko-KR" sz="1200" b="0" i="0" u="none" strike="noStrike" dirty="0">
-                              <a:solidFill>
-                                <a:srgbClr val="000000"/>
-                              </a:solidFill>
-                              <a:effectLst/>
-                              <a:latin typeface="Times New Roman" panose="02020603050405020304" pitchFamily="18" charset="0"/>
-                              <a:cs typeface="Times New Roman" panose="02020603050405020304" pitchFamily="18" charset="0"/>
-                            </a:rPr>
-                            <a:t>0.0407)</a:t>
-                          </a:r>
+                          <a:endParaRPr lang="ko-KR" sz="1000" kern="100">
+                            <a:effectLst/>
+                            <a:latin typeface="맑은 고딕"/>
+                            <a:ea typeface="맑은 고딕"/>
+                            <a:cs typeface="Times New Roman"/>
+                          </a:endParaRPr>
+                        </a:p>
+                        <a:p>
+                          <a:pPr algn="ctr" fontAlgn="ctr" latinLnBrk="1">
+                            <a:lnSpc>
+                              <a:spcPct val="107000"/>
+                            </a:lnSpc>
+                            <a:spcAft>
+                              <a:spcPts val="0"/>
+                            </a:spcAft>
+                          </a:pPr>
+                          <a:r>
+                            <a:rPr lang="en-US" sz="1200" kern="1200">
+                              <a:solidFill>
+                                <a:srgbClr val="000000"/>
+                              </a:solidFill>
+                              <a:effectLst/>
+                              <a:latin typeface="Times New Roman"/>
+                              <a:ea typeface="굴림"/>
+                              <a:cs typeface="Times New Roman"/>
+                            </a:rPr>
+                            <a:t>(0.0407)</a:t>
+                          </a:r>
+                          <a:endParaRPr lang="ko-KR" sz="1000" kern="100">
+                            <a:effectLst/>
+                            <a:latin typeface="맑은 고딕"/>
+                            <a:ea typeface="맑은 고딕"/>
+                            <a:cs typeface="Times New Roman"/>
+                          </a:endParaRPr>
                         </a:p>
                       </a:txBody>
                       <a:tcPr marL="9525" marR="9525" marT="9525" marB="0" anchor="ctr">
@@ -12440,18 +13516,60 @@
                         <a:bodyPr/>
                         <a:lstStyle/>
                         <a:p>
-                          <a:pPr algn="ctr" fontAlgn="ctr"/>
-                          <a:r>
-                            <a:rPr lang="en-US" altLang="ko-KR" sz="1200" b="0" i="0" u="none" strike="noStrike" dirty="0">
-                              <a:solidFill>
-                                <a:srgbClr val="000000"/>
-                              </a:solidFill>
-                              <a:effectLst/>
-                              <a:latin typeface="Times New Roman" panose="02020603050405020304" pitchFamily="18" charset="0"/>
-                              <a:cs typeface="Times New Roman" panose="02020603050405020304" pitchFamily="18" charset="0"/>
-                            </a:rPr>
-                            <a:t>0.1355 (0.0192)</a:t>
-                          </a:r>
+                          <a:pPr algn="ctr" fontAlgn="ctr" latinLnBrk="1">
+                            <a:lnSpc>
+                              <a:spcPct val="107000"/>
+                            </a:lnSpc>
+                            <a:spcAft>
+                              <a:spcPts val="0"/>
+                            </a:spcAft>
+                          </a:pPr>
+                          <a:r>
+                            <a:rPr lang="en-US" sz="1200" kern="1200">
+                              <a:solidFill>
+                                <a:srgbClr val="000000"/>
+                              </a:solidFill>
+                              <a:effectLst/>
+                              <a:latin typeface="Times New Roman"/>
+                              <a:ea typeface="굴림"/>
+                              <a:cs typeface="Times New Roman"/>
+                            </a:rPr>
+                            <a:t>0.1358 </a:t>
+                          </a:r>
+                          <a:endParaRPr lang="ko-KR" sz="1000" kern="100">
+                            <a:effectLst/>
+                            <a:latin typeface="맑은 고딕"/>
+                            <a:ea typeface="맑은 고딕"/>
+                            <a:cs typeface="Times New Roman"/>
+                          </a:endParaRPr>
+                        </a:p>
+                        <a:p>
+                          <a:pPr algn="ctr" fontAlgn="ctr" latinLnBrk="1">
+                            <a:lnSpc>
+                              <a:spcPct val="107000"/>
+                            </a:lnSpc>
+                            <a:spcAft>
+                              <a:spcPts val="0"/>
+                            </a:spcAft>
+                          </a:pPr>
+                          <a:r>
+                            <a:rPr lang="en-US" sz="1200" kern="1200">
+                              <a:solidFill>
+                                <a:srgbClr val="000000"/>
+                              </a:solidFill>
+                              <a:effectLst/>
+                              <a:latin typeface="Times New Roman"/>
+                              <a:ea typeface="굴림"/>
+                              <a:cs typeface="Times New Roman"/>
+                            </a:rPr>
+                            <a:t>(0.0189)</a:t>
+                          </a:r>
+                          <a:endParaRPr lang="ko-KR" sz="1000" kern="100">
+                            <a:effectLst/>
+                            <a:latin typeface="맑은 고딕"/>
+                            <a:ea typeface="맑은 고딕"/>
+                            <a:cs typeface="Times New Roman"/>
+                          </a:endParaRPr>
                         </a:p>
                       </a:txBody>
                       <a:tcPr marL="9525" marR="9525" marT="9525" marB="0" anchor="ctr">
@@ -12484,18 +13602,60 @@
                         <a:bodyPr/>
                         <a:lstStyle/>
                         <a:p>
-                          <a:pPr algn="ctr" fontAlgn="ctr"/>
-                          <a:r>
-                            <a:rPr lang="en-US" altLang="ko-KR" sz="1200" b="0" i="0" u="none" strike="noStrike">
-                              <a:solidFill>
-                                <a:srgbClr val="000000"/>
-                              </a:solidFill>
-                              <a:effectLst/>
-                              <a:latin typeface="Times New Roman" panose="02020603050405020304" pitchFamily="18" charset="0"/>
-                              <a:cs typeface="Times New Roman" panose="02020603050405020304" pitchFamily="18" charset="0"/>
-                            </a:rPr>
-                            <a:t>0.4014 (0.0444)</a:t>
-                          </a:r>
+                          <a:pPr algn="ctr" fontAlgn="ctr" latinLnBrk="1">
+                            <a:lnSpc>
+                              <a:spcPct val="107000"/>
+                            </a:lnSpc>
+                            <a:spcAft>
+                              <a:spcPts val="0"/>
+                            </a:spcAft>
+                          </a:pPr>
+                          <a:r>
+                            <a:rPr lang="en-US" sz="1200" kern="1200">
+                              <a:solidFill>
+                                <a:srgbClr val="000000"/>
+                              </a:solidFill>
+                              <a:effectLst/>
+                              <a:latin typeface="Times New Roman"/>
+                              <a:ea typeface="굴림"/>
+                              <a:cs typeface="Times New Roman"/>
+                            </a:rPr>
+                            <a:t>0.4004 </a:t>
+                          </a:r>
+                          <a:endParaRPr lang="ko-KR" sz="1000" kern="100">
+                            <a:effectLst/>
+                            <a:latin typeface="맑은 고딕"/>
+                            <a:ea typeface="맑은 고딕"/>
+                            <a:cs typeface="Times New Roman"/>
+                          </a:endParaRPr>
+                        </a:p>
+                        <a:p>
+                          <a:pPr algn="ctr" fontAlgn="ctr" latinLnBrk="1">
+                            <a:lnSpc>
+                              <a:spcPct val="107000"/>
+                            </a:lnSpc>
+                            <a:spcAft>
+                              <a:spcPts val="0"/>
+                            </a:spcAft>
+                          </a:pPr>
+                          <a:r>
+                            <a:rPr lang="en-US" sz="1200" kern="1200">
+                              <a:solidFill>
+                                <a:srgbClr val="000000"/>
+                              </a:solidFill>
+                              <a:effectLst/>
+                              <a:latin typeface="Times New Roman"/>
+                              <a:ea typeface="굴림"/>
+                              <a:cs typeface="Times New Roman"/>
+                            </a:rPr>
+                            <a:t>(0.0449)</a:t>
+                          </a:r>
+                          <a:endParaRPr lang="ko-KR" sz="1000" kern="100">
+                            <a:effectLst/>
+                            <a:latin typeface="맑은 고딕"/>
+                            <a:ea typeface="맑은 고딕"/>
+                            <a:cs typeface="Times New Roman"/>
+                          </a:endParaRPr>
                         </a:p>
                       </a:txBody>
                       <a:tcPr marL="9525" marR="9525" marT="9525" marB="0" anchor="ctr">
@@ -12676,18 +13836,60 @@
                         <a:bodyPr/>
                         <a:lstStyle/>
                         <a:p>
-                          <a:pPr algn="ctr" fontAlgn="ctr"/>
-                          <a:r>
-                            <a:rPr lang="en-US" altLang="ko-KR" sz="1200" b="0" i="0" u="none" strike="noStrike">
-                              <a:solidFill>
-                                <a:srgbClr val="000000"/>
-                              </a:solidFill>
-                              <a:effectLst/>
-                              <a:latin typeface="Times New Roman" panose="02020603050405020304" pitchFamily="18" charset="0"/>
-                              <a:cs typeface="Times New Roman" panose="02020603050405020304" pitchFamily="18" charset="0"/>
-                            </a:rPr>
-                            <a:t>0.1168 (0.0144)</a:t>
-                          </a:r>
+                          <a:pPr algn="ctr" fontAlgn="ctr" latinLnBrk="1">
+                            <a:lnSpc>
+                              <a:spcPct val="107000"/>
+                            </a:lnSpc>
+                            <a:spcAft>
+                              <a:spcPts val="0"/>
+                            </a:spcAft>
+                          </a:pPr>
+                          <a:r>
+                            <a:rPr lang="en-US" sz="1200" kern="1200">
+                              <a:solidFill>
+                                <a:srgbClr val="000000"/>
+                              </a:solidFill>
+                              <a:effectLst/>
+                              <a:latin typeface="Times New Roman"/>
+                              <a:ea typeface="굴림"/>
+                              <a:cs typeface="Times New Roman"/>
+                            </a:rPr>
+                            <a:t>0.1167 </a:t>
+                          </a:r>
+                          <a:endParaRPr lang="ko-KR" sz="1000" kern="100">
+                            <a:effectLst/>
+                            <a:latin typeface="맑은 고딕"/>
+                            <a:ea typeface="맑은 고딕"/>
+                            <a:cs typeface="Times New Roman"/>
+                          </a:endParaRPr>
+                        </a:p>
+                        <a:p>
+                          <a:pPr algn="ctr" fontAlgn="ctr" latinLnBrk="1">
+                            <a:lnSpc>
+                              <a:spcPct val="107000"/>
+                            </a:lnSpc>
+                            <a:spcAft>
+                              <a:spcPts val="0"/>
+                            </a:spcAft>
+                          </a:pPr>
+                          <a:r>
+                            <a:rPr lang="en-US" sz="1200" kern="1200">
+                              <a:solidFill>
+                                <a:srgbClr val="000000"/>
+                              </a:solidFill>
+                              <a:effectLst/>
+                              <a:latin typeface="Times New Roman"/>
+                              <a:ea typeface="굴림"/>
+                              <a:cs typeface="Times New Roman"/>
+                            </a:rPr>
+                            <a:t>(0.0144)</a:t>
+                          </a:r>
+                          <a:endParaRPr lang="ko-KR" sz="1000" kern="100">
+                            <a:effectLst/>
+                            <a:latin typeface="맑은 고딕"/>
+                            <a:ea typeface="맑은 고딕"/>
+                            <a:cs typeface="Times New Roman"/>
+                          </a:endParaRPr>
                         </a:p>
                       </a:txBody>
                       <a:tcPr marL="9525" marR="9525" marT="9525" marB="0" anchor="ctr">
@@ -12718,18 +13920,60 @@
                         <a:bodyPr/>
                         <a:lstStyle/>
                         <a:p>
-                          <a:pPr algn="ctr" fontAlgn="ctr"/>
-                          <a:r>
-                            <a:rPr lang="en-US" altLang="ko-KR" sz="1200" b="0" i="0" u="none" strike="noStrike" dirty="0">
-                              <a:solidFill>
-                                <a:srgbClr val="000000"/>
-                              </a:solidFill>
-                              <a:effectLst/>
-                              <a:latin typeface="Times New Roman" panose="02020603050405020304" pitchFamily="18" charset="0"/>
-                              <a:cs typeface="Times New Roman" panose="02020603050405020304" pitchFamily="18" charset="0"/>
-                            </a:rPr>
-                            <a:t>0.3866 (0.0341)</a:t>
-                          </a:r>
+                          <a:pPr algn="ctr" fontAlgn="ctr" latinLnBrk="1">
+                            <a:lnSpc>
+                              <a:spcPct val="107000"/>
+                            </a:lnSpc>
+                            <a:spcAft>
+                              <a:spcPts val="0"/>
+                            </a:spcAft>
+                          </a:pPr>
+                          <a:r>
+                            <a:rPr lang="en-US" sz="1200" kern="1200">
+                              <a:solidFill>
+                                <a:srgbClr val="000000"/>
+                              </a:solidFill>
+                              <a:effectLst/>
+                              <a:latin typeface="Times New Roman"/>
+                              <a:ea typeface="굴림"/>
+                              <a:cs typeface="Times New Roman"/>
+                            </a:rPr>
+                            <a:t>0.3868 </a:t>
+                          </a:r>
+                          <a:endParaRPr lang="ko-KR" sz="1000" kern="100">
+                            <a:effectLst/>
+                            <a:latin typeface="맑은 고딕"/>
+                            <a:ea typeface="맑은 고딕"/>
+                            <a:cs typeface="Times New Roman"/>
+                          </a:endParaRPr>
+                        </a:p>
+                        <a:p>
+                          <a:pPr algn="ctr" fontAlgn="ctr" latinLnBrk="1">
+                            <a:lnSpc>
+                              <a:spcPct val="107000"/>
+                            </a:lnSpc>
+                            <a:spcAft>
+                              <a:spcPts val="0"/>
+                            </a:spcAft>
+                          </a:pPr>
+                          <a:r>
+                            <a:rPr lang="en-US" sz="1200" kern="1200">
+                              <a:solidFill>
+                                <a:srgbClr val="000000"/>
+                              </a:solidFill>
+                              <a:effectLst/>
+                              <a:latin typeface="Times New Roman"/>
+                              <a:ea typeface="굴림"/>
+                              <a:cs typeface="Times New Roman"/>
+                            </a:rPr>
+                            <a:t>(0.0339)</a:t>
+                          </a:r>
+                          <a:endParaRPr lang="ko-KR" sz="1000" kern="100">
+                            <a:effectLst/>
+                            <a:latin typeface="맑은 고딕"/>
+                            <a:ea typeface="맑은 고딕"/>
+                            <a:cs typeface="Times New Roman"/>
+                          </a:endParaRPr>
                         </a:p>
                       </a:txBody>
                       <a:tcPr marL="9525" marR="9525" marT="9525" marB="0" anchor="ctr">
@@ -12908,47 +14152,59 @@
                         <a:bodyPr/>
                         <a:lstStyle/>
                         <a:p>
-                          <a:pPr algn="ctr" fontAlgn="ctr"/>
-                          <a:r>
-                            <a:rPr lang="en-US" altLang="ko-KR" sz="1200" b="0" i="0" u="none" strike="noStrike" dirty="0">
-                              <a:solidFill>
-                                <a:srgbClr val="000000"/>
-                              </a:solidFill>
-                              <a:effectLst/>
-                              <a:latin typeface="Times New Roman" panose="02020603050405020304" pitchFamily="18" charset="0"/>
-                              <a:cs typeface="Times New Roman" panose="02020603050405020304" pitchFamily="18" charset="0"/>
+                          <a:pPr algn="ctr" fontAlgn="ctr" latinLnBrk="1">
+                            <a:lnSpc>
+                              <a:spcPct val="107000"/>
+                            </a:lnSpc>
+                            <a:spcAft>
+                              <a:spcPts val="0"/>
+                            </a:spcAft>
+                          </a:pPr>
+                          <a:r>
+                            <a:rPr lang="en-US" sz="1200" kern="1200">
+                              <a:solidFill>
+                                <a:srgbClr val="000000"/>
+                              </a:solidFill>
+                              <a:effectLst/>
+                              <a:latin typeface="Times New Roman"/>
+                              <a:ea typeface="굴림"/>
+                              <a:cs typeface="Times New Roman"/>
                             </a:rPr>
                             <a:t>0.1186 </a:t>
                           </a:r>
-                          <a:endParaRPr lang="en-US" altLang="ko-KR" sz="1200" b="0" i="0" u="none" strike="noStrike" dirty="0" smtClean="0">
-                            <a:solidFill>
-                              <a:srgbClr val="000000"/>
-                            </a:solidFill>
-                            <a:effectLst/>
-                            <a:latin typeface="Times New Roman" panose="02020603050405020304" pitchFamily="18" charset="0"/>
-                            <a:cs typeface="Times New Roman" panose="02020603050405020304" pitchFamily="18" charset="0"/>
-                          </a:endParaRPr>
-                        </a:p>
-                        <a:p>
-                          <a:pPr algn="ctr" fontAlgn="ctr"/>
-                          <a:r>
-                            <a:rPr lang="en-US" altLang="ko-KR" sz="1200" b="0" i="0" u="none" strike="noStrike" dirty="0" smtClean="0">
-                              <a:solidFill>
-                                <a:srgbClr val="000000"/>
-                              </a:solidFill>
-                              <a:effectLst/>
-                              <a:latin typeface="Times New Roman" panose="02020603050405020304" pitchFamily="18" charset="0"/>
-                              <a:cs typeface="Times New Roman" panose="02020603050405020304" pitchFamily="18" charset="0"/>
+                          <a:endParaRPr lang="ko-KR" sz="1000" kern="100">
+                            <a:effectLst/>
+                            <a:latin typeface="맑은 고딕"/>
+                            <a:ea typeface="맑은 고딕"/>
+                            <a:cs typeface="Times New Roman"/>
+                          </a:endParaRPr>
+                        </a:p>
+                        <a:p>
+                          <a:pPr algn="ctr" fontAlgn="ctr" latinLnBrk="1">
+                            <a:lnSpc>
+                              <a:spcPct val="107000"/>
+                            </a:lnSpc>
+                            <a:spcAft>
+                              <a:spcPts val="0"/>
+                            </a:spcAft>
+                          </a:pPr>
+                          <a:r>
+                            <a:rPr lang="en-US" sz="1200" kern="1200">
+                              <a:solidFill>
+                                <a:srgbClr val="000000"/>
+                              </a:solidFill>
+                              <a:effectLst/>
+                              <a:latin typeface="Times New Roman"/>
+                              <a:ea typeface="굴림"/>
+                              <a:cs typeface="Times New Roman"/>
                             </a:rPr>
                             <a:t>(0.0150)</a:t>
                           </a:r>
-                          <a:endParaRPr lang="en-US" altLang="ko-KR" sz="1200" b="0" i="0" u="none" strike="noStrike" dirty="0">
-                            <a:solidFill>
-                              <a:srgbClr val="000000"/>
-                            </a:solidFill>
-                            <a:effectLst/>
-                            <a:latin typeface="Times New Roman" panose="02020603050405020304" pitchFamily="18" charset="0"/>
-                            <a:cs typeface="Times New Roman" panose="02020603050405020304" pitchFamily="18" charset="0"/>
+                          <a:endParaRPr lang="ko-KR" sz="1000" kern="100">
+                            <a:effectLst/>
+                            <a:latin typeface="맑은 고딕"/>
+                            <a:ea typeface="맑은 고딕"/>
+                            <a:cs typeface="Times New Roman"/>
                           </a:endParaRPr>
                         </a:p>
                       </a:txBody>
@@ -12982,43 +14238,60 @@
                         <a:bodyPr/>
                         <a:lstStyle/>
                         <a:p>
-                          <a:pPr algn="ctr" fontAlgn="ctr"/>
-                          <a:r>
-                            <a:rPr lang="en-US" altLang="ko-KR" sz="1200" b="0" i="0" u="none" strike="noStrike" dirty="0" smtClean="0">
-                              <a:solidFill>
-                                <a:srgbClr val="000000"/>
-                              </a:solidFill>
-                              <a:effectLst/>
-                              <a:latin typeface="Times New Roman" panose="02020603050405020304" pitchFamily="18" charset="0"/>
-                              <a:cs typeface="Times New Roman" panose="02020603050405020304" pitchFamily="18" charset="0"/>
+                          <a:pPr algn="ctr" fontAlgn="ctr" latinLnBrk="1">
+                            <a:lnSpc>
+                              <a:spcPct val="107000"/>
+                            </a:lnSpc>
+                            <a:spcAft>
+                              <a:spcPts val="0"/>
+                            </a:spcAft>
+                          </a:pPr>
+                          <a:r>
+                            <a:rPr lang="en-US" sz="1200" kern="1200" dirty="0">
+                              <a:solidFill>
+                                <a:srgbClr val="000000"/>
+                              </a:solidFill>
+                              <a:effectLst/>
+                              <a:latin typeface="Times New Roman"/>
+                              <a:ea typeface="굴림"/>
+                              <a:cs typeface="Times New Roman"/>
                             </a:rPr>
                             <a:t>0.4090 </a:t>
                           </a:r>
-                        </a:p>
-                        <a:p>
-                          <a:pPr algn="ctr" fontAlgn="ctr"/>
-                          <a:r>
-                            <a:rPr lang="en-US" altLang="ko-KR" sz="1200" b="0" i="0" u="none" strike="noStrike" dirty="0" smtClean="0">
-                              <a:solidFill>
-                                <a:srgbClr val="000000"/>
-                              </a:solidFill>
-                              <a:effectLst/>
-                              <a:latin typeface="Times New Roman" panose="02020603050405020304" pitchFamily="18" charset="0"/>
-                              <a:cs typeface="Times New Roman" panose="02020603050405020304" pitchFamily="18" charset="0"/>
-                            </a:rPr>
-                            <a:t>(</a:t>
-                          </a:r>
-                          <a:r>
-                            <a:rPr lang="en-US" altLang="ko-KR" sz="1200" b="0" i="0" u="none" strike="noStrike" dirty="0">
-                              <a:solidFill>
-                                <a:srgbClr val="000000"/>
-                              </a:solidFill>
-                              <a:effectLst/>
-                              <a:latin typeface="Times New Roman" panose="02020603050405020304" pitchFamily="18" charset="0"/>
-                              <a:cs typeface="Times New Roman" panose="02020603050405020304" pitchFamily="18" charset="0"/>
-                            </a:rPr>
-                            <a:t>0.0444)</a:t>
-                          </a:r>
+                          <a:endParaRPr lang="ko-KR" sz="1000" kern="100" dirty="0">
+                            <a:effectLst/>
+                            <a:latin typeface="맑은 고딕"/>
+                            <a:ea typeface="맑은 고딕"/>
+                            <a:cs typeface="Times New Roman"/>
+                          </a:endParaRPr>
+                        </a:p>
+                        <a:p>
+                          <a:pPr algn="ctr" fontAlgn="ctr" latinLnBrk="1">
+                            <a:lnSpc>
+                              <a:spcPct val="107000"/>
+                            </a:lnSpc>
+                            <a:spcAft>
+                              <a:spcPts val="0"/>
+                            </a:spcAft>
+                          </a:pPr>
+                          <a:r>
+                            <a:rPr lang="en-US" sz="1200" kern="1200" dirty="0">
+                              <a:solidFill>
+                                <a:srgbClr val="000000"/>
+                              </a:solidFill>
+                              <a:effectLst/>
+                              <a:latin typeface="Times New Roman"/>
+                              <a:ea typeface="굴림"/>
+                              <a:cs typeface="Times New Roman"/>
+                            </a:rPr>
+                            <a:t>(0.0444)</a:t>
+                          </a:r>
+                          <a:endParaRPr lang="ko-KR" sz="1000" kern="100" dirty="0">
+                            <a:effectLst/>
+                            <a:latin typeface="맑은 고딕"/>
+                            <a:ea typeface="맑은 고딕"/>
+                            <a:cs typeface="Times New Roman"/>
+                          </a:endParaRPr>
                         </a:p>
                       </a:txBody>
                       <a:tcPr marL="9525" marR="9525" marT="9525" marB="0" anchor="ctr">
@@ -13118,7 +14391,7 @@
             </a:graphic>
           </p:graphicFrame>
         </mc:Choice>
-        <mc:Fallback>
+        <mc:Fallback xmlns="">
           <p:graphicFrame>
             <p:nvGraphicFramePr>
               <p:cNvPr id="6" name="표 5"/>
@@ -13128,7 +14401,7 @@
               <p:nvPr>
                 <p:extLst>
                   <p:ext uri="{D42A27DB-BD31-4B8C-83A1-F6EECF244321}">
-                    <p14:modId xmlns:p14="http://schemas.microsoft.com/office/powerpoint/2010/main" val="2985216960"/>
+                    <p14:modId xmlns:p14="http://schemas.microsoft.com/office/powerpoint/2010/main" val="909864856"/>
                   </p:ext>
                 </p:extLst>
               </p:nvPr>
@@ -13493,7 +14766,7 @@
                         <a:blipFill rotWithShape="1">
                           <a:blip r:embed="rId2"/>
                           <a:stretch>
-                            <a:fillRect l="-209231" t="-114706" r="-200000" b="-1905882"/>
+                            <a:fillRect l="-209231" t="-114706" r="-200000" b="-1908824"/>
                           </a:stretch>
                         </a:blipFill>
                       </a:tcPr>
@@ -13534,7 +14807,7 @@
                         <a:blipFill rotWithShape="1">
                           <a:blip r:embed="rId2"/>
                           <a:stretch>
-                            <a:fillRect l="-309231" t="-114706" r="-100000" b="-1905882"/>
+                            <a:fillRect l="-309231" t="-114706" r="-100000" b="-1908824"/>
                           </a:stretch>
                         </a:blipFill>
                       </a:tcPr>
@@ -13575,7 +14848,7 @@
                         <a:blipFill rotWithShape="1">
                           <a:blip r:embed="rId2"/>
                           <a:stretch>
-                            <a:fillRect l="-409231" t="-114706" b="-1905882"/>
+                            <a:fillRect l="-409231" t="-114706" b="-1908824"/>
                           </a:stretch>
                         </a:blipFill>
                       </a:tcPr>
@@ -13693,18 +14966,60 @@
                         <a:bodyPr/>
                         <a:lstStyle/>
                         <a:p>
-                          <a:pPr algn="ctr" fontAlgn="ctr"/>
-                          <a:r>
-                            <a:rPr lang="en-US" altLang="ko-KR" sz="1200" b="0" i="0" u="none" strike="noStrike" dirty="0">
-                              <a:solidFill>
-                                <a:srgbClr val="000000"/>
-                              </a:solidFill>
-                              <a:effectLst/>
-                              <a:latin typeface="Times New Roman" panose="02020603050405020304" pitchFamily="18" charset="0"/>
-                              <a:cs typeface="Times New Roman" panose="02020603050405020304" pitchFamily="18" charset="0"/>
-                            </a:rPr>
-                            <a:t>0.1337 (0.0191)</a:t>
-                          </a:r>
+                          <a:pPr algn="ctr" fontAlgn="ctr" latinLnBrk="1">
+                            <a:lnSpc>
+                              <a:spcPct val="107000"/>
+                            </a:lnSpc>
+                            <a:spcAft>
+                              <a:spcPts val="0"/>
+                            </a:spcAft>
+                          </a:pPr>
+                          <a:r>
+                            <a:rPr lang="en-US" sz="1200" kern="1200" dirty="0">
+                              <a:solidFill>
+                                <a:srgbClr val="000000"/>
+                              </a:solidFill>
+                              <a:effectLst/>
+                              <a:latin typeface="Times New Roman"/>
+                              <a:ea typeface="굴림"/>
+                              <a:cs typeface="Times New Roman"/>
+                            </a:rPr>
+                            <a:t>0.1335 </a:t>
+                          </a:r>
+                          <a:endParaRPr lang="ko-KR" sz="1000" kern="100" dirty="0">
+                            <a:effectLst/>
+                            <a:latin typeface="맑은 고딕"/>
+                            <a:ea typeface="맑은 고딕"/>
+                            <a:cs typeface="Times New Roman"/>
+                          </a:endParaRPr>
+                        </a:p>
+                        <a:p>
+                          <a:pPr algn="ctr" fontAlgn="ctr" latinLnBrk="1">
+                            <a:lnSpc>
+                              <a:spcPct val="107000"/>
+                            </a:lnSpc>
+                            <a:spcAft>
+                              <a:spcPts val="0"/>
+                            </a:spcAft>
+                          </a:pPr>
+                          <a:r>
+                            <a:rPr lang="en-US" sz="1200" kern="1200" dirty="0">
+                              <a:solidFill>
+                                <a:srgbClr val="000000"/>
+                              </a:solidFill>
+                              <a:effectLst/>
+                              <a:latin typeface="Times New Roman"/>
+                              <a:ea typeface="굴림"/>
+                              <a:cs typeface="Times New Roman"/>
+                            </a:rPr>
+                            <a:t>(0.0193)</a:t>
+                          </a:r>
+                          <a:endParaRPr lang="ko-KR" sz="1000" kern="100" dirty="0">
+                            <a:effectLst/>
+                            <a:latin typeface="맑은 고딕"/>
+                            <a:ea typeface="맑은 고딕"/>
+                            <a:cs typeface="Times New Roman"/>
+                          </a:endParaRPr>
                         </a:p>
                       </a:txBody>
                       <a:tcPr marL="9525" marR="9525" marT="9525" marB="0" anchor="ctr">
@@ -13737,18 +15052,60 @@
                         <a:bodyPr/>
                         <a:lstStyle/>
                         <a:p>
-                          <a:pPr algn="ctr" fontAlgn="ctr"/>
-                          <a:r>
-                            <a:rPr lang="en-US" altLang="ko-KR" sz="1200" b="0" i="0" u="none" strike="noStrike" dirty="0">
-                              <a:solidFill>
-                                <a:srgbClr val="000000"/>
-                              </a:solidFill>
-                              <a:effectLst/>
-                              <a:latin typeface="Times New Roman" panose="02020603050405020304" pitchFamily="18" charset="0"/>
-                              <a:cs typeface="Times New Roman" panose="02020603050405020304" pitchFamily="18" charset="0"/>
-                            </a:rPr>
-                            <a:t>0.0467 (0.0378)</a:t>
-                          </a:r>
+                          <a:pPr algn="ctr" fontAlgn="ctr" latinLnBrk="1">
+                            <a:lnSpc>
+                              <a:spcPct val="107000"/>
+                            </a:lnSpc>
+                            <a:spcAft>
+                              <a:spcPts val="0"/>
+                            </a:spcAft>
+                          </a:pPr>
+                          <a:r>
+                            <a:rPr lang="en-US" sz="1200" kern="1200">
+                              <a:solidFill>
+                                <a:srgbClr val="000000"/>
+                              </a:solidFill>
+                              <a:effectLst/>
+                              <a:latin typeface="Times New Roman"/>
+                              <a:ea typeface="굴림"/>
+                              <a:cs typeface="Times New Roman"/>
+                            </a:rPr>
+                            <a:t>0.0474 </a:t>
+                          </a:r>
+                          <a:endParaRPr lang="ko-KR" sz="1000" kern="100">
+                            <a:effectLst/>
+                            <a:latin typeface="맑은 고딕"/>
+                            <a:ea typeface="맑은 고딕"/>
+                            <a:cs typeface="Times New Roman"/>
+                          </a:endParaRPr>
+                        </a:p>
+                        <a:p>
+                          <a:pPr algn="ctr" fontAlgn="ctr" latinLnBrk="1">
+                            <a:lnSpc>
+                              <a:spcPct val="107000"/>
+                            </a:lnSpc>
+                            <a:spcAft>
+                              <a:spcPts val="0"/>
+                            </a:spcAft>
+                          </a:pPr>
+                          <a:r>
+                            <a:rPr lang="en-US" sz="1200" kern="1200">
+                              <a:solidFill>
+                                <a:srgbClr val="000000"/>
+                              </a:solidFill>
+                              <a:effectLst/>
+                              <a:latin typeface="Times New Roman"/>
+                              <a:ea typeface="굴림"/>
+                              <a:cs typeface="Times New Roman"/>
+                            </a:rPr>
+                            <a:t>(0.0376)</a:t>
+                          </a:r>
+                          <a:endParaRPr lang="ko-KR" sz="1000" kern="100">
+                            <a:effectLst/>
+                            <a:latin typeface="맑은 고딕"/>
+                            <a:ea typeface="맑은 고딕"/>
+                            <a:cs typeface="Times New Roman"/>
+                          </a:endParaRPr>
                         </a:p>
                       </a:txBody>
                       <a:tcPr marL="9525" marR="9525" marT="9525" marB="0" anchor="ctr">
@@ -13810,7 +15167,7 @@
                         <a:blipFill rotWithShape="1">
                           <a:blip r:embed="rId2"/>
                           <a:stretch>
-                            <a:fillRect l="-409231" t="-102817" b="-812676"/>
+                            <a:fillRect l="-409231" t="-102817" b="-814085"/>
                           </a:stretch>
                         </a:blipFill>
                       </a:tcPr>
@@ -13902,18 +15259,60 @@
                         <a:bodyPr/>
                         <a:lstStyle/>
                         <a:p>
-                          <a:pPr algn="ctr" fontAlgn="ctr"/>
-                          <a:r>
-                            <a:rPr lang="en-US" altLang="ko-KR" sz="1200" b="0" i="0" u="none" strike="noStrike" dirty="0">
-                              <a:solidFill>
-                                <a:srgbClr val="000000"/>
-                              </a:solidFill>
-                              <a:effectLst/>
-                              <a:latin typeface="Times New Roman" panose="02020603050405020304" pitchFamily="18" charset="0"/>
-                              <a:cs typeface="Times New Roman" panose="02020603050405020304" pitchFamily="18" charset="0"/>
-                            </a:rPr>
-                            <a:t>0.1233 (0.0177)</a:t>
-                          </a:r>
+                          <a:pPr algn="ctr" fontAlgn="ctr" latinLnBrk="1">
+                            <a:lnSpc>
+                              <a:spcPct val="107000"/>
+                            </a:lnSpc>
+                            <a:spcAft>
+                              <a:spcPts val="0"/>
+                            </a:spcAft>
+                          </a:pPr>
+                          <a:r>
+                            <a:rPr lang="en-US" sz="1200" kern="1200">
+                              <a:solidFill>
+                                <a:srgbClr val="000000"/>
+                              </a:solidFill>
+                              <a:effectLst/>
+                              <a:latin typeface="Times New Roman"/>
+                              <a:ea typeface="굴림"/>
+                              <a:cs typeface="Times New Roman"/>
+                            </a:rPr>
+                            <a:t>0.1233 </a:t>
+                          </a:r>
+                          <a:endParaRPr lang="ko-KR" sz="1000" kern="100">
+                            <a:effectLst/>
+                            <a:latin typeface="맑은 고딕"/>
+                            <a:ea typeface="맑은 고딕"/>
+                            <a:cs typeface="Times New Roman"/>
+                          </a:endParaRPr>
+                        </a:p>
+                        <a:p>
+                          <a:pPr algn="ctr" fontAlgn="ctr" latinLnBrk="1">
+                            <a:lnSpc>
+                              <a:spcPct val="107000"/>
+                            </a:lnSpc>
+                            <a:spcAft>
+                              <a:spcPts val="0"/>
+                            </a:spcAft>
+                          </a:pPr>
+                          <a:r>
+                            <a:rPr lang="en-US" sz="1200" kern="1200">
+                              <a:solidFill>
+                                <a:srgbClr val="000000"/>
+                              </a:solidFill>
+                              <a:effectLst/>
+                              <a:latin typeface="Times New Roman"/>
+                              <a:ea typeface="굴림"/>
+                              <a:cs typeface="Times New Roman"/>
+                            </a:rPr>
+                            <a:t>(0.0181)</a:t>
+                          </a:r>
+                          <a:endParaRPr lang="ko-KR" sz="1000" kern="100">
+                            <a:effectLst/>
+                            <a:latin typeface="맑은 고딕"/>
+                            <a:ea typeface="맑은 고딕"/>
+                            <a:cs typeface="Times New Roman"/>
+                          </a:endParaRPr>
                         </a:p>
                       </a:txBody>
                       <a:tcPr marL="9525" marR="9525" marT="9525" marB="0" anchor="ctr">
@@ -13944,18 +15343,60 @@
                         <a:bodyPr/>
                         <a:lstStyle/>
                         <a:p>
-                          <a:pPr algn="ctr" fontAlgn="ctr"/>
-                          <a:r>
-                            <a:rPr lang="en-US" altLang="ko-KR" sz="1200" b="0" i="0" u="none" strike="noStrike">
-                              <a:solidFill>
-                                <a:srgbClr val="000000"/>
-                              </a:solidFill>
-                              <a:effectLst/>
-                              <a:latin typeface="Times New Roman" panose="02020603050405020304" pitchFamily="18" charset="0"/>
-                              <a:cs typeface="Times New Roman" panose="02020603050405020304" pitchFamily="18" charset="0"/>
-                            </a:rPr>
-                            <a:t>0.0343 (0.0336)</a:t>
-                          </a:r>
+                          <a:pPr algn="ctr" fontAlgn="ctr" latinLnBrk="1">
+                            <a:lnSpc>
+                              <a:spcPct val="107000"/>
+                            </a:lnSpc>
+                            <a:spcAft>
+                              <a:spcPts val="0"/>
+                            </a:spcAft>
+                          </a:pPr>
+                          <a:r>
+                            <a:rPr lang="en-US" sz="1200" kern="1200">
+                              <a:solidFill>
+                                <a:srgbClr val="000000"/>
+                              </a:solidFill>
+                              <a:effectLst/>
+                              <a:latin typeface="Times New Roman"/>
+                              <a:ea typeface="굴림"/>
+                              <a:cs typeface="Times New Roman"/>
+                            </a:rPr>
+                            <a:t>0.0336 </a:t>
+                          </a:r>
+                          <a:endParaRPr lang="ko-KR" sz="1000" kern="100">
+                            <a:effectLst/>
+                            <a:latin typeface="맑은 고딕"/>
+                            <a:ea typeface="맑은 고딕"/>
+                            <a:cs typeface="Times New Roman"/>
+                          </a:endParaRPr>
+                        </a:p>
+                        <a:p>
+                          <a:pPr algn="ctr" fontAlgn="ctr" latinLnBrk="1">
+                            <a:lnSpc>
+                              <a:spcPct val="107000"/>
+                            </a:lnSpc>
+                            <a:spcAft>
+                              <a:spcPts val="0"/>
+                            </a:spcAft>
+                          </a:pPr>
+                          <a:r>
+                            <a:rPr lang="en-US" sz="1200" kern="1200">
+                              <a:solidFill>
+                                <a:srgbClr val="000000"/>
+                              </a:solidFill>
+                              <a:effectLst/>
+                              <a:latin typeface="Times New Roman"/>
+                              <a:ea typeface="굴림"/>
+                              <a:cs typeface="Times New Roman"/>
+                            </a:rPr>
+                            <a:t>(0.0339)</a:t>
+                          </a:r>
+                          <a:endParaRPr lang="ko-KR" sz="1000" kern="100">
+                            <a:effectLst/>
+                            <a:latin typeface="맑은 고딕"/>
+                            <a:ea typeface="맑은 고딕"/>
+                            <a:cs typeface="Times New Roman"/>
+                          </a:endParaRPr>
                         </a:p>
                       </a:txBody>
                       <a:tcPr marL="9525" marR="9525" marT="9525" marB="0" anchor="ctr">
@@ -14013,7 +15454,7 @@
                         <a:blipFill rotWithShape="1">
                           <a:blip r:embed="rId2"/>
                           <a:stretch>
-                            <a:fillRect l="-409231" t="-202817" b="-712676"/>
+                            <a:fillRect l="-409231" t="-202817" b="-714085"/>
                           </a:stretch>
                         </a:blipFill>
                       </a:tcPr>
@@ -14107,18 +15548,60 @@
                         <a:bodyPr/>
                         <a:lstStyle/>
                         <a:p>
-                          <a:pPr algn="ctr" fontAlgn="ctr"/>
-                          <a:r>
-                            <a:rPr lang="en-US" altLang="ko-KR" sz="1200" b="0" i="0" u="none" strike="noStrike">
-                              <a:solidFill>
-                                <a:srgbClr val="000000"/>
-                              </a:solidFill>
-                              <a:effectLst/>
-                              <a:latin typeface="Times New Roman" panose="02020603050405020304" pitchFamily="18" charset="0"/>
-                              <a:cs typeface="Times New Roman" panose="02020603050405020304" pitchFamily="18" charset="0"/>
-                            </a:rPr>
-                            <a:t>0.1197 (0.0145)</a:t>
-                          </a:r>
+                          <a:pPr algn="ctr" fontAlgn="ctr" latinLnBrk="1">
+                            <a:lnSpc>
+                              <a:spcPct val="107000"/>
+                            </a:lnSpc>
+                            <a:spcAft>
+                              <a:spcPts val="0"/>
+                            </a:spcAft>
+                          </a:pPr>
+                          <a:r>
+                            <a:rPr lang="en-US" sz="1200" kern="1200">
+                              <a:solidFill>
+                                <a:srgbClr val="000000"/>
+                              </a:solidFill>
+                              <a:effectLst/>
+                              <a:latin typeface="Times New Roman"/>
+                              <a:ea typeface="굴림"/>
+                              <a:cs typeface="Times New Roman"/>
+                            </a:rPr>
+                            <a:t>0.1194 </a:t>
+                          </a:r>
+                          <a:endParaRPr lang="ko-KR" sz="1000" kern="100">
+                            <a:effectLst/>
+                            <a:latin typeface="맑은 고딕"/>
+                            <a:ea typeface="맑은 고딕"/>
+                            <a:cs typeface="Times New Roman"/>
+                          </a:endParaRPr>
+                        </a:p>
+                        <a:p>
+                          <a:pPr algn="ctr" fontAlgn="ctr" latinLnBrk="1">
+                            <a:lnSpc>
+                              <a:spcPct val="107000"/>
+                            </a:lnSpc>
+                            <a:spcAft>
+                              <a:spcPts val="0"/>
+                            </a:spcAft>
+                          </a:pPr>
+                          <a:r>
+                            <a:rPr lang="en-US" sz="1200" kern="1200">
+                              <a:solidFill>
+                                <a:srgbClr val="000000"/>
+                              </a:solidFill>
+                              <a:effectLst/>
+                              <a:latin typeface="Times New Roman"/>
+                              <a:ea typeface="굴림"/>
+                              <a:cs typeface="Times New Roman"/>
+                            </a:rPr>
+                            <a:t>(0.0144)</a:t>
+                          </a:r>
+                          <a:endParaRPr lang="ko-KR" sz="1000" kern="100">
+                            <a:effectLst/>
+                            <a:latin typeface="맑은 고딕"/>
+                            <a:ea typeface="맑은 고딕"/>
+                            <a:cs typeface="Times New Roman"/>
+                          </a:endParaRPr>
                         </a:p>
                       </a:txBody>
                       <a:tcPr marL="9525" marR="9525" marT="9525" marB="0" anchor="ctr">
@@ -14151,18 +15634,60 @@
                         <a:bodyPr/>
                         <a:lstStyle/>
                         <a:p>
-                          <a:pPr algn="ctr" fontAlgn="ctr"/>
-                          <a:r>
-                            <a:rPr lang="en-US" altLang="ko-KR" sz="1200" b="0" i="0" u="none" strike="noStrike" dirty="0">
-                              <a:solidFill>
-                                <a:srgbClr val="000000"/>
-                              </a:solidFill>
-                              <a:effectLst/>
-                              <a:latin typeface="Times New Roman" panose="02020603050405020304" pitchFamily="18" charset="0"/>
-                              <a:cs typeface="Times New Roman" panose="02020603050405020304" pitchFamily="18" charset="0"/>
-                            </a:rPr>
-                            <a:t>0.0304 (0.0291)</a:t>
-                          </a:r>
+                          <a:pPr algn="ctr" fontAlgn="ctr" latinLnBrk="1">
+                            <a:lnSpc>
+                              <a:spcPct val="107000"/>
+                            </a:lnSpc>
+                            <a:spcAft>
+                              <a:spcPts val="0"/>
+                            </a:spcAft>
+                          </a:pPr>
+                          <a:r>
+                            <a:rPr lang="en-US" sz="1200" kern="1200">
+                              <a:solidFill>
+                                <a:srgbClr val="000000"/>
+                              </a:solidFill>
+                              <a:effectLst/>
+                              <a:latin typeface="Times New Roman"/>
+                              <a:ea typeface="굴림"/>
+                              <a:cs typeface="Times New Roman"/>
+                            </a:rPr>
+                            <a:t>0.0304 </a:t>
+                          </a:r>
+                          <a:endParaRPr lang="ko-KR" sz="1000" kern="100">
+                            <a:effectLst/>
+                            <a:latin typeface="맑은 고딕"/>
+                            <a:ea typeface="맑은 고딕"/>
+                            <a:cs typeface="Times New Roman"/>
+                          </a:endParaRPr>
+                        </a:p>
+                        <a:p>
+                          <a:pPr algn="ctr" fontAlgn="ctr" latinLnBrk="1">
+                            <a:lnSpc>
+                              <a:spcPct val="107000"/>
+                            </a:lnSpc>
+                            <a:spcAft>
+                              <a:spcPts val="0"/>
+                            </a:spcAft>
+                          </a:pPr>
+                          <a:r>
+                            <a:rPr lang="en-US" sz="1200" kern="1200">
+                              <a:solidFill>
+                                <a:srgbClr val="000000"/>
+                              </a:solidFill>
+                              <a:effectLst/>
+                              <a:latin typeface="Times New Roman"/>
+                              <a:ea typeface="굴림"/>
+                              <a:cs typeface="Times New Roman"/>
+                            </a:rPr>
+                            <a:t>(0.0287)</a:t>
+                          </a:r>
+                          <a:endParaRPr lang="ko-KR" sz="1000" kern="100">
+                            <a:effectLst/>
+                            <a:latin typeface="맑은 고딕"/>
+                            <a:ea typeface="맑은 고딕"/>
+                            <a:cs typeface="Times New Roman"/>
+                          </a:endParaRPr>
                         </a:p>
                       </a:txBody>
                       <a:tcPr marL="9525" marR="9525" marT="9525" marB="0" anchor="ctr">
@@ -14224,7 +15749,7 @@
                         <a:blipFill rotWithShape="1">
                           <a:blip r:embed="rId2"/>
                           <a:stretch>
-                            <a:fillRect l="-409231" t="-302817" b="-612676"/>
+                            <a:fillRect l="-409231" t="-302817" b="-614085"/>
                           </a:stretch>
                         </a:blipFill>
                       </a:tcPr>
@@ -14342,51 +15867,60 @@
                         <a:bodyPr/>
                         <a:lstStyle/>
                         <a:p>
-                          <a:pPr algn="ctr" fontAlgn="ctr"/>
-                          <a:r>
-                            <a:rPr lang="en-US" altLang="ko-KR" sz="1200" b="0" i="0" u="none" strike="noStrike" dirty="0">
-                              <a:solidFill>
-                                <a:srgbClr val="000000"/>
-                              </a:solidFill>
-                              <a:effectLst/>
-                              <a:latin typeface="Times New Roman" panose="02020603050405020304" pitchFamily="18" charset="0"/>
-                              <a:cs typeface="Times New Roman" panose="02020603050405020304" pitchFamily="18" charset="0"/>
+                          <a:pPr algn="ctr" fontAlgn="ctr" latinLnBrk="1">
+                            <a:lnSpc>
+                              <a:spcPct val="107000"/>
+                            </a:lnSpc>
+                            <a:spcAft>
+                              <a:spcPts val="0"/>
+                            </a:spcAft>
+                          </a:pPr>
+                          <a:r>
+                            <a:rPr lang="en-US" sz="1200" kern="1200">
+                              <a:solidFill>
+                                <a:srgbClr val="000000"/>
+                              </a:solidFill>
+                              <a:effectLst/>
+                              <a:latin typeface="Times New Roman"/>
+                              <a:ea typeface="굴림"/>
+                              <a:cs typeface="Times New Roman"/>
                             </a:rPr>
                             <a:t>0.1234 </a:t>
                           </a:r>
-                          <a:endParaRPr lang="en-US" altLang="ko-KR" sz="1200" b="0" i="0" u="none" strike="noStrike" dirty="0" smtClean="0">
-                            <a:solidFill>
-                              <a:srgbClr val="000000"/>
-                            </a:solidFill>
-                            <a:effectLst/>
-                            <a:latin typeface="Times New Roman" panose="02020603050405020304" pitchFamily="18" charset="0"/>
-                            <a:cs typeface="Times New Roman" panose="02020603050405020304" pitchFamily="18" charset="0"/>
-                          </a:endParaRPr>
-                        </a:p>
-                        <a:p>
-                          <a:pPr algn="ctr" fontAlgn="ctr"/>
-                          <a:r>
-                            <a:rPr lang="en-US" altLang="ko-KR" sz="1200" b="0" i="0" u="none" strike="noStrike" dirty="0" smtClean="0">
-                              <a:solidFill>
-                                <a:srgbClr val="000000"/>
-                              </a:solidFill>
-                              <a:effectLst/>
-                              <a:latin typeface="Times New Roman" panose="02020603050405020304" pitchFamily="18" charset="0"/>
-                              <a:cs typeface="Times New Roman" panose="02020603050405020304" pitchFamily="18" charset="0"/>
-                            </a:rPr>
-                            <a:t>(</a:t>
-                          </a:r>
-                          <a:r>
-                            <a:rPr lang="en-US" altLang="ko-KR" sz="1200" b="0" i="0" u="none" strike="noStrike" dirty="0">
-                              <a:solidFill>
-                                <a:srgbClr val="000000"/>
-                              </a:solidFill>
-                              <a:effectLst/>
-                              <a:latin typeface="Times New Roman" panose="02020603050405020304" pitchFamily="18" charset="0"/>
-                              <a:cs typeface="Times New Roman" panose="02020603050405020304" pitchFamily="18" charset="0"/>
-                            </a:rPr>
-                            <a:t>0.0199)</a:t>
-                          </a:r>
+                          <a:endParaRPr lang="ko-KR" sz="1000" kern="100">
+                            <a:effectLst/>
+                            <a:latin typeface="맑은 고딕"/>
+                            <a:ea typeface="맑은 고딕"/>
+                            <a:cs typeface="Times New Roman"/>
+                          </a:endParaRPr>
+                        </a:p>
+                        <a:p>
+                          <a:pPr algn="ctr" fontAlgn="ctr" latinLnBrk="1">
+                            <a:lnSpc>
+                              <a:spcPct val="107000"/>
+                            </a:lnSpc>
+                            <a:spcAft>
+                              <a:spcPts val="0"/>
+                            </a:spcAft>
+                          </a:pPr>
+                          <a:r>
+                            <a:rPr lang="en-US" sz="1200" kern="1200">
+                              <a:solidFill>
+                                <a:srgbClr val="000000"/>
+                              </a:solidFill>
+                              <a:effectLst/>
+                              <a:latin typeface="Times New Roman"/>
+                              <a:ea typeface="굴림"/>
+                              <a:cs typeface="Times New Roman"/>
+                            </a:rPr>
+                            <a:t>(0.0199)</a:t>
+                          </a:r>
+                          <a:endParaRPr lang="ko-KR" sz="1000" kern="100">
+                            <a:effectLst/>
+                            <a:latin typeface="맑은 고딕"/>
+                            <a:ea typeface="맑은 고딕"/>
+                            <a:cs typeface="Times New Roman"/>
+                          </a:endParaRPr>
                         </a:p>
                       </a:txBody>
                       <a:tcPr marL="9525" marR="9525" marT="9525" marB="0" anchor="ctr">
@@ -14419,51 +15953,60 @@
                         <a:bodyPr/>
                         <a:lstStyle/>
                         <a:p>
-                          <a:pPr algn="ctr" fontAlgn="ctr"/>
-                          <a:r>
-                            <a:rPr lang="en-US" altLang="ko-KR" sz="1200" b="0" i="0" u="none" strike="noStrike" dirty="0">
-                              <a:solidFill>
-                                <a:srgbClr val="000000"/>
-                              </a:solidFill>
-                              <a:effectLst/>
-                              <a:latin typeface="Times New Roman" panose="02020603050405020304" pitchFamily="18" charset="0"/>
-                              <a:cs typeface="Times New Roman" panose="02020603050405020304" pitchFamily="18" charset="0"/>
+                          <a:pPr algn="ctr" fontAlgn="ctr" latinLnBrk="1">
+                            <a:lnSpc>
+                              <a:spcPct val="107000"/>
+                            </a:lnSpc>
+                            <a:spcAft>
+                              <a:spcPts val="0"/>
+                            </a:spcAft>
+                          </a:pPr>
+                          <a:r>
+                            <a:rPr lang="en-US" sz="1200" kern="1200">
+                              <a:solidFill>
+                                <a:srgbClr val="000000"/>
+                              </a:solidFill>
+                              <a:effectLst/>
+                              <a:latin typeface="Times New Roman"/>
+                              <a:ea typeface="굴림"/>
+                              <a:cs typeface="Times New Roman"/>
                             </a:rPr>
                             <a:t>0.2018 </a:t>
                           </a:r>
-                          <a:endParaRPr lang="en-US" altLang="ko-KR" sz="1200" b="0" i="0" u="none" strike="noStrike" dirty="0" smtClean="0">
-                            <a:solidFill>
-                              <a:srgbClr val="000000"/>
-                            </a:solidFill>
-                            <a:effectLst/>
-                            <a:latin typeface="Times New Roman" panose="02020603050405020304" pitchFamily="18" charset="0"/>
-                            <a:cs typeface="Times New Roman" panose="02020603050405020304" pitchFamily="18" charset="0"/>
-                          </a:endParaRPr>
-                        </a:p>
-                        <a:p>
-                          <a:pPr algn="ctr" fontAlgn="ctr"/>
-                          <a:r>
-                            <a:rPr lang="en-US" altLang="ko-KR" sz="1200" b="0" i="0" u="none" strike="noStrike" dirty="0" smtClean="0">
-                              <a:solidFill>
-                                <a:srgbClr val="000000"/>
-                              </a:solidFill>
-                              <a:effectLst/>
-                              <a:latin typeface="Times New Roman" panose="02020603050405020304" pitchFamily="18" charset="0"/>
-                              <a:cs typeface="Times New Roman" panose="02020603050405020304" pitchFamily="18" charset="0"/>
-                            </a:rPr>
-                            <a:t>(</a:t>
-                          </a:r>
-                          <a:r>
-                            <a:rPr lang="en-US" altLang="ko-KR" sz="1200" b="0" i="0" u="none" strike="noStrike" dirty="0">
-                              <a:solidFill>
-                                <a:srgbClr val="000000"/>
-                              </a:solidFill>
-                              <a:effectLst/>
-                              <a:latin typeface="Times New Roman" panose="02020603050405020304" pitchFamily="18" charset="0"/>
-                              <a:cs typeface="Times New Roman" panose="02020603050405020304" pitchFamily="18" charset="0"/>
-                            </a:rPr>
-                            <a:t>0.0437)</a:t>
-                          </a:r>
+                          <a:endParaRPr lang="ko-KR" sz="1000" kern="100">
+                            <a:effectLst/>
+                            <a:latin typeface="맑은 고딕"/>
+                            <a:ea typeface="맑은 고딕"/>
+                            <a:cs typeface="Times New Roman"/>
+                          </a:endParaRPr>
+                        </a:p>
+                        <a:p>
+                          <a:pPr algn="ctr" fontAlgn="ctr" latinLnBrk="1">
+                            <a:lnSpc>
+                              <a:spcPct val="107000"/>
+                            </a:lnSpc>
+                            <a:spcAft>
+                              <a:spcPts val="0"/>
+                            </a:spcAft>
+                          </a:pPr>
+                          <a:r>
+                            <a:rPr lang="en-US" sz="1200" kern="1200">
+                              <a:solidFill>
+                                <a:srgbClr val="000000"/>
+                              </a:solidFill>
+                              <a:effectLst/>
+                              <a:latin typeface="Times New Roman"/>
+                              <a:ea typeface="굴림"/>
+                              <a:cs typeface="Times New Roman"/>
+                            </a:rPr>
+                            <a:t>(0.0437)</a:t>
+                          </a:r>
+                          <a:endParaRPr lang="ko-KR" sz="1000" kern="100">
+                            <a:effectLst/>
+                            <a:latin typeface="맑은 고딕"/>
+                            <a:ea typeface="맑은 고딕"/>
+                            <a:cs typeface="Times New Roman"/>
+                          </a:endParaRPr>
                         </a:p>
                       </a:txBody>
                       <a:tcPr marL="9525" marR="9525" marT="9525" marB="0" anchor="ctr">
@@ -14525,7 +16068,7 @@
                         <a:blipFill rotWithShape="1">
                           <a:blip r:embed="rId2"/>
                           <a:stretch>
-                            <a:fillRect l="-409231" t="-402817" b="-512676"/>
+                            <a:fillRect l="-409231" t="-402817" b="-514085"/>
                           </a:stretch>
                         </a:blipFill>
                       </a:tcPr>
@@ -14617,51 +16160,60 @@
                         <a:bodyPr/>
                         <a:lstStyle/>
                         <a:p>
-                          <a:pPr algn="ctr" fontAlgn="ctr"/>
-                          <a:r>
-                            <a:rPr lang="en-US" altLang="ko-KR" sz="1200" b="0" i="0" u="none" strike="noStrike" dirty="0">
-                              <a:solidFill>
-                                <a:srgbClr val="000000"/>
-                              </a:solidFill>
-                              <a:effectLst/>
-                              <a:latin typeface="Times New Roman" panose="02020603050405020304" pitchFamily="18" charset="0"/>
-                              <a:cs typeface="Times New Roman" panose="02020603050405020304" pitchFamily="18" charset="0"/>
+                          <a:pPr algn="ctr" fontAlgn="ctr" latinLnBrk="1">
+                            <a:lnSpc>
+                              <a:spcPct val="107000"/>
+                            </a:lnSpc>
+                            <a:spcAft>
+                              <a:spcPts val="0"/>
+                            </a:spcAft>
+                          </a:pPr>
+                          <a:r>
+                            <a:rPr lang="en-US" sz="1200" kern="1200">
+                              <a:solidFill>
+                                <a:srgbClr val="000000"/>
+                              </a:solidFill>
+                              <a:effectLst/>
+                              <a:latin typeface="Times New Roman"/>
+                              <a:ea typeface="굴림"/>
+                              <a:cs typeface="Times New Roman"/>
                             </a:rPr>
                             <a:t>0.1257 </a:t>
                           </a:r>
-                          <a:endParaRPr lang="en-US" altLang="ko-KR" sz="1200" b="0" i="0" u="none" strike="noStrike" dirty="0" smtClean="0">
-                            <a:solidFill>
-                              <a:srgbClr val="000000"/>
-                            </a:solidFill>
-                            <a:effectLst/>
-                            <a:latin typeface="Times New Roman" panose="02020603050405020304" pitchFamily="18" charset="0"/>
-                            <a:cs typeface="Times New Roman" panose="02020603050405020304" pitchFamily="18" charset="0"/>
-                          </a:endParaRPr>
-                        </a:p>
-                        <a:p>
-                          <a:pPr algn="ctr" fontAlgn="ctr"/>
-                          <a:r>
-                            <a:rPr lang="en-US" altLang="ko-KR" sz="1200" b="0" i="0" u="none" strike="noStrike" dirty="0" smtClean="0">
-                              <a:solidFill>
-                                <a:srgbClr val="000000"/>
-                              </a:solidFill>
-                              <a:effectLst/>
-                              <a:latin typeface="Times New Roman" panose="02020603050405020304" pitchFamily="18" charset="0"/>
-                              <a:cs typeface="Times New Roman" panose="02020603050405020304" pitchFamily="18" charset="0"/>
-                            </a:rPr>
-                            <a:t>(</a:t>
-                          </a:r>
-                          <a:r>
-                            <a:rPr lang="en-US" altLang="ko-KR" sz="1200" b="0" i="0" u="none" strike="noStrike" dirty="0">
-                              <a:solidFill>
-                                <a:srgbClr val="000000"/>
-                              </a:solidFill>
-                              <a:effectLst/>
-                              <a:latin typeface="Times New Roman" panose="02020603050405020304" pitchFamily="18" charset="0"/>
-                              <a:cs typeface="Times New Roman" panose="02020603050405020304" pitchFamily="18" charset="0"/>
-                            </a:rPr>
-                            <a:t>0.0135)</a:t>
-                          </a:r>
+                          <a:endParaRPr lang="ko-KR" sz="1000" kern="100">
+                            <a:effectLst/>
+                            <a:latin typeface="맑은 고딕"/>
+                            <a:ea typeface="맑은 고딕"/>
+                            <a:cs typeface="Times New Roman"/>
+                          </a:endParaRPr>
+                        </a:p>
+                        <a:p>
+                          <a:pPr algn="ctr" fontAlgn="ctr" latinLnBrk="1">
+                            <a:lnSpc>
+                              <a:spcPct val="107000"/>
+                            </a:lnSpc>
+                            <a:spcAft>
+                              <a:spcPts val="0"/>
+                            </a:spcAft>
+                          </a:pPr>
+                          <a:r>
+                            <a:rPr lang="en-US" sz="1200" kern="1200">
+                              <a:solidFill>
+                                <a:srgbClr val="000000"/>
+                              </a:solidFill>
+                              <a:effectLst/>
+                              <a:latin typeface="Times New Roman"/>
+                              <a:ea typeface="굴림"/>
+                              <a:cs typeface="Times New Roman"/>
+                            </a:rPr>
+                            <a:t>(0.0135)</a:t>
+                          </a:r>
+                          <a:endParaRPr lang="ko-KR" sz="1000" kern="100">
+                            <a:effectLst/>
+                            <a:latin typeface="맑은 고딕"/>
+                            <a:ea typeface="맑은 고딕"/>
+                            <a:cs typeface="Times New Roman"/>
+                          </a:endParaRPr>
                         </a:p>
                       </a:txBody>
                       <a:tcPr marL="9525" marR="9525" marT="9525" marB="0" anchor="ctr">
@@ -14692,51 +16244,60 @@
                         <a:bodyPr/>
                         <a:lstStyle/>
                         <a:p>
-                          <a:pPr algn="ctr" fontAlgn="ctr"/>
-                          <a:r>
-                            <a:rPr lang="en-US" altLang="ko-KR" sz="1200" b="0" i="0" u="none" strike="noStrike" dirty="0">
-                              <a:solidFill>
-                                <a:srgbClr val="000000"/>
-                              </a:solidFill>
-                              <a:effectLst/>
-                              <a:latin typeface="Times New Roman" panose="02020603050405020304" pitchFamily="18" charset="0"/>
-                              <a:cs typeface="Times New Roman" panose="02020603050405020304" pitchFamily="18" charset="0"/>
+                          <a:pPr algn="ctr" fontAlgn="ctr" latinLnBrk="1">
+                            <a:lnSpc>
+                              <a:spcPct val="107000"/>
+                            </a:lnSpc>
+                            <a:spcAft>
+                              <a:spcPts val="0"/>
+                            </a:spcAft>
+                          </a:pPr>
+                          <a:r>
+                            <a:rPr lang="en-US" sz="1200" kern="1200">
+                              <a:solidFill>
+                                <a:srgbClr val="000000"/>
+                              </a:solidFill>
+                              <a:effectLst/>
+                              <a:latin typeface="Times New Roman"/>
+                              <a:ea typeface="굴림"/>
+                              <a:cs typeface="Times New Roman"/>
                             </a:rPr>
                             <a:t>0.2086 </a:t>
                           </a:r>
-                          <a:endParaRPr lang="en-US" altLang="ko-KR" sz="1200" b="0" i="0" u="none" strike="noStrike" dirty="0" smtClean="0">
-                            <a:solidFill>
-                              <a:srgbClr val="000000"/>
-                            </a:solidFill>
-                            <a:effectLst/>
-                            <a:latin typeface="Times New Roman" panose="02020603050405020304" pitchFamily="18" charset="0"/>
-                            <a:cs typeface="Times New Roman" panose="02020603050405020304" pitchFamily="18" charset="0"/>
-                          </a:endParaRPr>
-                        </a:p>
-                        <a:p>
-                          <a:pPr algn="ctr" fontAlgn="ctr"/>
-                          <a:r>
-                            <a:rPr lang="en-US" altLang="ko-KR" sz="1200" b="0" i="0" u="none" strike="noStrike" dirty="0" smtClean="0">
-                              <a:solidFill>
-                                <a:srgbClr val="000000"/>
-                              </a:solidFill>
-                              <a:effectLst/>
-                              <a:latin typeface="Times New Roman" panose="02020603050405020304" pitchFamily="18" charset="0"/>
-                              <a:cs typeface="Times New Roman" panose="02020603050405020304" pitchFamily="18" charset="0"/>
-                            </a:rPr>
-                            <a:t>(</a:t>
-                          </a:r>
-                          <a:r>
-                            <a:rPr lang="en-US" altLang="ko-KR" sz="1200" b="0" i="0" u="none" strike="noStrike" dirty="0">
-                              <a:solidFill>
-                                <a:srgbClr val="000000"/>
-                              </a:solidFill>
-                              <a:effectLst/>
-                              <a:latin typeface="Times New Roman" panose="02020603050405020304" pitchFamily="18" charset="0"/>
-                              <a:cs typeface="Times New Roman" panose="02020603050405020304" pitchFamily="18" charset="0"/>
-                            </a:rPr>
-                            <a:t>0.0342)</a:t>
-                          </a:r>
+                          <a:endParaRPr lang="ko-KR" sz="1000" kern="100">
+                            <a:effectLst/>
+                            <a:latin typeface="맑은 고딕"/>
+                            <a:ea typeface="맑은 고딕"/>
+                            <a:cs typeface="Times New Roman"/>
+                          </a:endParaRPr>
+                        </a:p>
+                        <a:p>
+                          <a:pPr algn="ctr" fontAlgn="ctr" latinLnBrk="1">
+                            <a:lnSpc>
+                              <a:spcPct val="107000"/>
+                            </a:lnSpc>
+                            <a:spcAft>
+                              <a:spcPts val="0"/>
+                            </a:spcAft>
+                          </a:pPr>
+                          <a:r>
+                            <a:rPr lang="en-US" sz="1200" kern="1200">
+                              <a:solidFill>
+                                <a:srgbClr val="000000"/>
+                              </a:solidFill>
+                              <a:effectLst/>
+                              <a:latin typeface="Times New Roman"/>
+                              <a:ea typeface="굴림"/>
+                              <a:cs typeface="Times New Roman"/>
+                            </a:rPr>
+                            <a:t>(0.0342)</a:t>
+                          </a:r>
+                          <a:endParaRPr lang="ko-KR" sz="1000" kern="100">
+                            <a:effectLst/>
+                            <a:latin typeface="맑은 고딕"/>
+                            <a:ea typeface="맑은 고딕"/>
+                            <a:cs typeface="Times New Roman"/>
+                          </a:endParaRPr>
                         </a:p>
                       </a:txBody>
                       <a:tcPr marL="9525" marR="9525" marT="9525" marB="0" anchor="ctr">
@@ -14907,51 +16468,60 @@
                         <a:bodyPr/>
                         <a:lstStyle/>
                         <a:p>
-                          <a:pPr algn="ctr" fontAlgn="ctr"/>
-                          <a:r>
-                            <a:rPr lang="en-US" altLang="ko-KR" sz="1200" b="0" i="0" u="none" strike="noStrike" dirty="0">
-                              <a:solidFill>
-                                <a:srgbClr val="000000"/>
-                              </a:solidFill>
-                              <a:effectLst/>
-                              <a:latin typeface="Times New Roman" panose="02020603050405020304" pitchFamily="18" charset="0"/>
-                              <a:cs typeface="Times New Roman" panose="02020603050405020304" pitchFamily="18" charset="0"/>
+                          <a:pPr algn="ctr" fontAlgn="ctr" latinLnBrk="1">
+                            <a:lnSpc>
+                              <a:spcPct val="107000"/>
+                            </a:lnSpc>
+                            <a:spcAft>
+                              <a:spcPts val="0"/>
+                            </a:spcAft>
+                          </a:pPr>
+                          <a:r>
+                            <a:rPr lang="en-US" sz="1200" kern="1200">
+                              <a:solidFill>
+                                <a:srgbClr val="000000"/>
+                              </a:solidFill>
+                              <a:effectLst/>
+                              <a:latin typeface="Times New Roman"/>
+                              <a:ea typeface="굴림"/>
+                              <a:cs typeface="Times New Roman"/>
                             </a:rPr>
                             <a:t>0.1239 </a:t>
                           </a:r>
-                          <a:endParaRPr lang="en-US" altLang="ko-KR" sz="1200" b="0" i="0" u="none" strike="noStrike" dirty="0" smtClean="0">
-                            <a:solidFill>
-                              <a:srgbClr val="000000"/>
-                            </a:solidFill>
-                            <a:effectLst/>
-                            <a:latin typeface="Times New Roman" panose="02020603050405020304" pitchFamily="18" charset="0"/>
-                            <a:cs typeface="Times New Roman" panose="02020603050405020304" pitchFamily="18" charset="0"/>
-                          </a:endParaRPr>
-                        </a:p>
-                        <a:p>
-                          <a:pPr algn="ctr" fontAlgn="ctr"/>
-                          <a:r>
-                            <a:rPr lang="en-US" altLang="ko-KR" sz="1200" b="0" i="0" u="none" strike="noStrike" dirty="0" smtClean="0">
-                              <a:solidFill>
-                                <a:srgbClr val="000000"/>
-                              </a:solidFill>
-                              <a:effectLst/>
-                              <a:latin typeface="Times New Roman" panose="02020603050405020304" pitchFamily="18" charset="0"/>
-                              <a:cs typeface="Times New Roman" panose="02020603050405020304" pitchFamily="18" charset="0"/>
-                            </a:rPr>
-                            <a:t>(</a:t>
-                          </a:r>
-                          <a:r>
-                            <a:rPr lang="en-US" altLang="ko-KR" sz="1200" b="0" i="0" u="none" strike="noStrike" dirty="0">
-                              <a:solidFill>
-                                <a:srgbClr val="000000"/>
-                              </a:solidFill>
-                              <a:effectLst/>
-                              <a:latin typeface="Times New Roman" panose="02020603050405020304" pitchFamily="18" charset="0"/>
-                              <a:cs typeface="Times New Roman" panose="02020603050405020304" pitchFamily="18" charset="0"/>
-                            </a:rPr>
-                            <a:t>0.0153)</a:t>
-                          </a:r>
+                          <a:endParaRPr lang="ko-KR" sz="1000" kern="100">
+                            <a:effectLst/>
+                            <a:latin typeface="맑은 고딕"/>
+                            <a:ea typeface="맑은 고딕"/>
+                            <a:cs typeface="Times New Roman"/>
+                          </a:endParaRPr>
+                        </a:p>
+                        <a:p>
+                          <a:pPr algn="ctr" fontAlgn="ctr" latinLnBrk="1">
+                            <a:lnSpc>
+                              <a:spcPct val="107000"/>
+                            </a:lnSpc>
+                            <a:spcAft>
+                              <a:spcPts val="0"/>
+                            </a:spcAft>
+                          </a:pPr>
+                          <a:r>
+                            <a:rPr lang="en-US" sz="1200" kern="1200">
+                              <a:solidFill>
+                                <a:srgbClr val="000000"/>
+                              </a:solidFill>
+                              <a:effectLst/>
+                              <a:latin typeface="Times New Roman"/>
+                              <a:ea typeface="굴림"/>
+                              <a:cs typeface="Times New Roman"/>
+                            </a:rPr>
+                            <a:t>(0.0153)</a:t>
+                          </a:r>
+                          <a:endParaRPr lang="ko-KR" sz="1000" kern="100">
+                            <a:effectLst/>
+                            <a:latin typeface="맑은 고딕"/>
+                            <a:ea typeface="맑은 고딕"/>
+                            <a:cs typeface="Times New Roman"/>
+                          </a:endParaRPr>
                         </a:p>
                       </a:txBody>
                       <a:tcPr marL="9525" marR="9525" marT="9525" marB="0" anchor="ctr">
@@ -14984,51 +16554,60 @@
                         <a:bodyPr/>
                         <a:lstStyle/>
                         <a:p>
-                          <a:pPr algn="ctr" fontAlgn="ctr"/>
-                          <a:r>
-                            <a:rPr lang="en-US" altLang="ko-KR" sz="1200" b="0" i="0" u="none" strike="noStrike" dirty="0">
-                              <a:solidFill>
-                                <a:srgbClr val="000000"/>
-                              </a:solidFill>
-                              <a:effectLst/>
-                              <a:latin typeface="Times New Roman" panose="02020603050405020304" pitchFamily="18" charset="0"/>
-                              <a:cs typeface="Times New Roman" panose="02020603050405020304" pitchFamily="18" charset="0"/>
+                          <a:pPr algn="ctr" fontAlgn="ctr" latinLnBrk="1">
+                            <a:lnSpc>
+                              <a:spcPct val="107000"/>
+                            </a:lnSpc>
+                            <a:spcAft>
+                              <a:spcPts val="0"/>
+                            </a:spcAft>
+                          </a:pPr>
+                          <a:r>
+                            <a:rPr lang="en-US" sz="1200" kern="1200">
+                              <a:solidFill>
+                                <a:srgbClr val="000000"/>
+                              </a:solidFill>
+                              <a:effectLst/>
+                              <a:latin typeface="Times New Roman"/>
+                              <a:ea typeface="굴림"/>
+                              <a:cs typeface="Times New Roman"/>
                             </a:rPr>
                             <a:t>0.1692 </a:t>
                           </a:r>
-                          <a:endParaRPr lang="en-US" altLang="ko-KR" sz="1200" b="0" i="0" u="none" strike="noStrike" dirty="0" smtClean="0">
-                            <a:solidFill>
-                              <a:srgbClr val="000000"/>
-                            </a:solidFill>
-                            <a:effectLst/>
-                            <a:latin typeface="Times New Roman" panose="02020603050405020304" pitchFamily="18" charset="0"/>
-                            <a:cs typeface="Times New Roman" panose="02020603050405020304" pitchFamily="18" charset="0"/>
-                          </a:endParaRPr>
-                        </a:p>
-                        <a:p>
-                          <a:pPr algn="ctr" fontAlgn="ctr"/>
-                          <a:r>
-                            <a:rPr lang="en-US" altLang="ko-KR" sz="1200" b="0" i="0" u="none" strike="noStrike" dirty="0" smtClean="0">
-                              <a:solidFill>
-                                <a:srgbClr val="000000"/>
-                              </a:solidFill>
-                              <a:effectLst/>
-                              <a:latin typeface="Times New Roman" panose="02020603050405020304" pitchFamily="18" charset="0"/>
-                              <a:cs typeface="Times New Roman" panose="02020603050405020304" pitchFamily="18" charset="0"/>
-                            </a:rPr>
-                            <a:t>(</a:t>
-                          </a:r>
-                          <a:r>
-                            <a:rPr lang="en-US" altLang="ko-KR" sz="1200" b="0" i="0" u="none" strike="noStrike" dirty="0">
-                              <a:solidFill>
-                                <a:srgbClr val="000000"/>
-                              </a:solidFill>
-                              <a:effectLst/>
-                              <a:latin typeface="Times New Roman" panose="02020603050405020304" pitchFamily="18" charset="0"/>
-                              <a:cs typeface="Times New Roman" panose="02020603050405020304" pitchFamily="18" charset="0"/>
-                            </a:rPr>
-                            <a:t>0.0407)</a:t>
-                          </a:r>
+                          <a:endParaRPr lang="ko-KR" sz="1000" kern="100">
+                            <a:effectLst/>
+                            <a:latin typeface="맑은 고딕"/>
+                            <a:ea typeface="맑은 고딕"/>
+                            <a:cs typeface="Times New Roman"/>
+                          </a:endParaRPr>
+                        </a:p>
+                        <a:p>
+                          <a:pPr algn="ctr" fontAlgn="ctr" latinLnBrk="1">
+                            <a:lnSpc>
+                              <a:spcPct val="107000"/>
+                            </a:lnSpc>
+                            <a:spcAft>
+                              <a:spcPts val="0"/>
+                            </a:spcAft>
+                          </a:pPr>
+                          <a:r>
+                            <a:rPr lang="en-US" sz="1200" kern="1200">
+                              <a:solidFill>
+                                <a:srgbClr val="000000"/>
+                              </a:solidFill>
+                              <a:effectLst/>
+                              <a:latin typeface="Times New Roman"/>
+                              <a:ea typeface="굴림"/>
+                              <a:cs typeface="Times New Roman"/>
+                            </a:rPr>
+                            <a:t>(0.0407)</a:t>
+                          </a:r>
+                          <a:endParaRPr lang="ko-KR" sz="1000" kern="100">
+                            <a:effectLst/>
+                            <a:latin typeface="맑은 고딕"/>
+                            <a:ea typeface="맑은 고딕"/>
+                            <a:cs typeface="Times New Roman"/>
+                          </a:endParaRPr>
                         </a:p>
                       </a:txBody>
                       <a:tcPr marL="9525" marR="9525" marT="9525" marB="0" anchor="ctr">
@@ -15090,7 +16669,7 @@
                         <a:blipFill rotWithShape="1">
                           <a:blip r:embed="rId2"/>
                           <a:stretch>
-                            <a:fillRect l="-409231" t="-601408" b="-314085"/>
+                            <a:fillRect l="-409231" t="-601408" b="-315493"/>
                           </a:stretch>
                         </a:blipFill>
                       </a:tcPr>
@@ -15208,18 +16787,60 @@
                         <a:bodyPr/>
                         <a:lstStyle/>
                         <a:p>
-                          <a:pPr algn="ctr" fontAlgn="ctr"/>
-                          <a:r>
-                            <a:rPr lang="en-US" altLang="ko-KR" sz="1200" b="0" i="0" u="none" strike="noStrike" dirty="0">
-                              <a:solidFill>
-                                <a:srgbClr val="000000"/>
-                              </a:solidFill>
-                              <a:effectLst/>
-                              <a:latin typeface="Times New Roman" panose="02020603050405020304" pitchFamily="18" charset="0"/>
-                              <a:cs typeface="Times New Roman" panose="02020603050405020304" pitchFamily="18" charset="0"/>
-                            </a:rPr>
-                            <a:t>0.1355 (0.0192)</a:t>
-                          </a:r>
+                          <a:pPr algn="ctr" fontAlgn="ctr" latinLnBrk="1">
+                            <a:lnSpc>
+                              <a:spcPct val="107000"/>
+                            </a:lnSpc>
+                            <a:spcAft>
+                              <a:spcPts val="0"/>
+                            </a:spcAft>
+                          </a:pPr>
+                          <a:r>
+                            <a:rPr lang="en-US" sz="1200" kern="1200">
+                              <a:solidFill>
+                                <a:srgbClr val="000000"/>
+                              </a:solidFill>
+                              <a:effectLst/>
+                              <a:latin typeface="Times New Roman"/>
+                              <a:ea typeface="굴림"/>
+                              <a:cs typeface="Times New Roman"/>
+                            </a:rPr>
+                            <a:t>0.1358 </a:t>
+                          </a:r>
+                          <a:endParaRPr lang="ko-KR" sz="1000" kern="100">
+                            <a:effectLst/>
+                            <a:latin typeface="맑은 고딕"/>
+                            <a:ea typeface="맑은 고딕"/>
+                            <a:cs typeface="Times New Roman"/>
+                          </a:endParaRPr>
+                        </a:p>
+                        <a:p>
+                          <a:pPr algn="ctr" fontAlgn="ctr" latinLnBrk="1">
+                            <a:lnSpc>
+                              <a:spcPct val="107000"/>
+                            </a:lnSpc>
+                            <a:spcAft>
+                              <a:spcPts val="0"/>
+                            </a:spcAft>
+                          </a:pPr>
+                          <a:r>
+                            <a:rPr lang="en-US" sz="1200" kern="1200">
+                              <a:solidFill>
+                                <a:srgbClr val="000000"/>
+                              </a:solidFill>
+                              <a:effectLst/>
+                              <a:latin typeface="Times New Roman"/>
+                              <a:ea typeface="굴림"/>
+                              <a:cs typeface="Times New Roman"/>
+                            </a:rPr>
+                            <a:t>(0.0189)</a:t>
+                          </a:r>
+                          <a:endParaRPr lang="ko-KR" sz="1000" kern="100">
+                            <a:effectLst/>
+                            <a:latin typeface="맑은 고딕"/>
+                            <a:ea typeface="맑은 고딕"/>
+                            <a:cs typeface="Times New Roman"/>
+                          </a:endParaRPr>
                         </a:p>
                       </a:txBody>
                       <a:tcPr marL="9525" marR="9525" marT="9525" marB="0" anchor="ctr">
@@ -15252,18 +16873,60 @@
                         <a:bodyPr/>
                         <a:lstStyle/>
                         <a:p>
-                          <a:pPr algn="ctr" fontAlgn="ctr"/>
-                          <a:r>
-                            <a:rPr lang="en-US" altLang="ko-KR" sz="1200" b="0" i="0" u="none" strike="noStrike">
-                              <a:solidFill>
-                                <a:srgbClr val="000000"/>
-                              </a:solidFill>
-                              <a:effectLst/>
-                              <a:latin typeface="Times New Roman" panose="02020603050405020304" pitchFamily="18" charset="0"/>
-                              <a:cs typeface="Times New Roman" panose="02020603050405020304" pitchFamily="18" charset="0"/>
-                            </a:rPr>
-                            <a:t>0.4014 (0.0444)</a:t>
-                          </a:r>
+                          <a:pPr algn="ctr" fontAlgn="ctr" latinLnBrk="1">
+                            <a:lnSpc>
+                              <a:spcPct val="107000"/>
+                            </a:lnSpc>
+                            <a:spcAft>
+                              <a:spcPts val="0"/>
+                            </a:spcAft>
+                          </a:pPr>
+                          <a:r>
+                            <a:rPr lang="en-US" sz="1200" kern="1200">
+                              <a:solidFill>
+                                <a:srgbClr val="000000"/>
+                              </a:solidFill>
+                              <a:effectLst/>
+                              <a:latin typeface="Times New Roman"/>
+                              <a:ea typeface="굴림"/>
+                              <a:cs typeface="Times New Roman"/>
+                            </a:rPr>
+                            <a:t>0.4004 </a:t>
+                          </a:r>
+                          <a:endParaRPr lang="ko-KR" sz="1000" kern="100">
+                            <a:effectLst/>
+                            <a:latin typeface="맑은 고딕"/>
+                            <a:ea typeface="맑은 고딕"/>
+                            <a:cs typeface="Times New Roman"/>
+                          </a:endParaRPr>
+                        </a:p>
+                        <a:p>
+                          <a:pPr algn="ctr" fontAlgn="ctr" latinLnBrk="1">
+                            <a:lnSpc>
+                              <a:spcPct val="107000"/>
+                            </a:lnSpc>
+                            <a:spcAft>
+                              <a:spcPts val="0"/>
+                            </a:spcAft>
+                          </a:pPr>
+                          <a:r>
+                            <a:rPr lang="en-US" sz="1200" kern="1200">
+                              <a:solidFill>
+                                <a:srgbClr val="000000"/>
+                              </a:solidFill>
+                              <a:effectLst/>
+                              <a:latin typeface="Times New Roman"/>
+                              <a:ea typeface="굴림"/>
+                              <a:cs typeface="Times New Roman"/>
+                            </a:rPr>
+                            <a:t>(0.0449)</a:t>
+                          </a:r>
+                          <a:endParaRPr lang="ko-KR" sz="1000" kern="100">
+                            <a:effectLst/>
+                            <a:latin typeface="맑은 고딕"/>
+                            <a:ea typeface="맑은 고딕"/>
+                            <a:cs typeface="Times New Roman"/>
+                          </a:endParaRPr>
                         </a:p>
                       </a:txBody>
                       <a:tcPr marL="9525" marR="9525" marT="9525" marB="0" anchor="ctr">
@@ -15444,18 +17107,60 @@
                         <a:bodyPr/>
                         <a:lstStyle/>
                         <a:p>
-                          <a:pPr algn="ctr" fontAlgn="ctr"/>
-                          <a:r>
-                            <a:rPr lang="en-US" altLang="ko-KR" sz="1200" b="0" i="0" u="none" strike="noStrike">
-                              <a:solidFill>
-                                <a:srgbClr val="000000"/>
-                              </a:solidFill>
-                              <a:effectLst/>
-                              <a:latin typeface="Times New Roman" panose="02020603050405020304" pitchFamily="18" charset="0"/>
-                              <a:cs typeface="Times New Roman" panose="02020603050405020304" pitchFamily="18" charset="0"/>
-                            </a:rPr>
-                            <a:t>0.1168 (0.0144)</a:t>
-                          </a:r>
+                          <a:pPr algn="ctr" fontAlgn="ctr" latinLnBrk="1">
+                            <a:lnSpc>
+                              <a:spcPct val="107000"/>
+                            </a:lnSpc>
+                            <a:spcAft>
+                              <a:spcPts val="0"/>
+                            </a:spcAft>
+                          </a:pPr>
+                          <a:r>
+                            <a:rPr lang="en-US" sz="1200" kern="1200">
+                              <a:solidFill>
+                                <a:srgbClr val="000000"/>
+                              </a:solidFill>
+                              <a:effectLst/>
+                              <a:latin typeface="Times New Roman"/>
+                              <a:ea typeface="굴림"/>
+                              <a:cs typeface="Times New Roman"/>
+                            </a:rPr>
+                            <a:t>0.1167 </a:t>
+                          </a:r>
+                          <a:endParaRPr lang="ko-KR" sz="1000" kern="100">
+                            <a:effectLst/>
+                            <a:latin typeface="맑은 고딕"/>
+                            <a:ea typeface="맑은 고딕"/>
+                            <a:cs typeface="Times New Roman"/>
+                          </a:endParaRPr>
+                        </a:p>
+                        <a:p>
+                          <a:pPr algn="ctr" fontAlgn="ctr" latinLnBrk="1">
+                            <a:lnSpc>
+                              <a:spcPct val="107000"/>
+                            </a:lnSpc>
+                            <a:spcAft>
+                              <a:spcPts val="0"/>
+                            </a:spcAft>
+                          </a:pPr>
+                          <a:r>
+                            <a:rPr lang="en-US" sz="1200" kern="1200">
+                              <a:solidFill>
+                                <a:srgbClr val="000000"/>
+                              </a:solidFill>
+                              <a:effectLst/>
+                              <a:latin typeface="Times New Roman"/>
+                              <a:ea typeface="굴림"/>
+                              <a:cs typeface="Times New Roman"/>
+                            </a:rPr>
+                            <a:t>(0.0144)</a:t>
+                          </a:r>
+                          <a:endParaRPr lang="ko-KR" sz="1000" kern="100">
+                            <a:effectLst/>
+                            <a:latin typeface="맑은 고딕"/>
+                            <a:ea typeface="맑은 고딕"/>
+                            <a:cs typeface="Times New Roman"/>
+                          </a:endParaRPr>
                         </a:p>
                       </a:txBody>
                       <a:tcPr marL="9525" marR="9525" marT="9525" marB="0" anchor="ctr">
@@ -15486,18 +17191,60 @@
                         <a:bodyPr/>
                         <a:lstStyle/>
                         <a:p>
-                          <a:pPr algn="ctr" fontAlgn="ctr"/>
-                          <a:r>
-                            <a:rPr lang="en-US" altLang="ko-KR" sz="1200" b="0" i="0" u="none" strike="noStrike" dirty="0">
-                              <a:solidFill>
-                                <a:srgbClr val="000000"/>
-                              </a:solidFill>
-                              <a:effectLst/>
-                              <a:latin typeface="Times New Roman" panose="02020603050405020304" pitchFamily="18" charset="0"/>
-                              <a:cs typeface="Times New Roman" panose="02020603050405020304" pitchFamily="18" charset="0"/>
-                            </a:rPr>
-                            <a:t>0.3866 (0.0341)</a:t>
-                          </a:r>
+                          <a:pPr algn="ctr" fontAlgn="ctr" latinLnBrk="1">
+                            <a:lnSpc>
+                              <a:spcPct val="107000"/>
+                            </a:lnSpc>
+                            <a:spcAft>
+                              <a:spcPts val="0"/>
+                            </a:spcAft>
+                          </a:pPr>
+                          <a:r>
+                            <a:rPr lang="en-US" sz="1200" kern="1200">
+                              <a:solidFill>
+                                <a:srgbClr val="000000"/>
+                              </a:solidFill>
+                              <a:effectLst/>
+                              <a:latin typeface="Times New Roman"/>
+                              <a:ea typeface="굴림"/>
+                              <a:cs typeface="Times New Roman"/>
+                            </a:rPr>
+                            <a:t>0.3868 </a:t>
+                          </a:r>
+                          <a:endParaRPr lang="ko-KR" sz="1000" kern="100">
+                            <a:effectLst/>
+                            <a:latin typeface="맑은 고딕"/>
+                            <a:ea typeface="맑은 고딕"/>
+                            <a:cs typeface="Times New Roman"/>
+                          </a:endParaRPr>
+                        </a:p>
+                        <a:p>
+                          <a:pPr algn="ctr" fontAlgn="ctr" latinLnBrk="1">
+                            <a:lnSpc>
+                              <a:spcPct val="107000"/>
+                            </a:lnSpc>
+                            <a:spcAft>
+                              <a:spcPts val="0"/>
+                            </a:spcAft>
+                          </a:pPr>
+                          <a:r>
+                            <a:rPr lang="en-US" sz="1200" kern="1200">
+                              <a:solidFill>
+                                <a:srgbClr val="000000"/>
+                              </a:solidFill>
+                              <a:effectLst/>
+                              <a:latin typeface="Times New Roman"/>
+                              <a:ea typeface="굴림"/>
+                              <a:cs typeface="Times New Roman"/>
+                            </a:rPr>
+                            <a:t>(0.0339)</a:t>
+                          </a:r>
+                          <a:endParaRPr lang="ko-KR" sz="1000" kern="100">
+                            <a:effectLst/>
+                            <a:latin typeface="맑은 고딕"/>
+                            <a:ea typeface="맑은 고딕"/>
+                            <a:cs typeface="Times New Roman"/>
+                          </a:endParaRPr>
                         </a:p>
                       </a:txBody>
                       <a:tcPr marL="9525" marR="9525" marT="9525" marB="0" anchor="ctr">
@@ -15676,47 +17423,59 @@
                         <a:bodyPr/>
                         <a:lstStyle/>
                         <a:p>
-                          <a:pPr algn="ctr" fontAlgn="ctr"/>
-                          <a:r>
-                            <a:rPr lang="en-US" altLang="ko-KR" sz="1200" b="0" i="0" u="none" strike="noStrike" dirty="0">
-                              <a:solidFill>
-                                <a:srgbClr val="000000"/>
-                              </a:solidFill>
-                              <a:effectLst/>
-                              <a:latin typeface="Times New Roman" panose="02020603050405020304" pitchFamily="18" charset="0"/>
-                              <a:cs typeface="Times New Roman" panose="02020603050405020304" pitchFamily="18" charset="0"/>
+                          <a:pPr algn="ctr" fontAlgn="ctr" latinLnBrk="1">
+                            <a:lnSpc>
+                              <a:spcPct val="107000"/>
+                            </a:lnSpc>
+                            <a:spcAft>
+                              <a:spcPts val="0"/>
+                            </a:spcAft>
+                          </a:pPr>
+                          <a:r>
+                            <a:rPr lang="en-US" sz="1200" kern="1200">
+                              <a:solidFill>
+                                <a:srgbClr val="000000"/>
+                              </a:solidFill>
+                              <a:effectLst/>
+                              <a:latin typeface="Times New Roman"/>
+                              <a:ea typeface="굴림"/>
+                              <a:cs typeface="Times New Roman"/>
                             </a:rPr>
                             <a:t>0.1186 </a:t>
                           </a:r>
-                          <a:endParaRPr lang="en-US" altLang="ko-KR" sz="1200" b="0" i="0" u="none" strike="noStrike" dirty="0" smtClean="0">
-                            <a:solidFill>
-                              <a:srgbClr val="000000"/>
-                            </a:solidFill>
-                            <a:effectLst/>
-                            <a:latin typeface="Times New Roman" panose="02020603050405020304" pitchFamily="18" charset="0"/>
-                            <a:cs typeface="Times New Roman" panose="02020603050405020304" pitchFamily="18" charset="0"/>
-                          </a:endParaRPr>
-                        </a:p>
-                        <a:p>
-                          <a:pPr algn="ctr" fontAlgn="ctr"/>
-                          <a:r>
-                            <a:rPr lang="en-US" altLang="ko-KR" sz="1200" b="0" i="0" u="none" strike="noStrike" dirty="0" smtClean="0">
-                              <a:solidFill>
-                                <a:srgbClr val="000000"/>
-                              </a:solidFill>
-                              <a:effectLst/>
-                              <a:latin typeface="Times New Roman" panose="02020603050405020304" pitchFamily="18" charset="0"/>
-                              <a:cs typeface="Times New Roman" panose="02020603050405020304" pitchFamily="18" charset="0"/>
+                          <a:endParaRPr lang="ko-KR" sz="1000" kern="100">
+                            <a:effectLst/>
+                            <a:latin typeface="맑은 고딕"/>
+                            <a:ea typeface="맑은 고딕"/>
+                            <a:cs typeface="Times New Roman"/>
+                          </a:endParaRPr>
+                        </a:p>
+                        <a:p>
+                          <a:pPr algn="ctr" fontAlgn="ctr" latinLnBrk="1">
+                            <a:lnSpc>
+                              <a:spcPct val="107000"/>
+                            </a:lnSpc>
+                            <a:spcAft>
+                              <a:spcPts val="0"/>
+                            </a:spcAft>
+                          </a:pPr>
+                          <a:r>
+                            <a:rPr lang="en-US" sz="1200" kern="1200">
+                              <a:solidFill>
+                                <a:srgbClr val="000000"/>
+                              </a:solidFill>
+                              <a:effectLst/>
+                              <a:latin typeface="Times New Roman"/>
+                              <a:ea typeface="굴림"/>
+                              <a:cs typeface="Times New Roman"/>
                             </a:rPr>
                             <a:t>(0.0150)</a:t>
                           </a:r>
-                          <a:endParaRPr lang="en-US" altLang="ko-KR" sz="1200" b="0" i="0" u="none" strike="noStrike" dirty="0">
-                            <a:solidFill>
-                              <a:srgbClr val="000000"/>
-                            </a:solidFill>
-                            <a:effectLst/>
-                            <a:latin typeface="Times New Roman" panose="02020603050405020304" pitchFamily="18" charset="0"/>
-                            <a:cs typeface="Times New Roman" panose="02020603050405020304" pitchFamily="18" charset="0"/>
+                          <a:endParaRPr lang="ko-KR" sz="1000" kern="100">
+                            <a:effectLst/>
+                            <a:latin typeface="맑은 고딕"/>
+                            <a:ea typeface="맑은 고딕"/>
+                            <a:cs typeface="Times New Roman"/>
                           </a:endParaRPr>
                         </a:p>
                       </a:txBody>
@@ -15750,43 +17509,60 @@
                         <a:bodyPr/>
                         <a:lstStyle/>
                         <a:p>
-                          <a:pPr algn="ctr" fontAlgn="ctr"/>
-                          <a:r>
-                            <a:rPr lang="en-US" altLang="ko-KR" sz="1200" b="0" i="0" u="none" strike="noStrike" dirty="0" smtClean="0">
-                              <a:solidFill>
-                                <a:srgbClr val="000000"/>
-                              </a:solidFill>
-                              <a:effectLst/>
-                              <a:latin typeface="Times New Roman" panose="02020603050405020304" pitchFamily="18" charset="0"/>
-                              <a:cs typeface="Times New Roman" panose="02020603050405020304" pitchFamily="18" charset="0"/>
+                          <a:pPr algn="ctr" fontAlgn="ctr" latinLnBrk="1">
+                            <a:lnSpc>
+                              <a:spcPct val="107000"/>
+                            </a:lnSpc>
+                            <a:spcAft>
+                              <a:spcPts val="0"/>
+                            </a:spcAft>
+                          </a:pPr>
+                          <a:r>
+                            <a:rPr lang="en-US" sz="1200" kern="1200" dirty="0">
+                              <a:solidFill>
+                                <a:srgbClr val="000000"/>
+                              </a:solidFill>
+                              <a:effectLst/>
+                              <a:latin typeface="Times New Roman"/>
+                              <a:ea typeface="굴림"/>
+                              <a:cs typeface="Times New Roman"/>
                             </a:rPr>
                             <a:t>0.4090 </a:t>
                           </a:r>
-                        </a:p>
-                        <a:p>
-                          <a:pPr algn="ctr" fontAlgn="ctr"/>
-                          <a:r>
-                            <a:rPr lang="en-US" altLang="ko-KR" sz="1200" b="0" i="0" u="none" strike="noStrike" dirty="0" smtClean="0">
-                              <a:solidFill>
-                                <a:srgbClr val="000000"/>
-                              </a:solidFill>
-                              <a:effectLst/>
-                              <a:latin typeface="Times New Roman" panose="02020603050405020304" pitchFamily="18" charset="0"/>
-                              <a:cs typeface="Times New Roman" panose="02020603050405020304" pitchFamily="18" charset="0"/>
-                            </a:rPr>
-                            <a:t>(</a:t>
-                          </a:r>
-                          <a:r>
-                            <a:rPr lang="en-US" altLang="ko-KR" sz="1200" b="0" i="0" u="none" strike="noStrike" dirty="0">
-                              <a:solidFill>
-                                <a:srgbClr val="000000"/>
-                              </a:solidFill>
-                              <a:effectLst/>
-                              <a:latin typeface="Times New Roman" panose="02020603050405020304" pitchFamily="18" charset="0"/>
-                              <a:cs typeface="Times New Roman" panose="02020603050405020304" pitchFamily="18" charset="0"/>
-                            </a:rPr>
-                            <a:t>0.0444)</a:t>
-                          </a:r>
+                          <a:endParaRPr lang="ko-KR" sz="1000" kern="100" dirty="0">
+                            <a:effectLst/>
+                            <a:latin typeface="맑은 고딕"/>
+                            <a:ea typeface="맑은 고딕"/>
+                            <a:cs typeface="Times New Roman"/>
+                          </a:endParaRPr>
+                        </a:p>
+                        <a:p>
+                          <a:pPr algn="ctr" fontAlgn="ctr" latinLnBrk="1">
+                            <a:lnSpc>
+                              <a:spcPct val="107000"/>
+                            </a:lnSpc>
+                            <a:spcAft>
+                              <a:spcPts val="0"/>
+                            </a:spcAft>
+                          </a:pPr>
+                          <a:r>
+                            <a:rPr lang="en-US" sz="1200" kern="1200" dirty="0">
+                              <a:solidFill>
+                                <a:srgbClr val="000000"/>
+                              </a:solidFill>
+                              <a:effectLst/>
+                              <a:latin typeface="Times New Roman"/>
+                              <a:ea typeface="굴림"/>
+                              <a:cs typeface="Times New Roman"/>
+                            </a:rPr>
+                            <a:t>(0.0444)</a:t>
+                          </a:r>
+                          <a:endParaRPr lang="ko-KR" sz="1000" kern="100" dirty="0">
+                            <a:effectLst/>
+                            <a:latin typeface="맑은 고딕"/>
+                            <a:ea typeface="맑은 고딕"/>
+                            <a:cs typeface="Times New Roman"/>
+                          </a:endParaRPr>
                         </a:p>
                       </a:txBody>
                       <a:tcPr marL="9525" marR="9525" marT="9525" marB="0" anchor="ctr">

--- a/LTM_heritability/figure and table/figure and table.pptx
+++ b/LTM_heritability/figure and table/figure and table.pptx
@@ -12,6 +12,8 @@
     <p:sldId id="261" r:id="rId6"/>
     <p:sldId id="262" r:id="rId7"/>
     <p:sldId id="264" r:id="rId8"/>
+    <p:sldId id="265" r:id="rId9"/>
+    <p:sldId id="266" r:id="rId10"/>
   </p:sldIdLst>
   <p:sldSz cx="9144000" cy="6858000" type="screen4x3"/>
   <p:notesSz cx="6858000" cy="9144000"/>
@@ -294,7 +296,7 @@
           <a:p>
             <a:fld id="{30EB425C-D22F-41CB-B2D3-779BC67161A1}" type="datetimeFigureOut">
               <a:rPr lang="ko-KR" altLang="en-US" smtClean="0"/>
-              <a:t>2018-11-27</a:t>
+              <a:t>2018-12-10</a:t>
             </a:fld>
             <a:endParaRPr lang="ko-KR" altLang="en-US"/>
           </a:p>
@@ -464,7 +466,7 @@
           <a:p>
             <a:fld id="{30EB425C-D22F-41CB-B2D3-779BC67161A1}" type="datetimeFigureOut">
               <a:rPr lang="ko-KR" altLang="en-US" smtClean="0"/>
-              <a:t>2018-11-27</a:t>
+              <a:t>2018-12-10</a:t>
             </a:fld>
             <a:endParaRPr lang="ko-KR" altLang="en-US"/>
           </a:p>
@@ -644,7 +646,7 @@
           <a:p>
             <a:fld id="{30EB425C-D22F-41CB-B2D3-779BC67161A1}" type="datetimeFigureOut">
               <a:rPr lang="ko-KR" altLang="en-US" smtClean="0"/>
-              <a:t>2018-11-27</a:t>
+              <a:t>2018-12-10</a:t>
             </a:fld>
             <a:endParaRPr lang="ko-KR" altLang="en-US"/>
           </a:p>
@@ -814,7 +816,7 @@
           <a:p>
             <a:fld id="{30EB425C-D22F-41CB-B2D3-779BC67161A1}" type="datetimeFigureOut">
               <a:rPr lang="ko-KR" altLang="en-US" smtClean="0"/>
-              <a:t>2018-11-27</a:t>
+              <a:t>2018-12-10</a:t>
             </a:fld>
             <a:endParaRPr lang="ko-KR" altLang="en-US"/>
           </a:p>
@@ -1060,7 +1062,7 @@
           <a:p>
             <a:fld id="{30EB425C-D22F-41CB-B2D3-779BC67161A1}" type="datetimeFigureOut">
               <a:rPr lang="ko-KR" altLang="en-US" smtClean="0"/>
-              <a:t>2018-11-27</a:t>
+              <a:t>2018-12-10</a:t>
             </a:fld>
             <a:endParaRPr lang="ko-KR" altLang="en-US"/>
           </a:p>
@@ -1348,7 +1350,7 @@
           <a:p>
             <a:fld id="{30EB425C-D22F-41CB-B2D3-779BC67161A1}" type="datetimeFigureOut">
               <a:rPr lang="ko-KR" altLang="en-US" smtClean="0"/>
-              <a:t>2018-11-27</a:t>
+              <a:t>2018-12-10</a:t>
             </a:fld>
             <a:endParaRPr lang="ko-KR" altLang="en-US"/>
           </a:p>
@@ -1770,7 +1772,7 @@
           <a:p>
             <a:fld id="{30EB425C-D22F-41CB-B2D3-779BC67161A1}" type="datetimeFigureOut">
               <a:rPr lang="ko-KR" altLang="en-US" smtClean="0"/>
-              <a:t>2018-11-27</a:t>
+              <a:t>2018-12-10</a:t>
             </a:fld>
             <a:endParaRPr lang="ko-KR" altLang="en-US"/>
           </a:p>
@@ -1888,7 +1890,7 @@
           <a:p>
             <a:fld id="{30EB425C-D22F-41CB-B2D3-779BC67161A1}" type="datetimeFigureOut">
               <a:rPr lang="ko-KR" altLang="en-US" smtClean="0"/>
-              <a:t>2018-11-27</a:t>
+              <a:t>2018-12-10</a:t>
             </a:fld>
             <a:endParaRPr lang="ko-KR" altLang="en-US"/>
           </a:p>
@@ -1983,7 +1985,7 @@
           <a:p>
             <a:fld id="{30EB425C-D22F-41CB-B2D3-779BC67161A1}" type="datetimeFigureOut">
               <a:rPr lang="ko-KR" altLang="en-US" smtClean="0"/>
-              <a:t>2018-11-27</a:t>
+              <a:t>2018-12-10</a:t>
             </a:fld>
             <a:endParaRPr lang="ko-KR" altLang="en-US"/>
           </a:p>
@@ -2260,7 +2262,7 @@
           <a:p>
             <a:fld id="{30EB425C-D22F-41CB-B2D3-779BC67161A1}" type="datetimeFigureOut">
               <a:rPr lang="ko-KR" altLang="en-US" smtClean="0"/>
-              <a:t>2018-11-27</a:t>
+              <a:t>2018-12-10</a:t>
             </a:fld>
             <a:endParaRPr lang="ko-KR" altLang="en-US"/>
           </a:p>
@@ -2513,7 +2515,7 @@
           <a:p>
             <a:fld id="{30EB425C-D22F-41CB-B2D3-779BC67161A1}" type="datetimeFigureOut">
               <a:rPr lang="ko-KR" altLang="en-US" smtClean="0"/>
-              <a:t>2018-11-27</a:t>
+              <a:t>2018-12-10</a:t>
             </a:fld>
             <a:endParaRPr lang="ko-KR" altLang="en-US"/>
           </a:p>
@@ -2726,7 +2728,7 @@
           <a:p>
             <a:fld id="{30EB425C-D22F-41CB-B2D3-779BC67161A1}" type="datetimeFigureOut">
               <a:rPr lang="ko-KR" altLang="en-US" smtClean="0"/>
-              <a:t>2018-11-27</a:t>
+              <a:t>2018-12-10</a:t>
             </a:fld>
             <a:endParaRPr lang="ko-KR" altLang="en-US"/>
           </a:p>
@@ -30100,6 +30102,2220 @@
 </p:sld>
 </file>
 
+<file path=ppt/slides/slide8.xml><?xml version="1.0" encoding="utf-8"?>
+<p:sld xmlns:a="http://schemas.openxmlformats.org/drawingml/2006/main" xmlns:r="http://schemas.openxmlformats.org/officeDocument/2006/relationships" xmlns:p="http://schemas.openxmlformats.org/presentationml/2006/main">
+  <p:cSld>
+    <p:spTree>
+      <p:nvGrpSpPr>
+        <p:cNvPr id="1" name=""/>
+        <p:cNvGrpSpPr/>
+        <p:nvPr/>
+      </p:nvGrpSpPr>
+      <p:grpSpPr>
+        <a:xfrm>
+          <a:off x="0" y="0"/>
+          <a:ext cx="0" cy="0"/>
+          <a:chOff x="0" y="0"/>
+          <a:chExt cx="0" cy="0"/>
+        </a:xfrm>
+      </p:grpSpPr>
+      <p:grpSp>
+        <p:nvGrpSpPr>
+          <p:cNvPr id="4" name="그룹 3"/>
+          <p:cNvGrpSpPr/>
+          <p:nvPr/>
+        </p:nvGrpSpPr>
+        <p:grpSpPr>
+          <a:xfrm>
+            <a:off x="1765291" y="-2233023"/>
+            <a:ext cx="9000000" cy="8388200"/>
+            <a:chOff x="1765291" y="-2233023"/>
+            <a:chExt cx="9000000" cy="8388200"/>
+          </a:xfrm>
+        </p:grpSpPr>
+        <p:grpSp>
+          <p:nvGrpSpPr>
+            <p:cNvPr id="5" name="그룹 4"/>
+            <p:cNvGrpSpPr/>
+            <p:nvPr/>
+          </p:nvGrpSpPr>
+          <p:grpSpPr>
+            <a:xfrm>
+              <a:off x="1765291" y="1655177"/>
+              <a:ext cx="9000000" cy="4500000"/>
+              <a:chOff x="1765291" y="1655177"/>
+              <a:chExt cx="9000000" cy="4500000"/>
+            </a:xfrm>
+          </p:grpSpPr>
+          <p:pic>
+            <p:nvPicPr>
+              <p:cNvPr id="8" name="그림 7"/>
+              <p:cNvPicPr>
+                <a:picLocks noChangeAspect="1"/>
+              </p:cNvPicPr>
+              <p:nvPr/>
+            </p:nvPicPr>
+            <p:blipFill>
+              <a:blip r:embed="rId2">
+                <a:extLst>
+                  <a:ext uri="{28A0092B-C50C-407E-A947-70E740481C1C}">
+                    <a14:useLocalDpi xmlns:a14="http://schemas.microsoft.com/office/drawing/2010/main" val="0"/>
+                  </a:ext>
+                </a:extLst>
+              </a:blip>
+              <a:stretch>
+                <a:fillRect/>
+              </a:stretch>
+            </p:blipFill>
+            <p:spPr>
+              <a:xfrm>
+                <a:off x="1765291" y="1655177"/>
+                <a:ext cx="9000000" cy="4500000"/>
+              </a:xfrm>
+              <a:prstGeom prst="rect">
+                <a:avLst/>
+              </a:prstGeom>
+            </p:spPr>
+          </p:pic>
+          <p:sp>
+            <p:nvSpPr>
+              <p:cNvPr id="9" name="TextBox 8"/>
+              <p:cNvSpPr txBox="1"/>
+              <p:nvPr/>
+            </p:nvSpPr>
+            <p:spPr>
+              <a:xfrm>
+                <a:off x="1943100" y="2086977"/>
+                <a:ext cx="378630" cy="338554"/>
+              </a:xfrm>
+              <a:prstGeom prst="rect">
+                <a:avLst/>
+              </a:prstGeom>
+              <a:noFill/>
+            </p:spPr>
+            <p:txBody>
+              <a:bodyPr wrap="none" rtlCol="0">
+                <a:spAutoFit/>
+              </a:bodyPr>
+              <a:lstStyle/>
+              <a:p>
+                <a:r>
+                  <a:rPr lang="en-US" altLang="ko-KR" sz="1600" b="1" dirty="0" smtClean="0">
+                    <a:latin typeface="Arial" panose="020B0604020202020204" pitchFamily="34" charset="0"/>
+                    <a:cs typeface="Arial" panose="020B0604020202020204" pitchFamily="34" charset="0"/>
+                  </a:rPr>
+                  <a:t>b)</a:t>
+                </a:r>
+                <a:endParaRPr lang="ko-KR" altLang="en-US" sz="1600" b="1" dirty="0">
+                  <a:latin typeface="Arial" panose="020B0604020202020204" pitchFamily="34" charset="0"/>
+                  <a:cs typeface="Arial" panose="020B0604020202020204" pitchFamily="34" charset="0"/>
+                </a:endParaRPr>
+              </a:p>
+            </p:txBody>
+          </p:sp>
+        </p:grpSp>
+        <p:pic>
+          <p:nvPicPr>
+            <p:cNvPr id="6" name="그림 5"/>
+            <p:cNvPicPr>
+              <a:picLocks noChangeAspect="1"/>
+            </p:cNvPicPr>
+            <p:nvPr/>
+          </p:nvPicPr>
+          <p:blipFill>
+            <a:blip r:embed="rId3">
+              <a:extLst>
+                <a:ext uri="{28A0092B-C50C-407E-A947-70E740481C1C}">
+                  <a14:useLocalDpi xmlns:a14="http://schemas.microsoft.com/office/drawing/2010/main" val="0"/>
+                </a:ext>
+              </a:extLst>
+            </a:blip>
+            <a:stretch>
+              <a:fillRect/>
+            </a:stretch>
+          </p:blipFill>
+          <p:spPr>
+            <a:xfrm>
+              <a:off x="1765291" y="-2233023"/>
+              <a:ext cx="4320000" cy="4320000"/>
+            </a:xfrm>
+            <a:prstGeom prst="rect">
+              <a:avLst/>
+            </a:prstGeom>
+          </p:spPr>
+        </p:pic>
+        <p:sp>
+          <p:nvSpPr>
+            <p:cNvPr id="7" name="TextBox 6"/>
+            <p:cNvSpPr txBox="1"/>
+            <p:nvPr/>
+          </p:nvSpPr>
+          <p:spPr>
+            <a:xfrm>
+              <a:off x="1943100" y="-2063746"/>
+              <a:ext cx="367408" cy="338554"/>
+            </a:xfrm>
+            <a:prstGeom prst="rect">
+              <a:avLst/>
+            </a:prstGeom>
+            <a:noFill/>
+          </p:spPr>
+          <p:txBody>
+            <a:bodyPr wrap="none" rtlCol="0">
+              <a:spAutoFit/>
+            </a:bodyPr>
+            <a:lstStyle/>
+            <a:p>
+              <a:r>
+                <a:rPr lang="en-US" altLang="ko-KR" sz="1600" b="1" dirty="0" smtClean="0">
+                  <a:latin typeface="Arial" panose="020B0604020202020204" pitchFamily="34" charset="0"/>
+                  <a:cs typeface="Arial" panose="020B0604020202020204" pitchFamily="34" charset="0"/>
+                </a:rPr>
+                <a:t>a)</a:t>
+              </a:r>
+              <a:endParaRPr lang="ko-KR" altLang="en-US" sz="1600" b="1" dirty="0">
+                <a:latin typeface="Arial" panose="020B0604020202020204" pitchFamily="34" charset="0"/>
+                <a:cs typeface="Arial" panose="020B0604020202020204" pitchFamily="34" charset="0"/>
+              </a:endParaRPr>
+            </a:p>
+          </p:txBody>
+        </p:sp>
+      </p:grpSp>
+    </p:spTree>
+    <p:extLst>
+      <p:ext uri="{BB962C8B-B14F-4D97-AF65-F5344CB8AC3E}">
+        <p14:creationId xmlns:p14="http://schemas.microsoft.com/office/powerpoint/2010/main" val="3463309733"/>
+      </p:ext>
+    </p:extLst>
+  </p:cSld>
+  <p:clrMapOvr>
+    <a:masterClrMapping/>
+  </p:clrMapOvr>
+</p:sld>
+</file>
+
+<file path=ppt/slides/slide9.xml><?xml version="1.0" encoding="utf-8"?>
+<p:sld xmlns:a="http://schemas.openxmlformats.org/drawingml/2006/main" xmlns:r="http://schemas.openxmlformats.org/officeDocument/2006/relationships" xmlns:p="http://schemas.openxmlformats.org/presentationml/2006/main">
+  <p:cSld>
+    <p:spTree>
+      <p:nvGrpSpPr>
+        <p:cNvPr id="1" name=""/>
+        <p:cNvGrpSpPr/>
+        <p:nvPr/>
+      </p:nvGrpSpPr>
+      <p:grpSpPr>
+        <a:xfrm>
+          <a:off x="0" y="0"/>
+          <a:ext cx="0" cy="0"/>
+          <a:chOff x="0" y="0"/>
+          <a:chExt cx="0" cy="0"/>
+        </a:xfrm>
+      </p:grpSpPr>
+      <mc:AlternateContent xmlns:mc="http://schemas.openxmlformats.org/markup-compatibility/2006">
+        <mc:Choice xmlns:a14="http://schemas.microsoft.com/office/drawing/2010/main" Requires="a14">
+          <p:graphicFrame>
+            <p:nvGraphicFramePr>
+              <p:cNvPr id="4" name="표 3"/>
+              <p:cNvGraphicFramePr>
+                <a:graphicFrameLocks noGrp="1"/>
+              </p:cNvGraphicFramePr>
+              <p:nvPr>
+                <p:extLst>
+                  <p:ext uri="{D42A27DB-BD31-4B8C-83A1-F6EECF244321}">
+                    <p14:modId xmlns:p14="http://schemas.microsoft.com/office/powerpoint/2010/main" val="4169036450"/>
+                  </p:ext>
+                </p:extLst>
+              </p:nvPr>
+            </p:nvGraphicFramePr>
+            <p:xfrm>
+              <a:off x="2267744" y="1628800"/>
+              <a:ext cx="4068000" cy="838200"/>
+            </p:xfrm>
+            <a:graphic>
+              <a:graphicData uri="http://schemas.openxmlformats.org/drawingml/2006/table">
+                <a:tbl>
+                  <a:tblPr/>
+                  <a:tblGrid>
+                    <a:gridCol w="540000"/>
+                    <a:gridCol w="864000"/>
+                    <a:gridCol w="864000"/>
+                    <a:gridCol w="900000"/>
+                    <a:gridCol w="900000"/>
+                  </a:tblGrid>
+                  <a:tr h="209550">
+                    <a:tc rowSpan="2">
+                      <a:txBody>
+                        <a:bodyPr/>
+                        <a:lstStyle/>
+                        <a:p>
+                          <a:pPr algn="ctr" fontAlgn="ctr"/>
+                          <a:r>
+                            <a:rPr lang="en-US" altLang="ko-KR" sz="1200" b="0" i="0" u="none" strike="noStrike" dirty="0" smtClean="0">
+                              <a:solidFill>
+                                <a:srgbClr val="000000"/>
+                              </a:solidFill>
+                              <a:effectLst/>
+                              <a:latin typeface="Times New Roman" panose="02020603050405020304" pitchFamily="18" charset="0"/>
+                              <a:cs typeface="Times New Roman" panose="02020603050405020304" pitchFamily="18" charset="0"/>
+                            </a:rPr>
+                            <a:t>CHR</a:t>
+                          </a:r>
+                          <a:endParaRPr lang="en-US" sz="1200" b="0" i="0" u="none" strike="noStrike" dirty="0">
+                            <a:solidFill>
+                              <a:srgbClr val="000000"/>
+                            </a:solidFill>
+                            <a:effectLst/>
+                            <a:latin typeface="Times New Roman" panose="02020603050405020304" pitchFamily="18" charset="0"/>
+                            <a:cs typeface="Times New Roman" panose="02020603050405020304" pitchFamily="18" charset="0"/>
+                          </a:endParaRPr>
+                        </a:p>
+                      </a:txBody>
+                      <a:tcPr marL="9525" marR="9525" marT="9525" marB="0" anchor="ctr">
+                        <a:lnL>
+                          <a:noFill/>
+                        </a:lnL>
+                        <a:lnR>
+                          <a:noFill/>
+                        </a:lnR>
+                        <a:lnT w="28575" cap="flat" cmpd="sng" algn="ctr">
+                          <a:solidFill>
+                            <a:schemeClr val="tx1"/>
+                          </a:solidFill>
+                          <a:prstDash val="solid"/>
+                          <a:round/>
+                          <a:headEnd type="none" w="med" len="med"/>
+                          <a:tailEnd type="none" w="med" len="med"/>
+                        </a:lnT>
+                        <a:lnB w="12700" cap="flat" cmpd="sng" algn="ctr">
+                          <a:solidFill>
+                            <a:schemeClr val="tx1"/>
+                          </a:solidFill>
+                          <a:prstDash val="solid"/>
+                          <a:round/>
+                          <a:headEnd type="none" w="med" len="med"/>
+                          <a:tailEnd type="none" w="med" len="med"/>
+                        </a:lnB>
+                      </a:tcPr>
+                    </a:tc>
+                    <a:tc rowSpan="2">
+                      <a:txBody>
+                        <a:bodyPr/>
+                        <a:lstStyle/>
+                        <a:p>
+                          <a:pPr algn="ctr" fontAlgn="ctr"/>
+                          <a:r>
+                            <a:rPr lang="en-US" sz="1200" b="0" i="0" u="none" strike="noStrike" dirty="0" smtClean="0">
+                              <a:solidFill>
+                                <a:srgbClr val="000000"/>
+                              </a:solidFill>
+                              <a:effectLst/>
+                              <a:latin typeface="Times New Roman" panose="02020603050405020304" pitchFamily="18" charset="0"/>
+                              <a:cs typeface="Times New Roman" panose="02020603050405020304" pitchFamily="18" charset="0"/>
+                            </a:rPr>
+                            <a:t>SNP</a:t>
+                          </a:r>
+                          <a:endParaRPr lang="en-US" sz="1200" b="0" i="0" u="none" strike="noStrike" dirty="0">
+                            <a:solidFill>
+                              <a:srgbClr val="000000"/>
+                            </a:solidFill>
+                            <a:effectLst/>
+                            <a:latin typeface="Times New Roman" panose="02020603050405020304" pitchFamily="18" charset="0"/>
+                            <a:cs typeface="Times New Roman" panose="02020603050405020304" pitchFamily="18" charset="0"/>
+                          </a:endParaRPr>
+                        </a:p>
+                      </a:txBody>
+                      <a:tcPr marL="9525" marR="9525" marT="9525" marB="0" anchor="ctr">
+                        <a:lnL>
+                          <a:noFill/>
+                        </a:lnL>
+                        <a:lnR>
+                          <a:noFill/>
+                        </a:lnR>
+                        <a:lnT w="28575" cap="flat" cmpd="sng" algn="ctr">
+                          <a:solidFill>
+                            <a:schemeClr val="tx1"/>
+                          </a:solidFill>
+                          <a:prstDash val="solid"/>
+                          <a:round/>
+                          <a:headEnd type="none" w="med" len="med"/>
+                          <a:tailEnd type="none" w="med" len="med"/>
+                        </a:lnT>
+                        <a:lnB w="12700" cap="flat" cmpd="sng" algn="ctr">
+                          <a:solidFill>
+                            <a:schemeClr val="tx1"/>
+                          </a:solidFill>
+                          <a:prstDash val="solid"/>
+                          <a:round/>
+                          <a:headEnd type="none" w="med" len="med"/>
+                          <a:tailEnd type="none" w="med" len="med"/>
+                        </a:lnB>
+                      </a:tcPr>
+                    </a:tc>
+                    <a:tc rowSpan="2">
+                      <a:txBody>
+                        <a:bodyPr/>
+                        <a:lstStyle/>
+                        <a:p>
+                          <a:pPr algn="ctr" fontAlgn="ctr"/>
+                          <a:r>
+                            <a:rPr lang="en-US" sz="1200" b="0" i="0" u="none" strike="noStrike" dirty="0" smtClean="0">
+                              <a:solidFill>
+                                <a:srgbClr val="000000"/>
+                              </a:solidFill>
+                              <a:effectLst/>
+                              <a:latin typeface="Times New Roman" panose="02020603050405020304" pitchFamily="18" charset="0"/>
+                              <a:cs typeface="Times New Roman" panose="02020603050405020304" pitchFamily="18" charset="0"/>
+                            </a:rPr>
+                            <a:t>Position</a:t>
+                          </a:r>
+                          <a:endParaRPr lang="en-US" sz="1200" b="0" i="0" u="none" strike="noStrike" dirty="0">
+                            <a:solidFill>
+                              <a:srgbClr val="000000"/>
+                            </a:solidFill>
+                            <a:effectLst/>
+                            <a:latin typeface="Times New Roman" panose="02020603050405020304" pitchFamily="18" charset="0"/>
+                            <a:cs typeface="Times New Roman" panose="02020603050405020304" pitchFamily="18" charset="0"/>
+                          </a:endParaRPr>
+                        </a:p>
+                      </a:txBody>
+                      <a:tcPr marL="9525" marR="9525" marT="9525" marB="0" anchor="ctr">
+                        <a:lnL>
+                          <a:noFill/>
+                        </a:lnL>
+                        <a:lnR>
+                          <a:noFill/>
+                        </a:lnR>
+                        <a:lnT w="28575" cap="flat" cmpd="sng" algn="ctr">
+                          <a:solidFill>
+                            <a:schemeClr val="tx1"/>
+                          </a:solidFill>
+                          <a:prstDash val="solid"/>
+                          <a:round/>
+                          <a:headEnd type="none" w="med" len="med"/>
+                          <a:tailEnd type="none" w="med" len="med"/>
+                        </a:lnT>
+                        <a:lnB w="12700" cap="flat" cmpd="sng" algn="ctr">
+                          <a:solidFill>
+                            <a:schemeClr val="tx1"/>
+                          </a:solidFill>
+                          <a:prstDash val="solid"/>
+                          <a:round/>
+                          <a:headEnd type="none" w="med" len="med"/>
+                          <a:tailEnd type="none" w="med" len="med"/>
+                        </a:lnB>
+                      </a:tcPr>
+                    </a:tc>
+                    <a:tc gridSpan="2">
+                      <a:txBody>
+                        <a:bodyPr/>
+                        <a:lstStyle/>
+                        <a:p>
+                          <a:pPr algn="ctr" fontAlgn="ctr"/>
+                          <a:r>
+                            <a:rPr lang="en-US" sz="1200" b="0" i="0" u="none" strike="noStrike" dirty="0" smtClean="0">
+                              <a:solidFill>
+                                <a:srgbClr val="000000"/>
+                              </a:solidFill>
+                              <a:effectLst/>
+                              <a:latin typeface="Times New Roman" panose="02020603050405020304" pitchFamily="18" charset="0"/>
+                              <a:cs typeface="Times New Roman" panose="02020603050405020304" pitchFamily="18" charset="0"/>
+                            </a:rPr>
+                            <a:t>P-value</a:t>
+                          </a:r>
+                          <a:endParaRPr lang="en-US" sz="1200" b="0" i="0" u="none" strike="noStrike" dirty="0">
+                            <a:solidFill>
+                              <a:srgbClr val="000000"/>
+                            </a:solidFill>
+                            <a:effectLst/>
+                            <a:latin typeface="Times New Roman" panose="02020603050405020304" pitchFamily="18" charset="0"/>
+                            <a:cs typeface="Times New Roman" panose="02020603050405020304" pitchFamily="18" charset="0"/>
+                          </a:endParaRPr>
+                        </a:p>
+                      </a:txBody>
+                      <a:tcPr marL="9525" marR="9525" marT="9525" marB="0" anchor="ctr">
+                        <a:lnL>
+                          <a:noFill/>
+                        </a:lnL>
+                        <a:lnR>
+                          <a:noFill/>
+                        </a:lnR>
+                        <a:lnT w="28575" cap="flat" cmpd="sng" algn="ctr">
+                          <a:solidFill>
+                            <a:schemeClr val="tx1"/>
+                          </a:solidFill>
+                          <a:prstDash val="solid"/>
+                          <a:round/>
+                          <a:headEnd type="none" w="med" len="med"/>
+                          <a:tailEnd type="none" w="med" len="med"/>
+                        </a:lnT>
+                        <a:lnB w="12700" cap="flat" cmpd="sng" algn="ctr">
+                          <a:solidFill>
+                            <a:schemeClr val="tx1"/>
+                          </a:solidFill>
+                          <a:prstDash val="solid"/>
+                          <a:round/>
+                          <a:headEnd type="none" w="med" len="med"/>
+                          <a:tailEnd type="none" w="med" len="med"/>
+                        </a:lnB>
+                      </a:tcPr>
+                    </a:tc>
+                    <a:tc hMerge="1">
+                      <a:txBody>
+                        <a:bodyPr/>
+                        <a:lstStyle/>
+                        <a:p>
+                          <a:pPr algn="l" fontAlgn="ctr"/>
+                          <a:endParaRPr lang="en-US" sz="1100" b="0" i="0" u="none" strike="noStrike" dirty="0">
+                            <a:solidFill>
+                              <a:srgbClr val="000000"/>
+                            </a:solidFill>
+                            <a:effectLst/>
+                            <a:latin typeface="맑은 고딕"/>
+                          </a:endParaRPr>
+                        </a:p>
+                      </a:txBody>
+                      <a:tcPr marL="9525" marR="9525" marT="9525" marB="0" anchor="ctr">
+                        <a:lnL>
+                          <a:noFill/>
+                        </a:lnL>
+                        <a:lnR>
+                          <a:noFill/>
+                        </a:lnR>
+                        <a:lnT>
+                          <a:noFill/>
+                        </a:lnT>
+                        <a:lnB>
+                          <a:noFill/>
+                        </a:lnB>
+                      </a:tcPr>
+                    </a:tc>
+                  </a:tr>
+                  <a:tr h="209550">
+                    <a:tc vMerge="1">
+                      <a:txBody>
+                        <a:bodyPr/>
+                        <a:lstStyle/>
+                        <a:p>
+                          <a:pPr algn="l" fontAlgn="ctr"/>
+                          <a:endParaRPr lang="en-US" sz="1100" b="0" i="0" u="none" strike="noStrike" dirty="0">
+                            <a:solidFill>
+                              <a:srgbClr val="000000"/>
+                            </a:solidFill>
+                            <a:effectLst/>
+                            <a:latin typeface="맑은 고딕"/>
+                          </a:endParaRPr>
+                        </a:p>
+                      </a:txBody>
+                      <a:tcPr marL="9525" marR="9525" marT="9525" marB="0" anchor="ctr">
+                        <a:lnL>
+                          <a:noFill/>
+                        </a:lnL>
+                        <a:lnR>
+                          <a:noFill/>
+                        </a:lnR>
+                        <a:lnT>
+                          <a:noFill/>
+                        </a:lnT>
+                        <a:lnB>
+                          <a:noFill/>
+                        </a:lnB>
+                      </a:tcPr>
+                    </a:tc>
+                    <a:tc vMerge="1">
+                      <a:txBody>
+                        <a:bodyPr/>
+                        <a:lstStyle/>
+                        <a:p>
+                          <a:pPr latinLnBrk="1"/>
+                          <a:endParaRPr lang="ko-KR" altLang="en-US"/>
+                        </a:p>
+                      </a:txBody>
+                      <a:tcPr/>
+                    </a:tc>
+                    <a:tc vMerge="1">
+                      <a:txBody>
+                        <a:bodyPr/>
+                        <a:lstStyle/>
+                        <a:p>
+                          <a:pPr latinLnBrk="1"/>
+                          <a:endParaRPr lang="ko-KR" altLang="en-US"/>
+                        </a:p>
+                      </a:txBody>
+                      <a:tcPr/>
+                    </a:tc>
+                    <a:tc>
+                      <a:txBody>
+                        <a:bodyPr/>
+                        <a:lstStyle/>
+                        <a:p>
+                          <a:pPr algn="ctr" fontAlgn="ctr"/>
+                          <a:r>
+                            <a:rPr lang="en-US" sz="1200" b="0" i="0" u="none" strike="noStrike" dirty="0" smtClean="0">
+                              <a:solidFill>
+                                <a:srgbClr val="000000"/>
+                              </a:solidFill>
+                              <a:effectLst/>
+                              <a:latin typeface="Times New Roman" panose="02020603050405020304" pitchFamily="18" charset="0"/>
+                              <a:cs typeface="Times New Roman" panose="02020603050405020304" pitchFamily="18" charset="0"/>
+                            </a:rPr>
+                            <a:t>CLR</a:t>
+                          </a:r>
+                          <a:endParaRPr lang="en-US" sz="1200" b="0" i="0" u="none" strike="noStrike" dirty="0">
+                            <a:solidFill>
+                              <a:srgbClr val="000000"/>
+                            </a:solidFill>
+                            <a:effectLst/>
+                            <a:latin typeface="Times New Roman" panose="02020603050405020304" pitchFamily="18" charset="0"/>
+                            <a:cs typeface="Times New Roman" panose="02020603050405020304" pitchFamily="18" charset="0"/>
+                          </a:endParaRPr>
+                        </a:p>
+                      </a:txBody>
+                      <a:tcPr marL="9525" marR="9525" marT="9525" marB="0" anchor="ctr">
+                        <a:lnL>
+                          <a:noFill/>
+                        </a:lnL>
+                        <a:lnR>
+                          <a:noFill/>
+                        </a:lnR>
+                        <a:lnT w="12700" cap="flat" cmpd="sng" algn="ctr">
+                          <a:solidFill>
+                            <a:schemeClr val="tx1"/>
+                          </a:solidFill>
+                          <a:prstDash val="solid"/>
+                          <a:round/>
+                          <a:headEnd type="none" w="med" len="med"/>
+                          <a:tailEnd type="none" w="med" len="med"/>
+                        </a:lnT>
+                        <a:lnB w="12700" cap="flat" cmpd="sng" algn="ctr">
+                          <a:solidFill>
+                            <a:schemeClr val="tx1"/>
+                          </a:solidFill>
+                          <a:prstDash val="solid"/>
+                          <a:round/>
+                          <a:headEnd type="none" w="med" len="med"/>
+                          <a:tailEnd type="none" w="med" len="med"/>
+                        </a:lnB>
+                      </a:tcPr>
+                    </a:tc>
+                    <a:tc>
+                      <a:txBody>
+                        <a:bodyPr/>
+                        <a:lstStyle/>
+                        <a:p>
+                          <a:pPr algn="ctr" fontAlgn="ctr"/>
+                          <a:r>
+                            <a:rPr lang="en-US" sz="1200" b="0" i="0" u="none" strike="noStrike" dirty="0" smtClean="0">
+                              <a:solidFill>
+                                <a:srgbClr val="000000"/>
+                              </a:solidFill>
+                              <a:effectLst/>
+                              <a:latin typeface="Times New Roman" panose="02020603050405020304" pitchFamily="18" charset="0"/>
+                              <a:cs typeface="Times New Roman" panose="02020603050405020304" pitchFamily="18" charset="0"/>
+                            </a:rPr>
+                            <a:t>CEST</a:t>
+                          </a:r>
+                          <a:endParaRPr lang="en-US" sz="1200" b="0" i="0" u="none" strike="noStrike" dirty="0">
+                            <a:solidFill>
+                              <a:srgbClr val="000000"/>
+                            </a:solidFill>
+                            <a:effectLst/>
+                            <a:latin typeface="Times New Roman" panose="02020603050405020304" pitchFamily="18" charset="0"/>
+                            <a:cs typeface="Times New Roman" panose="02020603050405020304" pitchFamily="18" charset="0"/>
+                          </a:endParaRPr>
+                        </a:p>
+                      </a:txBody>
+                      <a:tcPr marL="9525" marR="9525" marT="9525" marB="0" anchor="ctr">
+                        <a:lnL>
+                          <a:noFill/>
+                        </a:lnL>
+                        <a:lnR>
+                          <a:noFill/>
+                        </a:lnR>
+                        <a:lnT w="12700" cap="flat" cmpd="sng" algn="ctr">
+                          <a:solidFill>
+                            <a:schemeClr val="tx1"/>
+                          </a:solidFill>
+                          <a:prstDash val="solid"/>
+                          <a:round/>
+                          <a:headEnd type="none" w="med" len="med"/>
+                          <a:tailEnd type="none" w="med" len="med"/>
+                        </a:lnT>
+                        <a:lnB w="12700" cap="flat" cmpd="sng" algn="ctr">
+                          <a:solidFill>
+                            <a:schemeClr val="tx1"/>
+                          </a:solidFill>
+                          <a:prstDash val="solid"/>
+                          <a:round/>
+                          <a:headEnd type="none" w="med" len="med"/>
+                          <a:tailEnd type="none" w="med" len="med"/>
+                        </a:lnB>
+                      </a:tcPr>
+                    </a:tc>
+                  </a:tr>
+                  <a:tr h="209550">
+                    <a:tc>
+                      <a:txBody>
+                        <a:bodyPr/>
+                        <a:lstStyle/>
+                        <a:p>
+                          <a:pPr algn="ctr" fontAlgn="ctr"/>
+                          <a:r>
+                            <a:rPr lang="en-US" altLang="ko-KR" sz="1200" b="0" i="0" u="none" strike="noStrike" dirty="0" smtClean="0">
+                              <a:solidFill>
+                                <a:srgbClr val="000000"/>
+                              </a:solidFill>
+                              <a:effectLst/>
+                              <a:latin typeface="Times New Roman" panose="02020603050405020304" pitchFamily="18" charset="0"/>
+                              <a:cs typeface="Times New Roman" panose="02020603050405020304" pitchFamily="18" charset="0"/>
+                            </a:rPr>
+                            <a:t>15</a:t>
+                          </a:r>
+                          <a:endParaRPr lang="en-US" altLang="ko-KR" sz="1200" b="0" i="0" u="none" strike="noStrike" dirty="0">
+                            <a:solidFill>
+                              <a:srgbClr val="000000"/>
+                            </a:solidFill>
+                            <a:effectLst/>
+                            <a:latin typeface="Times New Roman" panose="02020603050405020304" pitchFamily="18" charset="0"/>
+                            <a:cs typeface="Times New Roman" panose="02020603050405020304" pitchFamily="18" charset="0"/>
+                          </a:endParaRPr>
+                        </a:p>
+                      </a:txBody>
+                      <a:tcPr marL="9525" marR="9525" marT="9525" marB="0" anchor="ctr">
+                        <a:lnL>
+                          <a:noFill/>
+                        </a:lnL>
+                        <a:lnR>
+                          <a:noFill/>
+                        </a:lnR>
+                        <a:lnT w="12700" cap="flat" cmpd="sng" algn="ctr">
+                          <a:solidFill>
+                            <a:schemeClr val="tx1"/>
+                          </a:solidFill>
+                          <a:prstDash val="solid"/>
+                          <a:round/>
+                          <a:headEnd type="none" w="med" len="med"/>
+                          <a:tailEnd type="none" w="med" len="med"/>
+                        </a:lnT>
+                        <a:lnB>
+                          <a:noFill/>
+                        </a:lnB>
+                      </a:tcPr>
+                    </a:tc>
+                    <a:tc>
+                      <a:txBody>
+                        <a:bodyPr/>
+                        <a:lstStyle/>
+                        <a:p>
+                          <a:pPr algn="ctr" fontAlgn="ctr"/>
+                          <a:r>
+                            <a:rPr lang="en-US" altLang="ko-KR" sz="1200" b="0" i="0" u="none" strike="noStrike" dirty="0" smtClean="0">
+                              <a:solidFill>
+                                <a:srgbClr val="000000"/>
+                              </a:solidFill>
+                              <a:effectLst/>
+                              <a:latin typeface="Times New Roman" panose="02020603050405020304" pitchFamily="18" charset="0"/>
+                              <a:cs typeface="Times New Roman" panose="02020603050405020304" pitchFamily="18" charset="0"/>
+                            </a:rPr>
+                            <a:t>rs4544201</a:t>
+                          </a:r>
+                          <a:endParaRPr lang="en-US" altLang="ko-KR" sz="1200" b="0" i="0" u="none" strike="noStrike" dirty="0">
+                            <a:solidFill>
+                              <a:srgbClr val="000000"/>
+                            </a:solidFill>
+                            <a:effectLst/>
+                            <a:latin typeface="Times New Roman" panose="02020603050405020304" pitchFamily="18" charset="0"/>
+                            <a:cs typeface="Times New Roman" panose="02020603050405020304" pitchFamily="18" charset="0"/>
+                          </a:endParaRPr>
+                        </a:p>
+                      </a:txBody>
+                      <a:tcPr marL="9525" marR="9525" marT="9525" marB="0" anchor="ctr">
+                        <a:lnL>
+                          <a:noFill/>
+                        </a:lnL>
+                        <a:lnR>
+                          <a:noFill/>
+                        </a:lnR>
+                        <a:lnT w="12700" cap="flat" cmpd="sng" algn="ctr">
+                          <a:solidFill>
+                            <a:schemeClr val="tx1"/>
+                          </a:solidFill>
+                          <a:prstDash val="solid"/>
+                          <a:round/>
+                          <a:headEnd type="none" w="med" len="med"/>
+                          <a:tailEnd type="none" w="med" len="med"/>
+                        </a:lnT>
+                        <a:lnB>
+                          <a:noFill/>
+                        </a:lnB>
+                      </a:tcPr>
+                    </a:tc>
+                    <a:tc>
+                      <a:txBody>
+                        <a:bodyPr/>
+                        <a:lstStyle/>
+                        <a:p>
+                          <a:pPr algn="ctr" fontAlgn="ctr"/>
+                          <a:r>
+                            <a:rPr lang="en-US" altLang="ko-KR" sz="1200" b="0" i="0" u="none" strike="noStrike" dirty="0" smtClean="0">
+                              <a:solidFill>
+                                <a:srgbClr val="000000"/>
+                              </a:solidFill>
+                              <a:effectLst/>
+                              <a:latin typeface="Times New Roman" panose="02020603050405020304" pitchFamily="18" charset="0"/>
+                              <a:cs typeface="Times New Roman" panose="02020603050405020304" pitchFamily="18" charset="0"/>
+                            </a:rPr>
+                            <a:t>96167827</a:t>
+                          </a:r>
+                          <a:endParaRPr lang="en-US" altLang="ko-KR" sz="1200" b="0" i="0" u="none" strike="noStrike" dirty="0">
+                            <a:solidFill>
+                              <a:srgbClr val="000000"/>
+                            </a:solidFill>
+                            <a:effectLst/>
+                            <a:latin typeface="Times New Roman" panose="02020603050405020304" pitchFamily="18" charset="0"/>
+                            <a:cs typeface="Times New Roman" panose="02020603050405020304" pitchFamily="18" charset="0"/>
+                          </a:endParaRPr>
+                        </a:p>
+                      </a:txBody>
+                      <a:tcPr marL="9525" marR="9525" marT="9525" marB="0" anchor="ctr">
+                        <a:lnL>
+                          <a:noFill/>
+                        </a:lnL>
+                        <a:lnR>
+                          <a:noFill/>
+                        </a:lnR>
+                        <a:lnT w="12700" cap="flat" cmpd="sng" algn="ctr">
+                          <a:solidFill>
+                            <a:schemeClr val="tx1"/>
+                          </a:solidFill>
+                          <a:prstDash val="solid"/>
+                          <a:round/>
+                          <a:headEnd type="none" w="med" len="med"/>
+                          <a:tailEnd type="none" w="med" len="med"/>
+                        </a:lnT>
+                        <a:lnB>
+                          <a:noFill/>
+                        </a:lnB>
+                      </a:tcPr>
+                    </a:tc>
+                    <a:tc>
+                      <a:txBody>
+                        <a:bodyPr/>
+                        <a:lstStyle/>
+                        <a:p>
+                          <a:pPr algn="ctr" fontAlgn="ctr"/>
+                          <a:r>
+                            <a:rPr lang="en-US" altLang="ko-KR" sz="1200" kern="100" dirty="0" smtClean="0">
+                              <a:solidFill>
+                                <a:srgbClr val="000000"/>
+                              </a:solidFill>
+                              <a:effectLst/>
+                              <a:latin typeface="Times New Roman" panose="02020603050405020304" pitchFamily="18" charset="0"/>
+                              <a:ea typeface="굴림"/>
+                              <a:cs typeface="Times New Roman" panose="02020603050405020304" pitchFamily="18" charset="0"/>
+                            </a:rPr>
+                            <a:t>8.51</a:t>
+                          </a:r>
+                          <a14:m>
+                            <m:oMath xmlns:m="http://schemas.openxmlformats.org/officeDocument/2006/math">
+                              <m:r>
+                                <a:rPr lang="en-US" altLang="ko-KR" sz="1200" kern="100">
+                                  <a:solidFill>
+                                    <a:srgbClr val="000000"/>
+                                  </a:solidFill>
+                                  <a:effectLst/>
+                                  <a:latin typeface="Cambria Math"/>
+                                  <a:ea typeface="굴림"/>
+                                </a:rPr>
+                                <m:t>×</m:t>
+                              </m:r>
+                            </m:oMath>
+                          </a14:m>
+                          <a:r>
+                            <a:rPr lang="en-US" altLang="ko-KR" sz="1200" kern="100" dirty="0">
+                              <a:solidFill>
+                                <a:srgbClr val="000000"/>
+                              </a:solidFill>
+                              <a:effectLst/>
+                              <a:latin typeface="Times New Roman" panose="02020603050405020304" pitchFamily="18" charset="0"/>
+                              <a:ea typeface="굴림"/>
+                              <a:cs typeface="Times New Roman" panose="02020603050405020304" pitchFamily="18" charset="0"/>
+                            </a:rPr>
+                            <a:t>10</a:t>
+                          </a:r>
+                          <a:r>
+                            <a:rPr lang="en-US" altLang="ko-KR" sz="1200" kern="100" baseline="30000" dirty="0">
+                              <a:solidFill>
+                                <a:srgbClr val="000000"/>
+                              </a:solidFill>
+                              <a:effectLst/>
+                              <a:latin typeface="Times New Roman" panose="02020603050405020304" pitchFamily="18" charset="0"/>
+                              <a:ea typeface="굴림"/>
+                              <a:cs typeface="Times New Roman" panose="02020603050405020304" pitchFamily="18" charset="0"/>
+                            </a:rPr>
+                            <a:t>-10</a:t>
+                          </a:r>
+                          <a:endParaRPr lang="en-US" altLang="ko-KR" sz="1200" b="0" i="0" u="none" strike="noStrike" dirty="0">
+                            <a:solidFill>
+                              <a:srgbClr val="000000"/>
+                            </a:solidFill>
+                            <a:effectLst/>
+                            <a:latin typeface="Times New Roman" panose="02020603050405020304" pitchFamily="18" charset="0"/>
+                            <a:cs typeface="Times New Roman" panose="02020603050405020304" pitchFamily="18" charset="0"/>
+                          </a:endParaRPr>
+                        </a:p>
+                      </a:txBody>
+                      <a:tcPr marL="9525" marR="9525" marT="9525" marB="0" anchor="ctr">
+                        <a:lnL>
+                          <a:noFill/>
+                        </a:lnL>
+                        <a:lnR>
+                          <a:noFill/>
+                        </a:lnR>
+                        <a:lnT w="12700" cap="flat" cmpd="sng" algn="ctr">
+                          <a:solidFill>
+                            <a:schemeClr val="tx1"/>
+                          </a:solidFill>
+                          <a:prstDash val="solid"/>
+                          <a:round/>
+                          <a:headEnd type="none" w="med" len="med"/>
+                          <a:tailEnd type="none" w="med" len="med"/>
+                        </a:lnT>
+                        <a:lnB>
+                          <a:noFill/>
+                        </a:lnB>
+                      </a:tcPr>
+                    </a:tc>
+                    <a:tc>
+                      <a:txBody>
+                        <a:bodyPr/>
+                        <a:lstStyle/>
+                        <a:p>
+                          <a:pPr algn="ctr" fontAlgn="ctr"/>
+                          <a:r>
+                            <a:rPr lang="en-US" altLang="ko-KR" sz="1200" kern="100" dirty="0" smtClean="0">
+                              <a:solidFill>
+                                <a:srgbClr val="000000"/>
+                              </a:solidFill>
+                              <a:effectLst/>
+                              <a:latin typeface="Times New Roman" panose="02020603050405020304" pitchFamily="18" charset="0"/>
+                              <a:ea typeface="굴림"/>
+                              <a:cs typeface="Times New Roman" panose="02020603050405020304" pitchFamily="18" charset="0"/>
+                            </a:rPr>
+                            <a:t>1.581</a:t>
+                          </a:r>
+                          <a14:m>
+                            <m:oMath xmlns:m="http://schemas.openxmlformats.org/officeDocument/2006/math">
+                              <m:r>
+                                <a:rPr lang="en-US" altLang="ko-KR" sz="1200" kern="100">
+                                  <a:solidFill>
+                                    <a:srgbClr val="000000"/>
+                                  </a:solidFill>
+                                  <a:effectLst/>
+                                  <a:latin typeface="Cambria Math"/>
+                                  <a:ea typeface="굴림"/>
+                                </a:rPr>
+                                <m:t>×</m:t>
+                              </m:r>
+                            </m:oMath>
+                          </a14:m>
+                          <a:r>
+                            <a:rPr lang="en-US" altLang="ko-KR" sz="1200" kern="100" dirty="0">
+                              <a:solidFill>
+                                <a:srgbClr val="000000"/>
+                              </a:solidFill>
+                              <a:effectLst/>
+                              <a:latin typeface="Times New Roman" panose="02020603050405020304" pitchFamily="18" charset="0"/>
+                              <a:ea typeface="굴림"/>
+                              <a:cs typeface="Times New Roman" panose="02020603050405020304" pitchFamily="18" charset="0"/>
+                            </a:rPr>
+                            <a:t>10</a:t>
+                          </a:r>
+                          <a:r>
+                            <a:rPr lang="en-US" altLang="ko-KR" sz="1200" kern="100" baseline="30000" dirty="0">
+                              <a:solidFill>
+                                <a:srgbClr val="000000"/>
+                              </a:solidFill>
+                              <a:effectLst/>
+                              <a:latin typeface="Times New Roman" panose="02020603050405020304" pitchFamily="18" charset="0"/>
+                              <a:ea typeface="굴림"/>
+                              <a:cs typeface="Times New Roman" panose="02020603050405020304" pitchFamily="18" charset="0"/>
+                            </a:rPr>
+                            <a:t>-1</a:t>
+                          </a:r>
+                          <a:r>
+                            <a:rPr lang="en-US" altLang="ko-KR" sz="1200" kern="100" baseline="30000" dirty="0" smtClean="0">
+                              <a:solidFill>
+                                <a:srgbClr val="000000"/>
+                              </a:solidFill>
+                              <a:effectLst/>
+                              <a:latin typeface="Times New Roman" panose="02020603050405020304" pitchFamily="18" charset="0"/>
+                              <a:ea typeface="굴림"/>
+                              <a:cs typeface="Times New Roman" panose="02020603050405020304" pitchFamily="18" charset="0"/>
+                            </a:rPr>
+                            <a:t>1</a:t>
+                          </a:r>
+                          <a:endParaRPr lang="en-US" altLang="ko-KR" sz="1200" b="0" i="0" u="none" strike="noStrike" dirty="0">
+                            <a:solidFill>
+                              <a:srgbClr val="000000"/>
+                            </a:solidFill>
+                            <a:effectLst/>
+                            <a:latin typeface="Times New Roman" panose="02020603050405020304" pitchFamily="18" charset="0"/>
+                            <a:cs typeface="Times New Roman" panose="02020603050405020304" pitchFamily="18" charset="0"/>
+                          </a:endParaRPr>
+                        </a:p>
+                      </a:txBody>
+                      <a:tcPr marL="9525" marR="9525" marT="9525" marB="0" anchor="ctr">
+                        <a:lnL>
+                          <a:noFill/>
+                        </a:lnL>
+                        <a:lnR>
+                          <a:noFill/>
+                        </a:lnR>
+                        <a:lnT w="12700" cap="flat" cmpd="sng" algn="ctr">
+                          <a:solidFill>
+                            <a:schemeClr val="tx1"/>
+                          </a:solidFill>
+                          <a:prstDash val="solid"/>
+                          <a:round/>
+                          <a:headEnd type="none" w="med" len="med"/>
+                          <a:tailEnd type="none" w="med" len="med"/>
+                        </a:lnT>
+                        <a:lnB>
+                          <a:noFill/>
+                        </a:lnB>
+                      </a:tcPr>
+                    </a:tc>
+                  </a:tr>
+                  <a:tr h="209550">
+                    <a:tc>
+                      <a:txBody>
+                        <a:bodyPr/>
+                        <a:lstStyle/>
+                        <a:p>
+                          <a:pPr algn="ctr" fontAlgn="ctr"/>
+                          <a:r>
+                            <a:rPr lang="en-US" altLang="ko-KR" sz="1200" b="0" i="0" u="none" strike="noStrike" dirty="0" smtClean="0">
+                              <a:solidFill>
+                                <a:srgbClr val="000000"/>
+                              </a:solidFill>
+                              <a:effectLst/>
+                              <a:latin typeface="Times New Roman" panose="02020603050405020304" pitchFamily="18" charset="0"/>
+                              <a:cs typeface="Times New Roman" panose="02020603050405020304" pitchFamily="18" charset="0"/>
+                            </a:rPr>
+                            <a:t>15</a:t>
+                          </a:r>
+                          <a:endParaRPr lang="en-US" altLang="ko-KR" sz="1200" b="0" i="0" u="none" strike="noStrike" dirty="0">
+                            <a:solidFill>
+                              <a:srgbClr val="000000"/>
+                            </a:solidFill>
+                            <a:effectLst/>
+                            <a:latin typeface="Times New Roman" panose="02020603050405020304" pitchFamily="18" charset="0"/>
+                            <a:cs typeface="Times New Roman" panose="02020603050405020304" pitchFamily="18" charset="0"/>
+                          </a:endParaRPr>
+                        </a:p>
+                      </a:txBody>
+                      <a:tcPr marL="9525" marR="9525" marT="9525" marB="0" anchor="ctr">
+                        <a:lnL>
+                          <a:noFill/>
+                        </a:lnL>
+                        <a:lnR>
+                          <a:noFill/>
+                        </a:lnR>
+                        <a:lnT>
+                          <a:noFill/>
+                        </a:lnT>
+                        <a:lnB w="28575" cap="flat" cmpd="sng" algn="ctr">
+                          <a:solidFill>
+                            <a:schemeClr val="tx1"/>
+                          </a:solidFill>
+                          <a:prstDash val="solid"/>
+                          <a:round/>
+                          <a:headEnd type="none" w="med" len="med"/>
+                          <a:tailEnd type="none" w="med" len="med"/>
+                        </a:lnB>
+                      </a:tcPr>
+                    </a:tc>
+                    <a:tc>
+                      <a:txBody>
+                        <a:bodyPr/>
+                        <a:lstStyle/>
+                        <a:p>
+                          <a:pPr algn="ctr" fontAlgn="ctr"/>
+                          <a:r>
+                            <a:rPr lang="en-US" altLang="ko-KR" sz="1200" b="0" i="0" u="none" strike="noStrike" dirty="0" smtClean="0">
+                              <a:solidFill>
+                                <a:srgbClr val="000000"/>
+                              </a:solidFill>
+                              <a:effectLst/>
+                              <a:latin typeface="Times New Roman" panose="02020603050405020304" pitchFamily="18" charset="0"/>
+                              <a:cs typeface="Times New Roman" panose="02020603050405020304" pitchFamily="18" charset="0"/>
+                            </a:rPr>
+                            <a:t>rs2006950</a:t>
+                          </a:r>
+                          <a:endParaRPr lang="en-US" altLang="ko-KR" sz="1200" b="0" i="0" u="none" strike="noStrike" dirty="0">
+                            <a:solidFill>
+                              <a:srgbClr val="000000"/>
+                            </a:solidFill>
+                            <a:effectLst/>
+                            <a:latin typeface="Times New Roman" panose="02020603050405020304" pitchFamily="18" charset="0"/>
+                            <a:cs typeface="Times New Roman" panose="02020603050405020304" pitchFamily="18" charset="0"/>
+                          </a:endParaRPr>
+                        </a:p>
+                      </a:txBody>
+                      <a:tcPr marL="9525" marR="9525" marT="9525" marB="0" anchor="ctr">
+                        <a:lnL>
+                          <a:noFill/>
+                        </a:lnL>
+                        <a:lnR>
+                          <a:noFill/>
+                        </a:lnR>
+                        <a:lnT>
+                          <a:noFill/>
+                        </a:lnT>
+                        <a:lnB w="28575" cap="flat" cmpd="sng" algn="ctr">
+                          <a:solidFill>
+                            <a:schemeClr val="tx1"/>
+                          </a:solidFill>
+                          <a:prstDash val="solid"/>
+                          <a:round/>
+                          <a:headEnd type="none" w="med" len="med"/>
+                          <a:tailEnd type="none" w="med" len="med"/>
+                        </a:lnB>
+                      </a:tcPr>
+                    </a:tc>
+                    <a:tc>
+                      <a:txBody>
+                        <a:bodyPr/>
+                        <a:lstStyle/>
+                        <a:p>
+                          <a:pPr algn="ctr" fontAlgn="ctr"/>
+                          <a:r>
+                            <a:rPr lang="en-US" altLang="ko-KR" sz="1200" b="0" i="0" u="none" strike="noStrike" dirty="0" smtClean="0">
+                              <a:solidFill>
+                                <a:srgbClr val="000000"/>
+                              </a:solidFill>
+                              <a:effectLst/>
+                              <a:latin typeface="Times New Roman" panose="02020603050405020304" pitchFamily="18" charset="0"/>
+                              <a:cs typeface="Times New Roman" panose="02020603050405020304" pitchFamily="18" charset="0"/>
+                            </a:rPr>
+                            <a:t>96179390</a:t>
+                          </a:r>
+                          <a:endParaRPr lang="en-US" altLang="ko-KR" sz="1200" b="0" i="0" u="none" strike="noStrike" dirty="0">
+                            <a:solidFill>
+                              <a:srgbClr val="000000"/>
+                            </a:solidFill>
+                            <a:effectLst/>
+                            <a:latin typeface="Times New Roman" panose="02020603050405020304" pitchFamily="18" charset="0"/>
+                            <a:cs typeface="Times New Roman" panose="02020603050405020304" pitchFamily="18" charset="0"/>
+                          </a:endParaRPr>
+                        </a:p>
+                      </a:txBody>
+                      <a:tcPr marL="9525" marR="9525" marT="9525" marB="0" anchor="ctr">
+                        <a:lnL>
+                          <a:noFill/>
+                        </a:lnL>
+                        <a:lnR>
+                          <a:noFill/>
+                        </a:lnR>
+                        <a:lnT>
+                          <a:noFill/>
+                        </a:lnT>
+                        <a:lnB w="28575" cap="flat" cmpd="sng" algn="ctr">
+                          <a:solidFill>
+                            <a:schemeClr val="tx1"/>
+                          </a:solidFill>
+                          <a:prstDash val="solid"/>
+                          <a:round/>
+                          <a:headEnd type="none" w="med" len="med"/>
+                          <a:tailEnd type="none" w="med" len="med"/>
+                        </a:lnB>
+                      </a:tcPr>
+                    </a:tc>
+                    <a:tc>
+                      <a:txBody>
+                        <a:bodyPr/>
+                        <a:lstStyle/>
+                        <a:p>
+                          <a:pPr algn="ctr" fontAlgn="ctr"/>
+                          <a:r>
+                            <a:rPr lang="en-US" altLang="ko-KR" sz="1200" kern="100" dirty="0" smtClean="0">
+                              <a:solidFill>
+                                <a:srgbClr val="000000"/>
+                              </a:solidFill>
+                              <a:effectLst/>
+                              <a:latin typeface="Times New Roman" panose="02020603050405020304" pitchFamily="18" charset="0"/>
+                              <a:ea typeface="굴림"/>
+                              <a:cs typeface="Times New Roman" panose="02020603050405020304" pitchFamily="18" charset="0"/>
+                            </a:rPr>
+                            <a:t>3.92</a:t>
+                          </a:r>
+                          <a14:m>
+                            <m:oMath xmlns:m="http://schemas.openxmlformats.org/officeDocument/2006/math">
+                              <m:r>
+                                <a:rPr lang="en-US" altLang="ko-KR" sz="1200" kern="100">
+                                  <a:solidFill>
+                                    <a:srgbClr val="000000"/>
+                                  </a:solidFill>
+                                  <a:effectLst/>
+                                  <a:latin typeface="Cambria Math"/>
+                                  <a:ea typeface="굴림"/>
+                                </a:rPr>
+                                <m:t>×</m:t>
+                              </m:r>
+                            </m:oMath>
+                          </a14:m>
+                          <a:r>
+                            <a:rPr lang="en-US" altLang="ko-KR" sz="1200" kern="100" dirty="0">
+                              <a:solidFill>
+                                <a:srgbClr val="000000"/>
+                              </a:solidFill>
+                              <a:effectLst/>
+                              <a:latin typeface="Times New Roman" panose="02020603050405020304" pitchFamily="18" charset="0"/>
+                              <a:ea typeface="굴림"/>
+                              <a:cs typeface="Times New Roman" panose="02020603050405020304" pitchFamily="18" charset="0"/>
+                            </a:rPr>
+                            <a:t>10</a:t>
+                          </a:r>
+                          <a:r>
+                            <a:rPr lang="en-US" altLang="ko-KR" sz="1200" kern="100" baseline="30000" dirty="0">
+                              <a:solidFill>
+                                <a:srgbClr val="000000"/>
+                              </a:solidFill>
+                              <a:effectLst/>
+                              <a:latin typeface="Times New Roman" panose="02020603050405020304" pitchFamily="18" charset="0"/>
+                              <a:ea typeface="굴림"/>
+                              <a:cs typeface="Times New Roman" panose="02020603050405020304" pitchFamily="18" charset="0"/>
+                            </a:rPr>
+                            <a:t>-10</a:t>
+                          </a:r>
+                          <a:endParaRPr lang="en-US" altLang="ko-KR" sz="1200" b="0" i="0" u="none" strike="noStrike" dirty="0">
+                            <a:solidFill>
+                              <a:srgbClr val="000000"/>
+                            </a:solidFill>
+                            <a:effectLst/>
+                            <a:latin typeface="Times New Roman" panose="02020603050405020304" pitchFamily="18" charset="0"/>
+                            <a:cs typeface="Times New Roman" panose="02020603050405020304" pitchFamily="18" charset="0"/>
+                          </a:endParaRPr>
+                        </a:p>
+                      </a:txBody>
+                      <a:tcPr marL="9525" marR="9525" marT="9525" marB="0" anchor="ctr">
+                        <a:lnL>
+                          <a:noFill/>
+                        </a:lnL>
+                        <a:lnR>
+                          <a:noFill/>
+                        </a:lnR>
+                        <a:lnT>
+                          <a:noFill/>
+                        </a:lnT>
+                        <a:lnB w="28575" cap="flat" cmpd="sng" algn="ctr">
+                          <a:solidFill>
+                            <a:schemeClr val="tx1"/>
+                          </a:solidFill>
+                          <a:prstDash val="solid"/>
+                          <a:round/>
+                          <a:headEnd type="none" w="med" len="med"/>
+                          <a:tailEnd type="none" w="med" len="med"/>
+                        </a:lnB>
+                      </a:tcPr>
+                    </a:tc>
+                    <a:tc>
+                      <a:txBody>
+                        <a:bodyPr/>
+                        <a:lstStyle/>
+                        <a:p>
+                          <a:pPr algn="ctr" fontAlgn="ctr"/>
+                          <a:r>
+                            <a:rPr lang="en-US" altLang="ko-KR" sz="1200" kern="100" dirty="0" smtClean="0">
+                              <a:solidFill>
+                                <a:srgbClr val="000000"/>
+                              </a:solidFill>
+                              <a:effectLst/>
+                              <a:latin typeface="Times New Roman" panose="02020603050405020304" pitchFamily="18" charset="0"/>
+                              <a:ea typeface="굴림"/>
+                              <a:cs typeface="Times New Roman" panose="02020603050405020304" pitchFamily="18" charset="0"/>
+                            </a:rPr>
+                            <a:t>3.139</a:t>
+                          </a:r>
+                          <a14:m>
+                            <m:oMath xmlns:m="http://schemas.openxmlformats.org/officeDocument/2006/math">
+                              <m:r>
+                                <a:rPr lang="en-US" altLang="ko-KR" sz="1200" kern="100">
+                                  <a:solidFill>
+                                    <a:srgbClr val="000000"/>
+                                  </a:solidFill>
+                                  <a:effectLst/>
+                                  <a:latin typeface="Cambria Math"/>
+                                  <a:ea typeface="굴림"/>
+                                </a:rPr>
+                                <m:t>×</m:t>
+                              </m:r>
+                            </m:oMath>
+                          </a14:m>
+                          <a:r>
+                            <a:rPr lang="en-US" altLang="ko-KR" sz="1200" kern="100" dirty="0">
+                              <a:solidFill>
+                                <a:srgbClr val="000000"/>
+                              </a:solidFill>
+                              <a:effectLst/>
+                              <a:latin typeface="Times New Roman" panose="02020603050405020304" pitchFamily="18" charset="0"/>
+                              <a:ea typeface="굴림"/>
+                              <a:cs typeface="Times New Roman" panose="02020603050405020304" pitchFamily="18" charset="0"/>
+                            </a:rPr>
+                            <a:t>10</a:t>
+                          </a:r>
+                          <a:r>
+                            <a:rPr lang="en-US" altLang="ko-KR" sz="1200" kern="100" baseline="30000" dirty="0">
+                              <a:solidFill>
+                                <a:srgbClr val="000000"/>
+                              </a:solidFill>
+                              <a:effectLst/>
+                              <a:latin typeface="Times New Roman" panose="02020603050405020304" pitchFamily="18" charset="0"/>
+                              <a:ea typeface="굴림"/>
+                              <a:cs typeface="Times New Roman" panose="02020603050405020304" pitchFamily="18" charset="0"/>
+                            </a:rPr>
+                            <a:t>-1</a:t>
+                          </a:r>
+                          <a:r>
+                            <a:rPr lang="en-US" altLang="ko-KR" sz="1200" kern="100" baseline="30000" dirty="0" smtClean="0">
+                              <a:solidFill>
+                                <a:srgbClr val="000000"/>
+                              </a:solidFill>
+                              <a:effectLst/>
+                              <a:latin typeface="Times New Roman" panose="02020603050405020304" pitchFamily="18" charset="0"/>
+                              <a:ea typeface="굴림"/>
+                              <a:cs typeface="Times New Roman" panose="02020603050405020304" pitchFamily="18" charset="0"/>
+                            </a:rPr>
+                            <a:t>2</a:t>
+                          </a:r>
+                          <a:endParaRPr lang="en-US" altLang="ko-KR" sz="1200" b="0" i="0" u="none" strike="noStrike" dirty="0">
+                            <a:solidFill>
+                              <a:srgbClr val="000000"/>
+                            </a:solidFill>
+                            <a:effectLst/>
+                            <a:latin typeface="Times New Roman" panose="02020603050405020304" pitchFamily="18" charset="0"/>
+                            <a:cs typeface="Times New Roman" panose="02020603050405020304" pitchFamily="18" charset="0"/>
+                          </a:endParaRPr>
+                        </a:p>
+                      </a:txBody>
+                      <a:tcPr marL="9525" marR="9525" marT="9525" marB="0" anchor="ctr">
+                        <a:lnL>
+                          <a:noFill/>
+                        </a:lnL>
+                        <a:lnR>
+                          <a:noFill/>
+                        </a:lnR>
+                        <a:lnT>
+                          <a:noFill/>
+                        </a:lnT>
+                        <a:lnB w="28575" cap="flat" cmpd="sng" algn="ctr">
+                          <a:solidFill>
+                            <a:schemeClr val="tx1"/>
+                          </a:solidFill>
+                          <a:prstDash val="solid"/>
+                          <a:round/>
+                          <a:headEnd type="none" w="med" len="med"/>
+                          <a:tailEnd type="none" w="med" len="med"/>
+                        </a:lnB>
+                      </a:tcPr>
+                    </a:tc>
+                  </a:tr>
+                </a:tbl>
+              </a:graphicData>
+            </a:graphic>
+          </p:graphicFrame>
+        </mc:Choice>
+        <mc:Fallback>
+          <p:graphicFrame>
+            <p:nvGraphicFramePr>
+              <p:cNvPr id="4" name="표 3"/>
+              <p:cNvGraphicFramePr>
+                <a:graphicFrameLocks noGrp="1"/>
+              </p:cNvGraphicFramePr>
+              <p:nvPr>
+                <p:extLst>
+                  <p:ext uri="{D42A27DB-BD31-4B8C-83A1-F6EECF244321}">
+                    <p14:modId xmlns:p14="http://schemas.microsoft.com/office/powerpoint/2010/main" val="4169036450"/>
+                  </p:ext>
+                </p:extLst>
+              </p:nvPr>
+            </p:nvGraphicFramePr>
+            <p:xfrm>
+              <a:off x="2267744" y="1628800"/>
+              <a:ext cx="4068000" cy="838200"/>
+            </p:xfrm>
+            <a:graphic>
+              <a:graphicData uri="http://schemas.openxmlformats.org/drawingml/2006/table">
+                <a:tbl>
+                  <a:tblPr/>
+                  <a:tblGrid>
+                    <a:gridCol w="540000"/>
+                    <a:gridCol w="864000"/>
+                    <a:gridCol w="864000"/>
+                    <a:gridCol w="900000"/>
+                    <a:gridCol w="900000"/>
+                  </a:tblGrid>
+                  <a:tr h="209550">
+                    <a:tc rowSpan="2">
+                      <a:txBody>
+                        <a:bodyPr/>
+                        <a:lstStyle/>
+                        <a:p>
+                          <a:pPr algn="ctr" fontAlgn="ctr"/>
+                          <a:r>
+                            <a:rPr lang="en-US" altLang="ko-KR" sz="1200" b="0" i="0" u="none" strike="noStrike" dirty="0" smtClean="0">
+                              <a:solidFill>
+                                <a:srgbClr val="000000"/>
+                              </a:solidFill>
+                              <a:effectLst/>
+                              <a:latin typeface="Times New Roman" panose="02020603050405020304" pitchFamily="18" charset="0"/>
+                              <a:cs typeface="Times New Roman" panose="02020603050405020304" pitchFamily="18" charset="0"/>
+                            </a:rPr>
+                            <a:t>CHR</a:t>
+                          </a:r>
+                          <a:endParaRPr lang="en-US" sz="1200" b="0" i="0" u="none" strike="noStrike" dirty="0">
+                            <a:solidFill>
+                              <a:srgbClr val="000000"/>
+                            </a:solidFill>
+                            <a:effectLst/>
+                            <a:latin typeface="Times New Roman" panose="02020603050405020304" pitchFamily="18" charset="0"/>
+                            <a:cs typeface="Times New Roman" panose="02020603050405020304" pitchFamily="18" charset="0"/>
+                          </a:endParaRPr>
+                        </a:p>
+                      </a:txBody>
+                      <a:tcPr marL="9525" marR="9525" marT="9525" marB="0" anchor="ctr">
+                        <a:lnL>
+                          <a:noFill/>
+                        </a:lnL>
+                        <a:lnR>
+                          <a:noFill/>
+                        </a:lnR>
+                        <a:lnT w="28575" cap="flat" cmpd="sng" algn="ctr">
+                          <a:solidFill>
+                            <a:schemeClr val="tx1"/>
+                          </a:solidFill>
+                          <a:prstDash val="solid"/>
+                          <a:round/>
+                          <a:headEnd type="none" w="med" len="med"/>
+                          <a:tailEnd type="none" w="med" len="med"/>
+                        </a:lnT>
+                        <a:lnB w="12700" cap="flat" cmpd="sng" algn="ctr">
+                          <a:solidFill>
+                            <a:schemeClr val="tx1"/>
+                          </a:solidFill>
+                          <a:prstDash val="solid"/>
+                          <a:round/>
+                          <a:headEnd type="none" w="med" len="med"/>
+                          <a:tailEnd type="none" w="med" len="med"/>
+                        </a:lnB>
+                      </a:tcPr>
+                    </a:tc>
+                    <a:tc rowSpan="2">
+                      <a:txBody>
+                        <a:bodyPr/>
+                        <a:lstStyle/>
+                        <a:p>
+                          <a:pPr algn="ctr" fontAlgn="ctr"/>
+                          <a:r>
+                            <a:rPr lang="en-US" sz="1200" b="0" i="0" u="none" strike="noStrike" dirty="0" smtClean="0">
+                              <a:solidFill>
+                                <a:srgbClr val="000000"/>
+                              </a:solidFill>
+                              <a:effectLst/>
+                              <a:latin typeface="Times New Roman" panose="02020603050405020304" pitchFamily="18" charset="0"/>
+                              <a:cs typeface="Times New Roman" panose="02020603050405020304" pitchFamily="18" charset="0"/>
+                            </a:rPr>
+                            <a:t>SNP</a:t>
+                          </a:r>
+                          <a:endParaRPr lang="en-US" sz="1200" b="0" i="0" u="none" strike="noStrike" dirty="0">
+                            <a:solidFill>
+                              <a:srgbClr val="000000"/>
+                            </a:solidFill>
+                            <a:effectLst/>
+                            <a:latin typeface="Times New Roman" panose="02020603050405020304" pitchFamily="18" charset="0"/>
+                            <a:cs typeface="Times New Roman" panose="02020603050405020304" pitchFamily="18" charset="0"/>
+                          </a:endParaRPr>
+                        </a:p>
+                      </a:txBody>
+                      <a:tcPr marL="9525" marR="9525" marT="9525" marB="0" anchor="ctr">
+                        <a:lnL>
+                          <a:noFill/>
+                        </a:lnL>
+                        <a:lnR>
+                          <a:noFill/>
+                        </a:lnR>
+                        <a:lnT w="28575" cap="flat" cmpd="sng" algn="ctr">
+                          <a:solidFill>
+                            <a:schemeClr val="tx1"/>
+                          </a:solidFill>
+                          <a:prstDash val="solid"/>
+                          <a:round/>
+                          <a:headEnd type="none" w="med" len="med"/>
+                          <a:tailEnd type="none" w="med" len="med"/>
+                        </a:lnT>
+                        <a:lnB w="12700" cap="flat" cmpd="sng" algn="ctr">
+                          <a:solidFill>
+                            <a:schemeClr val="tx1"/>
+                          </a:solidFill>
+                          <a:prstDash val="solid"/>
+                          <a:round/>
+                          <a:headEnd type="none" w="med" len="med"/>
+                          <a:tailEnd type="none" w="med" len="med"/>
+                        </a:lnB>
+                      </a:tcPr>
+                    </a:tc>
+                    <a:tc rowSpan="2">
+                      <a:txBody>
+                        <a:bodyPr/>
+                        <a:lstStyle/>
+                        <a:p>
+                          <a:pPr algn="ctr" fontAlgn="ctr"/>
+                          <a:r>
+                            <a:rPr lang="en-US" sz="1200" b="0" i="0" u="none" strike="noStrike" dirty="0" smtClean="0">
+                              <a:solidFill>
+                                <a:srgbClr val="000000"/>
+                              </a:solidFill>
+                              <a:effectLst/>
+                              <a:latin typeface="Times New Roman" panose="02020603050405020304" pitchFamily="18" charset="0"/>
+                              <a:cs typeface="Times New Roman" panose="02020603050405020304" pitchFamily="18" charset="0"/>
+                            </a:rPr>
+                            <a:t>Position</a:t>
+                          </a:r>
+                          <a:endParaRPr lang="en-US" sz="1200" b="0" i="0" u="none" strike="noStrike" dirty="0">
+                            <a:solidFill>
+                              <a:srgbClr val="000000"/>
+                            </a:solidFill>
+                            <a:effectLst/>
+                            <a:latin typeface="Times New Roman" panose="02020603050405020304" pitchFamily="18" charset="0"/>
+                            <a:cs typeface="Times New Roman" panose="02020603050405020304" pitchFamily="18" charset="0"/>
+                          </a:endParaRPr>
+                        </a:p>
+                      </a:txBody>
+                      <a:tcPr marL="9525" marR="9525" marT="9525" marB="0" anchor="ctr">
+                        <a:lnL>
+                          <a:noFill/>
+                        </a:lnL>
+                        <a:lnR>
+                          <a:noFill/>
+                        </a:lnR>
+                        <a:lnT w="28575" cap="flat" cmpd="sng" algn="ctr">
+                          <a:solidFill>
+                            <a:schemeClr val="tx1"/>
+                          </a:solidFill>
+                          <a:prstDash val="solid"/>
+                          <a:round/>
+                          <a:headEnd type="none" w="med" len="med"/>
+                          <a:tailEnd type="none" w="med" len="med"/>
+                        </a:lnT>
+                        <a:lnB w="12700" cap="flat" cmpd="sng" algn="ctr">
+                          <a:solidFill>
+                            <a:schemeClr val="tx1"/>
+                          </a:solidFill>
+                          <a:prstDash val="solid"/>
+                          <a:round/>
+                          <a:headEnd type="none" w="med" len="med"/>
+                          <a:tailEnd type="none" w="med" len="med"/>
+                        </a:lnB>
+                      </a:tcPr>
+                    </a:tc>
+                    <a:tc gridSpan="2">
+                      <a:txBody>
+                        <a:bodyPr/>
+                        <a:lstStyle/>
+                        <a:p>
+                          <a:pPr algn="ctr" fontAlgn="ctr"/>
+                          <a:r>
+                            <a:rPr lang="en-US" sz="1200" b="0" i="0" u="none" strike="noStrike" dirty="0" smtClean="0">
+                              <a:solidFill>
+                                <a:srgbClr val="000000"/>
+                              </a:solidFill>
+                              <a:effectLst/>
+                              <a:latin typeface="Times New Roman" panose="02020603050405020304" pitchFamily="18" charset="0"/>
+                              <a:cs typeface="Times New Roman" panose="02020603050405020304" pitchFamily="18" charset="0"/>
+                            </a:rPr>
+                            <a:t>P-value</a:t>
+                          </a:r>
+                          <a:endParaRPr lang="en-US" sz="1200" b="0" i="0" u="none" strike="noStrike" dirty="0">
+                            <a:solidFill>
+                              <a:srgbClr val="000000"/>
+                            </a:solidFill>
+                            <a:effectLst/>
+                            <a:latin typeface="Times New Roman" panose="02020603050405020304" pitchFamily="18" charset="0"/>
+                            <a:cs typeface="Times New Roman" panose="02020603050405020304" pitchFamily="18" charset="0"/>
+                          </a:endParaRPr>
+                        </a:p>
+                      </a:txBody>
+                      <a:tcPr marL="9525" marR="9525" marT="9525" marB="0" anchor="ctr">
+                        <a:lnL>
+                          <a:noFill/>
+                        </a:lnL>
+                        <a:lnR>
+                          <a:noFill/>
+                        </a:lnR>
+                        <a:lnT w="28575" cap="flat" cmpd="sng" algn="ctr">
+                          <a:solidFill>
+                            <a:schemeClr val="tx1"/>
+                          </a:solidFill>
+                          <a:prstDash val="solid"/>
+                          <a:round/>
+                          <a:headEnd type="none" w="med" len="med"/>
+                          <a:tailEnd type="none" w="med" len="med"/>
+                        </a:lnT>
+                        <a:lnB w="12700" cap="flat" cmpd="sng" algn="ctr">
+                          <a:solidFill>
+                            <a:schemeClr val="tx1"/>
+                          </a:solidFill>
+                          <a:prstDash val="solid"/>
+                          <a:round/>
+                          <a:headEnd type="none" w="med" len="med"/>
+                          <a:tailEnd type="none" w="med" len="med"/>
+                        </a:lnB>
+                      </a:tcPr>
+                    </a:tc>
+                    <a:tc hMerge="1">
+                      <a:txBody>
+                        <a:bodyPr/>
+                        <a:lstStyle/>
+                        <a:p>
+                          <a:pPr algn="l" fontAlgn="ctr"/>
+                          <a:endParaRPr lang="en-US" sz="1100" b="0" i="0" u="none" strike="noStrike" dirty="0">
+                            <a:solidFill>
+                              <a:srgbClr val="000000"/>
+                            </a:solidFill>
+                            <a:effectLst/>
+                            <a:latin typeface="맑은 고딕"/>
+                          </a:endParaRPr>
+                        </a:p>
+                      </a:txBody>
+                      <a:tcPr marL="9525" marR="9525" marT="9525" marB="0" anchor="ctr">
+                        <a:lnL>
+                          <a:noFill/>
+                        </a:lnL>
+                        <a:lnR>
+                          <a:noFill/>
+                        </a:lnR>
+                        <a:lnT>
+                          <a:noFill/>
+                        </a:lnT>
+                        <a:lnB>
+                          <a:noFill/>
+                        </a:lnB>
+                      </a:tcPr>
+                    </a:tc>
+                  </a:tr>
+                  <a:tr h="209550">
+                    <a:tc vMerge="1">
+                      <a:txBody>
+                        <a:bodyPr/>
+                        <a:lstStyle/>
+                        <a:p>
+                          <a:pPr algn="l" fontAlgn="ctr"/>
+                          <a:endParaRPr lang="en-US" sz="1100" b="0" i="0" u="none" strike="noStrike" dirty="0">
+                            <a:solidFill>
+                              <a:srgbClr val="000000"/>
+                            </a:solidFill>
+                            <a:effectLst/>
+                            <a:latin typeface="맑은 고딕"/>
+                          </a:endParaRPr>
+                        </a:p>
+                      </a:txBody>
+                      <a:tcPr marL="9525" marR="9525" marT="9525" marB="0" anchor="ctr">
+                        <a:lnL>
+                          <a:noFill/>
+                        </a:lnL>
+                        <a:lnR>
+                          <a:noFill/>
+                        </a:lnR>
+                        <a:lnT>
+                          <a:noFill/>
+                        </a:lnT>
+                        <a:lnB>
+                          <a:noFill/>
+                        </a:lnB>
+                      </a:tcPr>
+                    </a:tc>
+                    <a:tc vMerge="1">
+                      <a:txBody>
+                        <a:bodyPr/>
+                        <a:lstStyle/>
+                        <a:p>
+                          <a:pPr latinLnBrk="1"/>
+                          <a:endParaRPr lang="ko-KR" altLang="en-US"/>
+                        </a:p>
+                      </a:txBody>
+                      <a:tcPr/>
+                    </a:tc>
+                    <a:tc vMerge="1">
+                      <a:txBody>
+                        <a:bodyPr/>
+                        <a:lstStyle/>
+                        <a:p>
+                          <a:pPr latinLnBrk="1"/>
+                          <a:endParaRPr lang="ko-KR" altLang="en-US"/>
+                        </a:p>
+                      </a:txBody>
+                      <a:tcPr/>
+                    </a:tc>
+                    <a:tc>
+                      <a:txBody>
+                        <a:bodyPr/>
+                        <a:lstStyle/>
+                        <a:p>
+                          <a:pPr algn="ctr" fontAlgn="ctr"/>
+                          <a:r>
+                            <a:rPr lang="en-US" sz="1200" b="0" i="0" u="none" strike="noStrike" dirty="0" smtClean="0">
+                              <a:solidFill>
+                                <a:srgbClr val="000000"/>
+                              </a:solidFill>
+                              <a:effectLst/>
+                              <a:latin typeface="Times New Roman" panose="02020603050405020304" pitchFamily="18" charset="0"/>
+                              <a:cs typeface="Times New Roman" panose="02020603050405020304" pitchFamily="18" charset="0"/>
+                            </a:rPr>
+                            <a:t>CLR</a:t>
+                          </a:r>
+                          <a:endParaRPr lang="en-US" sz="1200" b="0" i="0" u="none" strike="noStrike" dirty="0">
+                            <a:solidFill>
+                              <a:srgbClr val="000000"/>
+                            </a:solidFill>
+                            <a:effectLst/>
+                            <a:latin typeface="Times New Roman" panose="02020603050405020304" pitchFamily="18" charset="0"/>
+                            <a:cs typeface="Times New Roman" panose="02020603050405020304" pitchFamily="18" charset="0"/>
+                          </a:endParaRPr>
+                        </a:p>
+                      </a:txBody>
+                      <a:tcPr marL="9525" marR="9525" marT="9525" marB="0" anchor="ctr">
+                        <a:lnL>
+                          <a:noFill/>
+                        </a:lnL>
+                        <a:lnR>
+                          <a:noFill/>
+                        </a:lnR>
+                        <a:lnT w="12700" cap="flat" cmpd="sng" algn="ctr">
+                          <a:solidFill>
+                            <a:schemeClr val="tx1"/>
+                          </a:solidFill>
+                          <a:prstDash val="solid"/>
+                          <a:round/>
+                          <a:headEnd type="none" w="med" len="med"/>
+                          <a:tailEnd type="none" w="med" len="med"/>
+                        </a:lnT>
+                        <a:lnB w="12700" cap="flat" cmpd="sng" algn="ctr">
+                          <a:solidFill>
+                            <a:schemeClr val="tx1"/>
+                          </a:solidFill>
+                          <a:prstDash val="solid"/>
+                          <a:round/>
+                          <a:headEnd type="none" w="med" len="med"/>
+                          <a:tailEnd type="none" w="med" len="med"/>
+                        </a:lnB>
+                      </a:tcPr>
+                    </a:tc>
+                    <a:tc>
+                      <a:txBody>
+                        <a:bodyPr/>
+                        <a:lstStyle/>
+                        <a:p>
+                          <a:pPr algn="ctr" fontAlgn="ctr"/>
+                          <a:r>
+                            <a:rPr lang="en-US" sz="1200" b="0" i="0" u="none" strike="noStrike" dirty="0" smtClean="0">
+                              <a:solidFill>
+                                <a:srgbClr val="000000"/>
+                              </a:solidFill>
+                              <a:effectLst/>
+                              <a:latin typeface="Times New Roman" panose="02020603050405020304" pitchFamily="18" charset="0"/>
+                              <a:cs typeface="Times New Roman" panose="02020603050405020304" pitchFamily="18" charset="0"/>
+                            </a:rPr>
+                            <a:t>CEST</a:t>
+                          </a:r>
+                          <a:endParaRPr lang="en-US" sz="1200" b="0" i="0" u="none" strike="noStrike" dirty="0">
+                            <a:solidFill>
+                              <a:srgbClr val="000000"/>
+                            </a:solidFill>
+                            <a:effectLst/>
+                            <a:latin typeface="Times New Roman" panose="02020603050405020304" pitchFamily="18" charset="0"/>
+                            <a:cs typeface="Times New Roman" panose="02020603050405020304" pitchFamily="18" charset="0"/>
+                          </a:endParaRPr>
+                        </a:p>
+                      </a:txBody>
+                      <a:tcPr marL="9525" marR="9525" marT="9525" marB="0" anchor="ctr">
+                        <a:lnL>
+                          <a:noFill/>
+                        </a:lnL>
+                        <a:lnR>
+                          <a:noFill/>
+                        </a:lnR>
+                        <a:lnT w="12700" cap="flat" cmpd="sng" algn="ctr">
+                          <a:solidFill>
+                            <a:schemeClr val="tx1"/>
+                          </a:solidFill>
+                          <a:prstDash val="solid"/>
+                          <a:round/>
+                          <a:headEnd type="none" w="med" len="med"/>
+                          <a:tailEnd type="none" w="med" len="med"/>
+                        </a:lnT>
+                        <a:lnB w="12700" cap="flat" cmpd="sng" algn="ctr">
+                          <a:solidFill>
+                            <a:schemeClr val="tx1"/>
+                          </a:solidFill>
+                          <a:prstDash val="solid"/>
+                          <a:round/>
+                          <a:headEnd type="none" w="med" len="med"/>
+                          <a:tailEnd type="none" w="med" len="med"/>
+                        </a:lnB>
+                      </a:tcPr>
+                    </a:tc>
+                  </a:tr>
+                  <a:tr h="209550">
+                    <a:tc>
+                      <a:txBody>
+                        <a:bodyPr/>
+                        <a:lstStyle/>
+                        <a:p>
+                          <a:pPr algn="ctr" fontAlgn="ctr"/>
+                          <a:r>
+                            <a:rPr lang="en-US" altLang="ko-KR" sz="1200" b="0" i="0" u="none" strike="noStrike" dirty="0" smtClean="0">
+                              <a:solidFill>
+                                <a:srgbClr val="000000"/>
+                              </a:solidFill>
+                              <a:effectLst/>
+                              <a:latin typeface="Times New Roman" panose="02020603050405020304" pitchFamily="18" charset="0"/>
+                              <a:cs typeface="Times New Roman" panose="02020603050405020304" pitchFamily="18" charset="0"/>
+                            </a:rPr>
+                            <a:t>15</a:t>
+                          </a:r>
+                          <a:endParaRPr lang="en-US" altLang="ko-KR" sz="1200" b="0" i="0" u="none" strike="noStrike" dirty="0">
+                            <a:solidFill>
+                              <a:srgbClr val="000000"/>
+                            </a:solidFill>
+                            <a:effectLst/>
+                            <a:latin typeface="Times New Roman" panose="02020603050405020304" pitchFamily="18" charset="0"/>
+                            <a:cs typeface="Times New Roman" panose="02020603050405020304" pitchFamily="18" charset="0"/>
+                          </a:endParaRPr>
+                        </a:p>
+                      </a:txBody>
+                      <a:tcPr marL="9525" marR="9525" marT="9525" marB="0" anchor="ctr">
+                        <a:lnL>
+                          <a:noFill/>
+                        </a:lnL>
+                        <a:lnR>
+                          <a:noFill/>
+                        </a:lnR>
+                        <a:lnT w="12700" cap="flat" cmpd="sng" algn="ctr">
+                          <a:solidFill>
+                            <a:schemeClr val="tx1"/>
+                          </a:solidFill>
+                          <a:prstDash val="solid"/>
+                          <a:round/>
+                          <a:headEnd type="none" w="med" len="med"/>
+                          <a:tailEnd type="none" w="med" len="med"/>
+                        </a:lnT>
+                        <a:lnB>
+                          <a:noFill/>
+                        </a:lnB>
+                      </a:tcPr>
+                    </a:tc>
+                    <a:tc>
+                      <a:txBody>
+                        <a:bodyPr/>
+                        <a:lstStyle/>
+                        <a:p>
+                          <a:pPr algn="ctr" fontAlgn="ctr"/>
+                          <a:r>
+                            <a:rPr lang="en-US" altLang="ko-KR" sz="1200" b="0" i="0" u="none" strike="noStrike" dirty="0" smtClean="0">
+                              <a:solidFill>
+                                <a:srgbClr val="000000"/>
+                              </a:solidFill>
+                              <a:effectLst/>
+                              <a:latin typeface="Times New Roman" panose="02020603050405020304" pitchFamily="18" charset="0"/>
+                              <a:cs typeface="Times New Roman" panose="02020603050405020304" pitchFamily="18" charset="0"/>
+                            </a:rPr>
+                            <a:t>rs4544201</a:t>
+                          </a:r>
+                          <a:endParaRPr lang="en-US" altLang="ko-KR" sz="1200" b="0" i="0" u="none" strike="noStrike" dirty="0">
+                            <a:solidFill>
+                              <a:srgbClr val="000000"/>
+                            </a:solidFill>
+                            <a:effectLst/>
+                            <a:latin typeface="Times New Roman" panose="02020603050405020304" pitchFamily="18" charset="0"/>
+                            <a:cs typeface="Times New Roman" panose="02020603050405020304" pitchFamily="18" charset="0"/>
+                          </a:endParaRPr>
+                        </a:p>
+                      </a:txBody>
+                      <a:tcPr marL="9525" marR="9525" marT="9525" marB="0" anchor="ctr">
+                        <a:lnL>
+                          <a:noFill/>
+                        </a:lnL>
+                        <a:lnR>
+                          <a:noFill/>
+                        </a:lnR>
+                        <a:lnT w="12700" cap="flat" cmpd="sng" algn="ctr">
+                          <a:solidFill>
+                            <a:schemeClr val="tx1"/>
+                          </a:solidFill>
+                          <a:prstDash val="solid"/>
+                          <a:round/>
+                          <a:headEnd type="none" w="med" len="med"/>
+                          <a:tailEnd type="none" w="med" len="med"/>
+                        </a:lnT>
+                        <a:lnB>
+                          <a:noFill/>
+                        </a:lnB>
+                      </a:tcPr>
+                    </a:tc>
+                    <a:tc>
+                      <a:txBody>
+                        <a:bodyPr/>
+                        <a:lstStyle/>
+                        <a:p>
+                          <a:pPr algn="ctr" fontAlgn="ctr"/>
+                          <a:r>
+                            <a:rPr lang="en-US" altLang="ko-KR" sz="1200" b="0" i="0" u="none" strike="noStrike" dirty="0" smtClean="0">
+                              <a:solidFill>
+                                <a:srgbClr val="000000"/>
+                              </a:solidFill>
+                              <a:effectLst/>
+                              <a:latin typeface="Times New Roman" panose="02020603050405020304" pitchFamily="18" charset="0"/>
+                              <a:cs typeface="Times New Roman" panose="02020603050405020304" pitchFamily="18" charset="0"/>
+                            </a:rPr>
+                            <a:t>96167827</a:t>
+                          </a:r>
+                          <a:endParaRPr lang="en-US" altLang="ko-KR" sz="1200" b="0" i="0" u="none" strike="noStrike" dirty="0">
+                            <a:solidFill>
+                              <a:srgbClr val="000000"/>
+                            </a:solidFill>
+                            <a:effectLst/>
+                            <a:latin typeface="Times New Roman" panose="02020603050405020304" pitchFamily="18" charset="0"/>
+                            <a:cs typeface="Times New Roman" panose="02020603050405020304" pitchFamily="18" charset="0"/>
+                          </a:endParaRPr>
+                        </a:p>
+                      </a:txBody>
+                      <a:tcPr marL="9525" marR="9525" marT="9525" marB="0" anchor="ctr">
+                        <a:lnL>
+                          <a:noFill/>
+                        </a:lnL>
+                        <a:lnR>
+                          <a:noFill/>
+                        </a:lnR>
+                        <a:lnT w="12700" cap="flat" cmpd="sng" algn="ctr">
+                          <a:solidFill>
+                            <a:schemeClr val="tx1"/>
+                          </a:solidFill>
+                          <a:prstDash val="solid"/>
+                          <a:round/>
+                          <a:headEnd type="none" w="med" len="med"/>
+                          <a:tailEnd type="none" w="med" len="med"/>
+                        </a:lnT>
+                        <a:lnB>
+                          <a:noFill/>
+                        </a:lnB>
+                      </a:tcPr>
+                    </a:tc>
+                    <a:tc>
+                      <a:txBody>
+                        <a:bodyPr/>
+                        <a:lstStyle/>
+                        <a:p>
+                          <a:endParaRPr lang="ko-KR"/>
+                        </a:p>
+                      </a:txBody>
+                      <a:tcPr marL="9525" marR="9525" marT="9525" marB="0" anchor="ctr">
+                        <a:lnL>
+                          <a:noFill/>
+                        </a:lnL>
+                        <a:lnR>
+                          <a:noFill/>
+                        </a:lnR>
+                        <a:lnT w="12700" cap="flat" cmpd="sng" algn="ctr">
+                          <a:solidFill>
+                            <a:schemeClr val="tx1"/>
+                          </a:solidFill>
+                          <a:prstDash val="solid"/>
+                          <a:round/>
+                          <a:headEnd type="none" w="med" len="med"/>
+                          <a:tailEnd type="none" w="med" len="med"/>
+                        </a:lnT>
+                        <a:lnB>
+                          <a:noFill/>
+                        </a:lnB>
+                        <a:blipFill rotWithShape="1">
+                          <a:blip r:embed="rId2"/>
+                          <a:stretch>
+                            <a:fillRect l="-253061" t="-211429" r="-101361" b="-134286"/>
+                          </a:stretch>
+                        </a:blipFill>
+                      </a:tcPr>
+                    </a:tc>
+                    <a:tc>
+                      <a:txBody>
+                        <a:bodyPr/>
+                        <a:lstStyle/>
+                        <a:p>
+                          <a:endParaRPr lang="ko-KR"/>
+                        </a:p>
+                      </a:txBody>
+                      <a:tcPr marL="9525" marR="9525" marT="9525" marB="0" anchor="ctr">
+                        <a:lnL>
+                          <a:noFill/>
+                        </a:lnL>
+                        <a:lnR>
+                          <a:noFill/>
+                        </a:lnR>
+                        <a:lnT w="12700" cap="flat" cmpd="sng" algn="ctr">
+                          <a:solidFill>
+                            <a:schemeClr val="tx1"/>
+                          </a:solidFill>
+                          <a:prstDash val="solid"/>
+                          <a:round/>
+                          <a:headEnd type="none" w="med" len="med"/>
+                          <a:tailEnd type="none" w="med" len="med"/>
+                        </a:lnT>
+                        <a:lnB>
+                          <a:noFill/>
+                        </a:lnB>
+                        <a:blipFill rotWithShape="1">
+                          <a:blip r:embed="rId2"/>
+                          <a:stretch>
+                            <a:fillRect l="-350676" t="-211429" r="-676" b="-134286"/>
+                          </a:stretch>
+                        </a:blipFill>
+                      </a:tcPr>
+                    </a:tc>
+                  </a:tr>
+                  <a:tr h="209550">
+                    <a:tc>
+                      <a:txBody>
+                        <a:bodyPr/>
+                        <a:lstStyle/>
+                        <a:p>
+                          <a:pPr algn="ctr" fontAlgn="ctr"/>
+                          <a:r>
+                            <a:rPr lang="en-US" altLang="ko-KR" sz="1200" b="0" i="0" u="none" strike="noStrike" dirty="0" smtClean="0">
+                              <a:solidFill>
+                                <a:srgbClr val="000000"/>
+                              </a:solidFill>
+                              <a:effectLst/>
+                              <a:latin typeface="Times New Roman" panose="02020603050405020304" pitchFamily="18" charset="0"/>
+                              <a:cs typeface="Times New Roman" panose="02020603050405020304" pitchFamily="18" charset="0"/>
+                            </a:rPr>
+                            <a:t>15</a:t>
+                          </a:r>
+                          <a:endParaRPr lang="en-US" altLang="ko-KR" sz="1200" b="0" i="0" u="none" strike="noStrike" dirty="0">
+                            <a:solidFill>
+                              <a:srgbClr val="000000"/>
+                            </a:solidFill>
+                            <a:effectLst/>
+                            <a:latin typeface="Times New Roman" panose="02020603050405020304" pitchFamily="18" charset="0"/>
+                            <a:cs typeface="Times New Roman" panose="02020603050405020304" pitchFamily="18" charset="0"/>
+                          </a:endParaRPr>
+                        </a:p>
+                      </a:txBody>
+                      <a:tcPr marL="9525" marR="9525" marT="9525" marB="0" anchor="ctr">
+                        <a:lnL>
+                          <a:noFill/>
+                        </a:lnL>
+                        <a:lnR>
+                          <a:noFill/>
+                        </a:lnR>
+                        <a:lnT>
+                          <a:noFill/>
+                        </a:lnT>
+                        <a:lnB w="28575" cap="flat" cmpd="sng" algn="ctr">
+                          <a:solidFill>
+                            <a:schemeClr val="tx1"/>
+                          </a:solidFill>
+                          <a:prstDash val="solid"/>
+                          <a:round/>
+                          <a:headEnd type="none" w="med" len="med"/>
+                          <a:tailEnd type="none" w="med" len="med"/>
+                        </a:lnB>
+                      </a:tcPr>
+                    </a:tc>
+                    <a:tc>
+                      <a:txBody>
+                        <a:bodyPr/>
+                        <a:lstStyle/>
+                        <a:p>
+                          <a:pPr algn="ctr" fontAlgn="ctr"/>
+                          <a:r>
+                            <a:rPr lang="en-US" altLang="ko-KR" sz="1200" b="0" i="0" u="none" strike="noStrike" dirty="0" smtClean="0">
+                              <a:solidFill>
+                                <a:srgbClr val="000000"/>
+                              </a:solidFill>
+                              <a:effectLst/>
+                              <a:latin typeface="Times New Roman" panose="02020603050405020304" pitchFamily="18" charset="0"/>
+                              <a:cs typeface="Times New Roman" panose="02020603050405020304" pitchFamily="18" charset="0"/>
+                            </a:rPr>
+                            <a:t>rs2006950</a:t>
+                          </a:r>
+                          <a:endParaRPr lang="en-US" altLang="ko-KR" sz="1200" b="0" i="0" u="none" strike="noStrike" dirty="0">
+                            <a:solidFill>
+                              <a:srgbClr val="000000"/>
+                            </a:solidFill>
+                            <a:effectLst/>
+                            <a:latin typeface="Times New Roman" panose="02020603050405020304" pitchFamily="18" charset="0"/>
+                            <a:cs typeface="Times New Roman" panose="02020603050405020304" pitchFamily="18" charset="0"/>
+                          </a:endParaRPr>
+                        </a:p>
+                      </a:txBody>
+                      <a:tcPr marL="9525" marR="9525" marT="9525" marB="0" anchor="ctr">
+                        <a:lnL>
+                          <a:noFill/>
+                        </a:lnL>
+                        <a:lnR>
+                          <a:noFill/>
+                        </a:lnR>
+                        <a:lnT>
+                          <a:noFill/>
+                        </a:lnT>
+                        <a:lnB w="28575" cap="flat" cmpd="sng" algn="ctr">
+                          <a:solidFill>
+                            <a:schemeClr val="tx1"/>
+                          </a:solidFill>
+                          <a:prstDash val="solid"/>
+                          <a:round/>
+                          <a:headEnd type="none" w="med" len="med"/>
+                          <a:tailEnd type="none" w="med" len="med"/>
+                        </a:lnB>
+                      </a:tcPr>
+                    </a:tc>
+                    <a:tc>
+                      <a:txBody>
+                        <a:bodyPr/>
+                        <a:lstStyle/>
+                        <a:p>
+                          <a:pPr algn="ctr" fontAlgn="ctr"/>
+                          <a:r>
+                            <a:rPr lang="en-US" altLang="ko-KR" sz="1200" b="0" i="0" u="none" strike="noStrike" dirty="0" smtClean="0">
+                              <a:solidFill>
+                                <a:srgbClr val="000000"/>
+                              </a:solidFill>
+                              <a:effectLst/>
+                              <a:latin typeface="Times New Roman" panose="02020603050405020304" pitchFamily="18" charset="0"/>
+                              <a:cs typeface="Times New Roman" panose="02020603050405020304" pitchFamily="18" charset="0"/>
+                            </a:rPr>
+                            <a:t>96179390</a:t>
+                          </a:r>
+                          <a:endParaRPr lang="en-US" altLang="ko-KR" sz="1200" b="0" i="0" u="none" strike="noStrike" dirty="0">
+                            <a:solidFill>
+                              <a:srgbClr val="000000"/>
+                            </a:solidFill>
+                            <a:effectLst/>
+                            <a:latin typeface="Times New Roman" panose="02020603050405020304" pitchFamily="18" charset="0"/>
+                            <a:cs typeface="Times New Roman" panose="02020603050405020304" pitchFamily="18" charset="0"/>
+                          </a:endParaRPr>
+                        </a:p>
+                      </a:txBody>
+                      <a:tcPr marL="9525" marR="9525" marT="9525" marB="0" anchor="ctr">
+                        <a:lnL>
+                          <a:noFill/>
+                        </a:lnL>
+                        <a:lnR>
+                          <a:noFill/>
+                        </a:lnR>
+                        <a:lnT>
+                          <a:noFill/>
+                        </a:lnT>
+                        <a:lnB w="28575" cap="flat" cmpd="sng" algn="ctr">
+                          <a:solidFill>
+                            <a:schemeClr val="tx1"/>
+                          </a:solidFill>
+                          <a:prstDash val="solid"/>
+                          <a:round/>
+                          <a:headEnd type="none" w="med" len="med"/>
+                          <a:tailEnd type="none" w="med" len="med"/>
+                        </a:lnB>
+                      </a:tcPr>
+                    </a:tc>
+                    <a:tc>
+                      <a:txBody>
+                        <a:bodyPr/>
+                        <a:lstStyle/>
+                        <a:p>
+                          <a:endParaRPr lang="ko-KR"/>
+                        </a:p>
+                      </a:txBody>
+                      <a:tcPr marL="9525" marR="9525" marT="9525" marB="0" anchor="ctr">
+                        <a:lnL>
+                          <a:noFill/>
+                        </a:lnL>
+                        <a:lnR>
+                          <a:noFill/>
+                        </a:lnR>
+                        <a:lnT>
+                          <a:noFill/>
+                        </a:lnT>
+                        <a:lnB w="28575" cap="flat" cmpd="sng" algn="ctr">
+                          <a:solidFill>
+                            <a:schemeClr val="tx1"/>
+                          </a:solidFill>
+                          <a:prstDash val="solid"/>
+                          <a:round/>
+                          <a:headEnd type="none" w="med" len="med"/>
+                          <a:tailEnd type="none" w="med" len="med"/>
+                        </a:lnB>
+                        <a:blipFill rotWithShape="1">
+                          <a:blip r:embed="rId2"/>
+                          <a:stretch>
+                            <a:fillRect l="-253061" t="-320588" r="-101361" b="-38235"/>
+                          </a:stretch>
+                        </a:blipFill>
+                      </a:tcPr>
+                    </a:tc>
+                    <a:tc>
+                      <a:txBody>
+                        <a:bodyPr/>
+                        <a:lstStyle/>
+                        <a:p>
+                          <a:endParaRPr lang="ko-KR"/>
+                        </a:p>
+                      </a:txBody>
+                      <a:tcPr marL="9525" marR="9525" marT="9525" marB="0" anchor="ctr">
+                        <a:lnL>
+                          <a:noFill/>
+                        </a:lnL>
+                        <a:lnR>
+                          <a:noFill/>
+                        </a:lnR>
+                        <a:lnT>
+                          <a:noFill/>
+                        </a:lnT>
+                        <a:lnB w="28575" cap="flat" cmpd="sng" algn="ctr">
+                          <a:solidFill>
+                            <a:schemeClr val="tx1"/>
+                          </a:solidFill>
+                          <a:prstDash val="solid"/>
+                          <a:round/>
+                          <a:headEnd type="none" w="med" len="med"/>
+                          <a:tailEnd type="none" w="med" len="med"/>
+                        </a:lnB>
+                        <a:blipFill rotWithShape="1">
+                          <a:blip r:embed="rId2"/>
+                          <a:stretch>
+                            <a:fillRect l="-350676" t="-320588" r="-676" b="-38235"/>
+                          </a:stretch>
+                        </a:blipFill>
+                      </a:tcPr>
+                    </a:tc>
+                  </a:tr>
+                </a:tbl>
+              </a:graphicData>
+            </a:graphic>
+          </p:graphicFrame>
+        </mc:Fallback>
+      </mc:AlternateContent>
+    </p:spTree>
+    <p:extLst>
+      <p:ext uri="{BB962C8B-B14F-4D97-AF65-F5344CB8AC3E}">
+        <p14:creationId xmlns:p14="http://schemas.microsoft.com/office/powerpoint/2010/main" val="3025036434"/>
+      </p:ext>
+    </p:extLst>
+  </p:cSld>
+  <p:clrMapOvr>
+    <a:masterClrMapping/>
+  </p:clrMapOvr>
+</p:sld>
+</file>
+
 <file path=ppt/theme/theme1.xml><?xml version="1.0" encoding="utf-8"?>
 <a:theme xmlns:a="http://schemas.openxmlformats.org/drawingml/2006/main" name="Office 테마">
   <a:themeElements>
